--- a/doc/Rapport_Devoir1.pptx
+++ b/doc/Rapport_Devoir1.pptx
@@ -10,9 +10,9 @@
     <p:sldId id="257" r:id="rId4"/>
     <p:sldId id="258" r:id="rId5"/>
     <p:sldId id="259" r:id="rId6"/>
-    <p:sldId id="260" r:id="rId7"/>
-    <p:sldId id="261" r:id="rId8"/>
-    <p:sldId id="262" r:id="rId9"/>
+    <p:sldId id="266" r:id="rId7"/>
+    <p:sldId id="260" r:id="rId8"/>
+    <p:sldId id="261" r:id="rId9"/>
     <p:sldId id="263" r:id="rId10"/>
     <p:sldId id="264" r:id="rId11"/>
   </p:sldIdLst>
@@ -124,7 +124,7 @@
 <file path=ppt/revisionInfo.xml><?xml version="1.0" encoding="utf-8"?>
 <p1510:revInfo xmlns:a="http://schemas.openxmlformats.org/drawingml/2006/main" xmlns:r="http://schemas.openxmlformats.org/officeDocument/2006/relationships" xmlns:p1510="http://schemas.microsoft.com/office/powerpoint/2015/10/main">
   <p1510:revLst>
-    <p1510:client id="{8625411A-B743-4065-8137-36E899DC5753}" v="1044" dt="2025-02-04T19:08:14.588"/>
+    <p1510:client id="{8625411A-B743-4065-8137-36E899DC5753}" v="1605" dt="2025-02-05T21:05:21.542"/>
   </p1510:revLst>
 </p1510:revInfo>
 </file>
@@ -134,7 +134,7 @@
   <pc:docChgLst>
     <pc:chgData name="François GLEYZON" userId="a2d04f23f7faf3ef" providerId="LiveId" clId="{8625411A-B743-4065-8137-36E899DC5753}"/>
     <pc:docChg chg="undo custSel addSld delSld modSld">
-      <pc:chgData name="François GLEYZON" userId="a2d04f23f7faf3ef" providerId="LiveId" clId="{8625411A-B743-4065-8137-36E899DC5753}" dt="2025-02-04T19:08:14.588" v="2514" actId="20577"/>
+      <pc:chgData name="François GLEYZON" userId="a2d04f23f7faf3ef" providerId="LiveId" clId="{8625411A-B743-4065-8137-36E899DC5753}" dt="2025-02-05T21:05:43.590" v="4304" actId="14100"/>
       <pc:docMkLst>
         <pc:docMk/>
       </pc:docMkLst>
@@ -417,7 +417,7 @@
         </pc:spChg>
       </pc:sldChg>
       <pc:sldChg chg="addSp modSp mod">
-        <pc:chgData name="François GLEYZON" userId="a2d04f23f7faf3ef" providerId="LiveId" clId="{8625411A-B743-4065-8137-36E899DC5753}" dt="2025-02-04T19:08:14.588" v="2514" actId="20577"/>
+        <pc:chgData name="François GLEYZON" userId="a2d04f23f7faf3ef" providerId="LiveId" clId="{8625411A-B743-4065-8137-36E899DC5753}" dt="2025-02-05T20:24:42.838" v="2998" actId="14100"/>
         <pc:sldMkLst>
           <pc:docMk/>
           <pc:sldMk cId="415248" sldId="259"/>
@@ -511,13 +511,274 @@
           </ac:spMkLst>
         </pc:spChg>
         <pc:spChg chg="add mod">
-          <ac:chgData name="François GLEYZON" userId="a2d04f23f7faf3ef" providerId="LiveId" clId="{8625411A-B743-4065-8137-36E899DC5753}" dt="2025-02-04T19:08:14.588" v="2514" actId="20577"/>
+          <ac:chgData name="François GLEYZON" userId="a2d04f23f7faf3ef" providerId="LiveId" clId="{8625411A-B743-4065-8137-36E899DC5753}" dt="2025-02-05T20:15:55.250" v="2803" actId="14100"/>
+          <ac:spMkLst>
+            <pc:docMk/>
+            <pc:sldMk cId="415248" sldId="259"/>
+            <ac:spMk id="13" creationId="{997C35EC-1834-8CCA-7703-6CDC8E8D8AB9}"/>
+          </ac:spMkLst>
+        </pc:spChg>
+        <pc:spChg chg="add mod">
+          <ac:chgData name="François GLEYZON" userId="a2d04f23f7faf3ef" providerId="LiveId" clId="{8625411A-B743-4065-8137-36E899DC5753}" dt="2025-02-05T20:16:06.672" v="2875" actId="1037"/>
           <ac:spMkLst>
             <pc:docMk/>
             <pc:sldMk cId="415248" sldId="259"/>
             <ac:spMk id="14" creationId="{B8FBF898-C2BA-0660-7838-80479B22F286}"/>
           </ac:spMkLst>
         </pc:spChg>
+        <pc:spChg chg="add mod">
+          <ac:chgData name="François GLEYZON" userId="a2d04f23f7faf3ef" providerId="LiveId" clId="{8625411A-B743-4065-8137-36E899DC5753}" dt="2025-02-05T20:24:08.167" v="2990" actId="1076"/>
+          <ac:spMkLst>
+            <pc:docMk/>
+            <pc:sldMk cId="415248" sldId="259"/>
+            <ac:spMk id="15" creationId="{D0D4259A-0C98-BAFE-3E33-AEBE5015294A}"/>
+          </ac:spMkLst>
+        </pc:spChg>
+        <pc:spChg chg="add mod">
+          <ac:chgData name="François GLEYZON" userId="a2d04f23f7faf3ef" providerId="LiveId" clId="{8625411A-B743-4065-8137-36E899DC5753}" dt="2025-02-05T20:24:34.464" v="2995"/>
+          <ac:spMkLst>
+            <pc:docMk/>
+            <pc:sldMk cId="415248" sldId="259"/>
+            <ac:spMk id="20" creationId="{89808494-F4E2-8D53-B25F-2375493F479A}"/>
+          </ac:spMkLst>
+        </pc:spChg>
+        <pc:spChg chg="add mod">
+          <ac:chgData name="François GLEYZON" userId="a2d04f23f7faf3ef" providerId="LiveId" clId="{8625411A-B743-4065-8137-36E899DC5753}" dt="2025-02-05T20:24:42.838" v="2998" actId="14100"/>
+          <ac:spMkLst>
+            <pc:docMk/>
+            <pc:sldMk cId="415248" sldId="259"/>
+            <ac:spMk id="21" creationId="{19EAFEE6-6B99-E2E7-968A-B6336653D699}"/>
+          </ac:spMkLst>
+        </pc:spChg>
+        <pc:picChg chg="add mod">
+          <ac:chgData name="François GLEYZON" userId="a2d04f23f7faf3ef" providerId="LiveId" clId="{8625411A-B743-4065-8137-36E899DC5753}" dt="2025-02-05T20:24:08.167" v="2990" actId="1076"/>
+          <ac:picMkLst>
+            <pc:docMk/>
+            <pc:sldMk cId="415248" sldId="259"/>
+            <ac:picMk id="17" creationId="{429771DA-C7D2-B11F-BF31-76F203BCE2D9}"/>
+          </ac:picMkLst>
+        </pc:picChg>
+        <pc:picChg chg="add mod">
+          <ac:chgData name="François GLEYZON" userId="a2d04f23f7faf3ef" providerId="LiveId" clId="{8625411A-B743-4065-8137-36E899DC5753}" dt="2025-02-05T20:24:28.533" v="2994" actId="14100"/>
+          <ac:picMkLst>
+            <pc:docMk/>
+            <pc:sldMk cId="415248" sldId="259"/>
+            <ac:picMk id="19" creationId="{922DDEA9-C091-1B9B-FC36-448765828197}"/>
+          </ac:picMkLst>
+        </pc:picChg>
+      </pc:sldChg>
+      <pc:sldChg chg="addSp delSp modSp mod">
+        <pc:chgData name="François GLEYZON" userId="a2d04f23f7faf3ef" providerId="LiveId" clId="{8625411A-B743-4065-8137-36E899DC5753}" dt="2025-02-05T21:02:16.012" v="4146" actId="1076"/>
+        <pc:sldMkLst>
+          <pc:docMk/>
+          <pc:sldMk cId="1063259523" sldId="260"/>
+        </pc:sldMkLst>
+        <pc:spChg chg="add mod">
+          <ac:chgData name="François GLEYZON" userId="a2d04f23f7faf3ef" providerId="LiveId" clId="{8625411A-B743-4065-8137-36E899DC5753}" dt="2025-02-05T20:44:09.413" v="3640"/>
+          <ac:spMkLst>
+            <pc:docMk/>
+            <pc:sldMk cId="1063259523" sldId="260"/>
+            <ac:spMk id="2" creationId="{D4D11120-046A-B879-F48F-AA4B97B885CE}"/>
+          </ac:spMkLst>
+        </pc:spChg>
+        <pc:spChg chg="add mod">
+          <ac:chgData name="François GLEYZON" userId="a2d04f23f7faf3ef" providerId="LiveId" clId="{8625411A-B743-4065-8137-36E899DC5753}" dt="2025-02-05T20:44:12.212" v="3644" actId="20577"/>
+          <ac:spMkLst>
+            <pc:docMk/>
+            <pc:sldMk cId="1063259523" sldId="260"/>
+            <ac:spMk id="3" creationId="{DA380A89-ACCE-21D7-8570-DC0B7DBD979C}"/>
+          </ac:spMkLst>
+        </pc:spChg>
+        <pc:spChg chg="add mod">
+          <ac:chgData name="François GLEYZON" userId="a2d04f23f7faf3ef" providerId="LiveId" clId="{8625411A-B743-4065-8137-36E899DC5753}" dt="2025-02-05T20:44:09.413" v="3640"/>
+          <ac:spMkLst>
+            <pc:docMk/>
+            <pc:sldMk cId="1063259523" sldId="260"/>
+            <ac:spMk id="4" creationId="{FC70D617-18DE-E581-E946-0A074FF29DC2}"/>
+          </ac:spMkLst>
+        </pc:spChg>
+        <pc:spChg chg="add del mod">
+          <ac:chgData name="François GLEYZON" userId="a2d04f23f7faf3ef" providerId="LiveId" clId="{8625411A-B743-4065-8137-36E899DC5753}" dt="2025-02-05T20:53:04.795" v="3646" actId="478"/>
+          <ac:spMkLst>
+            <pc:docMk/>
+            <pc:sldMk cId="1063259523" sldId="260"/>
+            <ac:spMk id="5" creationId="{D692518E-3D66-621A-ABA1-AEC654A6A15D}"/>
+          </ac:spMkLst>
+        </pc:spChg>
+        <pc:spChg chg="add mod">
+          <ac:chgData name="François GLEYZON" userId="a2d04f23f7faf3ef" providerId="LiveId" clId="{8625411A-B743-4065-8137-36E899DC5753}" dt="2025-02-05T20:53:36.692" v="3771" actId="313"/>
+          <ac:spMkLst>
+            <pc:docMk/>
+            <pc:sldMk cId="1063259523" sldId="260"/>
+            <ac:spMk id="6" creationId="{A00EC9BE-9081-B130-BAED-D85EE92F344B}"/>
+          </ac:spMkLst>
+        </pc:spChg>
+        <pc:spChg chg="add mod">
+          <ac:chgData name="François GLEYZON" userId="a2d04f23f7faf3ef" providerId="LiveId" clId="{8625411A-B743-4065-8137-36E899DC5753}" dt="2025-02-05T21:02:08.713" v="4144" actId="20577"/>
+          <ac:spMkLst>
+            <pc:docMk/>
+            <pc:sldMk cId="1063259523" sldId="260"/>
+            <ac:spMk id="13" creationId="{BCC94210-BE15-F432-6F90-9C9CCCFEA72F}"/>
+          </ac:spMkLst>
+        </pc:spChg>
+        <pc:spChg chg="add mod">
+          <ac:chgData name="François GLEYZON" userId="a2d04f23f7faf3ef" providerId="LiveId" clId="{8625411A-B743-4065-8137-36E899DC5753}" dt="2025-02-05T21:02:01.867" v="4137" actId="20577"/>
+          <ac:spMkLst>
+            <pc:docMk/>
+            <pc:sldMk cId="1063259523" sldId="260"/>
+            <ac:spMk id="14" creationId="{EE88CA0C-9480-BE62-2525-C882E004697A}"/>
+          </ac:spMkLst>
+        </pc:spChg>
+        <pc:spChg chg="add mod">
+          <ac:chgData name="François GLEYZON" userId="a2d04f23f7faf3ef" providerId="LiveId" clId="{8625411A-B743-4065-8137-36E899DC5753}" dt="2025-02-05T21:01:56.759" v="4132" actId="20577"/>
+          <ac:spMkLst>
+            <pc:docMk/>
+            <pc:sldMk cId="1063259523" sldId="260"/>
+            <ac:spMk id="15" creationId="{C3CD8751-5795-D6B9-2248-03D689648744}"/>
+          </ac:spMkLst>
+        </pc:spChg>
+        <pc:spChg chg="add mod">
+          <ac:chgData name="François GLEYZON" userId="a2d04f23f7faf3ef" providerId="LiveId" clId="{8625411A-B743-4065-8137-36E899DC5753}" dt="2025-02-05T21:02:16.012" v="4146" actId="1076"/>
+          <ac:spMkLst>
+            <pc:docMk/>
+            <pc:sldMk cId="1063259523" sldId="260"/>
+            <ac:spMk id="16" creationId="{DA5226F6-F4A9-B138-C97F-881284C5A869}"/>
+          </ac:spMkLst>
+        </pc:spChg>
+        <pc:picChg chg="add del mod">
+          <ac:chgData name="François GLEYZON" userId="a2d04f23f7faf3ef" providerId="LiveId" clId="{8625411A-B743-4065-8137-36E899DC5753}" dt="2025-02-05T21:00:51.413" v="4102" actId="478"/>
+          <ac:picMkLst>
+            <pc:docMk/>
+            <pc:sldMk cId="1063259523" sldId="260"/>
+            <ac:picMk id="8" creationId="{4702950F-3836-E6A0-6BFA-76CDDFAB4CC0}"/>
+          </ac:picMkLst>
+        </pc:picChg>
+        <pc:picChg chg="add del mod">
+          <ac:chgData name="François GLEYZON" userId="a2d04f23f7faf3ef" providerId="LiveId" clId="{8625411A-B743-4065-8137-36E899DC5753}" dt="2025-02-05T21:00:51.077" v="4101" actId="478"/>
+          <ac:picMkLst>
+            <pc:docMk/>
+            <pc:sldMk cId="1063259523" sldId="260"/>
+            <ac:picMk id="10" creationId="{08237BA2-A9FC-935E-562D-FF42A0296247}"/>
+          </ac:picMkLst>
+        </pc:picChg>
+        <pc:picChg chg="add del mod">
+          <ac:chgData name="François GLEYZON" userId="a2d04f23f7faf3ef" providerId="LiveId" clId="{8625411A-B743-4065-8137-36E899DC5753}" dt="2025-02-05T21:00:50.703" v="4100" actId="478"/>
+          <ac:picMkLst>
+            <pc:docMk/>
+            <pc:sldMk cId="1063259523" sldId="260"/>
+            <ac:picMk id="12" creationId="{088E01A0-7014-7D88-CAC4-2E367E096521}"/>
+          </ac:picMkLst>
+        </pc:picChg>
+        <pc:picChg chg="add mod ord">
+          <ac:chgData name="François GLEYZON" userId="a2d04f23f7faf3ef" providerId="LiveId" clId="{8625411A-B743-4065-8137-36E899DC5753}" dt="2025-02-05T21:01:03.483" v="4107" actId="167"/>
+          <ac:picMkLst>
+            <pc:docMk/>
+            <pc:sldMk cId="1063259523" sldId="260"/>
+            <ac:picMk id="18" creationId="{2DE8511B-FDF9-5418-5DA7-53BA9804A37C}"/>
+          </ac:picMkLst>
+        </pc:picChg>
+      </pc:sldChg>
+      <pc:sldChg chg="addSp modSp mod">
+        <pc:chgData name="François GLEYZON" userId="a2d04f23f7faf3ef" providerId="LiveId" clId="{8625411A-B743-4065-8137-36E899DC5753}" dt="2025-02-05T21:05:43.590" v="4304" actId="14100"/>
+        <pc:sldMkLst>
+          <pc:docMk/>
+          <pc:sldMk cId="1452944335" sldId="261"/>
+        </pc:sldMkLst>
+        <pc:spChg chg="add mod">
+          <ac:chgData name="François GLEYZON" userId="a2d04f23f7faf3ef" providerId="LiveId" clId="{8625411A-B743-4065-8137-36E899DC5753}" dt="2025-02-05T21:03:08.663" v="4147"/>
+          <ac:spMkLst>
+            <pc:docMk/>
+            <pc:sldMk cId="1452944335" sldId="261"/>
+            <ac:spMk id="2" creationId="{0ED4C262-ADCF-AE6F-3CBC-6A388E77DD6D}"/>
+          </ac:spMkLst>
+        </pc:spChg>
+        <pc:spChg chg="add mod">
+          <ac:chgData name="François GLEYZON" userId="a2d04f23f7faf3ef" providerId="LiveId" clId="{8625411A-B743-4065-8137-36E899DC5753}" dt="2025-02-05T21:03:10.680" v="4149" actId="20577"/>
+          <ac:spMkLst>
+            <pc:docMk/>
+            <pc:sldMk cId="1452944335" sldId="261"/>
+            <ac:spMk id="3" creationId="{CECDEB89-FD89-A4AD-837C-99F0CAD8BC0E}"/>
+          </ac:spMkLst>
+        </pc:spChg>
+        <pc:spChg chg="add mod">
+          <ac:chgData name="François GLEYZON" userId="a2d04f23f7faf3ef" providerId="LiveId" clId="{8625411A-B743-4065-8137-36E899DC5753}" dt="2025-02-05T21:03:08.663" v="4147"/>
+          <ac:spMkLst>
+            <pc:docMk/>
+            <pc:sldMk cId="1452944335" sldId="261"/>
+            <ac:spMk id="4" creationId="{F7C7A1CB-DE34-AD40-E16D-6AA4F785CAE1}"/>
+          </ac:spMkLst>
+        </pc:spChg>
+        <pc:spChg chg="add mod">
+          <ac:chgData name="François GLEYZON" userId="a2d04f23f7faf3ef" providerId="LiveId" clId="{8625411A-B743-4065-8137-36E899DC5753}" dt="2025-02-05T21:03:31.477" v="4163" actId="20577"/>
+          <ac:spMkLst>
+            <pc:docMk/>
+            <pc:sldMk cId="1452944335" sldId="261"/>
+            <ac:spMk id="5" creationId="{D8E09B78-47CC-84BD-A259-AA9B0A6D0125}"/>
+          </ac:spMkLst>
+        </pc:spChg>
+        <pc:spChg chg="add mod">
+          <ac:chgData name="François GLEYZON" userId="a2d04f23f7faf3ef" providerId="LiveId" clId="{8625411A-B743-4065-8137-36E899DC5753}" dt="2025-02-05T21:03:45.175" v="4169" actId="14100"/>
+          <ac:spMkLst>
+            <pc:docMk/>
+            <pc:sldMk cId="1452944335" sldId="261"/>
+            <ac:spMk id="6" creationId="{EE12E67D-0239-1317-5143-EADC4A6FD1E7}"/>
+          </ac:spMkLst>
+        </pc:spChg>
+        <pc:spChg chg="add mod">
+          <ac:chgData name="François GLEYZON" userId="a2d04f23f7faf3ef" providerId="LiveId" clId="{8625411A-B743-4065-8137-36E899DC5753}" dt="2025-02-05T21:03:23.262" v="4150"/>
+          <ac:spMkLst>
+            <pc:docMk/>
+            <pc:sldMk cId="1452944335" sldId="261"/>
+            <ac:spMk id="7" creationId="{EA320C37-86BC-1C54-FDB3-FB623D060A31}"/>
+          </ac:spMkLst>
+        </pc:spChg>
+        <pc:spChg chg="add mod">
+          <ac:chgData name="François GLEYZON" userId="a2d04f23f7faf3ef" providerId="LiveId" clId="{8625411A-B743-4065-8137-36E899DC5753}" dt="2025-02-05T21:03:47.559" v="4177" actId="1038"/>
+          <ac:spMkLst>
+            <pc:docMk/>
+            <pc:sldMk cId="1452944335" sldId="261"/>
+            <ac:spMk id="8" creationId="{3F891217-F85C-D70C-2308-582197B55664}"/>
+          </ac:spMkLst>
+        </pc:spChg>
+        <pc:spChg chg="add mod">
+          <ac:chgData name="François GLEYZON" userId="a2d04f23f7faf3ef" providerId="LiveId" clId="{8625411A-B743-4065-8137-36E899DC5753}" dt="2025-02-05T21:03:23.262" v="4150"/>
+          <ac:spMkLst>
+            <pc:docMk/>
+            <pc:sldMk cId="1452944335" sldId="261"/>
+            <ac:spMk id="9" creationId="{15BED661-D5E8-5D5F-962C-7A789302F672}"/>
+          </ac:spMkLst>
+        </pc:spChg>
+        <pc:spChg chg="add mod">
+          <ac:chgData name="François GLEYZON" userId="a2d04f23f7faf3ef" providerId="LiveId" clId="{8625411A-B743-4065-8137-36E899DC5753}" dt="2025-02-05T21:04:19.847" v="4180" actId="20577"/>
+          <ac:spMkLst>
+            <pc:docMk/>
+            <pc:sldMk cId="1452944335" sldId="261"/>
+            <ac:spMk id="10" creationId="{4B5486D3-9894-C2BC-A87B-09DEDB4C8900}"/>
+          </ac:spMkLst>
+        </pc:spChg>
+        <pc:spChg chg="add mod">
+          <ac:chgData name="François GLEYZON" userId="a2d04f23f7faf3ef" providerId="LiveId" clId="{8625411A-B743-4065-8137-36E899DC5753}" dt="2025-02-05T21:05:18.677" v="4192" actId="1076"/>
+          <ac:spMkLst>
+            <pc:docMk/>
+            <pc:sldMk cId="1452944335" sldId="261"/>
+            <ac:spMk id="11" creationId="{2C5B5726-7BDA-16C2-725D-68E0A9FFBD27}"/>
+          </ac:spMkLst>
+        </pc:spChg>
+        <pc:spChg chg="add mod">
+          <ac:chgData name="François GLEYZON" userId="a2d04f23f7faf3ef" providerId="LiveId" clId="{8625411A-B743-4065-8137-36E899DC5753}" dt="2025-02-05T21:05:43.590" v="4304" actId="14100"/>
+          <ac:spMkLst>
+            <pc:docMk/>
+            <pc:sldMk cId="1452944335" sldId="261"/>
+            <ac:spMk id="12" creationId="{2443DA39-C273-D2B8-F9E1-87B2F44BDC42}"/>
+          </ac:spMkLst>
+        </pc:spChg>
+      </pc:sldChg>
+      <pc:sldChg chg="del">
+        <pc:chgData name="François GLEYZON" userId="a2d04f23f7faf3ef" providerId="LiveId" clId="{8625411A-B743-4065-8137-36E899DC5753}" dt="2025-02-05T20:27:22.032" v="3304" actId="2696"/>
+        <pc:sldMkLst>
+          <pc:docMk/>
+          <pc:sldMk cId="3272513737" sldId="262"/>
+        </pc:sldMkLst>
       </pc:sldChg>
       <pc:sldChg chg="addSp delSp modSp mod">
         <pc:chgData name="François GLEYZON" userId="a2d04f23f7faf3ef" providerId="LiveId" clId="{8625411A-B743-4065-8137-36E899DC5753}" dt="2025-02-04T18:51:58.221" v="1907" actId="478"/>
@@ -780,6 +1041,173 @@
           <pc:sldMk cId="856272587" sldId="266"/>
         </pc:sldMkLst>
       </pc:sldChg>
+      <pc:sldChg chg="addSp delSp modSp add mod">
+        <pc:chgData name="François GLEYZON" userId="a2d04f23f7faf3ef" providerId="LiveId" clId="{8625411A-B743-4065-8137-36E899DC5753}" dt="2025-02-05T20:37:18.486" v="3639" actId="1076"/>
+        <pc:sldMkLst>
+          <pc:docMk/>
+          <pc:sldMk cId="3013734229" sldId="266"/>
+        </pc:sldMkLst>
+        <pc:spChg chg="mod">
+          <ac:chgData name="François GLEYZON" userId="a2d04f23f7faf3ef" providerId="LiveId" clId="{8625411A-B743-4065-8137-36E899DC5753}" dt="2025-02-05T20:31:35.675" v="3308" actId="20577"/>
+          <ac:spMkLst>
+            <pc:docMk/>
+            <pc:sldMk cId="3013734229" sldId="266"/>
+            <ac:spMk id="3" creationId="{0D204C9D-C124-A4B2-CA14-D7E07F23E83A}"/>
+          </ac:spMkLst>
+        </pc:spChg>
+        <pc:spChg chg="mod">
+          <ac:chgData name="François GLEYZON" userId="a2d04f23f7faf3ef" providerId="LiveId" clId="{8625411A-B743-4065-8137-36E899DC5753}" dt="2025-02-05T20:27:18.357" v="3303" actId="20577"/>
+          <ac:spMkLst>
+            <pc:docMk/>
+            <pc:sldMk cId="3013734229" sldId="266"/>
+            <ac:spMk id="5" creationId="{12FC6A74-40DA-DC90-686B-24F2DCFDC298}"/>
+          </ac:spMkLst>
+        </pc:spChg>
+        <pc:spChg chg="del">
+          <ac:chgData name="François GLEYZON" userId="a2d04f23f7faf3ef" providerId="LiveId" clId="{8625411A-B743-4065-8137-36E899DC5753}" dt="2025-02-05T20:26:42.162" v="3219" actId="478"/>
+          <ac:spMkLst>
+            <pc:docMk/>
+            <pc:sldMk cId="3013734229" sldId="266"/>
+            <ac:spMk id="6" creationId="{72704823-DAA1-96DA-16B2-3345DC0524EB}"/>
+          </ac:spMkLst>
+        </pc:spChg>
+        <pc:spChg chg="del">
+          <ac:chgData name="François GLEYZON" userId="a2d04f23f7faf3ef" providerId="LiveId" clId="{8625411A-B743-4065-8137-36E899DC5753}" dt="2025-02-05T20:26:41.427" v="3218" actId="478"/>
+          <ac:spMkLst>
+            <pc:docMk/>
+            <pc:sldMk cId="3013734229" sldId="266"/>
+            <ac:spMk id="7" creationId="{D150CAEF-3C6E-E5FF-5EBD-1EE542B898A0}"/>
+          </ac:spMkLst>
+        </pc:spChg>
+        <pc:spChg chg="del">
+          <ac:chgData name="François GLEYZON" userId="a2d04f23f7faf3ef" providerId="LiveId" clId="{8625411A-B743-4065-8137-36E899DC5753}" dt="2025-02-05T20:26:42.945" v="3220" actId="478"/>
+          <ac:spMkLst>
+            <pc:docMk/>
+            <pc:sldMk cId="3013734229" sldId="266"/>
+            <ac:spMk id="8" creationId="{A445BD4E-5B47-3965-462C-914183428C18}"/>
+          </ac:spMkLst>
+        </pc:spChg>
+        <pc:spChg chg="del">
+          <ac:chgData name="François GLEYZON" userId="a2d04f23f7faf3ef" providerId="LiveId" clId="{8625411A-B743-4065-8137-36E899DC5753}" dt="2025-02-05T20:26:43.550" v="3221" actId="478"/>
+          <ac:spMkLst>
+            <pc:docMk/>
+            <pc:sldMk cId="3013734229" sldId="266"/>
+            <ac:spMk id="9" creationId="{D6683E08-EB92-E268-459D-B23E19229F2A}"/>
+          </ac:spMkLst>
+        </pc:spChg>
+        <pc:spChg chg="del">
+          <ac:chgData name="François GLEYZON" userId="a2d04f23f7faf3ef" providerId="LiveId" clId="{8625411A-B743-4065-8137-36E899DC5753}" dt="2025-02-05T20:26:39.337" v="3216" actId="478"/>
+          <ac:spMkLst>
+            <pc:docMk/>
+            <pc:sldMk cId="3013734229" sldId="266"/>
+            <ac:spMk id="10" creationId="{F36EFEFE-7299-D54F-2543-2B2E5D38E3B6}"/>
+          </ac:spMkLst>
+        </pc:spChg>
+        <pc:spChg chg="del">
+          <ac:chgData name="François GLEYZON" userId="a2d04f23f7faf3ef" providerId="LiveId" clId="{8625411A-B743-4065-8137-36E899DC5753}" dt="2025-02-05T20:26:39.337" v="3216" actId="478"/>
+          <ac:spMkLst>
+            <pc:docMk/>
+            <pc:sldMk cId="3013734229" sldId="266"/>
+            <ac:spMk id="11" creationId="{30D84749-B974-FFB5-855C-130C63444398}"/>
+          </ac:spMkLst>
+        </pc:spChg>
+        <pc:spChg chg="del">
+          <ac:chgData name="François GLEYZON" userId="a2d04f23f7faf3ef" providerId="LiveId" clId="{8625411A-B743-4065-8137-36E899DC5753}" dt="2025-02-05T20:26:39.337" v="3216" actId="478"/>
+          <ac:spMkLst>
+            <pc:docMk/>
+            <pc:sldMk cId="3013734229" sldId="266"/>
+            <ac:spMk id="12" creationId="{72FF2C8E-FBC7-7AF2-9121-8A576330C735}"/>
+          </ac:spMkLst>
+        </pc:spChg>
+        <pc:spChg chg="del">
+          <ac:chgData name="François GLEYZON" userId="a2d04f23f7faf3ef" providerId="LiveId" clId="{8625411A-B743-4065-8137-36E899DC5753}" dt="2025-02-05T20:26:40.563" v="3217" actId="478"/>
+          <ac:spMkLst>
+            <pc:docMk/>
+            <pc:sldMk cId="3013734229" sldId="266"/>
+            <ac:spMk id="13" creationId="{FCC89D96-88C5-E4EA-8BD0-6F88A0BDC02D}"/>
+          </ac:spMkLst>
+        </pc:spChg>
+        <pc:spChg chg="del">
+          <ac:chgData name="François GLEYZON" userId="a2d04f23f7faf3ef" providerId="LiveId" clId="{8625411A-B743-4065-8137-36E899DC5753}" dt="2025-02-05T20:26:39.337" v="3216" actId="478"/>
+          <ac:spMkLst>
+            <pc:docMk/>
+            <pc:sldMk cId="3013734229" sldId="266"/>
+            <ac:spMk id="14" creationId="{DA937CCF-7212-3A21-B2BE-777891DE75E5}"/>
+          </ac:spMkLst>
+        </pc:spChg>
+        <pc:spChg chg="del">
+          <ac:chgData name="François GLEYZON" userId="a2d04f23f7faf3ef" providerId="LiveId" clId="{8625411A-B743-4065-8137-36E899DC5753}" dt="2025-02-05T20:26:39.337" v="3216" actId="478"/>
+          <ac:spMkLst>
+            <pc:docMk/>
+            <pc:sldMk cId="3013734229" sldId="266"/>
+            <ac:spMk id="15" creationId="{5220B5B4-979B-914E-D3C3-0BB0C24DC058}"/>
+          </ac:spMkLst>
+        </pc:spChg>
+        <pc:spChg chg="add mod">
+          <ac:chgData name="François GLEYZON" userId="a2d04f23f7faf3ef" providerId="LiveId" clId="{8625411A-B743-4065-8137-36E899DC5753}" dt="2025-02-05T20:31:58.439" v="3366" actId="20577"/>
+          <ac:spMkLst>
+            <pc:docMk/>
+            <pc:sldMk cId="3013734229" sldId="266"/>
+            <ac:spMk id="16" creationId="{B39967A9-E27A-C14E-CB1A-C73498778C17}"/>
+          </ac:spMkLst>
+        </pc:spChg>
+        <pc:spChg chg="del">
+          <ac:chgData name="François GLEYZON" userId="a2d04f23f7faf3ef" providerId="LiveId" clId="{8625411A-B743-4065-8137-36E899DC5753}" dt="2025-02-05T20:26:39.337" v="3216" actId="478"/>
+          <ac:spMkLst>
+            <pc:docMk/>
+            <pc:sldMk cId="3013734229" sldId="266"/>
+            <ac:spMk id="21" creationId="{82FD970A-53F0-01FB-0613-5BA7B6A48773}"/>
+          </ac:spMkLst>
+        </pc:spChg>
+        <pc:spChg chg="add mod">
+          <ac:chgData name="François GLEYZON" userId="a2d04f23f7faf3ef" providerId="LiveId" clId="{8625411A-B743-4065-8137-36E899DC5753}" dt="2025-02-05T20:33:30.841" v="3411" actId="20577"/>
+          <ac:spMkLst>
+            <pc:docMk/>
+            <pc:sldMk cId="3013734229" sldId="266"/>
+            <ac:spMk id="22" creationId="{6202A4EB-70C1-FC90-04FF-E6EC22746993}"/>
+          </ac:spMkLst>
+        </pc:spChg>
+        <pc:spChg chg="add mod">
+          <ac:chgData name="François GLEYZON" userId="a2d04f23f7faf3ef" providerId="LiveId" clId="{8625411A-B743-4065-8137-36E899DC5753}" dt="2025-02-05T20:33:42.611" v="3416" actId="114"/>
+          <ac:spMkLst>
+            <pc:docMk/>
+            <pc:sldMk cId="3013734229" sldId="266"/>
+            <ac:spMk id="24" creationId="{76493576-D5CC-FFCD-A3CC-42A2E2B30ACE}"/>
+          </ac:spMkLst>
+        </pc:spChg>
+        <pc:spChg chg="add mod">
+          <ac:chgData name="François GLEYZON" userId="a2d04f23f7faf3ef" providerId="LiveId" clId="{8625411A-B743-4065-8137-36E899DC5753}" dt="2025-02-05T20:37:18.486" v="3639" actId="1076"/>
+          <ac:spMkLst>
+            <pc:docMk/>
+            <pc:sldMk cId="3013734229" sldId="266"/>
+            <ac:spMk id="25" creationId="{10BF094A-0B6E-84CD-1409-00B3E540E17B}"/>
+          </ac:spMkLst>
+        </pc:spChg>
+        <pc:picChg chg="del">
+          <ac:chgData name="François GLEYZON" userId="a2d04f23f7faf3ef" providerId="LiveId" clId="{8625411A-B743-4065-8137-36E899DC5753}" dt="2025-02-05T20:26:39.337" v="3216" actId="478"/>
+          <ac:picMkLst>
+            <pc:docMk/>
+            <pc:sldMk cId="3013734229" sldId="266"/>
+            <ac:picMk id="17" creationId="{5F5D2A31-8ED1-5B57-232F-5180D5EC96CE}"/>
+          </ac:picMkLst>
+        </pc:picChg>
+        <pc:picChg chg="del">
+          <ac:chgData name="François GLEYZON" userId="a2d04f23f7faf3ef" providerId="LiveId" clId="{8625411A-B743-4065-8137-36E899DC5753}" dt="2025-02-05T20:26:39.337" v="3216" actId="478"/>
+          <ac:picMkLst>
+            <pc:docMk/>
+            <pc:sldMk cId="3013734229" sldId="266"/>
+            <ac:picMk id="19" creationId="{CB2D8999-5D21-2ECC-0566-099933D5369D}"/>
+          </ac:picMkLst>
+        </pc:picChg>
+        <pc:picChg chg="add mod">
+          <ac:chgData name="François GLEYZON" userId="a2d04f23f7faf3ef" providerId="LiveId" clId="{8625411A-B743-4065-8137-36E899DC5753}" dt="2025-02-05T20:32:23.750" v="3371" actId="1076"/>
+          <ac:picMkLst>
+            <pc:docMk/>
+            <pc:sldMk cId="3013734229" sldId="266"/>
+            <ac:picMk id="20" creationId="{3AA74466-528C-8DC9-1492-EADB8A7E433C}"/>
+          </ac:picMkLst>
+        </pc:picChg>
+      </pc:sldChg>
     </pc:docChg>
   </pc:docChgLst>
 </pc:chgInfo>
@@ -934,7 +1362,7 @@
           <a:p>
             <a:fld id="{CEFDEF93-0E3A-4A89-BC16-F38BAE82060D}" type="datetimeFigureOut">
               <a:rPr lang="en-GB" smtClean="0"/>
-              <a:t>04/02/2025</a:t>
+              <a:t>05/02/2025</a:t>
             </a:fld>
             <a:endParaRPr lang="en-GB"/>
           </a:p>
@@ -1134,7 +1562,7 @@
           <a:p>
             <a:fld id="{CEFDEF93-0E3A-4A89-BC16-F38BAE82060D}" type="datetimeFigureOut">
               <a:rPr lang="en-GB" smtClean="0"/>
-              <a:t>04/02/2025</a:t>
+              <a:t>05/02/2025</a:t>
             </a:fld>
             <a:endParaRPr lang="en-GB"/>
           </a:p>
@@ -1344,7 +1772,7 @@
           <a:p>
             <a:fld id="{CEFDEF93-0E3A-4A89-BC16-F38BAE82060D}" type="datetimeFigureOut">
               <a:rPr lang="en-GB" smtClean="0"/>
-              <a:t>04/02/2025</a:t>
+              <a:t>05/02/2025</a:t>
             </a:fld>
             <a:endParaRPr lang="en-GB"/>
           </a:p>
@@ -1544,7 +1972,7 @@
           <a:p>
             <a:fld id="{CEFDEF93-0E3A-4A89-BC16-F38BAE82060D}" type="datetimeFigureOut">
               <a:rPr lang="en-GB" smtClean="0"/>
-              <a:t>04/02/2025</a:t>
+              <a:t>05/02/2025</a:t>
             </a:fld>
             <a:endParaRPr lang="en-GB"/>
           </a:p>
@@ -1820,7 +2248,7 @@
           <a:p>
             <a:fld id="{CEFDEF93-0E3A-4A89-BC16-F38BAE82060D}" type="datetimeFigureOut">
               <a:rPr lang="en-GB" smtClean="0"/>
-              <a:t>04/02/2025</a:t>
+              <a:t>05/02/2025</a:t>
             </a:fld>
             <a:endParaRPr lang="en-GB"/>
           </a:p>
@@ -2088,7 +2516,7 @@
           <a:p>
             <a:fld id="{CEFDEF93-0E3A-4A89-BC16-F38BAE82060D}" type="datetimeFigureOut">
               <a:rPr lang="en-GB" smtClean="0"/>
-              <a:t>04/02/2025</a:t>
+              <a:t>05/02/2025</a:t>
             </a:fld>
             <a:endParaRPr lang="en-GB"/>
           </a:p>
@@ -2503,7 +2931,7 @@
           <a:p>
             <a:fld id="{CEFDEF93-0E3A-4A89-BC16-F38BAE82060D}" type="datetimeFigureOut">
               <a:rPr lang="en-GB" smtClean="0"/>
-              <a:t>04/02/2025</a:t>
+              <a:t>05/02/2025</a:t>
             </a:fld>
             <a:endParaRPr lang="en-GB"/>
           </a:p>
@@ -2645,7 +3073,7 @@
           <a:p>
             <a:fld id="{CEFDEF93-0E3A-4A89-BC16-F38BAE82060D}" type="datetimeFigureOut">
               <a:rPr lang="en-GB" smtClean="0"/>
-              <a:t>04/02/2025</a:t>
+              <a:t>05/02/2025</a:t>
             </a:fld>
             <a:endParaRPr lang="en-GB"/>
           </a:p>
@@ -2758,7 +3186,7 @@
           <a:p>
             <a:fld id="{CEFDEF93-0E3A-4A89-BC16-F38BAE82060D}" type="datetimeFigureOut">
               <a:rPr lang="en-GB" smtClean="0"/>
-              <a:t>04/02/2025</a:t>
+              <a:t>05/02/2025</a:t>
             </a:fld>
             <a:endParaRPr lang="en-GB"/>
           </a:p>
@@ -3071,7 +3499,7 @@
           <a:p>
             <a:fld id="{CEFDEF93-0E3A-4A89-BC16-F38BAE82060D}" type="datetimeFigureOut">
               <a:rPr lang="en-GB" smtClean="0"/>
-              <a:t>04/02/2025</a:t>
+              <a:t>05/02/2025</a:t>
             </a:fld>
             <a:endParaRPr lang="en-GB"/>
           </a:p>
@@ -3360,7 +3788,7 @@
           <a:p>
             <a:fld id="{CEFDEF93-0E3A-4A89-BC16-F38BAE82060D}" type="datetimeFigureOut">
               <a:rPr lang="en-GB" smtClean="0"/>
-              <a:t>04/02/2025</a:t>
+              <a:t>05/02/2025</a:t>
             </a:fld>
             <a:endParaRPr lang="en-GB"/>
           </a:p>
@@ -3603,7 +4031,7 @@
           <a:p>
             <a:fld id="{CEFDEF93-0E3A-4A89-BC16-F38BAE82060D}" type="datetimeFigureOut">
               <a:rPr lang="en-GB" smtClean="0"/>
-              <a:t>04/02/2025</a:t>
+              <a:t>05/02/2025</a:t>
             </a:fld>
             <a:endParaRPr lang="en-GB"/>
           </a:p>
@@ -4144,8 +4572,8 @@
           </a:p>
         </p:txBody>
       </p:sp>
-      <mc:AlternateContent xmlns:mc="http://schemas.openxmlformats.org/markup-compatibility/2006">
-        <mc:Choice xmlns:a14="http://schemas.microsoft.com/office/drawing/2010/main" Requires="a14">
+      <mc:AlternateContent xmlns:mc="http://schemas.openxmlformats.org/markup-compatibility/2006" xmlns:a14="http://schemas.microsoft.com/office/drawing/2010/main">
+        <mc:Choice Requires="a14">
           <p:sp>
             <p:nvSpPr>
               <p:cNvPr id="2" name="TextBox 1">
@@ -4309,7 +4737,7 @@
             </p:txBody>
           </p:sp>
         </mc:Choice>
-        <mc:Fallback>
+        <mc:Fallback xmlns="">
           <p:sp>
             <p:nvSpPr>
               <p:cNvPr id="2" name="TextBox 1">
@@ -4354,8 +4782,8 @@
           </p:sp>
         </mc:Fallback>
       </mc:AlternateContent>
-      <mc:AlternateContent xmlns:mc="http://schemas.openxmlformats.org/markup-compatibility/2006">
-        <mc:Choice xmlns:a14="http://schemas.microsoft.com/office/drawing/2010/main" Requires="a14">
+      <mc:AlternateContent xmlns:mc="http://schemas.openxmlformats.org/markup-compatibility/2006" xmlns:a14="http://schemas.microsoft.com/office/drawing/2010/main">
+        <mc:Choice Requires="a14">
           <p:sp>
             <p:nvSpPr>
               <p:cNvPr id="3" name="TextBox 2">
@@ -4588,7 +5016,7 @@
             </p:txBody>
           </p:sp>
         </mc:Choice>
-        <mc:Fallback>
+        <mc:Fallback xmlns="">
           <p:sp>
             <p:nvSpPr>
               <p:cNvPr id="3" name="TextBox 2">
@@ -4676,8 +5104,8 @@
           </a:p>
         </p:txBody>
       </p:sp>
-      <mc:AlternateContent xmlns:mc="http://schemas.openxmlformats.org/markup-compatibility/2006">
-        <mc:Choice xmlns:a14="http://schemas.microsoft.com/office/drawing/2010/main" Requires="a14">
+      <mc:AlternateContent xmlns:mc="http://schemas.openxmlformats.org/markup-compatibility/2006" xmlns:a14="http://schemas.microsoft.com/office/drawing/2010/main">
+        <mc:Choice Requires="a14">
           <p:sp>
             <p:nvSpPr>
               <p:cNvPr id="5" name="TextBox 4">
@@ -4776,7 +5204,7 @@
             </p:txBody>
           </p:sp>
         </mc:Choice>
-        <mc:Fallback>
+        <mc:Fallback xmlns="">
           <p:sp>
             <p:nvSpPr>
               <p:cNvPr id="5" name="TextBox 4">
@@ -4821,8 +5249,8 @@
           </p:sp>
         </mc:Fallback>
       </mc:AlternateContent>
-      <mc:AlternateContent xmlns:mc="http://schemas.openxmlformats.org/markup-compatibility/2006">
-        <mc:Choice xmlns:a14="http://schemas.microsoft.com/office/drawing/2010/main" Requires="a14">
+      <mc:AlternateContent xmlns:mc="http://schemas.openxmlformats.org/markup-compatibility/2006" xmlns:a14="http://schemas.microsoft.com/office/drawing/2010/main">
+        <mc:Choice Requires="a14">
           <p:sp>
             <p:nvSpPr>
               <p:cNvPr id="6" name="TextBox 5">
@@ -5201,7 +5629,7 @@
             </p:txBody>
           </p:sp>
         </mc:Choice>
-        <mc:Fallback>
+        <mc:Fallback xmlns="">
           <p:sp>
             <p:nvSpPr>
               <p:cNvPr id="6" name="TextBox 5">
@@ -5289,8 +5717,8 @@
           </a:p>
         </p:txBody>
       </p:sp>
-      <mc:AlternateContent xmlns:mc="http://schemas.openxmlformats.org/markup-compatibility/2006">
-        <mc:Choice xmlns:a14="http://schemas.microsoft.com/office/drawing/2010/main" Requires="a14">
+      <mc:AlternateContent xmlns:mc="http://schemas.openxmlformats.org/markup-compatibility/2006" xmlns:a14="http://schemas.microsoft.com/office/drawing/2010/main">
+        <mc:Choice Requires="a14">
           <p:sp>
             <p:nvSpPr>
               <p:cNvPr id="8" name="TextBox 7">
@@ -5396,7 +5824,7 @@
             </p:txBody>
           </p:sp>
         </mc:Choice>
-        <mc:Fallback>
+        <mc:Fallback xmlns="">
           <p:sp>
             <p:nvSpPr>
               <p:cNvPr id="8" name="TextBox 7">
@@ -5441,8 +5869,8 @@
           </p:sp>
         </mc:Fallback>
       </mc:AlternateContent>
-      <mc:AlternateContent xmlns:mc="http://schemas.openxmlformats.org/markup-compatibility/2006">
-        <mc:Choice xmlns:a14="http://schemas.microsoft.com/office/drawing/2010/main" Requires="a14">
+      <mc:AlternateContent xmlns:mc="http://schemas.openxmlformats.org/markup-compatibility/2006" xmlns:a14="http://schemas.microsoft.com/office/drawing/2010/main">
+        <mc:Choice Requires="a14">
           <p:sp>
             <p:nvSpPr>
               <p:cNvPr id="13" name="TextBox 12">
@@ -5588,7 +6016,7 @@
             </p:txBody>
           </p:sp>
         </mc:Choice>
-        <mc:Fallback>
+        <mc:Fallback xmlns="">
           <p:sp>
             <p:nvSpPr>
               <p:cNvPr id="13" name="TextBox 12">
@@ -5633,8 +6061,8 @@
           </p:sp>
         </mc:Fallback>
       </mc:AlternateContent>
-      <mc:AlternateContent xmlns:mc="http://schemas.openxmlformats.org/markup-compatibility/2006">
-        <mc:Choice xmlns:a14="http://schemas.microsoft.com/office/drawing/2010/main" Requires="a14">
+      <mc:AlternateContent xmlns:mc="http://schemas.openxmlformats.org/markup-compatibility/2006" xmlns:a14="http://schemas.microsoft.com/office/drawing/2010/main">
+        <mc:Choice Requires="a14">
           <p:sp>
             <p:nvSpPr>
               <p:cNvPr id="14" name="TextBox 13">
@@ -5753,7 +6181,7 @@
             </p:txBody>
           </p:sp>
         </mc:Choice>
-        <mc:Fallback>
+        <mc:Fallback xmlns="">
           <p:sp>
             <p:nvSpPr>
               <p:cNvPr id="14" name="TextBox 13">
@@ -5845,8 +6273,8 @@
           </a:p>
         </p:txBody>
       </p:sp>
-      <mc:AlternateContent xmlns:mc="http://schemas.openxmlformats.org/markup-compatibility/2006">
-        <mc:Choice xmlns:a14="http://schemas.microsoft.com/office/drawing/2010/main" Requires="a14">
+      <mc:AlternateContent xmlns:mc="http://schemas.openxmlformats.org/markup-compatibility/2006" xmlns:a14="http://schemas.microsoft.com/office/drawing/2010/main">
+        <mc:Choice Requires="a14">
           <p:sp>
             <p:nvSpPr>
               <p:cNvPr id="17" name="TextBox 16">
@@ -6056,7 +6484,7 @@
             </p:txBody>
           </p:sp>
         </mc:Choice>
-        <mc:Fallback>
+        <mc:Fallback xmlns="">
           <p:sp>
             <p:nvSpPr>
               <p:cNvPr id="17" name="TextBox 16">
@@ -6101,8 +6529,8 @@
           </p:sp>
         </mc:Fallback>
       </mc:AlternateContent>
-      <mc:AlternateContent xmlns:mc="http://schemas.openxmlformats.org/markup-compatibility/2006">
-        <mc:Choice xmlns:a14="http://schemas.microsoft.com/office/drawing/2010/main" Requires="a14">
+      <mc:AlternateContent xmlns:mc="http://schemas.openxmlformats.org/markup-compatibility/2006" xmlns:a14="http://schemas.microsoft.com/office/drawing/2010/main">
+        <mc:Choice Requires="a14">
           <p:sp>
             <p:nvSpPr>
               <p:cNvPr id="18" name="TextBox 17">
@@ -6497,7 +6925,7 @@
             </p:txBody>
           </p:sp>
         </mc:Choice>
-        <mc:Fallback>
+        <mc:Fallback xmlns="">
           <p:sp>
             <p:nvSpPr>
               <p:cNvPr id="18" name="TextBox 17">
@@ -6681,8 +7109,8 @@
           </a:p>
         </p:txBody>
       </p:sp>
-      <mc:AlternateContent xmlns:mc="http://schemas.openxmlformats.org/markup-compatibility/2006">
-        <mc:Choice xmlns:a14="http://schemas.microsoft.com/office/drawing/2010/main" Requires="a14">
+      <mc:AlternateContent xmlns:mc="http://schemas.openxmlformats.org/markup-compatibility/2006" xmlns:a14="http://schemas.microsoft.com/office/drawing/2010/main">
+        <mc:Choice Requires="a14">
           <p:sp>
             <p:nvSpPr>
               <p:cNvPr id="10" name="TextBox 9">
@@ -6752,7 +7180,7 @@
             </p:txBody>
           </p:sp>
         </mc:Choice>
-        <mc:Fallback>
+        <mc:Fallback xmlns="">
           <p:sp>
             <p:nvSpPr>
               <p:cNvPr id="10" name="TextBox 9">
@@ -7117,8 +7545,8 @@
           </a:fontRef>
         </p:style>
       </p:cxnSp>
-      <mc:AlternateContent xmlns:mc="http://schemas.openxmlformats.org/markup-compatibility/2006">
-        <mc:Choice xmlns:a14="http://schemas.microsoft.com/office/drawing/2010/main" Requires="a14">
+      <mc:AlternateContent xmlns:mc="http://schemas.openxmlformats.org/markup-compatibility/2006" xmlns:a14="http://schemas.microsoft.com/office/drawing/2010/main">
+        <mc:Choice Requires="a14">
           <p:sp>
             <p:nvSpPr>
               <p:cNvPr id="27" name="TextBox 26">
@@ -7147,6 +7575,7 @@
               </a:bodyPr>
               <a:lstStyle/>
               <a:p>
+                <a:pPr/>
                 <a14:m>
                   <m:oMathPara xmlns:m="http://schemas.openxmlformats.org/officeDocument/2006/math">
                     <m:oMathParaPr>
@@ -7167,7 +7596,7 @@
             </p:txBody>
           </p:sp>
         </mc:Choice>
-        <mc:Fallback>
+        <mc:Fallback xmlns="">
           <p:sp>
             <p:nvSpPr>
               <p:cNvPr id="27" name="TextBox 26">
@@ -7212,8 +7641,8 @@
           </p:sp>
         </mc:Fallback>
       </mc:AlternateContent>
-      <mc:AlternateContent xmlns:mc="http://schemas.openxmlformats.org/markup-compatibility/2006">
-        <mc:Choice xmlns:a14="http://schemas.microsoft.com/office/drawing/2010/main" Requires="a14">
+      <mc:AlternateContent xmlns:mc="http://schemas.openxmlformats.org/markup-compatibility/2006" xmlns:a14="http://schemas.microsoft.com/office/drawing/2010/main">
+        <mc:Choice Requires="a14">
           <p:sp>
             <p:nvSpPr>
               <p:cNvPr id="28" name="TextBox 27">
@@ -7242,6 +7671,7 @@
               </a:bodyPr>
               <a:lstStyle/>
               <a:p>
+                <a:pPr/>
                 <a14:m>
                   <m:oMathPara xmlns:m="http://schemas.openxmlformats.org/officeDocument/2006/math">
                     <m:oMathParaPr>
@@ -7268,7 +7698,7 @@
             </p:txBody>
           </p:sp>
         </mc:Choice>
-        <mc:Fallback>
+        <mc:Fallback xmlns="">
           <p:sp>
             <p:nvSpPr>
               <p:cNvPr id="28" name="TextBox 27">
@@ -7313,8 +7743,8 @@
           </p:sp>
         </mc:Fallback>
       </mc:AlternateContent>
-      <mc:AlternateContent xmlns:mc="http://schemas.openxmlformats.org/markup-compatibility/2006">
-        <mc:Choice xmlns:a14="http://schemas.microsoft.com/office/drawing/2010/main" Requires="a14">
+      <mc:AlternateContent xmlns:mc="http://schemas.openxmlformats.org/markup-compatibility/2006" xmlns:a14="http://schemas.microsoft.com/office/drawing/2010/main">
+        <mc:Choice Requires="a14">
           <p:sp>
             <p:nvSpPr>
               <p:cNvPr id="29" name="TextBox 28">
@@ -7343,6 +7773,7 @@
               </a:bodyPr>
               <a:lstStyle/>
               <a:p>
+                <a:pPr/>
                 <a14:m>
                   <m:oMathPara xmlns:m="http://schemas.openxmlformats.org/officeDocument/2006/math">
                     <m:oMathParaPr>
@@ -7375,7 +7806,7 @@
             </p:txBody>
           </p:sp>
         </mc:Choice>
-        <mc:Fallback>
+        <mc:Fallback xmlns="">
           <p:sp>
             <p:nvSpPr>
               <p:cNvPr id="29" name="TextBox 28">
@@ -7420,8 +7851,8 @@
           </p:sp>
         </mc:Fallback>
       </mc:AlternateContent>
-      <mc:AlternateContent xmlns:mc="http://schemas.openxmlformats.org/markup-compatibility/2006">
-        <mc:Choice xmlns:a14="http://schemas.microsoft.com/office/drawing/2010/main" Requires="a14">
+      <mc:AlternateContent xmlns:mc="http://schemas.openxmlformats.org/markup-compatibility/2006" xmlns:a14="http://schemas.microsoft.com/office/drawing/2010/main">
+        <mc:Choice Requires="a14">
           <p:sp>
             <p:nvSpPr>
               <p:cNvPr id="30" name="TextBox 29">
@@ -7450,6 +7881,7 @@
               </a:bodyPr>
               <a:lstStyle/>
               <a:p>
+                <a:pPr/>
                 <a14:m>
                   <m:oMathPara xmlns:m="http://schemas.openxmlformats.org/officeDocument/2006/math">
                     <m:oMathParaPr>
@@ -7476,7 +7908,7 @@
             </p:txBody>
           </p:sp>
         </mc:Choice>
-        <mc:Fallback>
+        <mc:Fallback xmlns="">
           <p:sp>
             <p:nvSpPr>
               <p:cNvPr id="30" name="TextBox 29">
@@ -7521,8 +7953,8 @@
           </p:sp>
         </mc:Fallback>
       </mc:AlternateContent>
-      <mc:AlternateContent xmlns:mc="http://schemas.openxmlformats.org/markup-compatibility/2006">
-        <mc:Choice xmlns:a14="http://schemas.microsoft.com/office/drawing/2010/main" Requires="a14">
+      <mc:AlternateContent xmlns:mc="http://schemas.openxmlformats.org/markup-compatibility/2006" xmlns:a14="http://schemas.microsoft.com/office/drawing/2010/main">
+        <mc:Choice Requires="a14">
           <p:sp>
             <p:nvSpPr>
               <p:cNvPr id="31" name="TextBox 30">
@@ -7551,6 +7983,7 @@
               </a:bodyPr>
               <a:lstStyle/>
               <a:p>
+                <a:pPr/>
                 <a14:m>
                   <m:oMathPara xmlns:m="http://schemas.openxmlformats.org/officeDocument/2006/math">
                     <m:oMathParaPr>
@@ -7583,7 +8016,7 @@
             </p:txBody>
           </p:sp>
         </mc:Choice>
-        <mc:Fallback>
+        <mc:Fallback xmlns="">
           <p:sp>
             <p:nvSpPr>
               <p:cNvPr id="31" name="TextBox 30">
@@ -7675,8 +8108,8 @@
           </a:fontRef>
         </p:style>
       </p:cxnSp>
-      <mc:AlternateContent xmlns:mc="http://schemas.openxmlformats.org/markup-compatibility/2006">
-        <mc:Choice xmlns:a14="http://schemas.microsoft.com/office/drawing/2010/main" Requires="a14">
+      <mc:AlternateContent xmlns:mc="http://schemas.openxmlformats.org/markup-compatibility/2006" xmlns:a14="http://schemas.microsoft.com/office/drawing/2010/main">
+        <mc:Choice Requires="a14">
           <p:sp>
             <p:nvSpPr>
               <p:cNvPr id="34" name="TextBox 33">
@@ -7705,6 +8138,7 @@
               </a:bodyPr>
               <a:lstStyle/>
               <a:p>
+                <a:pPr/>
                 <a14:m>
                   <m:oMathPara xmlns:m="http://schemas.openxmlformats.org/officeDocument/2006/math">
                     <m:oMathParaPr>
@@ -7800,7 +8234,7 @@
             </p:txBody>
           </p:sp>
         </mc:Choice>
-        <mc:Fallback>
+        <mc:Fallback xmlns="">
           <p:sp>
             <p:nvSpPr>
               <p:cNvPr id="34" name="TextBox 33">
@@ -7976,8 +8410,8 @@
           <a:chExt cx="0" cy="0"/>
         </a:xfrm>
       </p:grpSpPr>
-      <mc:AlternateContent xmlns:mc="http://schemas.openxmlformats.org/markup-compatibility/2006">
-        <mc:Choice xmlns:a14="http://schemas.microsoft.com/office/drawing/2010/main" Requires="a14">
+      <mc:AlternateContent xmlns:mc="http://schemas.openxmlformats.org/markup-compatibility/2006" xmlns:a14="http://schemas.microsoft.com/office/drawing/2010/main">
+        <mc:Choice Requires="a14">
           <p:sp>
             <p:nvSpPr>
               <p:cNvPr id="2" name="TextBox 1">
@@ -8170,7 +8604,7 @@
             </p:txBody>
           </p:sp>
         </mc:Choice>
-        <mc:Fallback>
+        <mc:Fallback xmlns="">
           <p:sp>
             <p:nvSpPr>
               <p:cNvPr id="2" name="TextBox 1">
@@ -8262,8 +8696,8 @@
           </a:p>
         </p:txBody>
       </p:sp>
-      <mc:AlternateContent xmlns:mc="http://schemas.openxmlformats.org/markup-compatibility/2006">
-        <mc:Choice xmlns:a14="http://schemas.microsoft.com/office/drawing/2010/main" Requires="a14">
+      <mc:AlternateContent xmlns:mc="http://schemas.openxmlformats.org/markup-compatibility/2006" xmlns:a14="http://schemas.microsoft.com/office/drawing/2010/main">
+        <mc:Choice Requires="a14">
           <p:sp>
             <p:nvSpPr>
               <p:cNvPr id="7" name="TextBox 6">
@@ -8292,6 +8726,7 @@
               </a:bodyPr>
               <a:lstStyle/>
               <a:p>
+                <a:pPr/>
                 <a14:m>
                   <m:oMathPara xmlns:m="http://schemas.openxmlformats.org/officeDocument/2006/math">
                     <m:oMathParaPr>
@@ -8372,7 +8807,7 @@
             </p:txBody>
           </p:sp>
         </mc:Choice>
-        <mc:Fallback>
+        <mc:Fallback xmlns="">
           <p:sp>
             <p:nvSpPr>
               <p:cNvPr id="7" name="TextBox 6">
@@ -8417,8 +8852,8 @@
           </p:sp>
         </mc:Fallback>
       </mc:AlternateContent>
-      <mc:AlternateContent xmlns:mc="http://schemas.openxmlformats.org/markup-compatibility/2006">
-        <mc:Choice xmlns:a14="http://schemas.microsoft.com/office/drawing/2010/main" Requires="a14">
+      <mc:AlternateContent xmlns:mc="http://schemas.openxmlformats.org/markup-compatibility/2006" xmlns:a14="http://schemas.microsoft.com/office/drawing/2010/main">
+        <mc:Choice Requires="a14">
           <p:sp>
             <p:nvSpPr>
               <p:cNvPr id="8" name="TextBox 7">
@@ -8447,6 +8882,7 @@
               </a:bodyPr>
               <a:lstStyle/>
               <a:p>
+                <a:pPr/>
                 <a14:m>
                   <m:oMathPara xmlns:m="http://schemas.openxmlformats.org/officeDocument/2006/math">
                     <m:oMathParaPr>
@@ -8542,7 +8978,7 @@
             </p:txBody>
           </p:sp>
         </mc:Choice>
-        <mc:Fallback>
+        <mc:Fallback xmlns="">
           <p:sp>
             <p:nvSpPr>
               <p:cNvPr id="8" name="TextBox 7">
@@ -8819,8 +9255,8 @@
           </a:p>
         </p:txBody>
       </p:sp>
-      <mc:AlternateContent xmlns:mc="http://schemas.openxmlformats.org/markup-compatibility/2006">
-        <mc:Choice xmlns:a14="http://schemas.microsoft.com/office/drawing/2010/main" Requires="a14">
+      <mc:AlternateContent xmlns:mc="http://schemas.openxmlformats.org/markup-compatibility/2006" xmlns:a14="http://schemas.microsoft.com/office/drawing/2010/main">
+        <mc:Choice Requires="a14">
           <p:sp>
             <p:nvSpPr>
               <p:cNvPr id="5" name="TextBox 4">
@@ -9036,7 +9472,7 @@
             </p:txBody>
           </p:sp>
         </mc:Choice>
-        <mc:Fallback>
+        <mc:Fallback xmlns="">
           <p:sp>
             <p:nvSpPr>
               <p:cNvPr id="5" name="TextBox 4">
@@ -9081,8 +9517,8 @@
           </p:sp>
         </mc:Fallback>
       </mc:AlternateContent>
-      <mc:AlternateContent xmlns:mc="http://schemas.openxmlformats.org/markup-compatibility/2006">
-        <mc:Choice xmlns:a14="http://schemas.microsoft.com/office/drawing/2010/main" Requires="a14">
+      <mc:AlternateContent xmlns:mc="http://schemas.openxmlformats.org/markup-compatibility/2006" xmlns:a14="http://schemas.microsoft.com/office/drawing/2010/main">
+        <mc:Choice Requires="a14">
           <p:sp>
             <p:nvSpPr>
               <p:cNvPr id="6" name="TextBox 5">
@@ -9203,7 +9639,7 @@
             </p:txBody>
           </p:sp>
         </mc:Choice>
-        <mc:Fallback>
+        <mc:Fallback xmlns="">
           <p:sp>
             <p:nvSpPr>
               <p:cNvPr id="6" name="TextBox 5">
@@ -9248,8 +9684,8 @@
           </p:sp>
         </mc:Fallback>
       </mc:AlternateContent>
-      <mc:AlternateContent xmlns:mc="http://schemas.openxmlformats.org/markup-compatibility/2006">
-        <mc:Choice xmlns:a14="http://schemas.microsoft.com/office/drawing/2010/main" Requires="a14">
+      <mc:AlternateContent xmlns:mc="http://schemas.openxmlformats.org/markup-compatibility/2006" xmlns:a14="http://schemas.microsoft.com/office/drawing/2010/main">
+        <mc:Choice Requires="a14">
           <p:sp>
             <p:nvSpPr>
               <p:cNvPr id="7" name="TextBox 6">
@@ -9415,7 +9851,7 @@
             </p:txBody>
           </p:sp>
         </mc:Choice>
-        <mc:Fallback>
+        <mc:Fallback xmlns="">
           <p:sp>
             <p:nvSpPr>
               <p:cNvPr id="7" name="TextBox 6">
@@ -9460,8 +9896,8 @@
           </p:sp>
         </mc:Fallback>
       </mc:AlternateContent>
-      <mc:AlternateContent xmlns:mc="http://schemas.openxmlformats.org/markup-compatibility/2006">
-        <mc:Choice xmlns:a14="http://schemas.microsoft.com/office/drawing/2010/main" Requires="a14">
+      <mc:AlternateContent xmlns:mc="http://schemas.openxmlformats.org/markup-compatibility/2006" xmlns:a14="http://schemas.microsoft.com/office/drawing/2010/main">
+        <mc:Choice Requires="a14">
           <p:sp>
             <p:nvSpPr>
               <p:cNvPr id="9" name="TextBox 8">
@@ -9671,7 +10107,7 @@
             </p:txBody>
           </p:sp>
         </mc:Choice>
-        <mc:Fallback>
+        <mc:Fallback xmlns="">
           <p:sp>
             <p:nvSpPr>
               <p:cNvPr id="9" name="TextBox 8">
@@ -9716,8 +10152,8 @@
           </p:sp>
         </mc:Fallback>
       </mc:AlternateContent>
-      <mc:AlternateContent xmlns:mc="http://schemas.openxmlformats.org/markup-compatibility/2006">
-        <mc:Choice xmlns:a14="http://schemas.microsoft.com/office/drawing/2010/main" Requires="a14">
+      <mc:AlternateContent xmlns:mc="http://schemas.openxmlformats.org/markup-compatibility/2006" xmlns:a14="http://schemas.microsoft.com/office/drawing/2010/main">
+        <mc:Choice Requires="a14">
           <p:sp>
             <p:nvSpPr>
               <p:cNvPr id="10" name="TextBox 9">
@@ -9890,7 +10326,7 @@
             </p:txBody>
           </p:sp>
         </mc:Choice>
-        <mc:Fallback>
+        <mc:Fallback xmlns="">
           <p:sp>
             <p:nvSpPr>
               <p:cNvPr id="10" name="TextBox 9">
@@ -9935,8 +10371,8 @@
           </p:sp>
         </mc:Fallback>
       </mc:AlternateContent>
-      <mc:AlternateContent xmlns:mc="http://schemas.openxmlformats.org/markup-compatibility/2006">
-        <mc:Choice xmlns:a14="http://schemas.microsoft.com/office/drawing/2010/main" Requires="a14">
+      <mc:AlternateContent xmlns:mc="http://schemas.openxmlformats.org/markup-compatibility/2006" xmlns:a14="http://schemas.microsoft.com/office/drawing/2010/main">
+        <mc:Choice Requires="a14">
           <p:sp>
             <p:nvSpPr>
               <p:cNvPr id="11" name="TextBox 10">
@@ -10133,7 +10569,7 @@
             </p:txBody>
           </p:sp>
         </mc:Choice>
-        <mc:Fallback>
+        <mc:Fallback xmlns="">
           <p:sp>
             <p:nvSpPr>
               <p:cNvPr id="11" name="TextBox 10">
@@ -10221,8 +10657,8 @@
           </a:p>
         </p:txBody>
       </p:sp>
-      <mc:AlternateContent xmlns:mc="http://schemas.openxmlformats.org/markup-compatibility/2006">
-        <mc:Choice xmlns:a14="http://schemas.microsoft.com/office/drawing/2010/main" Requires="a14">
+      <mc:AlternateContent xmlns:mc="http://schemas.openxmlformats.org/markup-compatibility/2006" xmlns:a14="http://schemas.microsoft.com/office/drawing/2010/main">
+        <mc:Choice Requires="a14">
           <p:sp>
             <p:nvSpPr>
               <p:cNvPr id="13" name="TextBox 12">
@@ -10251,6 +10687,7 @@
               </a:bodyPr>
               <a:lstStyle/>
               <a:p>
+                <a:pPr/>
                 <a14:m>
                   <m:oMathPara xmlns:m="http://schemas.openxmlformats.org/officeDocument/2006/math">
                     <m:oMathParaPr>
@@ -10671,7 +11108,7 @@
             </p:txBody>
           </p:sp>
         </mc:Choice>
-        <mc:Fallback>
+        <mc:Fallback xmlns="">
           <p:sp>
             <p:nvSpPr>
               <p:cNvPr id="13" name="TextBox 12">
@@ -10759,8 +11196,8 @@
           </a:p>
         </p:txBody>
       </p:sp>
-      <mc:AlternateContent xmlns:mc="http://schemas.openxmlformats.org/markup-compatibility/2006">
-        <mc:Choice xmlns:a14="http://schemas.microsoft.com/office/drawing/2010/main" Requires="a14">
+      <mc:AlternateContent xmlns:mc="http://schemas.openxmlformats.org/markup-compatibility/2006" xmlns:a14="http://schemas.microsoft.com/office/drawing/2010/main">
+        <mc:Choice Requires="a14">
           <p:sp>
             <p:nvSpPr>
               <p:cNvPr id="16" name="TextBox 15">
@@ -10789,6 +11226,7 @@
               </a:bodyPr>
               <a:lstStyle/>
               <a:p>
+                <a:pPr/>
                 <a14:m>
                   <m:oMathPara xmlns:m="http://schemas.openxmlformats.org/officeDocument/2006/math">
                     <m:oMathParaPr>
@@ -11035,7 +11473,7 @@
             </p:txBody>
           </p:sp>
         </mc:Choice>
-        <mc:Fallback>
+        <mc:Fallback xmlns="">
           <p:sp>
             <p:nvSpPr>
               <p:cNvPr id="16" name="TextBox 15">
@@ -11123,8 +11561,8 @@
           </a:p>
         </p:txBody>
       </p:sp>
-      <mc:AlternateContent xmlns:mc="http://schemas.openxmlformats.org/markup-compatibility/2006">
-        <mc:Choice xmlns:a14="http://schemas.microsoft.com/office/drawing/2010/main" Requires="a14">
+      <mc:AlternateContent xmlns:mc="http://schemas.openxmlformats.org/markup-compatibility/2006" xmlns:a14="http://schemas.microsoft.com/office/drawing/2010/main">
+        <mc:Choice Requires="a14">
           <p:sp>
             <p:nvSpPr>
               <p:cNvPr id="18" name="TextBox 17">
@@ -11213,7 +11651,7 @@
             </p:txBody>
           </p:sp>
         </mc:Choice>
-        <mc:Fallback>
+        <mc:Fallback xmlns="">
           <p:sp>
             <p:nvSpPr>
               <p:cNvPr id="18" name="TextBox 17">
@@ -11258,8 +11696,8 @@
           </p:sp>
         </mc:Fallback>
       </mc:AlternateContent>
-      <mc:AlternateContent xmlns:mc="http://schemas.openxmlformats.org/markup-compatibility/2006">
-        <mc:Choice xmlns:a14="http://schemas.microsoft.com/office/drawing/2010/main" Requires="a14">
+      <mc:AlternateContent xmlns:mc="http://schemas.openxmlformats.org/markup-compatibility/2006" xmlns:a14="http://schemas.microsoft.com/office/drawing/2010/main">
+        <mc:Choice Requires="a14">
           <p:sp>
             <p:nvSpPr>
               <p:cNvPr id="19" name="TextBox 18">
@@ -11430,7 +11868,7 @@
             </p:txBody>
           </p:sp>
         </mc:Choice>
-        <mc:Fallback>
+        <mc:Fallback xmlns="">
           <p:sp>
             <p:nvSpPr>
               <p:cNvPr id="19" name="TextBox 18">
@@ -11475,8 +11913,8 @@
           </p:sp>
         </mc:Fallback>
       </mc:AlternateContent>
-      <mc:AlternateContent xmlns:mc="http://schemas.openxmlformats.org/markup-compatibility/2006">
-        <mc:Choice xmlns:a14="http://schemas.microsoft.com/office/drawing/2010/main" Requires="a14">
+      <mc:AlternateContent xmlns:mc="http://schemas.openxmlformats.org/markup-compatibility/2006" xmlns:a14="http://schemas.microsoft.com/office/drawing/2010/main">
+        <mc:Choice Requires="a14">
           <p:sp>
             <p:nvSpPr>
               <p:cNvPr id="20" name="TextBox 19">
@@ -11745,7 +12183,7 @@
             </p:txBody>
           </p:sp>
         </mc:Choice>
-        <mc:Fallback>
+        <mc:Fallback xmlns="">
           <p:sp>
             <p:nvSpPr>
               <p:cNvPr id="20" name="TextBox 19">
@@ -11833,8 +12271,8 @@
           </a:p>
         </p:txBody>
       </p:sp>
-      <mc:AlternateContent xmlns:mc="http://schemas.openxmlformats.org/markup-compatibility/2006">
-        <mc:Choice xmlns:a14="http://schemas.microsoft.com/office/drawing/2010/main" Requires="a14">
+      <mc:AlternateContent xmlns:mc="http://schemas.openxmlformats.org/markup-compatibility/2006" xmlns:a14="http://schemas.microsoft.com/office/drawing/2010/main">
+        <mc:Choice Requires="a14">
           <p:sp>
             <p:nvSpPr>
               <p:cNvPr id="22" name="TextBox 21">
@@ -11868,6 +12306,7 @@
               </a:bodyPr>
               <a:lstStyle/>
               <a:p>
+                <a:pPr/>
                 <a14:m>
                   <m:oMathPara xmlns:m="http://schemas.openxmlformats.org/officeDocument/2006/math">
                     <m:oMathParaPr>
@@ -12093,7 +12532,7 @@
             </p:txBody>
           </p:sp>
         </mc:Choice>
-        <mc:Fallback>
+        <mc:Fallback xmlns="">
           <p:sp>
             <p:nvSpPr>
               <p:cNvPr id="22" name="TextBox 21">
@@ -12528,8 +12967,8 @@
           </a:p>
         </p:txBody>
       </p:sp>
-      <mc:AlternateContent xmlns:mc="http://schemas.openxmlformats.org/markup-compatibility/2006">
-        <mc:Choice xmlns:a14="http://schemas.microsoft.com/office/drawing/2010/main" Requires="a14">
+      <mc:AlternateContent xmlns:mc="http://schemas.openxmlformats.org/markup-compatibility/2006" xmlns:a14="http://schemas.microsoft.com/office/drawing/2010/main">
+        <mc:Choice Requires="a14">
           <p:sp>
             <p:nvSpPr>
               <p:cNvPr id="6" name="TextBox 5">
@@ -12737,7 +13176,7 @@
             </p:txBody>
           </p:sp>
         </mc:Choice>
-        <mc:Fallback>
+        <mc:Fallback xmlns="">
           <p:sp>
             <p:nvSpPr>
               <p:cNvPr id="6" name="TextBox 5">
@@ -12782,8 +13221,8 @@
           </p:sp>
         </mc:Fallback>
       </mc:AlternateContent>
-      <mc:AlternateContent xmlns:mc="http://schemas.openxmlformats.org/markup-compatibility/2006">
-        <mc:Choice xmlns:a14="http://schemas.microsoft.com/office/drawing/2010/main" Requires="a14">
+      <mc:AlternateContent xmlns:mc="http://schemas.openxmlformats.org/markup-compatibility/2006" xmlns:a14="http://schemas.microsoft.com/office/drawing/2010/main">
+        <mc:Choice Requires="a14">
           <p:sp>
             <p:nvSpPr>
               <p:cNvPr id="7" name="TextBox 6">
@@ -13053,7 +13492,7 @@
             </p:txBody>
           </p:sp>
         </mc:Choice>
-        <mc:Fallback>
+        <mc:Fallback xmlns="">
           <p:sp>
             <p:nvSpPr>
               <p:cNvPr id="7" name="TextBox 6">
@@ -13227,8 +13666,8 @@
           </a:p>
         </p:txBody>
       </p:sp>
-      <mc:AlternateContent xmlns:mc="http://schemas.openxmlformats.org/markup-compatibility/2006">
-        <mc:Choice xmlns:a14="http://schemas.microsoft.com/office/drawing/2010/main" Requires="a14">
+      <mc:AlternateContent xmlns:mc="http://schemas.openxmlformats.org/markup-compatibility/2006" xmlns:a14="http://schemas.microsoft.com/office/drawing/2010/main">
+        <mc:Choice Requires="a14">
           <p:sp>
             <p:nvSpPr>
               <p:cNvPr id="11" name="TextBox 10">
@@ -13445,7 +13884,7 @@
                       <m:sSub>
                         <m:sSubPr>
                           <m:ctrlPr>
-                            <a:rPr lang="fr-FR" b="0" i="0" dirty="0" smtClean="0">
+                            <a:rPr lang="fr-FR" b="0" i="1" dirty="0" smtClean="0">
                               <a:latin typeface="Cambria Math" panose="02040503050406030204" pitchFamily="18" charset="0"/>
                             </a:rPr>
                           </m:ctrlPr>
@@ -13642,14 +14081,7 @@
                                   <a:latin typeface="Cambria Math" panose="02040503050406030204" pitchFamily="18" charset="0"/>
                                   <a:ea typeface="Cambria Math" panose="02040503050406030204" pitchFamily="18" charset="0"/>
                                 </a:rPr>
-                                <m:t>−</m:t>
-                              </m:r>
-                              <m:r>
-                                <a:rPr lang="fr-FR" b="0" i="1" smtClean="0">
-                                  <a:latin typeface="Cambria Math" panose="02040503050406030204" pitchFamily="18" charset="0"/>
-                                  <a:ea typeface="Cambria Math" panose="02040503050406030204" pitchFamily="18" charset="0"/>
-                                </a:rPr>
-                                <m:t>1</m:t>
+                                <m:t>−1</m:t>
                               </m:r>
                             </m:num>
                             <m:den>
@@ -13893,7 +14325,7 @@
             </p:txBody>
           </p:sp>
         </mc:Choice>
-        <mc:Fallback>
+        <mc:Fallback xmlns="">
           <p:sp>
             <p:nvSpPr>
               <p:cNvPr id="11" name="TextBox 10">
@@ -13938,8 +14370,8 @@
           </p:sp>
         </mc:Fallback>
       </mc:AlternateContent>
-      <mc:AlternateContent xmlns:mc="http://schemas.openxmlformats.org/markup-compatibility/2006">
-        <mc:Choice xmlns:a14="http://schemas.microsoft.com/office/drawing/2010/main" Requires="a14">
+      <mc:AlternateContent xmlns:mc="http://schemas.openxmlformats.org/markup-compatibility/2006" xmlns:a14="http://schemas.microsoft.com/office/drawing/2010/main">
+        <mc:Choice Requires="a14">
           <p:sp>
             <p:nvSpPr>
               <p:cNvPr id="12" name="TextBox 11">
@@ -14010,7 +14442,7 @@
             </p:txBody>
           </p:sp>
         </mc:Choice>
-        <mc:Fallback>
+        <mc:Fallback xmlns="">
           <p:sp>
             <p:nvSpPr>
               <p:cNvPr id="12" name="TextBox 11">
@@ -14071,7 +14503,7 @@
             </p:nvSpPr>
             <p:spPr>
               <a:xfrm>
-                <a:off x="2723233" y="3103737"/>
+                <a:off x="80939" y="3103737"/>
                 <a:ext cx="6142244" cy="2899127"/>
               </a:xfrm>
               <a:prstGeom prst="rect">
@@ -14298,7 +14730,7 @@
                       <m:sSub>
                         <m:sSubPr>
                           <m:ctrlPr>
-                            <a:rPr lang="fr-FR" b="0" i="0" dirty="0" smtClean="0">
+                            <a:rPr lang="fr-FR" b="0" i="1" dirty="0" smtClean="0">
                               <a:latin typeface="Cambria Math" panose="02040503050406030204" pitchFamily="18" charset="0"/>
                             </a:rPr>
                           </m:ctrlPr>
@@ -14332,7 +14764,7 @@
                       <m:sSub>
                         <m:sSubPr>
                           <m:ctrlPr>
-                            <a:rPr lang="fr-FR" b="0" i="0" dirty="0" smtClean="0">
+                            <a:rPr lang="fr-FR" b="0" i="1" dirty="0" smtClean="0">
                               <a:latin typeface="Cambria Math" panose="02040503050406030204" pitchFamily="18" charset="0"/>
                             </a:rPr>
                           </m:ctrlPr>
@@ -14837,13 +15269,7 @@
                             <a:rPr lang="fr-FR" b="0" i="0" dirty="0" smtClean="0">
                               <a:latin typeface="Cambria Math" panose="02040503050406030204" pitchFamily="18" charset="0"/>
                             </a:rPr>
-                            <m:t>=3:</m:t>
-                          </m:r>
-                          <m:r>
-                            <a:rPr lang="fr-FR" b="0" i="0" dirty="0" smtClean="0">
-                              <a:latin typeface="Cambria Math" panose="02040503050406030204" pitchFamily="18" charset="0"/>
-                            </a:rPr>
-                            <m:t> </m:t>
+                            <m:t>=3: </m:t>
                           </m:r>
                           <m:r>
                             <m:rPr>
@@ -15280,13 +15706,7 @@
                             <a:rPr lang="fr-FR" b="0" i="0" dirty="0" smtClean="0">
                               <a:latin typeface="Cambria Math" panose="02040503050406030204" pitchFamily="18" charset="0"/>
                             </a:rPr>
-                            <m:t>=4:</m:t>
-                          </m:r>
-                          <m:r>
-                            <a:rPr lang="fr-FR" b="0" i="0" dirty="0" smtClean="0">
-                              <a:latin typeface="Cambria Math" panose="02040503050406030204" pitchFamily="18" charset="0"/>
-                            </a:rPr>
-                            <m:t> </m:t>
+                            <m:t>=4: </m:t>
                           </m:r>
                           <m:r>
                             <m:rPr>
@@ -15729,13 +16149,7 @@
                             <a:rPr lang="fr-FR" b="0" i="0" dirty="0" smtClean="0">
                               <a:latin typeface="Cambria Math" panose="02040503050406030204" pitchFamily="18" charset="0"/>
                             </a:rPr>
-                            <m:t>=5:</m:t>
-                          </m:r>
-                          <m:r>
-                            <a:rPr lang="fr-FR" b="0" i="0" dirty="0" smtClean="0">
-                              <a:latin typeface="Cambria Math" panose="02040503050406030204" pitchFamily="18" charset="0"/>
-                            </a:rPr>
-                            <m:t> </m:t>
+                            <m:t>=5: </m:t>
                           </m:r>
                           <m:r>
                             <m:rPr>
@@ -15812,7 +16226,7 @@
             </p:nvSpPr>
             <p:spPr>
               <a:xfrm>
-                <a:off x="2723233" y="3103737"/>
+                <a:off x="80939" y="3103737"/>
                 <a:ext cx="6142244" cy="2899127"/>
               </a:xfrm>
               <a:prstGeom prst="rect">
@@ -15840,6 +16254,1830 @@
           </p:sp>
         </mc:Fallback>
       </mc:AlternateContent>
+      <mc:AlternateContent xmlns:mc="http://schemas.openxmlformats.org/markup-compatibility/2006">
+        <mc:Choice xmlns:a14="http://schemas.microsoft.com/office/drawing/2010/main" Requires="a14">
+          <p:sp>
+            <p:nvSpPr>
+              <p:cNvPr id="13" name="TextBox 12">
+                <a:extLst>
+                  <a:ext uri="{FF2B5EF4-FFF2-40B4-BE49-F238E27FC236}">
+                    <a16:creationId xmlns:a16="http://schemas.microsoft.com/office/drawing/2014/main" id="{997C35EC-1834-8CCA-7703-6CDC8E8D8AB9}"/>
+                  </a:ext>
+                </a:extLst>
+              </p:cNvPr>
+              <p:cNvSpPr txBox="1"/>
+              <p:nvPr/>
+            </p:nvSpPr>
+            <p:spPr>
+              <a:xfrm>
+                <a:off x="-1048" y="6045866"/>
+                <a:ext cx="12021199" cy="739433"/>
+              </a:xfrm>
+              <a:prstGeom prst="rect">
+                <a:avLst/>
+              </a:prstGeom>
+              <a:noFill/>
+            </p:spPr>
+            <p:txBody>
+              <a:bodyPr wrap="square" rtlCol="0">
+                <a:spAutoFit/>
+              </a:bodyPr>
+              <a:lstStyle/>
+              <a:p>
+                <a:pPr algn="just"/>
+                <a:r>
+                  <a:rPr lang="fr-FR" noProof="0" dirty="0">
+                    <a:latin typeface="Times New Roman" panose="02020603050405020304" pitchFamily="18" charset="0"/>
+                    <a:cs typeface="Times New Roman" panose="02020603050405020304" pitchFamily="18" charset="0"/>
+                  </a:rPr>
+                  <a:t>On peut réécrire ce système sous forme matricielle tel que : </a:t>
+                </a:r>
+                <a14:m>
+                  <m:oMath xmlns:m="http://schemas.openxmlformats.org/officeDocument/2006/math">
+                    <m:bar>
+                      <m:barPr>
+                        <m:ctrlPr>
+                          <a:rPr lang="fr-FR" i="1" noProof="0" smtClean="0">
+                            <a:latin typeface="Cambria Math" panose="02040503050406030204" pitchFamily="18" charset="0"/>
+                            <a:cs typeface="Times New Roman" panose="02020603050405020304" pitchFamily="18" charset="0"/>
+                          </a:rPr>
+                        </m:ctrlPr>
+                      </m:barPr>
+                      <m:e>
+                        <m:bar>
+                          <m:barPr>
+                            <m:ctrlPr>
+                              <a:rPr lang="fr-FR" i="1" noProof="0" smtClean="0">
+                                <a:latin typeface="Cambria Math" panose="02040503050406030204" pitchFamily="18" charset="0"/>
+                                <a:cs typeface="Times New Roman" panose="02020603050405020304" pitchFamily="18" charset="0"/>
+                              </a:rPr>
+                            </m:ctrlPr>
+                          </m:barPr>
+                          <m:e>
+                            <m:r>
+                              <a:rPr lang="fr-FR" b="0" i="1" noProof="0" smtClean="0">
+                                <a:latin typeface="Cambria Math" panose="02040503050406030204" pitchFamily="18" charset="0"/>
+                                <a:cs typeface="Times New Roman" panose="02020603050405020304" pitchFamily="18" charset="0"/>
+                              </a:rPr>
+                              <m:t>𝐴</m:t>
+                            </m:r>
+                          </m:e>
+                        </m:bar>
+                      </m:e>
+                    </m:bar>
+                    <m:r>
+                      <a:rPr lang="fr-FR" i="1" noProof="0" smtClean="0">
+                        <a:latin typeface="Cambria Math" panose="02040503050406030204" pitchFamily="18" charset="0"/>
+                        <a:ea typeface="Cambria Math" panose="02040503050406030204" pitchFamily="18" charset="0"/>
+                        <a:cs typeface="Times New Roman" panose="02020603050405020304" pitchFamily="18" charset="0"/>
+                      </a:rPr>
+                      <m:t>∙</m:t>
+                    </m:r>
+                    <m:bar>
+                      <m:barPr>
+                        <m:ctrlPr>
+                          <a:rPr lang="fr-FR" i="1" noProof="0" smtClean="0">
+                            <a:latin typeface="Cambria Math" panose="02040503050406030204" pitchFamily="18" charset="0"/>
+                            <a:ea typeface="Cambria Math" panose="02040503050406030204" pitchFamily="18" charset="0"/>
+                            <a:cs typeface="Times New Roman" panose="02020603050405020304" pitchFamily="18" charset="0"/>
+                          </a:rPr>
+                        </m:ctrlPr>
+                      </m:barPr>
+                      <m:e>
+                        <m:r>
+                          <a:rPr lang="fr-FR" b="0" i="1" noProof="0" smtClean="0">
+                            <a:latin typeface="Cambria Math" panose="02040503050406030204" pitchFamily="18" charset="0"/>
+                            <a:ea typeface="Cambria Math" panose="02040503050406030204" pitchFamily="18" charset="0"/>
+                            <a:cs typeface="Times New Roman" panose="02020603050405020304" pitchFamily="18" charset="0"/>
+                          </a:rPr>
+                          <m:t>𝐶</m:t>
+                        </m:r>
+                      </m:e>
+                    </m:bar>
+                    <m:r>
+                      <a:rPr lang="fr-FR" b="0" i="1" noProof="0" smtClean="0">
+                        <a:latin typeface="Cambria Math" panose="02040503050406030204" pitchFamily="18" charset="0"/>
+                        <a:ea typeface="Cambria Math" panose="02040503050406030204" pitchFamily="18" charset="0"/>
+                        <a:cs typeface="Times New Roman" panose="02020603050405020304" pitchFamily="18" charset="0"/>
+                      </a:rPr>
+                      <m:t>=</m:t>
+                    </m:r>
+                    <m:bar>
+                      <m:barPr>
+                        <m:ctrlPr>
+                          <a:rPr lang="fr-FR" b="0" i="1" noProof="0" smtClean="0">
+                            <a:latin typeface="Cambria Math" panose="02040503050406030204" pitchFamily="18" charset="0"/>
+                            <a:ea typeface="Cambria Math" panose="02040503050406030204" pitchFamily="18" charset="0"/>
+                            <a:cs typeface="Times New Roman" panose="02020603050405020304" pitchFamily="18" charset="0"/>
+                          </a:rPr>
+                        </m:ctrlPr>
+                      </m:barPr>
+                      <m:e>
+                        <m:r>
+                          <a:rPr lang="fr-FR" b="0" i="1" noProof="0" smtClean="0">
+                            <a:latin typeface="Cambria Math" panose="02040503050406030204" pitchFamily="18" charset="0"/>
+                            <a:ea typeface="Cambria Math" panose="02040503050406030204" pitchFamily="18" charset="0"/>
+                            <a:cs typeface="Times New Roman" panose="02020603050405020304" pitchFamily="18" charset="0"/>
+                          </a:rPr>
+                          <m:t>𝑏</m:t>
+                        </m:r>
+                      </m:e>
+                    </m:bar>
+                  </m:oMath>
+                </a14:m>
+                <a:r>
+                  <a:rPr lang="fr-FR" noProof="0" dirty="0">
+                    <a:latin typeface="Times New Roman" panose="02020603050405020304" pitchFamily="18" charset="0"/>
+                    <a:cs typeface="Times New Roman" panose="02020603050405020304" pitchFamily="18" charset="0"/>
+                  </a:rPr>
+                  <a:t> et le principe est d’ensuite inverser la matrice </a:t>
+                </a:r>
+                <a14:m>
+                  <m:oMath xmlns:m="http://schemas.openxmlformats.org/officeDocument/2006/math">
+                    <m:bar>
+                      <m:barPr>
+                        <m:ctrlPr>
+                          <a:rPr lang="fr-FR" i="1" noProof="0">
+                            <a:latin typeface="Cambria Math" panose="02040503050406030204" pitchFamily="18" charset="0"/>
+                            <a:cs typeface="Times New Roman" panose="02020603050405020304" pitchFamily="18" charset="0"/>
+                          </a:rPr>
+                        </m:ctrlPr>
+                      </m:barPr>
+                      <m:e>
+                        <m:bar>
+                          <m:barPr>
+                            <m:ctrlPr>
+                              <a:rPr lang="fr-FR" i="1" noProof="0">
+                                <a:latin typeface="Cambria Math" panose="02040503050406030204" pitchFamily="18" charset="0"/>
+                                <a:cs typeface="Times New Roman" panose="02020603050405020304" pitchFamily="18" charset="0"/>
+                              </a:rPr>
+                            </m:ctrlPr>
+                          </m:barPr>
+                          <m:e>
+                            <m:r>
+                              <a:rPr lang="fr-FR" i="1" noProof="0">
+                                <a:latin typeface="Cambria Math" panose="02040503050406030204" pitchFamily="18" charset="0"/>
+                                <a:cs typeface="Times New Roman" panose="02020603050405020304" pitchFamily="18" charset="0"/>
+                              </a:rPr>
+                              <m:t>𝐴</m:t>
+                            </m:r>
+                          </m:e>
+                        </m:bar>
+                      </m:e>
+                    </m:bar>
+                  </m:oMath>
+                </a14:m>
+                <a:r>
+                  <a:rPr lang="fr-FR" noProof="0" dirty="0">
+                    <a:latin typeface="Times New Roman" panose="02020603050405020304" pitchFamily="18" charset="0"/>
+                    <a:cs typeface="Times New Roman" panose="02020603050405020304" pitchFamily="18" charset="0"/>
+                  </a:rPr>
+                  <a:t> afin de pouvoir exprimer le vecteur </a:t>
+                </a:r>
+                <a14:m>
+                  <m:oMath xmlns:m="http://schemas.openxmlformats.org/officeDocument/2006/math">
+                    <m:bar>
+                      <m:barPr>
+                        <m:ctrlPr>
+                          <a:rPr lang="fr-FR" i="1" noProof="0">
+                            <a:latin typeface="Cambria Math" panose="02040503050406030204" pitchFamily="18" charset="0"/>
+                            <a:ea typeface="Cambria Math" panose="02040503050406030204" pitchFamily="18" charset="0"/>
+                            <a:cs typeface="Times New Roman" panose="02020603050405020304" pitchFamily="18" charset="0"/>
+                          </a:rPr>
+                        </m:ctrlPr>
+                      </m:barPr>
+                      <m:e>
+                        <m:r>
+                          <a:rPr lang="fr-FR" i="1" noProof="0">
+                            <a:latin typeface="Cambria Math" panose="02040503050406030204" pitchFamily="18" charset="0"/>
+                            <a:ea typeface="Cambria Math" panose="02040503050406030204" pitchFamily="18" charset="0"/>
+                            <a:cs typeface="Times New Roman" panose="02020603050405020304" pitchFamily="18" charset="0"/>
+                          </a:rPr>
+                          <m:t>𝐶</m:t>
+                        </m:r>
+                      </m:e>
+                    </m:bar>
+                  </m:oMath>
+                </a14:m>
+                <a:r>
+                  <a:rPr lang="fr-FR" noProof="0" dirty="0">
+                    <a:latin typeface="Times New Roman" panose="02020603050405020304" pitchFamily="18" charset="0"/>
+                    <a:cs typeface="Times New Roman" panose="02020603050405020304" pitchFamily="18" charset="0"/>
+                  </a:rPr>
+                  <a:t>. </a:t>
+                </a:r>
+              </a:p>
+            </p:txBody>
+          </p:sp>
+        </mc:Choice>
+        <mc:Fallback>
+          <p:sp>
+            <p:nvSpPr>
+              <p:cNvPr id="13" name="TextBox 12">
+                <a:extLst>
+                  <a:ext uri="{FF2B5EF4-FFF2-40B4-BE49-F238E27FC236}">
+                    <a16:creationId xmlns:a16="http://schemas.microsoft.com/office/drawing/2014/main" id="{997C35EC-1834-8CCA-7703-6CDC8E8D8AB9}"/>
+                  </a:ext>
+                </a:extLst>
+              </p:cNvPr>
+              <p:cNvSpPr txBox="1">
+                <a:spLocks noRot="1" noChangeAspect="1" noMove="1" noResize="1" noEditPoints="1" noAdjustHandles="1" noChangeArrowheads="1" noChangeShapeType="1" noTextEdit="1"/>
+              </p:cNvSpPr>
+              <p:nvPr/>
+            </p:nvSpPr>
+            <p:spPr>
+              <a:xfrm>
+                <a:off x="-1048" y="6045866"/>
+                <a:ext cx="12021199" cy="739433"/>
+              </a:xfrm>
+              <a:prstGeom prst="rect">
+                <a:avLst/>
+              </a:prstGeom>
+              <a:blipFill>
+                <a:blip r:embed="rId7"/>
+                <a:stretch>
+                  <a:fillRect l="-456" t="-4959" r="-406" b="-10744"/>
+                </a:stretch>
+              </a:blipFill>
+            </p:spPr>
+            <p:txBody>
+              <a:bodyPr/>
+              <a:lstStyle/>
+              <a:p>
+                <a:r>
+                  <a:rPr lang="en-GB">
+                    <a:noFill/>
+                  </a:rPr>
+                  <a:t> </a:t>
+                </a:r>
+              </a:p>
+            </p:txBody>
+          </p:sp>
+        </mc:Fallback>
+      </mc:AlternateContent>
+      <mc:AlternateContent xmlns:mc="http://schemas.openxmlformats.org/markup-compatibility/2006">
+        <mc:Choice xmlns:a14="http://schemas.microsoft.com/office/drawing/2010/main" Requires="a14">
+          <p:sp>
+            <p:nvSpPr>
+              <p:cNvPr id="15" name="TextBox 14">
+                <a:extLst>
+                  <a:ext uri="{FF2B5EF4-FFF2-40B4-BE49-F238E27FC236}">
+                    <a16:creationId xmlns:a16="http://schemas.microsoft.com/office/drawing/2014/main" id="{D0D4259A-0C98-BAFE-3E33-AEBE5015294A}"/>
+                  </a:ext>
+                </a:extLst>
+              </p:cNvPr>
+              <p:cNvSpPr txBox="1"/>
+              <p:nvPr/>
+            </p:nvSpPr>
+            <p:spPr>
+              <a:xfrm>
+                <a:off x="6804398" y="4199673"/>
+                <a:ext cx="4143177" cy="1494961"/>
+              </a:xfrm>
+              <a:prstGeom prst="rect">
+                <a:avLst/>
+              </a:prstGeom>
+              <a:noFill/>
+            </p:spPr>
+            <p:txBody>
+              <a:bodyPr wrap="square" lIns="0" tIns="0" rIns="0" bIns="0" rtlCol="0">
+                <a:spAutoFit/>
+              </a:bodyPr>
+              <a:lstStyle/>
+              <a:p>
+                <a14:m>
+                  <m:oMathPara xmlns:m="http://schemas.openxmlformats.org/officeDocument/2006/math">
+                    <m:oMathParaPr>
+                      <m:jc m:val="centerGroup"/>
+                    </m:oMathParaPr>
+                    <m:oMath xmlns:m="http://schemas.openxmlformats.org/officeDocument/2006/math">
+                      <m:d>
+                        <m:dPr>
+                          <m:begChr m:val="["/>
+                          <m:endChr m:val="]"/>
+                          <m:ctrlPr>
+                            <a:rPr lang="en-GB" sz="1100" i="1" smtClean="0">
+                              <a:latin typeface="Cambria Math" panose="02040503050406030204" pitchFamily="18" charset="0"/>
+                            </a:rPr>
+                          </m:ctrlPr>
+                        </m:dPr>
+                        <m:e>
+                          <m:m>
+                            <m:mPr>
+                              <m:mcs>
+                                <m:mc>
+                                  <m:mcPr>
+                                    <m:count m:val="5"/>
+                                    <m:mcJc m:val="center"/>
+                                  </m:mcPr>
+                                </m:mc>
+                              </m:mcs>
+                              <m:ctrlPr>
+                                <a:rPr lang="en-GB" sz="1100" i="1">
+                                  <a:latin typeface="Cambria Math" panose="02040503050406030204" pitchFamily="18" charset="0"/>
+                                </a:rPr>
+                              </m:ctrlPr>
+                            </m:mPr>
+                            <m:mr>
+                              <m:e>
+                                <m:r>
+                                  <m:rPr>
+                                    <m:brk m:alnAt="7"/>
+                                  </m:rPr>
+                                  <a:rPr lang="fr-FR" sz="1100" i="1">
+                                    <a:latin typeface="Cambria Math" panose="02040503050406030204" pitchFamily="18" charset="0"/>
+                                  </a:rPr>
+                                  <m:t>1</m:t>
+                                </m:r>
+                              </m:e>
+                              <m:e>
+                                <m:r>
+                                  <a:rPr lang="fr-FR" sz="1100" i="1">
+                                    <a:latin typeface="Cambria Math" panose="02040503050406030204" pitchFamily="18" charset="0"/>
+                                  </a:rPr>
+                                  <m:t>−1</m:t>
+                                </m:r>
+                              </m:e>
+                              <m:e>
+                                <m:r>
+                                  <a:rPr lang="fr-FR" sz="1100" i="1">
+                                    <a:latin typeface="Cambria Math" panose="02040503050406030204" pitchFamily="18" charset="0"/>
+                                  </a:rPr>
+                                  <m:t>0</m:t>
+                                </m:r>
+                              </m:e>
+                              <m:e>
+                                <m:r>
+                                  <a:rPr lang="fr-FR" sz="1100" i="1">
+                                    <a:latin typeface="Cambria Math" panose="02040503050406030204" pitchFamily="18" charset="0"/>
+                                  </a:rPr>
+                                  <m:t>0</m:t>
+                                </m:r>
+                              </m:e>
+                              <m:e>
+                                <m:r>
+                                  <a:rPr lang="fr-FR" sz="1100" i="1">
+                                    <a:latin typeface="Cambria Math" panose="02040503050406030204" pitchFamily="18" charset="0"/>
+                                  </a:rPr>
+                                  <m:t>0</m:t>
+                                </m:r>
+                              </m:e>
+                            </m:mr>
+                            <m:mr>
+                              <m:e>
+                                <m:f>
+                                  <m:fPr>
+                                    <m:ctrlPr>
+                                      <a:rPr lang="fr-FR" sz="1100" i="1" dirty="0">
+                                        <a:latin typeface="Cambria Math" panose="02040503050406030204" pitchFamily="18" charset="0"/>
+                                      </a:rPr>
+                                    </m:ctrlPr>
+                                  </m:fPr>
+                                  <m:num>
+                                    <m:r>
+                                      <a:rPr lang="fr-FR" sz="1100" i="1" dirty="0">
+                                        <a:latin typeface="Cambria Math" panose="02040503050406030204" pitchFamily="18" charset="0"/>
+                                      </a:rPr>
+                                      <m:t>1</m:t>
+                                    </m:r>
+                                  </m:num>
+                                  <m:den>
+                                    <m:r>
+                                      <a:rPr lang="fr-FR" sz="1100" i="1">
+                                        <a:latin typeface="Cambria Math" panose="02040503050406030204" pitchFamily="18" charset="0"/>
+                                        <a:ea typeface="Cambria Math" panose="02040503050406030204" pitchFamily="18" charset="0"/>
+                                      </a:rPr>
+                                      <m:t>∆</m:t>
+                                    </m:r>
+                                    <m:r>
+                                      <a:rPr lang="fr-FR" sz="1100" i="1">
+                                        <a:latin typeface="Cambria Math" panose="02040503050406030204" pitchFamily="18" charset="0"/>
+                                        <a:ea typeface="Cambria Math" panose="02040503050406030204" pitchFamily="18" charset="0"/>
+                                      </a:rPr>
+                                      <m:t>𝑟</m:t>
+                                    </m:r>
+                                    <m:r>
+                                      <a:rPr lang="fr-FR" sz="1100" i="1">
+                                        <a:latin typeface="Cambria Math" panose="02040503050406030204" pitchFamily="18" charset="0"/>
+                                        <a:ea typeface="Cambria Math" panose="02040503050406030204" pitchFamily="18" charset="0"/>
+                                      </a:rPr>
+                                      <m:t>²</m:t>
+                                    </m:r>
+                                  </m:den>
+                                </m:f>
+                              </m:e>
+                              <m:e>
+                                <m:f>
+                                  <m:fPr>
+                                    <m:ctrlPr>
+                                      <a:rPr lang="fr-FR" sz="1100" i="1" dirty="0">
+                                        <a:latin typeface="Cambria Math" panose="02040503050406030204" pitchFamily="18" charset="0"/>
+                                      </a:rPr>
+                                    </m:ctrlPr>
+                                  </m:fPr>
+                                  <m:num>
+                                    <m:r>
+                                      <a:rPr lang="fr-FR" sz="1100" i="1" dirty="0">
+                                        <a:latin typeface="Cambria Math" panose="02040503050406030204" pitchFamily="18" charset="0"/>
+                                      </a:rPr>
+                                      <m:t>−2</m:t>
+                                    </m:r>
+                                  </m:num>
+                                  <m:den>
+                                    <m:r>
+                                      <a:rPr lang="fr-FR" sz="1100" i="1">
+                                        <a:latin typeface="Cambria Math" panose="02040503050406030204" pitchFamily="18" charset="0"/>
+                                        <a:ea typeface="Cambria Math" panose="02040503050406030204" pitchFamily="18" charset="0"/>
+                                      </a:rPr>
+                                      <m:t>∆</m:t>
+                                    </m:r>
+                                    <m:r>
+                                      <a:rPr lang="fr-FR" sz="1100" i="1">
+                                        <a:latin typeface="Cambria Math" panose="02040503050406030204" pitchFamily="18" charset="0"/>
+                                        <a:ea typeface="Cambria Math" panose="02040503050406030204" pitchFamily="18" charset="0"/>
+                                      </a:rPr>
+                                      <m:t>𝑟</m:t>
+                                    </m:r>
+                                    <m:r>
+                                      <a:rPr lang="fr-FR" sz="1100" i="1">
+                                        <a:latin typeface="Cambria Math" panose="02040503050406030204" pitchFamily="18" charset="0"/>
+                                        <a:ea typeface="Cambria Math" panose="02040503050406030204" pitchFamily="18" charset="0"/>
+                                      </a:rPr>
+                                      <m:t>²</m:t>
+                                    </m:r>
+                                  </m:den>
+                                </m:f>
+                                <m:r>
+                                  <a:rPr lang="fr-FR" sz="1100" i="1">
+                                    <a:latin typeface="Cambria Math" panose="02040503050406030204" pitchFamily="18" charset="0"/>
+                                    <a:ea typeface="Cambria Math" panose="02040503050406030204" pitchFamily="18" charset="0"/>
+                                  </a:rPr>
+                                  <m:t>+</m:t>
+                                </m:r>
+                                <m:f>
+                                  <m:fPr>
+                                    <m:ctrlPr>
+                                      <a:rPr lang="fr-FR" sz="1100" i="1">
+                                        <a:latin typeface="Cambria Math" panose="02040503050406030204" pitchFamily="18" charset="0"/>
+                                        <a:ea typeface="Cambria Math" panose="02040503050406030204" pitchFamily="18" charset="0"/>
+                                      </a:rPr>
+                                    </m:ctrlPr>
+                                  </m:fPr>
+                                  <m:num>
+                                    <m:r>
+                                      <a:rPr lang="fr-FR" sz="1100" i="1">
+                                        <a:latin typeface="Cambria Math" panose="02040503050406030204" pitchFamily="18" charset="0"/>
+                                        <a:ea typeface="Cambria Math" panose="02040503050406030204" pitchFamily="18" charset="0"/>
+                                      </a:rPr>
+                                      <m:t>−1</m:t>
+                                    </m:r>
+                                  </m:num>
+                                  <m:den>
+                                    <m:r>
+                                      <a:rPr lang="fr-FR" sz="1100" i="1">
+                                        <a:latin typeface="Cambria Math" panose="02040503050406030204" pitchFamily="18" charset="0"/>
+                                        <a:ea typeface="Cambria Math" panose="02040503050406030204" pitchFamily="18" charset="0"/>
+                                      </a:rPr>
+                                      <m:t>𝑟</m:t>
+                                    </m:r>
+                                    <m:r>
+                                      <a:rPr lang="fr-FR" sz="1100" i="1">
+                                        <a:latin typeface="Cambria Math" panose="02040503050406030204" pitchFamily="18" charset="0"/>
+                                        <a:ea typeface="Cambria Math" panose="02040503050406030204" pitchFamily="18" charset="0"/>
+                                      </a:rPr>
+                                      <m:t>∆</m:t>
+                                    </m:r>
+                                    <m:r>
+                                      <a:rPr lang="fr-FR" sz="1100" i="1">
+                                        <a:latin typeface="Cambria Math" panose="02040503050406030204" pitchFamily="18" charset="0"/>
+                                        <a:ea typeface="Cambria Math" panose="02040503050406030204" pitchFamily="18" charset="0"/>
+                                      </a:rPr>
+                                      <m:t>𝑟</m:t>
+                                    </m:r>
+                                  </m:den>
+                                </m:f>
+                              </m:e>
+                              <m:e>
+                                <m:f>
+                                  <m:fPr>
+                                    <m:ctrlPr>
+                                      <a:rPr lang="fr-FR" sz="1100" i="1" dirty="0">
+                                        <a:latin typeface="Cambria Math" panose="02040503050406030204" pitchFamily="18" charset="0"/>
+                                      </a:rPr>
+                                    </m:ctrlPr>
+                                  </m:fPr>
+                                  <m:num>
+                                    <m:r>
+                                      <a:rPr lang="fr-FR" sz="1100" i="1" dirty="0">
+                                        <a:latin typeface="Cambria Math" panose="02040503050406030204" pitchFamily="18" charset="0"/>
+                                      </a:rPr>
+                                      <m:t>1</m:t>
+                                    </m:r>
+                                  </m:num>
+                                  <m:den>
+                                    <m:r>
+                                      <a:rPr lang="fr-FR" sz="1100" i="1">
+                                        <a:latin typeface="Cambria Math" panose="02040503050406030204" pitchFamily="18" charset="0"/>
+                                        <a:ea typeface="Cambria Math" panose="02040503050406030204" pitchFamily="18" charset="0"/>
+                                      </a:rPr>
+                                      <m:t>∆</m:t>
+                                    </m:r>
+                                    <m:r>
+                                      <a:rPr lang="fr-FR" sz="1100" i="1">
+                                        <a:latin typeface="Cambria Math" panose="02040503050406030204" pitchFamily="18" charset="0"/>
+                                        <a:ea typeface="Cambria Math" panose="02040503050406030204" pitchFamily="18" charset="0"/>
+                                      </a:rPr>
+                                      <m:t>𝑟</m:t>
+                                    </m:r>
+                                    <m:r>
+                                      <a:rPr lang="fr-FR" sz="1100" i="1">
+                                        <a:latin typeface="Cambria Math" panose="02040503050406030204" pitchFamily="18" charset="0"/>
+                                        <a:ea typeface="Cambria Math" panose="02040503050406030204" pitchFamily="18" charset="0"/>
+                                      </a:rPr>
+                                      <m:t>²</m:t>
+                                    </m:r>
+                                  </m:den>
+                                </m:f>
+                                <m:r>
+                                  <a:rPr lang="fr-FR" sz="1100" i="1">
+                                    <a:latin typeface="Cambria Math" panose="02040503050406030204" pitchFamily="18" charset="0"/>
+                                    <a:ea typeface="Cambria Math" panose="02040503050406030204" pitchFamily="18" charset="0"/>
+                                  </a:rPr>
+                                  <m:t>+</m:t>
+                                </m:r>
+                                <m:f>
+                                  <m:fPr>
+                                    <m:ctrlPr>
+                                      <a:rPr lang="fr-FR" sz="1100" i="1">
+                                        <a:latin typeface="Cambria Math" panose="02040503050406030204" pitchFamily="18" charset="0"/>
+                                        <a:ea typeface="Cambria Math" panose="02040503050406030204" pitchFamily="18" charset="0"/>
+                                      </a:rPr>
+                                    </m:ctrlPr>
+                                  </m:fPr>
+                                  <m:num>
+                                    <m:r>
+                                      <a:rPr lang="fr-FR" sz="1100" i="1">
+                                        <a:latin typeface="Cambria Math" panose="02040503050406030204" pitchFamily="18" charset="0"/>
+                                        <a:ea typeface="Cambria Math" panose="02040503050406030204" pitchFamily="18" charset="0"/>
+                                      </a:rPr>
+                                      <m:t>1</m:t>
+                                    </m:r>
+                                  </m:num>
+                                  <m:den>
+                                    <m:r>
+                                      <a:rPr lang="fr-FR" sz="1100" i="1">
+                                        <a:latin typeface="Cambria Math" panose="02040503050406030204" pitchFamily="18" charset="0"/>
+                                        <a:ea typeface="Cambria Math" panose="02040503050406030204" pitchFamily="18" charset="0"/>
+                                      </a:rPr>
+                                      <m:t>𝑟</m:t>
+                                    </m:r>
+                                    <m:r>
+                                      <a:rPr lang="fr-FR" sz="1100" i="1">
+                                        <a:latin typeface="Cambria Math" panose="02040503050406030204" pitchFamily="18" charset="0"/>
+                                        <a:ea typeface="Cambria Math" panose="02040503050406030204" pitchFamily="18" charset="0"/>
+                                      </a:rPr>
+                                      <m:t>∆</m:t>
+                                    </m:r>
+                                    <m:r>
+                                      <a:rPr lang="fr-FR" sz="1100" i="1">
+                                        <a:latin typeface="Cambria Math" panose="02040503050406030204" pitchFamily="18" charset="0"/>
+                                        <a:ea typeface="Cambria Math" panose="02040503050406030204" pitchFamily="18" charset="0"/>
+                                      </a:rPr>
+                                      <m:t>𝑟</m:t>
+                                    </m:r>
+                                  </m:den>
+                                </m:f>
+                              </m:e>
+                              <m:e>
+                                <m:r>
+                                  <a:rPr lang="fr-FR" sz="1100" i="1">
+                                    <a:latin typeface="Cambria Math" panose="02040503050406030204" pitchFamily="18" charset="0"/>
+                                  </a:rPr>
+                                  <m:t>0</m:t>
+                                </m:r>
+                              </m:e>
+                              <m:e>
+                                <m:r>
+                                  <a:rPr lang="fr-FR" sz="1100" i="1">
+                                    <a:latin typeface="Cambria Math" panose="02040503050406030204" pitchFamily="18" charset="0"/>
+                                  </a:rPr>
+                                  <m:t>0</m:t>
+                                </m:r>
+                              </m:e>
+                            </m:mr>
+                            <m:mr>
+                              <m:e>
+                                <m:r>
+                                  <a:rPr lang="fr-FR" sz="1100" i="1">
+                                    <a:latin typeface="Cambria Math" panose="02040503050406030204" pitchFamily="18" charset="0"/>
+                                  </a:rPr>
+                                  <m:t>0</m:t>
+                                </m:r>
+                              </m:e>
+                              <m:e>
+                                <m:f>
+                                  <m:fPr>
+                                    <m:ctrlPr>
+                                      <a:rPr lang="fr-FR" sz="1100" i="1" dirty="0">
+                                        <a:latin typeface="Cambria Math" panose="02040503050406030204" pitchFamily="18" charset="0"/>
+                                      </a:rPr>
+                                    </m:ctrlPr>
+                                  </m:fPr>
+                                  <m:num>
+                                    <m:r>
+                                      <a:rPr lang="fr-FR" sz="1100" i="1" dirty="0">
+                                        <a:latin typeface="Cambria Math" panose="02040503050406030204" pitchFamily="18" charset="0"/>
+                                      </a:rPr>
+                                      <m:t>1</m:t>
+                                    </m:r>
+                                  </m:num>
+                                  <m:den>
+                                    <m:r>
+                                      <a:rPr lang="fr-FR" sz="1100" i="1">
+                                        <a:latin typeface="Cambria Math" panose="02040503050406030204" pitchFamily="18" charset="0"/>
+                                        <a:ea typeface="Cambria Math" panose="02040503050406030204" pitchFamily="18" charset="0"/>
+                                      </a:rPr>
+                                      <m:t>∆</m:t>
+                                    </m:r>
+                                    <m:r>
+                                      <a:rPr lang="fr-FR" sz="1100" i="1">
+                                        <a:latin typeface="Cambria Math" panose="02040503050406030204" pitchFamily="18" charset="0"/>
+                                        <a:ea typeface="Cambria Math" panose="02040503050406030204" pitchFamily="18" charset="0"/>
+                                      </a:rPr>
+                                      <m:t>𝑟</m:t>
+                                    </m:r>
+                                    <m:r>
+                                      <a:rPr lang="fr-FR" sz="1100" i="1">
+                                        <a:latin typeface="Cambria Math" panose="02040503050406030204" pitchFamily="18" charset="0"/>
+                                        <a:ea typeface="Cambria Math" panose="02040503050406030204" pitchFamily="18" charset="0"/>
+                                      </a:rPr>
+                                      <m:t>²</m:t>
+                                    </m:r>
+                                  </m:den>
+                                </m:f>
+                              </m:e>
+                              <m:e>
+                                <m:f>
+                                  <m:fPr>
+                                    <m:ctrlPr>
+                                      <a:rPr lang="fr-FR" sz="1100" i="1" dirty="0">
+                                        <a:latin typeface="Cambria Math" panose="02040503050406030204" pitchFamily="18" charset="0"/>
+                                      </a:rPr>
+                                    </m:ctrlPr>
+                                  </m:fPr>
+                                  <m:num>
+                                    <m:r>
+                                      <a:rPr lang="fr-FR" sz="1100" i="1" dirty="0">
+                                        <a:latin typeface="Cambria Math" panose="02040503050406030204" pitchFamily="18" charset="0"/>
+                                      </a:rPr>
+                                      <m:t>−2</m:t>
+                                    </m:r>
+                                  </m:num>
+                                  <m:den>
+                                    <m:r>
+                                      <a:rPr lang="fr-FR" sz="1100" i="1">
+                                        <a:latin typeface="Cambria Math" panose="02040503050406030204" pitchFamily="18" charset="0"/>
+                                        <a:ea typeface="Cambria Math" panose="02040503050406030204" pitchFamily="18" charset="0"/>
+                                      </a:rPr>
+                                      <m:t>∆</m:t>
+                                    </m:r>
+                                    <m:r>
+                                      <a:rPr lang="fr-FR" sz="1100" i="1">
+                                        <a:latin typeface="Cambria Math" panose="02040503050406030204" pitchFamily="18" charset="0"/>
+                                        <a:ea typeface="Cambria Math" panose="02040503050406030204" pitchFamily="18" charset="0"/>
+                                      </a:rPr>
+                                      <m:t>𝑟</m:t>
+                                    </m:r>
+                                    <m:r>
+                                      <a:rPr lang="fr-FR" sz="1100" i="1">
+                                        <a:latin typeface="Cambria Math" panose="02040503050406030204" pitchFamily="18" charset="0"/>
+                                        <a:ea typeface="Cambria Math" panose="02040503050406030204" pitchFamily="18" charset="0"/>
+                                      </a:rPr>
+                                      <m:t>²</m:t>
+                                    </m:r>
+                                  </m:den>
+                                </m:f>
+                                <m:r>
+                                  <a:rPr lang="fr-FR" sz="1100" i="1">
+                                    <a:latin typeface="Cambria Math" panose="02040503050406030204" pitchFamily="18" charset="0"/>
+                                    <a:ea typeface="Cambria Math" panose="02040503050406030204" pitchFamily="18" charset="0"/>
+                                  </a:rPr>
+                                  <m:t>+</m:t>
+                                </m:r>
+                                <m:f>
+                                  <m:fPr>
+                                    <m:ctrlPr>
+                                      <a:rPr lang="fr-FR" sz="1100" i="1">
+                                        <a:latin typeface="Cambria Math" panose="02040503050406030204" pitchFamily="18" charset="0"/>
+                                        <a:ea typeface="Cambria Math" panose="02040503050406030204" pitchFamily="18" charset="0"/>
+                                      </a:rPr>
+                                    </m:ctrlPr>
+                                  </m:fPr>
+                                  <m:num>
+                                    <m:r>
+                                      <a:rPr lang="fr-FR" sz="1100" i="1">
+                                        <a:latin typeface="Cambria Math" panose="02040503050406030204" pitchFamily="18" charset="0"/>
+                                        <a:ea typeface="Cambria Math" panose="02040503050406030204" pitchFamily="18" charset="0"/>
+                                      </a:rPr>
+                                      <m:t>−1</m:t>
+                                    </m:r>
+                                  </m:num>
+                                  <m:den>
+                                    <m:r>
+                                      <a:rPr lang="fr-FR" sz="1100" i="1">
+                                        <a:latin typeface="Cambria Math" panose="02040503050406030204" pitchFamily="18" charset="0"/>
+                                        <a:ea typeface="Cambria Math" panose="02040503050406030204" pitchFamily="18" charset="0"/>
+                                      </a:rPr>
+                                      <m:t>𝑟</m:t>
+                                    </m:r>
+                                    <m:r>
+                                      <a:rPr lang="fr-FR" sz="1100" i="1">
+                                        <a:latin typeface="Cambria Math" panose="02040503050406030204" pitchFamily="18" charset="0"/>
+                                        <a:ea typeface="Cambria Math" panose="02040503050406030204" pitchFamily="18" charset="0"/>
+                                      </a:rPr>
+                                      <m:t>∆</m:t>
+                                    </m:r>
+                                    <m:r>
+                                      <a:rPr lang="fr-FR" sz="1100" i="1">
+                                        <a:latin typeface="Cambria Math" panose="02040503050406030204" pitchFamily="18" charset="0"/>
+                                        <a:ea typeface="Cambria Math" panose="02040503050406030204" pitchFamily="18" charset="0"/>
+                                      </a:rPr>
+                                      <m:t>𝑟</m:t>
+                                    </m:r>
+                                  </m:den>
+                                </m:f>
+                              </m:e>
+                              <m:e>
+                                <m:f>
+                                  <m:fPr>
+                                    <m:ctrlPr>
+                                      <a:rPr lang="fr-FR" sz="1100" i="1" dirty="0">
+                                        <a:latin typeface="Cambria Math" panose="02040503050406030204" pitchFamily="18" charset="0"/>
+                                      </a:rPr>
+                                    </m:ctrlPr>
+                                  </m:fPr>
+                                  <m:num>
+                                    <m:r>
+                                      <a:rPr lang="fr-FR" sz="1100" i="1" dirty="0">
+                                        <a:latin typeface="Cambria Math" panose="02040503050406030204" pitchFamily="18" charset="0"/>
+                                      </a:rPr>
+                                      <m:t>1</m:t>
+                                    </m:r>
+                                  </m:num>
+                                  <m:den>
+                                    <m:r>
+                                      <a:rPr lang="fr-FR" sz="1100" i="1">
+                                        <a:latin typeface="Cambria Math" panose="02040503050406030204" pitchFamily="18" charset="0"/>
+                                        <a:ea typeface="Cambria Math" panose="02040503050406030204" pitchFamily="18" charset="0"/>
+                                      </a:rPr>
+                                      <m:t>∆</m:t>
+                                    </m:r>
+                                    <m:r>
+                                      <a:rPr lang="fr-FR" sz="1100" i="1">
+                                        <a:latin typeface="Cambria Math" panose="02040503050406030204" pitchFamily="18" charset="0"/>
+                                        <a:ea typeface="Cambria Math" panose="02040503050406030204" pitchFamily="18" charset="0"/>
+                                      </a:rPr>
+                                      <m:t>𝑟</m:t>
+                                    </m:r>
+                                    <m:r>
+                                      <a:rPr lang="fr-FR" sz="1100" i="1">
+                                        <a:latin typeface="Cambria Math" panose="02040503050406030204" pitchFamily="18" charset="0"/>
+                                        <a:ea typeface="Cambria Math" panose="02040503050406030204" pitchFamily="18" charset="0"/>
+                                      </a:rPr>
+                                      <m:t>²</m:t>
+                                    </m:r>
+                                  </m:den>
+                                </m:f>
+                                <m:r>
+                                  <a:rPr lang="fr-FR" sz="1100" i="1">
+                                    <a:latin typeface="Cambria Math" panose="02040503050406030204" pitchFamily="18" charset="0"/>
+                                    <a:ea typeface="Cambria Math" panose="02040503050406030204" pitchFamily="18" charset="0"/>
+                                  </a:rPr>
+                                  <m:t>+</m:t>
+                                </m:r>
+                                <m:f>
+                                  <m:fPr>
+                                    <m:ctrlPr>
+                                      <a:rPr lang="fr-FR" sz="1100" i="1">
+                                        <a:latin typeface="Cambria Math" panose="02040503050406030204" pitchFamily="18" charset="0"/>
+                                        <a:ea typeface="Cambria Math" panose="02040503050406030204" pitchFamily="18" charset="0"/>
+                                      </a:rPr>
+                                    </m:ctrlPr>
+                                  </m:fPr>
+                                  <m:num>
+                                    <m:r>
+                                      <a:rPr lang="fr-FR" sz="1100" i="1">
+                                        <a:latin typeface="Cambria Math" panose="02040503050406030204" pitchFamily="18" charset="0"/>
+                                        <a:ea typeface="Cambria Math" panose="02040503050406030204" pitchFamily="18" charset="0"/>
+                                      </a:rPr>
+                                      <m:t>1</m:t>
+                                    </m:r>
+                                  </m:num>
+                                  <m:den>
+                                    <m:r>
+                                      <a:rPr lang="fr-FR" sz="1100" i="1">
+                                        <a:latin typeface="Cambria Math" panose="02040503050406030204" pitchFamily="18" charset="0"/>
+                                        <a:ea typeface="Cambria Math" panose="02040503050406030204" pitchFamily="18" charset="0"/>
+                                      </a:rPr>
+                                      <m:t>𝑟</m:t>
+                                    </m:r>
+                                    <m:r>
+                                      <a:rPr lang="fr-FR" sz="1100" i="1">
+                                        <a:latin typeface="Cambria Math" panose="02040503050406030204" pitchFamily="18" charset="0"/>
+                                        <a:ea typeface="Cambria Math" panose="02040503050406030204" pitchFamily="18" charset="0"/>
+                                      </a:rPr>
+                                      <m:t>∆</m:t>
+                                    </m:r>
+                                    <m:r>
+                                      <a:rPr lang="fr-FR" sz="1100" i="1">
+                                        <a:latin typeface="Cambria Math" panose="02040503050406030204" pitchFamily="18" charset="0"/>
+                                        <a:ea typeface="Cambria Math" panose="02040503050406030204" pitchFamily="18" charset="0"/>
+                                      </a:rPr>
+                                      <m:t>𝑟</m:t>
+                                    </m:r>
+                                  </m:den>
+                                </m:f>
+                              </m:e>
+                              <m:e>
+                                <m:r>
+                                  <a:rPr lang="fr-FR" sz="1100" i="1">
+                                    <a:latin typeface="Cambria Math" panose="02040503050406030204" pitchFamily="18" charset="0"/>
+                                  </a:rPr>
+                                  <m:t>0</m:t>
+                                </m:r>
+                              </m:e>
+                            </m:mr>
+                            <m:mr>
+                              <m:e>
+                                <m:r>
+                                  <a:rPr lang="fr-FR" sz="1100" i="1">
+                                    <a:latin typeface="Cambria Math" panose="02040503050406030204" pitchFamily="18" charset="0"/>
+                                  </a:rPr>
+                                  <m:t>0</m:t>
+                                </m:r>
+                              </m:e>
+                              <m:e>
+                                <m:r>
+                                  <a:rPr lang="fr-FR" sz="1100" i="1">
+                                    <a:latin typeface="Cambria Math" panose="02040503050406030204" pitchFamily="18" charset="0"/>
+                                  </a:rPr>
+                                  <m:t>0</m:t>
+                                </m:r>
+                              </m:e>
+                              <m:e>
+                                <m:f>
+                                  <m:fPr>
+                                    <m:ctrlPr>
+                                      <a:rPr lang="fr-FR" sz="1100" i="1" dirty="0">
+                                        <a:latin typeface="Cambria Math" panose="02040503050406030204" pitchFamily="18" charset="0"/>
+                                      </a:rPr>
+                                    </m:ctrlPr>
+                                  </m:fPr>
+                                  <m:num>
+                                    <m:r>
+                                      <a:rPr lang="fr-FR" sz="1100" i="1" dirty="0">
+                                        <a:latin typeface="Cambria Math" panose="02040503050406030204" pitchFamily="18" charset="0"/>
+                                      </a:rPr>
+                                      <m:t>1</m:t>
+                                    </m:r>
+                                  </m:num>
+                                  <m:den>
+                                    <m:r>
+                                      <a:rPr lang="fr-FR" sz="1100" i="1">
+                                        <a:latin typeface="Cambria Math" panose="02040503050406030204" pitchFamily="18" charset="0"/>
+                                        <a:ea typeface="Cambria Math" panose="02040503050406030204" pitchFamily="18" charset="0"/>
+                                      </a:rPr>
+                                      <m:t>∆</m:t>
+                                    </m:r>
+                                    <m:r>
+                                      <a:rPr lang="fr-FR" sz="1100" i="1">
+                                        <a:latin typeface="Cambria Math" panose="02040503050406030204" pitchFamily="18" charset="0"/>
+                                        <a:ea typeface="Cambria Math" panose="02040503050406030204" pitchFamily="18" charset="0"/>
+                                      </a:rPr>
+                                      <m:t>𝑟</m:t>
+                                    </m:r>
+                                    <m:r>
+                                      <a:rPr lang="fr-FR" sz="1100" i="1">
+                                        <a:latin typeface="Cambria Math" panose="02040503050406030204" pitchFamily="18" charset="0"/>
+                                        <a:ea typeface="Cambria Math" panose="02040503050406030204" pitchFamily="18" charset="0"/>
+                                      </a:rPr>
+                                      <m:t>²</m:t>
+                                    </m:r>
+                                  </m:den>
+                                </m:f>
+                              </m:e>
+                              <m:e>
+                                <m:f>
+                                  <m:fPr>
+                                    <m:ctrlPr>
+                                      <a:rPr lang="fr-FR" sz="1100" i="1" dirty="0">
+                                        <a:latin typeface="Cambria Math" panose="02040503050406030204" pitchFamily="18" charset="0"/>
+                                      </a:rPr>
+                                    </m:ctrlPr>
+                                  </m:fPr>
+                                  <m:num>
+                                    <m:r>
+                                      <a:rPr lang="fr-FR" sz="1100" i="1" dirty="0">
+                                        <a:latin typeface="Cambria Math" panose="02040503050406030204" pitchFamily="18" charset="0"/>
+                                      </a:rPr>
+                                      <m:t>−2</m:t>
+                                    </m:r>
+                                  </m:num>
+                                  <m:den>
+                                    <m:r>
+                                      <a:rPr lang="fr-FR" sz="1100" i="1">
+                                        <a:latin typeface="Cambria Math" panose="02040503050406030204" pitchFamily="18" charset="0"/>
+                                        <a:ea typeface="Cambria Math" panose="02040503050406030204" pitchFamily="18" charset="0"/>
+                                      </a:rPr>
+                                      <m:t>∆</m:t>
+                                    </m:r>
+                                    <m:r>
+                                      <a:rPr lang="fr-FR" sz="1100" i="1">
+                                        <a:latin typeface="Cambria Math" panose="02040503050406030204" pitchFamily="18" charset="0"/>
+                                        <a:ea typeface="Cambria Math" panose="02040503050406030204" pitchFamily="18" charset="0"/>
+                                      </a:rPr>
+                                      <m:t>𝑟</m:t>
+                                    </m:r>
+                                    <m:r>
+                                      <a:rPr lang="fr-FR" sz="1100" i="1">
+                                        <a:latin typeface="Cambria Math" panose="02040503050406030204" pitchFamily="18" charset="0"/>
+                                        <a:ea typeface="Cambria Math" panose="02040503050406030204" pitchFamily="18" charset="0"/>
+                                      </a:rPr>
+                                      <m:t>²</m:t>
+                                    </m:r>
+                                  </m:den>
+                                </m:f>
+                                <m:r>
+                                  <a:rPr lang="fr-FR" sz="1100" i="1">
+                                    <a:latin typeface="Cambria Math" panose="02040503050406030204" pitchFamily="18" charset="0"/>
+                                    <a:ea typeface="Cambria Math" panose="02040503050406030204" pitchFamily="18" charset="0"/>
+                                  </a:rPr>
+                                  <m:t>+</m:t>
+                                </m:r>
+                                <m:f>
+                                  <m:fPr>
+                                    <m:ctrlPr>
+                                      <a:rPr lang="fr-FR" sz="1100" i="1">
+                                        <a:latin typeface="Cambria Math" panose="02040503050406030204" pitchFamily="18" charset="0"/>
+                                        <a:ea typeface="Cambria Math" panose="02040503050406030204" pitchFamily="18" charset="0"/>
+                                      </a:rPr>
+                                    </m:ctrlPr>
+                                  </m:fPr>
+                                  <m:num>
+                                    <m:r>
+                                      <a:rPr lang="fr-FR" sz="1100" i="1">
+                                        <a:latin typeface="Cambria Math" panose="02040503050406030204" pitchFamily="18" charset="0"/>
+                                        <a:ea typeface="Cambria Math" panose="02040503050406030204" pitchFamily="18" charset="0"/>
+                                      </a:rPr>
+                                      <m:t>−1</m:t>
+                                    </m:r>
+                                  </m:num>
+                                  <m:den>
+                                    <m:r>
+                                      <a:rPr lang="fr-FR" sz="1100" i="1">
+                                        <a:latin typeface="Cambria Math" panose="02040503050406030204" pitchFamily="18" charset="0"/>
+                                        <a:ea typeface="Cambria Math" panose="02040503050406030204" pitchFamily="18" charset="0"/>
+                                      </a:rPr>
+                                      <m:t>𝑟</m:t>
+                                    </m:r>
+                                    <m:r>
+                                      <a:rPr lang="fr-FR" sz="1100" i="1">
+                                        <a:latin typeface="Cambria Math" panose="02040503050406030204" pitchFamily="18" charset="0"/>
+                                        <a:ea typeface="Cambria Math" panose="02040503050406030204" pitchFamily="18" charset="0"/>
+                                      </a:rPr>
+                                      <m:t>∆</m:t>
+                                    </m:r>
+                                    <m:r>
+                                      <a:rPr lang="fr-FR" sz="1100" i="1">
+                                        <a:latin typeface="Cambria Math" panose="02040503050406030204" pitchFamily="18" charset="0"/>
+                                        <a:ea typeface="Cambria Math" panose="02040503050406030204" pitchFamily="18" charset="0"/>
+                                      </a:rPr>
+                                      <m:t>𝑟</m:t>
+                                    </m:r>
+                                  </m:den>
+                                </m:f>
+                              </m:e>
+                              <m:e>
+                                <m:f>
+                                  <m:fPr>
+                                    <m:ctrlPr>
+                                      <a:rPr lang="fr-FR" sz="1100" i="1" dirty="0">
+                                        <a:latin typeface="Cambria Math" panose="02040503050406030204" pitchFamily="18" charset="0"/>
+                                      </a:rPr>
+                                    </m:ctrlPr>
+                                  </m:fPr>
+                                  <m:num>
+                                    <m:r>
+                                      <a:rPr lang="fr-FR" sz="1100" i="1" dirty="0">
+                                        <a:latin typeface="Cambria Math" panose="02040503050406030204" pitchFamily="18" charset="0"/>
+                                      </a:rPr>
+                                      <m:t>1</m:t>
+                                    </m:r>
+                                  </m:num>
+                                  <m:den>
+                                    <m:r>
+                                      <a:rPr lang="fr-FR" sz="1100" i="1">
+                                        <a:latin typeface="Cambria Math" panose="02040503050406030204" pitchFamily="18" charset="0"/>
+                                        <a:ea typeface="Cambria Math" panose="02040503050406030204" pitchFamily="18" charset="0"/>
+                                      </a:rPr>
+                                      <m:t>∆</m:t>
+                                    </m:r>
+                                    <m:r>
+                                      <a:rPr lang="fr-FR" sz="1100" i="1">
+                                        <a:latin typeface="Cambria Math" panose="02040503050406030204" pitchFamily="18" charset="0"/>
+                                        <a:ea typeface="Cambria Math" panose="02040503050406030204" pitchFamily="18" charset="0"/>
+                                      </a:rPr>
+                                      <m:t>𝑟</m:t>
+                                    </m:r>
+                                    <m:r>
+                                      <a:rPr lang="fr-FR" sz="1100" i="1">
+                                        <a:latin typeface="Cambria Math" panose="02040503050406030204" pitchFamily="18" charset="0"/>
+                                        <a:ea typeface="Cambria Math" panose="02040503050406030204" pitchFamily="18" charset="0"/>
+                                      </a:rPr>
+                                      <m:t>²</m:t>
+                                    </m:r>
+                                  </m:den>
+                                </m:f>
+                                <m:r>
+                                  <a:rPr lang="fr-FR" sz="1100" i="1">
+                                    <a:latin typeface="Cambria Math" panose="02040503050406030204" pitchFamily="18" charset="0"/>
+                                    <a:ea typeface="Cambria Math" panose="02040503050406030204" pitchFamily="18" charset="0"/>
+                                  </a:rPr>
+                                  <m:t>+</m:t>
+                                </m:r>
+                                <m:f>
+                                  <m:fPr>
+                                    <m:ctrlPr>
+                                      <a:rPr lang="fr-FR" sz="1100" i="1">
+                                        <a:latin typeface="Cambria Math" panose="02040503050406030204" pitchFamily="18" charset="0"/>
+                                        <a:ea typeface="Cambria Math" panose="02040503050406030204" pitchFamily="18" charset="0"/>
+                                      </a:rPr>
+                                    </m:ctrlPr>
+                                  </m:fPr>
+                                  <m:num>
+                                    <m:r>
+                                      <a:rPr lang="fr-FR" sz="1100" i="1">
+                                        <a:latin typeface="Cambria Math" panose="02040503050406030204" pitchFamily="18" charset="0"/>
+                                        <a:ea typeface="Cambria Math" panose="02040503050406030204" pitchFamily="18" charset="0"/>
+                                      </a:rPr>
+                                      <m:t>1</m:t>
+                                    </m:r>
+                                  </m:num>
+                                  <m:den>
+                                    <m:r>
+                                      <a:rPr lang="fr-FR" sz="1100" i="1">
+                                        <a:latin typeface="Cambria Math" panose="02040503050406030204" pitchFamily="18" charset="0"/>
+                                        <a:ea typeface="Cambria Math" panose="02040503050406030204" pitchFamily="18" charset="0"/>
+                                      </a:rPr>
+                                      <m:t>𝑟</m:t>
+                                    </m:r>
+                                    <m:r>
+                                      <a:rPr lang="fr-FR" sz="1100" i="1">
+                                        <a:latin typeface="Cambria Math" panose="02040503050406030204" pitchFamily="18" charset="0"/>
+                                        <a:ea typeface="Cambria Math" panose="02040503050406030204" pitchFamily="18" charset="0"/>
+                                      </a:rPr>
+                                      <m:t>∆</m:t>
+                                    </m:r>
+                                    <m:r>
+                                      <a:rPr lang="fr-FR" sz="1100" i="1">
+                                        <a:latin typeface="Cambria Math" panose="02040503050406030204" pitchFamily="18" charset="0"/>
+                                        <a:ea typeface="Cambria Math" panose="02040503050406030204" pitchFamily="18" charset="0"/>
+                                      </a:rPr>
+                                      <m:t>𝑟</m:t>
+                                    </m:r>
+                                  </m:den>
+                                </m:f>
+                              </m:e>
+                            </m:mr>
+                            <m:mr>
+                              <m:e>
+                                <m:r>
+                                  <a:rPr lang="fr-FR" sz="1100" i="1">
+                                    <a:latin typeface="Cambria Math" panose="02040503050406030204" pitchFamily="18" charset="0"/>
+                                  </a:rPr>
+                                  <m:t>0</m:t>
+                                </m:r>
+                              </m:e>
+                              <m:e>
+                                <m:r>
+                                  <a:rPr lang="fr-FR" sz="1100" i="1">
+                                    <a:latin typeface="Cambria Math" panose="02040503050406030204" pitchFamily="18" charset="0"/>
+                                  </a:rPr>
+                                  <m:t>0</m:t>
+                                </m:r>
+                              </m:e>
+                              <m:e>
+                                <m:r>
+                                  <a:rPr lang="fr-FR" sz="1100" i="1">
+                                    <a:latin typeface="Cambria Math" panose="02040503050406030204" pitchFamily="18" charset="0"/>
+                                  </a:rPr>
+                                  <m:t>0</m:t>
+                                </m:r>
+                              </m:e>
+                              <m:e>
+                                <m:f>
+                                  <m:fPr>
+                                    <m:ctrlPr>
+                                      <a:rPr lang="fr-FR" sz="1100" i="1" dirty="0">
+                                        <a:latin typeface="Cambria Math" panose="02040503050406030204" pitchFamily="18" charset="0"/>
+                                      </a:rPr>
+                                    </m:ctrlPr>
+                                  </m:fPr>
+                                  <m:num>
+                                    <m:r>
+                                      <a:rPr lang="fr-FR" sz="1100" i="1" dirty="0">
+                                        <a:latin typeface="Cambria Math" panose="02040503050406030204" pitchFamily="18" charset="0"/>
+                                      </a:rPr>
+                                      <m:t>1</m:t>
+                                    </m:r>
+                                  </m:num>
+                                  <m:den>
+                                    <m:r>
+                                      <a:rPr lang="fr-FR" sz="1100" i="1">
+                                        <a:latin typeface="Cambria Math" panose="02040503050406030204" pitchFamily="18" charset="0"/>
+                                        <a:ea typeface="Cambria Math" panose="02040503050406030204" pitchFamily="18" charset="0"/>
+                                      </a:rPr>
+                                      <m:t>∆</m:t>
+                                    </m:r>
+                                    <m:r>
+                                      <a:rPr lang="fr-FR" sz="1100" i="1">
+                                        <a:latin typeface="Cambria Math" panose="02040503050406030204" pitchFamily="18" charset="0"/>
+                                        <a:ea typeface="Cambria Math" panose="02040503050406030204" pitchFamily="18" charset="0"/>
+                                      </a:rPr>
+                                      <m:t>𝑟</m:t>
+                                    </m:r>
+                                    <m:r>
+                                      <a:rPr lang="fr-FR" sz="1100" i="1">
+                                        <a:latin typeface="Cambria Math" panose="02040503050406030204" pitchFamily="18" charset="0"/>
+                                        <a:ea typeface="Cambria Math" panose="02040503050406030204" pitchFamily="18" charset="0"/>
+                                      </a:rPr>
+                                      <m:t>²</m:t>
+                                    </m:r>
+                                  </m:den>
+                                </m:f>
+                              </m:e>
+                              <m:e>
+                                <m:f>
+                                  <m:fPr>
+                                    <m:ctrlPr>
+                                      <a:rPr lang="fr-FR" sz="1100" i="1" dirty="0">
+                                        <a:latin typeface="Cambria Math" panose="02040503050406030204" pitchFamily="18" charset="0"/>
+                                      </a:rPr>
+                                    </m:ctrlPr>
+                                  </m:fPr>
+                                  <m:num>
+                                    <m:r>
+                                      <a:rPr lang="fr-FR" sz="1100" i="1" dirty="0">
+                                        <a:latin typeface="Cambria Math" panose="02040503050406030204" pitchFamily="18" charset="0"/>
+                                      </a:rPr>
+                                      <m:t>−2</m:t>
+                                    </m:r>
+                                  </m:num>
+                                  <m:den>
+                                    <m:r>
+                                      <a:rPr lang="fr-FR" sz="1100" i="1">
+                                        <a:latin typeface="Cambria Math" panose="02040503050406030204" pitchFamily="18" charset="0"/>
+                                        <a:ea typeface="Cambria Math" panose="02040503050406030204" pitchFamily="18" charset="0"/>
+                                      </a:rPr>
+                                      <m:t>∆</m:t>
+                                    </m:r>
+                                    <m:r>
+                                      <a:rPr lang="fr-FR" sz="1100" i="1">
+                                        <a:latin typeface="Cambria Math" panose="02040503050406030204" pitchFamily="18" charset="0"/>
+                                        <a:ea typeface="Cambria Math" panose="02040503050406030204" pitchFamily="18" charset="0"/>
+                                      </a:rPr>
+                                      <m:t>𝑟</m:t>
+                                    </m:r>
+                                    <m:r>
+                                      <a:rPr lang="fr-FR" sz="1100" i="1">
+                                        <a:latin typeface="Cambria Math" panose="02040503050406030204" pitchFamily="18" charset="0"/>
+                                        <a:ea typeface="Cambria Math" panose="02040503050406030204" pitchFamily="18" charset="0"/>
+                                      </a:rPr>
+                                      <m:t>²</m:t>
+                                    </m:r>
+                                  </m:den>
+                                </m:f>
+                                <m:r>
+                                  <a:rPr lang="fr-FR" sz="1100" i="1">
+                                    <a:latin typeface="Cambria Math" panose="02040503050406030204" pitchFamily="18" charset="0"/>
+                                    <a:ea typeface="Cambria Math" panose="02040503050406030204" pitchFamily="18" charset="0"/>
+                                  </a:rPr>
+                                  <m:t>+</m:t>
+                                </m:r>
+                                <m:f>
+                                  <m:fPr>
+                                    <m:ctrlPr>
+                                      <a:rPr lang="fr-FR" sz="1100" i="1">
+                                        <a:latin typeface="Cambria Math" panose="02040503050406030204" pitchFamily="18" charset="0"/>
+                                        <a:ea typeface="Cambria Math" panose="02040503050406030204" pitchFamily="18" charset="0"/>
+                                      </a:rPr>
+                                    </m:ctrlPr>
+                                  </m:fPr>
+                                  <m:num>
+                                    <m:r>
+                                      <a:rPr lang="fr-FR" sz="1100" i="1">
+                                        <a:latin typeface="Cambria Math" panose="02040503050406030204" pitchFamily="18" charset="0"/>
+                                        <a:ea typeface="Cambria Math" panose="02040503050406030204" pitchFamily="18" charset="0"/>
+                                      </a:rPr>
+                                      <m:t>−1</m:t>
+                                    </m:r>
+                                  </m:num>
+                                  <m:den>
+                                    <m:r>
+                                      <a:rPr lang="fr-FR" sz="1100" i="1">
+                                        <a:latin typeface="Cambria Math" panose="02040503050406030204" pitchFamily="18" charset="0"/>
+                                        <a:ea typeface="Cambria Math" panose="02040503050406030204" pitchFamily="18" charset="0"/>
+                                      </a:rPr>
+                                      <m:t>𝑟</m:t>
+                                    </m:r>
+                                    <m:r>
+                                      <a:rPr lang="fr-FR" sz="1100" i="1">
+                                        <a:latin typeface="Cambria Math" panose="02040503050406030204" pitchFamily="18" charset="0"/>
+                                        <a:ea typeface="Cambria Math" panose="02040503050406030204" pitchFamily="18" charset="0"/>
+                                      </a:rPr>
+                                      <m:t>∆</m:t>
+                                    </m:r>
+                                    <m:r>
+                                      <a:rPr lang="fr-FR" sz="1100" i="1">
+                                        <a:latin typeface="Cambria Math" panose="02040503050406030204" pitchFamily="18" charset="0"/>
+                                        <a:ea typeface="Cambria Math" panose="02040503050406030204" pitchFamily="18" charset="0"/>
+                                      </a:rPr>
+                                      <m:t>𝑟</m:t>
+                                    </m:r>
+                                  </m:den>
+                                </m:f>
+                              </m:e>
+                            </m:mr>
+                          </m:m>
+                          <m:r>
+                            <m:rPr>
+                              <m:nor/>
+                            </m:rPr>
+                            <a:rPr lang="en-GB" sz="1100" dirty="0"/>
+                            <m:t> </m:t>
+                          </m:r>
+                        </m:e>
+                      </m:d>
+                      <m:d>
+                        <m:dPr>
+                          <m:begChr m:val="["/>
+                          <m:endChr m:val="]"/>
+                          <m:ctrlPr>
+                            <a:rPr lang="en-GB" sz="1100" i="1" smtClean="0">
+                              <a:latin typeface="Cambria Math" panose="02040503050406030204" pitchFamily="18" charset="0"/>
+                            </a:rPr>
+                          </m:ctrlPr>
+                        </m:dPr>
+                        <m:e>
+                          <m:m>
+                            <m:mPr>
+                              <m:mcs>
+                                <m:mc>
+                                  <m:mcPr>
+                                    <m:count m:val="1"/>
+                                    <m:mcJc m:val="center"/>
+                                  </m:mcPr>
+                                </m:mc>
+                              </m:mcs>
+                              <m:ctrlPr>
+                                <a:rPr lang="en-GB" sz="1100" i="1" smtClean="0">
+                                  <a:latin typeface="Cambria Math" panose="02040503050406030204" pitchFamily="18" charset="0"/>
+                                </a:rPr>
+                              </m:ctrlPr>
+                            </m:mPr>
+                            <m:mr>
+                              <m:e>
+                                <m:sSub>
+                                  <m:sSubPr>
+                                    <m:ctrlPr>
+                                      <a:rPr lang="fr-FR" sz="1100" b="0" i="1" smtClean="0">
+                                        <a:latin typeface="Cambria Math" panose="02040503050406030204" pitchFamily="18" charset="0"/>
+                                      </a:rPr>
+                                    </m:ctrlPr>
+                                  </m:sSubPr>
+                                  <m:e>
+                                    <m:r>
+                                      <m:rPr>
+                                        <m:brk m:alnAt="7"/>
+                                      </m:rPr>
+                                      <a:rPr lang="fr-FR" sz="1100" b="0" i="1" smtClean="0">
+                                        <a:latin typeface="Cambria Math" panose="02040503050406030204" pitchFamily="18" charset="0"/>
+                                      </a:rPr>
+                                      <m:t>𝐶</m:t>
+                                    </m:r>
+                                  </m:e>
+                                  <m:sub>
+                                    <m:r>
+                                      <m:rPr>
+                                        <m:brk m:alnAt="7"/>
+                                      </m:rPr>
+                                      <a:rPr lang="fr-FR" sz="1100" b="0" i="1" smtClean="0">
+                                        <a:latin typeface="Cambria Math" panose="02040503050406030204" pitchFamily="18" charset="0"/>
+                                      </a:rPr>
+                                      <m:t>1</m:t>
+                                    </m:r>
+                                  </m:sub>
+                                </m:sSub>
+                              </m:e>
+                            </m:mr>
+                            <m:mr>
+                              <m:e>
+                                <m:sSub>
+                                  <m:sSubPr>
+                                    <m:ctrlPr>
+                                      <a:rPr lang="fr-FR" sz="1100" b="0" i="1" smtClean="0">
+                                        <a:latin typeface="Cambria Math" panose="02040503050406030204" pitchFamily="18" charset="0"/>
+                                      </a:rPr>
+                                    </m:ctrlPr>
+                                  </m:sSubPr>
+                                  <m:e>
+                                    <m:r>
+                                      <a:rPr lang="fr-FR" sz="1100" b="0" i="1" smtClean="0">
+                                        <a:latin typeface="Cambria Math" panose="02040503050406030204" pitchFamily="18" charset="0"/>
+                                      </a:rPr>
+                                      <m:t>𝐶</m:t>
+                                    </m:r>
+                                  </m:e>
+                                  <m:sub>
+                                    <m:r>
+                                      <a:rPr lang="fr-FR" sz="1100" b="0" i="1" smtClean="0">
+                                        <a:latin typeface="Cambria Math" panose="02040503050406030204" pitchFamily="18" charset="0"/>
+                                      </a:rPr>
+                                      <m:t>2</m:t>
+                                    </m:r>
+                                  </m:sub>
+                                </m:sSub>
+                              </m:e>
+                            </m:mr>
+                            <m:mr>
+                              <m:e>
+                                <m:sSub>
+                                  <m:sSubPr>
+                                    <m:ctrlPr>
+                                      <a:rPr lang="fr-FR" sz="1100" b="0" i="1" smtClean="0">
+                                        <a:latin typeface="Cambria Math" panose="02040503050406030204" pitchFamily="18" charset="0"/>
+                                      </a:rPr>
+                                    </m:ctrlPr>
+                                  </m:sSubPr>
+                                  <m:e>
+                                    <m:r>
+                                      <a:rPr lang="fr-FR" sz="1100" b="0" i="1" smtClean="0">
+                                        <a:latin typeface="Cambria Math" panose="02040503050406030204" pitchFamily="18" charset="0"/>
+                                      </a:rPr>
+                                      <m:t>𝐶</m:t>
+                                    </m:r>
+                                  </m:e>
+                                  <m:sub>
+                                    <m:r>
+                                      <a:rPr lang="fr-FR" sz="1100" b="0" i="1" smtClean="0">
+                                        <a:latin typeface="Cambria Math" panose="02040503050406030204" pitchFamily="18" charset="0"/>
+                                      </a:rPr>
+                                      <m:t>3</m:t>
+                                    </m:r>
+                                  </m:sub>
+                                </m:sSub>
+                              </m:e>
+                            </m:mr>
+                            <m:mr>
+                              <m:e>
+                                <m:sSub>
+                                  <m:sSubPr>
+                                    <m:ctrlPr>
+                                      <a:rPr lang="fr-FR" sz="1100" b="0" i="1" smtClean="0">
+                                        <a:latin typeface="Cambria Math" panose="02040503050406030204" pitchFamily="18" charset="0"/>
+                                      </a:rPr>
+                                    </m:ctrlPr>
+                                  </m:sSubPr>
+                                  <m:e>
+                                    <m:r>
+                                      <a:rPr lang="fr-FR" sz="1100" b="0" i="1" smtClean="0">
+                                        <a:latin typeface="Cambria Math" panose="02040503050406030204" pitchFamily="18" charset="0"/>
+                                      </a:rPr>
+                                      <m:t>𝐶</m:t>
+                                    </m:r>
+                                  </m:e>
+                                  <m:sub>
+                                    <m:r>
+                                      <a:rPr lang="fr-FR" sz="1100" b="0" i="1" smtClean="0">
+                                        <a:latin typeface="Cambria Math" panose="02040503050406030204" pitchFamily="18" charset="0"/>
+                                      </a:rPr>
+                                      <m:t>4</m:t>
+                                    </m:r>
+                                  </m:sub>
+                                </m:sSub>
+                              </m:e>
+                            </m:mr>
+                            <m:mr>
+                              <m:e>
+                                <m:sSub>
+                                  <m:sSubPr>
+                                    <m:ctrlPr>
+                                      <a:rPr lang="fr-FR" sz="1100" b="0" i="1" smtClean="0">
+                                        <a:latin typeface="Cambria Math" panose="02040503050406030204" pitchFamily="18" charset="0"/>
+                                      </a:rPr>
+                                    </m:ctrlPr>
+                                  </m:sSubPr>
+                                  <m:e>
+                                    <m:r>
+                                      <a:rPr lang="fr-FR" sz="1100" b="0" i="1" smtClean="0">
+                                        <a:latin typeface="Cambria Math" panose="02040503050406030204" pitchFamily="18" charset="0"/>
+                                      </a:rPr>
+                                      <m:t>𝐶</m:t>
+                                    </m:r>
+                                  </m:e>
+                                  <m:sub>
+                                    <m:r>
+                                      <a:rPr lang="fr-FR" sz="1100" b="0" i="1" smtClean="0">
+                                        <a:latin typeface="Cambria Math" panose="02040503050406030204" pitchFamily="18" charset="0"/>
+                                      </a:rPr>
+                                      <m:t>5</m:t>
+                                    </m:r>
+                                  </m:sub>
+                                </m:sSub>
+                              </m:e>
+                            </m:mr>
+                          </m:m>
+                        </m:e>
+                      </m:d>
+                      <m:r>
+                        <a:rPr lang="fr-FR" sz="1100" b="0" i="1" smtClean="0">
+                          <a:latin typeface="Cambria Math" panose="02040503050406030204" pitchFamily="18" charset="0"/>
+                        </a:rPr>
+                        <m:t>=</m:t>
+                      </m:r>
+                      <m:d>
+                        <m:dPr>
+                          <m:begChr m:val="["/>
+                          <m:endChr m:val="]"/>
+                          <m:ctrlPr>
+                            <a:rPr lang="en-GB" sz="1100" i="1">
+                              <a:latin typeface="Cambria Math" panose="02040503050406030204" pitchFamily="18" charset="0"/>
+                            </a:rPr>
+                          </m:ctrlPr>
+                        </m:dPr>
+                        <m:e>
+                          <m:m>
+                            <m:mPr>
+                              <m:mcs>
+                                <m:mc>
+                                  <m:mcPr>
+                                    <m:count m:val="1"/>
+                                    <m:mcJc m:val="center"/>
+                                  </m:mcPr>
+                                </m:mc>
+                              </m:mcs>
+                              <m:ctrlPr>
+                                <a:rPr lang="en-GB" sz="1100" i="1">
+                                  <a:latin typeface="Cambria Math" panose="02040503050406030204" pitchFamily="18" charset="0"/>
+                                </a:rPr>
+                              </m:ctrlPr>
+                            </m:mPr>
+                            <m:mr>
+                              <m:e>
+                                <m:r>
+                                  <a:rPr lang="fr-FR" sz="1100" b="0" i="1" smtClean="0">
+                                    <a:latin typeface="Cambria Math" panose="02040503050406030204" pitchFamily="18" charset="0"/>
+                                  </a:rPr>
+                                  <m:t>0</m:t>
+                                </m:r>
+                              </m:e>
+                            </m:mr>
+                            <m:mr>
+                              <m:e>
+                                <m:f>
+                                  <m:fPr>
+                                    <m:ctrlPr>
+                                      <a:rPr lang="fr-FR" sz="1100" i="1">
+                                        <a:latin typeface="Cambria Math" panose="02040503050406030204" pitchFamily="18" charset="0"/>
+                                      </a:rPr>
+                                    </m:ctrlPr>
+                                  </m:fPr>
+                                  <m:num>
+                                    <m:r>
+                                      <a:rPr lang="fr-FR" sz="1100" i="1">
+                                        <a:latin typeface="Cambria Math" panose="02040503050406030204" pitchFamily="18" charset="0"/>
+                                      </a:rPr>
+                                      <m:t>𝑆</m:t>
+                                    </m:r>
+                                  </m:num>
+                                  <m:den>
+                                    <m:sSub>
+                                      <m:sSubPr>
+                                        <m:ctrlPr>
+                                          <a:rPr lang="fr-FR" sz="1100" i="1">
+                                            <a:latin typeface="Cambria Math" panose="02040503050406030204" pitchFamily="18" charset="0"/>
+                                          </a:rPr>
+                                        </m:ctrlPr>
+                                      </m:sSubPr>
+                                      <m:e>
+                                        <m:r>
+                                          <a:rPr lang="fr-FR" sz="1100" i="1">
+                                            <a:latin typeface="Cambria Math" panose="02040503050406030204" pitchFamily="18" charset="0"/>
+                                          </a:rPr>
+                                          <m:t>𝐷</m:t>
+                                        </m:r>
+                                      </m:e>
+                                      <m:sub>
+                                        <m:r>
+                                          <a:rPr lang="fr-FR" sz="1100" i="1">
+                                            <a:latin typeface="Cambria Math" panose="02040503050406030204" pitchFamily="18" charset="0"/>
+                                          </a:rPr>
+                                          <m:t>𝑒𝑓𝑓</m:t>
+                                        </m:r>
+                                      </m:sub>
+                                    </m:sSub>
+                                  </m:den>
+                                </m:f>
+                              </m:e>
+                            </m:mr>
+                            <m:mr>
+                              <m:e>
+                                <m:f>
+                                  <m:fPr>
+                                    <m:ctrlPr>
+                                      <a:rPr lang="fr-FR" sz="1100" i="1">
+                                        <a:latin typeface="Cambria Math" panose="02040503050406030204" pitchFamily="18" charset="0"/>
+                                      </a:rPr>
+                                    </m:ctrlPr>
+                                  </m:fPr>
+                                  <m:num>
+                                    <m:r>
+                                      <a:rPr lang="fr-FR" sz="1100" i="1">
+                                        <a:latin typeface="Cambria Math" panose="02040503050406030204" pitchFamily="18" charset="0"/>
+                                      </a:rPr>
+                                      <m:t>𝑆</m:t>
+                                    </m:r>
+                                  </m:num>
+                                  <m:den>
+                                    <m:sSub>
+                                      <m:sSubPr>
+                                        <m:ctrlPr>
+                                          <a:rPr lang="fr-FR" sz="1100" i="1">
+                                            <a:latin typeface="Cambria Math" panose="02040503050406030204" pitchFamily="18" charset="0"/>
+                                          </a:rPr>
+                                        </m:ctrlPr>
+                                      </m:sSubPr>
+                                      <m:e>
+                                        <m:r>
+                                          <a:rPr lang="fr-FR" sz="1100" i="1">
+                                            <a:latin typeface="Cambria Math" panose="02040503050406030204" pitchFamily="18" charset="0"/>
+                                          </a:rPr>
+                                          <m:t>𝐷</m:t>
+                                        </m:r>
+                                      </m:e>
+                                      <m:sub>
+                                        <m:r>
+                                          <a:rPr lang="fr-FR" sz="1100" i="1">
+                                            <a:latin typeface="Cambria Math" panose="02040503050406030204" pitchFamily="18" charset="0"/>
+                                          </a:rPr>
+                                          <m:t>𝑒𝑓𝑓</m:t>
+                                        </m:r>
+                                      </m:sub>
+                                    </m:sSub>
+                                  </m:den>
+                                </m:f>
+                              </m:e>
+                            </m:mr>
+                            <m:mr>
+                              <m:e>
+                                <m:f>
+                                  <m:fPr>
+                                    <m:ctrlPr>
+                                      <a:rPr lang="fr-FR" sz="1100" b="0" i="1" smtClean="0">
+                                        <a:latin typeface="Cambria Math" panose="02040503050406030204" pitchFamily="18" charset="0"/>
+                                      </a:rPr>
+                                    </m:ctrlPr>
+                                  </m:fPr>
+                                  <m:num>
+                                    <m:r>
+                                      <a:rPr lang="fr-FR" sz="1100" b="0" i="1" smtClean="0">
+                                        <a:latin typeface="Cambria Math" panose="02040503050406030204" pitchFamily="18" charset="0"/>
+                                      </a:rPr>
+                                      <m:t>𝑆</m:t>
+                                    </m:r>
+                                  </m:num>
+                                  <m:den>
+                                    <m:sSub>
+                                      <m:sSubPr>
+                                        <m:ctrlPr>
+                                          <a:rPr lang="fr-FR" sz="1100" b="0" i="1" smtClean="0">
+                                            <a:latin typeface="Cambria Math" panose="02040503050406030204" pitchFamily="18" charset="0"/>
+                                          </a:rPr>
+                                        </m:ctrlPr>
+                                      </m:sSubPr>
+                                      <m:e>
+                                        <m:r>
+                                          <a:rPr lang="fr-FR" sz="1100" b="0" i="1" smtClean="0">
+                                            <a:latin typeface="Cambria Math" panose="02040503050406030204" pitchFamily="18" charset="0"/>
+                                          </a:rPr>
+                                          <m:t>𝐷</m:t>
+                                        </m:r>
+                                      </m:e>
+                                      <m:sub>
+                                        <m:r>
+                                          <a:rPr lang="fr-FR" sz="1100" b="0" i="1" smtClean="0">
+                                            <a:latin typeface="Cambria Math" panose="02040503050406030204" pitchFamily="18" charset="0"/>
+                                          </a:rPr>
+                                          <m:t>𝑒𝑓𝑓</m:t>
+                                        </m:r>
+                                      </m:sub>
+                                    </m:sSub>
+                                  </m:den>
+                                </m:f>
+                              </m:e>
+                            </m:mr>
+                            <m:mr>
+                              <m:e>
+                                <m:sSub>
+                                  <m:sSubPr>
+                                    <m:ctrlPr>
+                                      <a:rPr lang="fr-FR" sz="1100" b="0" i="1" smtClean="0">
+                                        <a:latin typeface="Cambria Math" panose="02040503050406030204" pitchFamily="18" charset="0"/>
+                                      </a:rPr>
+                                    </m:ctrlPr>
+                                  </m:sSubPr>
+                                  <m:e>
+                                    <m:r>
+                                      <a:rPr lang="fr-FR" sz="1100" b="0" i="1" smtClean="0">
+                                        <a:latin typeface="Cambria Math" panose="02040503050406030204" pitchFamily="18" charset="0"/>
+                                      </a:rPr>
+                                      <m:t>𝐶</m:t>
+                                    </m:r>
+                                  </m:e>
+                                  <m:sub>
+                                    <m:r>
+                                      <a:rPr lang="fr-FR" sz="1100" b="0" i="1" smtClean="0">
+                                        <a:latin typeface="Cambria Math" panose="02040503050406030204" pitchFamily="18" charset="0"/>
+                                      </a:rPr>
+                                      <m:t>𝑒</m:t>
+                                    </m:r>
+                                  </m:sub>
+                                </m:sSub>
+                              </m:e>
+                            </m:mr>
+                          </m:m>
+                        </m:e>
+                      </m:d>
+                    </m:oMath>
+                  </m:oMathPara>
+                </a14:m>
+                <a:endParaRPr lang="en-GB" sz="1100" dirty="0"/>
+              </a:p>
+            </p:txBody>
+          </p:sp>
+        </mc:Choice>
+        <mc:Fallback>
+          <p:sp>
+            <p:nvSpPr>
+              <p:cNvPr id="15" name="TextBox 14">
+                <a:extLst>
+                  <a:ext uri="{FF2B5EF4-FFF2-40B4-BE49-F238E27FC236}">
+                    <a16:creationId xmlns:a16="http://schemas.microsoft.com/office/drawing/2014/main" id="{D0D4259A-0C98-BAFE-3E33-AEBE5015294A}"/>
+                  </a:ext>
+                </a:extLst>
+              </p:cNvPr>
+              <p:cNvSpPr txBox="1">
+                <a:spLocks noRot="1" noChangeAspect="1" noMove="1" noResize="1" noEditPoints="1" noAdjustHandles="1" noChangeArrowheads="1" noChangeShapeType="1" noTextEdit="1"/>
+              </p:cNvSpPr>
+              <p:nvPr/>
+            </p:nvSpPr>
+            <p:spPr>
+              <a:xfrm>
+                <a:off x="6804398" y="4199673"/>
+                <a:ext cx="4143177" cy="1494961"/>
+              </a:xfrm>
+              <a:prstGeom prst="rect">
+                <a:avLst/>
+              </a:prstGeom>
+              <a:blipFill>
+                <a:blip r:embed="rId8"/>
+                <a:stretch>
+                  <a:fillRect/>
+                </a:stretch>
+              </a:blipFill>
+            </p:spPr>
+            <p:txBody>
+              <a:bodyPr/>
+              <a:lstStyle/>
+              <a:p>
+                <a:r>
+                  <a:rPr lang="en-GB">
+                    <a:noFill/>
+                  </a:rPr>
+                  <a:t> </a:t>
+                </a:r>
+              </a:p>
+            </p:txBody>
+          </p:sp>
+        </mc:Fallback>
+      </mc:AlternateContent>
+      <p:pic>
+        <p:nvPicPr>
+          <p:cNvPr id="17" name="Picture 16">
+            <a:extLst>
+              <a:ext uri="{FF2B5EF4-FFF2-40B4-BE49-F238E27FC236}">
+                <a16:creationId xmlns:a16="http://schemas.microsoft.com/office/drawing/2014/main" id="{429771DA-C7D2-B11F-BF31-76F203BCE2D9}"/>
+              </a:ext>
+            </a:extLst>
+          </p:cNvPr>
+          <p:cNvPicPr>
+            <a:picLocks noChangeAspect="1"/>
+          </p:cNvPicPr>
+          <p:nvPr/>
+        </p:nvPicPr>
+        <p:blipFill>
+          <a:blip r:embed="rId9"/>
+          <a:stretch>
+            <a:fillRect/>
+          </a:stretch>
+        </p:blipFill>
+        <p:spPr>
+          <a:xfrm>
+            <a:off x="6804397" y="3103737"/>
+            <a:ext cx="3291839" cy="1048575"/>
+          </a:xfrm>
+          <a:prstGeom prst="rect">
+            <a:avLst/>
+          </a:prstGeom>
+        </p:spPr>
+      </p:pic>
+      <p:pic>
+        <p:nvPicPr>
+          <p:cNvPr id="19" name="Picture 18">
+            <a:extLst>
+              <a:ext uri="{FF2B5EF4-FFF2-40B4-BE49-F238E27FC236}">
+                <a16:creationId xmlns:a16="http://schemas.microsoft.com/office/drawing/2014/main" id="{922DDEA9-C091-1B9B-FC36-448765828197}"/>
+              </a:ext>
+            </a:extLst>
+          </p:cNvPr>
+          <p:cNvPicPr>
+            <a:picLocks noChangeAspect="1"/>
+          </p:cNvPicPr>
+          <p:nvPr/>
+        </p:nvPicPr>
+        <p:blipFill>
+          <a:blip r:embed="rId10"/>
+          <a:stretch>
+            <a:fillRect/>
+          </a:stretch>
+        </p:blipFill>
+        <p:spPr>
+          <a:xfrm>
+            <a:off x="10288577" y="3103649"/>
+            <a:ext cx="721172" cy="1048575"/>
+          </a:xfrm>
+          <a:prstGeom prst="rect">
+            <a:avLst/>
+          </a:prstGeom>
+        </p:spPr>
+      </p:pic>
+      <p:sp>
+        <p:nvSpPr>
+          <p:cNvPr id="21" name="Right Brace 20">
+            <a:extLst>
+              <a:ext uri="{FF2B5EF4-FFF2-40B4-BE49-F238E27FC236}">
+                <a16:creationId xmlns:a16="http://schemas.microsoft.com/office/drawing/2014/main" id="{19EAFEE6-6B99-E2E7-968A-B6336653D699}"/>
+              </a:ext>
+            </a:extLst>
+          </p:cNvPr>
+          <p:cNvSpPr/>
+          <p:nvPr/>
+        </p:nvSpPr>
+        <p:spPr>
+          <a:xfrm>
+            <a:off x="6223183" y="3175626"/>
+            <a:ext cx="180376" cy="2519008"/>
+          </a:xfrm>
+          <a:prstGeom prst="rightBrace">
+            <a:avLst>
+              <a:gd name="adj1" fmla="val 81253"/>
+              <a:gd name="adj2" fmla="val 50000"/>
+            </a:avLst>
+          </a:prstGeom>
+        </p:spPr>
+        <p:style>
+          <a:lnRef idx="2">
+            <a:schemeClr val="accent1"/>
+          </a:lnRef>
+          <a:fillRef idx="0">
+            <a:schemeClr val="accent1"/>
+          </a:fillRef>
+          <a:effectRef idx="1">
+            <a:schemeClr val="accent1"/>
+          </a:effectRef>
+          <a:fontRef idx="minor">
+            <a:schemeClr val="tx1"/>
+          </a:fontRef>
+        </p:style>
+        <p:txBody>
+          <a:bodyPr rtlCol="0" anchor="ctr"/>
+          <a:lstStyle/>
+          <a:p>
+            <a:pPr algn="ctr"/>
+            <a:endParaRPr lang="en-GB"/>
+          </a:p>
+        </p:txBody>
+      </p:sp>
     </p:spTree>
     <p:extLst>
       <p:ext uri="{BB962C8B-B14F-4D97-AF65-F5344CB8AC3E}">
@@ -15854,6 +18092,661 @@
 </file>
 
 <file path=ppt/slides/slide6.xml><?xml version="1.0" encoding="utf-8"?>
+<p:sld xmlns:a="http://schemas.openxmlformats.org/drawingml/2006/main" xmlns:r="http://schemas.openxmlformats.org/officeDocument/2006/relationships" xmlns:p="http://schemas.openxmlformats.org/presentationml/2006/main">
+  <p:cSld>
+    <p:spTree>
+      <p:nvGrpSpPr>
+        <p:cNvPr id="1" name="">
+          <a:extLst>
+            <a:ext uri="{FF2B5EF4-FFF2-40B4-BE49-F238E27FC236}">
+              <a16:creationId xmlns:a16="http://schemas.microsoft.com/office/drawing/2014/main" id="{4ECF8B6E-7A9D-C133-9F9A-3846313A0741}"/>
+            </a:ext>
+          </a:extLst>
+        </p:cNvPr>
+        <p:cNvGrpSpPr/>
+        <p:nvPr/>
+      </p:nvGrpSpPr>
+      <p:grpSpPr>
+        <a:xfrm>
+          <a:off x="0" y="0"/>
+          <a:ext cx="0" cy="0"/>
+          <a:chOff x="0" y="0"/>
+          <a:chExt cx="0" cy="0"/>
+        </a:xfrm>
+      </p:grpSpPr>
+      <p:sp>
+        <p:nvSpPr>
+          <p:cNvPr id="2" name="Rectangle 1">
+            <a:extLst>
+              <a:ext uri="{FF2B5EF4-FFF2-40B4-BE49-F238E27FC236}">
+                <a16:creationId xmlns:a16="http://schemas.microsoft.com/office/drawing/2014/main" id="{C9E00D78-DC6F-B3E5-4EE1-57B17573A042}"/>
+              </a:ext>
+            </a:extLst>
+          </p:cNvPr>
+          <p:cNvSpPr/>
+          <p:nvPr/>
+        </p:nvSpPr>
+        <p:spPr>
+          <a:xfrm>
+            <a:off x="1" y="-990"/>
+            <a:ext cx="6096000" cy="501017"/>
+          </a:xfrm>
+          <a:prstGeom prst="rect">
+            <a:avLst/>
+          </a:prstGeom>
+          <a:solidFill>
+            <a:srgbClr val="980000"/>
+          </a:solidFill>
+          <a:ln>
+            <a:noFill/>
+          </a:ln>
+        </p:spPr>
+        <p:style>
+          <a:lnRef idx="2">
+            <a:schemeClr val="accent1">
+              <a:shade val="15000"/>
+            </a:schemeClr>
+          </a:lnRef>
+          <a:fillRef idx="1">
+            <a:schemeClr val="accent1"/>
+          </a:fillRef>
+          <a:effectRef idx="0">
+            <a:schemeClr val="accent1"/>
+          </a:effectRef>
+          <a:fontRef idx="minor">
+            <a:schemeClr val="lt1"/>
+          </a:fontRef>
+        </p:style>
+        <p:txBody>
+          <a:bodyPr rtlCol="0" anchor="ctr"/>
+          <a:lstStyle/>
+          <a:p>
+            <a:pPr algn="ctr"/>
+            <a:endParaRPr lang="en-GB"/>
+          </a:p>
+        </p:txBody>
+      </p:sp>
+      <p:sp>
+        <p:nvSpPr>
+          <p:cNvPr id="3" name="TextBox 2">
+            <a:extLst>
+              <a:ext uri="{FF2B5EF4-FFF2-40B4-BE49-F238E27FC236}">
+                <a16:creationId xmlns:a16="http://schemas.microsoft.com/office/drawing/2014/main" id="{0D204C9D-C124-A4B2-CA14-D7E07F23E83A}"/>
+              </a:ext>
+            </a:extLst>
+          </p:cNvPr>
+          <p:cNvSpPr txBox="1"/>
+          <p:nvPr/>
+        </p:nvSpPr>
+        <p:spPr>
+          <a:xfrm>
+            <a:off x="0" y="-990"/>
+            <a:ext cx="4105341" cy="461665"/>
+          </a:xfrm>
+          <a:prstGeom prst="rect">
+            <a:avLst/>
+          </a:prstGeom>
+          <a:noFill/>
+        </p:spPr>
+        <p:txBody>
+          <a:bodyPr wrap="square" rtlCol="0">
+            <a:spAutoFit/>
+          </a:bodyPr>
+          <a:lstStyle/>
+          <a:p>
+            <a:pPr algn="just"/>
+            <a:r>
+              <a:rPr lang="fr-FR" sz="2400" b="1" dirty="0">
+                <a:solidFill>
+                  <a:schemeClr val="bg1"/>
+                </a:solidFill>
+                <a:latin typeface="Times New Roman" panose="02020603050405020304" pitchFamily="18" charset="0"/>
+                <a:cs typeface="Times New Roman" panose="02020603050405020304" pitchFamily="18" charset="0"/>
+              </a:rPr>
+              <a:t>QUESTION C &amp; D</a:t>
+            </a:r>
+            <a:endParaRPr lang="en-GB" sz="2400" b="1" dirty="0">
+              <a:solidFill>
+                <a:schemeClr val="bg1"/>
+              </a:solidFill>
+              <a:latin typeface="Times New Roman" panose="02020603050405020304" pitchFamily="18" charset="0"/>
+              <a:cs typeface="Times New Roman" panose="02020603050405020304" pitchFamily="18" charset="0"/>
+            </a:endParaRPr>
+          </a:p>
+        </p:txBody>
+      </p:sp>
+      <p:sp>
+        <p:nvSpPr>
+          <p:cNvPr id="4" name="Rectangle 3">
+            <a:extLst>
+              <a:ext uri="{FF2B5EF4-FFF2-40B4-BE49-F238E27FC236}">
+                <a16:creationId xmlns:a16="http://schemas.microsoft.com/office/drawing/2014/main" id="{1852E0AB-15C7-963A-94A1-AF3CA0D6A0A8}"/>
+              </a:ext>
+            </a:extLst>
+          </p:cNvPr>
+          <p:cNvSpPr/>
+          <p:nvPr/>
+        </p:nvSpPr>
+        <p:spPr>
+          <a:xfrm>
+            <a:off x="6096000" y="0"/>
+            <a:ext cx="6096000" cy="501017"/>
+          </a:xfrm>
+          <a:prstGeom prst="rect">
+            <a:avLst/>
+          </a:prstGeom>
+          <a:solidFill>
+            <a:srgbClr val="D9D9D9"/>
+          </a:solidFill>
+          <a:ln>
+            <a:noFill/>
+          </a:ln>
+        </p:spPr>
+        <p:style>
+          <a:lnRef idx="2">
+            <a:schemeClr val="accent1">
+              <a:shade val="15000"/>
+            </a:schemeClr>
+          </a:lnRef>
+          <a:fillRef idx="1">
+            <a:schemeClr val="accent1"/>
+          </a:fillRef>
+          <a:effectRef idx="0">
+            <a:schemeClr val="accent1"/>
+          </a:effectRef>
+          <a:fontRef idx="minor">
+            <a:schemeClr val="lt1"/>
+          </a:fontRef>
+        </p:style>
+        <p:txBody>
+          <a:bodyPr rtlCol="0" anchor="ctr"/>
+          <a:lstStyle/>
+          <a:p>
+            <a:pPr algn="ctr"/>
+            <a:endParaRPr lang="en-GB"/>
+          </a:p>
+        </p:txBody>
+      </p:sp>
+      <p:sp>
+        <p:nvSpPr>
+          <p:cNvPr id="5" name="TextBox 4">
+            <a:extLst>
+              <a:ext uri="{FF2B5EF4-FFF2-40B4-BE49-F238E27FC236}">
+                <a16:creationId xmlns:a16="http://schemas.microsoft.com/office/drawing/2014/main" id="{12FC6A74-40DA-DC90-686B-24F2DCFDC298}"/>
+              </a:ext>
+            </a:extLst>
+          </p:cNvPr>
+          <p:cNvSpPr txBox="1"/>
+          <p:nvPr/>
+        </p:nvSpPr>
+        <p:spPr>
+          <a:xfrm>
+            <a:off x="-2" y="627468"/>
+            <a:ext cx="12192001" cy="646331"/>
+          </a:xfrm>
+          <a:prstGeom prst="rect">
+            <a:avLst/>
+          </a:prstGeom>
+          <a:noFill/>
+        </p:spPr>
+        <p:txBody>
+          <a:bodyPr wrap="square" rtlCol="0">
+            <a:spAutoFit/>
+          </a:bodyPr>
+          <a:lstStyle/>
+          <a:p>
+            <a:pPr algn="just"/>
+            <a:r>
+              <a:rPr lang="fr-FR" dirty="0">
+                <a:latin typeface="Times New Roman" panose="02020603050405020304" pitchFamily="18" charset="0"/>
+                <a:cs typeface="Times New Roman" panose="02020603050405020304" pitchFamily="18" charset="0"/>
+              </a:rPr>
+              <a:t>Pour l’erreur de troncature formelle (et l’ordre de précision numérique si le code fonctionne), on attend l’ordre </a:t>
+            </a:r>
+            <a:r>
+              <a:rPr lang="fr-FR" b="1" dirty="0">
+                <a:latin typeface="Times New Roman" panose="02020603050405020304" pitchFamily="18" charset="0"/>
+                <a:cs typeface="Times New Roman" panose="02020603050405020304" pitchFamily="18" charset="0"/>
+              </a:rPr>
+              <a:t>1</a:t>
+            </a:r>
+            <a:r>
+              <a:rPr lang="fr-FR" dirty="0">
+                <a:latin typeface="Times New Roman" panose="02020603050405020304" pitchFamily="18" charset="0"/>
+                <a:cs typeface="Times New Roman" panose="02020603050405020304" pitchFamily="18" charset="0"/>
+              </a:rPr>
+              <a:t> étant donné que l’ordre le plus « mauvais » est de 1 (pour la dérivée première). </a:t>
+            </a:r>
+            <a:endParaRPr lang="en-GB" dirty="0">
+              <a:latin typeface="Times New Roman" panose="02020603050405020304" pitchFamily="18" charset="0"/>
+              <a:cs typeface="Times New Roman" panose="02020603050405020304" pitchFamily="18" charset="0"/>
+            </a:endParaRPr>
+          </a:p>
+        </p:txBody>
+      </p:sp>
+      <p:sp>
+        <p:nvSpPr>
+          <p:cNvPr id="16" name="TextBox 15">
+            <a:extLst>
+              <a:ext uri="{FF2B5EF4-FFF2-40B4-BE49-F238E27FC236}">
+                <a16:creationId xmlns:a16="http://schemas.microsoft.com/office/drawing/2014/main" id="{B39967A9-E27A-C14E-CB1A-C73498778C17}"/>
+              </a:ext>
+            </a:extLst>
+          </p:cNvPr>
+          <p:cNvSpPr txBox="1"/>
+          <p:nvPr/>
+        </p:nvSpPr>
+        <p:spPr>
+          <a:xfrm>
+            <a:off x="-2" y="1273799"/>
+            <a:ext cx="12192001" cy="369332"/>
+          </a:xfrm>
+          <a:prstGeom prst="rect">
+            <a:avLst/>
+          </a:prstGeom>
+          <a:noFill/>
+        </p:spPr>
+        <p:txBody>
+          <a:bodyPr wrap="square" rtlCol="0">
+            <a:spAutoFit/>
+          </a:bodyPr>
+          <a:lstStyle/>
+          <a:p>
+            <a:pPr algn="just"/>
+            <a:r>
+              <a:rPr lang="fr-FR" dirty="0">
+                <a:latin typeface="Times New Roman" panose="02020603050405020304" pitchFamily="18" charset="0"/>
+                <a:cs typeface="Times New Roman" panose="02020603050405020304" pitchFamily="18" charset="0"/>
+              </a:rPr>
+              <a:t>Après simulation, on obtient les résultats suivants : </a:t>
+            </a:r>
+            <a:endParaRPr lang="en-GB" dirty="0">
+              <a:latin typeface="Times New Roman" panose="02020603050405020304" pitchFamily="18" charset="0"/>
+              <a:cs typeface="Times New Roman" panose="02020603050405020304" pitchFamily="18" charset="0"/>
+            </a:endParaRPr>
+          </a:p>
+        </p:txBody>
+      </p:sp>
+      <p:pic>
+        <p:nvPicPr>
+          <p:cNvPr id="20" name="Picture 19" descr="A graph with blue and orange lines&#10;&#10;AI-generated content may be incorrect.">
+            <a:extLst>
+              <a:ext uri="{FF2B5EF4-FFF2-40B4-BE49-F238E27FC236}">
+                <a16:creationId xmlns:a16="http://schemas.microsoft.com/office/drawing/2014/main" id="{3AA74466-528C-8DC9-1492-EADB8A7E433C}"/>
+              </a:ext>
+            </a:extLst>
+          </p:cNvPr>
+          <p:cNvPicPr>
+            <a:picLocks noChangeAspect="1"/>
+          </p:cNvPicPr>
+          <p:nvPr/>
+        </p:nvPicPr>
+        <p:blipFill>
+          <a:blip r:embed="rId2">
+            <a:extLst>
+              <a:ext uri="{28A0092B-C50C-407E-A947-70E740481C1C}">
+                <a14:useLocalDpi xmlns:a14="http://schemas.microsoft.com/office/drawing/2010/main" val="0"/>
+              </a:ext>
+            </a:extLst>
+          </a:blip>
+          <a:stretch>
+            <a:fillRect/>
+          </a:stretch>
+        </p:blipFill>
+        <p:spPr>
+          <a:xfrm>
+            <a:off x="-2" y="1643131"/>
+            <a:ext cx="5362230" cy="4021672"/>
+          </a:xfrm>
+          <a:prstGeom prst="rect">
+            <a:avLst/>
+          </a:prstGeom>
+        </p:spPr>
+      </p:pic>
+      <p:sp>
+        <p:nvSpPr>
+          <p:cNvPr id="22" name="TextBox 21">
+            <a:extLst>
+              <a:ext uri="{FF2B5EF4-FFF2-40B4-BE49-F238E27FC236}">
+                <a16:creationId xmlns:a16="http://schemas.microsoft.com/office/drawing/2014/main" id="{6202A4EB-70C1-FC90-04FF-E6EC22746993}"/>
+              </a:ext>
+            </a:extLst>
+          </p:cNvPr>
+          <p:cNvSpPr txBox="1"/>
+          <p:nvPr/>
+        </p:nvSpPr>
+        <p:spPr>
+          <a:xfrm>
+            <a:off x="5362228" y="1827797"/>
+            <a:ext cx="5054599" cy="369332"/>
+          </a:xfrm>
+          <a:prstGeom prst="rect">
+            <a:avLst/>
+          </a:prstGeom>
+          <a:noFill/>
+        </p:spPr>
+        <p:txBody>
+          <a:bodyPr wrap="square" rtlCol="0">
+            <a:spAutoFit/>
+          </a:bodyPr>
+          <a:lstStyle/>
+          <a:p>
+            <a:pPr algn="just"/>
+            <a:r>
+              <a:rPr lang="fr-FR" dirty="0">
+                <a:latin typeface="Times New Roman" panose="02020603050405020304" pitchFamily="18" charset="0"/>
+                <a:cs typeface="Times New Roman" panose="02020603050405020304" pitchFamily="18" charset="0"/>
+              </a:rPr>
+              <a:t>Les paramètres de simulations sont : </a:t>
+            </a:r>
+            <a:endParaRPr lang="en-GB" dirty="0">
+              <a:latin typeface="Times New Roman" panose="02020603050405020304" pitchFamily="18" charset="0"/>
+              <a:cs typeface="Times New Roman" panose="02020603050405020304" pitchFamily="18" charset="0"/>
+            </a:endParaRPr>
+          </a:p>
+        </p:txBody>
+      </p:sp>
+      <p:sp>
+        <p:nvSpPr>
+          <p:cNvPr id="24" name="TextBox 23">
+            <a:extLst>
+              <a:ext uri="{FF2B5EF4-FFF2-40B4-BE49-F238E27FC236}">
+                <a16:creationId xmlns:a16="http://schemas.microsoft.com/office/drawing/2014/main" id="{76493576-D5CC-FFCD-A3CC-42A2E2B30ACE}"/>
+              </a:ext>
+            </a:extLst>
+          </p:cNvPr>
+          <p:cNvSpPr txBox="1"/>
+          <p:nvPr/>
+        </p:nvSpPr>
+        <p:spPr>
+          <a:xfrm>
+            <a:off x="5362228" y="2210692"/>
+            <a:ext cx="5362230" cy="1754326"/>
+          </a:xfrm>
+          <a:prstGeom prst="rect">
+            <a:avLst/>
+          </a:prstGeom>
+          <a:noFill/>
+        </p:spPr>
+        <p:txBody>
+          <a:bodyPr wrap="square">
+            <a:spAutoFit/>
+          </a:bodyPr>
+          <a:lstStyle/>
+          <a:p>
+            <a:r>
+              <a:rPr lang="en-GB" i="1" dirty="0"/>
+              <a:t>R = 0.5  # Rayon du </a:t>
+            </a:r>
+            <a:r>
+              <a:rPr lang="en-GB" i="1" dirty="0" err="1"/>
+              <a:t>pilier</a:t>
+            </a:r>
+            <a:r>
+              <a:rPr lang="en-GB" i="1" dirty="0"/>
+              <a:t> (m)</a:t>
+            </a:r>
+          </a:p>
+          <a:p>
+            <a:r>
+              <a:rPr lang="en-GB" i="1" dirty="0"/>
+              <a:t>Ce = 20  # Concentration en surface (mol/m³)</a:t>
+            </a:r>
+          </a:p>
+          <a:p>
+            <a:r>
+              <a:rPr lang="en-GB" i="1" dirty="0" err="1"/>
+              <a:t>Deff</a:t>
+            </a:r>
+            <a:r>
+              <a:rPr lang="en-GB" i="1" dirty="0"/>
+              <a:t> = 1e-10  # Coefficient de diffusion (m²/s)</a:t>
+            </a:r>
+          </a:p>
+          <a:p>
+            <a:r>
+              <a:rPr lang="en-GB" i="1" dirty="0"/>
+              <a:t>S = 2e-8  # Terme source constant (mol/m³/s)</a:t>
+            </a:r>
+          </a:p>
+          <a:p>
+            <a:r>
+              <a:rPr lang="en-GB" i="1" dirty="0"/>
+              <a:t>N = 5  # </a:t>
+            </a:r>
+            <a:r>
+              <a:rPr lang="en-GB" i="1" dirty="0" err="1"/>
+              <a:t>Nombre</a:t>
+            </a:r>
+            <a:r>
+              <a:rPr lang="en-GB" i="1" dirty="0"/>
+              <a:t> de </a:t>
+            </a:r>
+            <a:r>
+              <a:rPr lang="en-GB" i="1" dirty="0" err="1"/>
+              <a:t>nœuds</a:t>
+            </a:r>
+            <a:endParaRPr lang="en-GB" i="1" dirty="0"/>
+          </a:p>
+          <a:p>
+            <a:r>
+              <a:rPr lang="en-GB" i="1" dirty="0"/>
+              <a:t>dr = R / (N - 1)  # Pas spatial</a:t>
+            </a:r>
+          </a:p>
+        </p:txBody>
+      </p:sp>
+      <mc:AlternateContent xmlns:mc="http://schemas.openxmlformats.org/markup-compatibility/2006">
+        <mc:Choice xmlns:a14="http://schemas.microsoft.com/office/drawing/2010/main" Requires="a14">
+          <p:sp>
+            <p:nvSpPr>
+              <p:cNvPr id="25" name="TextBox 24">
+                <a:extLst>
+                  <a:ext uri="{FF2B5EF4-FFF2-40B4-BE49-F238E27FC236}">
+                    <a16:creationId xmlns:a16="http://schemas.microsoft.com/office/drawing/2014/main" id="{10BF094A-0B6E-84CD-1409-00B3E540E17B}"/>
+                  </a:ext>
+                </a:extLst>
+              </p:cNvPr>
+              <p:cNvSpPr txBox="1"/>
+              <p:nvPr/>
+            </p:nvSpPr>
+            <p:spPr>
+              <a:xfrm>
+                <a:off x="-3" y="5664803"/>
+                <a:ext cx="12192001" cy="646331"/>
+              </a:xfrm>
+              <a:prstGeom prst="rect">
+                <a:avLst/>
+              </a:prstGeom>
+              <a:noFill/>
+            </p:spPr>
+            <p:txBody>
+              <a:bodyPr wrap="square" rtlCol="0">
+                <a:spAutoFit/>
+              </a:bodyPr>
+              <a:lstStyle/>
+              <a:p>
+                <a:pPr algn="just"/>
+                <a:r>
+                  <a:rPr lang="fr-FR" dirty="0">
+                    <a:latin typeface="Times New Roman" panose="02020603050405020304" pitchFamily="18" charset="0"/>
+                    <a:cs typeface="Times New Roman" panose="02020603050405020304" pitchFamily="18" charset="0"/>
+                  </a:rPr>
+                  <a:t>On cherche maintenant à effectuer une vérification de code. Pour ce faire, nous allons calculer l’erreur de discrétisation pour plusieurs maillages (en prenant différentes normes </a:t>
+                </a:r>
+                <a14:m>
+                  <m:oMath xmlns:m="http://schemas.openxmlformats.org/officeDocument/2006/math">
+                    <m:sSub>
+                      <m:sSubPr>
+                        <m:ctrlPr>
+                          <a:rPr lang="fr-FR" b="0" i="1" smtClean="0">
+                            <a:latin typeface="Cambria Math" panose="02040503050406030204" pitchFamily="18" charset="0"/>
+                            <a:cs typeface="Times New Roman" panose="02020603050405020304" pitchFamily="18" charset="0"/>
+                          </a:rPr>
+                        </m:ctrlPr>
+                      </m:sSubPr>
+                      <m:e>
+                        <m:r>
+                          <a:rPr lang="fr-FR" b="0" i="1" smtClean="0">
+                            <a:latin typeface="Cambria Math" panose="02040503050406030204" pitchFamily="18" charset="0"/>
+                            <a:cs typeface="Times New Roman" panose="02020603050405020304" pitchFamily="18" charset="0"/>
+                          </a:rPr>
+                          <m:t>𝐿</m:t>
+                        </m:r>
+                      </m:e>
+                      <m:sub>
+                        <m:r>
+                          <a:rPr lang="fr-FR" b="0" i="1" smtClean="0">
+                            <a:latin typeface="Cambria Math" panose="02040503050406030204" pitchFamily="18" charset="0"/>
+                            <a:cs typeface="Times New Roman" panose="02020603050405020304" pitchFamily="18" charset="0"/>
+                          </a:rPr>
+                          <m:t>1</m:t>
+                        </m:r>
+                      </m:sub>
+                    </m:sSub>
+                    <m:r>
+                      <a:rPr lang="fr-FR" b="0" i="1" smtClean="0">
+                        <a:latin typeface="Cambria Math" panose="02040503050406030204" pitchFamily="18" charset="0"/>
+                        <a:cs typeface="Times New Roman" panose="02020603050405020304" pitchFamily="18" charset="0"/>
+                      </a:rPr>
+                      <m:t>, </m:t>
+                    </m:r>
+                    <m:sSub>
+                      <m:sSubPr>
+                        <m:ctrlPr>
+                          <a:rPr lang="fr-FR" b="0" i="1" smtClean="0">
+                            <a:latin typeface="Cambria Math" panose="02040503050406030204" pitchFamily="18" charset="0"/>
+                            <a:cs typeface="Times New Roman" panose="02020603050405020304" pitchFamily="18" charset="0"/>
+                          </a:rPr>
+                        </m:ctrlPr>
+                      </m:sSubPr>
+                      <m:e>
+                        <m:r>
+                          <a:rPr lang="fr-FR" b="0" i="1" smtClean="0">
+                            <a:latin typeface="Cambria Math" panose="02040503050406030204" pitchFamily="18" charset="0"/>
+                            <a:cs typeface="Times New Roman" panose="02020603050405020304" pitchFamily="18" charset="0"/>
+                          </a:rPr>
+                          <m:t>𝐿</m:t>
+                        </m:r>
+                      </m:e>
+                      <m:sub>
+                        <m:r>
+                          <a:rPr lang="fr-FR" b="0" i="1" smtClean="0">
+                            <a:latin typeface="Cambria Math" panose="02040503050406030204" pitchFamily="18" charset="0"/>
+                            <a:cs typeface="Times New Roman" panose="02020603050405020304" pitchFamily="18" charset="0"/>
+                          </a:rPr>
+                          <m:t>2</m:t>
+                        </m:r>
+                      </m:sub>
+                    </m:sSub>
+                    <m:r>
+                      <a:rPr lang="fr-FR" b="0" i="1" smtClean="0">
+                        <a:latin typeface="Cambria Math" panose="02040503050406030204" pitchFamily="18" charset="0"/>
+                        <a:cs typeface="Times New Roman" panose="02020603050405020304" pitchFamily="18" charset="0"/>
+                      </a:rPr>
+                      <m:t>, </m:t>
+                    </m:r>
+                    <m:sSub>
+                      <m:sSubPr>
+                        <m:ctrlPr>
+                          <a:rPr lang="fr-FR" b="0" i="1" smtClean="0">
+                            <a:latin typeface="Cambria Math" panose="02040503050406030204" pitchFamily="18" charset="0"/>
+                            <a:cs typeface="Times New Roman" panose="02020603050405020304" pitchFamily="18" charset="0"/>
+                          </a:rPr>
+                        </m:ctrlPr>
+                      </m:sSubPr>
+                      <m:e>
+                        <m:r>
+                          <a:rPr lang="fr-FR" b="0" i="1" smtClean="0">
+                            <a:latin typeface="Cambria Math" panose="02040503050406030204" pitchFamily="18" charset="0"/>
+                            <a:cs typeface="Times New Roman" panose="02020603050405020304" pitchFamily="18" charset="0"/>
+                          </a:rPr>
+                          <m:t>𝐿</m:t>
+                        </m:r>
+                      </m:e>
+                      <m:sub>
+                        <m:r>
+                          <a:rPr lang="fr-FR" b="0" i="1" smtClean="0">
+                            <a:latin typeface="Cambria Math" panose="02040503050406030204" pitchFamily="18" charset="0"/>
+                            <a:ea typeface="Cambria Math" panose="02040503050406030204" pitchFamily="18" charset="0"/>
+                            <a:cs typeface="Times New Roman" panose="02020603050405020304" pitchFamily="18" charset="0"/>
+                          </a:rPr>
+                          <m:t>∞</m:t>
+                        </m:r>
+                      </m:sub>
+                    </m:sSub>
+                  </m:oMath>
+                </a14:m>
+                <a:r>
+                  <a:rPr lang="en-GB" dirty="0">
+                    <a:latin typeface="Times New Roman" panose="02020603050405020304" pitchFamily="18" charset="0"/>
+                    <a:cs typeface="Times New Roman" panose="02020603050405020304" pitchFamily="18" charset="0"/>
+                  </a:rPr>
+                  <a:t>). </a:t>
+                </a:r>
+              </a:p>
+            </p:txBody>
+          </p:sp>
+        </mc:Choice>
+        <mc:Fallback>
+          <p:sp>
+            <p:nvSpPr>
+              <p:cNvPr id="25" name="TextBox 24">
+                <a:extLst>
+                  <a:ext uri="{FF2B5EF4-FFF2-40B4-BE49-F238E27FC236}">
+                    <a16:creationId xmlns:a16="http://schemas.microsoft.com/office/drawing/2014/main" id="{10BF094A-0B6E-84CD-1409-00B3E540E17B}"/>
+                  </a:ext>
+                </a:extLst>
+              </p:cNvPr>
+              <p:cNvSpPr txBox="1">
+                <a:spLocks noRot="1" noChangeAspect="1" noMove="1" noResize="1" noEditPoints="1" noAdjustHandles="1" noChangeArrowheads="1" noChangeShapeType="1" noTextEdit="1"/>
+              </p:cNvSpPr>
+              <p:nvPr/>
+            </p:nvSpPr>
+            <p:spPr>
+              <a:xfrm>
+                <a:off x="-3" y="5664803"/>
+                <a:ext cx="12192001" cy="646331"/>
+              </a:xfrm>
+              <a:prstGeom prst="rect">
+                <a:avLst/>
+              </a:prstGeom>
+              <a:blipFill>
+                <a:blip r:embed="rId3"/>
+                <a:stretch>
+                  <a:fillRect l="-400" t="-4717" r="-400" b="-14151"/>
+                </a:stretch>
+              </a:blipFill>
+            </p:spPr>
+            <p:txBody>
+              <a:bodyPr/>
+              <a:lstStyle/>
+              <a:p>
+                <a:r>
+                  <a:rPr lang="en-GB">
+                    <a:noFill/>
+                  </a:rPr>
+                  <a:t> </a:t>
+                </a:r>
+              </a:p>
+            </p:txBody>
+          </p:sp>
+        </mc:Fallback>
+      </mc:AlternateContent>
+    </p:spTree>
+    <p:extLst>
+      <p:ext uri="{BB962C8B-B14F-4D97-AF65-F5344CB8AC3E}">
+        <p14:creationId xmlns:p14="http://schemas.microsoft.com/office/powerpoint/2010/main" val="3013734229"/>
+      </p:ext>
+    </p:extLst>
+  </p:cSld>
+  <p:clrMapOvr>
+    <a:masterClrMapping/>
+  </p:clrMapOvr>
+</p:sld>
+</file>
+
+<file path=ppt/slides/slide7.xml><?xml version="1.0" encoding="utf-8"?>
 <p:sld xmlns:a="http://schemas.openxmlformats.org/drawingml/2006/main" xmlns:r="http://schemas.openxmlformats.org/officeDocument/2006/relationships" xmlns:p="http://schemas.openxmlformats.org/presentationml/2006/main">
   <p:cSld>
     <p:spTree>
@@ -15876,6 +18769,777 @@
           <a:chExt cx="0" cy="0"/>
         </a:xfrm>
       </p:grpSpPr>
+      <p:pic>
+        <p:nvPicPr>
+          <p:cNvPr id="18" name="Picture 17">
+            <a:extLst>
+              <a:ext uri="{FF2B5EF4-FFF2-40B4-BE49-F238E27FC236}">
+                <a16:creationId xmlns:a16="http://schemas.microsoft.com/office/drawing/2014/main" id="{2DE8511B-FDF9-5418-5DA7-53BA9804A37C}"/>
+              </a:ext>
+            </a:extLst>
+          </p:cNvPr>
+          <p:cNvPicPr>
+            <a:picLocks noChangeAspect="1"/>
+          </p:cNvPicPr>
+          <p:nvPr/>
+        </p:nvPicPr>
+        <p:blipFill>
+          <a:blip r:embed="rId2"/>
+          <a:stretch>
+            <a:fillRect/>
+          </a:stretch>
+        </p:blipFill>
+        <p:spPr>
+          <a:xfrm>
+            <a:off x="0" y="996800"/>
+            <a:ext cx="5435600" cy="4719232"/>
+          </a:xfrm>
+          <a:prstGeom prst="rect">
+            <a:avLst/>
+          </a:prstGeom>
+        </p:spPr>
+      </p:pic>
+      <p:sp>
+        <p:nvSpPr>
+          <p:cNvPr id="2" name="Rectangle 1">
+            <a:extLst>
+              <a:ext uri="{FF2B5EF4-FFF2-40B4-BE49-F238E27FC236}">
+                <a16:creationId xmlns:a16="http://schemas.microsoft.com/office/drawing/2014/main" id="{D4D11120-046A-B879-F48F-AA4B97B885CE}"/>
+              </a:ext>
+            </a:extLst>
+          </p:cNvPr>
+          <p:cNvSpPr/>
+          <p:nvPr/>
+        </p:nvSpPr>
+        <p:spPr>
+          <a:xfrm>
+            <a:off x="1" y="-990"/>
+            <a:ext cx="6096000" cy="501017"/>
+          </a:xfrm>
+          <a:prstGeom prst="rect">
+            <a:avLst/>
+          </a:prstGeom>
+          <a:solidFill>
+            <a:srgbClr val="980000"/>
+          </a:solidFill>
+          <a:ln>
+            <a:noFill/>
+          </a:ln>
+        </p:spPr>
+        <p:style>
+          <a:lnRef idx="2">
+            <a:schemeClr val="accent1">
+              <a:shade val="15000"/>
+            </a:schemeClr>
+          </a:lnRef>
+          <a:fillRef idx="1">
+            <a:schemeClr val="accent1"/>
+          </a:fillRef>
+          <a:effectRef idx="0">
+            <a:schemeClr val="accent1"/>
+          </a:effectRef>
+          <a:fontRef idx="minor">
+            <a:schemeClr val="lt1"/>
+          </a:fontRef>
+        </p:style>
+        <p:txBody>
+          <a:bodyPr rtlCol="0" anchor="ctr"/>
+          <a:lstStyle/>
+          <a:p>
+            <a:pPr algn="ctr"/>
+            <a:endParaRPr lang="en-GB"/>
+          </a:p>
+        </p:txBody>
+      </p:sp>
+      <p:sp>
+        <p:nvSpPr>
+          <p:cNvPr id="3" name="TextBox 2">
+            <a:extLst>
+              <a:ext uri="{FF2B5EF4-FFF2-40B4-BE49-F238E27FC236}">
+                <a16:creationId xmlns:a16="http://schemas.microsoft.com/office/drawing/2014/main" id="{DA380A89-ACCE-21D7-8570-DC0B7DBD979C}"/>
+              </a:ext>
+            </a:extLst>
+          </p:cNvPr>
+          <p:cNvSpPr txBox="1"/>
+          <p:nvPr/>
+        </p:nvSpPr>
+        <p:spPr>
+          <a:xfrm>
+            <a:off x="0" y="-990"/>
+            <a:ext cx="4105341" cy="461665"/>
+          </a:xfrm>
+          <a:prstGeom prst="rect">
+            <a:avLst/>
+          </a:prstGeom>
+          <a:noFill/>
+        </p:spPr>
+        <p:txBody>
+          <a:bodyPr wrap="square" rtlCol="0">
+            <a:spAutoFit/>
+          </a:bodyPr>
+          <a:lstStyle/>
+          <a:p>
+            <a:pPr algn="just"/>
+            <a:r>
+              <a:rPr lang="fr-FR" sz="2400" b="1" dirty="0">
+                <a:solidFill>
+                  <a:schemeClr val="bg1"/>
+                </a:solidFill>
+                <a:latin typeface="Times New Roman" panose="02020603050405020304" pitchFamily="18" charset="0"/>
+                <a:cs typeface="Times New Roman" panose="02020603050405020304" pitchFamily="18" charset="0"/>
+              </a:rPr>
+              <a:t>QUESTION D</a:t>
+            </a:r>
+            <a:endParaRPr lang="en-GB" sz="2400" b="1" dirty="0">
+              <a:solidFill>
+                <a:schemeClr val="bg1"/>
+              </a:solidFill>
+              <a:latin typeface="Times New Roman" panose="02020603050405020304" pitchFamily="18" charset="0"/>
+              <a:cs typeface="Times New Roman" panose="02020603050405020304" pitchFamily="18" charset="0"/>
+            </a:endParaRPr>
+          </a:p>
+        </p:txBody>
+      </p:sp>
+      <p:sp>
+        <p:nvSpPr>
+          <p:cNvPr id="4" name="Rectangle 3">
+            <a:extLst>
+              <a:ext uri="{FF2B5EF4-FFF2-40B4-BE49-F238E27FC236}">
+                <a16:creationId xmlns:a16="http://schemas.microsoft.com/office/drawing/2014/main" id="{FC70D617-18DE-E581-E946-0A074FF29DC2}"/>
+              </a:ext>
+            </a:extLst>
+          </p:cNvPr>
+          <p:cNvSpPr/>
+          <p:nvPr/>
+        </p:nvSpPr>
+        <p:spPr>
+          <a:xfrm>
+            <a:off x="6096000" y="0"/>
+            <a:ext cx="6096000" cy="501017"/>
+          </a:xfrm>
+          <a:prstGeom prst="rect">
+            <a:avLst/>
+          </a:prstGeom>
+          <a:solidFill>
+            <a:srgbClr val="D9D9D9"/>
+          </a:solidFill>
+          <a:ln>
+            <a:noFill/>
+          </a:ln>
+        </p:spPr>
+        <p:style>
+          <a:lnRef idx="2">
+            <a:schemeClr val="accent1">
+              <a:shade val="15000"/>
+            </a:schemeClr>
+          </a:lnRef>
+          <a:fillRef idx="1">
+            <a:schemeClr val="accent1"/>
+          </a:fillRef>
+          <a:effectRef idx="0">
+            <a:schemeClr val="accent1"/>
+          </a:effectRef>
+          <a:fontRef idx="minor">
+            <a:schemeClr val="lt1"/>
+          </a:fontRef>
+        </p:style>
+        <p:txBody>
+          <a:bodyPr rtlCol="0" anchor="ctr"/>
+          <a:lstStyle/>
+          <a:p>
+            <a:pPr algn="ctr"/>
+            <a:endParaRPr lang="en-GB"/>
+          </a:p>
+        </p:txBody>
+      </p:sp>
+      <p:sp>
+        <p:nvSpPr>
+          <p:cNvPr id="6" name="TextBox 5">
+            <a:extLst>
+              <a:ext uri="{FF2B5EF4-FFF2-40B4-BE49-F238E27FC236}">
+                <a16:creationId xmlns:a16="http://schemas.microsoft.com/office/drawing/2014/main" id="{A00EC9BE-9081-B130-BAED-D85EE92F344B}"/>
+              </a:ext>
+            </a:extLst>
+          </p:cNvPr>
+          <p:cNvSpPr txBox="1"/>
+          <p:nvPr/>
+        </p:nvSpPr>
+        <p:spPr>
+          <a:xfrm>
+            <a:off x="-2" y="627468"/>
+            <a:ext cx="12192001" cy="369332"/>
+          </a:xfrm>
+          <a:prstGeom prst="rect">
+            <a:avLst/>
+          </a:prstGeom>
+          <a:noFill/>
+        </p:spPr>
+        <p:txBody>
+          <a:bodyPr wrap="square" rtlCol="0">
+            <a:spAutoFit/>
+          </a:bodyPr>
+          <a:lstStyle/>
+          <a:p>
+            <a:pPr algn="just"/>
+            <a:r>
+              <a:rPr lang="fr-FR" dirty="0">
+                <a:latin typeface="Times New Roman" panose="02020603050405020304" pitchFamily="18" charset="0"/>
+                <a:cs typeface="Times New Roman" panose="02020603050405020304" pitchFamily="18" charset="0"/>
+              </a:rPr>
+              <a:t>On obtient les courbes suivantes (seuls les points en bleu sont utilisés pour déterminer la convergence asymptotique) : </a:t>
+            </a:r>
+            <a:endParaRPr lang="en-GB" dirty="0">
+              <a:latin typeface="Times New Roman" panose="02020603050405020304" pitchFamily="18" charset="0"/>
+              <a:cs typeface="Times New Roman" panose="02020603050405020304" pitchFamily="18" charset="0"/>
+            </a:endParaRPr>
+          </a:p>
+        </p:txBody>
+      </p:sp>
+      <mc:AlternateContent xmlns:mc="http://schemas.openxmlformats.org/markup-compatibility/2006">
+        <mc:Choice xmlns:a14="http://schemas.microsoft.com/office/drawing/2010/main" Requires="a14">
+          <p:sp>
+            <p:nvSpPr>
+              <p:cNvPr id="13" name="TextBox 12">
+                <a:extLst>
+                  <a:ext uri="{FF2B5EF4-FFF2-40B4-BE49-F238E27FC236}">
+                    <a16:creationId xmlns:a16="http://schemas.microsoft.com/office/drawing/2014/main" id="{BCC94210-BE15-F432-6F90-9C9CCCFEA72F}"/>
+                  </a:ext>
+                </a:extLst>
+              </p:cNvPr>
+              <p:cNvSpPr txBox="1"/>
+              <p:nvPr/>
+            </p:nvSpPr>
+            <p:spPr>
+              <a:xfrm>
+                <a:off x="5435599" y="1320202"/>
+                <a:ext cx="3716867" cy="369332"/>
+              </a:xfrm>
+              <a:prstGeom prst="rect">
+                <a:avLst/>
+              </a:prstGeom>
+              <a:noFill/>
+            </p:spPr>
+            <p:txBody>
+              <a:bodyPr wrap="square" rtlCol="0">
+                <a:spAutoFit/>
+              </a:bodyPr>
+              <a:lstStyle/>
+              <a:p>
+                <a:pPr algn="just"/>
+                <a:r>
+                  <a:rPr lang="fr-FR" dirty="0">
+                    <a:latin typeface="Times New Roman" panose="02020603050405020304" pitchFamily="18" charset="0"/>
+                    <a:cs typeface="Times New Roman" panose="02020603050405020304" pitchFamily="18" charset="0"/>
+                  </a:rPr>
+                  <a:t>Ordre de convergence </a:t>
+                </a:r>
+                <a14:m>
+                  <m:oMath xmlns:m="http://schemas.openxmlformats.org/officeDocument/2006/math">
+                    <m:sSub>
+                      <m:sSubPr>
+                        <m:ctrlPr>
+                          <a:rPr lang="fr-FR" b="0" i="0" smtClean="0">
+                            <a:latin typeface="Cambria Math" panose="02040503050406030204" pitchFamily="18" charset="0"/>
+                            <a:cs typeface="Times New Roman" panose="02020603050405020304" pitchFamily="18" charset="0"/>
+                          </a:rPr>
+                        </m:ctrlPr>
+                      </m:sSubPr>
+                      <m:e>
+                        <m:r>
+                          <m:rPr>
+                            <m:sty m:val="p"/>
+                          </m:rPr>
+                          <a:rPr lang="fr-FR" b="0" i="0" smtClean="0">
+                            <a:latin typeface="Cambria Math" panose="02040503050406030204" pitchFamily="18" charset="0"/>
+                            <a:cs typeface="Times New Roman" panose="02020603050405020304" pitchFamily="18" charset="0"/>
+                          </a:rPr>
+                          <m:t>L</m:t>
+                        </m:r>
+                      </m:e>
+                      <m:sub>
+                        <m:r>
+                          <a:rPr lang="fr-FR" b="0" i="0" smtClean="0">
+                            <a:latin typeface="Cambria Math" panose="02040503050406030204" pitchFamily="18" charset="0"/>
+                            <a:cs typeface="Times New Roman" panose="02020603050405020304" pitchFamily="18" charset="0"/>
+                          </a:rPr>
+                          <m:t>1</m:t>
+                        </m:r>
+                      </m:sub>
+                    </m:sSub>
+                    <m:r>
+                      <a:rPr lang="fr-FR" b="0" i="1" smtClean="0">
+                        <a:latin typeface="Cambria Math" panose="02040503050406030204" pitchFamily="18" charset="0"/>
+                        <a:cs typeface="Times New Roman" panose="02020603050405020304" pitchFamily="18" charset="0"/>
+                      </a:rPr>
+                      <m:t>=1.0246</m:t>
+                    </m:r>
+                  </m:oMath>
+                </a14:m>
+                <a:endParaRPr lang="en-GB" dirty="0">
+                  <a:latin typeface="Times New Roman" panose="02020603050405020304" pitchFamily="18" charset="0"/>
+                  <a:cs typeface="Times New Roman" panose="02020603050405020304" pitchFamily="18" charset="0"/>
+                </a:endParaRPr>
+              </a:p>
+            </p:txBody>
+          </p:sp>
+        </mc:Choice>
+        <mc:Fallback>
+          <p:sp>
+            <p:nvSpPr>
+              <p:cNvPr id="13" name="TextBox 12">
+                <a:extLst>
+                  <a:ext uri="{FF2B5EF4-FFF2-40B4-BE49-F238E27FC236}">
+                    <a16:creationId xmlns:a16="http://schemas.microsoft.com/office/drawing/2014/main" id="{BCC94210-BE15-F432-6F90-9C9CCCFEA72F}"/>
+                  </a:ext>
+                </a:extLst>
+              </p:cNvPr>
+              <p:cNvSpPr txBox="1">
+                <a:spLocks noRot="1" noChangeAspect="1" noMove="1" noResize="1" noEditPoints="1" noAdjustHandles="1" noChangeArrowheads="1" noChangeShapeType="1" noTextEdit="1"/>
+              </p:cNvSpPr>
+              <p:nvPr/>
+            </p:nvSpPr>
+            <p:spPr>
+              <a:xfrm>
+                <a:off x="5435599" y="1320202"/>
+                <a:ext cx="3716867" cy="369332"/>
+              </a:xfrm>
+              <a:prstGeom prst="rect">
+                <a:avLst/>
+              </a:prstGeom>
+              <a:blipFill>
+                <a:blip r:embed="rId3"/>
+                <a:stretch>
+                  <a:fillRect l="-1478" t="-10000" b="-26667"/>
+                </a:stretch>
+              </a:blipFill>
+            </p:spPr>
+            <p:txBody>
+              <a:bodyPr/>
+              <a:lstStyle/>
+              <a:p>
+                <a:r>
+                  <a:rPr lang="en-GB">
+                    <a:noFill/>
+                  </a:rPr>
+                  <a:t> </a:t>
+                </a:r>
+              </a:p>
+            </p:txBody>
+          </p:sp>
+        </mc:Fallback>
+      </mc:AlternateContent>
+      <mc:AlternateContent xmlns:mc="http://schemas.openxmlformats.org/markup-compatibility/2006">
+        <mc:Choice xmlns:a14="http://schemas.microsoft.com/office/drawing/2010/main" Requires="a14">
+          <p:sp>
+            <p:nvSpPr>
+              <p:cNvPr id="14" name="TextBox 13">
+                <a:extLst>
+                  <a:ext uri="{FF2B5EF4-FFF2-40B4-BE49-F238E27FC236}">
+                    <a16:creationId xmlns:a16="http://schemas.microsoft.com/office/drawing/2014/main" id="{EE88CA0C-9480-BE62-2525-C882E004697A}"/>
+                  </a:ext>
+                </a:extLst>
+              </p:cNvPr>
+              <p:cNvSpPr txBox="1"/>
+              <p:nvPr/>
+            </p:nvSpPr>
+            <p:spPr>
+              <a:xfrm>
+                <a:off x="5435599" y="1643368"/>
+                <a:ext cx="3716867" cy="369332"/>
+              </a:xfrm>
+              <a:prstGeom prst="rect">
+                <a:avLst/>
+              </a:prstGeom>
+              <a:noFill/>
+            </p:spPr>
+            <p:txBody>
+              <a:bodyPr wrap="square" rtlCol="0">
+                <a:spAutoFit/>
+              </a:bodyPr>
+              <a:lstStyle/>
+              <a:p>
+                <a:pPr algn="just"/>
+                <a:r>
+                  <a:rPr lang="fr-FR" dirty="0">
+                    <a:latin typeface="Times New Roman" panose="02020603050405020304" pitchFamily="18" charset="0"/>
+                    <a:cs typeface="Times New Roman" panose="02020603050405020304" pitchFamily="18" charset="0"/>
+                  </a:rPr>
+                  <a:t>Ordre de convergence </a:t>
+                </a:r>
+                <a14:m>
+                  <m:oMath xmlns:m="http://schemas.openxmlformats.org/officeDocument/2006/math">
+                    <m:sSub>
+                      <m:sSubPr>
+                        <m:ctrlPr>
+                          <a:rPr lang="fr-FR" b="0" i="0" smtClean="0">
+                            <a:latin typeface="Cambria Math" panose="02040503050406030204" pitchFamily="18" charset="0"/>
+                            <a:cs typeface="Times New Roman" panose="02020603050405020304" pitchFamily="18" charset="0"/>
+                          </a:rPr>
+                        </m:ctrlPr>
+                      </m:sSubPr>
+                      <m:e>
+                        <m:r>
+                          <m:rPr>
+                            <m:sty m:val="p"/>
+                          </m:rPr>
+                          <a:rPr lang="fr-FR" b="0" i="0" smtClean="0">
+                            <a:latin typeface="Cambria Math" panose="02040503050406030204" pitchFamily="18" charset="0"/>
+                            <a:cs typeface="Times New Roman" panose="02020603050405020304" pitchFamily="18" charset="0"/>
+                          </a:rPr>
+                          <m:t>L</m:t>
+                        </m:r>
+                      </m:e>
+                      <m:sub>
+                        <m:r>
+                          <a:rPr lang="fr-FR" b="0" i="0" smtClean="0">
+                            <a:latin typeface="Cambria Math" panose="02040503050406030204" pitchFamily="18" charset="0"/>
+                            <a:cs typeface="Times New Roman" panose="02020603050405020304" pitchFamily="18" charset="0"/>
+                          </a:rPr>
+                          <m:t>2</m:t>
+                        </m:r>
+                      </m:sub>
+                    </m:sSub>
+                    <m:r>
+                      <a:rPr lang="fr-FR" b="0" i="1" smtClean="0">
+                        <a:latin typeface="Cambria Math" panose="02040503050406030204" pitchFamily="18" charset="0"/>
+                        <a:cs typeface="Times New Roman" panose="02020603050405020304" pitchFamily="18" charset="0"/>
+                      </a:rPr>
+                      <m:t>=1.0216</m:t>
+                    </m:r>
+                  </m:oMath>
+                </a14:m>
+                <a:endParaRPr lang="en-GB" dirty="0">
+                  <a:latin typeface="Times New Roman" panose="02020603050405020304" pitchFamily="18" charset="0"/>
+                  <a:cs typeface="Times New Roman" panose="02020603050405020304" pitchFamily="18" charset="0"/>
+                </a:endParaRPr>
+              </a:p>
+            </p:txBody>
+          </p:sp>
+        </mc:Choice>
+        <mc:Fallback>
+          <p:sp>
+            <p:nvSpPr>
+              <p:cNvPr id="14" name="TextBox 13">
+                <a:extLst>
+                  <a:ext uri="{FF2B5EF4-FFF2-40B4-BE49-F238E27FC236}">
+                    <a16:creationId xmlns:a16="http://schemas.microsoft.com/office/drawing/2014/main" id="{EE88CA0C-9480-BE62-2525-C882E004697A}"/>
+                  </a:ext>
+                </a:extLst>
+              </p:cNvPr>
+              <p:cNvSpPr txBox="1">
+                <a:spLocks noRot="1" noChangeAspect="1" noMove="1" noResize="1" noEditPoints="1" noAdjustHandles="1" noChangeArrowheads="1" noChangeShapeType="1" noTextEdit="1"/>
+              </p:cNvSpPr>
+              <p:nvPr/>
+            </p:nvSpPr>
+            <p:spPr>
+              <a:xfrm>
+                <a:off x="5435599" y="1643368"/>
+                <a:ext cx="3716867" cy="369332"/>
+              </a:xfrm>
+              <a:prstGeom prst="rect">
+                <a:avLst/>
+              </a:prstGeom>
+              <a:blipFill>
+                <a:blip r:embed="rId4"/>
+                <a:stretch>
+                  <a:fillRect l="-1478" t="-10000" b="-26667"/>
+                </a:stretch>
+              </a:blipFill>
+            </p:spPr>
+            <p:txBody>
+              <a:bodyPr/>
+              <a:lstStyle/>
+              <a:p>
+                <a:r>
+                  <a:rPr lang="en-GB">
+                    <a:noFill/>
+                  </a:rPr>
+                  <a:t> </a:t>
+                </a:r>
+              </a:p>
+            </p:txBody>
+          </p:sp>
+        </mc:Fallback>
+      </mc:AlternateContent>
+      <mc:AlternateContent xmlns:mc="http://schemas.openxmlformats.org/markup-compatibility/2006">
+        <mc:Choice xmlns:a14="http://schemas.microsoft.com/office/drawing/2010/main" Requires="a14">
+          <p:sp>
+            <p:nvSpPr>
+              <p:cNvPr id="15" name="TextBox 14">
+                <a:extLst>
+                  <a:ext uri="{FF2B5EF4-FFF2-40B4-BE49-F238E27FC236}">
+                    <a16:creationId xmlns:a16="http://schemas.microsoft.com/office/drawing/2014/main" id="{C3CD8751-5795-D6B9-2248-03D689648744}"/>
+                  </a:ext>
+                </a:extLst>
+              </p:cNvPr>
+              <p:cNvSpPr txBox="1"/>
+              <p:nvPr/>
+            </p:nvSpPr>
+            <p:spPr>
+              <a:xfrm>
+                <a:off x="5435599" y="1966533"/>
+                <a:ext cx="3716867" cy="369332"/>
+              </a:xfrm>
+              <a:prstGeom prst="rect">
+                <a:avLst/>
+              </a:prstGeom>
+              <a:noFill/>
+            </p:spPr>
+            <p:txBody>
+              <a:bodyPr wrap="square" rtlCol="0">
+                <a:spAutoFit/>
+              </a:bodyPr>
+              <a:lstStyle/>
+              <a:p>
+                <a:pPr algn="just"/>
+                <a:r>
+                  <a:rPr lang="fr-FR" dirty="0">
+                    <a:latin typeface="Times New Roman" panose="02020603050405020304" pitchFamily="18" charset="0"/>
+                    <a:cs typeface="Times New Roman" panose="02020603050405020304" pitchFamily="18" charset="0"/>
+                  </a:rPr>
+                  <a:t>Ordre de convergence </a:t>
+                </a:r>
+                <a14:m>
+                  <m:oMath xmlns:m="http://schemas.openxmlformats.org/officeDocument/2006/math">
+                    <m:sSub>
+                      <m:sSubPr>
+                        <m:ctrlPr>
+                          <a:rPr lang="fr-FR" b="0" i="0" smtClean="0">
+                            <a:latin typeface="Cambria Math" panose="02040503050406030204" pitchFamily="18" charset="0"/>
+                            <a:ea typeface="Cambria Math" panose="02040503050406030204" pitchFamily="18" charset="0"/>
+                            <a:cs typeface="Times New Roman" panose="02020603050405020304" pitchFamily="18" charset="0"/>
+                          </a:rPr>
+                        </m:ctrlPr>
+                      </m:sSubPr>
+                      <m:e>
+                        <m:r>
+                          <m:rPr>
+                            <m:sty m:val="p"/>
+                          </m:rPr>
+                          <a:rPr lang="fr-FR" b="0" i="0" smtClean="0">
+                            <a:latin typeface="Cambria Math" panose="02040503050406030204" pitchFamily="18" charset="0"/>
+                            <a:ea typeface="Cambria Math" panose="02040503050406030204" pitchFamily="18" charset="0"/>
+                            <a:cs typeface="Times New Roman" panose="02020603050405020304" pitchFamily="18" charset="0"/>
+                          </a:rPr>
+                          <m:t>L</m:t>
+                        </m:r>
+                      </m:e>
+                      <m:sub>
+                        <m:r>
+                          <a:rPr lang="fr-FR" i="1">
+                            <a:latin typeface="Cambria Math" panose="02040503050406030204" pitchFamily="18" charset="0"/>
+                            <a:ea typeface="Cambria Math" panose="02040503050406030204" pitchFamily="18" charset="0"/>
+                            <a:cs typeface="Times New Roman" panose="02020603050405020304" pitchFamily="18" charset="0"/>
+                          </a:rPr>
+                          <m:t>∞</m:t>
+                        </m:r>
+                      </m:sub>
+                    </m:sSub>
+                  </m:oMath>
+                </a14:m>
+                <a:r>
+                  <a:rPr lang="fr-FR" dirty="0">
+                    <a:latin typeface="Times New Roman" panose="02020603050405020304" pitchFamily="18" charset="0"/>
+                    <a:cs typeface="Times New Roman" panose="02020603050405020304" pitchFamily="18" charset="0"/>
+                  </a:rPr>
+                  <a:t> </a:t>
+                </a:r>
+                <a14:m>
+                  <m:oMath xmlns:m="http://schemas.openxmlformats.org/officeDocument/2006/math">
+                    <m:r>
+                      <a:rPr lang="fr-FR" b="0" i="1" smtClean="0">
+                        <a:latin typeface="Cambria Math" panose="02040503050406030204" pitchFamily="18" charset="0"/>
+                        <a:cs typeface="Times New Roman" panose="02020603050405020304" pitchFamily="18" charset="0"/>
+                      </a:rPr>
+                      <m:t>=1.0123</m:t>
+                    </m:r>
+                  </m:oMath>
+                </a14:m>
+                <a:endParaRPr lang="en-GB" dirty="0">
+                  <a:latin typeface="Times New Roman" panose="02020603050405020304" pitchFamily="18" charset="0"/>
+                  <a:cs typeface="Times New Roman" panose="02020603050405020304" pitchFamily="18" charset="0"/>
+                </a:endParaRPr>
+              </a:p>
+            </p:txBody>
+          </p:sp>
+        </mc:Choice>
+        <mc:Fallback>
+          <p:sp>
+            <p:nvSpPr>
+              <p:cNvPr id="15" name="TextBox 14">
+                <a:extLst>
+                  <a:ext uri="{FF2B5EF4-FFF2-40B4-BE49-F238E27FC236}">
+                    <a16:creationId xmlns:a16="http://schemas.microsoft.com/office/drawing/2014/main" id="{C3CD8751-5795-D6B9-2248-03D689648744}"/>
+                  </a:ext>
+                </a:extLst>
+              </p:cNvPr>
+              <p:cNvSpPr txBox="1">
+                <a:spLocks noRot="1" noChangeAspect="1" noMove="1" noResize="1" noEditPoints="1" noAdjustHandles="1" noChangeArrowheads="1" noChangeShapeType="1" noTextEdit="1"/>
+              </p:cNvSpPr>
+              <p:nvPr/>
+            </p:nvSpPr>
+            <p:spPr>
+              <a:xfrm>
+                <a:off x="5435599" y="1966533"/>
+                <a:ext cx="3716867" cy="369332"/>
+              </a:xfrm>
+              <a:prstGeom prst="rect">
+                <a:avLst/>
+              </a:prstGeom>
+              <a:blipFill>
+                <a:blip r:embed="rId5"/>
+                <a:stretch>
+                  <a:fillRect l="-1478" t="-10000" b="-26667"/>
+                </a:stretch>
+              </a:blipFill>
+            </p:spPr>
+            <p:txBody>
+              <a:bodyPr/>
+              <a:lstStyle/>
+              <a:p>
+                <a:r>
+                  <a:rPr lang="en-GB">
+                    <a:noFill/>
+                  </a:rPr>
+                  <a:t> </a:t>
+                </a:r>
+              </a:p>
+            </p:txBody>
+          </p:sp>
+        </mc:Fallback>
+      </mc:AlternateContent>
+      <mc:AlternateContent xmlns:mc="http://schemas.openxmlformats.org/markup-compatibility/2006">
+        <mc:Choice xmlns:a14="http://schemas.microsoft.com/office/drawing/2010/main" Requires="a14">
+          <p:sp>
+            <p:nvSpPr>
+              <p:cNvPr id="16" name="TextBox 15">
+                <a:extLst>
+                  <a:ext uri="{FF2B5EF4-FFF2-40B4-BE49-F238E27FC236}">
+                    <a16:creationId xmlns:a16="http://schemas.microsoft.com/office/drawing/2014/main" id="{DA5226F6-F4A9-B138-C97F-881284C5A869}"/>
+                  </a:ext>
+                </a:extLst>
+              </p:cNvPr>
+              <p:cNvSpPr txBox="1"/>
+              <p:nvPr/>
+            </p:nvSpPr>
+            <p:spPr>
+              <a:xfrm>
+                <a:off x="5435599" y="2336801"/>
+                <a:ext cx="6620934" cy="923330"/>
+              </a:xfrm>
+              <a:prstGeom prst="rect">
+                <a:avLst/>
+              </a:prstGeom>
+              <a:noFill/>
+            </p:spPr>
+            <p:txBody>
+              <a:bodyPr wrap="square" rtlCol="0">
+                <a:spAutoFit/>
+              </a:bodyPr>
+              <a:lstStyle/>
+              <a:p>
+                <a:pPr algn="just"/>
+                <a:r>
+                  <a:rPr lang="fr-FR" dirty="0">
+                    <a:latin typeface="Times New Roman" panose="02020603050405020304" pitchFamily="18" charset="0"/>
+                    <a:cs typeface="Times New Roman" panose="02020603050405020304" pitchFamily="18" charset="0"/>
+                  </a:rPr>
+                  <a:t>Dans les trois cas, on retrouve bien un ordre de convergence très proche (</a:t>
+                </a:r>
+                <a14:m>
+                  <m:oMath xmlns:m="http://schemas.openxmlformats.org/officeDocument/2006/math">
+                    <m:r>
+                      <a:rPr lang="fr-FR" i="1" smtClean="0">
+                        <a:latin typeface="Cambria Math" panose="02040503050406030204" pitchFamily="18" charset="0"/>
+                        <a:ea typeface="Cambria Math" panose="02040503050406030204" pitchFamily="18" charset="0"/>
+                        <a:cs typeface="Times New Roman" panose="02020603050405020304" pitchFamily="18" charset="0"/>
+                      </a:rPr>
+                      <m:t>&lt;</m:t>
+                    </m:r>
+                    <m:r>
+                      <a:rPr lang="fr-FR" b="0" i="1" smtClean="0">
+                        <a:latin typeface="Cambria Math" panose="02040503050406030204" pitchFamily="18" charset="0"/>
+                        <a:ea typeface="Cambria Math" panose="02040503050406030204" pitchFamily="18" charset="0"/>
+                        <a:cs typeface="Times New Roman" panose="02020603050405020304" pitchFamily="18" charset="0"/>
+                      </a:rPr>
+                      <m:t>1%</m:t>
+                    </m:r>
+                  </m:oMath>
+                </a14:m>
+                <a:r>
+                  <a:rPr lang="fr-FR" dirty="0">
+                    <a:latin typeface="Times New Roman" panose="02020603050405020304" pitchFamily="18" charset="0"/>
+                    <a:cs typeface="Times New Roman" panose="02020603050405020304" pitchFamily="18" charset="0"/>
+                  </a:rPr>
+                  <a:t>) de l’ordre formel attendu théoriquement. De part ce résultat, nous pouvons donc dire que le </a:t>
+                </a:r>
+                <a:r>
+                  <a:rPr lang="fr-FR" b="1" dirty="0">
+                    <a:latin typeface="Times New Roman" panose="02020603050405020304" pitchFamily="18" charset="0"/>
+                    <a:cs typeface="Times New Roman" panose="02020603050405020304" pitchFamily="18" charset="0"/>
+                  </a:rPr>
+                  <a:t>code est vérifié</a:t>
+                </a:r>
+                <a:r>
+                  <a:rPr lang="fr-FR" dirty="0">
+                    <a:latin typeface="Times New Roman" panose="02020603050405020304" pitchFamily="18" charset="0"/>
+                    <a:cs typeface="Times New Roman" panose="02020603050405020304" pitchFamily="18" charset="0"/>
+                  </a:rPr>
+                  <a:t>.  </a:t>
+                </a:r>
+                <a:endParaRPr lang="en-GB" dirty="0">
+                  <a:latin typeface="Times New Roman" panose="02020603050405020304" pitchFamily="18" charset="0"/>
+                  <a:cs typeface="Times New Roman" panose="02020603050405020304" pitchFamily="18" charset="0"/>
+                </a:endParaRPr>
+              </a:p>
+            </p:txBody>
+          </p:sp>
+        </mc:Choice>
+        <mc:Fallback>
+          <p:sp>
+            <p:nvSpPr>
+              <p:cNvPr id="16" name="TextBox 15">
+                <a:extLst>
+                  <a:ext uri="{FF2B5EF4-FFF2-40B4-BE49-F238E27FC236}">
+                    <a16:creationId xmlns:a16="http://schemas.microsoft.com/office/drawing/2014/main" id="{DA5226F6-F4A9-B138-C97F-881284C5A869}"/>
+                  </a:ext>
+                </a:extLst>
+              </p:cNvPr>
+              <p:cNvSpPr txBox="1">
+                <a:spLocks noRot="1" noChangeAspect="1" noMove="1" noResize="1" noEditPoints="1" noAdjustHandles="1" noChangeArrowheads="1" noChangeShapeType="1" noTextEdit="1"/>
+              </p:cNvSpPr>
+              <p:nvPr/>
+            </p:nvSpPr>
+            <p:spPr>
+              <a:xfrm>
+                <a:off x="5435599" y="2336801"/>
+                <a:ext cx="6620934" cy="923330"/>
+              </a:xfrm>
+              <a:prstGeom prst="rect">
+                <a:avLst/>
+              </a:prstGeom>
+              <a:blipFill>
+                <a:blip r:embed="rId6"/>
+                <a:stretch>
+                  <a:fillRect l="-829" t="-3289" r="-737" b="-9211"/>
+                </a:stretch>
+              </a:blipFill>
+            </p:spPr>
+            <p:txBody>
+              <a:bodyPr/>
+              <a:lstStyle/>
+              <a:p>
+                <a:r>
+                  <a:rPr lang="en-GB">
+                    <a:noFill/>
+                  </a:rPr>
+                  <a:t> </a:t>
+                </a:r>
+              </a:p>
+            </p:txBody>
+          </p:sp>
+        </mc:Fallback>
+      </mc:AlternateContent>
     </p:spTree>
     <p:extLst>
       <p:ext uri="{BB962C8B-B14F-4D97-AF65-F5344CB8AC3E}">
@@ -15889,7 +19553,7 @@
 </p:sld>
 </file>
 
-<file path=ppt/slides/slide7.xml><?xml version="1.0" encoding="utf-8"?>
+<file path=ppt/slides/slide8.xml><?xml version="1.0" encoding="utf-8"?>
 <p:sld xmlns:a="http://schemas.openxmlformats.org/drawingml/2006/main" xmlns:r="http://schemas.openxmlformats.org/officeDocument/2006/relationships" xmlns:p="http://schemas.openxmlformats.org/presentationml/2006/main">
   <p:cSld>
     <p:spTree>
@@ -15912,46 +19576,1664 @@
           <a:chExt cx="0" cy="0"/>
         </a:xfrm>
       </p:grpSpPr>
+      <p:sp>
+        <p:nvSpPr>
+          <p:cNvPr id="2" name="Rectangle 1">
+            <a:extLst>
+              <a:ext uri="{FF2B5EF4-FFF2-40B4-BE49-F238E27FC236}">
+                <a16:creationId xmlns:a16="http://schemas.microsoft.com/office/drawing/2014/main" id="{0ED4C262-ADCF-AE6F-3CBC-6A388E77DD6D}"/>
+              </a:ext>
+            </a:extLst>
+          </p:cNvPr>
+          <p:cNvSpPr/>
+          <p:nvPr/>
+        </p:nvSpPr>
+        <p:spPr>
+          <a:xfrm>
+            <a:off x="1" y="-990"/>
+            <a:ext cx="6096000" cy="501017"/>
+          </a:xfrm>
+          <a:prstGeom prst="rect">
+            <a:avLst/>
+          </a:prstGeom>
+          <a:solidFill>
+            <a:srgbClr val="980000"/>
+          </a:solidFill>
+          <a:ln>
+            <a:noFill/>
+          </a:ln>
+        </p:spPr>
+        <p:style>
+          <a:lnRef idx="2">
+            <a:schemeClr val="accent1">
+              <a:shade val="15000"/>
+            </a:schemeClr>
+          </a:lnRef>
+          <a:fillRef idx="1">
+            <a:schemeClr val="accent1"/>
+          </a:fillRef>
+          <a:effectRef idx="0">
+            <a:schemeClr val="accent1"/>
+          </a:effectRef>
+          <a:fontRef idx="minor">
+            <a:schemeClr val="lt1"/>
+          </a:fontRef>
+        </p:style>
+        <p:txBody>
+          <a:bodyPr rtlCol="0" anchor="ctr"/>
+          <a:lstStyle/>
+          <a:p>
+            <a:pPr algn="ctr"/>
+            <a:endParaRPr lang="en-GB"/>
+          </a:p>
+        </p:txBody>
+      </p:sp>
+      <p:sp>
+        <p:nvSpPr>
+          <p:cNvPr id="3" name="TextBox 2">
+            <a:extLst>
+              <a:ext uri="{FF2B5EF4-FFF2-40B4-BE49-F238E27FC236}">
+                <a16:creationId xmlns:a16="http://schemas.microsoft.com/office/drawing/2014/main" id="{CECDEB89-FD89-A4AD-837C-99F0CAD8BC0E}"/>
+              </a:ext>
+            </a:extLst>
+          </p:cNvPr>
+          <p:cNvSpPr txBox="1"/>
+          <p:nvPr/>
+        </p:nvSpPr>
+        <p:spPr>
+          <a:xfrm>
+            <a:off x="0" y="-990"/>
+            <a:ext cx="4105341" cy="461665"/>
+          </a:xfrm>
+          <a:prstGeom prst="rect">
+            <a:avLst/>
+          </a:prstGeom>
+          <a:noFill/>
+        </p:spPr>
+        <p:txBody>
+          <a:bodyPr wrap="square" rtlCol="0">
+            <a:spAutoFit/>
+          </a:bodyPr>
+          <a:lstStyle/>
+          <a:p>
+            <a:pPr algn="just"/>
+            <a:r>
+              <a:rPr lang="fr-FR" sz="2400" b="1" dirty="0">
+                <a:solidFill>
+                  <a:schemeClr val="bg1"/>
+                </a:solidFill>
+                <a:latin typeface="Times New Roman" panose="02020603050405020304" pitchFamily="18" charset="0"/>
+                <a:cs typeface="Times New Roman" panose="02020603050405020304" pitchFamily="18" charset="0"/>
+              </a:rPr>
+              <a:t>QUESTION E</a:t>
+            </a:r>
+            <a:endParaRPr lang="en-GB" sz="2400" b="1" dirty="0">
+              <a:solidFill>
+                <a:schemeClr val="bg1"/>
+              </a:solidFill>
+              <a:latin typeface="Times New Roman" panose="02020603050405020304" pitchFamily="18" charset="0"/>
+              <a:cs typeface="Times New Roman" panose="02020603050405020304" pitchFamily="18" charset="0"/>
+            </a:endParaRPr>
+          </a:p>
+        </p:txBody>
+      </p:sp>
+      <p:sp>
+        <p:nvSpPr>
+          <p:cNvPr id="4" name="Rectangle 3">
+            <a:extLst>
+              <a:ext uri="{FF2B5EF4-FFF2-40B4-BE49-F238E27FC236}">
+                <a16:creationId xmlns:a16="http://schemas.microsoft.com/office/drawing/2014/main" id="{F7C7A1CB-DE34-AD40-E16D-6AA4F785CAE1}"/>
+              </a:ext>
+            </a:extLst>
+          </p:cNvPr>
+          <p:cNvSpPr/>
+          <p:nvPr/>
+        </p:nvSpPr>
+        <p:spPr>
+          <a:xfrm>
+            <a:off x="6096000" y="0"/>
+            <a:ext cx="6096000" cy="501017"/>
+          </a:xfrm>
+          <a:prstGeom prst="rect">
+            <a:avLst/>
+          </a:prstGeom>
+          <a:solidFill>
+            <a:srgbClr val="D9D9D9"/>
+          </a:solidFill>
+          <a:ln>
+            <a:noFill/>
+          </a:ln>
+        </p:spPr>
+        <p:style>
+          <a:lnRef idx="2">
+            <a:schemeClr val="accent1">
+              <a:shade val="15000"/>
+            </a:schemeClr>
+          </a:lnRef>
+          <a:fillRef idx="1">
+            <a:schemeClr val="accent1"/>
+          </a:fillRef>
+          <a:effectRef idx="0">
+            <a:schemeClr val="accent1"/>
+          </a:effectRef>
+          <a:fontRef idx="minor">
+            <a:schemeClr val="lt1"/>
+          </a:fontRef>
+        </p:style>
+        <p:txBody>
+          <a:bodyPr rtlCol="0" anchor="ctr"/>
+          <a:lstStyle/>
+          <a:p>
+            <a:pPr algn="ctr"/>
+            <a:endParaRPr lang="en-GB"/>
+          </a:p>
+        </p:txBody>
+      </p:sp>
+      <p:sp>
+        <p:nvSpPr>
+          <p:cNvPr id="5" name="TextBox 4">
+            <a:extLst>
+              <a:ext uri="{FF2B5EF4-FFF2-40B4-BE49-F238E27FC236}">
+                <a16:creationId xmlns:a16="http://schemas.microsoft.com/office/drawing/2014/main" id="{D8E09B78-47CC-84BD-A259-AA9B0A6D0125}"/>
+              </a:ext>
+            </a:extLst>
+          </p:cNvPr>
+          <p:cNvSpPr txBox="1"/>
+          <p:nvPr/>
+        </p:nvSpPr>
+        <p:spPr>
+          <a:xfrm>
+            <a:off x="-1" y="627468"/>
+            <a:ext cx="5511625" cy="369332"/>
+          </a:xfrm>
+          <a:prstGeom prst="rect">
+            <a:avLst/>
+          </a:prstGeom>
+          <a:noFill/>
+        </p:spPr>
+        <p:txBody>
+          <a:bodyPr wrap="square" rtlCol="0">
+            <a:spAutoFit/>
+          </a:bodyPr>
+          <a:lstStyle/>
+          <a:p>
+            <a:pPr algn="just"/>
+            <a:r>
+              <a:rPr lang="fr-FR" dirty="0">
+                <a:latin typeface="Times New Roman" panose="02020603050405020304" pitchFamily="18" charset="0"/>
+                <a:cs typeface="Times New Roman" panose="02020603050405020304" pitchFamily="18" charset="0"/>
+              </a:rPr>
+              <a:t>On change les schémas de discrétisation spatiaux tel que : </a:t>
+            </a:r>
+            <a:endParaRPr lang="en-GB" dirty="0">
+              <a:latin typeface="Times New Roman" panose="02020603050405020304" pitchFamily="18" charset="0"/>
+              <a:cs typeface="Times New Roman" panose="02020603050405020304" pitchFamily="18" charset="0"/>
+            </a:endParaRPr>
+          </a:p>
+        </p:txBody>
+      </p:sp>
+      <mc:AlternateContent xmlns:mc="http://schemas.openxmlformats.org/markup-compatibility/2006">
+        <mc:Choice xmlns:a14="http://schemas.microsoft.com/office/drawing/2010/main" Requires="a14">
+          <p:sp>
+            <p:nvSpPr>
+              <p:cNvPr id="6" name="TextBox 5">
+                <a:extLst>
+                  <a:ext uri="{FF2B5EF4-FFF2-40B4-BE49-F238E27FC236}">
+                    <a16:creationId xmlns:a16="http://schemas.microsoft.com/office/drawing/2014/main" id="{EE12E67D-0239-1317-5143-EADC4A6FD1E7}"/>
+                  </a:ext>
+                </a:extLst>
+              </p:cNvPr>
+              <p:cNvSpPr txBox="1"/>
+              <p:nvPr/>
+            </p:nvSpPr>
+            <p:spPr>
+              <a:xfrm>
+                <a:off x="5435947" y="513956"/>
+                <a:ext cx="2192520" cy="746230"/>
+              </a:xfrm>
+              <a:prstGeom prst="rect">
+                <a:avLst/>
+              </a:prstGeom>
+              <a:noFill/>
+            </p:spPr>
+            <p:txBody>
+              <a:bodyPr wrap="square">
+                <a:spAutoFit/>
+              </a:bodyPr>
+              <a:lstStyle/>
+              <a:p>
+                <a:pPr/>
+                <a14:m>
+                  <m:oMathPara xmlns:m="http://schemas.openxmlformats.org/officeDocument/2006/math">
+                    <m:oMathParaPr>
+                      <m:jc m:val="centerGroup"/>
+                    </m:oMathParaPr>
+                    <m:oMath xmlns:m="http://schemas.openxmlformats.org/officeDocument/2006/math">
+                      <m:sSub>
+                        <m:sSubPr>
+                          <m:ctrlPr>
+                            <a:rPr lang="fr-FR" i="1" smtClean="0">
+                              <a:latin typeface="Cambria Math" panose="02040503050406030204" pitchFamily="18" charset="0"/>
+                            </a:rPr>
+                          </m:ctrlPr>
+                        </m:sSubPr>
+                        <m:e>
+                          <m:d>
+                            <m:dPr>
+                              <m:begChr m:val=""/>
+                              <m:endChr m:val="|"/>
+                              <m:ctrlPr>
+                                <a:rPr lang="en-GB" i="1">
+                                  <a:latin typeface="Cambria Math" panose="02040503050406030204" pitchFamily="18" charset="0"/>
+                                </a:rPr>
+                              </m:ctrlPr>
+                            </m:dPr>
+                            <m:e>
+                              <m:f>
+                                <m:fPr>
+                                  <m:ctrlPr>
+                                    <a:rPr lang="en-GB" i="1">
+                                      <a:latin typeface="Cambria Math" panose="02040503050406030204" pitchFamily="18" charset="0"/>
+                                    </a:rPr>
+                                  </m:ctrlPr>
+                                </m:fPr>
+                                <m:num>
+                                  <m:r>
+                                    <a:rPr lang="en-GB" i="1">
+                                      <a:latin typeface="Cambria Math" panose="02040503050406030204" pitchFamily="18" charset="0"/>
+                                    </a:rPr>
+                                    <m:t>𝜕</m:t>
+                                  </m:r>
+                                  <m:r>
+                                    <a:rPr lang="fr-FR" i="1">
+                                      <a:latin typeface="Cambria Math" panose="02040503050406030204" pitchFamily="18" charset="0"/>
+                                    </a:rPr>
+                                    <m:t>𝐶</m:t>
+                                  </m:r>
+                                </m:num>
+                                <m:den>
+                                  <m:r>
+                                    <a:rPr lang="en-GB" i="1">
+                                      <a:latin typeface="Cambria Math" panose="02040503050406030204" pitchFamily="18" charset="0"/>
+                                    </a:rPr>
+                                    <m:t>𝜕</m:t>
+                                  </m:r>
+                                  <m:r>
+                                    <a:rPr lang="fr-FR" i="1">
+                                      <a:latin typeface="Cambria Math" panose="02040503050406030204" pitchFamily="18" charset="0"/>
+                                    </a:rPr>
+                                    <m:t>𝑟</m:t>
+                                  </m:r>
+                                </m:den>
+                              </m:f>
+                            </m:e>
+                          </m:d>
+                        </m:e>
+                        <m:sub>
+                          <m:r>
+                            <a:rPr lang="fr-FR" b="0" i="1" smtClean="0">
+                              <a:latin typeface="Cambria Math" panose="02040503050406030204" pitchFamily="18" charset="0"/>
+                            </a:rPr>
+                            <m:t>𝑖</m:t>
+                          </m:r>
+                        </m:sub>
+                      </m:sSub>
+                      <m:r>
+                        <a:rPr lang="fr-FR" i="1">
+                          <a:latin typeface="Cambria Math" panose="02040503050406030204" pitchFamily="18" charset="0"/>
+                        </a:rPr>
+                        <m:t>=</m:t>
+                      </m:r>
+                      <m:f>
+                        <m:fPr>
+                          <m:ctrlPr>
+                            <a:rPr lang="fr-FR" i="1" smtClean="0">
+                              <a:latin typeface="Cambria Math" panose="02040503050406030204" pitchFamily="18" charset="0"/>
+                            </a:rPr>
+                          </m:ctrlPr>
+                        </m:fPr>
+                        <m:num>
+                          <m:sSub>
+                            <m:sSubPr>
+                              <m:ctrlPr>
+                                <a:rPr lang="fr-FR" b="0" i="1" smtClean="0">
+                                  <a:latin typeface="Cambria Math" panose="02040503050406030204" pitchFamily="18" charset="0"/>
+                                </a:rPr>
+                              </m:ctrlPr>
+                            </m:sSubPr>
+                            <m:e>
+                              <m:r>
+                                <a:rPr lang="fr-FR" b="0" i="1" smtClean="0">
+                                  <a:latin typeface="Cambria Math" panose="02040503050406030204" pitchFamily="18" charset="0"/>
+                                </a:rPr>
+                                <m:t>𝐶</m:t>
+                              </m:r>
+                            </m:e>
+                            <m:sub>
+                              <m:r>
+                                <a:rPr lang="fr-FR" b="0" i="1" smtClean="0">
+                                  <a:latin typeface="Cambria Math" panose="02040503050406030204" pitchFamily="18" charset="0"/>
+                                </a:rPr>
+                                <m:t>𝑖</m:t>
+                              </m:r>
+                              <m:r>
+                                <a:rPr lang="fr-FR" b="0" i="1" smtClean="0">
+                                  <a:latin typeface="Cambria Math" panose="02040503050406030204" pitchFamily="18" charset="0"/>
+                                </a:rPr>
+                                <m:t>+1</m:t>
+                              </m:r>
+                            </m:sub>
+                          </m:sSub>
+                          <m:r>
+                            <a:rPr lang="fr-FR" b="0" i="1" smtClean="0">
+                              <a:latin typeface="Cambria Math" panose="02040503050406030204" pitchFamily="18" charset="0"/>
+                            </a:rPr>
+                            <m:t>−</m:t>
+                          </m:r>
+                          <m:sSub>
+                            <m:sSubPr>
+                              <m:ctrlPr>
+                                <a:rPr lang="fr-FR" b="0" i="1" smtClean="0">
+                                  <a:latin typeface="Cambria Math" panose="02040503050406030204" pitchFamily="18" charset="0"/>
+                                </a:rPr>
+                              </m:ctrlPr>
+                            </m:sSubPr>
+                            <m:e>
+                              <m:r>
+                                <a:rPr lang="fr-FR" b="0" i="1" smtClean="0">
+                                  <a:latin typeface="Cambria Math" panose="02040503050406030204" pitchFamily="18" charset="0"/>
+                                </a:rPr>
+                                <m:t>𝐶</m:t>
+                              </m:r>
+                            </m:e>
+                            <m:sub>
+                              <m:r>
+                                <a:rPr lang="fr-FR" b="0" i="1" smtClean="0">
+                                  <a:latin typeface="Cambria Math" panose="02040503050406030204" pitchFamily="18" charset="0"/>
+                                </a:rPr>
+                                <m:t>𝑖</m:t>
+                              </m:r>
+                              <m:r>
+                                <a:rPr lang="fr-FR" b="0" i="1" smtClean="0">
+                                  <a:latin typeface="Cambria Math" panose="02040503050406030204" pitchFamily="18" charset="0"/>
+                                </a:rPr>
+                                <m:t>−1</m:t>
+                              </m:r>
+                            </m:sub>
+                          </m:sSub>
+                        </m:num>
+                        <m:den>
+                          <m:r>
+                            <a:rPr lang="fr-FR" b="0" i="1" smtClean="0">
+                              <a:latin typeface="Cambria Math" panose="02040503050406030204" pitchFamily="18" charset="0"/>
+                            </a:rPr>
+                            <m:t>2</m:t>
+                          </m:r>
+                          <m:r>
+                            <a:rPr lang="fr-FR" i="1" smtClean="0">
+                              <a:latin typeface="Cambria Math" panose="02040503050406030204" pitchFamily="18" charset="0"/>
+                              <a:ea typeface="Cambria Math" panose="02040503050406030204" pitchFamily="18" charset="0"/>
+                            </a:rPr>
+                            <m:t>∆</m:t>
+                          </m:r>
+                          <m:r>
+                            <a:rPr lang="fr-FR" b="0" i="1" smtClean="0">
+                              <a:latin typeface="Cambria Math" panose="02040503050406030204" pitchFamily="18" charset="0"/>
+                              <a:ea typeface="Cambria Math" panose="02040503050406030204" pitchFamily="18" charset="0"/>
+                            </a:rPr>
+                            <m:t>𝑟</m:t>
+                          </m:r>
+                        </m:den>
+                      </m:f>
+                    </m:oMath>
+                  </m:oMathPara>
+                </a14:m>
+                <a:endParaRPr lang="en-GB" dirty="0"/>
+              </a:p>
+            </p:txBody>
+          </p:sp>
+        </mc:Choice>
+        <mc:Fallback>
+          <p:sp>
+            <p:nvSpPr>
+              <p:cNvPr id="6" name="TextBox 5">
+                <a:extLst>
+                  <a:ext uri="{FF2B5EF4-FFF2-40B4-BE49-F238E27FC236}">
+                    <a16:creationId xmlns:a16="http://schemas.microsoft.com/office/drawing/2014/main" id="{EE12E67D-0239-1317-5143-EADC4A6FD1E7}"/>
+                  </a:ext>
+                </a:extLst>
+              </p:cNvPr>
+              <p:cNvSpPr txBox="1">
+                <a:spLocks noRot="1" noChangeAspect="1" noMove="1" noResize="1" noEditPoints="1" noAdjustHandles="1" noChangeArrowheads="1" noChangeShapeType="1" noTextEdit="1"/>
+              </p:cNvSpPr>
+              <p:nvPr/>
+            </p:nvSpPr>
+            <p:spPr>
+              <a:xfrm>
+                <a:off x="5435947" y="513956"/>
+                <a:ext cx="2192520" cy="746230"/>
+              </a:xfrm>
+              <a:prstGeom prst="rect">
+                <a:avLst/>
+              </a:prstGeom>
+              <a:blipFill>
+                <a:blip r:embed="rId2"/>
+                <a:stretch>
+                  <a:fillRect/>
+                </a:stretch>
+              </a:blipFill>
+            </p:spPr>
+            <p:txBody>
+              <a:bodyPr/>
+              <a:lstStyle/>
+              <a:p>
+                <a:r>
+                  <a:rPr lang="en-GB">
+                    <a:noFill/>
+                  </a:rPr>
+                  <a:t> </a:t>
+                </a:r>
+              </a:p>
+            </p:txBody>
+          </p:sp>
+        </mc:Fallback>
+      </mc:AlternateContent>
+      <mc:AlternateContent xmlns:mc="http://schemas.openxmlformats.org/markup-compatibility/2006">
+        <mc:Choice xmlns:a14="http://schemas.microsoft.com/office/drawing/2010/main" Requires="a14">
+          <p:sp>
+            <p:nvSpPr>
+              <p:cNvPr id="7" name="TextBox 6">
+                <a:extLst>
+                  <a:ext uri="{FF2B5EF4-FFF2-40B4-BE49-F238E27FC236}">
+                    <a16:creationId xmlns:a16="http://schemas.microsoft.com/office/drawing/2014/main" id="{EA320C37-86BC-1C54-FDB3-FB623D060A31}"/>
+                  </a:ext>
+                </a:extLst>
+              </p:cNvPr>
+              <p:cNvSpPr txBox="1"/>
+              <p:nvPr/>
+            </p:nvSpPr>
+            <p:spPr>
+              <a:xfrm>
+                <a:off x="8451360" y="513956"/>
+                <a:ext cx="2817827" cy="848374"/>
+              </a:xfrm>
+              <a:prstGeom prst="rect">
+                <a:avLst/>
+              </a:prstGeom>
+              <a:noFill/>
+            </p:spPr>
+            <p:txBody>
+              <a:bodyPr wrap="square">
+                <a:spAutoFit/>
+              </a:bodyPr>
+              <a:lstStyle/>
+              <a:p>
+                <a:pPr/>
+                <a14:m>
+                  <m:oMathPara xmlns:m="http://schemas.openxmlformats.org/officeDocument/2006/math">
+                    <m:oMathParaPr>
+                      <m:jc m:val="centerGroup"/>
+                    </m:oMathParaPr>
+                    <m:oMath xmlns:m="http://schemas.openxmlformats.org/officeDocument/2006/math">
+                      <m:sSub>
+                        <m:sSubPr>
+                          <m:ctrlPr>
+                            <a:rPr lang="fr-FR" i="1" smtClean="0">
+                              <a:latin typeface="Cambria Math" panose="02040503050406030204" pitchFamily="18" charset="0"/>
+                            </a:rPr>
+                          </m:ctrlPr>
+                        </m:sSubPr>
+                        <m:e>
+                          <m:d>
+                            <m:dPr>
+                              <m:begChr m:val=""/>
+                              <m:endChr m:val="|"/>
+                              <m:ctrlPr>
+                                <a:rPr lang="en-GB" i="1">
+                                  <a:latin typeface="Cambria Math" panose="02040503050406030204" pitchFamily="18" charset="0"/>
+                                </a:rPr>
+                              </m:ctrlPr>
+                            </m:dPr>
+                            <m:e>
+                              <m:f>
+                                <m:fPr>
+                                  <m:ctrlPr>
+                                    <a:rPr lang="en-GB" i="1">
+                                      <a:latin typeface="Cambria Math" panose="02040503050406030204" pitchFamily="18" charset="0"/>
+                                    </a:rPr>
+                                  </m:ctrlPr>
+                                </m:fPr>
+                                <m:num>
+                                  <m:r>
+                                    <a:rPr lang="en-GB" i="1">
+                                      <a:latin typeface="Cambria Math" panose="02040503050406030204" pitchFamily="18" charset="0"/>
+                                    </a:rPr>
+                                    <m:t>𝜕</m:t>
+                                  </m:r>
+                                  <m:r>
+                                    <a:rPr lang="fr-FR" b="0" i="1" smtClean="0">
+                                      <a:latin typeface="Cambria Math" panose="02040503050406030204" pitchFamily="18" charset="0"/>
+                                    </a:rPr>
+                                    <m:t>²</m:t>
+                                  </m:r>
+                                  <m:r>
+                                    <a:rPr lang="fr-FR" i="1">
+                                      <a:latin typeface="Cambria Math" panose="02040503050406030204" pitchFamily="18" charset="0"/>
+                                    </a:rPr>
+                                    <m:t>𝐶</m:t>
+                                  </m:r>
+                                </m:num>
+                                <m:den>
+                                  <m:r>
+                                    <a:rPr lang="en-GB" i="1">
+                                      <a:latin typeface="Cambria Math" panose="02040503050406030204" pitchFamily="18" charset="0"/>
+                                    </a:rPr>
+                                    <m:t>𝜕</m:t>
+                                  </m:r>
+                                  <m:r>
+                                    <a:rPr lang="fr-FR" i="1">
+                                      <a:latin typeface="Cambria Math" panose="02040503050406030204" pitchFamily="18" charset="0"/>
+                                    </a:rPr>
+                                    <m:t>𝑟</m:t>
+                                  </m:r>
+                                  <m:r>
+                                    <a:rPr lang="fr-FR" b="0" i="1" smtClean="0">
+                                      <a:latin typeface="Cambria Math" panose="02040503050406030204" pitchFamily="18" charset="0"/>
+                                    </a:rPr>
+                                    <m:t>²</m:t>
+                                  </m:r>
+                                </m:den>
+                              </m:f>
+                            </m:e>
+                          </m:d>
+                        </m:e>
+                        <m:sub>
+                          <m:r>
+                            <a:rPr lang="fr-FR" b="0" i="1" smtClean="0">
+                              <a:latin typeface="Cambria Math" panose="02040503050406030204" pitchFamily="18" charset="0"/>
+                            </a:rPr>
+                            <m:t>𝑖</m:t>
+                          </m:r>
+                        </m:sub>
+                      </m:sSub>
+                      <m:r>
+                        <a:rPr lang="fr-FR" i="1">
+                          <a:latin typeface="Cambria Math" panose="02040503050406030204" pitchFamily="18" charset="0"/>
+                        </a:rPr>
+                        <m:t>=</m:t>
+                      </m:r>
+                      <m:f>
+                        <m:fPr>
+                          <m:ctrlPr>
+                            <a:rPr lang="fr-FR" i="1" smtClean="0">
+                              <a:latin typeface="Cambria Math" panose="02040503050406030204" pitchFamily="18" charset="0"/>
+                            </a:rPr>
+                          </m:ctrlPr>
+                        </m:fPr>
+                        <m:num>
+                          <m:sSub>
+                            <m:sSubPr>
+                              <m:ctrlPr>
+                                <a:rPr lang="fr-FR" b="0" i="1" smtClean="0">
+                                  <a:latin typeface="Cambria Math" panose="02040503050406030204" pitchFamily="18" charset="0"/>
+                                </a:rPr>
+                              </m:ctrlPr>
+                            </m:sSubPr>
+                            <m:e>
+                              <m:r>
+                                <a:rPr lang="fr-FR" b="0" i="1" smtClean="0">
+                                  <a:latin typeface="Cambria Math" panose="02040503050406030204" pitchFamily="18" charset="0"/>
+                                </a:rPr>
+                                <m:t>𝐶</m:t>
+                              </m:r>
+                            </m:e>
+                            <m:sub>
+                              <m:r>
+                                <a:rPr lang="fr-FR" b="0" i="1" smtClean="0">
+                                  <a:latin typeface="Cambria Math" panose="02040503050406030204" pitchFamily="18" charset="0"/>
+                                </a:rPr>
+                                <m:t>𝑖</m:t>
+                              </m:r>
+                              <m:r>
+                                <a:rPr lang="fr-FR" b="0" i="1" smtClean="0">
+                                  <a:latin typeface="Cambria Math" panose="02040503050406030204" pitchFamily="18" charset="0"/>
+                                </a:rPr>
+                                <m:t>+1</m:t>
+                              </m:r>
+                            </m:sub>
+                          </m:sSub>
+                          <m:r>
+                            <a:rPr lang="fr-FR" b="0" i="1" smtClean="0">
+                              <a:latin typeface="Cambria Math" panose="02040503050406030204" pitchFamily="18" charset="0"/>
+                            </a:rPr>
+                            <m:t>−</m:t>
+                          </m:r>
+                          <m:sSub>
+                            <m:sSubPr>
+                              <m:ctrlPr>
+                                <a:rPr lang="fr-FR" b="0" i="1" smtClean="0">
+                                  <a:latin typeface="Cambria Math" panose="02040503050406030204" pitchFamily="18" charset="0"/>
+                                </a:rPr>
+                              </m:ctrlPr>
+                            </m:sSubPr>
+                            <m:e>
+                              <m:r>
+                                <a:rPr lang="fr-FR" b="0" i="1" smtClean="0">
+                                  <a:latin typeface="Cambria Math" panose="02040503050406030204" pitchFamily="18" charset="0"/>
+                                </a:rPr>
+                                <m:t>2</m:t>
+                              </m:r>
+                              <m:r>
+                                <a:rPr lang="fr-FR" b="0" i="1" smtClean="0">
+                                  <a:latin typeface="Cambria Math" panose="02040503050406030204" pitchFamily="18" charset="0"/>
+                                </a:rPr>
+                                <m:t>𝐶</m:t>
+                              </m:r>
+                            </m:e>
+                            <m:sub>
+                              <m:r>
+                                <a:rPr lang="fr-FR" b="0" i="1" smtClean="0">
+                                  <a:latin typeface="Cambria Math" panose="02040503050406030204" pitchFamily="18" charset="0"/>
+                                </a:rPr>
+                                <m:t>𝑖</m:t>
+                              </m:r>
+                            </m:sub>
+                          </m:sSub>
+                          <m:r>
+                            <a:rPr lang="fr-FR" b="0" i="1" smtClean="0">
+                              <a:latin typeface="Cambria Math" panose="02040503050406030204" pitchFamily="18" charset="0"/>
+                            </a:rPr>
+                            <m:t>+</m:t>
+                          </m:r>
+                          <m:sSub>
+                            <m:sSubPr>
+                              <m:ctrlPr>
+                                <a:rPr lang="fr-FR" b="0" i="1" smtClean="0">
+                                  <a:latin typeface="Cambria Math" panose="02040503050406030204" pitchFamily="18" charset="0"/>
+                                </a:rPr>
+                              </m:ctrlPr>
+                            </m:sSubPr>
+                            <m:e>
+                              <m:r>
+                                <a:rPr lang="fr-FR" b="0" i="1" smtClean="0">
+                                  <a:latin typeface="Cambria Math" panose="02040503050406030204" pitchFamily="18" charset="0"/>
+                                </a:rPr>
+                                <m:t>𝐶</m:t>
+                              </m:r>
+                            </m:e>
+                            <m:sub>
+                              <m:r>
+                                <a:rPr lang="fr-FR" b="0" i="1" smtClean="0">
+                                  <a:latin typeface="Cambria Math" panose="02040503050406030204" pitchFamily="18" charset="0"/>
+                                </a:rPr>
+                                <m:t>𝑖</m:t>
+                              </m:r>
+                              <m:r>
+                                <a:rPr lang="fr-FR" b="0" i="1" smtClean="0">
+                                  <a:latin typeface="Cambria Math" panose="02040503050406030204" pitchFamily="18" charset="0"/>
+                                </a:rPr>
+                                <m:t>−1</m:t>
+                              </m:r>
+                            </m:sub>
+                          </m:sSub>
+                        </m:num>
+                        <m:den>
+                          <m:r>
+                            <a:rPr lang="fr-FR" i="1" smtClean="0">
+                              <a:latin typeface="Cambria Math" panose="02040503050406030204" pitchFamily="18" charset="0"/>
+                              <a:ea typeface="Cambria Math" panose="02040503050406030204" pitchFamily="18" charset="0"/>
+                            </a:rPr>
+                            <m:t>∆</m:t>
+                          </m:r>
+                          <m:r>
+                            <a:rPr lang="fr-FR" b="0" i="1" smtClean="0">
+                              <a:latin typeface="Cambria Math" panose="02040503050406030204" pitchFamily="18" charset="0"/>
+                              <a:ea typeface="Cambria Math" panose="02040503050406030204" pitchFamily="18" charset="0"/>
+                            </a:rPr>
+                            <m:t>𝑟</m:t>
+                          </m:r>
+                          <m:r>
+                            <a:rPr lang="fr-FR" b="0" i="1" smtClean="0">
+                              <a:latin typeface="Cambria Math" panose="02040503050406030204" pitchFamily="18" charset="0"/>
+                              <a:ea typeface="Cambria Math" panose="02040503050406030204" pitchFamily="18" charset="0"/>
+                            </a:rPr>
+                            <m:t>²</m:t>
+                          </m:r>
+                        </m:den>
+                      </m:f>
+                    </m:oMath>
+                  </m:oMathPara>
+                </a14:m>
+                <a:endParaRPr lang="en-GB" dirty="0"/>
+              </a:p>
+            </p:txBody>
+          </p:sp>
+        </mc:Choice>
+        <mc:Fallback>
+          <p:sp>
+            <p:nvSpPr>
+              <p:cNvPr id="7" name="TextBox 6">
+                <a:extLst>
+                  <a:ext uri="{FF2B5EF4-FFF2-40B4-BE49-F238E27FC236}">
+                    <a16:creationId xmlns:a16="http://schemas.microsoft.com/office/drawing/2014/main" id="{EA320C37-86BC-1C54-FDB3-FB623D060A31}"/>
+                  </a:ext>
+                </a:extLst>
+              </p:cNvPr>
+              <p:cNvSpPr txBox="1">
+                <a:spLocks noRot="1" noChangeAspect="1" noMove="1" noResize="1" noEditPoints="1" noAdjustHandles="1" noChangeArrowheads="1" noChangeShapeType="1" noTextEdit="1"/>
+              </p:cNvSpPr>
+              <p:nvPr/>
+            </p:nvSpPr>
+            <p:spPr>
+              <a:xfrm>
+                <a:off x="8451360" y="513956"/>
+                <a:ext cx="2817827" cy="848374"/>
+              </a:xfrm>
+              <a:prstGeom prst="rect">
+                <a:avLst/>
+              </a:prstGeom>
+              <a:blipFill>
+                <a:blip r:embed="rId3"/>
+                <a:stretch>
+                  <a:fillRect/>
+                </a:stretch>
+              </a:blipFill>
+            </p:spPr>
+            <p:txBody>
+              <a:bodyPr/>
+              <a:lstStyle/>
+              <a:p>
+                <a:r>
+                  <a:rPr lang="en-GB">
+                    <a:noFill/>
+                  </a:rPr>
+                  <a:t> </a:t>
+                </a:r>
+              </a:p>
+            </p:txBody>
+          </p:sp>
+        </mc:Fallback>
+      </mc:AlternateContent>
+      <p:sp>
+        <p:nvSpPr>
+          <p:cNvPr id="8" name="TextBox 7">
+            <a:extLst>
+              <a:ext uri="{FF2B5EF4-FFF2-40B4-BE49-F238E27FC236}">
+                <a16:creationId xmlns:a16="http://schemas.microsoft.com/office/drawing/2014/main" id="{3F891217-F85C-D70C-2308-582197B55664}"/>
+              </a:ext>
+            </a:extLst>
+          </p:cNvPr>
+          <p:cNvSpPr txBox="1"/>
+          <p:nvPr/>
+        </p:nvSpPr>
+        <p:spPr>
+          <a:xfrm>
+            <a:off x="7471513" y="500026"/>
+            <a:ext cx="798785" cy="307777"/>
+          </a:xfrm>
+          <a:prstGeom prst="rect">
+            <a:avLst/>
+          </a:prstGeom>
+          <a:noFill/>
+        </p:spPr>
+        <p:txBody>
+          <a:bodyPr wrap="square" rtlCol="0">
+            <a:spAutoFit/>
+          </a:bodyPr>
+          <a:lstStyle/>
+          <a:p>
+            <a:pPr algn="just"/>
+            <a:r>
+              <a:rPr lang="fr-FR" sz="1400" i="1" dirty="0">
+                <a:latin typeface="Times New Roman" panose="02020603050405020304" pitchFamily="18" charset="0"/>
+                <a:cs typeface="Times New Roman" panose="02020603050405020304" pitchFamily="18" charset="0"/>
+              </a:rPr>
+              <a:t>Ordre 2</a:t>
+            </a:r>
+            <a:endParaRPr lang="en-GB" sz="1400" i="1" dirty="0">
+              <a:latin typeface="Times New Roman" panose="02020603050405020304" pitchFamily="18" charset="0"/>
+              <a:cs typeface="Times New Roman" panose="02020603050405020304" pitchFamily="18" charset="0"/>
+            </a:endParaRPr>
+          </a:p>
+        </p:txBody>
+      </p:sp>
+      <p:sp>
+        <p:nvSpPr>
+          <p:cNvPr id="9" name="TextBox 8">
+            <a:extLst>
+              <a:ext uri="{FF2B5EF4-FFF2-40B4-BE49-F238E27FC236}">
+                <a16:creationId xmlns:a16="http://schemas.microsoft.com/office/drawing/2014/main" id="{15BED661-D5E8-5D5F-962C-7A789302F672}"/>
+              </a:ext>
+            </a:extLst>
+          </p:cNvPr>
+          <p:cNvSpPr txBox="1"/>
+          <p:nvPr/>
+        </p:nvSpPr>
+        <p:spPr>
+          <a:xfrm>
+            <a:off x="11221367" y="500027"/>
+            <a:ext cx="798785" cy="307777"/>
+          </a:xfrm>
+          <a:prstGeom prst="rect">
+            <a:avLst/>
+          </a:prstGeom>
+          <a:noFill/>
+        </p:spPr>
+        <p:txBody>
+          <a:bodyPr wrap="square" rtlCol="0">
+            <a:spAutoFit/>
+          </a:bodyPr>
+          <a:lstStyle/>
+          <a:p>
+            <a:pPr algn="just"/>
+            <a:r>
+              <a:rPr lang="fr-FR" sz="1400" i="1" dirty="0">
+                <a:latin typeface="Times New Roman" panose="02020603050405020304" pitchFamily="18" charset="0"/>
+                <a:cs typeface="Times New Roman" panose="02020603050405020304" pitchFamily="18" charset="0"/>
+              </a:rPr>
+              <a:t>Ordre 2</a:t>
+            </a:r>
+            <a:endParaRPr lang="en-GB" sz="1400" i="1" dirty="0">
+              <a:latin typeface="Times New Roman" panose="02020603050405020304" pitchFamily="18" charset="0"/>
+              <a:cs typeface="Times New Roman" panose="02020603050405020304" pitchFamily="18" charset="0"/>
+            </a:endParaRPr>
+          </a:p>
+        </p:txBody>
+      </p:sp>
+      <p:sp>
+        <p:nvSpPr>
+          <p:cNvPr id="10" name="TextBox 9">
+            <a:extLst>
+              <a:ext uri="{FF2B5EF4-FFF2-40B4-BE49-F238E27FC236}">
+                <a16:creationId xmlns:a16="http://schemas.microsoft.com/office/drawing/2014/main" id="{4B5486D3-9894-C2BC-A87B-09DEDB4C8900}"/>
+              </a:ext>
+            </a:extLst>
+          </p:cNvPr>
+          <p:cNvSpPr txBox="1"/>
+          <p:nvPr/>
+        </p:nvSpPr>
+        <p:spPr>
+          <a:xfrm>
+            <a:off x="-1047" y="1307910"/>
+            <a:ext cx="5511625" cy="369332"/>
+          </a:xfrm>
+          <a:prstGeom prst="rect">
+            <a:avLst/>
+          </a:prstGeom>
+          <a:noFill/>
+        </p:spPr>
+        <p:txBody>
+          <a:bodyPr wrap="square" rtlCol="0">
+            <a:spAutoFit/>
+          </a:bodyPr>
+          <a:lstStyle/>
+          <a:p>
+            <a:pPr algn="just"/>
+            <a:r>
+              <a:rPr lang="fr-FR" dirty="0">
+                <a:latin typeface="Times New Roman" panose="02020603050405020304" pitchFamily="18" charset="0"/>
+                <a:cs typeface="Times New Roman" panose="02020603050405020304" pitchFamily="18" charset="0"/>
+              </a:rPr>
+              <a:t>On introduits ces schémas dans l’équation du problème : </a:t>
+            </a:r>
+            <a:endParaRPr lang="en-GB" dirty="0">
+              <a:latin typeface="Times New Roman" panose="02020603050405020304" pitchFamily="18" charset="0"/>
+              <a:cs typeface="Times New Roman" panose="02020603050405020304" pitchFamily="18" charset="0"/>
+            </a:endParaRPr>
+          </a:p>
+        </p:txBody>
+      </p:sp>
+      <mc:AlternateContent xmlns:mc="http://schemas.openxmlformats.org/markup-compatibility/2006">
+        <mc:Choice xmlns:a14="http://schemas.microsoft.com/office/drawing/2010/main" Requires="a14">
+          <p:sp>
+            <p:nvSpPr>
+              <p:cNvPr id="11" name="TextBox 10">
+                <a:extLst>
+                  <a:ext uri="{FF2B5EF4-FFF2-40B4-BE49-F238E27FC236}">
+                    <a16:creationId xmlns:a16="http://schemas.microsoft.com/office/drawing/2014/main" id="{2C5B5726-7BDA-16C2-725D-68E0A9FFBD27}"/>
+                  </a:ext>
+                </a:extLst>
+              </p:cNvPr>
+              <p:cNvSpPr txBox="1"/>
+              <p:nvPr/>
+            </p:nvSpPr>
+            <p:spPr>
+              <a:xfrm>
+                <a:off x="1610941" y="1615686"/>
+                <a:ext cx="8970117" cy="724173"/>
+              </a:xfrm>
+              <a:prstGeom prst="rect">
+                <a:avLst/>
+              </a:prstGeom>
+              <a:noFill/>
+            </p:spPr>
+            <p:txBody>
+              <a:bodyPr wrap="square">
+                <a:spAutoFit/>
+              </a:bodyPr>
+              <a:lstStyle/>
+              <a:p>
+                <a:pPr/>
+                <a14:m>
+                  <m:oMathPara xmlns:m="http://schemas.openxmlformats.org/officeDocument/2006/math">
+                    <m:oMathParaPr>
+                      <m:jc m:val="centerGroup"/>
+                    </m:oMathParaPr>
+                    <m:oMath xmlns:m="http://schemas.openxmlformats.org/officeDocument/2006/math">
+                      <m:f>
+                        <m:fPr>
+                          <m:ctrlPr>
+                            <a:rPr lang="fr-FR" b="0" i="1" smtClean="0">
+                              <a:latin typeface="Cambria Math" panose="02040503050406030204" pitchFamily="18" charset="0"/>
+                            </a:rPr>
+                          </m:ctrlPr>
+                        </m:fPr>
+                        <m:num>
+                          <m:r>
+                            <a:rPr lang="fr-FR" b="0" i="1" smtClean="0">
+                              <a:latin typeface="Cambria Math" panose="02040503050406030204" pitchFamily="18" charset="0"/>
+                            </a:rPr>
+                            <m:t>𝜕</m:t>
+                          </m:r>
+                          <m:r>
+                            <a:rPr lang="fr-FR" b="0" i="1" smtClean="0">
+                              <a:latin typeface="Cambria Math" panose="02040503050406030204" pitchFamily="18" charset="0"/>
+                            </a:rPr>
+                            <m:t>²</m:t>
+                          </m:r>
+                          <m:r>
+                            <a:rPr lang="fr-FR" b="0" i="1" smtClean="0">
+                              <a:latin typeface="Cambria Math" panose="02040503050406030204" pitchFamily="18" charset="0"/>
+                            </a:rPr>
+                            <m:t>𝐶</m:t>
+                          </m:r>
+                        </m:num>
+                        <m:den>
+                          <m:r>
+                            <a:rPr lang="fr-FR" b="0" i="1" smtClean="0">
+                              <a:latin typeface="Cambria Math" panose="02040503050406030204" pitchFamily="18" charset="0"/>
+                            </a:rPr>
+                            <m:t>𝜕</m:t>
+                          </m:r>
+                          <m:r>
+                            <a:rPr lang="fr-FR" b="0" i="1" smtClean="0">
+                              <a:latin typeface="Cambria Math" panose="02040503050406030204" pitchFamily="18" charset="0"/>
+                            </a:rPr>
+                            <m:t>𝑟</m:t>
+                          </m:r>
+                          <m:r>
+                            <a:rPr lang="fr-FR" b="0" i="1" smtClean="0">
+                              <a:latin typeface="Cambria Math" panose="02040503050406030204" pitchFamily="18" charset="0"/>
+                            </a:rPr>
+                            <m:t>²</m:t>
+                          </m:r>
+                        </m:den>
+                      </m:f>
+                      <m:r>
+                        <a:rPr lang="fr-FR" b="0" i="1" smtClean="0">
+                          <a:latin typeface="Cambria Math" panose="02040503050406030204" pitchFamily="18" charset="0"/>
+                        </a:rPr>
+                        <m:t>+</m:t>
+                      </m:r>
+                      <m:f>
+                        <m:fPr>
+                          <m:ctrlPr>
+                            <a:rPr lang="fr-FR" b="0" i="1" smtClean="0">
+                              <a:latin typeface="Cambria Math" panose="02040503050406030204" pitchFamily="18" charset="0"/>
+                            </a:rPr>
+                          </m:ctrlPr>
+                        </m:fPr>
+                        <m:num>
+                          <m:r>
+                            <a:rPr lang="fr-FR" i="1" smtClean="0">
+                              <a:latin typeface="Cambria Math" panose="02040503050406030204" pitchFamily="18" charset="0"/>
+                            </a:rPr>
+                            <m:t>1</m:t>
+                          </m:r>
+                        </m:num>
+                        <m:den>
+                          <m:r>
+                            <a:rPr lang="fr-FR" b="0" i="1" smtClean="0">
+                              <a:latin typeface="Cambria Math" panose="02040503050406030204" pitchFamily="18" charset="0"/>
+                            </a:rPr>
+                            <m:t>𝑟</m:t>
+                          </m:r>
+                        </m:den>
+                      </m:f>
+                      <m:f>
+                        <m:fPr>
+                          <m:ctrlPr>
+                            <a:rPr lang="fr-FR" b="0" i="1" smtClean="0">
+                              <a:latin typeface="Cambria Math" panose="02040503050406030204" pitchFamily="18" charset="0"/>
+                            </a:rPr>
+                          </m:ctrlPr>
+                        </m:fPr>
+                        <m:num>
+                          <m:r>
+                            <a:rPr lang="fr-FR" b="0" i="1" smtClean="0">
+                              <a:latin typeface="Cambria Math" panose="02040503050406030204" pitchFamily="18" charset="0"/>
+                            </a:rPr>
+                            <m:t>𝜕</m:t>
+                          </m:r>
+                          <m:r>
+                            <a:rPr lang="fr-FR" b="0" i="1" smtClean="0">
+                              <a:latin typeface="Cambria Math" panose="02040503050406030204" pitchFamily="18" charset="0"/>
+                            </a:rPr>
+                            <m:t>𝐶</m:t>
+                          </m:r>
+                        </m:num>
+                        <m:den>
+                          <m:r>
+                            <a:rPr lang="fr-FR" b="0" i="1" smtClean="0">
+                              <a:latin typeface="Cambria Math" panose="02040503050406030204" pitchFamily="18" charset="0"/>
+                            </a:rPr>
+                            <m:t>𝜕</m:t>
+                          </m:r>
+                          <m:r>
+                            <a:rPr lang="fr-FR" b="0" i="1" smtClean="0">
+                              <a:latin typeface="Cambria Math" panose="02040503050406030204" pitchFamily="18" charset="0"/>
+                            </a:rPr>
+                            <m:t>𝑟</m:t>
+                          </m:r>
+                        </m:den>
+                      </m:f>
+                      <m:r>
+                        <a:rPr lang="fr-FR" b="0" i="1" smtClean="0">
+                          <a:latin typeface="Cambria Math" panose="02040503050406030204" pitchFamily="18" charset="0"/>
+                        </a:rPr>
+                        <m:t>=</m:t>
+                      </m:r>
+                      <m:f>
+                        <m:fPr>
+                          <m:ctrlPr>
+                            <a:rPr lang="fr-FR" b="0" i="1" smtClean="0">
+                              <a:latin typeface="Cambria Math" panose="02040503050406030204" pitchFamily="18" charset="0"/>
+                              <a:ea typeface="Cambria Math" panose="02040503050406030204" pitchFamily="18" charset="0"/>
+                            </a:rPr>
+                          </m:ctrlPr>
+                        </m:fPr>
+                        <m:num>
+                          <m:r>
+                            <a:rPr lang="fr-FR" b="0" i="1" smtClean="0">
+                              <a:latin typeface="Cambria Math" panose="02040503050406030204" pitchFamily="18" charset="0"/>
+                              <a:ea typeface="Cambria Math" panose="02040503050406030204" pitchFamily="18" charset="0"/>
+                            </a:rPr>
+                            <m:t>𝑆</m:t>
+                          </m:r>
+                        </m:num>
+                        <m:den>
+                          <m:sSub>
+                            <m:sSubPr>
+                              <m:ctrlPr>
+                                <a:rPr lang="fr-FR" b="0" i="1" smtClean="0">
+                                  <a:latin typeface="Cambria Math" panose="02040503050406030204" pitchFamily="18" charset="0"/>
+                                  <a:ea typeface="Cambria Math" panose="02040503050406030204" pitchFamily="18" charset="0"/>
+                                </a:rPr>
+                              </m:ctrlPr>
+                            </m:sSubPr>
+                            <m:e>
+                              <m:r>
+                                <a:rPr lang="fr-FR" b="0" i="1" smtClean="0">
+                                  <a:latin typeface="Cambria Math" panose="02040503050406030204" pitchFamily="18" charset="0"/>
+                                  <a:ea typeface="Cambria Math" panose="02040503050406030204" pitchFamily="18" charset="0"/>
+                                </a:rPr>
+                                <m:t>𝐷</m:t>
+                              </m:r>
+                            </m:e>
+                            <m:sub>
+                              <m:r>
+                                <a:rPr lang="fr-FR" b="0" i="1" smtClean="0">
+                                  <a:latin typeface="Cambria Math" panose="02040503050406030204" pitchFamily="18" charset="0"/>
+                                  <a:ea typeface="Cambria Math" panose="02040503050406030204" pitchFamily="18" charset="0"/>
+                                </a:rPr>
+                                <m:t>𝑒𝑓𝑓</m:t>
+                              </m:r>
+                            </m:sub>
+                          </m:sSub>
+                        </m:den>
+                      </m:f>
+                      <m:r>
+                        <a:rPr lang="en-GB" dirty="0" smtClean="0">
+                          <a:latin typeface="Cambria Math" panose="02040503050406030204" pitchFamily="18" charset="0"/>
+                        </a:rPr>
+                        <m:t>⇒</m:t>
+                      </m:r>
+                      <m:sSub>
+                        <m:sSubPr>
+                          <m:ctrlPr>
+                            <a:rPr lang="fr-FR" b="0" i="1" dirty="0" smtClean="0">
+                              <a:latin typeface="Cambria Math" panose="02040503050406030204" pitchFamily="18" charset="0"/>
+                            </a:rPr>
+                          </m:ctrlPr>
+                        </m:sSubPr>
+                        <m:e>
+                          <m:r>
+                            <m:rPr>
+                              <m:sty m:val="p"/>
+                            </m:rPr>
+                            <a:rPr lang="fr-FR" b="0" i="0" dirty="0" smtClean="0">
+                              <a:latin typeface="Cambria Math" panose="02040503050406030204" pitchFamily="18" charset="0"/>
+                            </a:rPr>
+                            <m:t>C</m:t>
+                          </m:r>
+                        </m:e>
+                        <m:sub>
+                          <m:r>
+                            <m:rPr>
+                              <m:sty m:val="p"/>
+                            </m:rPr>
+                            <a:rPr lang="fr-FR" b="0" i="0" dirty="0" smtClean="0">
+                              <a:latin typeface="Cambria Math" panose="02040503050406030204" pitchFamily="18" charset="0"/>
+                            </a:rPr>
+                            <m:t>i</m:t>
+                          </m:r>
+                          <m:r>
+                            <a:rPr lang="fr-FR" b="0" i="0" dirty="0" smtClean="0">
+                              <a:latin typeface="Cambria Math" panose="02040503050406030204" pitchFamily="18" charset="0"/>
+                            </a:rPr>
+                            <m:t>−1</m:t>
+                          </m:r>
+                        </m:sub>
+                      </m:sSub>
+                      <m:d>
+                        <m:dPr>
+                          <m:begChr m:val="["/>
+                          <m:endChr m:val="]"/>
+                          <m:ctrlPr>
+                            <a:rPr lang="fr-FR" b="0" i="1" dirty="0" smtClean="0">
+                              <a:latin typeface="Cambria Math" panose="02040503050406030204" pitchFamily="18" charset="0"/>
+                            </a:rPr>
+                          </m:ctrlPr>
+                        </m:dPr>
+                        <m:e>
+                          <m:f>
+                            <m:fPr>
+                              <m:ctrlPr>
+                                <a:rPr lang="fr-FR" b="0" i="1" dirty="0" smtClean="0">
+                                  <a:latin typeface="Cambria Math" panose="02040503050406030204" pitchFamily="18" charset="0"/>
+                                </a:rPr>
+                              </m:ctrlPr>
+                            </m:fPr>
+                            <m:num>
+                              <m:r>
+                                <a:rPr lang="fr-FR" b="0" i="1" dirty="0" smtClean="0">
+                                  <a:latin typeface="Cambria Math" panose="02040503050406030204" pitchFamily="18" charset="0"/>
+                                </a:rPr>
+                                <m:t>1</m:t>
+                              </m:r>
+                            </m:num>
+                            <m:den>
+                              <m:r>
+                                <a:rPr lang="fr-FR" i="1">
+                                  <a:latin typeface="Cambria Math" panose="02040503050406030204" pitchFamily="18" charset="0"/>
+                                  <a:ea typeface="Cambria Math" panose="02040503050406030204" pitchFamily="18" charset="0"/>
+                                </a:rPr>
+                                <m:t>∆</m:t>
+                              </m:r>
+                              <m:r>
+                                <a:rPr lang="fr-FR" i="1">
+                                  <a:latin typeface="Cambria Math" panose="02040503050406030204" pitchFamily="18" charset="0"/>
+                                  <a:ea typeface="Cambria Math" panose="02040503050406030204" pitchFamily="18" charset="0"/>
+                                </a:rPr>
+                                <m:t>𝑟</m:t>
+                              </m:r>
+                              <m:r>
+                                <a:rPr lang="fr-FR" b="0" i="1" smtClean="0">
+                                  <a:latin typeface="Cambria Math" panose="02040503050406030204" pitchFamily="18" charset="0"/>
+                                  <a:ea typeface="Cambria Math" panose="02040503050406030204" pitchFamily="18" charset="0"/>
+                                </a:rPr>
+                                <m:t>²</m:t>
+                              </m:r>
+                            </m:den>
+                          </m:f>
+                          <m:r>
+                            <a:rPr lang="fr-FR" b="0" i="1" smtClean="0">
+                              <a:latin typeface="Cambria Math" panose="02040503050406030204" pitchFamily="18" charset="0"/>
+                              <a:ea typeface="Cambria Math" panose="02040503050406030204" pitchFamily="18" charset="0"/>
+                            </a:rPr>
+                            <m:t>−</m:t>
+                          </m:r>
+                          <m:f>
+                            <m:fPr>
+                              <m:ctrlPr>
+                                <a:rPr lang="fr-FR" i="1">
+                                  <a:latin typeface="Cambria Math" panose="02040503050406030204" pitchFamily="18" charset="0"/>
+                                  <a:ea typeface="Cambria Math" panose="02040503050406030204" pitchFamily="18" charset="0"/>
+                                </a:rPr>
+                              </m:ctrlPr>
+                            </m:fPr>
+                            <m:num>
+                              <m:r>
+                                <a:rPr lang="fr-FR" i="1">
+                                  <a:latin typeface="Cambria Math" panose="02040503050406030204" pitchFamily="18" charset="0"/>
+                                  <a:ea typeface="Cambria Math" panose="02040503050406030204" pitchFamily="18" charset="0"/>
+                                </a:rPr>
+                                <m:t>1</m:t>
+                              </m:r>
+                            </m:num>
+                            <m:den>
+                              <m:r>
+                                <a:rPr lang="fr-FR" i="1">
+                                  <a:latin typeface="Cambria Math" panose="02040503050406030204" pitchFamily="18" charset="0"/>
+                                  <a:ea typeface="Cambria Math" panose="02040503050406030204" pitchFamily="18" charset="0"/>
+                                </a:rPr>
+                                <m:t>𝑟</m:t>
+                              </m:r>
+                              <m:r>
+                                <a:rPr lang="fr-FR" i="1">
+                                  <a:latin typeface="Cambria Math" panose="02040503050406030204" pitchFamily="18" charset="0"/>
+                                  <a:ea typeface="Cambria Math" panose="02040503050406030204" pitchFamily="18" charset="0"/>
+                                </a:rPr>
+                                <m:t>∆</m:t>
+                              </m:r>
+                              <m:r>
+                                <a:rPr lang="fr-FR" i="1">
+                                  <a:latin typeface="Cambria Math" panose="02040503050406030204" pitchFamily="18" charset="0"/>
+                                  <a:ea typeface="Cambria Math" panose="02040503050406030204" pitchFamily="18" charset="0"/>
+                                </a:rPr>
+                                <m:t>𝑟</m:t>
+                              </m:r>
+                            </m:den>
+                          </m:f>
+                        </m:e>
+                      </m:d>
+                      <m:r>
+                        <a:rPr lang="fr-FR" b="0" i="1" dirty="0" smtClean="0">
+                          <a:latin typeface="Cambria Math" panose="02040503050406030204" pitchFamily="18" charset="0"/>
+                        </a:rPr>
+                        <m:t>+</m:t>
+                      </m:r>
+                      <m:sSub>
+                        <m:sSubPr>
+                          <m:ctrlPr>
+                            <a:rPr lang="fr-FR" i="1" dirty="0">
+                              <a:latin typeface="Cambria Math" panose="02040503050406030204" pitchFamily="18" charset="0"/>
+                            </a:rPr>
+                          </m:ctrlPr>
+                        </m:sSubPr>
+                        <m:e>
+                          <m:r>
+                            <m:rPr>
+                              <m:sty m:val="p"/>
+                            </m:rPr>
+                            <a:rPr lang="fr-FR" dirty="0">
+                              <a:latin typeface="Cambria Math" panose="02040503050406030204" pitchFamily="18" charset="0"/>
+                            </a:rPr>
+                            <m:t>C</m:t>
+                          </m:r>
+                        </m:e>
+                        <m:sub>
+                          <m:r>
+                            <m:rPr>
+                              <m:sty m:val="p"/>
+                            </m:rPr>
+                            <a:rPr lang="fr-FR" dirty="0">
+                              <a:latin typeface="Cambria Math" panose="02040503050406030204" pitchFamily="18" charset="0"/>
+                            </a:rPr>
+                            <m:t>i</m:t>
+                          </m:r>
+                        </m:sub>
+                      </m:sSub>
+                      <m:d>
+                        <m:dPr>
+                          <m:begChr m:val="["/>
+                          <m:endChr m:val="]"/>
+                          <m:ctrlPr>
+                            <a:rPr lang="fr-FR" i="1" dirty="0">
+                              <a:latin typeface="Cambria Math" panose="02040503050406030204" pitchFamily="18" charset="0"/>
+                            </a:rPr>
+                          </m:ctrlPr>
+                        </m:dPr>
+                        <m:e>
+                          <m:f>
+                            <m:fPr>
+                              <m:ctrlPr>
+                                <a:rPr lang="fr-FR" i="1" dirty="0">
+                                  <a:latin typeface="Cambria Math" panose="02040503050406030204" pitchFamily="18" charset="0"/>
+                                </a:rPr>
+                              </m:ctrlPr>
+                            </m:fPr>
+                            <m:num>
+                              <m:r>
+                                <a:rPr lang="fr-FR" b="0" i="1" dirty="0" smtClean="0">
+                                  <a:latin typeface="Cambria Math" panose="02040503050406030204" pitchFamily="18" charset="0"/>
+                                </a:rPr>
+                                <m:t>−2</m:t>
+                              </m:r>
+                            </m:num>
+                            <m:den>
+                              <m:r>
+                                <a:rPr lang="fr-FR" i="1">
+                                  <a:latin typeface="Cambria Math" panose="02040503050406030204" pitchFamily="18" charset="0"/>
+                                  <a:ea typeface="Cambria Math" panose="02040503050406030204" pitchFamily="18" charset="0"/>
+                                </a:rPr>
+                                <m:t>∆</m:t>
+                              </m:r>
+                              <m:r>
+                                <a:rPr lang="fr-FR" i="1">
+                                  <a:latin typeface="Cambria Math" panose="02040503050406030204" pitchFamily="18" charset="0"/>
+                                  <a:ea typeface="Cambria Math" panose="02040503050406030204" pitchFamily="18" charset="0"/>
+                                </a:rPr>
+                                <m:t>𝑟</m:t>
+                              </m:r>
+                              <m:r>
+                                <a:rPr lang="fr-FR" i="1">
+                                  <a:latin typeface="Cambria Math" panose="02040503050406030204" pitchFamily="18" charset="0"/>
+                                  <a:ea typeface="Cambria Math" panose="02040503050406030204" pitchFamily="18" charset="0"/>
+                                </a:rPr>
+                                <m:t>²</m:t>
+                              </m:r>
+                            </m:den>
+                          </m:f>
+                        </m:e>
+                      </m:d>
+                      <m:r>
+                        <a:rPr lang="fr-FR" b="0" i="1" smtClean="0">
+                          <a:latin typeface="Cambria Math" panose="02040503050406030204" pitchFamily="18" charset="0"/>
+                          <a:ea typeface="Cambria Math" panose="02040503050406030204" pitchFamily="18" charset="0"/>
+                        </a:rPr>
+                        <m:t>+</m:t>
+                      </m:r>
+                      <m:sSub>
+                        <m:sSubPr>
+                          <m:ctrlPr>
+                            <a:rPr lang="fr-FR" i="1" dirty="0">
+                              <a:latin typeface="Cambria Math" panose="02040503050406030204" pitchFamily="18" charset="0"/>
+                            </a:rPr>
+                          </m:ctrlPr>
+                        </m:sSubPr>
+                        <m:e>
+                          <m:r>
+                            <m:rPr>
+                              <m:sty m:val="p"/>
+                            </m:rPr>
+                            <a:rPr lang="fr-FR" dirty="0">
+                              <a:latin typeface="Cambria Math" panose="02040503050406030204" pitchFamily="18" charset="0"/>
+                            </a:rPr>
+                            <m:t>C</m:t>
+                          </m:r>
+                        </m:e>
+                        <m:sub>
+                          <m:r>
+                            <m:rPr>
+                              <m:sty m:val="p"/>
+                            </m:rPr>
+                            <a:rPr lang="fr-FR" dirty="0">
+                              <a:latin typeface="Cambria Math" panose="02040503050406030204" pitchFamily="18" charset="0"/>
+                            </a:rPr>
+                            <m:t>i</m:t>
+                          </m:r>
+                          <m:r>
+                            <a:rPr lang="fr-FR" b="0" i="0" dirty="0" smtClean="0">
+                              <a:latin typeface="Cambria Math" panose="02040503050406030204" pitchFamily="18" charset="0"/>
+                            </a:rPr>
+                            <m:t>+</m:t>
+                          </m:r>
+                          <m:r>
+                            <a:rPr lang="fr-FR" dirty="0">
+                              <a:latin typeface="Cambria Math" panose="02040503050406030204" pitchFamily="18" charset="0"/>
+                            </a:rPr>
+                            <m:t>1</m:t>
+                          </m:r>
+                        </m:sub>
+                      </m:sSub>
+                      <m:d>
+                        <m:dPr>
+                          <m:begChr m:val="["/>
+                          <m:endChr m:val="]"/>
+                          <m:ctrlPr>
+                            <a:rPr lang="fr-FR" i="1" dirty="0">
+                              <a:latin typeface="Cambria Math" panose="02040503050406030204" pitchFamily="18" charset="0"/>
+                            </a:rPr>
+                          </m:ctrlPr>
+                        </m:dPr>
+                        <m:e>
+                          <m:f>
+                            <m:fPr>
+                              <m:ctrlPr>
+                                <a:rPr lang="fr-FR" i="1" dirty="0">
+                                  <a:latin typeface="Cambria Math" panose="02040503050406030204" pitchFamily="18" charset="0"/>
+                                </a:rPr>
+                              </m:ctrlPr>
+                            </m:fPr>
+                            <m:num>
+                              <m:r>
+                                <a:rPr lang="fr-FR" b="0" i="1" dirty="0" smtClean="0">
+                                  <a:latin typeface="Cambria Math" panose="02040503050406030204" pitchFamily="18" charset="0"/>
+                                </a:rPr>
+                                <m:t>1</m:t>
+                              </m:r>
+                            </m:num>
+                            <m:den>
+                              <m:r>
+                                <a:rPr lang="fr-FR" i="1">
+                                  <a:latin typeface="Cambria Math" panose="02040503050406030204" pitchFamily="18" charset="0"/>
+                                  <a:ea typeface="Cambria Math" panose="02040503050406030204" pitchFamily="18" charset="0"/>
+                                </a:rPr>
+                                <m:t>∆</m:t>
+                              </m:r>
+                              <m:r>
+                                <a:rPr lang="fr-FR" i="1">
+                                  <a:latin typeface="Cambria Math" panose="02040503050406030204" pitchFamily="18" charset="0"/>
+                                  <a:ea typeface="Cambria Math" panose="02040503050406030204" pitchFamily="18" charset="0"/>
+                                </a:rPr>
+                                <m:t>𝑟</m:t>
+                              </m:r>
+                              <m:r>
+                                <a:rPr lang="fr-FR" i="1">
+                                  <a:latin typeface="Cambria Math" panose="02040503050406030204" pitchFamily="18" charset="0"/>
+                                  <a:ea typeface="Cambria Math" panose="02040503050406030204" pitchFamily="18" charset="0"/>
+                                </a:rPr>
+                                <m:t>²</m:t>
+                              </m:r>
+                            </m:den>
+                          </m:f>
+                          <m:r>
+                            <a:rPr lang="fr-FR" i="1">
+                              <a:latin typeface="Cambria Math" panose="02040503050406030204" pitchFamily="18" charset="0"/>
+                              <a:ea typeface="Cambria Math" panose="02040503050406030204" pitchFamily="18" charset="0"/>
+                            </a:rPr>
+                            <m:t>+</m:t>
+                          </m:r>
+                          <m:f>
+                            <m:fPr>
+                              <m:ctrlPr>
+                                <a:rPr lang="fr-FR" i="1">
+                                  <a:latin typeface="Cambria Math" panose="02040503050406030204" pitchFamily="18" charset="0"/>
+                                  <a:ea typeface="Cambria Math" panose="02040503050406030204" pitchFamily="18" charset="0"/>
+                                </a:rPr>
+                              </m:ctrlPr>
+                            </m:fPr>
+                            <m:num>
+                              <m:r>
+                                <a:rPr lang="fr-FR" i="1">
+                                  <a:latin typeface="Cambria Math" panose="02040503050406030204" pitchFamily="18" charset="0"/>
+                                  <a:ea typeface="Cambria Math" panose="02040503050406030204" pitchFamily="18" charset="0"/>
+                                </a:rPr>
+                                <m:t>1</m:t>
+                              </m:r>
+                            </m:num>
+                            <m:den>
+                              <m:r>
+                                <a:rPr lang="fr-FR" i="1">
+                                  <a:latin typeface="Cambria Math" panose="02040503050406030204" pitchFamily="18" charset="0"/>
+                                  <a:ea typeface="Cambria Math" panose="02040503050406030204" pitchFamily="18" charset="0"/>
+                                </a:rPr>
+                                <m:t>𝑟</m:t>
+                              </m:r>
+                              <m:r>
+                                <a:rPr lang="fr-FR" i="1">
+                                  <a:latin typeface="Cambria Math" panose="02040503050406030204" pitchFamily="18" charset="0"/>
+                                  <a:ea typeface="Cambria Math" panose="02040503050406030204" pitchFamily="18" charset="0"/>
+                                </a:rPr>
+                                <m:t>∆</m:t>
+                              </m:r>
+                              <m:r>
+                                <a:rPr lang="fr-FR" i="1">
+                                  <a:latin typeface="Cambria Math" panose="02040503050406030204" pitchFamily="18" charset="0"/>
+                                  <a:ea typeface="Cambria Math" panose="02040503050406030204" pitchFamily="18" charset="0"/>
+                                </a:rPr>
+                                <m:t>𝑟</m:t>
+                              </m:r>
+                            </m:den>
+                          </m:f>
+                        </m:e>
+                      </m:d>
+                      <m:r>
+                        <a:rPr lang="fr-FR" i="1">
+                          <a:latin typeface="Cambria Math" panose="02040503050406030204" pitchFamily="18" charset="0"/>
+                        </a:rPr>
+                        <m:t>=</m:t>
+                      </m:r>
+                      <m:f>
+                        <m:fPr>
+                          <m:ctrlPr>
+                            <a:rPr lang="fr-FR" i="1">
+                              <a:latin typeface="Cambria Math" panose="02040503050406030204" pitchFamily="18" charset="0"/>
+                              <a:ea typeface="Cambria Math" panose="02040503050406030204" pitchFamily="18" charset="0"/>
+                            </a:rPr>
+                          </m:ctrlPr>
+                        </m:fPr>
+                        <m:num>
+                          <m:r>
+                            <a:rPr lang="fr-FR" i="1">
+                              <a:latin typeface="Cambria Math" panose="02040503050406030204" pitchFamily="18" charset="0"/>
+                              <a:ea typeface="Cambria Math" panose="02040503050406030204" pitchFamily="18" charset="0"/>
+                            </a:rPr>
+                            <m:t>𝑆</m:t>
+                          </m:r>
+                        </m:num>
+                        <m:den>
+                          <m:sSub>
+                            <m:sSubPr>
+                              <m:ctrlPr>
+                                <a:rPr lang="fr-FR" i="1">
+                                  <a:latin typeface="Cambria Math" panose="02040503050406030204" pitchFamily="18" charset="0"/>
+                                  <a:ea typeface="Cambria Math" panose="02040503050406030204" pitchFamily="18" charset="0"/>
+                                </a:rPr>
+                              </m:ctrlPr>
+                            </m:sSubPr>
+                            <m:e>
+                              <m:r>
+                                <a:rPr lang="fr-FR" i="1">
+                                  <a:latin typeface="Cambria Math" panose="02040503050406030204" pitchFamily="18" charset="0"/>
+                                  <a:ea typeface="Cambria Math" panose="02040503050406030204" pitchFamily="18" charset="0"/>
+                                </a:rPr>
+                                <m:t>𝐷</m:t>
+                              </m:r>
+                            </m:e>
+                            <m:sub>
+                              <m:r>
+                                <a:rPr lang="fr-FR" i="1">
+                                  <a:latin typeface="Cambria Math" panose="02040503050406030204" pitchFamily="18" charset="0"/>
+                                  <a:ea typeface="Cambria Math" panose="02040503050406030204" pitchFamily="18" charset="0"/>
+                                </a:rPr>
+                                <m:t>𝑒𝑓𝑓</m:t>
+                              </m:r>
+                            </m:sub>
+                          </m:sSub>
+                        </m:den>
+                      </m:f>
+                    </m:oMath>
+                  </m:oMathPara>
+                </a14:m>
+                <a:endParaRPr lang="en-GB" dirty="0"/>
+              </a:p>
+            </p:txBody>
+          </p:sp>
+        </mc:Choice>
+        <mc:Fallback>
+          <p:sp>
+            <p:nvSpPr>
+              <p:cNvPr id="11" name="TextBox 10">
+                <a:extLst>
+                  <a:ext uri="{FF2B5EF4-FFF2-40B4-BE49-F238E27FC236}">
+                    <a16:creationId xmlns:a16="http://schemas.microsoft.com/office/drawing/2014/main" id="{2C5B5726-7BDA-16C2-725D-68E0A9FFBD27}"/>
+                  </a:ext>
+                </a:extLst>
+              </p:cNvPr>
+              <p:cNvSpPr txBox="1">
+                <a:spLocks noRot="1" noChangeAspect="1" noMove="1" noResize="1" noEditPoints="1" noAdjustHandles="1" noChangeArrowheads="1" noChangeShapeType="1" noTextEdit="1"/>
+              </p:cNvSpPr>
+              <p:nvPr/>
+            </p:nvSpPr>
+            <p:spPr>
+              <a:xfrm>
+                <a:off x="1610941" y="1615686"/>
+                <a:ext cx="8970117" cy="724173"/>
+              </a:xfrm>
+              <a:prstGeom prst="rect">
+                <a:avLst/>
+              </a:prstGeom>
+              <a:blipFill>
+                <a:blip r:embed="rId4"/>
+                <a:stretch>
+                  <a:fillRect/>
+                </a:stretch>
+              </a:blipFill>
+            </p:spPr>
+            <p:txBody>
+              <a:bodyPr/>
+              <a:lstStyle/>
+              <a:p>
+                <a:r>
+                  <a:rPr lang="en-GB">
+                    <a:noFill/>
+                  </a:rPr>
+                  <a:t> </a:t>
+                </a:r>
+              </a:p>
+            </p:txBody>
+          </p:sp>
+        </mc:Fallback>
+      </mc:AlternateContent>
+      <p:sp>
+        <p:nvSpPr>
+          <p:cNvPr id="12" name="TextBox 11">
+            <a:extLst>
+              <a:ext uri="{FF2B5EF4-FFF2-40B4-BE49-F238E27FC236}">
+                <a16:creationId xmlns:a16="http://schemas.microsoft.com/office/drawing/2014/main" id="{2443DA39-C273-D2B8-F9E1-87B2F44BDC42}"/>
+              </a:ext>
+            </a:extLst>
+          </p:cNvPr>
+          <p:cNvSpPr txBox="1"/>
+          <p:nvPr/>
+        </p:nvSpPr>
+        <p:spPr>
+          <a:xfrm>
+            <a:off x="0" y="2462969"/>
+            <a:ext cx="12192000" cy="369332"/>
+          </a:xfrm>
+          <a:prstGeom prst="rect">
+            <a:avLst/>
+          </a:prstGeom>
+          <a:noFill/>
+        </p:spPr>
+        <p:txBody>
+          <a:bodyPr wrap="square" rtlCol="0">
+            <a:spAutoFit/>
+          </a:bodyPr>
+          <a:lstStyle/>
+          <a:p>
+            <a:pPr algn="just"/>
+            <a:r>
+              <a:rPr lang="fr-FR" dirty="0">
+                <a:latin typeface="Times New Roman" panose="02020603050405020304" pitchFamily="18" charset="0"/>
+                <a:cs typeface="Times New Roman" panose="02020603050405020304" pitchFamily="18" charset="0"/>
+              </a:rPr>
+              <a:t>Les deux schémas étant d’ordre 2, il est attendu que l’ordre de convergence soit également d’ordre 2. </a:t>
+            </a:r>
+            <a:endParaRPr lang="en-GB" dirty="0">
+              <a:latin typeface="Times New Roman" panose="02020603050405020304" pitchFamily="18" charset="0"/>
+              <a:cs typeface="Times New Roman" panose="02020603050405020304" pitchFamily="18" charset="0"/>
+            </a:endParaRPr>
+          </a:p>
+        </p:txBody>
+      </p:sp>
     </p:spTree>
     <p:extLst>
       <p:ext uri="{BB962C8B-B14F-4D97-AF65-F5344CB8AC3E}">
         <p14:creationId xmlns:p14="http://schemas.microsoft.com/office/powerpoint/2010/main" val="1452944335"/>
-      </p:ext>
-    </p:extLst>
-  </p:cSld>
-  <p:clrMapOvr>
-    <a:masterClrMapping/>
-  </p:clrMapOvr>
-</p:sld>
-</file>
-
-<file path=ppt/slides/slide8.xml><?xml version="1.0" encoding="utf-8"?>
-<p:sld xmlns:a="http://schemas.openxmlformats.org/drawingml/2006/main" xmlns:r="http://schemas.openxmlformats.org/officeDocument/2006/relationships" xmlns:p="http://schemas.openxmlformats.org/presentationml/2006/main">
-  <p:cSld>
-    <p:spTree>
-      <p:nvGrpSpPr>
-        <p:cNvPr id="1" name="">
-          <a:extLst>
-            <a:ext uri="{FF2B5EF4-FFF2-40B4-BE49-F238E27FC236}">
-              <a16:creationId xmlns:a16="http://schemas.microsoft.com/office/drawing/2014/main" id="{E32A3468-E453-4E52-FF0E-861E8F810F98}"/>
-            </a:ext>
-          </a:extLst>
-        </p:cNvPr>
-        <p:cNvGrpSpPr/>
-        <p:nvPr/>
-      </p:nvGrpSpPr>
-      <p:grpSpPr>
-        <a:xfrm>
-          <a:off x="0" y="0"/>
-          <a:ext cx="0" cy="0"/>
-          <a:chOff x="0" y="0"/>
-          <a:chExt cx="0" cy="0"/>
-        </a:xfrm>
-      </p:grpSpPr>
-    </p:spTree>
-    <p:extLst>
-      <p:ext uri="{BB962C8B-B14F-4D97-AF65-F5344CB8AC3E}">
-        <p14:creationId xmlns:p14="http://schemas.microsoft.com/office/powerpoint/2010/main" val="3272513737"/>
       </p:ext>
     </p:extLst>
   </p:cSld>

--- a/doc/Rapport_Devoir1.pptx
+++ b/doc/Rapport_Devoir1.pptx
@@ -124,7 +124,7 @@
 <file path=ppt/revisionInfo.xml><?xml version="1.0" encoding="utf-8"?>
 <p1510:revInfo xmlns:a="http://schemas.openxmlformats.org/drawingml/2006/main" xmlns:r="http://schemas.openxmlformats.org/officeDocument/2006/relationships" xmlns:p1510="http://schemas.microsoft.com/office/powerpoint/2015/10/main">
   <p1510:revLst>
-    <p1510:client id="{8625411A-B743-4065-8137-36E899DC5753}" v="1605" dt="2025-02-05T21:05:21.542"/>
+    <p1510:client id="{8625411A-B743-4065-8137-36E899DC5753}" v="1611" dt="2025-02-06T18:53:35.674"/>
   </p1510:revLst>
 </p1510:revInfo>
 </file>
@@ -134,7 +134,7 @@
   <pc:docChgLst>
     <pc:chgData name="François GLEYZON" userId="a2d04f23f7faf3ef" providerId="LiveId" clId="{8625411A-B743-4065-8137-36E899DC5753}"/>
     <pc:docChg chg="undo custSel addSld delSld modSld">
-      <pc:chgData name="François GLEYZON" userId="a2d04f23f7faf3ef" providerId="LiveId" clId="{8625411A-B743-4065-8137-36E899DC5753}" dt="2025-02-05T21:05:43.590" v="4304" actId="14100"/>
+      <pc:chgData name="François GLEYZON" userId="a2d04f23f7faf3ef" providerId="LiveId" clId="{8625411A-B743-4065-8137-36E899DC5753}" dt="2025-02-06T18:54:35.477" v="4531" actId="20577"/>
       <pc:docMkLst>
         <pc:docMk/>
       </pc:docMkLst>
@@ -150,30 +150,6 @@
             <pc:docMk/>
             <pc:sldMk cId="2487955664" sldId="257"/>
             <ac:spMk id="2" creationId="{0DD9D8E2-6A02-3C17-6B4A-972E3FEF8B78}"/>
-          </ac:spMkLst>
-        </pc:spChg>
-        <pc:spChg chg="add del mod">
-          <ac:chgData name="François GLEYZON" userId="a2d04f23f7faf3ef" providerId="LiveId" clId="{8625411A-B743-4065-8137-36E899DC5753}" dt="2025-02-04T18:52:07.300" v="1908" actId="478"/>
-          <ac:spMkLst>
-            <pc:docMk/>
-            <pc:sldMk cId="2487955664" sldId="257"/>
-            <ac:spMk id="3" creationId="{E62431D9-2636-A7B1-898F-02A5DB31DD57}"/>
-          </ac:spMkLst>
-        </pc:spChg>
-        <pc:spChg chg="add mod">
-          <ac:chgData name="François GLEYZON" userId="a2d04f23f7faf3ef" providerId="LiveId" clId="{8625411A-B743-4065-8137-36E899DC5753}" dt="2025-02-04T18:29:29.338" v="685"/>
-          <ac:spMkLst>
-            <pc:docMk/>
-            <pc:sldMk cId="2487955664" sldId="257"/>
-            <ac:spMk id="4" creationId="{579C9CB9-D7ED-45E0-9EA8-85F9E8F6AD6B}"/>
-          </ac:spMkLst>
-        </pc:spChg>
-        <pc:spChg chg="add mod">
-          <ac:chgData name="François GLEYZON" userId="a2d04f23f7faf3ef" providerId="LiveId" clId="{8625411A-B743-4065-8137-36E899DC5753}" dt="2025-02-04T18:29:29.338" v="685"/>
-          <ac:spMkLst>
-            <pc:docMk/>
-            <pc:sldMk cId="2487955664" sldId="257"/>
-            <ac:spMk id="5" creationId="{53107436-BD84-D769-4A71-8458FB70265E}"/>
           </ac:spMkLst>
         </pc:spChg>
         <pc:spChg chg="add mod">
@@ -231,14 +207,6 @@
           <pc:docMk/>
           <pc:sldMk cId="3497435959" sldId="258"/>
         </pc:sldMkLst>
-        <pc:spChg chg="add del mod">
-          <ac:chgData name="François GLEYZON" userId="a2d04f23f7faf3ef" providerId="LiveId" clId="{8625411A-B743-4065-8137-36E899DC5753}" dt="2025-02-04T18:52:11.340" v="1910" actId="478"/>
-          <ac:spMkLst>
-            <pc:docMk/>
-            <pc:sldMk cId="3497435959" sldId="258"/>
-            <ac:spMk id="2" creationId="{9980E12F-47BB-7010-959B-353A90CC8151}"/>
-          </ac:spMkLst>
-        </pc:spChg>
         <pc:spChg chg="add mod">
           <ac:chgData name="François GLEYZON" userId="a2d04f23f7faf3ef" providerId="LiveId" clId="{8625411A-B743-4065-8137-36E899DC5753}" dt="2025-02-04T18:33:54.751" v="902" actId="14100"/>
           <ac:spMkLst>
@@ -269,14 +237,6 @@
             <pc:docMk/>
             <pc:sldMk cId="3497435959" sldId="258"/>
             <ac:spMk id="7" creationId="{0DE0C8D9-3B6A-5353-D429-49011476A1F8}"/>
-          </ac:spMkLst>
-        </pc:spChg>
-        <pc:spChg chg="add mod">
-          <ac:chgData name="François GLEYZON" userId="a2d04f23f7faf3ef" providerId="LiveId" clId="{8625411A-B743-4065-8137-36E899DC5753}" dt="2025-02-04T18:35:26.611" v="1048"/>
-          <ac:spMkLst>
-            <pc:docMk/>
-            <pc:sldMk cId="3497435959" sldId="258"/>
-            <ac:spMk id="8" creationId="{5C14979E-CF8D-8EC2-5F59-1EA677872EBD}"/>
           </ac:spMkLst>
         </pc:spChg>
         <pc:spChg chg="add mod">
@@ -317,14 +277,6 @@
             <pc:docMk/>
             <pc:sldMk cId="3497435959" sldId="258"/>
             <ac:spMk id="13" creationId="{3C68DC94-F6BA-F627-DAD0-C1726F459CF5}"/>
-          </ac:spMkLst>
-        </pc:spChg>
-        <pc:spChg chg="add del mod">
-          <ac:chgData name="François GLEYZON" userId="a2d04f23f7faf3ef" providerId="LiveId" clId="{8625411A-B743-4065-8137-36E899DC5753}" dt="2025-02-04T18:39:56.024" v="1318"/>
-          <ac:spMkLst>
-            <pc:docMk/>
-            <pc:sldMk cId="3497435959" sldId="258"/>
-            <ac:spMk id="14" creationId="{683E47A3-07A6-0B32-FF6E-2344FBEE3BCA}"/>
           </ac:spMkLst>
         </pc:spChg>
         <pc:spChg chg="add mod">
@@ -678,8 +630,8 @@
           </ac:picMkLst>
         </pc:picChg>
       </pc:sldChg>
-      <pc:sldChg chg="addSp modSp mod">
-        <pc:chgData name="François GLEYZON" userId="a2d04f23f7faf3ef" providerId="LiveId" clId="{8625411A-B743-4065-8137-36E899DC5753}" dt="2025-02-05T21:05:43.590" v="4304" actId="14100"/>
+      <pc:sldChg chg="addSp delSp modSp mod">
+        <pc:chgData name="François GLEYZON" userId="a2d04f23f7faf3ef" providerId="LiveId" clId="{8625411A-B743-4065-8137-36E899DC5753}" dt="2025-02-06T18:54:35.477" v="4531" actId="20577"/>
         <pc:sldMkLst>
           <pc:docMk/>
           <pc:sldMk cId="1452944335" sldId="261"/>
@@ -765,11 +717,27 @@
           </ac:spMkLst>
         </pc:spChg>
         <pc:spChg chg="add mod">
-          <ac:chgData name="François GLEYZON" userId="a2d04f23f7faf3ef" providerId="LiveId" clId="{8625411A-B743-4065-8137-36E899DC5753}" dt="2025-02-05T21:05:43.590" v="4304" actId="14100"/>
+          <ac:chgData name="François GLEYZON" userId="a2d04f23f7faf3ef" providerId="LiveId" clId="{8625411A-B743-4065-8137-36E899DC5753}" dt="2025-02-06T18:54:35.477" v="4531" actId="20577"/>
           <ac:spMkLst>
             <pc:docMk/>
             <pc:sldMk cId="1452944335" sldId="261"/>
             <ac:spMk id="12" creationId="{2443DA39-C273-D2B8-F9E1-87B2F44BDC42}"/>
+          </ac:spMkLst>
+        </pc:spChg>
+        <pc:spChg chg="add del mod">
+          <ac:chgData name="François GLEYZON" userId="a2d04f23f7faf3ef" providerId="LiveId" clId="{8625411A-B743-4065-8137-36E899DC5753}" dt="2025-02-06T18:54:02.693" v="4467" actId="478"/>
+          <ac:spMkLst>
+            <pc:docMk/>
+            <pc:sldMk cId="1452944335" sldId="261"/>
+            <ac:spMk id="13" creationId="{C5B0B460-539A-B138-8DED-7EBE78A05B9F}"/>
+          </ac:spMkLst>
+        </pc:spChg>
+        <pc:spChg chg="add del mod">
+          <ac:chgData name="François GLEYZON" userId="a2d04f23f7faf3ef" providerId="LiveId" clId="{8625411A-B743-4065-8137-36E899DC5753}" dt="2025-02-06T18:54:01.947" v="4466" actId="478"/>
+          <ac:spMkLst>
+            <pc:docMk/>
+            <pc:sldMk cId="1452944335" sldId="261"/>
+            <ac:spMk id="14" creationId="{2D00753C-DF92-A883-5D99-CD649DDFF88A}"/>
           </ac:spMkLst>
         </pc:spChg>
       </pc:sldChg>
@@ -994,14 +962,6 @@
             <ac:spMk id="39" creationId="{AECA565B-75E5-1F68-434E-112D93E38360}"/>
           </ac:spMkLst>
         </pc:spChg>
-        <pc:picChg chg="add del">
-          <ac:chgData name="François GLEYZON" userId="a2d04f23f7faf3ef" providerId="LiveId" clId="{8625411A-B743-4065-8137-36E899DC5753}" dt="2025-02-04T18:51:58.221" v="1907" actId="478"/>
-          <ac:picMkLst>
-            <pc:docMk/>
-            <pc:sldMk cId="1966793551" sldId="265"/>
-            <ac:picMk id="38" creationId="{A105F045-C80A-4125-CDB1-74BE250F1943}"/>
-          </ac:picMkLst>
-        </pc:picChg>
         <pc:cxnChg chg="add mod">
           <ac:chgData name="François GLEYZON" userId="a2d04f23f7faf3ef" providerId="LiveId" clId="{8625411A-B743-4065-8137-36E899DC5753}" dt="2025-02-04T18:20:39.044" v="149" actId="1038"/>
           <ac:cxnSpMkLst>
@@ -1362,7 +1322,7 @@
           <a:p>
             <a:fld id="{CEFDEF93-0E3A-4A89-BC16-F38BAE82060D}" type="datetimeFigureOut">
               <a:rPr lang="en-GB" smtClean="0"/>
-              <a:t>05/02/2025</a:t>
+              <a:t>06/02/2025</a:t>
             </a:fld>
             <a:endParaRPr lang="en-GB"/>
           </a:p>
@@ -1562,7 +1522,7 @@
           <a:p>
             <a:fld id="{CEFDEF93-0E3A-4A89-BC16-F38BAE82060D}" type="datetimeFigureOut">
               <a:rPr lang="en-GB" smtClean="0"/>
-              <a:t>05/02/2025</a:t>
+              <a:t>06/02/2025</a:t>
             </a:fld>
             <a:endParaRPr lang="en-GB"/>
           </a:p>
@@ -1772,7 +1732,7 @@
           <a:p>
             <a:fld id="{CEFDEF93-0E3A-4A89-BC16-F38BAE82060D}" type="datetimeFigureOut">
               <a:rPr lang="en-GB" smtClean="0"/>
-              <a:t>05/02/2025</a:t>
+              <a:t>06/02/2025</a:t>
             </a:fld>
             <a:endParaRPr lang="en-GB"/>
           </a:p>
@@ -1972,7 +1932,7 @@
           <a:p>
             <a:fld id="{CEFDEF93-0E3A-4A89-BC16-F38BAE82060D}" type="datetimeFigureOut">
               <a:rPr lang="en-GB" smtClean="0"/>
-              <a:t>05/02/2025</a:t>
+              <a:t>06/02/2025</a:t>
             </a:fld>
             <a:endParaRPr lang="en-GB"/>
           </a:p>
@@ -2248,7 +2208,7 @@
           <a:p>
             <a:fld id="{CEFDEF93-0E3A-4A89-BC16-F38BAE82060D}" type="datetimeFigureOut">
               <a:rPr lang="en-GB" smtClean="0"/>
-              <a:t>05/02/2025</a:t>
+              <a:t>06/02/2025</a:t>
             </a:fld>
             <a:endParaRPr lang="en-GB"/>
           </a:p>
@@ -2516,7 +2476,7 @@
           <a:p>
             <a:fld id="{CEFDEF93-0E3A-4A89-BC16-F38BAE82060D}" type="datetimeFigureOut">
               <a:rPr lang="en-GB" smtClean="0"/>
-              <a:t>05/02/2025</a:t>
+              <a:t>06/02/2025</a:t>
             </a:fld>
             <a:endParaRPr lang="en-GB"/>
           </a:p>
@@ -2931,7 +2891,7 @@
           <a:p>
             <a:fld id="{CEFDEF93-0E3A-4A89-BC16-F38BAE82060D}" type="datetimeFigureOut">
               <a:rPr lang="en-GB" smtClean="0"/>
-              <a:t>05/02/2025</a:t>
+              <a:t>06/02/2025</a:t>
             </a:fld>
             <a:endParaRPr lang="en-GB"/>
           </a:p>
@@ -3073,7 +3033,7 @@
           <a:p>
             <a:fld id="{CEFDEF93-0E3A-4A89-BC16-F38BAE82060D}" type="datetimeFigureOut">
               <a:rPr lang="en-GB" smtClean="0"/>
-              <a:t>05/02/2025</a:t>
+              <a:t>06/02/2025</a:t>
             </a:fld>
             <a:endParaRPr lang="en-GB"/>
           </a:p>
@@ -3186,7 +3146,7 @@
           <a:p>
             <a:fld id="{CEFDEF93-0E3A-4A89-BC16-F38BAE82060D}" type="datetimeFigureOut">
               <a:rPr lang="en-GB" smtClean="0"/>
-              <a:t>05/02/2025</a:t>
+              <a:t>06/02/2025</a:t>
             </a:fld>
             <a:endParaRPr lang="en-GB"/>
           </a:p>
@@ -3499,7 +3459,7 @@
           <a:p>
             <a:fld id="{CEFDEF93-0E3A-4A89-BC16-F38BAE82060D}" type="datetimeFigureOut">
               <a:rPr lang="en-GB" smtClean="0"/>
-              <a:t>05/02/2025</a:t>
+              <a:t>06/02/2025</a:t>
             </a:fld>
             <a:endParaRPr lang="en-GB"/>
           </a:p>
@@ -3788,7 +3748,7 @@
           <a:p>
             <a:fld id="{CEFDEF93-0E3A-4A89-BC16-F38BAE82060D}" type="datetimeFigureOut">
               <a:rPr lang="en-GB" smtClean="0"/>
-              <a:t>05/02/2025</a:t>
+              <a:t>06/02/2025</a:t>
             </a:fld>
             <a:endParaRPr lang="en-GB"/>
           </a:p>
@@ -4031,7 +3991,7 @@
           <a:p>
             <a:fld id="{CEFDEF93-0E3A-4A89-BC16-F38BAE82060D}" type="datetimeFigureOut">
               <a:rPr lang="en-GB" smtClean="0"/>
-              <a:t>05/02/2025</a:t>
+              <a:t>06/02/2025</a:t>
             </a:fld>
             <a:endParaRPr lang="en-GB"/>
           </a:p>
@@ -14487,8 +14447,8 @@
           </p:sp>
         </mc:Fallback>
       </mc:AlternateContent>
-      <mc:AlternateContent xmlns:mc="http://schemas.openxmlformats.org/markup-compatibility/2006">
-        <mc:Choice xmlns:a14="http://schemas.microsoft.com/office/drawing/2010/main" Requires="a14">
+      <mc:AlternateContent xmlns:mc="http://schemas.openxmlformats.org/markup-compatibility/2006" xmlns:a14="http://schemas.microsoft.com/office/drawing/2010/main">
+        <mc:Choice Requires="a14">
           <p:sp>
             <p:nvSpPr>
               <p:cNvPr id="14" name="TextBox 13">
@@ -16209,7 +16169,7 @@
             </p:txBody>
           </p:sp>
         </mc:Choice>
-        <mc:Fallback>
+        <mc:Fallback xmlns="">
           <p:sp>
             <p:nvSpPr>
               <p:cNvPr id="14" name="TextBox 13">
@@ -16254,8 +16214,8 @@
           </p:sp>
         </mc:Fallback>
       </mc:AlternateContent>
-      <mc:AlternateContent xmlns:mc="http://schemas.openxmlformats.org/markup-compatibility/2006">
-        <mc:Choice xmlns:a14="http://schemas.microsoft.com/office/drawing/2010/main" Requires="a14">
+      <mc:AlternateContent xmlns:mc="http://schemas.openxmlformats.org/markup-compatibility/2006" xmlns:a14="http://schemas.microsoft.com/office/drawing/2010/main">
+        <mc:Choice Requires="a14">
           <p:sp>
             <p:nvSpPr>
               <p:cNvPr id="13" name="TextBox 12">
@@ -16470,7 +16430,7 @@
             </p:txBody>
           </p:sp>
         </mc:Choice>
-        <mc:Fallback>
+        <mc:Fallback xmlns="">
           <p:sp>
             <p:nvSpPr>
               <p:cNvPr id="13" name="TextBox 12">
@@ -16515,8 +16475,8 @@
           </p:sp>
         </mc:Fallback>
       </mc:AlternateContent>
-      <mc:AlternateContent xmlns:mc="http://schemas.openxmlformats.org/markup-compatibility/2006">
-        <mc:Choice xmlns:a14="http://schemas.microsoft.com/office/drawing/2010/main" Requires="a14">
+      <mc:AlternateContent xmlns:mc="http://schemas.openxmlformats.org/markup-compatibility/2006" xmlns:a14="http://schemas.microsoft.com/office/drawing/2010/main">
+        <mc:Choice Requires="a14">
           <p:sp>
             <p:nvSpPr>
               <p:cNvPr id="15" name="TextBox 14">
@@ -16545,6 +16505,7 @@
               </a:bodyPr>
               <a:lstStyle/>
               <a:p>
+                <a:pPr/>
                 <a14:m>
                   <m:oMathPara xmlns:m="http://schemas.openxmlformats.org/officeDocument/2006/math">
                     <m:oMathParaPr>
@@ -17926,7 +17887,7 @@
             </p:txBody>
           </p:sp>
         </mc:Choice>
-        <mc:Fallback>
+        <mc:Fallback xmlns="">
           <p:sp>
             <p:nvSpPr>
               <p:cNvPr id="15" name="TextBox 14">
@@ -18536,8 +18497,8 @@
           </a:p>
         </p:txBody>
       </p:sp>
-      <mc:AlternateContent xmlns:mc="http://schemas.openxmlformats.org/markup-compatibility/2006">
-        <mc:Choice xmlns:a14="http://schemas.microsoft.com/office/drawing/2010/main" Requires="a14">
+      <mc:AlternateContent xmlns:mc="http://schemas.openxmlformats.org/markup-compatibility/2006" xmlns:a14="http://schemas.microsoft.com/office/drawing/2010/main">
+        <mc:Choice Requires="a14">
           <p:sp>
             <p:nvSpPr>
               <p:cNvPr id="25" name="TextBox 24">
@@ -18688,7 +18649,7 @@
             </p:txBody>
           </p:sp>
         </mc:Choice>
-        <mc:Fallback>
+        <mc:Fallback xmlns="">
           <p:sp>
             <p:nvSpPr>
               <p:cNvPr id="25" name="TextBox 24">
@@ -18995,8 +18956,8 @@
           </a:p>
         </p:txBody>
       </p:sp>
-      <mc:AlternateContent xmlns:mc="http://schemas.openxmlformats.org/markup-compatibility/2006">
-        <mc:Choice xmlns:a14="http://schemas.microsoft.com/office/drawing/2010/main" Requires="a14">
+      <mc:AlternateContent xmlns:mc="http://schemas.openxmlformats.org/markup-compatibility/2006" xmlns:a14="http://schemas.microsoft.com/office/drawing/2010/main">
+        <mc:Choice Requires="a14">
           <p:sp>
             <p:nvSpPr>
               <p:cNvPr id="13" name="TextBox 12">
@@ -19038,7 +18999,7 @@
                     <m:sSub>
                       <m:sSubPr>
                         <m:ctrlPr>
-                          <a:rPr lang="fr-FR" b="0" i="0" smtClean="0">
+                          <a:rPr lang="fr-FR" b="0" i="1" smtClean="0">
                             <a:latin typeface="Cambria Math" panose="02040503050406030204" pitchFamily="18" charset="0"/>
                             <a:cs typeface="Times New Roman" panose="02020603050405020304" pitchFamily="18" charset="0"/>
                           </a:rPr>
@@ -19083,7 +19044,7 @@
             </p:txBody>
           </p:sp>
         </mc:Choice>
-        <mc:Fallback>
+        <mc:Fallback xmlns="">
           <p:sp>
             <p:nvSpPr>
               <p:cNvPr id="13" name="TextBox 12">
@@ -19128,8 +19089,8 @@
           </p:sp>
         </mc:Fallback>
       </mc:AlternateContent>
-      <mc:AlternateContent xmlns:mc="http://schemas.openxmlformats.org/markup-compatibility/2006">
-        <mc:Choice xmlns:a14="http://schemas.microsoft.com/office/drawing/2010/main" Requires="a14">
+      <mc:AlternateContent xmlns:mc="http://schemas.openxmlformats.org/markup-compatibility/2006" xmlns:a14="http://schemas.microsoft.com/office/drawing/2010/main">
+        <mc:Choice Requires="a14">
           <p:sp>
             <p:nvSpPr>
               <p:cNvPr id="14" name="TextBox 13">
@@ -19171,7 +19132,7 @@
                     <m:sSub>
                       <m:sSubPr>
                         <m:ctrlPr>
-                          <a:rPr lang="fr-FR" b="0" i="0" smtClean="0">
+                          <a:rPr lang="fr-FR" b="0" i="1" smtClean="0">
                             <a:latin typeface="Cambria Math" panose="02040503050406030204" pitchFamily="18" charset="0"/>
                             <a:cs typeface="Times New Roman" panose="02020603050405020304" pitchFamily="18" charset="0"/>
                           </a:rPr>
@@ -19216,7 +19177,7 @@
             </p:txBody>
           </p:sp>
         </mc:Choice>
-        <mc:Fallback>
+        <mc:Fallback xmlns="">
           <p:sp>
             <p:nvSpPr>
               <p:cNvPr id="14" name="TextBox 13">
@@ -19261,8 +19222,8 @@
           </p:sp>
         </mc:Fallback>
       </mc:AlternateContent>
-      <mc:AlternateContent xmlns:mc="http://schemas.openxmlformats.org/markup-compatibility/2006">
-        <mc:Choice xmlns:a14="http://schemas.microsoft.com/office/drawing/2010/main" Requires="a14">
+      <mc:AlternateContent xmlns:mc="http://schemas.openxmlformats.org/markup-compatibility/2006" xmlns:a14="http://schemas.microsoft.com/office/drawing/2010/main">
+        <mc:Choice Requires="a14">
           <p:sp>
             <p:nvSpPr>
               <p:cNvPr id="15" name="TextBox 14">
@@ -19304,7 +19265,7 @@
                     <m:sSub>
                       <m:sSubPr>
                         <m:ctrlPr>
-                          <a:rPr lang="fr-FR" b="0" i="0" smtClean="0">
+                          <a:rPr lang="fr-FR" b="0" i="1" smtClean="0">
                             <a:latin typeface="Cambria Math" panose="02040503050406030204" pitchFamily="18" charset="0"/>
                             <a:ea typeface="Cambria Math" panose="02040503050406030204" pitchFamily="18" charset="0"/>
                             <a:cs typeface="Times New Roman" panose="02020603050405020304" pitchFamily="18" charset="0"/>
@@ -19363,7 +19324,7 @@
             </p:txBody>
           </p:sp>
         </mc:Choice>
-        <mc:Fallback>
+        <mc:Fallback xmlns="">
           <p:sp>
             <p:nvSpPr>
               <p:cNvPr id="15" name="TextBox 14">
@@ -19408,8 +19369,8 @@
           </p:sp>
         </mc:Fallback>
       </mc:AlternateContent>
-      <mc:AlternateContent xmlns:mc="http://schemas.openxmlformats.org/markup-compatibility/2006">
-        <mc:Choice xmlns:a14="http://schemas.microsoft.com/office/drawing/2010/main" Requires="a14">
+      <mc:AlternateContent xmlns:mc="http://schemas.openxmlformats.org/markup-compatibility/2006" xmlns:a14="http://schemas.microsoft.com/office/drawing/2010/main">
+        <mc:Choice Requires="a14">
           <p:sp>
             <p:nvSpPr>
               <p:cNvPr id="16" name="TextBox 15">
@@ -19495,7 +19456,7 @@
             </p:txBody>
           </p:sp>
         </mc:Choice>
-        <mc:Fallback>
+        <mc:Fallback xmlns="">
           <p:sp>
             <p:nvSpPr>
               <p:cNvPr id="16" name="TextBox 15">
@@ -19772,8 +19733,8 @@
           </a:p>
         </p:txBody>
       </p:sp>
-      <mc:AlternateContent xmlns:mc="http://schemas.openxmlformats.org/markup-compatibility/2006">
-        <mc:Choice xmlns:a14="http://schemas.microsoft.com/office/drawing/2010/main" Requires="a14">
+      <mc:AlternateContent xmlns:mc="http://schemas.openxmlformats.org/markup-compatibility/2006" xmlns:a14="http://schemas.microsoft.com/office/drawing/2010/main">
+        <mc:Choice Requires="a14">
           <p:sp>
             <p:nvSpPr>
               <p:cNvPr id="6" name="TextBox 5">
@@ -19993,7 +19954,7 @@
             </p:txBody>
           </p:sp>
         </mc:Choice>
-        <mc:Fallback>
+        <mc:Fallback xmlns="">
           <p:sp>
             <p:nvSpPr>
               <p:cNvPr id="6" name="TextBox 5">
@@ -20038,8 +19999,8 @@
           </p:sp>
         </mc:Fallback>
       </mc:AlternateContent>
-      <mc:AlternateContent xmlns:mc="http://schemas.openxmlformats.org/markup-compatibility/2006">
-        <mc:Choice xmlns:a14="http://schemas.microsoft.com/office/drawing/2010/main" Requires="a14">
+      <mc:AlternateContent xmlns:mc="http://schemas.openxmlformats.org/markup-compatibility/2006" xmlns:a14="http://schemas.microsoft.com/office/drawing/2010/main">
+        <mc:Choice Requires="a14">
           <p:sp>
             <p:nvSpPr>
               <p:cNvPr id="7" name="TextBox 6">
@@ -20309,7 +20270,7 @@
             </p:txBody>
           </p:sp>
         </mc:Choice>
-        <mc:Fallback>
+        <mc:Fallback xmlns="">
           <p:sp>
             <p:nvSpPr>
               <p:cNvPr id="7" name="TextBox 6">
@@ -20483,8 +20444,8 @@
           </a:p>
         </p:txBody>
       </p:sp>
-      <mc:AlternateContent xmlns:mc="http://schemas.openxmlformats.org/markup-compatibility/2006">
-        <mc:Choice xmlns:a14="http://schemas.microsoft.com/office/drawing/2010/main" Requires="a14">
+      <mc:AlternateContent xmlns:mc="http://schemas.openxmlformats.org/markup-compatibility/2006" xmlns:a14="http://schemas.microsoft.com/office/drawing/2010/main">
+        <mc:Choice Requires="a14">
           <p:sp>
             <p:nvSpPr>
               <p:cNvPr id="11" name="TextBox 10">
@@ -21142,7 +21103,7 @@
             </p:txBody>
           </p:sp>
         </mc:Choice>
-        <mc:Fallback>
+        <mc:Fallback xmlns="">
           <p:sp>
             <p:nvSpPr>
               <p:cNvPr id="11" name="TextBox 10">
@@ -21202,7 +21163,7 @@
         <p:spPr>
           <a:xfrm>
             <a:off x="0" y="2462969"/>
-            <a:ext cx="12192000" cy="369332"/>
+            <a:ext cx="12192000" cy="646331"/>
           </a:xfrm>
           <a:prstGeom prst="rect">
             <a:avLst/>
@@ -21221,7 +21182,7 @@
                 <a:latin typeface="Times New Roman" panose="02020603050405020304" pitchFamily="18" charset="0"/>
                 <a:cs typeface="Times New Roman" panose="02020603050405020304" pitchFamily="18" charset="0"/>
               </a:rPr>
-              <a:t>Les deux schémas étant d’ordre 2, il est attendu que l’ordre de convergence soit également d’ordre 2. </a:t>
+              <a:t>Les deux schémas étant d’ordre 2, il est attendu que l’ordre de convergence soit également d’ordre 2. De manière similaire à précédemment, on peut vérifier ce code.  </a:t>
             </a:r>
             <a:endParaRPr lang="en-GB" dirty="0">
               <a:latin typeface="Times New Roman" panose="02020603050405020304" pitchFamily="18" charset="0"/>

--- a/doc/Rapport_Devoir1.pptx
+++ b/doc/Rapport_Devoir1.pptx
@@ -124,7 +124,7 @@
 <file path=ppt/revisionInfo.xml><?xml version="1.0" encoding="utf-8"?>
 <p1510:revInfo xmlns:a="http://schemas.openxmlformats.org/drawingml/2006/main" xmlns:r="http://schemas.openxmlformats.org/officeDocument/2006/relationships" xmlns:p1510="http://schemas.microsoft.com/office/powerpoint/2015/10/main">
   <p1510:revLst>
-    <p1510:client id="{8625411A-B743-4065-8137-36E899DC5753}" v="1611" dt="2025-02-06T18:53:35.674"/>
+    <p1510:client id="{8625411A-B743-4065-8137-36E899DC5753}" v="1782" dt="2025-02-06T23:30:59.181"/>
   </p1510:revLst>
 </p1510:revInfo>
 </file>
@@ -134,18 +134,89 @@
   <pc:docChgLst>
     <pc:chgData name="François GLEYZON" userId="a2d04f23f7faf3ef" providerId="LiveId" clId="{8625411A-B743-4065-8137-36E899DC5753}"/>
     <pc:docChg chg="undo custSel addSld delSld modSld">
-      <pc:chgData name="François GLEYZON" userId="a2d04f23f7faf3ef" providerId="LiveId" clId="{8625411A-B743-4065-8137-36E899DC5753}" dt="2025-02-06T18:54:35.477" v="4531" actId="20577"/>
+      <pc:chgData name="François GLEYZON" userId="a2d04f23f7faf3ef" providerId="LiveId" clId="{8625411A-B743-4065-8137-36E899DC5753}" dt="2025-02-06T23:31:37.261" v="5385" actId="20577"/>
       <pc:docMkLst>
         <pc:docMk/>
       </pc:docMkLst>
       <pc:sldChg chg="addSp delSp modSp mod">
-        <pc:chgData name="François GLEYZON" userId="a2d04f23f7faf3ef" providerId="LiveId" clId="{8625411A-B743-4065-8137-36E899DC5753}" dt="2025-02-04T18:52:07.462" v="1909"/>
+        <pc:chgData name="François GLEYZON" userId="a2d04f23f7faf3ef" providerId="LiveId" clId="{8625411A-B743-4065-8137-36E899DC5753}" dt="2025-02-06T23:30:43.077" v="5361" actId="1076"/>
+        <pc:sldMkLst>
+          <pc:docMk/>
+          <pc:sldMk cId="2801290844" sldId="256"/>
+        </pc:sldMkLst>
+        <pc:spChg chg="add mod">
+          <ac:chgData name="François GLEYZON" userId="a2d04f23f7faf3ef" providerId="LiveId" clId="{8625411A-B743-4065-8137-36E899DC5753}" dt="2025-02-06T23:28:46.660" v="5330"/>
+          <ac:spMkLst>
+            <pc:docMk/>
+            <pc:sldMk cId="2801290844" sldId="256"/>
+            <ac:spMk id="2" creationId="{1C671FC3-1B2C-746A-F6A8-77FA9A8DC743}"/>
+          </ac:spMkLst>
+        </pc:spChg>
+        <pc:spChg chg="add mod">
+          <ac:chgData name="François GLEYZON" userId="a2d04f23f7faf3ef" providerId="LiveId" clId="{8625411A-B743-4065-8137-36E899DC5753}" dt="2025-02-06T23:28:46.660" v="5330"/>
+          <ac:spMkLst>
+            <pc:docMk/>
+            <pc:sldMk cId="2801290844" sldId="256"/>
+            <ac:spMk id="3" creationId="{568554F7-B174-79F4-DC46-68D2FF64134D}"/>
+          </ac:spMkLst>
+        </pc:spChg>
+        <pc:spChg chg="add del mod">
+          <ac:chgData name="François GLEYZON" userId="a2d04f23f7faf3ef" providerId="LiveId" clId="{8625411A-B743-4065-8137-36E899DC5753}" dt="2025-02-06T23:29:40.404" v="5340" actId="478"/>
+          <ac:spMkLst>
+            <pc:docMk/>
+            <pc:sldMk cId="2801290844" sldId="256"/>
+            <ac:spMk id="6" creationId="{6D0C4FA4-B8F1-EBCC-45CF-D8349D47EA6C}"/>
+          </ac:spMkLst>
+        </pc:spChg>
+        <pc:spChg chg="add mod">
+          <ac:chgData name="François GLEYZON" userId="a2d04f23f7faf3ef" providerId="LiveId" clId="{8625411A-B743-4065-8137-36E899DC5753}" dt="2025-02-06T23:30:06.943" v="5350" actId="207"/>
+          <ac:spMkLst>
+            <pc:docMk/>
+            <pc:sldMk cId="2801290844" sldId="256"/>
+            <ac:spMk id="7" creationId="{230C37D5-1433-52B7-0A78-180B08205F17}"/>
+          </ac:spMkLst>
+        </pc:spChg>
+        <pc:spChg chg="add mod">
+          <ac:chgData name="François GLEYZON" userId="a2d04f23f7faf3ef" providerId="LiveId" clId="{8625411A-B743-4065-8137-36E899DC5753}" dt="2025-02-06T23:30:03.558" v="5349" actId="207"/>
+          <ac:spMkLst>
+            <pc:docMk/>
+            <pc:sldMk cId="2801290844" sldId="256"/>
+            <ac:spMk id="8" creationId="{C9F42401-7236-E1BF-C86A-2AA6084B3FAA}"/>
+          </ac:spMkLst>
+        </pc:spChg>
+        <pc:spChg chg="add mod">
+          <ac:chgData name="François GLEYZON" userId="a2d04f23f7faf3ef" providerId="LiveId" clId="{8625411A-B743-4065-8137-36E899DC5753}" dt="2025-02-06T23:29:52.735" v="5347" actId="1076"/>
+          <ac:spMkLst>
+            <pc:docMk/>
+            <pc:sldMk cId="2801290844" sldId="256"/>
+            <ac:spMk id="9" creationId="{D5471492-F85C-788A-940F-DC5DE2D8F51E}"/>
+          </ac:spMkLst>
+        </pc:spChg>
+        <pc:spChg chg="add mod">
+          <ac:chgData name="François GLEYZON" userId="a2d04f23f7faf3ef" providerId="LiveId" clId="{8625411A-B743-4065-8137-36E899DC5753}" dt="2025-02-06T23:30:43.077" v="5361" actId="1076"/>
+          <ac:spMkLst>
+            <pc:docMk/>
+            <pc:sldMk cId="2801290844" sldId="256"/>
+            <ac:spMk id="10" creationId="{8C55F6B5-A972-7032-5631-C5F15CB2F398}"/>
+          </ac:spMkLst>
+        </pc:spChg>
+        <pc:picChg chg="add del">
+          <ac:chgData name="François GLEYZON" userId="a2d04f23f7faf3ef" providerId="LiveId" clId="{8625411A-B743-4065-8137-36E899DC5753}" dt="2025-02-06T23:30:08.330" v="5351" actId="478"/>
+          <ac:picMkLst>
+            <pc:docMk/>
+            <pc:sldMk cId="2801290844" sldId="256"/>
+            <ac:picMk id="5" creationId="{CAF04EF2-3D75-84C5-C797-366BE43ABC59}"/>
+          </ac:picMkLst>
+        </pc:picChg>
+      </pc:sldChg>
+      <pc:sldChg chg="addSp delSp modSp mod">
+        <pc:chgData name="François GLEYZON" userId="a2d04f23f7faf3ef" providerId="LiveId" clId="{8625411A-B743-4065-8137-36E899DC5753}" dt="2025-02-06T23:31:11.565" v="5377" actId="20577"/>
         <pc:sldMkLst>
           <pc:docMk/>
           <pc:sldMk cId="2487955664" sldId="257"/>
         </pc:sldMkLst>
         <pc:spChg chg="add mod">
-          <ac:chgData name="François GLEYZON" userId="a2d04f23f7faf3ef" providerId="LiveId" clId="{8625411A-B743-4065-8137-36E899DC5753}" dt="2025-02-04T18:30:12.410" v="791" actId="20577"/>
+          <ac:chgData name="François GLEYZON" userId="a2d04f23f7faf3ef" providerId="LiveId" clId="{8625411A-B743-4065-8137-36E899DC5753}" dt="2025-02-06T23:27:58.468" v="5268" actId="20577"/>
           <ac:spMkLst>
             <pc:docMk/>
             <pc:sldMk cId="2487955664" sldId="257"/>
@@ -153,7 +224,31 @@
           </ac:spMkLst>
         </pc:spChg>
         <pc:spChg chg="add mod">
-          <ac:chgData name="François GLEYZON" userId="a2d04f23f7faf3ef" providerId="LiveId" clId="{8625411A-B743-4065-8137-36E899DC5753}" dt="2025-02-04T18:30:28.370" v="793" actId="1076"/>
+          <ac:chgData name="François GLEYZON" userId="a2d04f23f7faf3ef" providerId="LiveId" clId="{8625411A-B743-4065-8137-36E899DC5753}" dt="2025-02-06T23:23:30.511" v="4925" actId="1035"/>
+          <ac:spMkLst>
+            <pc:docMk/>
+            <pc:sldMk cId="2487955664" sldId="257"/>
+            <ac:spMk id="3" creationId="{C6304A20-79B7-2C12-19AC-070605972BB4}"/>
+          </ac:spMkLst>
+        </pc:spChg>
+        <pc:spChg chg="add mod">
+          <ac:chgData name="François GLEYZON" userId="a2d04f23f7faf3ef" providerId="LiveId" clId="{8625411A-B743-4065-8137-36E899DC5753}" dt="2025-02-06T23:23:30.511" v="4925" actId="1035"/>
+          <ac:spMkLst>
+            <pc:docMk/>
+            <pc:sldMk cId="2487955664" sldId="257"/>
+            <ac:spMk id="4" creationId="{6C8DEBA5-DA61-1066-6DD5-9ED99B65BDE2}"/>
+          </ac:spMkLst>
+        </pc:spChg>
+        <pc:spChg chg="add mod">
+          <ac:chgData name="François GLEYZON" userId="a2d04f23f7faf3ef" providerId="LiveId" clId="{8625411A-B743-4065-8137-36E899DC5753}" dt="2025-02-06T23:31:11.565" v="5377" actId="20577"/>
+          <ac:spMkLst>
+            <pc:docMk/>
+            <pc:sldMk cId="2487955664" sldId="257"/>
+            <ac:spMk id="5" creationId="{23191802-DDDD-42A4-5146-C9137EA1E7FC}"/>
+          </ac:spMkLst>
+        </pc:spChg>
+        <pc:spChg chg="add mod">
+          <ac:chgData name="François GLEYZON" userId="a2d04f23f7faf3ef" providerId="LiveId" clId="{8625411A-B743-4065-8137-36E899DC5753}" dt="2025-02-06T23:28:16.133" v="5317" actId="14100"/>
           <ac:spMkLst>
             <pc:docMk/>
             <pc:sldMk cId="2487955664" sldId="257"/>
@@ -161,7 +256,7 @@
           </ac:spMkLst>
         </pc:spChg>
         <pc:spChg chg="add mod">
-          <ac:chgData name="François GLEYZON" userId="a2d04f23f7faf3ef" providerId="LiveId" clId="{8625411A-B743-4065-8137-36E899DC5753}" dt="2025-02-04T18:32:12.883" v="842" actId="1076"/>
+          <ac:chgData name="François GLEYZON" userId="a2d04f23f7faf3ef" providerId="LiveId" clId="{8625411A-B743-4065-8137-36E899DC5753}" dt="2025-02-06T23:28:25.372" v="5329" actId="1035"/>
           <ac:spMkLst>
             <pc:docMk/>
             <pc:sldMk cId="2487955664" sldId="257"/>
@@ -169,7 +264,7 @@
           </ac:spMkLst>
         </pc:spChg>
         <pc:spChg chg="add mod">
-          <ac:chgData name="François GLEYZON" userId="a2d04f23f7faf3ef" providerId="LiveId" clId="{8625411A-B743-4065-8137-36E899DC5753}" dt="2025-02-04T18:32:10.160" v="841" actId="1076"/>
+          <ac:chgData name="François GLEYZON" userId="a2d04f23f7faf3ef" providerId="LiveId" clId="{8625411A-B743-4065-8137-36E899DC5753}" dt="2025-02-06T23:28:25.372" v="5329" actId="1035"/>
           <ac:spMkLst>
             <pc:docMk/>
             <pc:sldMk cId="2487955664" sldId="257"/>
@@ -200,13 +295,109 @@
             <ac:spMk id="11" creationId="{C368F3E9-43F6-9985-334E-21C88E71758D}"/>
           </ac:spMkLst>
         </pc:spChg>
+        <pc:spChg chg="add mod">
+          <ac:chgData name="François GLEYZON" userId="a2d04f23f7faf3ef" providerId="LiveId" clId="{8625411A-B743-4065-8137-36E899DC5753}" dt="2025-02-06T23:23:30.511" v="4925" actId="1035"/>
+          <ac:spMkLst>
+            <pc:docMk/>
+            <pc:sldMk cId="2487955664" sldId="257"/>
+            <ac:spMk id="12" creationId="{CD555B3B-1273-B030-5A00-48B9923A6D1D}"/>
+          </ac:spMkLst>
+        </pc:spChg>
+        <pc:spChg chg="add mod">
+          <ac:chgData name="François GLEYZON" userId="a2d04f23f7faf3ef" providerId="LiveId" clId="{8625411A-B743-4065-8137-36E899DC5753}" dt="2025-02-06T23:23:30.511" v="4925" actId="1035"/>
+          <ac:spMkLst>
+            <pc:docMk/>
+            <pc:sldMk cId="2487955664" sldId="257"/>
+            <ac:spMk id="16" creationId="{2DC757D9-32CE-64B4-6E3D-3D217D7E5F46}"/>
+          </ac:spMkLst>
+        </pc:spChg>
+        <pc:spChg chg="add mod">
+          <ac:chgData name="François GLEYZON" userId="a2d04f23f7faf3ef" providerId="LiveId" clId="{8625411A-B743-4065-8137-36E899DC5753}" dt="2025-02-06T23:23:30.511" v="4925" actId="1035"/>
+          <ac:spMkLst>
+            <pc:docMk/>
+            <pc:sldMk cId="2487955664" sldId="257"/>
+            <ac:spMk id="21" creationId="{3EC77938-36F5-9BEC-0F4B-506822FDA0D7}"/>
+          </ac:spMkLst>
+        </pc:spChg>
+        <pc:spChg chg="add mod">
+          <ac:chgData name="François GLEYZON" userId="a2d04f23f7faf3ef" providerId="LiveId" clId="{8625411A-B743-4065-8137-36E899DC5753}" dt="2025-02-06T23:23:30.511" v="4925" actId="1035"/>
+          <ac:spMkLst>
+            <pc:docMk/>
+            <pc:sldMk cId="2487955664" sldId="257"/>
+            <ac:spMk id="22" creationId="{076029C1-43EB-D64D-D844-7C346AFBB080}"/>
+          </ac:spMkLst>
+        </pc:spChg>
+        <pc:spChg chg="mod">
+          <ac:chgData name="François GLEYZON" userId="a2d04f23f7faf3ef" providerId="LiveId" clId="{8625411A-B743-4065-8137-36E899DC5753}" dt="2025-02-06T23:27:42.206" v="5242" actId="1036"/>
+          <ac:spMkLst>
+            <pc:docMk/>
+            <pc:sldMk cId="2487955664" sldId="257"/>
+            <ac:spMk id="27" creationId="{07EBCD55-934E-A1D6-843D-1695B2FD8ECB}"/>
+          </ac:spMkLst>
+        </pc:spChg>
+        <pc:spChg chg="add mod">
+          <ac:chgData name="François GLEYZON" userId="a2d04f23f7faf3ef" providerId="LiveId" clId="{8625411A-B743-4065-8137-36E899DC5753}" dt="2025-02-06T23:23:30.511" v="4925" actId="1035"/>
+          <ac:spMkLst>
+            <pc:docMk/>
+            <pc:sldMk cId="2487955664" sldId="257"/>
+            <ac:spMk id="28" creationId="{80F08257-A450-5C04-241D-1002B4DA1E8B}"/>
+          </ac:spMkLst>
+        </pc:spChg>
+        <pc:spChg chg="add mod">
+          <ac:chgData name="François GLEYZON" userId="a2d04f23f7faf3ef" providerId="LiveId" clId="{8625411A-B743-4065-8137-36E899DC5753}" dt="2025-02-06T23:23:30.511" v="4925" actId="1035"/>
+          <ac:spMkLst>
+            <pc:docMk/>
+            <pc:sldMk cId="2487955664" sldId="257"/>
+            <ac:spMk id="29" creationId="{CF2D0C7F-4528-1D12-5632-7B96F6D67486}"/>
+          </ac:spMkLst>
+        </pc:spChg>
+        <pc:spChg chg="add mod">
+          <ac:chgData name="François GLEYZON" userId="a2d04f23f7faf3ef" providerId="LiveId" clId="{8625411A-B743-4065-8137-36E899DC5753}" dt="2025-02-06T23:23:30.511" v="4925" actId="1035"/>
+          <ac:spMkLst>
+            <pc:docMk/>
+            <pc:sldMk cId="2487955664" sldId="257"/>
+            <ac:spMk id="30" creationId="{B95AA804-9E2B-DDFF-2C53-F06543210144}"/>
+          </ac:spMkLst>
+        </pc:spChg>
+        <pc:spChg chg="add mod">
+          <ac:chgData name="François GLEYZON" userId="a2d04f23f7faf3ef" providerId="LiveId" clId="{8625411A-B743-4065-8137-36E899DC5753}" dt="2025-02-06T23:27:42.206" v="5242" actId="1036"/>
+          <ac:spMkLst>
+            <pc:docMk/>
+            <pc:sldMk cId="2487955664" sldId="257"/>
+            <ac:spMk id="34" creationId="{FFB0AD25-EAC1-F45C-A5E3-3E651AE94BA5}"/>
+          </ac:spMkLst>
+        </pc:spChg>
+        <pc:cxnChg chg="mod">
+          <ac:chgData name="François GLEYZON" userId="a2d04f23f7faf3ef" providerId="LiveId" clId="{8625411A-B743-4065-8137-36E899DC5753}" dt="2025-02-06T23:27:42.206" v="5242" actId="1036"/>
+          <ac:cxnSpMkLst>
+            <pc:docMk/>
+            <pc:sldMk cId="2487955664" sldId="257"/>
+            <ac:cxnSpMk id="26" creationId="{8913117D-71DC-16F9-2BD3-DA9D3BA1721B}"/>
+          </ac:cxnSpMkLst>
+        </pc:cxnChg>
+        <pc:cxnChg chg="mod">
+          <ac:chgData name="François GLEYZON" userId="a2d04f23f7faf3ef" providerId="LiveId" clId="{8625411A-B743-4065-8137-36E899DC5753}" dt="2025-02-06T23:27:42.206" v="5242" actId="1036"/>
+          <ac:cxnSpMkLst>
+            <pc:docMk/>
+            <pc:sldMk cId="2487955664" sldId="257"/>
+            <ac:cxnSpMk id="32" creationId="{E7582D37-C97C-B041-C9D4-64A63AD497FB}"/>
+          </ac:cxnSpMkLst>
+        </pc:cxnChg>
       </pc:sldChg>
       <pc:sldChg chg="addSp delSp modSp mod">
-        <pc:chgData name="François GLEYZON" userId="a2d04f23f7faf3ef" providerId="LiveId" clId="{8625411A-B743-4065-8137-36E899DC5753}" dt="2025-02-04T18:52:13.693" v="1913" actId="20577"/>
+        <pc:chgData name="François GLEYZON" userId="a2d04f23f7faf3ef" providerId="LiveId" clId="{8625411A-B743-4065-8137-36E899DC5753}" dt="2025-02-06T23:31:14.856" v="5378" actId="20577"/>
         <pc:sldMkLst>
           <pc:docMk/>
           <pc:sldMk cId="3497435959" sldId="258"/>
         </pc:sldMkLst>
+        <pc:spChg chg="add mod">
+          <ac:chgData name="François GLEYZON" userId="a2d04f23f7faf3ef" providerId="LiveId" clId="{8625411A-B743-4065-8137-36E899DC5753}" dt="2025-02-06T23:31:14.856" v="5378" actId="20577"/>
+          <ac:spMkLst>
+            <pc:docMk/>
+            <pc:sldMk cId="3497435959" sldId="258"/>
+            <ac:spMk id="2" creationId="{15E3945D-6F25-3B0C-40EA-4E0819F2C4F2}"/>
+          </ac:spMkLst>
+        </pc:spChg>
         <pc:spChg chg="add mod">
           <ac:chgData name="François GLEYZON" userId="a2d04f23f7faf3ef" providerId="LiveId" clId="{8625411A-B743-4065-8137-36E899DC5753}" dt="2025-02-04T18:33:54.751" v="902" actId="14100"/>
           <ac:spMkLst>
@@ -369,7 +560,7 @@
         </pc:spChg>
       </pc:sldChg>
       <pc:sldChg chg="addSp modSp mod">
-        <pc:chgData name="François GLEYZON" userId="a2d04f23f7faf3ef" providerId="LiveId" clId="{8625411A-B743-4065-8137-36E899DC5753}" dt="2025-02-05T20:24:42.838" v="2998" actId="14100"/>
+        <pc:chgData name="François GLEYZON" userId="a2d04f23f7faf3ef" providerId="LiveId" clId="{8625411A-B743-4065-8137-36E899DC5753}" dt="2025-02-06T23:31:18.029" v="5379" actId="20577"/>
         <pc:sldMkLst>
           <pc:docMk/>
           <pc:sldMk cId="415248" sldId="259"/>
@@ -479,11 +670,19 @@
           </ac:spMkLst>
         </pc:spChg>
         <pc:spChg chg="add mod">
-          <ac:chgData name="François GLEYZON" userId="a2d04f23f7faf3ef" providerId="LiveId" clId="{8625411A-B743-4065-8137-36E899DC5753}" dt="2025-02-05T20:24:08.167" v="2990" actId="1076"/>
+          <ac:chgData name="François GLEYZON" userId="a2d04f23f7faf3ef" providerId="LiveId" clId="{8625411A-B743-4065-8137-36E899DC5753}" dt="2025-02-06T23:06:09.808" v="4533" actId="20577"/>
           <ac:spMkLst>
             <pc:docMk/>
             <pc:sldMk cId="415248" sldId="259"/>
             <ac:spMk id="15" creationId="{D0D4259A-0C98-BAFE-3E33-AEBE5015294A}"/>
+          </ac:spMkLst>
+        </pc:spChg>
+        <pc:spChg chg="add mod">
+          <ac:chgData name="François GLEYZON" userId="a2d04f23f7faf3ef" providerId="LiveId" clId="{8625411A-B743-4065-8137-36E899DC5753}" dt="2025-02-06T23:31:18.029" v="5379" actId="20577"/>
+          <ac:spMkLst>
+            <pc:docMk/>
+            <pc:sldMk cId="415248" sldId="259"/>
+            <ac:spMk id="16" creationId="{4F81872E-E651-294D-B348-E611465E53BB}"/>
           </ac:spMkLst>
         </pc:spChg>
         <pc:spChg chg="add mod">
@@ -520,7 +719,7 @@
         </pc:picChg>
       </pc:sldChg>
       <pc:sldChg chg="addSp delSp modSp mod">
-        <pc:chgData name="François GLEYZON" userId="a2d04f23f7faf3ef" providerId="LiveId" clId="{8625411A-B743-4065-8137-36E899DC5753}" dt="2025-02-05T21:02:16.012" v="4146" actId="1076"/>
+        <pc:chgData name="François GLEYZON" userId="a2d04f23f7faf3ef" providerId="LiveId" clId="{8625411A-B743-4065-8137-36E899DC5753}" dt="2025-02-06T23:31:26.543" v="5382" actId="20577"/>
         <pc:sldMkLst>
           <pc:docMk/>
           <pc:sldMk cId="1063259523" sldId="260"/>
@@ -547,6 +746,14 @@
             <pc:docMk/>
             <pc:sldMk cId="1063259523" sldId="260"/>
             <ac:spMk id="4" creationId="{FC70D617-18DE-E581-E946-0A074FF29DC2}"/>
+          </ac:spMkLst>
+        </pc:spChg>
+        <pc:spChg chg="add mod">
+          <ac:chgData name="François GLEYZON" userId="a2d04f23f7faf3ef" providerId="LiveId" clId="{8625411A-B743-4065-8137-36E899DC5753}" dt="2025-02-06T23:31:26.543" v="5382" actId="20577"/>
+          <ac:spMkLst>
+            <pc:docMk/>
+            <pc:sldMk cId="1063259523" sldId="260"/>
+            <ac:spMk id="5" creationId="{5E5B943B-90A9-465F-97D4-8F6E6FF06177}"/>
           </ac:spMkLst>
         </pc:spChg>
         <pc:spChg chg="add del mod">
@@ -631,7 +838,7 @@
         </pc:picChg>
       </pc:sldChg>
       <pc:sldChg chg="addSp delSp modSp mod">
-        <pc:chgData name="François GLEYZON" userId="a2d04f23f7faf3ef" providerId="LiveId" clId="{8625411A-B743-4065-8137-36E899DC5753}" dt="2025-02-06T18:54:35.477" v="4531" actId="20577"/>
+        <pc:chgData name="François GLEYZON" userId="a2d04f23f7faf3ef" providerId="LiveId" clId="{8625411A-B743-4065-8137-36E899DC5753}" dt="2025-02-06T23:31:30.378" v="5383" actId="20577"/>
         <pc:sldMkLst>
           <pc:docMk/>
           <pc:sldMk cId="1452944335" sldId="261"/>
@@ -724,6 +931,14 @@
             <ac:spMk id="12" creationId="{2443DA39-C273-D2B8-F9E1-87B2F44BDC42}"/>
           </ac:spMkLst>
         </pc:spChg>
+        <pc:spChg chg="add mod">
+          <ac:chgData name="François GLEYZON" userId="a2d04f23f7faf3ef" providerId="LiveId" clId="{8625411A-B743-4065-8137-36E899DC5753}" dt="2025-02-06T23:31:30.378" v="5383" actId="20577"/>
+          <ac:spMkLst>
+            <pc:docMk/>
+            <pc:sldMk cId="1452944335" sldId="261"/>
+            <ac:spMk id="13" creationId="{B7F086DE-1FC4-C625-C46F-7162AFC5DB60}"/>
+          </ac:spMkLst>
+        </pc:spChg>
         <pc:spChg chg="add del mod">
           <ac:chgData name="François GLEYZON" userId="a2d04f23f7faf3ef" providerId="LiveId" clId="{8625411A-B743-4065-8137-36E899DC5753}" dt="2025-02-06T18:54:02.693" v="4467" actId="478"/>
           <ac:spMkLst>
@@ -748,14 +963,44 @@
           <pc:sldMk cId="3272513737" sldId="262"/>
         </pc:sldMkLst>
       </pc:sldChg>
+      <pc:sldChg chg="addSp modSp mod">
+        <pc:chgData name="François GLEYZON" userId="a2d04f23f7faf3ef" providerId="LiveId" clId="{8625411A-B743-4065-8137-36E899DC5753}" dt="2025-02-06T23:31:33.930" v="5384" actId="20577"/>
+        <pc:sldMkLst>
+          <pc:docMk/>
+          <pc:sldMk cId="2174773392" sldId="263"/>
+        </pc:sldMkLst>
+        <pc:spChg chg="add mod">
+          <ac:chgData name="François GLEYZON" userId="a2d04f23f7faf3ef" providerId="LiveId" clId="{8625411A-B743-4065-8137-36E899DC5753}" dt="2025-02-06T23:31:33.930" v="5384" actId="20577"/>
+          <ac:spMkLst>
+            <pc:docMk/>
+            <pc:sldMk cId="2174773392" sldId="263"/>
+            <ac:spMk id="2" creationId="{925022B4-230C-8FA2-0518-C2E8AFFB6489}"/>
+          </ac:spMkLst>
+        </pc:spChg>
+      </pc:sldChg>
+      <pc:sldChg chg="addSp modSp mod">
+        <pc:chgData name="François GLEYZON" userId="a2d04f23f7faf3ef" providerId="LiveId" clId="{8625411A-B743-4065-8137-36E899DC5753}" dt="2025-02-06T23:31:37.261" v="5385" actId="20577"/>
+        <pc:sldMkLst>
+          <pc:docMk/>
+          <pc:sldMk cId="508563345" sldId="264"/>
+        </pc:sldMkLst>
+        <pc:spChg chg="add mod">
+          <ac:chgData name="François GLEYZON" userId="a2d04f23f7faf3ef" providerId="LiveId" clId="{8625411A-B743-4065-8137-36E899DC5753}" dt="2025-02-06T23:31:37.261" v="5385" actId="20577"/>
+          <ac:spMkLst>
+            <pc:docMk/>
+            <pc:sldMk cId="508563345" sldId="264"/>
+            <ac:spMk id="2" creationId="{B899300B-16B9-2AA1-42EF-D7A03458C2E6}"/>
+          </ac:spMkLst>
+        </pc:spChg>
+      </pc:sldChg>
       <pc:sldChg chg="addSp delSp modSp mod">
-        <pc:chgData name="François GLEYZON" userId="a2d04f23f7faf3ef" providerId="LiveId" clId="{8625411A-B743-4065-8137-36E899DC5753}" dt="2025-02-04T18:51:58.221" v="1907" actId="478"/>
+        <pc:chgData name="François GLEYZON" userId="a2d04f23f7faf3ef" providerId="LiveId" clId="{8625411A-B743-4065-8137-36E899DC5753}" dt="2025-02-06T23:31:07.800" v="5376" actId="20577"/>
         <pc:sldMkLst>
           <pc:docMk/>
           <pc:sldMk cId="1966793551" sldId="265"/>
         </pc:sldMkLst>
         <pc:spChg chg="mod">
-          <ac:chgData name="François GLEYZON" userId="a2d04f23f7faf3ef" providerId="LiveId" clId="{8625411A-B743-4065-8137-36E899DC5753}" dt="2025-02-04T17:45:21.393" v="19" actId="1036"/>
+          <ac:chgData name="François GLEYZON" userId="a2d04f23f7faf3ef" providerId="LiveId" clId="{8625411A-B743-4065-8137-36E899DC5753}" dt="2025-02-06T23:24:05.045" v="5058" actId="1035"/>
           <ac:spMkLst>
             <pc:docMk/>
             <pc:sldMk cId="1966793551" sldId="265"/>
@@ -763,7 +1008,7 @@
           </ac:spMkLst>
         </pc:spChg>
         <pc:spChg chg="mod">
-          <ac:chgData name="François GLEYZON" userId="a2d04f23f7faf3ef" providerId="LiveId" clId="{8625411A-B743-4065-8137-36E899DC5753}" dt="2025-02-04T17:45:21.393" v="19" actId="1036"/>
+          <ac:chgData name="François GLEYZON" userId="a2d04f23f7faf3ef" providerId="LiveId" clId="{8625411A-B743-4065-8137-36E899DC5753}" dt="2025-02-06T23:24:05.045" v="5058" actId="1035"/>
           <ac:spMkLst>
             <pc:docMk/>
             <pc:sldMk cId="1966793551" sldId="265"/>
@@ -771,7 +1016,7 @@
           </ac:spMkLst>
         </pc:spChg>
         <pc:spChg chg="mod">
-          <ac:chgData name="François GLEYZON" userId="a2d04f23f7faf3ef" providerId="LiveId" clId="{8625411A-B743-4065-8137-36E899DC5753}" dt="2025-02-04T17:45:21.393" v="19" actId="1036"/>
+          <ac:chgData name="François GLEYZON" userId="a2d04f23f7faf3ef" providerId="LiveId" clId="{8625411A-B743-4065-8137-36E899DC5753}" dt="2025-02-06T23:24:05.045" v="5058" actId="1035"/>
           <ac:spMkLst>
             <pc:docMk/>
             <pc:sldMk cId="1966793551" sldId="265"/>
@@ -779,7 +1024,7 @@
           </ac:spMkLst>
         </pc:spChg>
         <pc:spChg chg="mod">
-          <ac:chgData name="François GLEYZON" userId="a2d04f23f7faf3ef" providerId="LiveId" clId="{8625411A-B743-4065-8137-36E899DC5753}" dt="2025-02-04T17:45:21.393" v="19" actId="1036"/>
+          <ac:chgData name="François GLEYZON" userId="a2d04f23f7faf3ef" providerId="LiveId" clId="{8625411A-B743-4065-8137-36E899DC5753}" dt="2025-02-06T23:24:05.045" v="5058" actId="1035"/>
           <ac:spMkLst>
             <pc:docMk/>
             <pc:sldMk cId="1966793551" sldId="265"/>
@@ -787,11 +1032,27 @@
           </ac:spMkLst>
         </pc:spChg>
         <pc:spChg chg="mod">
-          <ac:chgData name="François GLEYZON" userId="a2d04f23f7faf3ef" providerId="LiveId" clId="{8625411A-B743-4065-8137-36E899DC5753}" dt="2025-02-04T17:45:21.393" v="19" actId="1036"/>
+          <ac:chgData name="François GLEYZON" userId="a2d04f23f7faf3ef" providerId="LiveId" clId="{8625411A-B743-4065-8137-36E899DC5753}" dt="2025-02-06T23:24:05.045" v="5058" actId="1035"/>
+          <ac:spMkLst>
+            <pc:docMk/>
+            <pc:sldMk cId="1966793551" sldId="265"/>
+            <ac:spMk id="6" creationId="{009BAB9B-ED9C-FB2B-C91C-A3841B943DAF}"/>
+          </ac:spMkLst>
+        </pc:spChg>
+        <pc:spChg chg="mod">
+          <ac:chgData name="François GLEYZON" userId="a2d04f23f7faf3ef" providerId="LiveId" clId="{8625411A-B743-4065-8137-36E899DC5753}" dt="2025-02-06T23:24:41.194" v="5061" actId="113"/>
           <ac:spMkLst>
             <pc:docMk/>
             <pc:sldMk cId="1966793551" sldId="265"/>
             <ac:spMk id="7" creationId="{B5436A21-87E5-E562-F7DC-2AACBB1F982E}"/>
+          </ac:spMkLst>
+        </pc:spChg>
+        <pc:spChg chg="mod">
+          <ac:chgData name="François GLEYZON" userId="a2d04f23f7faf3ef" providerId="LiveId" clId="{8625411A-B743-4065-8137-36E899DC5753}" dt="2025-02-06T23:27:21.170" v="5233" actId="1035"/>
+          <ac:spMkLst>
+            <pc:docMk/>
+            <pc:sldMk cId="1966793551" sldId="265"/>
+            <ac:spMk id="8" creationId="{1E18C6D8-2662-6CC5-2BE7-F1DDE9107D03}"/>
           </ac:spMkLst>
         </pc:spChg>
         <pc:spChg chg="add mod">
@@ -802,24 +1063,24 @@
             <ac:spMk id="9" creationId="{6E9846D3-47A3-2AE6-6383-AB77CC5B517E}"/>
           </ac:spMkLst>
         </pc:spChg>
-        <pc:spChg chg="add mod">
-          <ac:chgData name="François GLEYZON" userId="a2d04f23f7faf3ef" providerId="LiveId" clId="{8625411A-B743-4065-8137-36E899DC5753}" dt="2025-02-04T18:26:23.875" v="412" actId="1035"/>
+        <pc:spChg chg="add del mod">
+          <ac:chgData name="François GLEYZON" userId="a2d04f23f7faf3ef" providerId="LiveId" clId="{8625411A-B743-4065-8137-36E899DC5753}" dt="2025-02-06T23:23:21.923" v="4834" actId="21"/>
           <ac:spMkLst>
             <pc:docMk/>
             <pc:sldMk cId="1966793551" sldId="265"/>
             <ac:spMk id="10" creationId="{C6304A20-79B7-2C12-19AC-070605972BB4}"/>
           </ac:spMkLst>
         </pc:spChg>
-        <pc:spChg chg="add mod">
-          <ac:chgData name="François GLEYZON" userId="a2d04f23f7faf3ef" providerId="LiveId" clId="{8625411A-B743-4065-8137-36E899DC5753}" dt="2025-02-04T18:26:23.875" v="412" actId="1035"/>
+        <pc:spChg chg="add del mod">
+          <ac:chgData name="François GLEYZON" userId="a2d04f23f7faf3ef" providerId="LiveId" clId="{8625411A-B743-4065-8137-36E899DC5753}" dt="2025-02-06T23:23:21.923" v="4834" actId="21"/>
           <ac:spMkLst>
             <pc:docMk/>
             <pc:sldMk cId="1966793551" sldId="265"/>
             <ac:spMk id="11" creationId="{6C8DEBA5-DA61-1066-6DD5-9ED99B65BDE2}"/>
           </ac:spMkLst>
         </pc:spChg>
-        <pc:spChg chg="add mod">
-          <ac:chgData name="François GLEYZON" userId="a2d04f23f7faf3ef" providerId="LiveId" clId="{8625411A-B743-4065-8137-36E899DC5753}" dt="2025-02-04T18:26:23.875" v="412" actId="1035"/>
+        <pc:spChg chg="add del mod">
+          <ac:chgData name="François GLEYZON" userId="a2d04f23f7faf3ef" providerId="LiveId" clId="{8625411A-B743-4065-8137-36E899DC5753}" dt="2025-02-06T23:23:21.923" v="4834" actId="21"/>
           <ac:spMkLst>
             <pc:docMk/>
             <pc:sldMk cId="1966793551" sldId="265"/>
@@ -827,7 +1088,7 @@
           </ac:spMkLst>
         </pc:spChg>
         <pc:spChg chg="mod">
-          <ac:chgData name="François GLEYZON" userId="a2d04f23f7faf3ef" providerId="LiveId" clId="{8625411A-B743-4065-8137-36E899DC5753}" dt="2025-02-04T17:45:21.393" v="19" actId="1036"/>
+          <ac:chgData name="François GLEYZON" userId="a2d04f23f7faf3ef" providerId="LiveId" clId="{8625411A-B743-4065-8137-36E899DC5753}" dt="2025-02-06T23:27:21.170" v="5233" actId="1035"/>
           <ac:spMkLst>
             <pc:docMk/>
             <pc:sldMk cId="1966793551" sldId="265"/>
@@ -835,7 +1096,7 @@
           </ac:spMkLst>
         </pc:spChg>
         <pc:spChg chg="mod">
-          <ac:chgData name="François GLEYZON" userId="a2d04f23f7faf3ef" providerId="LiveId" clId="{8625411A-B743-4065-8137-36E899DC5753}" dt="2025-02-04T17:45:21.393" v="19" actId="1036"/>
+          <ac:chgData name="François GLEYZON" userId="a2d04f23f7faf3ef" providerId="LiveId" clId="{8625411A-B743-4065-8137-36E899DC5753}" dt="2025-02-06T23:27:21.170" v="5233" actId="1035"/>
           <ac:spMkLst>
             <pc:docMk/>
             <pc:sldMk cId="1966793551" sldId="265"/>
@@ -843,15 +1104,15 @@
           </ac:spMkLst>
         </pc:spChg>
         <pc:spChg chg="mod">
-          <ac:chgData name="François GLEYZON" userId="a2d04f23f7faf3ef" providerId="LiveId" clId="{8625411A-B743-4065-8137-36E899DC5753}" dt="2025-02-04T18:26:23.875" v="412" actId="1035"/>
+          <ac:chgData name="François GLEYZON" userId="a2d04f23f7faf3ef" providerId="LiveId" clId="{8625411A-B743-4065-8137-36E899DC5753}" dt="2025-02-06T23:27:21.170" v="5233" actId="1035"/>
           <ac:spMkLst>
             <pc:docMk/>
             <pc:sldMk cId="1966793551" sldId="265"/>
             <ac:spMk id="15" creationId="{7A3EA391-AC61-60F2-E3E1-534BD1D887A1}"/>
           </ac:spMkLst>
         </pc:spChg>
-        <pc:spChg chg="add mod">
-          <ac:chgData name="François GLEYZON" userId="a2d04f23f7faf3ef" providerId="LiveId" clId="{8625411A-B743-4065-8137-36E899DC5753}" dt="2025-02-04T18:25:15.586" v="201" actId="1076"/>
+        <pc:spChg chg="add del mod">
+          <ac:chgData name="François GLEYZON" userId="a2d04f23f7faf3ef" providerId="LiveId" clId="{8625411A-B743-4065-8137-36E899DC5753}" dt="2025-02-06T23:23:21.923" v="4834" actId="21"/>
           <ac:spMkLst>
             <pc:docMk/>
             <pc:sldMk cId="1966793551" sldId="265"/>
@@ -859,7 +1120,23 @@
           </ac:spMkLst>
         </pc:spChg>
         <pc:spChg chg="mod">
-          <ac:chgData name="François GLEYZON" userId="a2d04f23f7faf3ef" providerId="LiveId" clId="{8625411A-B743-4065-8137-36E899DC5753}" dt="2025-02-04T18:26:23.875" v="412" actId="1035"/>
+          <ac:chgData name="François GLEYZON" userId="a2d04f23f7faf3ef" providerId="LiveId" clId="{8625411A-B743-4065-8137-36E899DC5753}" dt="2025-02-06T23:27:21.170" v="5233" actId="1035"/>
+          <ac:spMkLst>
+            <pc:docMk/>
+            <pc:sldMk cId="1966793551" sldId="265"/>
+            <ac:spMk id="17" creationId="{D14B89D1-D1AC-EE60-CD8F-B42A57D5E4D0}"/>
+          </ac:spMkLst>
+        </pc:spChg>
+        <pc:spChg chg="mod">
+          <ac:chgData name="François GLEYZON" userId="a2d04f23f7faf3ef" providerId="LiveId" clId="{8625411A-B743-4065-8137-36E899DC5753}" dt="2025-02-06T23:27:21.170" v="5233" actId="1035"/>
+          <ac:spMkLst>
+            <pc:docMk/>
+            <pc:sldMk cId="1966793551" sldId="265"/>
+            <ac:spMk id="18" creationId="{64B8CA2B-34B6-E843-AB8E-12298B99EA0F}"/>
+          </ac:spMkLst>
+        </pc:spChg>
+        <pc:spChg chg="mod">
+          <ac:chgData name="François GLEYZON" userId="a2d04f23f7faf3ef" providerId="LiveId" clId="{8625411A-B743-4065-8137-36E899DC5753}" dt="2025-02-06T23:27:21.170" v="5233" actId="1035"/>
           <ac:spMkLst>
             <pc:docMk/>
             <pc:sldMk cId="1966793551" sldId="265"/>
@@ -867,23 +1144,23 @@
           </ac:spMkLst>
         </pc:spChg>
         <pc:spChg chg="mod">
-          <ac:chgData name="François GLEYZON" userId="a2d04f23f7faf3ef" providerId="LiveId" clId="{8625411A-B743-4065-8137-36E899DC5753}" dt="2025-02-04T18:26:23.875" v="412" actId="1035"/>
+          <ac:chgData name="François GLEYZON" userId="a2d04f23f7faf3ef" providerId="LiveId" clId="{8625411A-B743-4065-8137-36E899DC5753}" dt="2025-02-06T23:27:21.170" v="5233" actId="1035"/>
           <ac:spMkLst>
             <pc:docMk/>
             <pc:sldMk cId="1966793551" sldId="265"/>
             <ac:spMk id="20" creationId="{0A9073FB-1A65-43D2-A613-9EB3B1169DC4}"/>
           </ac:spMkLst>
         </pc:spChg>
-        <pc:spChg chg="add mod">
-          <ac:chgData name="François GLEYZON" userId="a2d04f23f7faf3ef" providerId="LiveId" clId="{8625411A-B743-4065-8137-36E899DC5753}" dt="2025-02-04T18:25:15.586" v="201" actId="1076"/>
+        <pc:spChg chg="add del mod">
+          <ac:chgData name="François GLEYZON" userId="a2d04f23f7faf3ef" providerId="LiveId" clId="{8625411A-B743-4065-8137-36E899DC5753}" dt="2025-02-06T23:23:21.923" v="4834" actId="21"/>
           <ac:spMkLst>
             <pc:docMk/>
             <pc:sldMk cId="1966793551" sldId="265"/>
             <ac:spMk id="21" creationId="{3EC77938-36F5-9BEC-0F4B-506822FDA0D7}"/>
           </ac:spMkLst>
         </pc:spChg>
-        <pc:spChg chg="add mod">
-          <ac:chgData name="François GLEYZON" userId="a2d04f23f7faf3ef" providerId="LiveId" clId="{8625411A-B743-4065-8137-36E899DC5753}" dt="2025-02-04T18:25:15.586" v="201" actId="1076"/>
+        <pc:spChg chg="add del mod">
+          <ac:chgData name="François GLEYZON" userId="a2d04f23f7faf3ef" providerId="LiveId" clId="{8625411A-B743-4065-8137-36E899DC5753}" dt="2025-02-06T23:23:21.923" v="4834" actId="21"/>
           <ac:spMkLst>
             <pc:docMk/>
             <pc:sldMk cId="1966793551" sldId="265"/>
@@ -891,47 +1168,47 @@
           </ac:spMkLst>
         </pc:spChg>
         <pc:spChg chg="add mod">
-          <ac:chgData name="François GLEYZON" userId="a2d04f23f7faf3ef" providerId="LiveId" clId="{8625411A-B743-4065-8137-36E899DC5753}" dt="2025-02-04T18:25:15.586" v="201" actId="1076"/>
+          <ac:chgData name="François GLEYZON" userId="a2d04f23f7faf3ef" providerId="LiveId" clId="{8625411A-B743-4065-8137-36E899DC5753}" dt="2025-02-06T23:23:51.567" v="5001"/>
+          <ac:spMkLst>
+            <pc:docMk/>
+            <pc:sldMk cId="1966793551" sldId="265"/>
+            <ac:spMk id="23" creationId="{96F8C1F7-33DA-2A88-BE56-2E0648A83928}"/>
+          </ac:spMkLst>
+        </pc:spChg>
+        <pc:spChg chg="add mod">
+          <ac:chgData name="François GLEYZON" userId="a2d04f23f7faf3ef" providerId="LiveId" clId="{8625411A-B743-4065-8137-36E899DC5753}" dt="2025-02-06T23:24:12.862" v="5059" actId="1076"/>
+          <ac:spMkLst>
+            <pc:docMk/>
+            <pc:sldMk cId="1966793551" sldId="265"/>
+            <ac:spMk id="25" creationId="{B0251520-F500-2B22-A0CF-416CA59E6ED4}"/>
+          </ac:spMkLst>
+        </pc:spChg>
+        <pc:spChg chg="add del mod">
+          <ac:chgData name="François GLEYZON" userId="a2d04f23f7faf3ef" providerId="LiveId" clId="{8625411A-B743-4065-8137-36E899DC5753}" dt="2025-02-06T23:23:21.923" v="4834" actId="21"/>
           <ac:spMkLst>
             <pc:docMk/>
             <pc:sldMk cId="1966793551" sldId="265"/>
             <ac:spMk id="27" creationId="{07EBCD55-934E-A1D6-843D-1695B2FD8ECB}"/>
           </ac:spMkLst>
         </pc:spChg>
-        <pc:spChg chg="add mod">
-          <ac:chgData name="François GLEYZON" userId="a2d04f23f7faf3ef" providerId="LiveId" clId="{8625411A-B743-4065-8137-36E899DC5753}" dt="2025-02-04T18:26:23.875" v="412" actId="1035"/>
+        <pc:spChg chg="add del mod">
+          <ac:chgData name="François GLEYZON" userId="a2d04f23f7faf3ef" providerId="LiveId" clId="{8625411A-B743-4065-8137-36E899DC5753}" dt="2025-02-06T23:23:21.923" v="4834" actId="21"/>
           <ac:spMkLst>
             <pc:docMk/>
             <pc:sldMk cId="1966793551" sldId="265"/>
             <ac:spMk id="28" creationId="{80F08257-A450-5C04-241D-1002B4DA1E8B}"/>
           </ac:spMkLst>
         </pc:spChg>
-        <pc:spChg chg="add mod">
-          <ac:chgData name="François GLEYZON" userId="a2d04f23f7faf3ef" providerId="LiveId" clId="{8625411A-B743-4065-8137-36E899DC5753}" dt="2025-02-04T18:26:23.875" v="412" actId="1035"/>
-          <ac:spMkLst>
-            <pc:docMk/>
-            <pc:sldMk cId="1966793551" sldId="265"/>
-            <ac:spMk id="29" creationId="{CF2D0C7F-4528-1D12-5632-7B96F6D67486}"/>
-          </ac:spMkLst>
-        </pc:spChg>
-        <pc:spChg chg="add mod">
-          <ac:chgData name="François GLEYZON" userId="a2d04f23f7faf3ef" providerId="LiveId" clId="{8625411A-B743-4065-8137-36E899DC5753}" dt="2025-02-04T18:26:23.875" v="412" actId="1035"/>
+        <pc:spChg chg="add del mod">
+          <ac:chgData name="François GLEYZON" userId="a2d04f23f7faf3ef" providerId="LiveId" clId="{8625411A-B743-4065-8137-36E899DC5753}" dt="2025-02-06T23:23:21.923" v="4834" actId="21"/>
           <ac:spMkLst>
             <pc:docMk/>
             <pc:sldMk cId="1966793551" sldId="265"/>
             <ac:spMk id="30" creationId="{B95AA804-9E2B-DDFF-2C53-F06543210144}"/>
           </ac:spMkLst>
         </pc:spChg>
-        <pc:spChg chg="add mod">
-          <ac:chgData name="François GLEYZON" userId="a2d04f23f7faf3ef" providerId="LiveId" clId="{8625411A-B743-4065-8137-36E899DC5753}" dt="2025-02-04T18:26:23.875" v="412" actId="1035"/>
-          <ac:spMkLst>
-            <pc:docMk/>
-            <pc:sldMk cId="1966793551" sldId="265"/>
-            <ac:spMk id="31" creationId="{B702B995-55B0-6F3A-DB50-C2AAA6DF1383}"/>
-          </ac:spMkLst>
-        </pc:spChg>
-        <pc:spChg chg="add mod">
-          <ac:chgData name="François GLEYZON" userId="a2d04f23f7faf3ef" providerId="LiveId" clId="{8625411A-B743-4065-8137-36E899DC5753}" dt="2025-02-04T18:27:22.231" v="419" actId="1076"/>
+        <pc:spChg chg="add del mod">
+          <ac:chgData name="François GLEYZON" userId="a2d04f23f7faf3ef" providerId="LiveId" clId="{8625411A-B743-4065-8137-36E899DC5753}" dt="2025-02-06T23:23:21.923" v="4834" actId="21"/>
           <ac:spMkLst>
             <pc:docMk/>
             <pc:sldMk cId="1966793551" sldId="265"/>
@@ -954,6 +1231,22 @@
             <ac:spMk id="36" creationId="{2C2B60A1-0B89-3546-D8C8-0D44097F35C2}"/>
           </ac:spMkLst>
         </pc:spChg>
+        <pc:spChg chg="mod">
+          <ac:chgData name="François GLEYZON" userId="a2d04f23f7faf3ef" providerId="LiveId" clId="{8625411A-B743-4065-8137-36E899DC5753}" dt="2025-02-06T23:23:54.380" v="5002"/>
+          <ac:spMkLst>
+            <pc:docMk/>
+            <pc:sldMk cId="1966793551" sldId="265"/>
+            <ac:spMk id="37" creationId="{B52B966E-57FC-DB50-66D6-EB4B26CB7279}"/>
+          </ac:spMkLst>
+        </pc:spChg>
+        <pc:spChg chg="mod">
+          <ac:chgData name="François GLEYZON" userId="a2d04f23f7faf3ef" providerId="LiveId" clId="{8625411A-B743-4065-8137-36E899DC5753}" dt="2025-02-06T23:23:54.380" v="5002"/>
+          <ac:spMkLst>
+            <pc:docMk/>
+            <pc:sldMk cId="1966793551" sldId="265"/>
+            <ac:spMk id="38" creationId="{EE437401-84E7-8168-5921-CAAC38C4A143}"/>
+          </ac:spMkLst>
+        </pc:spChg>
         <pc:spChg chg="add mod">
           <ac:chgData name="François GLEYZON" userId="a2d04f23f7faf3ef" providerId="LiveId" clId="{8625411A-B743-4065-8137-36E899DC5753}" dt="2025-02-04T18:51:49.469" v="1905" actId="207"/>
           <ac:spMkLst>
@@ -962,28 +1255,84 @@
             <ac:spMk id="39" creationId="{AECA565B-75E5-1F68-434E-112D93E38360}"/>
           </ac:spMkLst>
         </pc:spChg>
-        <pc:cxnChg chg="add mod">
-          <ac:chgData name="François GLEYZON" userId="a2d04f23f7faf3ef" providerId="LiveId" clId="{8625411A-B743-4065-8137-36E899DC5753}" dt="2025-02-04T18:20:39.044" v="149" actId="1038"/>
+        <pc:spChg chg="mod">
+          <ac:chgData name="François GLEYZON" userId="a2d04f23f7faf3ef" providerId="LiveId" clId="{8625411A-B743-4065-8137-36E899DC5753}" dt="2025-02-06T23:23:54.380" v="5002"/>
+          <ac:spMkLst>
+            <pc:docMk/>
+            <pc:sldMk cId="1966793551" sldId="265"/>
+            <ac:spMk id="40" creationId="{1BFACD9C-A7F3-00B4-67DE-6EAEFD967F1D}"/>
+          </ac:spMkLst>
+        </pc:spChg>
+        <pc:spChg chg="mod">
+          <ac:chgData name="François GLEYZON" userId="a2d04f23f7faf3ef" providerId="LiveId" clId="{8625411A-B743-4065-8137-36E899DC5753}" dt="2025-02-06T23:23:54.380" v="5002"/>
+          <ac:spMkLst>
+            <pc:docMk/>
+            <pc:sldMk cId="1966793551" sldId="265"/>
+            <ac:spMk id="41" creationId="{FEF0EBDF-EEDF-576E-EF80-6F6D90BCBCC6}"/>
+          </ac:spMkLst>
+        </pc:spChg>
+        <pc:spChg chg="add mod">
+          <ac:chgData name="François GLEYZON" userId="a2d04f23f7faf3ef" providerId="LiveId" clId="{8625411A-B743-4065-8137-36E899DC5753}" dt="2025-02-06T23:27:13.539" v="5226" actId="1035"/>
+          <ac:spMkLst>
+            <pc:docMk/>
+            <pc:sldMk cId="1966793551" sldId="265"/>
+            <ac:spMk id="44" creationId="{606C2879-B07E-738C-AE26-577B745F030F}"/>
+          </ac:spMkLst>
+        </pc:spChg>
+        <pc:spChg chg="add mod">
+          <ac:chgData name="François GLEYZON" userId="a2d04f23f7faf3ef" providerId="LiveId" clId="{8625411A-B743-4065-8137-36E899DC5753}" dt="2025-02-06T23:27:13.539" v="5226" actId="1035"/>
+          <ac:spMkLst>
+            <pc:docMk/>
+            <pc:sldMk cId="1966793551" sldId="265"/>
+            <ac:spMk id="45" creationId="{2CEBE47E-F412-B061-1A8F-3A6762027ED1}"/>
+          </ac:spMkLst>
+        </pc:spChg>
+        <pc:spChg chg="add del mod">
+          <ac:chgData name="François GLEYZON" userId="a2d04f23f7faf3ef" providerId="LiveId" clId="{8625411A-B743-4065-8137-36E899DC5753}" dt="2025-02-06T23:27:08.412" v="5216" actId="478"/>
+          <ac:spMkLst>
+            <pc:docMk/>
+            <pc:sldMk cId="1966793551" sldId="265"/>
+            <ac:spMk id="46" creationId="{82D281DD-11BB-B04D-74F6-81645A554808}"/>
+          </ac:spMkLst>
+        </pc:spChg>
+        <pc:spChg chg="add mod">
+          <ac:chgData name="François GLEYZON" userId="a2d04f23f7faf3ef" providerId="LiveId" clId="{8625411A-B743-4065-8137-36E899DC5753}" dt="2025-02-06T23:31:07.800" v="5376" actId="20577"/>
+          <ac:spMkLst>
+            <pc:docMk/>
+            <pc:sldMk cId="1966793551" sldId="265"/>
+            <ac:spMk id="47" creationId="{287A1C12-99B6-721C-C413-14666A5B4D36}"/>
+          </ac:spMkLst>
+        </pc:spChg>
+        <pc:grpChg chg="add mod">
+          <ac:chgData name="François GLEYZON" userId="a2d04f23f7faf3ef" providerId="LiveId" clId="{8625411A-B743-4065-8137-36E899DC5753}" dt="2025-02-06T23:23:56.859" v="5019" actId="1035"/>
+          <ac:grpSpMkLst>
+            <pc:docMk/>
+            <pc:sldMk cId="1966793551" sldId="265"/>
+            <ac:grpSpMk id="33" creationId="{B0B3F136-5CA0-E7B9-BDC9-436116304C59}"/>
+          </ac:grpSpMkLst>
+        </pc:grpChg>
+        <pc:picChg chg="add del mod">
+          <ac:chgData name="François GLEYZON" userId="a2d04f23f7faf3ef" providerId="LiveId" clId="{8625411A-B743-4065-8137-36E899DC5753}" dt="2025-02-06T23:27:14.636" v="5227" actId="478"/>
+          <ac:picMkLst>
+            <pc:docMk/>
+            <pc:sldMk cId="1966793551" sldId="265"/>
+            <ac:picMk id="1026" creationId="{BF7984B5-348D-A73D-5C62-785F75285AAE}"/>
+          </ac:picMkLst>
+        </pc:picChg>
+        <pc:cxnChg chg="mod">
+          <ac:chgData name="François GLEYZON" userId="a2d04f23f7faf3ef" providerId="LiveId" clId="{8625411A-B743-4065-8137-36E899DC5753}" dt="2025-02-06T23:23:54.380" v="5002"/>
           <ac:cxnSpMkLst>
             <pc:docMk/>
             <pc:sldMk cId="1966793551" sldId="265"/>
-            <ac:cxnSpMk id="24" creationId="{6F658F9A-65C2-7BA4-F770-1845190CFD82}"/>
+            <ac:cxnSpMk id="42" creationId="{6FDB5A4C-13F3-0375-7990-F0AD11248568}"/>
           </ac:cxnSpMkLst>
         </pc:cxnChg>
-        <pc:cxnChg chg="add mod">
-          <ac:chgData name="François GLEYZON" userId="a2d04f23f7faf3ef" providerId="LiveId" clId="{8625411A-B743-4065-8137-36E899DC5753}" dt="2025-02-04T18:20:18.054" v="125" actId="208"/>
+        <pc:cxnChg chg="mod">
+          <ac:chgData name="François GLEYZON" userId="a2d04f23f7faf3ef" providerId="LiveId" clId="{8625411A-B743-4065-8137-36E899DC5753}" dt="2025-02-06T23:23:54.380" v="5002"/>
           <ac:cxnSpMkLst>
             <pc:docMk/>
             <pc:sldMk cId="1966793551" sldId="265"/>
-            <ac:cxnSpMk id="26" creationId="{8913117D-71DC-16F9-2BD3-DA9D3BA1721B}"/>
-          </ac:cxnSpMkLst>
-        </pc:cxnChg>
-        <pc:cxnChg chg="add mod">
-          <ac:chgData name="François GLEYZON" userId="a2d04f23f7faf3ef" providerId="LiveId" clId="{8625411A-B743-4065-8137-36E899DC5753}" dt="2025-02-04T18:23:38.245" v="187" actId="1076"/>
-          <ac:cxnSpMkLst>
-            <pc:docMk/>
-            <pc:sldMk cId="1966793551" sldId="265"/>
-            <ac:cxnSpMk id="32" creationId="{E7582D37-C97C-B041-C9D4-64A63AD497FB}"/>
+            <ac:cxnSpMk id="43" creationId="{D98DEB6E-57BC-7702-41B5-01A457912C65}"/>
           </ac:cxnSpMkLst>
         </pc:cxnChg>
       </pc:sldChg>
@@ -1002,7 +1351,7 @@
         </pc:sldMkLst>
       </pc:sldChg>
       <pc:sldChg chg="addSp delSp modSp add mod">
-        <pc:chgData name="François GLEYZON" userId="a2d04f23f7faf3ef" providerId="LiveId" clId="{8625411A-B743-4065-8137-36E899DC5753}" dt="2025-02-05T20:37:18.486" v="3639" actId="1076"/>
+        <pc:chgData name="François GLEYZON" userId="a2d04f23f7faf3ef" providerId="LiveId" clId="{8625411A-B743-4065-8137-36E899DC5753}" dt="2025-02-06T23:31:20.890" v="5380" actId="20577"/>
         <pc:sldMkLst>
           <pc:docMk/>
           <pc:sldMk cId="3013734229" sldId="266"/>
@@ -1029,6 +1378,14 @@
             <pc:docMk/>
             <pc:sldMk cId="3013734229" sldId="266"/>
             <ac:spMk id="6" creationId="{72704823-DAA1-96DA-16B2-3345DC0524EB}"/>
+          </ac:spMkLst>
+        </pc:spChg>
+        <pc:spChg chg="add mod">
+          <ac:chgData name="François GLEYZON" userId="a2d04f23f7faf3ef" providerId="LiveId" clId="{8625411A-B743-4065-8137-36E899DC5753}" dt="2025-02-06T23:31:20.890" v="5380" actId="20577"/>
+          <ac:spMkLst>
+            <pc:docMk/>
+            <pc:sldMk cId="3013734229" sldId="266"/>
+            <ac:spMk id="6" creationId="{EFF7D163-40AD-E242-C15E-A6E9259FCFCF}"/>
           </ac:spMkLst>
         </pc:spChg>
         <pc:spChg chg="del">
@@ -1167,6 +1524,109 @@
             <ac:picMk id="20" creationId="{3AA74466-528C-8DC9-1492-EADB8A7E433C}"/>
           </ac:picMkLst>
         </pc:picChg>
+      </pc:sldChg>
+      <pc:sldChg chg="addSp modSp add del mod">
+        <pc:chgData name="François GLEYZON" userId="a2d04f23f7faf3ef" providerId="LiveId" clId="{8625411A-B743-4065-8137-36E899DC5753}" dt="2025-02-06T23:27:25.798" v="5234" actId="2696"/>
+        <pc:sldMkLst>
+          <pc:docMk/>
+          <pc:sldMk cId="2780066755" sldId="267"/>
+        </pc:sldMkLst>
+        <pc:spChg chg="add mod">
+          <ac:chgData name="François GLEYZON" userId="a2d04f23f7faf3ef" providerId="LiveId" clId="{8625411A-B743-4065-8137-36E899DC5753}" dt="2025-02-06T23:18:44.534" v="4535"/>
+          <ac:spMkLst>
+            <pc:docMk/>
+            <pc:sldMk cId="2780066755" sldId="267"/>
+            <ac:spMk id="2" creationId="{C6BE0BBC-2C86-178C-D37E-C337DF99C1F5}"/>
+          </ac:spMkLst>
+        </pc:spChg>
+        <pc:spChg chg="add mod">
+          <ac:chgData name="François GLEYZON" userId="a2d04f23f7faf3ef" providerId="LiveId" clId="{8625411A-B743-4065-8137-36E899DC5753}" dt="2025-02-06T23:18:44.534" v="4535"/>
+          <ac:spMkLst>
+            <pc:docMk/>
+            <pc:sldMk cId="2780066755" sldId="267"/>
+            <ac:spMk id="3" creationId="{1B025077-87EC-2E35-8B3D-10F7525473F9}"/>
+          </ac:spMkLst>
+        </pc:spChg>
+        <pc:spChg chg="add mod">
+          <ac:chgData name="François GLEYZON" userId="a2d04f23f7faf3ef" providerId="LiveId" clId="{8625411A-B743-4065-8137-36E899DC5753}" dt="2025-02-06T23:18:44.534" v="4535"/>
+          <ac:spMkLst>
+            <pc:docMk/>
+            <pc:sldMk cId="2780066755" sldId="267"/>
+            <ac:spMk id="4" creationId="{42D160ED-2167-E84D-41BA-AD3A5DF294AD}"/>
+          </ac:spMkLst>
+        </pc:spChg>
+        <pc:spChg chg="add mod">
+          <ac:chgData name="François GLEYZON" userId="a2d04f23f7faf3ef" providerId="LiveId" clId="{8625411A-B743-4065-8137-36E899DC5753}" dt="2025-02-06T23:22:45.665" v="4794" actId="14100"/>
+          <ac:spMkLst>
+            <pc:docMk/>
+            <pc:sldMk cId="2780066755" sldId="267"/>
+            <ac:spMk id="5" creationId="{94CFFBCC-DCA2-EA58-5BAC-1951737F06D2}"/>
+          </ac:spMkLst>
+        </pc:spChg>
+        <pc:spChg chg="add mod">
+          <ac:chgData name="François GLEYZON" userId="a2d04f23f7faf3ef" providerId="LiveId" clId="{8625411A-B743-4065-8137-36E899DC5753}" dt="2025-02-06T23:22:54.705" v="4798" actId="164"/>
+          <ac:spMkLst>
+            <pc:docMk/>
+            <pc:sldMk cId="2780066755" sldId="267"/>
+            <ac:spMk id="6" creationId="{17FC6D49-A6A4-8CB8-A463-30C7B133A9CA}"/>
+          </ac:spMkLst>
+        </pc:spChg>
+        <pc:spChg chg="add mod">
+          <ac:chgData name="François GLEYZON" userId="a2d04f23f7faf3ef" providerId="LiveId" clId="{8625411A-B743-4065-8137-36E899DC5753}" dt="2025-02-06T23:22:54.705" v="4798" actId="164"/>
+          <ac:spMkLst>
+            <pc:docMk/>
+            <pc:sldMk cId="2780066755" sldId="267"/>
+            <ac:spMk id="7" creationId="{48D743A2-44D3-CB63-5C6E-F989FEAF4F89}"/>
+          </ac:spMkLst>
+        </pc:spChg>
+        <pc:spChg chg="add mod">
+          <ac:chgData name="François GLEYZON" userId="a2d04f23f7faf3ef" providerId="LiveId" clId="{8625411A-B743-4065-8137-36E899DC5753}" dt="2025-02-06T23:22:54.705" v="4798" actId="164"/>
+          <ac:spMkLst>
+            <pc:docMk/>
+            <pc:sldMk cId="2780066755" sldId="267"/>
+            <ac:spMk id="8" creationId="{D505ACD3-3F93-8CFF-C0A3-49526BB48C46}"/>
+          </ac:spMkLst>
+        </pc:spChg>
+        <pc:spChg chg="add mod">
+          <ac:chgData name="François GLEYZON" userId="a2d04f23f7faf3ef" providerId="LiveId" clId="{8625411A-B743-4065-8137-36E899DC5753}" dt="2025-02-06T23:22:54.705" v="4798" actId="164"/>
+          <ac:spMkLst>
+            <pc:docMk/>
+            <pc:sldMk cId="2780066755" sldId="267"/>
+            <ac:spMk id="9" creationId="{B213C6D9-7040-BC24-2F64-DCD4CABA86DB}"/>
+          </ac:spMkLst>
+        </pc:spChg>
+        <pc:spChg chg="add mod">
+          <ac:chgData name="François GLEYZON" userId="a2d04f23f7faf3ef" providerId="LiveId" clId="{8625411A-B743-4065-8137-36E899DC5753}" dt="2025-02-06T23:22:43.848" v="4793" actId="14100"/>
+          <ac:spMkLst>
+            <pc:docMk/>
+            <pc:sldMk cId="2780066755" sldId="267"/>
+            <ac:spMk id="15" creationId="{3E97702F-A618-83AC-F602-9AE0E184FFDD}"/>
+          </ac:spMkLst>
+        </pc:spChg>
+        <pc:grpChg chg="add mod">
+          <ac:chgData name="François GLEYZON" userId="a2d04f23f7faf3ef" providerId="LiveId" clId="{8625411A-B743-4065-8137-36E899DC5753}" dt="2025-02-06T23:22:54.705" v="4798" actId="164"/>
+          <ac:grpSpMkLst>
+            <pc:docMk/>
+            <pc:sldMk cId="2780066755" sldId="267"/>
+            <ac:grpSpMk id="16" creationId="{A41FB1BE-2848-7E35-63FC-EFE9F3E8759A}"/>
+          </ac:grpSpMkLst>
+        </pc:grpChg>
+        <pc:cxnChg chg="add mod">
+          <ac:chgData name="François GLEYZON" userId="a2d04f23f7faf3ef" providerId="LiveId" clId="{8625411A-B743-4065-8137-36E899DC5753}" dt="2025-02-06T23:22:54.705" v="4798" actId="164"/>
+          <ac:cxnSpMkLst>
+            <pc:docMk/>
+            <pc:sldMk cId="2780066755" sldId="267"/>
+            <ac:cxnSpMk id="11" creationId="{6C7E8442-8AF1-F91B-B84F-1A11711D45F0}"/>
+          </ac:cxnSpMkLst>
+        </pc:cxnChg>
+        <pc:cxnChg chg="add mod">
+          <ac:chgData name="François GLEYZON" userId="a2d04f23f7faf3ef" providerId="LiveId" clId="{8625411A-B743-4065-8137-36E899DC5753}" dt="2025-02-06T23:22:54.705" v="4798" actId="164"/>
+          <ac:cxnSpMkLst>
+            <pc:docMk/>
+            <pc:sldMk cId="2780066755" sldId="267"/>
+            <ac:cxnSpMk id="12" creationId="{5FDE3879-FF0D-AA51-8D50-FC344C71D5CB}"/>
+          </ac:cxnSpMkLst>
+        </pc:cxnChg>
       </pc:sldChg>
     </pc:docChg>
   </pc:docChgLst>
@@ -4408,6 +4868,309 @@
           <a:chExt cx="0" cy="0"/>
         </a:xfrm>
       </p:grpSpPr>
+      <p:sp>
+        <p:nvSpPr>
+          <p:cNvPr id="2" name="Rectangle 1">
+            <a:extLst>
+              <a:ext uri="{FF2B5EF4-FFF2-40B4-BE49-F238E27FC236}">
+                <a16:creationId xmlns:a16="http://schemas.microsoft.com/office/drawing/2014/main" id="{1C671FC3-1B2C-746A-F6A8-77FA9A8DC743}"/>
+              </a:ext>
+            </a:extLst>
+          </p:cNvPr>
+          <p:cNvSpPr/>
+          <p:nvPr/>
+        </p:nvSpPr>
+        <p:spPr>
+          <a:xfrm>
+            <a:off x="1" y="-990"/>
+            <a:ext cx="6096000" cy="501017"/>
+          </a:xfrm>
+          <a:prstGeom prst="rect">
+            <a:avLst/>
+          </a:prstGeom>
+          <a:solidFill>
+            <a:srgbClr val="980000"/>
+          </a:solidFill>
+          <a:ln>
+            <a:noFill/>
+          </a:ln>
+        </p:spPr>
+        <p:style>
+          <a:lnRef idx="2">
+            <a:schemeClr val="accent1">
+              <a:shade val="15000"/>
+            </a:schemeClr>
+          </a:lnRef>
+          <a:fillRef idx="1">
+            <a:schemeClr val="accent1"/>
+          </a:fillRef>
+          <a:effectRef idx="0">
+            <a:schemeClr val="accent1"/>
+          </a:effectRef>
+          <a:fontRef idx="minor">
+            <a:schemeClr val="lt1"/>
+          </a:fontRef>
+        </p:style>
+        <p:txBody>
+          <a:bodyPr rtlCol="0" anchor="ctr"/>
+          <a:lstStyle/>
+          <a:p>
+            <a:pPr algn="ctr"/>
+            <a:endParaRPr lang="en-GB"/>
+          </a:p>
+        </p:txBody>
+      </p:sp>
+      <p:sp>
+        <p:nvSpPr>
+          <p:cNvPr id="3" name="Rectangle 2">
+            <a:extLst>
+              <a:ext uri="{FF2B5EF4-FFF2-40B4-BE49-F238E27FC236}">
+                <a16:creationId xmlns:a16="http://schemas.microsoft.com/office/drawing/2014/main" id="{568554F7-B174-79F4-DC46-68D2FF64134D}"/>
+              </a:ext>
+            </a:extLst>
+          </p:cNvPr>
+          <p:cNvSpPr/>
+          <p:nvPr/>
+        </p:nvSpPr>
+        <p:spPr>
+          <a:xfrm>
+            <a:off x="6096000" y="0"/>
+            <a:ext cx="6096000" cy="501017"/>
+          </a:xfrm>
+          <a:prstGeom prst="rect">
+            <a:avLst/>
+          </a:prstGeom>
+          <a:solidFill>
+            <a:srgbClr val="D9D9D9"/>
+          </a:solidFill>
+          <a:ln>
+            <a:noFill/>
+          </a:ln>
+        </p:spPr>
+        <p:style>
+          <a:lnRef idx="2">
+            <a:schemeClr val="accent1">
+              <a:shade val="15000"/>
+            </a:schemeClr>
+          </a:lnRef>
+          <a:fillRef idx="1">
+            <a:schemeClr val="accent1"/>
+          </a:fillRef>
+          <a:effectRef idx="0">
+            <a:schemeClr val="accent1"/>
+          </a:effectRef>
+          <a:fontRef idx="minor">
+            <a:schemeClr val="lt1"/>
+          </a:fontRef>
+        </p:style>
+        <p:txBody>
+          <a:bodyPr rtlCol="0" anchor="ctr"/>
+          <a:lstStyle/>
+          <a:p>
+            <a:pPr algn="ctr"/>
+            <a:endParaRPr lang="en-GB"/>
+          </a:p>
+        </p:txBody>
+      </p:sp>
+      <p:sp>
+        <p:nvSpPr>
+          <p:cNvPr id="7" name="Rectangle 6">
+            <a:extLst>
+              <a:ext uri="{FF2B5EF4-FFF2-40B4-BE49-F238E27FC236}">
+                <a16:creationId xmlns:a16="http://schemas.microsoft.com/office/drawing/2014/main" id="{230C37D5-1433-52B7-0A78-180B08205F17}"/>
+              </a:ext>
+            </a:extLst>
+          </p:cNvPr>
+          <p:cNvSpPr/>
+          <p:nvPr/>
+        </p:nvSpPr>
+        <p:spPr>
+          <a:xfrm>
+            <a:off x="0" y="6593305"/>
+            <a:ext cx="4064400" cy="264695"/>
+          </a:xfrm>
+          <a:prstGeom prst="rect">
+            <a:avLst/>
+          </a:prstGeom>
+          <a:solidFill>
+            <a:srgbClr val="980000"/>
+          </a:solidFill>
+          <a:ln>
+            <a:noFill/>
+          </a:ln>
+        </p:spPr>
+        <p:style>
+          <a:lnRef idx="2">
+            <a:schemeClr val="accent1">
+              <a:shade val="15000"/>
+            </a:schemeClr>
+          </a:lnRef>
+          <a:fillRef idx="1">
+            <a:schemeClr val="accent1"/>
+          </a:fillRef>
+          <a:effectRef idx="0">
+            <a:schemeClr val="accent1"/>
+          </a:effectRef>
+          <a:fontRef idx="minor">
+            <a:schemeClr val="lt1"/>
+          </a:fontRef>
+        </p:style>
+        <p:txBody>
+          <a:bodyPr rtlCol="0" anchor="ctr"/>
+          <a:lstStyle/>
+          <a:p>
+            <a:pPr algn="ctr"/>
+            <a:endParaRPr lang="en-GB"/>
+          </a:p>
+        </p:txBody>
+      </p:sp>
+      <p:sp>
+        <p:nvSpPr>
+          <p:cNvPr id="8" name="Rectangle 7">
+            <a:extLst>
+              <a:ext uri="{FF2B5EF4-FFF2-40B4-BE49-F238E27FC236}">
+                <a16:creationId xmlns:a16="http://schemas.microsoft.com/office/drawing/2014/main" id="{C9F42401-7236-E1BF-C86A-2AA6084B3FAA}"/>
+              </a:ext>
+            </a:extLst>
+          </p:cNvPr>
+          <p:cNvSpPr/>
+          <p:nvPr/>
+        </p:nvSpPr>
+        <p:spPr>
+          <a:xfrm>
+            <a:off x="4064400" y="6593305"/>
+            <a:ext cx="4064400" cy="264695"/>
+          </a:xfrm>
+          <a:prstGeom prst="rect">
+            <a:avLst/>
+          </a:prstGeom>
+          <a:solidFill>
+            <a:srgbClr val="ECECEC"/>
+          </a:solidFill>
+          <a:ln>
+            <a:noFill/>
+          </a:ln>
+        </p:spPr>
+        <p:style>
+          <a:lnRef idx="2">
+            <a:schemeClr val="accent1">
+              <a:shade val="15000"/>
+            </a:schemeClr>
+          </a:lnRef>
+          <a:fillRef idx="1">
+            <a:schemeClr val="accent1"/>
+          </a:fillRef>
+          <a:effectRef idx="0">
+            <a:schemeClr val="accent1"/>
+          </a:effectRef>
+          <a:fontRef idx="minor">
+            <a:schemeClr val="lt1"/>
+          </a:fontRef>
+        </p:style>
+        <p:txBody>
+          <a:bodyPr rtlCol="0" anchor="ctr"/>
+          <a:lstStyle/>
+          <a:p>
+            <a:pPr algn="ctr"/>
+            <a:endParaRPr lang="en-GB"/>
+          </a:p>
+        </p:txBody>
+      </p:sp>
+      <p:sp>
+        <p:nvSpPr>
+          <p:cNvPr id="9" name="Rectangle 8">
+            <a:extLst>
+              <a:ext uri="{FF2B5EF4-FFF2-40B4-BE49-F238E27FC236}">
+                <a16:creationId xmlns:a16="http://schemas.microsoft.com/office/drawing/2014/main" id="{D5471492-F85C-788A-940F-DC5DE2D8F51E}"/>
+              </a:ext>
+            </a:extLst>
+          </p:cNvPr>
+          <p:cNvSpPr/>
+          <p:nvPr/>
+        </p:nvSpPr>
+        <p:spPr>
+          <a:xfrm>
+            <a:off x="8127602" y="6593304"/>
+            <a:ext cx="4064400" cy="264695"/>
+          </a:xfrm>
+          <a:prstGeom prst="rect">
+            <a:avLst/>
+          </a:prstGeom>
+          <a:solidFill>
+            <a:srgbClr val="D9D9D9"/>
+          </a:solidFill>
+          <a:ln>
+            <a:noFill/>
+          </a:ln>
+        </p:spPr>
+        <p:style>
+          <a:lnRef idx="2">
+            <a:schemeClr val="accent1">
+              <a:shade val="15000"/>
+            </a:schemeClr>
+          </a:lnRef>
+          <a:fillRef idx="1">
+            <a:schemeClr val="accent1"/>
+          </a:fillRef>
+          <a:effectRef idx="0">
+            <a:schemeClr val="accent1"/>
+          </a:effectRef>
+          <a:fontRef idx="minor">
+            <a:schemeClr val="lt1"/>
+          </a:fontRef>
+        </p:style>
+        <p:txBody>
+          <a:bodyPr rtlCol="0" anchor="ctr"/>
+          <a:lstStyle/>
+          <a:p>
+            <a:pPr algn="ctr"/>
+            <a:endParaRPr lang="en-GB"/>
+          </a:p>
+        </p:txBody>
+      </p:sp>
+      <p:sp>
+        <p:nvSpPr>
+          <p:cNvPr id="10" name="TextBox 9">
+            <a:extLst>
+              <a:ext uri="{FF2B5EF4-FFF2-40B4-BE49-F238E27FC236}">
+                <a16:creationId xmlns:a16="http://schemas.microsoft.com/office/drawing/2014/main" id="{8C55F6B5-A972-7032-5631-C5F15CB2F398}"/>
+              </a:ext>
+            </a:extLst>
+          </p:cNvPr>
+          <p:cNvSpPr txBox="1"/>
+          <p:nvPr/>
+        </p:nvSpPr>
+        <p:spPr>
+          <a:xfrm>
+            <a:off x="11091333" y="6550222"/>
+            <a:ext cx="1100667" cy="307777"/>
+          </a:xfrm>
+          <a:prstGeom prst="rect">
+            <a:avLst/>
+          </a:prstGeom>
+          <a:noFill/>
+        </p:spPr>
+        <p:txBody>
+          <a:bodyPr wrap="square" rtlCol="0">
+            <a:spAutoFit/>
+          </a:bodyPr>
+          <a:lstStyle/>
+          <a:p>
+            <a:pPr algn="r"/>
+            <a:r>
+              <a:rPr lang="fr-FR" sz="1400" dirty="0">
+                <a:latin typeface="Times New Roman" panose="02020603050405020304" pitchFamily="18" charset="0"/>
+                <a:cs typeface="Times New Roman" panose="02020603050405020304" pitchFamily="18" charset="0"/>
+              </a:rPr>
+              <a:t>1/10</a:t>
+            </a:r>
+            <a:endParaRPr lang="en-GB" sz="1400" dirty="0">
+              <a:latin typeface="Times New Roman" panose="02020603050405020304" pitchFamily="18" charset="0"/>
+              <a:cs typeface="Times New Roman" panose="02020603050405020304" pitchFamily="18" charset="0"/>
+            </a:endParaRPr>
+          </a:p>
+        </p:txBody>
+      </p:sp>
     </p:spTree>
     <p:extLst>
       <p:ext uri="{BB962C8B-B14F-4D97-AF65-F5344CB8AC3E}">
@@ -4444,6 +5207,49 @@
           <a:chExt cx="0" cy="0"/>
         </a:xfrm>
       </p:grpSpPr>
+      <p:sp>
+        <p:nvSpPr>
+          <p:cNvPr id="2" name="TextBox 1">
+            <a:extLst>
+              <a:ext uri="{FF2B5EF4-FFF2-40B4-BE49-F238E27FC236}">
+                <a16:creationId xmlns:a16="http://schemas.microsoft.com/office/drawing/2014/main" id="{B899300B-16B9-2AA1-42EF-D7A03458C2E6}"/>
+              </a:ext>
+            </a:extLst>
+          </p:cNvPr>
+          <p:cNvSpPr txBox="1"/>
+          <p:nvPr/>
+        </p:nvSpPr>
+        <p:spPr>
+          <a:xfrm>
+            <a:off x="11091333" y="6550222"/>
+            <a:ext cx="1100667" cy="307777"/>
+          </a:xfrm>
+          <a:prstGeom prst="rect">
+            <a:avLst/>
+          </a:prstGeom>
+          <a:noFill/>
+        </p:spPr>
+        <p:txBody>
+          <a:bodyPr wrap="square" rtlCol="0">
+            <a:spAutoFit/>
+          </a:bodyPr>
+          <a:lstStyle/>
+          <a:p>
+            <a:pPr algn="r"/>
+            <a:r>
+              <a:rPr lang="fr-FR" sz="1400" dirty="0">
+                <a:latin typeface="Times New Roman" panose="02020603050405020304" pitchFamily="18" charset="0"/>
+                <a:cs typeface="Times New Roman" panose="02020603050405020304" pitchFamily="18" charset="0"/>
+              </a:rPr>
+              <a:t>10/10</a:t>
+            </a:r>
+            <a:endParaRPr lang="en-GB" sz="1400" dirty="0">
+              <a:latin typeface="Times New Roman" panose="02020603050405020304" pitchFamily="18" charset="0"/>
+              <a:cs typeface="Times New Roman" panose="02020603050405020304" pitchFamily="18" charset="0"/>
+            </a:endParaRPr>
+          </a:p>
+        </p:txBody>
+      </p:sp>
     </p:spTree>
     <p:extLst>
       <p:ext uri="{BB962C8B-B14F-4D97-AF65-F5344CB8AC3E}">
@@ -4532,8 +5338,8 @@
           </a:p>
         </p:txBody>
       </p:sp>
-      <mc:AlternateContent xmlns:mc="http://schemas.openxmlformats.org/markup-compatibility/2006" xmlns:a14="http://schemas.microsoft.com/office/drawing/2010/main">
-        <mc:Choice Requires="a14">
+      <mc:AlternateContent xmlns:mc="http://schemas.openxmlformats.org/markup-compatibility/2006">
+        <mc:Choice xmlns:a14="http://schemas.microsoft.com/office/drawing/2010/main" Requires="a14">
           <p:sp>
             <p:nvSpPr>
               <p:cNvPr id="2" name="TextBox 1">
@@ -4548,7 +5354,7 @@
             </p:nvSpPr>
             <p:spPr>
               <a:xfrm>
-                <a:off x="4420651" y="627468"/>
+                <a:off x="4420651" y="1855135"/>
                 <a:ext cx="1873462" cy="526683"/>
               </a:xfrm>
               <a:prstGeom prst="rect">
@@ -4697,7 +5503,7 @@
             </p:txBody>
           </p:sp>
         </mc:Choice>
-        <mc:Fallback xmlns="">
+        <mc:Fallback>
           <p:sp>
             <p:nvSpPr>
               <p:cNvPr id="2" name="TextBox 1">
@@ -4714,7 +5520,7 @@
             </p:nvSpPr>
             <p:spPr>
               <a:xfrm>
-                <a:off x="4420651" y="627468"/>
+                <a:off x="4420651" y="1855135"/>
                 <a:ext cx="1873462" cy="526683"/>
               </a:xfrm>
               <a:prstGeom prst="rect">
@@ -4742,8 +5548,8 @@
           </p:sp>
         </mc:Fallback>
       </mc:AlternateContent>
-      <mc:AlternateContent xmlns:mc="http://schemas.openxmlformats.org/markup-compatibility/2006" xmlns:a14="http://schemas.microsoft.com/office/drawing/2010/main">
-        <mc:Choice Requires="a14">
+      <mc:AlternateContent xmlns:mc="http://schemas.openxmlformats.org/markup-compatibility/2006">
+        <mc:Choice xmlns:a14="http://schemas.microsoft.com/office/drawing/2010/main" Requires="a14">
           <p:sp>
             <p:nvSpPr>
               <p:cNvPr id="3" name="TextBox 2">
@@ -4758,7 +5564,7 @@
             </p:nvSpPr>
             <p:spPr>
               <a:xfrm>
-                <a:off x="4420651" y="1251782"/>
+                <a:off x="4420651" y="2479449"/>
                 <a:ext cx="3202800" cy="598497"/>
               </a:xfrm>
               <a:prstGeom prst="rect">
@@ -4976,7 +5782,7 @@
             </p:txBody>
           </p:sp>
         </mc:Choice>
-        <mc:Fallback xmlns="">
+        <mc:Fallback>
           <p:sp>
             <p:nvSpPr>
               <p:cNvPr id="3" name="TextBox 2">
@@ -4993,7 +5799,7 @@
             </p:nvSpPr>
             <p:spPr>
               <a:xfrm>
-                <a:off x="4420651" y="1251782"/>
+                <a:off x="4420651" y="2479449"/>
                 <a:ext cx="3202800" cy="598497"/>
               </a:xfrm>
               <a:prstGeom prst="rect">
@@ -5035,7 +5841,7 @@
         </p:nvSpPr>
         <p:spPr>
           <a:xfrm>
-            <a:off x="0" y="627468"/>
+            <a:off x="0" y="1855135"/>
             <a:ext cx="4105341" cy="369332"/>
           </a:xfrm>
           <a:prstGeom prst="rect">
@@ -5064,8 +5870,8 @@
           </a:p>
         </p:txBody>
       </p:sp>
-      <mc:AlternateContent xmlns:mc="http://schemas.openxmlformats.org/markup-compatibility/2006" xmlns:a14="http://schemas.microsoft.com/office/drawing/2010/main">
-        <mc:Choice Requires="a14">
+      <mc:AlternateContent xmlns:mc="http://schemas.openxmlformats.org/markup-compatibility/2006">
+        <mc:Choice xmlns:a14="http://schemas.microsoft.com/office/drawing/2010/main" Requires="a14">
           <p:sp>
             <p:nvSpPr>
               <p:cNvPr id="5" name="TextBox 4">
@@ -5080,7 +5886,7 @@
             </p:nvSpPr>
             <p:spPr>
               <a:xfrm>
-                <a:off x="0" y="1073720"/>
+                <a:off x="0" y="2301387"/>
                 <a:ext cx="4281914" cy="776559"/>
               </a:xfrm>
               <a:prstGeom prst="rect">
@@ -5164,7 +5970,7 @@
             </p:txBody>
           </p:sp>
         </mc:Choice>
-        <mc:Fallback xmlns="">
+        <mc:Fallback>
           <p:sp>
             <p:nvSpPr>
               <p:cNvPr id="5" name="TextBox 4">
@@ -5181,7 +5987,7 @@
             </p:nvSpPr>
             <p:spPr>
               <a:xfrm>
-                <a:off x="0" y="1073720"/>
+                <a:off x="0" y="2301387"/>
                 <a:ext cx="4281914" cy="776559"/>
               </a:xfrm>
               <a:prstGeom prst="rect">
@@ -5190,7 +5996,7 @@
               <a:blipFill>
                 <a:blip r:embed="rId4"/>
                 <a:stretch>
-                  <a:fillRect l="-1140" t="-3906" r="-1140" b="-3125"/>
+                  <a:fillRect l="-1140" t="-4724" r="-1140" b="-3937"/>
                 </a:stretch>
               </a:blipFill>
             </p:spPr>
@@ -5209,8 +6015,8 @@
           </p:sp>
         </mc:Fallback>
       </mc:AlternateContent>
-      <mc:AlternateContent xmlns:mc="http://schemas.openxmlformats.org/markup-compatibility/2006" xmlns:a14="http://schemas.microsoft.com/office/drawing/2010/main">
-        <mc:Choice Requires="a14">
+      <mc:AlternateContent xmlns:mc="http://schemas.openxmlformats.org/markup-compatibility/2006">
+        <mc:Choice xmlns:a14="http://schemas.microsoft.com/office/drawing/2010/main" Requires="a14">
           <p:sp>
             <p:nvSpPr>
               <p:cNvPr id="6" name="TextBox 5">
@@ -5225,7 +6031,7 @@
             </p:nvSpPr>
             <p:spPr>
               <a:xfrm>
-                <a:off x="4430480" y="1850279"/>
+                <a:off x="4430480" y="3077946"/>
                 <a:ext cx="3525324" cy="633891"/>
               </a:xfrm>
               <a:prstGeom prst="rect">
@@ -5589,7 +6395,7 @@
             </p:txBody>
           </p:sp>
         </mc:Choice>
-        <mc:Fallback xmlns="">
+        <mc:Fallback>
           <p:sp>
             <p:nvSpPr>
               <p:cNvPr id="6" name="TextBox 5">
@@ -5606,7 +6412,7 @@
             </p:nvSpPr>
             <p:spPr>
               <a:xfrm>
-                <a:off x="4430480" y="1850279"/>
+                <a:off x="4430480" y="3077946"/>
                 <a:ext cx="3525324" cy="633891"/>
               </a:xfrm>
               <a:prstGeom prst="rect">
@@ -5648,7 +6454,7 @@
         </p:nvSpPr>
         <p:spPr>
           <a:xfrm>
-            <a:off x="8205427" y="1982558"/>
+            <a:off x="8205427" y="3210225"/>
             <a:ext cx="4105341" cy="369332"/>
           </a:xfrm>
           <a:prstGeom prst="rect">
@@ -5668,17 +6474,24 @@
                 <a:latin typeface="Times New Roman" panose="02020603050405020304" pitchFamily="18" charset="0"/>
                 <a:cs typeface="Times New Roman" panose="02020603050405020304" pitchFamily="18" charset="0"/>
               </a:rPr>
-              <a:t>Le problème est un problème elliptique</a:t>
+              <a:t>Le problème est un problème </a:t>
             </a:r>
-            <a:endParaRPr lang="en-GB" dirty="0">
+            <a:r>
+              <a:rPr lang="fr-FR" b="1" dirty="0">
+                <a:latin typeface="Times New Roman" panose="02020603050405020304" pitchFamily="18" charset="0"/>
+                <a:cs typeface="Times New Roman" panose="02020603050405020304" pitchFamily="18" charset="0"/>
+              </a:rPr>
+              <a:t>elliptique</a:t>
+            </a:r>
+            <a:endParaRPr lang="en-GB" b="1" dirty="0">
               <a:latin typeface="Times New Roman" panose="02020603050405020304" pitchFamily="18" charset="0"/>
               <a:cs typeface="Times New Roman" panose="02020603050405020304" pitchFamily="18" charset="0"/>
             </a:endParaRPr>
           </a:p>
         </p:txBody>
       </p:sp>
-      <mc:AlternateContent xmlns:mc="http://schemas.openxmlformats.org/markup-compatibility/2006" xmlns:a14="http://schemas.microsoft.com/office/drawing/2010/main">
-        <mc:Choice Requires="a14">
+      <mc:AlternateContent xmlns:mc="http://schemas.openxmlformats.org/markup-compatibility/2006">
+        <mc:Choice xmlns:a14="http://schemas.microsoft.com/office/drawing/2010/main" Requires="a14">
           <p:sp>
             <p:nvSpPr>
               <p:cNvPr id="8" name="TextBox 7">
@@ -5693,7 +6506,7 @@
             </p:nvSpPr>
             <p:spPr>
               <a:xfrm>
-                <a:off x="0" y="3440344"/>
+                <a:off x="0" y="5336881"/>
                 <a:ext cx="4281914" cy="1200329"/>
               </a:xfrm>
               <a:prstGeom prst="rect">
@@ -5784,7 +6597,7 @@
             </p:txBody>
           </p:sp>
         </mc:Choice>
-        <mc:Fallback xmlns="">
+        <mc:Fallback>
           <p:sp>
             <p:nvSpPr>
               <p:cNvPr id="8" name="TextBox 7">
@@ -5801,7 +6614,7 @@
             </p:nvSpPr>
             <p:spPr>
               <a:xfrm>
-                <a:off x="0" y="3440344"/>
+                <a:off x="0" y="5336881"/>
                 <a:ext cx="4281914" cy="1200329"/>
               </a:xfrm>
               <a:prstGeom prst="rect">
@@ -5829,8 +6642,8 @@
           </p:sp>
         </mc:Fallback>
       </mc:AlternateContent>
-      <mc:AlternateContent xmlns:mc="http://schemas.openxmlformats.org/markup-compatibility/2006" xmlns:a14="http://schemas.microsoft.com/office/drawing/2010/main">
-        <mc:Choice Requires="a14">
+      <mc:AlternateContent xmlns:mc="http://schemas.openxmlformats.org/markup-compatibility/2006">
+        <mc:Choice xmlns:a14="http://schemas.microsoft.com/office/drawing/2010/main" Requires="a14">
           <p:sp>
             <p:nvSpPr>
               <p:cNvPr id="13" name="TextBox 12">
@@ -5845,7 +6658,7 @@
             </p:nvSpPr>
             <p:spPr>
               <a:xfrm>
-                <a:off x="4430480" y="4040508"/>
+                <a:off x="4430480" y="5937045"/>
                 <a:ext cx="1876283" cy="276999"/>
               </a:xfrm>
               <a:prstGeom prst="rect">
@@ -5976,7 +6789,7 @@
             </p:txBody>
           </p:sp>
         </mc:Choice>
-        <mc:Fallback xmlns="">
+        <mc:Fallback>
           <p:sp>
             <p:nvSpPr>
               <p:cNvPr id="13" name="TextBox 12">
@@ -5993,7 +6806,7 @@
             </p:nvSpPr>
             <p:spPr>
               <a:xfrm>
-                <a:off x="4430480" y="4040508"/>
+                <a:off x="4430480" y="5937045"/>
                 <a:ext cx="1876283" cy="276999"/>
               </a:xfrm>
               <a:prstGeom prst="rect">
@@ -6021,8 +6834,8 @@
           </p:sp>
         </mc:Fallback>
       </mc:AlternateContent>
-      <mc:AlternateContent xmlns:mc="http://schemas.openxmlformats.org/markup-compatibility/2006" xmlns:a14="http://schemas.microsoft.com/office/drawing/2010/main">
-        <mc:Choice Requires="a14">
+      <mc:AlternateContent xmlns:mc="http://schemas.openxmlformats.org/markup-compatibility/2006">
+        <mc:Choice xmlns:a14="http://schemas.microsoft.com/office/drawing/2010/main" Requires="a14">
           <p:sp>
             <p:nvSpPr>
               <p:cNvPr id="14" name="TextBox 13">
@@ -6037,7 +6850,7 @@
             </p:nvSpPr>
             <p:spPr>
               <a:xfrm>
-                <a:off x="4430480" y="4317507"/>
+                <a:off x="4430480" y="6214044"/>
                 <a:ext cx="1450397" cy="276999"/>
               </a:xfrm>
               <a:prstGeom prst="rect">
@@ -6141,7 +6954,7 @@
             </p:txBody>
           </p:sp>
         </mc:Choice>
-        <mc:Fallback xmlns="">
+        <mc:Fallback>
           <p:sp>
             <p:nvSpPr>
               <p:cNvPr id="14" name="TextBox 13">
@@ -6158,7 +6971,7 @@
             </p:nvSpPr>
             <p:spPr>
               <a:xfrm>
-                <a:off x="4430480" y="4317507"/>
+                <a:off x="4430480" y="6214044"/>
                 <a:ext cx="1450397" cy="276999"/>
               </a:xfrm>
               <a:prstGeom prst="rect">
@@ -6200,7 +7013,7 @@
         </p:nvSpPr>
         <p:spPr>
           <a:xfrm>
-            <a:off x="6455330" y="3497344"/>
+            <a:off x="6455330" y="5393881"/>
             <a:ext cx="180376" cy="1097161"/>
           </a:xfrm>
           <a:prstGeom prst="rightBrace">
@@ -6233,8 +7046,8 @@
           </a:p>
         </p:txBody>
       </p:sp>
-      <mc:AlternateContent xmlns:mc="http://schemas.openxmlformats.org/markup-compatibility/2006" xmlns:a14="http://schemas.microsoft.com/office/drawing/2010/main">
-        <mc:Choice Requires="a14">
+      <mc:AlternateContent xmlns:mc="http://schemas.openxmlformats.org/markup-compatibility/2006">
+        <mc:Choice xmlns:a14="http://schemas.microsoft.com/office/drawing/2010/main" Requires="a14">
           <p:sp>
             <p:nvSpPr>
               <p:cNvPr id="17" name="TextBox 16">
@@ -6249,7 +7062,7 @@
             </p:nvSpPr>
             <p:spPr>
               <a:xfrm>
-                <a:off x="6784273" y="3497344"/>
+                <a:off x="6784273" y="5393881"/>
                 <a:ext cx="1943096" cy="628249"/>
               </a:xfrm>
               <a:prstGeom prst="rect">
@@ -6444,7 +7257,7 @@
             </p:txBody>
           </p:sp>
         </mc:Choice>
-        <mc:Fallback xmlns="">
+        <mc:Fallback>
           <p:sp>
             <p:nvSpPr>
               <p:cNvPr id="17" name="TextBox 16">
@@ -6461,7 +7274,7 @@
             </p:nvSpPr>
             <p:spPr>
               <a:xfrm>
-                <a:off x="6784273" y="3497344"/>
+                <a:off x="6784273" y="5393881"/>
                 <a:ext cx="1943096" cy="628249"/>
               </a:xfrm>
               <a:prstGeom prst="rect">
@@ -6489,8 +7302,8 @@
           </p:sp>
         </mc:Fallback>
       </mc:AlternateContent>
-      <mc:AlternateContent xmlns:mc="http://schemas.openxmlformats.org/markup-compatibility/2006" xmlns:a14="http://schemas.microsoft.com/office/drawing/2010/main">
-        <mc:Choice Requires="a14">
+      <mc:AlternateContent xmlns:mc="http://schemas.openxmlformats.org/markup-compatibility/2006">
+        <mc:Choice xmlns:a14="http://schemas.microsoft.com/office/drawing/2010/main" Requires="a14">
           <p:sp>
             <p:nvSpPr>
               <p:cNvPr id="18" name="TextBox 17">
@@ -6505,7 +7318,7 @@
             </p:nvSpPr>
             <p:spPr>
               <a:xfrm>
-                <a:off x="6784273" y="4141881"/>
+                <a:off x="6784273" y="6038418"/>
                 <a:ext cx="4065087" cy="631840"/>
               </a:xfrm>
               <a:prstGeom prst="rect">
@@ -6885,7 +7698,7 @@
             </p:txBody>
           </p:sp>
         </mc:Choice>
-        <mc:Fallback xmlns="">
+        <mc:Fallback>
           <p:sp>
             <p:nvSpPr>
               <p:cNvPr id="18" name="TextBox 17">
@@ -6902,7 +7715,7 @@
             </p:nvSpPr>
             <p:spPr>
               <a:xfrm>
-                <a:off x="6784273" y="4141881"/>
+                <a:off x="6784273" y="6038418"/>
                 <a:ext cx="4065087" cy="631840"/>
               </a:xfrm>
               <a:prstGeom prst="rect">
@@ -6944,7 +7757,7 @@
         </p:nvSpPr>
         <p:spPr>
           <a:xfrm>
-            <a:off x="8875936" y="3497344"/>
+            <a:off x="8875936" y="5393881"/>
             <a:ext cx="2652418" cy="369332"/>
           </a:xfrm>
           <a:prstGeom prst="rect">
@@ -6987,7 +7800,7 @@
         </p:nvSpPr>
         <p:spPr>
           <a:xfrm>
-            <a:off x="8934450" y="4141881"/>
+            <a:off x="8934450" y="6038418"/>
             <a:ext cx="1914910" cy="670444"/>
           </a:xfrm>
           <a:prstGeom prst="rect">
@@ -7069,1176 +7882,6 @@
           </a:p>
         </p:txBody>
       </p:sp>
-      <mc:AlternateContent xmlns:mc="http://schemas.openxmlformats.org/markup-compatibility/2006" xmlns:a14="http://schemas.microsoft.com/office/drawing/2010/main">
-        <mc:Choice Requires="a14">
-          <p:sp>
-            <p:nvSpPr>
-              <p:cNvPr id="10" name="TextBox 9">
-                <a:extLst>
-                  <a:ext uri="{FF2B5EF4-FFF2-40B4-BE49-F238E27FC236}">
-                    <a16:creationId xmlns:a16="http://schemas.microsoft.com/office/drawing/2014/main" id="{C6304A20-79B7-2C12-19AC-070605972BB4}"/>
-                  </a:ext>
-                </a:extLst>
-              </p:cNvPr>
-              <p:cNvSpPr txBox="1"/>
-              <p:nvPr/>
-            </p:nvSpPr>
-            <p:spPr>
-              <a:xfrm>
-                <a:off x="0" y="5180565"/>
-                <a:ext cx="6236839" cy="369332"/>
-              </a:xfrm>
-              <a:prstGeom prst="rect">
-                <a:avLst/>
-              </a:prstGeom>
-              <a:noFill/>
-            </p:spPr>
-            <p:txBody>
-              <a:bodyPr wrap="square" rtlCol="0">
-                <a:spAutoFit/>
-              </a:bodyPr>
-              <a:lstStyle/>
-              <a:p>
-                <a:pPr algn="just"/>
-                <a:r>
-                  <a:rPr lang="fr-FR" dirty="0">
-                    <a:latin typeface="Times New Roman" panose="02020603050405020304" pitchFamily="18" charset="0"/>
-                    <a:cs typeface="Times New Roman" panose="02020603050405020304" pitchFamily="18" charset="0"/>
-                  </a:rPr>
-                  <a:t>Voici le schéma de discrétisation proposé (5 nœuds i.e., </a:t>
-                </a:r>
-                <a14:m>
-                  <m:oMath xmlns:m="http://schemas.openxmlformats.org/officeDocument/2006/math">
-                    <m:r>
-                      <a:rPr lang="fr-FR" b="0" i="1" smtClean="0">
-                        <a:latin typeface="Cambria Math" panose="02040503050406030204" pitchFamily="18" charset="0"/>
-                        <a:cs typeface="Times New Roman" panose="02020603050405020304" pitchFamily="18" charset="0"/>
-                      </a:rPr>
-                      <m:t>𝑁</m:t>
-                    </m:r>
-                    <m:r>
-                      <a:rPr lang="fr-FR" b="0" i="1" smtClean="0">
-                        <a:latin typeface="Cambria Math" panose="02040503050406030204" pitchFamily="18" charset="0"/>
-                        <a:cs typeface="Times New Roman" panose="02020603050405020304" pitchFamily="18" charset="0"/>
-                      </a:rPr>
-                      <m:t>=5</m:t>
-                    </m:r>
-                  </m:oMath>
-                </a14:m>
-                <a:r>
-                  <a:rPr lang="fr-FR" dirty="0">
-                    <a:latin typeface="Times New Roman" panose="02020603050405020304" pitchFamily="18" charset="0"/>
-                    <a:cs typeface="Times New Roman" panose="02020603050405020304" pitchFamily="18" charset="0"/>
-                  </a:rPr>
-                  <a:t>) : </a:t>
-                </a:r>
-                <a:endParaRPr lang="en-GB" dirty="0">
-                  <a:latin typeface="Times New Roman" panose="02020603050405020304" pitchFamily="18" charset="0"/>
-                  <a:cs typeface="Times New Roman" panose="02020603050405020304" pitchFamily="18" charset="0"/>
-                </a:endParaRPr>
-              </a:p>
-            </p:txBody>
-          </p:sp>
-        </mc:Choice>
-        <mc:Fallback xmlns="">
-          <p:sp>
-            <p:nvSpPr>
-              <p:cNvPr id="10" name="TextBox 9">
-                <a:extLst>
-                  <a:ext uri="{FF2B5EF4-FFF2-40B4-BE49-F238E27FC236}">
-                    <a16:creationId xmlns:a16="http://schemas.microsoft.com/office/drawing/2014/main" id="{C6304A20-79B7-2C12-19AC-070605972BB4}"/>
-                  </a:ext>
-                </a:extLst>
-              </p:cNvPr>
-              <p:cNvSpPr txBox="1">
-                <a:spLocks noRot="1" noChangeAspect="1" noMove="1" noResize="1" noEditPoints="1" noAdjustHandles="1" noChangeArrowheads="1" noChangeShapeType="1" noTextEdit="1"/>
-              </p:cNvSpPr>
-              <p:nvPr/>
-            </p:nvSpPr>
-            <p:spPr>
-              <a:xfrm>
-                <a:off x="0" y="5180565"/>
-                <a:ext cx="6236839" cy="369332"/>
-              </a:xfrm>
-              <a:prstGeom prst="rect">
-                <a:avLst/>
-              </a:prstGeom>
-              <a:blipFill>
-                <a:blip r:embed="rId11"/>
-                <a:stretch>
-                  <a:fillRect l="-782" t="-10000" b="-26667"/>
-                </a:stretch>
-              </a:blipFill>
-            </p:spPr>
-            <p:txBody>
-              <a:bodyPr/>
-              <a:lstStyle/>
-              <a:p>
-                <a:r>
-                  <a:rPr lang="en-GB">
-                    <a:noFill/>
-                  </a:rPr>
-                  <a:t> </a:t>
-                </a:r>
-              </a:p>
-            </p:txBody>
-          </p:sp>
-        </mc:Fallback>
-      </mc:AlternateContent>
-      <p:sp>
-        <p:nvSpPr>
-          <p:cNvPr id="11" name="Oval 10">
-            <a:extLst>
-              <a:ext uri="{FF2B5EF4-FFF2-40B4-BE49-F238E27FC236}">
-                <a16:creationId xmlns:a16="http://schemas.microsoft.com/office/drawing/2014/main" id="{6C8DEBA5-DA61-1066-6DD5-9ED99B65BDE2}"/>
-              </a:ext>
-            </a:extLst>
-          </p:cNvPr>
-          <p:cNvSpPr/>
-          <p:nvPr/>
-        </p:nvSpPr>
-        <p:spPr>
-          <a:xfrm>
-            <a:off x="6766559" y="5335627"/>
-            <a:ext cx="162492" cy="162492"/>
-          </a:xfrm>
-          <a:prstGeom prst="ellipse">
-            <a:avLst/>
-          </a:prstGeom>
-        </p:spPr>
-        <p:style>
-          <a:lnRef idx="2">
-            <a:schemeClr val="dk1">
-              <a:shade val="15000"/>
-            </a:schemeClr>
-          </a:lnRef>
-          <a:fillRef idx="1">
-            <a:schemeClr val="dk1"/>
-          </a:fillRef>
-          <a:effectRef idx="0">
-            <a:schemeClr val="dk1"/>
-          </a:effectRef>
-          <a:fontRef idx="minor">
-            <a:schemeClr val="lt1"/>
-          </a:fontRef>
-        </p:style>
-        <p:txBody>
-          <a:bodyPr rtlCol="0" anchor="ctr"/>
-          <a:lstStyle/>
-          <a:p>
-            <a:pPr algn="ctr"/>
-            <a:endParaRPr lang="en-GB"/>
-          </a:p>
-        </p:txBody>
-      </p:sp>
-      <p:sp>
-        <p:nvSpPr>
-          <p:cNvPr id="12" name="Oval 11">
-            <a:extLst>
-              <a:ext uri="{FF2B5EF4-FFF2-40B4-BE49-F238E27FC236}">
-                <a16:creationId xmlns:a16="http://schemas.microsoft.com/office/drawing/2014/main" id="{CD555B3B-1273-B030-5A00-48B9923A6D1D}"/>
-              </a:ext>
-            </a:extLst>
-          </p:cNvPr>
-          <p:cNvSpPr/>
-          <p:nvPr/>
-        </p:nvSpPr>
-        <p:spPr>
-          <a:xfrm>
-            <a:off x="7601606" y="5335627"/>
-            <a:ext cx="162492" cy="162492"/>
-          </a:xfrm>
-          <a:prstGeom prst="ellipse">
-            <a:avLst/>
-          </a:prstGeom>
-        </p:spPr>
-        <p:style>
-          <a:lnRef idx="2">
-            <a:schemeClr val="dk1">
-              <a:shade val="15000"/>
-            </a:schemeClr>
-          </a:lnRef>
-          <a:fillRef idx="1">
-            <a:schemeClr val="dk1"/>
-          </a:fillRef>
-          <a:effectRef idx="0">
-            <a:schemeClr val="dk1"/>
-          </a:effectRef>
-          <a:fontRef idx="minor">
-            <a:schemeClr val="lt1"/>
-          </a:fontRef>
-        </p:style>
-        <p:txBody>
-          <a:bodyPr rtlCol="0" anchor="ctr"/>
-          <a:lstStyle/>
-          <a:p>
-            <a:pPr algn="ctr"/>
-            <a:endParaRPr lang="en-GB"/>
-          </a:p>
-        </p:txBody>
-      </p:sp>
-      <p:sp>
-        <p:nvSpPr>
-          <p:cNvPr id="16" name="Oval 15">
-            <a:extLst>
-              <a:ext uri="{FF2B5EF4-FFF2-40B4-BE49-F238E27FC236}">
-                <a16:creationId xmlns:a16="http://schemas.microsoft.com/office/drawing/2014/main" id="{2DC757D9-32CE-64B4-6E3D-3D217D7E5F46}"/>
-              </a:ext>
-            </a:extLst>
-          </p:cNvPr>
-          <p:cNvSpPr/>
-          <p:nvPr/>
-        </p:nvSpPr>
-        <p:spPr>
-          <a:xfrm>
-            <a:off x="8436653" y="5335627"/>
-            <a:ext cx="162492" cy="162492"/>
-          </a:xfrm>
-          <a:prstGeom prst="ellipse">
-            <a:avLst/>
-          </a:prstGeom>
-        </p:spPr>
-        <p:style>
-          <a:lnRef idx="2">
-            <a:schemeClr val="dk1">
-              <a:shade val="15000"/>
-            </a:schemeClr>
-          </a:lnRef>
-          <a:fillRef idx="1">
-            <a:schemeClr val="dk1"/>
-          </a:fillRef>
-          <a:effectRef idx="0">
-            <a:schemeClr val="dk1"/>
-          </a:effectRef>
-          <a:fontRef idx="minor">
-            <a:schemeClr val="lt1"/>
-          </a:fontRef>
-        </p:style>
-        <p:txBody>
-          <a:bodyPr rtlCol="0" anchor="ctr"/>
-          <a:lstStyle/>
-          <a:p>
-            <a:pPr algn="ctr"/>
-            <a:endParaRPr lang="en-GB"/>
-          </a:p>
-        </p:txBody>
-      </p:sp>
-      <p:sp>
-        <p:nvSpPr>
-          <p:cNvPr id="21" name="Oval 20">
-            <a:extLst>
-              <a:ext uri="{FF2B5EF4-FFF2-40B4-BE49-F238E27FC236}">
-                <a16:creationId xmlns:a16="http://schemas.microsoft.com/office/drawing/2014/main" id="{3EC77938-36F5-9BEC-0F4B-506822FDA0D7}"/>
-              </a:ext>
-            </a:extLst>
-          </p:cNvPr>
-          <p:cNvSpPr/>
-          <p:nvPr/>
-        </p:nvSpPr>
-        <p:spPr>
-          <a:xfrm>
-            <a:off x="9271700" y="5335627"/>
-            <a:ext cx="162492" cy="162492"/>
-          </a:xfrm>
-          <a:prstGeom prst="ellipse">
-            <a:avLst/>
-          </a:prstGeom>
-        </p:spPr>
-        <p:style>
-          <a:lnRef idx="2">
-            <a:schemeClr val="dk1">
-              <a:shade val="15000"/>
-            </a:schemeClr>
-          </a:lnRef>
-          <a:fillRef idx="1">
-            <a:schemeClr val="dk1"/>
-          </a:fillRef>
-          <a:effectRef idx="0">
-            <a:schemeClr val="dk1"/>
-          </a:effectRef>
-          <a:fontRef idx="minor">
-            <a:schemeClr val="lt1"/>
-          </a:fontRef>
-        </p:style>
-        <p:txBody>
-          <a:bodyPr rtlCol="0" anchor="ctr"/>
-          <a:lstStyle/>
-          <a:p>
-            <a:pPr algn="ctr"/>
-            <a:endParaRPr lang="en-GB"/>
-          </a:p>
-        </p:txBody>
-      </p:sp>
-      <p:sp>
-        <p:nvSpPr>
-          <p:cNvPr id="22" name="Oval 21">
-            <a:extLst>
-              <a:ext uri="{FF2B5EF4-FFF2-40B4-BE49-F238E27FC236}">
-                <a16:creationId xmlns:a16="http://schemas.microsoft.com/office/drawing/2014/main" id="{076029C1-43EB-D64D-D844-7C346AFBB080}"/>
-              </a:ext>
-            </a:extLst>
-          </p:cNvPr>
-          <p:cNvSpPr/>
-          <p:nvPr/>
-        </p:nvSpPr>
-        <p:spPr>
-          <a:xfrm>
-            <a:off x="10106746" y="5335627"/>
-            <a:ext cx="162492" cy="162492"/>
-          </a:xfrm>
-          <a:prstGeom prst="ellipse">
-            <a:avLst/>
-          </a:prstGeom>
-        </p:spPr>
-        <p:style>
-          <a:lnRef idx="2">
-            <a:schemeClr val="dk1">
-              <a:shade val="15000"/>
-            </a:schemeClr>
-          </a:lnRef>
-          <a:fillRef idx="1">
-            <a:schemeClr val="dk1"/>
-          </a:fillRef>
-          <a:effectRef idx="0">
-            <a:schemeClr val="dk1"/>
-          </a:effectRef>
-          <a:fontRef idx="minor">
-            <a:schemeClr val="lt1"/>
-          </a:fontRef>
-        </p:style>
-        <p:txBody>
-          <a:bodyPr rtlCol="0" anchor="ctr"/>
-          <a:lstStyle/>
-          <a:p>
-            <a:pPr algn="ctr"/>
-            <a:endParaRPr lang="en-GB"/>
-          </a:p>
-        </p:txBody>
-      </p:sp>
-      <p:cxnSp>
-        <p:nvCxnSpPr>
-          <p:cNvPr id="24" name="Straight Connector 23">
-            <a:extLst>
-              <a:ext uri="{FF2B5EF4-FFF2-40B4-BE49-F238E27FC236}">
-                <a16:creationId xmlns:a16="http://schemas.microsoft.com/office/drawing/2014/main" id="{6F658F9A-65C2-7BA4-F770-1845190CFD82}"/>
-              </a:ext>
-            </a:extLst>
-          </p:cNvPr>
-          <p:cNvCxnSpPr>
-            <a:stCxn id="11" idx="6"/>
-            <a:endCxn id="22" idx="2"/>
-          </p:cNvCxnSpPr>
-          <p:nvPr/>
-        </p:nvCxnSpPr>
-        <p:spPr>
-          <a:xfrm>
-            <a:off x="6929051" y="5416873"/>
-            <a:ext cx="3177695" cy="0"/>
-          </a:xfrm>
-          <a:prstGeom prst="line">
-            <a:avLst/>
-          </a:prstGeom>
-          <a:ln w="38100">
-            <a:solidFill>
-              <a:schemeClr val="bg2">
-                <a:lumMod val="10000"/>
-              </a:schemeClr>
-            </a:solidFill>
-          </a:ln>
-        </p:spPr>
-        <p:style>
-          <a:lnRef idx="2">
-            <a:schemeClr val="accent1"/>
-          </a:lnRef>
-          <a:fillRef idx="0">
-            <a:schemeClr val="accent1"/>
-          </a:fillRef>
-          <a:effectRef idx="1">
-            <a:schemeClr val="accent1"/>
-          </a:effectRef>
-          <a:fontRef idx="minor">
-            <a:schemeClr val="tx1"/>
-          </a:fontRef>
-        </p:style>
-      </p:cxnSp>
-      <p:cxnSp>
-        <p:nvCxnSpPr>
-          <p:cNvPr id="26" name="Straight Arrow Connector 25">
-            <a:extLst>
-              <a:ext uri="{FF2B5EF4-FFF2-40B4-BE49-F238E27FC236}">
-                <a16:creationId xmlns:a16="http://schemas.microsoft.com/office/drawing/2014/main" id="{8913117D-71DC-16F9-2BD3-DA9D3BA1721B}"/>
-              </a:ext>
-            </a:extLst>
-          </p:cNvPr>
-          <p:cNvCxnSpPr/>
-          <p:nvPr/>
-        </p:nvCxnSpPr>
-        <p:spPr>
-          <a:xfrm>
-            <a:off x="6583680" y="5762809"/>
-            <a:ext cx="4086422" cy="0"/>
-          </a:xfrm>
-          <a:prstGeom prst="straightConnector1">
-            <a:avLst/>
-          </a:prstGeom>
-          <a:ln>
-            <a:solidFill>
-              <a:schemeClr val="bg2">
-                <a:lumMod val="10000"/>
-              </a:schemeClr>
-            </a:solidFill>
-            <a:tailEnd type="triangle"/>
-          </a:ln>
-        </p:spPr>
-        <p:style>
-          <a:lnRef idx="2">
-            <a:schemeClr val="accent1"/>
-          </a:lnRef>
-          <a:fillRef idx="0">
-            <a:schemeClr val="accent1"/>
-          </a:fillRef>
-          <a:effectRef idx="1">
-            <a:schemeClr val="accent1"/>
-          </a:effectRef>
-          <a:fontRef idx="minor">
-            <a:schemeClr val="tx1"/>
-          </a:fontRef>
-        </p:style>
-      </p:cxnSp>
-      <mc:AlternateContent xmlns:mc="http://schemas.openxmlformats.org/markup-compatibility/2006" xmlns:a14="http://schemas.microsoft.com/office/drawing/2010/main">
-        <mc:Choice Requires="a14">
-          <p:sp>
-            <p:nvSpPr>
-              <p:cNvPr id="27" name="TextBox 26">
-                <a:extLst>
-                  <a:ext uri="{FF2B5EF4-FFF2-40B4-BE49-F238E27FC236}">
-                    <a16:creationId xmlns:a16="http://schemas.microsoft.com/office/drawing/2014/main" id="{07EBCD55-934E-A1D6-843D-1695B2FD8ECB}"/>
-                  </a:ext>
-                </a:extLst>
-              </p:cNvPr>
-              <p:cNvSpPr txBox="1"/>
-              <p:nvPr/>
-            </p:nvSpPr>
-            <p:spPr>
-              <a:xfrm>
-                <a:off x="10738389" y="5607469"/>
-                <a:ext cx="160557" cy="276999"/>
-              </a:xfrm>
-              <a:prstGeom prst="rect">
-                <a:avLst/>
-              </a:prstGeom>
-              <a:noFill/>
-            </p:spPr>
-            <p:txBody>
-              <a:bodyPr wrap="none" lIns="0" tIns="0" rIns="0" bIns="0" rtlCol="0">
-                <a:spAutoFit/>
-              </a:bodyPr>
-              <a:lstStyle/>
-              <a:p>
-                <a:pPr/>
-                <a14:m>
-                  <m:oMathPara xmlns:m="http://schemas.openxmlformats.org/officeDocument/2006/math">
-                    <m:oMathParaPr>
-                      <m:jc m:val="centerGroup"/>
-                    </m:oMathParaPr>
-                    <m:oMath xmlns:m="http://schemas.openxmlformats.org/officeDocument/2006/math">
-                      <m:r>
-                        <a:rPr lang="fr-FR" b="0" i="1" smtClean="0">
-                          <a:latin typeface="Cambria Math" panose="02040503050406030204" pitchFamily="18" charset="0"/>
-                        </a:rPr>
-                        <m:t>𝑟</m:t>
-                      </m:r>
-                    </m:oMath>
-                  </m:oMathPara>
-                </a14:m>
-                <a:endParaRPr lang="en-GB" dirty="0"/>
-              </a:p>
-            </p:txBody>
-          </p:sp>
-        </mc:Choice>
-        <mc:Fallback xmlns="">
-          <p:sp>
-            <p:nvSpPr>
-              <p:cNvPr id="27" name="TextBox 26">
-                <a:extLst>
-                  <a:ext uri="{FF2B5EF4-FFF2-40B4-BE49-F238E27FC236}">
-                    <a16:creationId xmlns:a16="http://schemas.microsoft.com/office/drawing/2014/main" id="{07EBCD55-934E-A1D6-843D-1695B2FD8ECB}"/>
-                  </a:ext>
-                </a:extLst>
-              </p:cNvPr>
-              <p:cNvSpPr txBox="1">
-                <a:spLocks noRot="1" noChangeAspect="1" noMove="1" noResize="1" noEditPoints="1" noAdjustHandles="1" noChangeArrowheads="1" noChangeShapeType="1" noTextEdit="1"/>
-              </p:cNvSpPr>
-              <p:nvPr/>
-            </p:nvSpPr>
-            <p:spPr>
-              <a:xfrm>
-                <a:off x="10738389" y="5607469"/>
-                <a:ext cx="160557" cy="276999"/>
-              </a:xfrm>
-              <a:prstGeom prst="rect">
-                <a:avLst/>
-              </a:prstGeom>
-              <a:blipFill>
-                <a:blip r:embed="rId12"/>
-                <a:stretch>
-                  <a:fillRect l="-23077" r="-23077"/>
-                </a:stretch>
-              </a:blipFill>
-            </p:spPr>
-            <p:txBody>
-              <a:bodyPr/>
-              <a:lstStyle/>
-              <a:p>
-                <a:r>
-                  <a:rPr lang="en-GB">
-                    <a:noFill/>
-                  </a:rPr>
-                  <a:t> </a:t>
-                </a:r>
-              </a:p>
-            </p:txBody>
-          </p:sp>
-        </mc:Fallback>
-      </mc:AlternateContent>
-      <mc:AlternateContent xmlns:mc="http://schemas.openxmlformats.org/markup-compatibility/2006" xmlns:a14="http://schemas.microsoft.com/office/drawing/2010/main">
-        <mc:Choice Requires="a14">
-          <p:sp>
-            <p:nvSpPr>
-              <p:cNvPr id="28" name="TextBox 27">
-                <a:extLst>
-                  <a:ext uri="{FF2B5EF4-FFF2-40B4-BE49-F238E27FC236}">
-                    <a16:creationId xmlns:a16="http://schemas.microsoft.com/office/drawing/2014/main" id="{80F08257-A450-5C04-241D-1002B4DA1E8B}"/>
-                  </a:ext>
-                </a:extLst>
-              </p:cNvPr>
-              <p:cNvSpPr txBox="1"/>
-              <p:nvPr/>
-            </p:nvSpPr>
-            <p:spPr>
-              <a:xfrm>
-                <a:off x="6552724" y="5468969"/>
-                <a:ext cx="590162" cy="276999"/>
-              </a:xfrm>
-              <a:prstGeom prst="rect">
-                <a:avLst/>
-              </a:prstGeom>
-              <a:noFill/>
-            </p:spPr>
-            <p:txBody>
-              <a:bodyPr wrap="none" lIns="0" tIns="0" rIns="0" bIns="0" rtlCol="0">
-                <a:spAutoFit/>
-              </a:bodyPr>
-              <a:lstStyle/>
-              <a:p>
-                <a:pPr/>
-                <a14:m>
-                  <m:oMathPara xmlns:m="http://schemas.openxmlformats.org/officeDocument/2006/math">
-                    <m:oMathParaPr>
-                      <m:jc m:val="centerGroup"/>
-                    </m:oMathParaPr>
-                    <m:oMath xmlns:m="http://schemas.openxmlformats.org/officeDocument/2006/math">
-                      <m:r>
-                        <a:rPr lang="fr-FR" b="0" i="1" smtClean="0">
-                          <a:latin typeface="Cambria Math" panose="02040503050406030204" pitchFamily="18" charset="0"/>
-                        </a:rPr>
-                        <m:t>𝑟</m:t>
-                      </m:r>
-                      <m:r>
-                        <a:rPr lang="fr-FR" b="0" i="1" smtClean="0">
-                          <a:latin typeface="Cambria Math" panose="02040503050406030204" pitchFamily="18" charset="0"/>
-                        </a:rPr>
-                        <m:t>=0</m:t>
-                      </m:r>
-                    </m:oMath>
-                  </m:oMathPara>
-                </a14:m>
-                <a:endParaRPr lang="en-GB" dirty="0"/>
-              </a:p>
-            </p:txBody>
-          </p:sp>
-        </mc:Choice>
-        <mc:Fallback xmlns="">
-          <p:sp>
-            <p:nvSpPr>
-              <p:cNvPr id="28" name="TextBox 27">
-                <a:extLst>
-                  <a:ext uri="{FF2B5EF4-FFF2-40B4-BE49-F238E27FC236}">
-                    <a16:creationId xmlns:a16="http://schemas.microsoft.com/office/drawing/2014/main" id="{80F08257-A450-5C04-241D-1002B4DA1E8B}"/>
-                  </a:ext>
-                </a:extLst>
-              </p:cNvPr>
-              <p:cNvSpPr txBox="1">
-                <a:spLocks noRot="1" noChangeAspect="1" noMove="1" noResize="1" noEditPoints="1" noAdjustHandles="1" noChangeArrowheads="1" noChangeShapeType="1" noTextEdit="1"/>
-              </p:cNvSpPr>
-              <p:nvPr/>
-            </p:nvSpPr>
-            <p:spPr>
-              <a:xfrm>
-                <a:off x="6552724" y="5468969"/>
-                <a:ext cx="590162" cy="276999"/>
-              </a:xfrm>
-              <a:prstGeom prst="rect">
-                <a:avLst/>
-              </a:prstGeom>
-              <a:blipFill>
-                <a:blip r:embed="rId13"/>
-                <a:stretch>
-                  <a:fillRect l="-6186" r="-9278" b="-6522"/>
-                </a:stretch>
-              </a:blipFill>
-            </p:spPr>
-            <p:txBody>
-              <a:bodyPr/>
-              <a:lstStyle/>
-              <a:p>
-                <a:r>
-                  <a:rPr lang="en-GB">
-                    <a:noFill/>
-                  </a:rPr>
-                  <a:t> </a:t>
-                </a:r>
-              </a:p>
-            </p:txBody>
-          </p:sp>
-        </mc:Fallback>
-      </mc:AlternateContent>
-      <mc:AlternateContent xmlns:mc="http://schemas.openxmlformats.org/markup-compatibility/2006" xmlns:a14="http://schemas.microsoft.com/office/drawing/2010/main">
-        <mc:Choice Requires="a14">
-          <p:sp>
-            <p:nvSpPr>
-              <p:cNvPr id="29" name="TextBox 28">
-                <a:extLst>
-                  <a:ext uri="{FF2B5EF4-FFF2-40B4-BE49-F238E27FC236}">
-                    <a16:creationId xmlns:a16="http://schemas.microsoft.com/office/drawing/2014/main" id="{CF2D0C7F-4528-1D12-5632-7B96F6D67486}"/>
-                  </a:ext>
-                </a:extLst>
-              </p:cNvPr>
-              <p:cNvSpPr txBox="1"/>
-              <p:nvPr/>
-            </p:nvSpPr>
-            <p:spPr>
-              <a:xfrm>
-                <a:off x="9889730" y="5496099"/>
-                <a:ext cx="616131" cy="276999"/>
-              </a:xfrm>
-              <a:prstGeom prst="rect">
-                <a:avLst/>
-              </a:prstGeom>
-              <a:noFill/>
-            </p:spPr>
-            <p:txBody>
-              <a:bodyPr wrap="none" lIns="0" tIns="0" rIns="0" bIns="0" rtlCol="0">
-                <a:spAutoFit/>
-              </a:bodyPr>
-              <a:lstStyle/>
-              <a:p>
-                <a:pPr/>
-                <a14:m>
-                  <m:oMathPara xmlns:m="http://schemas.openxmlformats.org/officeDocument/2006/math">
-                    <m:oMathParaPr>
-                      <m:jc m:val="centerGroup"/>
-                    </m:oMathParaPr>
-                    <m:oMath xmlns:m="http://schemas.openxmlformats.org/officeDocument/2006/math">
-                      <m:r>
-                        <a:rPr lang="fr-FR" b="0" i="1" smtClean="0">
-                          <a:latin typeface="Cambria Math" panose="02040503050406030204" pitchFamily="18" charset="0"/>
-                        </a:rPr>
-                        <m:t>𝑟</m:t>
-                      </m:r>
-                      <m:r>
-                        <a:rPr lang="fr-FR" b="0" i="1" smtClean="0">
-                          <a:latin typeface="Cambria Math" panose="02040503050406030204" pitchFamily="18" charset="0"/>
-                        </a:rPr>
-                        <m:t>=</m:t>
-                      </m:r>
-                      <m:r>
-                        <a:rPr lang="fr-FR" b="0" i="1" smtClean="0">
-                          <a:latin typeface="Cambria Math" panose="02040503050406030204" pitchFamily="18" charset="0"/>
-                        </a:rPr>
-                        <m:t>𝑅</m:t>
-                      </m:r>
-                    </m:oMath>
-                  </m:oMathPara>
-                </a14:m>
-                <a:endParaRPr lang="en-GB" dirty="0"/>
-              </a:p>
-            </p:txBody>
-          </p:sp>
-        </mc:Choice>
-        <mc:Fallback xmlns="">
-          <p:sp>
-            <p:nvSpPr>
-              <p:cNvPr id="29" name="TextBox 28">
-                <a:extLst>
-                  <a:ext uri="{FF2B5EF4-FFF2-40B4-BE49-F238E27FC236}">
-                    <a16:creationId xmlns:a16="http://schemas.microsoft.com/office/drawing/2014/main" id="{CF2D0C7F-4528-1D12-5632-7B96F6D67486}"/>
-                  </a:ext>
-                </a:extLst>
-              </p:cNvPr>
-              <p:cNvSpPr txBox="1">
-                <a:spLocks noRot="1" noChangeAspect="1" noMove="1" noResize="1" noEditPoints="1" noAdjustHandles="1" noChangeArrowheads="1" noChangeShapeType="1" noTextEdit="1"/>
-              </p:cNvSpPr>
-              <p:nvPr/>
-            </p:nvSpPr>
-            <p:spPr>
-              <a:xfrm>
-                <a:off x="9889730" y="5496099"/>
-                <a:ext cx="616131" cy="276999"/>
-              </a:xfrm>
-              <a:prstGeom prst="rect">
-                <a:avLst/>
-              </a:prstGeom>
-              <a:blipFill>
-                <a:blip r:embed="rId14"/>
-                <a:stretch>
-                  <a:fillRect l="-5941" r="-8911" b="-6667"/>
-                </a:stretch>
-              </a:blipFill>
-            </p:spPr>
-            <p:txBody>
-              <a:bodyPr/>
-              <a:lstStyle/>
-              <a:p>
-                <a:r>
-                  <a:rPr lang="en-GB">
-                    <a:noFill/>
-                  </a:rPr>
-                  <a:t> </a:t>
-                </a:r>
-              </a:p>
-            </p:txBody>
-          </p:sp>
-        </mc:Fallback>
-      </mc:AlternateContent>
-      <mc:AlternateContent xmlns:mc="http://schemas.openxmlformats.org/markup-compatibility/2006" xmlns:a14="http://schemas.microsoft.com/office/drawing/2010/main">
-        <mc:Choice Requires="a14">
-          <p:sp>
-            <p:nvSpPr>
-              <p:cNvPr id="30" name="TextBox 29">
-                <a:extLst>
-                  <a:ext uri="{FF2B5EF4-FFF2-40B4-BE49-F238E27FC236}">
-                    <a16:creationId xmlns:a16="http://schemas.microsoft.com/office/drawing/2014/main" id="{B95AA804-9E2B-DDFF-2C53-F06543210144}"/>
-                  </a:ext>
-                </a:extLst>
-              </p:cNvPr>
-              <p:cNvSpPr txBox="1"/>
-              <p:nvPr/>
-            </p:nvSpPr>
-            <p:spPr>
-              <a:xfrm>
-                <a:off x="6552724" y="5067621"/>
-                <a:ext cx="557140" cy="276999"/>
-              </a:xfrm>
-              <a:prstGeom prst="rect">
-                <a:avLst/>
-              </a:prstGeom>
-              <a:noFill/>
-            </p:spPr>
-            <p:txBody>
-              <a:bodyPr wrap="none" lIns="0" tIns="0" rIns="0" bIns="0" rtlCol="0">
-                <a:spAutoFit/>
-              </a:bodyPr>
-              <a:lstStyle/>
-              <a:p>
-                <a:pPr/>
-                <a14:m>
-                  <m:oMathPara xmlns:m="http://schemas.openxmlformats.org/officeDocument/2006/math">
-                    <m:oMathParaPr>
-                      <m:jc m:val="centerGroup"/>
-                    </m:oMathParaPr>
-                    <m:oMath xmlns:m="http://schemas.openxmlformats.org/officeDocument/2006/math">
-                      <m:r>
-                        <a:rPr lang="fr-FR" b="0" i="1" smtClean="0">
-                          <a:latin typeface="Cambria Math" panose="02040503050406030204" pitchFamily="18" charset="0"/>
-                        </a:rPr>
-                        <m:t>𝑖</m:t>
-                      </m:r>
-                      <m:r>
-                        <a:rPr lang="fr-FR" b="0" i="1" smtClean="0">
-                          <a:latin typeface="Cambria Math" panose="02040503050406030204" pitchFamily="18" charset="0"/>
-                        </a:rPr>
-                        <m:t>=1</m:t>
-                      </m:r>
-                    </m:oMath>
-                  </m:oMathPara>
-                </a14:m>
-                <a:endParaRPr lang="en-GB" dirty="0"/>
-              </a:p>
-            </p:txBody>
-          </p:sp>
-        </mc:Choice>
-        <mc:Fallback xmlns="">
-          <p:sp>
-            <p:nvSpPr>
-              <p:cNvPr id="30" name="TextBox 29">
-                <a:extLst>
-                  <a:ext uri="{FF2B5EF4-FFF2-40B4-BE49-F238E27FC236}">
-                    <a16:creationId xmlns:a16="http://schemas.microsoft.com/office/drawing/2014/main" id="{B95AA804-9E2B-DDFF-2C53-F06543210144}"/>
-                  </a:ext>
-                </a:extLst>
-              </p:cNvPr>
-              <p:cNvSpPr txBox="1">
-                <a:spLocks noRot="1" noChangeAspect="1" noMove="1" noResize="1" noEditPoints="1" noAdjustHandles="1" noChangeArrowheads="1" noChangeShapeType="1" noTextEdit="1"/>
-              </p:cNvSpPr>
-              <p:nvPr/>
-            </p:nvSpPr>
-            <p:spPr>
-              <a:xfrm>
-                <a:off x="6552724" y="5067621"/>
-                <a:ext cx="557140" cy="276999"/>
-              </a:xfrm>
-              <a:prstGeom prst="rect">
-                <a:avLst/>
-              </a:prstGeom>
-              <a:blipFill>
-                <a:blip r:embed="rId15"/>
-                <a:stretch>
-                  <a:fillRect l="-10989" r="-9890" b="-6522"/>
-                </a:stretch>
-              </a:blipFill>
-            </p:spPr>
-            <p:txBody>
-              <a:bodyPr/>
-              <a:lstStyle/>
-              <a:p>
-                <a:r>
-                  <a:rPr lang="en-GB">
-                    <a:noFill/>
-                  </a:rPr>
-                  <a:t> </a:t>
-                </a:r>
-              </a:p>
-            </p:txBody>
-          </p:sp>
-        </mc:Fallback>
-      </mc:AlternateContent>
-      <mc:AlternateContent xmlns:mc="http://schemas.openxmlformats.org/markup-compatibility/2006" xmlns:a14="http://schemas.microsoft.com/office/drawing/2010/main">
-        <mc:Choice Requires="a14">
-          <p:sp>
-            <p:nvSpPr>
-              <p:cNvPr id="31" name="TextBox 30">
-                <a:extLst>
-                  <a:ext uri="{FF2B5EF4-FFF2-40B4-BE49-F238E27FC236}">
-                    <a16:creationId xmlns:a16="http://schemas.microsoft.com/office/drawing/2014/main" id="{B702B995-55B0-6F3A-DB50-C2AAA6DF1383}"/>
-                  </a:ext>
-                </a:extLst>
-              </p:cNvPr>
-              <p:cNvSpPr txBox="1"/>
-              <p:nvPr/>
-            </p:nvSpPr>
-            <p:spPr>
-              <a:xfrm>
-                <a:off x="9900296" y="5063027"/>
-                <a:ext cx="557140" cy="276999"/>
-              </a:xfrm>
-              <a:prstGeom prst="rect">
-                <a:avLst/>
-              </a:prstGeom>
-              <a:noFill/>
-            </p:spPr>
-            <p:txBody>
-              <a:bodyPr wrap="none" lIns="0" tIns="0" rIns="0" bIns="0" rtlCol="0">
-                <a:spAutoFit/>
-              </a:bodyPr>
-              <a:lstStyle/>
-              <a:p>
-                <a:pPr/>
-                <a14:m>
-                  <m:oMathPara xmlns:m="http://schemas.openxmlformats.org/officeDocument/2006/math">
-                    <m:oMathParaPr>
-                      <m:jc m:val="centerGroup"/>
-                    </m:oMathParaPr>
-                    <m:oMath xmlns:m="http://schemas.openxmlformats.org/officeDocument/2006/math">
-                      <m:r>
-                        <a:rPr lang="fr-FR" b="0" i="1" smtClean="0">
-                          <a:latin typeface="Cambria Math" panose="02040503050406030204" pitchFamily="18" charset="0"/>
-                        </a:rPr>
-                        <m:t>𝑖</m:t>
-                      </m:r>
-                      <m:r>
-                        <a:rPr lang="fr-FR" b="0" i="1" smtClean="0">
-                          <a:latin typeface="Cambria Math" panose="02040503050406030204" pitchFamily="18" charset="0"/>
-                        </a:rPr>
-                        <m:t>=</m:t>
-                      </m:r>
-                      <m:r>
-                        <a:rPr lang="fr-FR" b="0" i="0" smtClean="0">
-                          <a:latin typeface="Cambria Math" panose="02040503050406030204" pitchFamily="18" charset="0"/>
-                        </a:rPr>
-                        <m:t>5</m:t>
-                      </m:r>
-                    </m:oMath>
-                  </m:oMathPara>
-                </a14:m>
-                <a:endParaRPr lang="en-GB" dirty="0"/>
-              </a:p>
-            </p:txBody>
-          </p:sp>
-        </mc:Choice>
-        <mc:Fallback xmlns="">
-          <p:sp>
-            <p:nvSpPr>
-              <p:cNvPr id="31" name="TextBox 30">
-                <a:extLst>
-                  <a:ext uri="{FF2B5EF4-FFF2-40B4-BE49-F238E27FC236}">
-                    <a16:creationId xmlns:a16="http://schemas.microsoft.com/office/drawing/2014/main" id="{B702B995-55B0-6F3A-DB50-C2AAA6DF1383}"/>
-                  </a:ext>
-                </a:extLst>
-              </p:cNvPr>
-              <p:cNvSpPr txBox="1">
-                <a:spLocks noRot="1" noChangeAspect="1" noMove="1" noResize="1" noEditPoints="1" noAdjustHandles="1" noChangeArrowheads="1" noChangeShapeType="1" noTextEdit="1"/>
-              </p:cNvSpPr>
-              <p:nvPr/>
-            </p:nvSpPr>
-            <p:spPr>
-              <a:xfrm>
-                <a:off x="9900296" y="5063027"/>
-                <a:ext cx="557140" cy="276999"/>
-              </a:xfrm>
-              <a:prstGeom prst="rect">
-                <a:avLst/>
-              </a:prstGeom>
-              <a:blipFill>
-                <a:blip r:embed="rId16"/>
-                <a:stretch>
-                  <a:fillRect l="-10989" r="-10989" b="-8889"/>
-                </a:stretch>
-              </a:blipFill>
-            </p:spPr>
-            <p:txBody>
-              <a:bodyPr/>
-              <a:lstStyle/>
-              <a:p>
-                <a:r>
-                  <a:rPr lang="en-GB">
-                    <a:noFill/>
-                  </a:rPr>
-                  <a:t> </a:t>
-                </a:r>
-              </a:p>
-            </p:txBody>
-          </p:sp>
-        </mc:Fallback>
-      </mc:AlternateContent>
-      <p:cxnSp>
-        <p:nvCxnSpPr>
-          <p:cNvPr id="32" name="Straight Arrow Connector 31">
-            <a:extLst>
-              <a:ext uri="{FF2B5EF4-FFF2-40B4-BE49-F238E27FC236}">
-                <a16:creationId xmlns:a16="http://schemas.microsoft.com/office/drawing/2014/main" id="{E7582D37-C97C-B041-C9D4-64A63AD497FB}"/>
-              </a:ext>
-            </a:extLst>
-          </p:cNvPr>
-          <p:cNvCxnSpPr>
-            <a:cxnSpLocks/>
-          </p:cNvCxnSpPr>
-          <p:nvPr/>
-        </p:nvCxnSpPr>
-        <p:spPr>
-          <a:xfrm>
-            <a:off x="7793883" y="6083458"/>
-            <a:ext cx="642770" cy="0"/>
-          </a:xfrm>
-          <a:prstGeom prst="straightConnector1">
-            <a:avLst/>
-          </a:prstGeom>
-          <a:ln>
-            <a:solidFill>
-              <a:schemeClr val="bg2">
-                <a:lumMod val="10000"/>
-              </a:schemeClr>
-            </a:solidFill>
-            <a:headEnd type="triangle"/>
-            <a:tailEnd type="triangle"/>
-          </a:ln>
-        </p:spPr>
-        <p:style>
-          <a:lnRef idx="2">
-            <a:schemeClr val="accent1"/>
-          </a:lnRef>
-          <a:fillRef idx="0">
-            <a:schemeClr val="accent1"/>
-          </a:fillRef>
-          <a:effectRef idx="1">
-            <a:schemeClr val="accent1"/>
-          </a:effectRef>
-          <a:fontRef idx="minor">
-            <a:schemeClr val="tx1"/>
-          </a:fontRef>
-        </p:style>
-      </p:cxnSp>
-      <mc:AlternateContent xmlns:mc="http://schemas.openxmlformats.org/markup-compatibility/2006" xmlns:a14="http://schemas.microsoft.com/office/drawing/2010/main">
-        <mc:Choice Requires="a14">
-          <p:sp>
-            <p:nvSpPr>
-              <p:cNvPr id="34" name="TextBox 33">
-                <a:extLst>
-                  <a:ext uri="{FF2B5EF4-FFF2-40B4-BE49-F238E27FC236}">
-                    <a16:creationId xmlns:a16="http://schemas.microsoft.com/office/drawing/2014/main" id="{FFB0AD25-EAC1-F45C-A5E3-3E651AE94BA5}"/>
-                  </a:ext>
-                </a:extLst>
-              </p:cNvPr>
-              <p:cNvSpPr txBox="1"/>
-              <p:nvPr/>
-            </p:nvSpPr>
-            <p:spPr>
-              <a:xfrm>
-                <a:off x="7955804" y="6141271"/>
-                <a:ext cx="1633268" cy="516745"/>
-              </a:xfrm>
-              <a:prstGeom prst="rect">
-                <a:avLst/>
-              </a:prstGeom>
-              <a:noFill/>
-            </p:spPr>
-            <p:txBody>
-              <a:bodyPr wrap="none" lIns="0" tIns="0" rIns="0" bIns="0" rtlCol="0">
-                <a:spAutoFit/>
-              </a:bodyPr>
-              <a:lstStyle/>
-              <a:p>
-                <a:pPr/>
-                <a14:m>
-                  <m:oMathPara xmlns:m="http://schemas.openxmlformats.org/officeDocument/2006/math">
-                    <m:oMathParaPr>
-                      <m:jc m:val="centerGroup"/>
-                    </m:oMathParaPr>
-                    <m:oMath xmlns:m="http://schemas.openxmlformats.org/officeDocument/2006/math">
-                      <m:r>
-                        <a:rPr lang="fr-FR" b="0" i="1" smtClean="0">
-                          <a:latin typeface="Cambria Math" panose="02040503050406030204" pitchFamily="18" charset="0"/>
-                          <a:ea typeface="Cambria Math" panose="02040503050406030204" pitchFamily="18" charset="0"/>
-                        </a:rPr>
-                        <m:t>∆</m:t>
-                      </m:r>
-                      <m:r>
-                        <a:rPr lang="fr-FR" b="0" i="1" smtClean="0">
-                          <a:latin typeface="Cambria Math" panose="02040503050406030204" pitchFamily="18" charset="0"/>
-                        </a:rPr>
-                        <m:t>𝑟</m:t>
-                      </m:r>
-                      <m:r>
-                        <a:rPr lang="fr-FR" b="0" i="1" smtClean="0">
-                          <a:latin typeface="Cambria Math" panose="02040503050406030204" pitchFamily="18" charset="0"/>
-                        </a:rPr>
-                        <m:t>=</m:t>
-                      </m:r>
-                      <m:f>
-                        <m:fPr>
-                          <m:ctrlPr>
-                            <a:rPr lang="fr-FR" b="0" i="1" smtClean="0">
-                              <a:latin typeface="Cambria Math" panose="02040503050406030204" pitchFamily="18" charset="0"/>
-                            </a:rPr>
-                          </m:ctrlPr>
-                        </m:fPr>
-                        <m:num>
-                          <m:r>
-                            <a:rPr lang="fr-FR" b="0" i="1" smtClean="0">
-                              <a:latin typeface="Cambria Math" panose="02040503050406030204" pitchFamily="18" charset="0"/>
-                            </a:rPr>
-                            <m:t>𝑅</m:t>
-                          </m:r>
-                        </m:num>
-                        <m:den>
-                          <m:r>
-                            <a:rPr lang="fr-FR" b="0" i="1" smtClean="0">
-                              <a:latin typeface="Cambria Math" panose="02040503050406030204" pitchFamily="18" charset="0"/>
-                            </a:rPr>
-                            <m:t>𝑁</m:t>
-                          </m:r>
-                          <m:r>
-                            <a:rPr lang="fr-FR" b="0" i="1" smtClean="0">
-                              <a:latin typeface="Cambria Math" panose="02040503050406030204" pitchFamily="18" charset="0"/>
-                            </a:rPr>
-                            <m:t>−1</m:t>
-                          </m:r>
-                        </m:den>
-                      </m:f>
-                      <m:r>
-                        <a:rPr lang="fr-FR" b="0" i="1" smtClean="0">
-                          <a:latin typeface="Cambria Math" panose="02040503050406030204" pitchFamily="18" charset="0"/>
-                        </a:rPr>
-                        <m:t>=</m:t>
-                      </m:r>
-                      <m:f>
-                        <m:fPr>
-                          <m:ctrlPr>
-                            <a:rPr lang="fr-FR" b="0" i="1" smtClean="0">
-                              <a:latin typeface="Cambria Math" panose="02040503050406030204" pitchFamily="18" charset="0"/>
-                            </a:rPr>
-                          </m:ctrlPr>
-                        </m:fPr>
-                        <m:num>
-                          <m:r>
-                            <a:rPr lang="fr-FR" b="0" i="1" smtClean="0">
-                              <a:latin typeface="Cambria Math" panose="02040503050406030204" pitchFamily="18" charset="0"/>
-                            </a:rPr>
-                            <m:t>𝑅</m:t>
-                          </m:r>
-                        </m:num>
-                        <m:den>
-                          <m:r>
-                            <a:rPr lang="fr-FR" b="0" i="1" smtClean="0">
-                              <a:latin typeface="Cambria Math" panose="02040503050406030204" pitchFamily="18" charset="0"/>
-                            </a:rPr>
-                            <m:t>4</m:t>
-                          </m:r>
-                        </m:den>
-                      </m:f>
-                    </m:oMath>
-                  </m:oMathPara>
-                </a14:m>
-                <a:endParaRPr lang="en-GB" dirty="0"/>
-              </a:p>
-            </p:txBody>
-          </p:sp>
-        </mc:Choice>
-        <mc:Fallback xmlns="">
-          <p:sp>
-            <p:nvSpPr>
-              <p:cNvPr id="34" name="TextBox 33">
-                <a:extLst>
-                  <a:ext uri="{FF2B5EF4-FFF2-40B4-BE49-F238E27FC236}">
-                    <a16:creationId xmlns:a16="http://schemas.microsoft.com/office/drawing/2014/main" id="{FFB0AD25-EAC1-F45C-A5E3-3E651AE94BA5}"/>
-                  </a:ext>
-                </a:extLst>
-              </p:cNvPr>
-              <p:cNvSpPr txBox="1">
-                <a:spLocks noRot="1" noChangeAspect="1" noMove="1" noResize="1" noEditPoints="1" noAdjustHandles="1" noChangeArrowheads="1" noChangeShapeType="1" noTextEdit="1"/>
-              </p:cNvSpPr>
-              <p:nvPr/>
-            </p:nvSpPr>
-            <p:spPr>
-              <a:xfrm>
-                <a:off x="7955804" y="6141271"/>
-                <a:ext cx="1633268" cy="516745"/>
-              </a:xfrm>
-              <a:prstGeom prst="rect">
-                <a:avLst/>
-              </a:prstGeom>
-              <a:blipFill>
-                <a:blip r:embed="rId17"/>
-                <a:stretch>
-                  <a:fillRect/>
-                </a:stretch>
-              </a:blipFill>
-            </p:spPr>
-            <p:txBody>
-              <a:bodyPr/>
-              <a:lstStyle/>
-              <a:p>
-                <a:r>
-                  <a:rPr lang="en-GB">
-                    <a:noFill/>
-                  </a:rPr>
-                  <a:t> </a:t>
-                </a:r>
-              </a:p>
-            </p:txBody>
-          </p:sp>
-        </mc:Fallback>
-      </mc:AlternateContent>
       <p:sp>
         <p:nvSpPr>
           <p:cNvPr id="35" name="TextBox 34">
@@ -8253,7 +7896,7 @@
         </p:nvSpPr>
         <p:spPr>
           <a:xfrm>
-            <a:off x="0" y="2836611"/>
+            <a:off x="0" y="4792416"/>
             <a:ext cx="12070080" cy="369332"/>
           </a:xfrm>
           <a:prstGeom prst="rect">
@@ -8334,6 +7977,936 @@
           </a:p>
         </p:txBody>
       </p:sp>
+      <p:sp>
+        <p:nvSpPr>
+          <p:cNvPr id="23" name="TextBox 22">
+            <a:extLst>
+              <a:ext uri="{FF2B5EF4-FFF2-40B4-BE49-F238E27FC236}">
+                <a16:creationId xmlns:a16="http://schemas.microsoft.com/office/drawing/2014/main" id="{96F8C1F7-33DA-2A88-BE56-2E0648A83928}"/>
+              </a:ext>
+            </a:extLst>
+          </p:cNvPr>
+          <p:cNvSpPr txBox="1"/>
+          <p:nvPr/>
+        </p:nvSpPr>
+        <p:spPr>
+          <a:xfrm>
+            <a:off x="0" y="627468"/>
+            <a:ext cx="6096000" cy="369332"/>
+          </a:xfrm>
+          <a:prstGeom prst="rect">
+            <a:avLst/>
+          </a:prstGeom>
+          <a:noFill/>
+        </p:spPr>
+        <p:txBody>
+          <a:bodyPr wrap="square" rtlCol="0">
+            <a:spAutoFit/>
+          </a:bodyPr>
+          <a:lstStyle/>
+          <a:p>
+            <a:pPr algn="just"/>
+            <a:r>
+              <a:rPr lang="fr-FR" dirty="0">
+                <a:latin typeface="Times New Roman" panose="02020603050405020304" pitchFamily="18" charset="0"/>
+                <a:cs typeface="Times New Roman" panose="02020603050405020304" pitchFamily="18" charset="0"/>
+              </a:rPr>
+              <a:t>Le système étudié est un pilier </a:t>
+            </a:r>
+            <a:r>
+              <a:rPr lang="fr-FR" b="1" dirty="0">
+                <a:latin typeface="Times New Roman" panose="02020603050405020304" pitchFamily="18" charset="0"/>
+                <a:cs typeface="Times New Roman" panose="02020603050405020304" pitchFamily="18" charset="0"/>
+              </a:rPr>
+              <a:t>circulaire</a:t>
+            </a:r>
+            <a:r>
+              <a:rPr lang="fr-FR" dirty="0">
+                <a:latin typeface="Times New Roman" panose="02020603050405020304" pitchFamily="18" charset="0"/>
+                <a:cs typeface="Times New Roman" panose="02020603050405020304" pitchFamily="18" charset="0"/>
+              </a:rPr>
+              <a:t> en béton d’un pont. </a:t>
+            </a:r>
+            <a:endParaRPr lang="en-GB" dirty="0">
+              <a:latin typeface="Times New Roman" panose="02020603050405020304" pitchFamily="18" charset="0"/>
+              <a:cs typeface="Times New Roman" panose="02020603050405020304" pitchFamily="18" charset="0"/>
+            </a:endParaRPr>
+          </a:p>
+        </p:txBody>
+      </p:sp>
+      <mc:AlternateContent xmlns:mc="http://schemas.openxmlformats.org/markup-compatibility/2006">
+        <mc:Choice xmlns:a14="http://schemas.microsoft.com/office/drawing/2010/main" Requires="a14">
+          <p:sp>
+            <p:nvSpPr>
+              <p:cNvPr id="25" name="TextBox 24">
+                <a:extLst>
+                  <a:ext uri="{FF2B5EF4-FFF2-40B4-BE49-F238E27FC236}">
+                    <a16:creationId xmlns:a16="http://schemas.microsoft.com/office/drawing/2014/main" id="{B0251520-F500-2B22-A0CF-416CA59E6ED4}"/>
+                  </a:ext>
+                </a:extLst>
+              </p:cNvPr>
+              <p:cNvSpPr txBox="1"/>
+              <p:nvPr/>
+            </p:nvSpPr>
+            <p:spPr>
+              <a:xfrm>
+                <a:off x="0" y="1090917"/>
+                <a:ext cx="6096000" cy="646331"/>
+              </a:xfrm>
+              <a:prstGeom prst="rect">
+                <a:avLst/>
+              </a:prstGeom>
+              <a:noFill/>
+            </p:spPr>
+            <p:txBody>
+              <a:bodyPr wrap="square" rtlCol="0">
+                <a:spAutoFit/>
+              </a:bodyPr>
+              <a:lstStyle/>
+              <a:p>
+                <a:pPr algn="just"/>
+                <a:r>
+                  <a:rPr lang="fr-FR" noProof="0" dirty="0">
+                    <a:latin typeface="Times New Roman" panose="02020603050405020304" pitchFamily="18" charset="0"/>
+                    <a:cs typeface="Times New Roman" panose="02020603050405020304" pitchFamily="18" charset="0"/>
+                  </a:rPr>
+                  <a:t>Le pilier à un rayon </a:t>
+                </a:r>
+                <a14:m>
+                  <m:oMath xmlns:m="http://schemas.openxmlformats.org/officeDocument/2006/math">
+                    <m:r>
+                      <a:rPr lang="fr-FR" b="0" i="1" noProof="0" smtClean="0">
+                        <a:latin typeface="Cambria Math" panose="02040503050406030204" pitchFamily="18" charset="0"/>
+                        <a:cs typeface="Times New Roman" panose="02020603050405020304" pitchFamily="18" charset="0"/>
+                      </a:rPr>
+                      <m:t>𝑅</m:t>
+                    </m:r>
+                    <m:r>
+                      <a:rPr lang="fr-FR" b="0" i="1" noProof="0" smtClean="0">
+                        <a:latin typeface="Cambria Math" panose="02040503050406030204" pitchFamily="18" charset="0"/>
+                        <a:cs typeface="Times New Roman" panose="02020603050405020304" pitchFamily="18" charset="0"/>
+                      </a:rPr>
+                      <m:t>=</m:t>
+                    </m:r>
+                    <m:f>
+                      <m:fPr>
+                        <m:type m:val="lin"/>
+                        <m:ctrlPr>
+                          <a:rPr lang="fr-FR" b="0" i="1" noProof="0" smtClean="0">
+                            <a:latin typeface="Cambria Math" panose="02040503050406030204" pitchFamily="18" charset="0"/>
+                            <a:cs typeface="Times New Roman" panose="02020603050405020304" pitchFamily="18" charset="0"/>
+                          </a:rPr>
+                        </m:ctrlPr>
+                      </m:fPr>
+                      <m:num>
+                        <m:r>
+                          <a:rPr lang="fr-FR" b="0" i="1" noProof="0" smtClean="0">
+                            <a:latin typeface="Cambria Math" panose="02040503050406030204" pitchFamily="18" charset="0"/>
+                            <a:cs typeface="Times New Roman" panose="02020603050405020304" pitchFamily="18" charset="0"/>
+                          </a:rPr>
+                          <m:t>𝐷</m:t>
+                        </m:r>
+                      </m:num>
+                      <m:den>
+                        <m:r>
+                          <a:rPr lang="fr-FR" b="0" i="1" noProof="0" smtClean="0">
+                            <a:latin typeface="Cambria Math" panose="02040503050406030204" pitchFamily="18" charset="0"/>
+                            <a:cs typeface="Times New Roman" panose="02020603050405020304" pitchFamily="18" charset="0"/>
+                          </a:rPr>
+                          <m:t>2</m:t>
+                        </m:r>
+                      </m:den>
+                    </m:f>
+                    <m:r>
+                      <a:rPr lang="fr-FR" b="0" i="1" noProof="0" smtClean="0">
+                        <a:latin typeface="Cambria Math" panose="02040503050406030204" pitchFamily="18" charset="0"/>
+                        <a:cs typeface="Times New Roman" panose="02020603050405020304" pitchFamily="18" charset="0"/>
+                      </a:rPr>
+                      <m:t>=0.5 </m:t>
+                    </m:r>
+                    <m:r>
+                      <a:rPr lang="fr-FR" b="0" i="1" noProof="0" smtClean="0">
+                        <a:latin typeface="Cambria Math" panose="02040503050406030204" pitchFamily="18" charset="0"/>
+                        <a:cs typeface="Times New Roman" panose="02020603050405020304" pitchFamily="18" charset="0"/>
+                      </a:rPr>
+                      <m:t>𝑚</m:t>
+                    </m:r>
+                  </m:oMath>
+                </a14:m>
+                <a:r>
+                  <a:rPr lang="fr-FR" noProof="0" dirty="0">
+                    <a:latin typeface="Times New Roman" panose="02020603050405020304" pitchFamily="18" charset="0"/>
+                    <a:cs typeface="Times New Roman" panose="02020603050405020304" pitchFamily="18" charset="0"/>
+                  </a:rPr>
+                  <a:t> et dont la hauteur / profondeur est supposé infini.  </a:t>
+                </a:r>
+              </a:p>
+            </p:txBody>
+          </p:sp>
+        </mc:Choice>
+        <mc:Fallback>
+          <p:sp>
+            <p:nvSpPr>
+              <p:cNvPr id="25" name="TextBox 24">
+                <a:extLst>
+                  <a:ext uri="{FF2B5EF4-FFF2-40B4-BE49-F238E27FC236}">
+                    <a16:creationId xmlns:a16="http://schemas.microsoft.com/office/drawing/2014/main" id="{B0251520-F500-2B22-A0CF-416CA59E6ED4}"/>
+                  </a:ext>
+                </a:extLst>
+              </p:cNvPr>
+              <p:cNvSpPr txBox="1">
+                <a:spLocks noRot="1" noChangeAspect="1" noMove="1" noResize="1" noEditPoints="1" noAdjustHandles="1" noChangeArrowheads="1" noChangeShapeType="1" noTextEdit="1"/>
+              </p:cNvSpPr>
+              <p:nvPr/>
+            </p:nvSpPr>
+            <p:spPr>
+              <a:xfrm>
+                <a:off x="0" y="1090917"/>
+                <a:ext cx="6096000" cy="646331"/>
+              </a:xfrm>
+              <a:prstGeom prst="rect">
+                <a:avLst/>
+              </a:prstGeom>
+              <a:blipFill>
+                <a:blip r:embed="rId11"/>
+                <a:stretch>
+                  <a:fillRect l="-800" t="-66038" r="-800" b="-59434"/>
+                </a:stretch>
+              </a:blipFill>
+            </p:spPr>
+            <p:txBody>
+              <a:bodyPr/>
+              <a:lstStyle/>
+              <a:p>
+                <a:r>
+                  <a:rPr lang="en-GB">
+                    <a:noFill/>
+                  </a:rPr>
+                  <a:t> </a:t>
+                </a:r>
+              </a:p>
+            </p:txBody>
+          </p:sp>
+        </mc:Fallback>
+      </mc:AlternateContent>
+      <p:grpSp>
+        <p:nvGrpSpPr>
+          <p:cNvPr id="33" name="Group 32">
+            <a:extLst>
+              <a:ext uri="{FF2B5EF4-FFF2-40B4-BE49-F238E27FC236}">
+                <a16:creationId xmlns:a16="http://schemas.microsoft.com/office/drawing/2014/main" id="{B0B3F136-5CA0-E7B9-BDC9-436116304C59}"/>
+              </a:ext>
+            </a:extLst>
+          </p:cNvPr>
+          <p:cNvGrpSpPr/>
+          <p:nvPr/>
+        </p:nvGrpSpPr>
+        <p:grpSpPr>
+          <a:xfrm>
+            <a:off x="7951602" y="797726"/>
+            <a:ext cx="3615265" cy="2160000"/>
+            <a:chOff x="7951602" y="1161794"/>
+            <a:chExt cx="3615265" cy="2160000"/>
+          </a:xfrm>
+        </p:grpSpPr>
+        <p:sp>
+          <p:nvSpPr>
+            <p:cNvPr id="37" name="Rectangle 36">
+              <a:extLst>
+                <a:ext uri="{FF2B5EF4-FFF2-40B4-BE49-F238E27FC236}">
+                  <a16:creationId xmlns:a16="http://schemas.microsoft.com/office/drawing/2014/main" id="{B52B966E-57FC-DB50-66D6-EB4B26CB7279}"/>
+                </a:ext>
+              </a:extLst>
+            </p:cNvPr>
+            <p:cNvSpPr/>
+            <p:nvPr/>
+          </p:nvSpPr>
+          <p:spPr>
+            <a:xfrm>
+              <a:off x="7951602" y="1161794"/>
+              <a:ext cx="2160000" cy="2160000"/>
+            </a:xfrm>
+            <a:prstGeom prst="rect">
+              <a:avLst/>
+            </a:prstGeom>
+            <a:solidFill>
+              <a:srgbClr val="BAE2F4"/>
+            </a:solidFill>
+            <a:ln w="38100">
+              <a:solidFill>
+                <a:schemeClr val="tx1"/>
+              </a:solidFill>
+            </a:ln>
+          </p:spPr>
+          <p:style>
+            <a:lnRef idx="2">
+              <a:schemeClr val="accent1">
+                <a:shade val="15000"/>
+              </a:schemeClr>
+            </a:lnRef>
+            <a:fillRef idx="1">
+              <a:schemeClr val="accent1"/>
+            </a:fillRef>
+            <a:effectRef idx="0">
+              <a:schemeClr val="accent1"/>
+            </a:effectRef>
+            <a:fontRef idx="minor">
+              <a:schemeClr val="lt1"/>
+            </a:fontRef>
+          </p:style>
+          <p:txBody>
+            <a:bodyPr rtlCol="0" anchor="ctr"/>
+            <a:lstStyle/>
+            <a:p>
+              <a:pPr algn="ctr"/>
+              <a:endParaRPr lang="en-GB"/>
+            </a:p>
+          </p:txBody>
+        </p:sp>
+        <p:sp>
+          <p:nvSpPr>
+            <p:cNvPr id="38" name="Oval 37">
+              <a:extLst>
+                <a:ext uri="{FF2B5EF4-FFF2-40B4-BE49-F238E27FC236}">
+                  <a16:creationId xmlns:a16="http://schemas.microsoft.com/office/drawing/2014/main" id="{EE437401-84E7-8168-5921-CAAC38C4A143}"/>
+                </a:ext>
+              </a:extLst>
+            </p:cNvPr>
+            <p:cNvSpPr/>
+            <p:nvPr/>
+          </p:nvSpPr>
+          <p:spPr>
+            <a:xfrm>
+              <a:off x="8358501" y="1568694"/>
+              <a:ext cx="1354166" cy="1354166"/>
+            </a:xfrm>
+            <a:prstGeom prst="ellipse">
+              <a:avLst/>
+            </a:prstGeom>
+            <a:solidFill>
+              <a:schemeClr val="bg2">
+                <a:lumMod val="75000"/>
+              </a:schemeClr>
+            </a:solidFill>
+            <a:ln w="38100">
+              <a:solidFill>
+                <a:schemeClr val="tx1"/>
+              </a:solidFill>
+            </a:ln>
+          </p:spPr>
+          <p:style>
+            <a:lnRef idx="2">
+              <a:schemeClr val="accent1">
+                <a:shade val="15000"/>
+              </a:schemeClr>
+            </a:lnRef>
+            <a:fillRef idx="1">
+              <a:schemeClr val="accent1"/>
+            </a:fillRef>
+            <a:effectRef idx="0">
+              <a:schemeClr val="accent1"/>
+            </a:effectRef>
+            <a:fontRef idx="minor">
+              <a:schemeClr val="lt1"/>
+            </a:fontRef>
+          </p:style>
+          <p:txBody>
+            <a:bodyPr rtlCol="0" anchor="ctr"/>
+            <a:lstStyle/>
+            <a:p>
+              <a:pPr algn="ctr"/>
+              <a:endParaRPr lang="en-GB"/>
+            </a:p>
+          </p:txBody>
+        </p:sp>
+        <p:sp>
+          <p:nvSpPr>
+            <p:cNvPr id="40" name="TextBox 39">
+              <a:extLst>
+                <a:ext uri="{FF2B5EF4-FFF2-40B4-BE49-F238E27FC236}">
+                  <a16:creationId xmlns:a16="http://schemas.microsoft.com/office/drawing/2014/main" id="{1BFACD9C-A7F3-00B4-67DE-6EAEFD967F1D}"/>
+                </a:ext>
+              </a:extLst>
+            </p:cNvPr>
+            <p:cNvSpPr txBox="1"/>
+            <p:nvPr/>
+          </p:nvSpPr>
+          <p:spPr>
+            <a:xfrm>
+              <a:off x="10466201" y="1161794"/>
+              <a:ext cx="956734" cy="369332"/>
+            </a:xfrm>
+            <a:prstGeom prst="rect">
+              <a:avLst/>
+            </a:prstGeom>
+            <a:noFill/>
+          </p:spPr>
+          <p:txBody>
+            <a:bodyPr wrap="square" rtlCol="0">
+              <a:spAutoFit/>
+            </a:bodyPr>
+            <a:lstStyle/>
+            <a:p>
+              <a:pPr algn="just"/>
+              <a:r>
+                <a:rPr lang="fr-FR" dirty="0">
+                  <a:latin typeface="Times New Roman" panose="02020603050405020304" pitchFamily="18" charset="0"/>
+                  <a:cs typeface="Times New Roman" panose="02020603050405020304" pitchFamily="18" charset="0"/>
+                </a:rPr>
+                <a:t>Pilier </a:t>
+              </a:r>
+              <a:endParaRPr lang="en-GB" dirty="0">
+                <a:latin typeface="Times New Roman" panose="02020603050405020304" pitchFamily="18" charset="0"/>
+                <a:cs typeface="Times New Roman" panose="02020603050405020304" pitchFamily="18" charset="0"/>
+              </a:endParaRPr>
+            </a:p>
+          </p:txBody>
+        </p:sp>
+        <p:sp>
+          <p:nvSpPr>
+            <p:cNvPr id="41" name="TextBox 40">
+              <a:extLst>
+                <a:ext uri="{FF2B5EF4-FFF2-40B4-BE49-F238E27FC236}">
+                  <a16:creationId xmlns:a16="http://schemas.microsoft.com/office/drawing/2014/main" id="{FEF0EBDF-EEDF-576E-EF80-6F6D90BCBCC6}"/>
+                </a:ext>
+              </a:extLst>
+            </p:cNvPr>
+            <p:cNvSpPr txBox="1"/>
+            <p:nvPr/>
+          </p:nvSpPr>
+          <p:spPr>
+            <a:xfrm>
+              <a:off x="10466200" y="1531126"/>
+              <a:ext cx="1100667" cy="369332"/>
+            </a:xfrm>
+            <a:prstGeom prst="rect">
+              <a:avLst/>
+            </a:prstGeom>
+            <a:noFill/>
+          </p:spPr>
+          <p:txBody>
+            <a:bodyPr wrap="square" rtlCol="0">
+              <a:spAutoFit/>
+            </a:bodyPr>
+            <a:lstStyle/>
+            <a:p>
+              <a:pPr algn="just"/>
+              <a:r>
+                <a:rPr lang="fr-FR" dirty="0">
+                  <a:latin typeface="Times New Roman" panose="02020603050405020304" pitchFamily="18" charset="0"/>
+                  <a:cs typeface="Times New Roman" panose="02020603050405020304" pitchFamily="18" charset="0"/>
+                </a:rPr>
+                <a:t>Eau salée </a:t>
+              </a:r>
+              <a:endParaRPr lang="en-GB" dirty="0">
+                <a:latin typeface="Times New Roman" panose="02020603050405020304" pitchFamily="18" charset="0"/>
+                <a:cs typeface="Times New Roman" panose="02020603050405020304" pitchFamily="18" charset="0"/>
+              </a:endParaRPr>
+            </a:p>
+          </p:txBody>
+        </p:sp>
+        <p:cxnSp>
+          <p:nvCxnSpPr>
+            <p:cNvPr id="42" name="Straight Connector 41">
+              <a:extLst>
+                <a:ext uri="{FF2B5EF4-FFF2-40B4-BE49-F238E27FC236}">
+                  <a16:creationId xmlns:a16="http://schemas.microsoft.com/office/drawing/2014/main" id="{6FDB5A4C-13F3-0375-7990-F0AD11248568}"/>
+                </a:ext>
+              </a:extLst>
+            </p:cNvPr>
+            <p:cNvCxnSpPr>
+              <a:stCxn id="40" idx="1"/>
+              <a:endCxn id="38" idx="7"/>
+            </p:cNvCxnSpPr>
+            <p:nvPr/>
+          </p:nvCxnSpPr>
+          <p:spPr>
+            <a:xfrm flipH="1">
+              <a:off x="9514354" y="1346460"/>
+              <a:ext cx="951847" cy="420547"/>
+            </a:xfrm>
+            <a:prstGeom prst="line">
+              <a:avLst/>
+            </a:prstGeom>
+            <a:ln w="28575"/>
+          </p:spPr>
+          <p:style>
+            <a:lnRef idx="2">
+              <a:schemeClr val="dk1"/>
+            </a:lnRef>
+            <a:fillRef idx="0">
+              <a:schemeClr val="dk1"/>
+            </a:fillRef>
+            <a:effectRef idx="1">
+              <a:schemeClr val="dk1"/>
+            </a:effectRef>
+            <a:fontRef idx="minor">
+              <a:schemeClr val="tx1"/>
+            </a:fontRef>
+          </p:style>
+        </p:cxnSp>
+        <p:cxnSp>
+          <p:nvCxnSpPr>
+            <p:cNvPr id="43" name="Straight Connector 42">
+              <a:extLst>
+                <a:ext uri="{FF2B5EF4-FFF2-40B4-BE49-F238E27FC236}">
+                  <a16:creationId xmlns:a16="http://schemas.microsoft.com/office/drawing/2014/main" id="{D98DEB6E-57BC-7702-41B5-01A457912C65}"/>
+                </a:ext>
+              </a:extLst>
+            </p:cNvPr>
+            <p:cNvCxnSpPr>
+              <a:cxnSpLocks/>
+              <a:stCxn id="41" idx="1"/>
+            </p:cNvCxnSpPr>
+            <p:nvPr/>
+          </p:nvCxnSpPr>
+          <p:spPr>
+            <a:xfrm flipH="1">
+              <a:off x="9862907" y="1715792"/>
+              <a:ext cx="603293" cy="264356"/>
+            </a:xfrm>
+            <a:prstGeom prst="line">
+              <a:avLst/>
+            </a:prstGeom>
+            <a:ln w="28575"/>
+          </p:spPr>
+          <p:style>
+            <a:lnRef idx="2">
+              <a:schemeClr val="dk1"/>
+            </a:lnRef>
+            <a:fillRef idx="0">
+              <a:schemeClr val="dk1"/>
+            </a:fillRef>
+            <a:effectRef idx="1">
+              <a:schemeClr val="dk1"/>
+            </a:effectRef>
+            <a:fontRef idx="minor">
+              <a:schemeClr val="tx1"/>
+            </a:fontRef>
+          </p:style>
+        </p:cxnSp>
+      </p:grpSp>
+      <p:sp>
+        <p:nvSpPr>
+          <p:cNvPr id="44" name="TextBox 43">
+            <a:extLst>
+              <a:ext uri="{FF2B5EF4-FFF2-40B4-BE49-F238E27FC236}">
+                <a16:creationId xmlns:a16="http://schemas.microsoft.com/office/drawing/2014/main" id="{606C2879-B07E-738C-AE26-577B745F030F}"/>
+              </a:ext>
+            </a:extLst>
+          </p:cNvPr>
+          <p:cNvSpPr txBox="1"/>
+          <p:nvPr/>
+        </p:nvSpPr>
+        <p:spPr>
+          <a:xfrm>
+            <a:off x="0" y="4155576"/>
+            <a:ext cx="6635707" cy="369332"/>
+          </a:xfrm>
+          <a:prstGeom prst="rect">
+            <a:avLst/>
+          </a:prstGeom>
+          <a:noFill/>
+        </p:spPr>
+        <p:txBody>
+          <a:bodyPr wrap="square" rtlCol="0">
+            <a:spAutoFit/>
+          </a:bodyPr>
+          <a:lstStyle/>
+          <a:p>
+            <a:pPr algn="just"/>
+            <a:r>
+              <a:rPr lang="fr-FR" dirty="0">
+                <a:latin typeface="Times New Roman" panose="02020603050405020304" pitchFamily="18" charset="0"/>
+                <a:cs typeface="Times New Roman" panose="02020603050405020304" pitchFamily="18" charset="0"/>
+              </a:rPr>
+              <a:t>En effet, par définition, un problème est elliptique s’il peut s’écrire : </a:t>
+            </a:r>
+            <a:endParaRPr lang="en-GB" b="1" dirty="0">
+              <a:latin typeface="Times New Roman" panose="02020603050405020304" pitchFamily="18" charset="0"/>
+              <a:cs typeface="Times New Roman" panose="02020603050405020304" pitchFamily="18" charset="0"/>
+            </a:endParaRPr>
+          </a:p>
+        </p:txBody>
+      </p:sp>
+      <mc:AlternateContent xmlns:mc="http://schemas.openxmlformats.org/markup-compatibility/2006">
+        <mc:Choice xmlns:a14="http://schemas.microsoft.com/office/drawing/2010/main" Requires="a14">
+          <p:sp>
+            <p:nvSpPr>
+              <p:cNvPr id="45" name="TextBox 44">
+                <a:extLst>
+                  <a:ext uri="{FF2B5EF4-FFF2-40B4-BE49-F238E27FC236}">
+                    <a16:creationId xmlns:a16="http://schemas.microsoft.com/office/drawing/2014/main" id="{2CEBE47E-F412-B061-1A8F-3A6762027ED1}"/>
+                  </a:ext>
+                </a:extLst>
+              </p:cNvPr>
+              <p:cNvSpPr txBox="1"/>
+              <p:nvPr/>
+            </p:nvSpPr>
+            <p:spPr>
+              <a:xfrm>
+                <a:off x="6429684" y="4056347"/>
+                <a:ext cx="2773836" cy="608180"/>
+              </a:xfrm>
+              <a:prstGeom prst="rect">
+                <a:avLst/>
+              </a:prstGeom>
+              <a:noFill/>
+            </p:spPr>
+            <p:txBody>
+              <a:bodyPr wrap="none" lIns="0" tIns="0" rIns="0" bIns="0" rtlCol="0">
+                <a:spAutoFit/>
+              </a:bodyPr>
+              <a:lstStyle/>
+              <a:p>
+                <a14:m>
+                  <m:oMathPara xmlns:m="http://schemas.openxmlformats.org/officeDocument/2006/math">
+                    <m:oMathParaPr>
+                      <m:jc m:val="centerGroup"/>
+                    </m:oMathParaPr>
+                    <m:oMath xmlns:m="http://schemas.openxmlformats.org/officeDocument/2006/math">
+                      <m:f>
+                        <m:fPr>
+                          <m:ctrlPr>
+                            <a:rPr lang="en-GB" i="1" smtClean="0">
+                              <a:latin typeface="Cambria Math" panose="02040503050406030204" pitchFamily="18" charset="0"/>
+                            </a:rPr>
+                          </m:ctrlPr>
+                        </m:fPr>
+                        <m:num>
+                          <m:sSup>
+                            <m:sSupPr>
+                              <m:ctrlPr>
+                                <a:rPr lang="fr-FR" b="0" i="1" smtClean="0">
+                                  <a:latin typeface="Cambria Math" panose="02040503050406030204" pitchFamily="18" charset="0"/>
+                                </a:rPr>
+                              </m:ctrlPr>
+                            </m:sSupPr>
+                            <m:e>
+                              <m:r>
+                                <a:rPr lang="en-GB" i="1" smtClean="0">
+                                  <a:latin typeface="Cambria Math" panose="02040503050406030204" pitchFamily="18" charset="0"/>
+                                </a:rPr>
+                                <m:t>𝜕</m:t>
+                              </m:r>
+                            </m:e>
+                            <m:sup>
+                              <m:r>
+                                <a:rPr lang="fr-FR" b="0" i="1" smtClean="0">
+                                  <a:latin typeface="Cambria Math" panose="02040503050406030204" pitchFamily="18" charset="0"/>
+                                </a:rPr>
+                                <m:t>2</m:t>
+                              </m:r>
+                            </m:sup>
+                          </m:sSup>
+                          <m:r>
+                            <a:rPr lang="fr-FR" b="0" i="1" smtClean="0">
+                              <a:latin typeface="Cambria Math" panose="02040503050406030204" pitchFamily="18" charset="0"/>
+                            </a:rPr>
+                            <m:t>𝑢</m:t>
+                          </m:r>
+                        </m:num>
+                        <m:den>
+                          <m:r>
+                            <a:rPr lang="en-GB" i="1" smtClean="0">
+                              <a:latin typeface="Cambria Math" panose="02040503050406030204" pitchFamily="18" charset="0"/>
+                            </a:rPr>
+                            <m:t>𝜕𝜉</m:t>
+                          </m:r>
+                          <m:r>
+                            <a:rPr lang="fr-FR" b="0" i="1" smtClean="0">
+                              <a:latin typeface="Cambria Math" panose="02040503050406030204" pitchFamily="18" charset="0"/>
+                            </a:rPr>
+                            <m:t>²</m:t>
+                          </m:r>
+                        </m:den>
+                      </m:f>
+                      <m:r>
+                        <a:rPr lang="fr-FR" b="0" i="1" smtClean="0">
+                          <a:latin typeface="Cambria Math" panose="02040503050406030204" pitchFamily="18" charset="0"/>
+                        </a:rPr>
+                        <m:t>+</m:t>
+                      </m:r>
+                      <m:f>
+                        <m:fPr>
+                          <m:ctrlPr>
+                            <a:rPr lang="en-GB" i="1">
+                              <a:latin typeface="Cambria Math" panose="02040503050406030204" pitchFamily="18" charset="0"/>
+                            </a:rPr>
+                          </m:ctrlPr>
+                        </m:fPr>
+                        <m:num>
+                          <m:sSup>
+                            <m:sSupPr>
+                              <m:ctrlPr>
+                                <a:rPr lang="fr-FR" i="1">
+                                  <a:latin typeface="Cambria Math" panose="02040503050406030204" pitchFamily="18" charset="0"/>
+                                </a:rPr>
+                              </m:ctrlPr>
+                            </m:sSupPr>
+                            <m:e>
+                              <m:r>
+                                <a:rPr lang="en-GB" i="1">
+                                  <a:latin typeface="Cambria Math" panose="02040503050406030204" pitchFamily="18" charset="0"/>
+                                </a:rPr>
+                                <m:t>𝜕</m:t>
+                              </m:r>
+                            </m:e>
+                            <m:sup>
+                              <m:r>
+                                <a:rPr lang="fr-FR" i="1">
+                                  <a:latin typeface="Cambria Math" panose="02040503050406030204" pitchFamily="18" charset="0"/>
+                                </a:rPr>
+                                <m:t>2</m:t>
+                              </m:r>
+                            </m:sup>
+                          </m:sSup>
+                          <m:r>
+                            <a:rPr lang="fr-FR" i="1">
+                              <a:latin typeface="Cambria Math" panose="02040503050406030204" pitchFamily="18" charset="0"/>
+                            </a:rPr>
+                            <m:t>𝑢</m:t>
+                          </m:r>
+                        </m:num>
+                        <m:den>
+                          <m:r>
+                            <a:rPr lang="en-GB" i="1">
+                              <a:latin typeface="Cambria Math" panose="02040503050406030204" pitchFamily="18" charset="0"/>
+                            </a:rPr>
+                            <m:t>𝜕</m:t>
+                          </m:r>
+                          <m:r>
+                            <a:rPr lang="fr-FR" i="1" smtClean="0">
+                              <a:latin typeface="Cambria Math" panose="02040503050406030204" pitchFamily="18" charset="0"/>
+                            </a:rPr>
+                            <m:t>𝜂</m:t>
+                          </m:r>
+                          <m:r>
+                            <a:rPr lang="fr-FR" i="1">
+                              <a:latin typeface="Cambria Math" panose="02040503050406030204" pitchFamily="18" charset="0"/>
+                            </a:rPr>
+                            <m:t>²</m:t>
+                          </m:r>
+                        </m:den>
+                      </m:f>
+                      <m:r>
+                        <a:rPr lang="fr-FR" b="0" i="1" smtClean="0">
+                          <a:latin typeface="Cambria Math" panose="02040503050406030204" pitchFamily="18" charset="0"/>
+                        </a:rPr>
+                        <m:t>+</m:t>
+                      </m:r>
+                      <m:r>
+                        <a:rPr lang="fr-FR" b="0" i="1" smtClean="0">
+                          <a:latin typeface="Cambria Math" panose="02040503050406030204" pitchFamily="18" charset="0"/>
+                        </a:rPr>
+                        <m:t>𝑓</m:t>
+                      </m:r>
+                      <m:r>
+                        <a:rPr lang="fr-FR" b="0" i="1" smtClean="0">
+                          <a:latin typeface="Cambria Math" panose="02040503050406030204" pitchFamily="18" charset="0"/>
+                        </a:rPr>
+                        <m:t>(</m:t>
+                      </m:r>
+                      <m:r>
+                        <a:rPr lang="en-GB" i="1">
+                          <a:latin typeface="Cambria Math" panose="02040503050406030204" pitchFamily="18" charset="0"/>
+                        </a:rPr>
+                        <m:t>𝜉</m:t>
+                      </m:r>
+                      <m:r>
+                        <a:rPr lang="fr-FR" b="0" i="1" smtClean="0">
+                          <a:latin typeface="Cambria Math" panose="02040503050406030204" pitchFamily="18" charset="0"/>
+                        </a:rPr>
+                        <m:t>,</m:t>
+                      </m:r>
+                      <m:r>
+                        <a:rPr lang="fr-FR" i="1">
+                          <a:latin typeface="Cambria Math" panose="02040503050406030204" pitchFamily="18" charset="0"/>
+                        </a:rPr>
+                        <m:t>𝜂</m:t>
+                      </m:r>
+                      <m:r>
+                        <a:rPr lang="fr-FR" b="0" i="1" smtClean="0">
+                          <a:latin typeface="Cambria Math" panose="02040503050406030204" pitchFamily="18" charset="0"/>
+                        </a:rPr>
+                        <m:t>,</m:t>
+                      </m:r>
+                      <m:f>
+                        <m:fPr>
+                          <m:ctrlPr>
+                            <a:rPr lang="en-GB" i="1">
+                              <a:latin typeface="Cambria Math" panose="02040503050406030204" pitchFamily="18" charset="0"/>
+                            </a:rPr>
+                          </m:ctrlPr>
+                        </m:fPr>
+                        <m:num>
+                          <m:r>
+                            <a:rPr lang="en-GB" i="1">
+                              <a:latin typeface="Cambria Math" panose="02040503050406030204" pitchFamily="18" charset="0"/>
+                            </a:rPr>
+                            <m:t>𝜕</m:t>
+                          </m:r>
+                          <m:r>
+                            <a:rPr lang="fr-FR" i="1">
+                              <a:latin typeface="Cambria Math" panose="02040503050406030204" pitchFamily="18" charset="0"/>
+                            </a:rPr>
+                            <m:t>𝑢</m:t>
+                          </m:r>
+                        </m:num>
+                        <m:den>
+                          <m:r>
+                            <a:rPr lang="en-GB" i="1">
+                              <a:latin typeface="Cambria Math" panose="02040503050406030204" pitchFamily="18" charset="0"/>
+                            </a:rPr>
+                            <m:t>𝜕𝜉</m:t>
+                          </m:r>
+                        </m:den>
+                      </m:f>
+                      <m:r>
+                        <a:rPr lang="fr-FR" b="0" i="1" smtClean="0">
+                          <a:latin typeface="Cambria Math" panose="02040503050406030204" pitchFamily="18" charset="0"/>
+                        </a:rPr>
+                        <m:t>,</m:t>
+                      </m:r>
+                      <m:f>
+                        <m:fPr>
+                          <m:ctrlPr>
+                            <a:rPr lang="en-GB" i="1">
+                              <a:latin typeface="Cambria Math" panose="02040503050406030204" pitchFamily="18" charset="0"/>
+                            </a:rPr>
+                          </m:ctrlPr>
+                        </m:fPr>
+                        <m:num>
+                          <m:r>
+                            <a:rPr lang="en-GB" i="1">
+                              <a:latin typeface="Cambria Math" panose="02040503050406030204" pitchFamily="18" charset="0"/>
+                            </a:rPr>
+                            <m:t>𝜕</m:t>
+                          </m:r>
+                          <m:r>
+                            <a:rPr lang="fr-FR" i="1">
+                              <a:latin typeface="Cambria Math" panose="02040503050406030204" pitchFamily="18" charset="0"/>
+                            </a:rPr>
+                            <m:t>𝑢</m:t>
+                          </m:r>
+                        </m:num>
+                        <m:den>
+                          <m:r>
+                            <a:rPr lang="en-GB" i="1">
+                              <a:latin typeface="Cambria Math" panose="02040503050406030204" pitchFamily="18" charset="0"/>
+                            </a:rPr>
+                            <m:t>𝜕</m:t>
+                          </m:r>
+                          <m:r>
+                            <a:rPr lang="fr-FR" i="1">
+                              <a:latin typeface="Cambria Math" panose="02040503050406030204" pitchFamily="18" charset="0"/>
+                            </a:rPr>
+                            <m:t>𝜂</m:t>
+                          </m:r>
+                        </m:den>
+                      </m:f>
+                      <m:r>
+                        <a:rPr lang="fr-FR" b="0" i="1" smtClean="0">
+                          <a:latin typeface="Cambria Math" panose="02040503050406030204" pitchFamily="18" charset="0"/>
+                        </a:rPr>
+                        <m:t>)</m:t>
+                      </m:r>
+                    </m:oMath>
+                  </m:oMathPara>
+                </a14:m>
+                <a:endParaRPr lang="en-GB" dirty="0"/>
+              </a:p>
+            </p:txBody>
+          </p:sp>
+        </mc:Choice>
+        <mc:Fallback>
+          <p:sp>
+            <p:nvSpPr>
+              <p:cNvPr id="45" name="TextBox 44">
+                <a:extLst>
+                  <a:ext uri="{FF2B5EF4-FFF2-40B4-BE49-F238E27FC236}">
+                    <a16:creationId xmlns:a16="http://schemas.microsoft.com/office/drawing/2014/main" id="{2CEBE47E-F412-B061-1A8F-3A6762027ED1}"/>
+                  </a:ext>
+                </a:extLst>
+              </p:cNvPr>
+              <p:cNvSpPr txBox="1">
+                <a:spLocks noRot="1" noChangeAspect="1" noMove="1" noResize="1" noEditPoints="1" noAdjustHandles="1" noChangeArrowheads="1" noChangeShapeType="1" noTextEdit="1"/>
+              </p:cNvSpPr>
+              <p:nvPr/>
+            </p:nvSpPr>
+            <p:spPr>
+              <a:xfrm>
+                <a:off x="6429684" y="4056347"/>
+                <a:ext cx="2773836" cy="608180"/>
+              </a:xfrm>
+              <a:prstGeom prst="rect">
+                <a:avLst/>
+              </a:prstGeom>
+              <a:blipFill>
+                <a:blip r:embed="rId12"/>
+                <a:stretch>
+                  <a:fillRect/>
+                </a:stretch>
+              </a:blipFill>
+            </p:spPr>
+            <p:txBody>
+              <a:bodyPr/>
+              <a:lstStyle/>
+              <a:p>
+                <a:r>
+                  <a:rPr lang="en-GB">
+                    <a:noFill/>
+                  </a:rPr>
+                  <a:t> </a:t>
+                </a:r>
+              </a:p>
+            </p:txBody>
+          </p:sp>
+        </mc:Fallback>
+      </mc:AlternateContent>
+      <p:sp>
+        <p:nvSpPr>
+          <p:cNvPr id="47" name="TextBox 46">
+            <a:extLst>
+              <a:ext uri="{FF2B5EF4-FFF2-40B4-BE49-F238E27FC236}">
+                <a16:creationId xmlns:a16="http://schemas.microsoft.com/office/drawing/2014/main" id="{287A1C12-99B6-721C-C413-14666A5B4D36}"/>
+              </a:ext>
+            </a:extLst>
+          </p:cNvPr>
+          <p:cNvSpPr txBox="1"/>
+          <p:nvPr/>
+        </p:nvSpPr>
+        <p:spPr>
+          <a:xfrm>
+            <a:off x="11091333" y="6550222"/>
+            <a:ext cx="1100667" cy="307777"/>
+          </a:xfrm>
+          <a:prstGeom prst="rect">
+            <a:avLst/>
+          </a:prstGeom>
+          <a:noFill/>
+        </p:spPr>
+        <p:txBody>
+          <a:bodyPr wrap="square" rtlCol="0">
+            <a:spAutoFit/>
+          </a:bodyPr>
+          <a:lstStyle/>
+          <a:p>
+            <a:pPr algn="r"/>
+            <a:r>
+              <a:rPr lang="fr-FR" sz="1400" dirty="0">
+                <a:latin typeface="Times New Roman" panose="02020603050405020304" pitchFamily="18" charset="0"/>
+                <a:cs typeface="Times New Roman" panose="02020603050405020304" pitchFamily="18" charset="0"/>
+              </a:rPr>
+              <a:t>2/10</a:t>
+            </a:r>
+            <a:endParaRPr lang="en-GB" sz="1400" dirty="0">
+              <a:latin typeface="Times New Roman" panose="02020603050405020304" pitchFamily="18" charset="0"/>
+              <a:cs typeface="Times New Roman" panose="02020603050405020304" pitchFamily="18" charset="0"/>
+            </a:endParaRPr>
+          </a:p>
+        </p:txBody>
+      </p:sp>
     </p:spTree>
     <p:extLst>
       <p:ext uri="{BB962C8B-B14F-4D97-AF65-F5344CB8AC3E}">
@@ -8370,8 +8943,8 @@
           <a:chExt cx="0" cy="0"/>
         </a:xfrm>
       </p:grpSpPr>
-      <mc:AlternateContent xmlns:mc="http://schemas.openxmlformats.org/markup-compatibility/2006" xmlns:a14="http://schemas.microsoft.com/office/drawing/2010/main">
-        <mc:Choice Requires="a14">
+      <mc:AlternateContent xmlns:mc="http://schemas.openxmlformats.org/markup-compatibility/2006">
+        <mc:Choice xmlns:a14="http://schemas.microsoft.com/office/drawing/2010/main" Requires="a14">
           <p:sp>
             <p:nvSpPr>
               <p:cNvPr id="2" name="TextBox 1">
@@ -8386,8 +8959,8 @@
             </p:nvSpPr>
             <p:spPr>
               <a:xfrm>
-                <a:off x="0" y="627468"/>
-                <a:ext cx="8040414" cy="1200329"/>
+                <a:off x="0" y="1980114"/>
+                <a:ext cx="8040414" cy="1477328"/>
               </a:xfrm>
               <a:prstGeom prst="rect">
                 <a:avLst/>
@@ -8408,6 +8981,13 @@
                   </a:rPr>
                   <a:t>Pour les conditions aux frontières, nous avons choisi :</a:t>
                 </a:r>
+              </a:p>
+              <a:p>
+                <a:pPr algn="just"/>
+                <a:endParaRPr lang="fr-FR" noProof="0" dirty="0">
+                  <a:latin typeface="Times New Roman" panose="02020603050405020304" pitchFamily="18" charset="0"/>
+                  <a:cs typeface="Times New Roman" panose="02020603050405020304" pitchFamily="18" charset="0"/>
+                </a:endParaRPr>
               </a:p>
               <a:p>
                 <a:pPr marL="285750" indent="-285750" algn="just">
@@ -8564,7 +9144,7 @@
             </p:txBody>
           </p:sp>
         </mc:Choice>
-        <mc:Fallback xmlns="">
+        <mc:Fallback>
           <p:sp>
             <p:nvSpPr>
               <p:cNvPr id="2" name="TextBox 1">
@@ -8581,8 +9161,8 @@
             </p:nvSpPr>
             <p:spPr>
               <a:xfrm>
-                <a:off x="0" y="627468"/>
-                <a:ext cx="8040414" cy="1200329"/>
+                <a:off x="0" y="1980114"/>
+                <a:ext cx="8040414" cy="1477328"/>
               </a:xfrm>
               <a:prstGeom prst="rect">
                 <a:avLst/>
@@ -8590,7 +9170,7 @@
               <a:blipFill>
                 <a:blip r:embed="rId2"/>
                 <a:stretch>
-                  <a:fillRect l="-607" t="-3046" r="-607" b="-7107"/>
+                  <a:fillRect l="-607" t="-2479" r="-607" b="-5785"/>
                 </a:stretch>
               </a:blipFill>
             </p:spPr>
@@ -8623,8 +9203,8 @@
         </p:nvSpPr>
         <p:spPr>
           <a:xfrm>
-            <a:off x="8040414" y="679051"/>
-            <a:ext cx="180376" cy="1097161"/>
+            <a:off x="8040414" y="2578068"/>
+            <a:ext cx="180376" cy="770499"/>
           </a:xfrm>
           <a:prstGeom prst="rightBrace">
             <a:avLst>
@@ -8656,8 +9236,8 @@
           </a:p>
         </p:txBody>
       </p:sp>
-      <mc:AlternateContent xmlns:mc="http://schemas.openxmlformats.org/markup-compatibility/2006" xmlns:a14="http://schemas.microsoft.com/office/drawing/2010/main">
-        <mc:Choice Requires="a14">
+      <mc:AlternateContent xmlns:mc="http://schemas.openxmlformats.org/markup-compatibility/2006">
+        <mc:Choice xmlns:a14="http://schemas.microsoft.com/office/drawing/2010/main" Requires="a14">
           <p:sp>
             <p:nvSpPr>
               <p:cNvPr id="7" name="TextBox 6">
@@ -8672,7 +9252,7 @@
             </p:nvSpPr>
             <p:spPr>
               <a:xfrm>
-                <a:off x="8434551" y="679051"/>
+                <a:off x="8434551" y="2497020"/>
                 <a:ext cx="1487395" cy="276999"/>
               </a:xfrm>
               <a:prstGeom prst="rect">
@@ -8767,7 +9347,7 @@
             </p:txBody>
           </p:sp>
         </mc:Choice>
-        <mc:Fallback xmlns="">
+        <mc:Fallback>
           <p:sp>
             <p:nvSpPr>
               <p:cNvPr id="7" name="TextBox 6">
@@ -8784,7 +9364,7 @@
             </p:nvSpPr>
             <p:spPr>
               <a:xfrm>
-                <a:off x="8434551" y="679051"/>
+                <a:off x="8434551" y="2497020"/>
                 <a:ext cx="1487395" cy="276999"/>
               </a:xfrm>
               <a:prstGeom prst="rect">
@@ -8793,7 +9373,7 @@
               <a:blipFill>
                 <a:blip r:embed="rId3"/>
                 <a:stretch>
-                  <a:fillRect l="-3689" r="-410" b="-10870"/>
+                  <a:fillRect l="-3689" r="-410" b="-11111"/>
                 </a:stretch>
               </a:blipFill>
             </p:spPr>
@@ -8812,8 +9392,8 @@
           </p:sp>
         </mc:Fallback>
       </mc:AlternateContent>
-      <mc:AlternateContent xmlns:mc="http://schemas.openxmlformats.org/markup-compatibility/2006" xmlns:a14="http://schemas.microsoft.com/office/drawing/2010/main">
-        <mc:Choice Requires="a14">
+      <mc:AlternateContent xmlns:mc="http://schemas.openxmlformats.org/markup-compatibility/2006">
+        <mc:Choice xmlns:a14="http://schemas.microsoft.com/office/drawing/2010/main" Requires="a14">
           <p:sp>
             <p:nvSpPr>
               <p:cNvPr id="8" name="TextBox 7">
@@ -8828,7 +9408,7 @@
             </p:nvSpPr>
             <p:spPr>
               <a:xfrm>
-                <a:off x="8434551" y="1122122"/>
+                <a:off x="8434551" y="2817669"/>
                 <a:ext cx="1152560" cy="654090"/>
               </a:xfrm>
               <a:prstGeom prst="rect">
@@ -8938,7 +9518,7 @@
             </p:txBody>
           </p:sp>
         </mc:Choice>
-        <mc:Fallback xmlns="">
+        <mc:Fallback>
           <p:sp>
             <p:nvSpPr>
               <p:cNvPr id="8" name="TextBox 7">
@@ -8955,7 +9535,7 @@
             </p:nvSpPr>
             <p:spPr>
               <a:xfrm>
-                <a:off x="8434551" y="1122122"/>
+                <a:off x="8434551" y="2817669"/>
                 <a:ext cx="1152560" cy="654090"/>
               </a:xfrm>
               <a:prstGeom prst="rect">
@@ -8964,7 +9544,7 @@
               <a:blipFill>
                 <a:blip r:embed="rId4"/>
                 <a:stretch>
-                  <a:fillRect b="-935"/>
+                  <a:fillRect/>
                 </a:stretch>
               </a:blipFill>
             </p:spPr>
@@ -9133,6 +9713,1220 @@
           <a:p>
             <a:pPr algn="ctr"/>
             <a:endParaRPr lang="en-GB"/>
+          </a:p>
+        </p:txBody>
+      </p:sp>
+      <mc:AlternateContent xmlns:mc="http://schemas.openxmlformats.org/markup-compatibility/2006">
+        <mc:Choice xmlns:a14="http://schemas.microsoft.com/office/drawing/2010/main" Requires="a14">
+          <p:sp>
+            <p:nvSpPr>
+              <p:cNvPr id="3" name="TextBox 2">
+                <a:extLst>
+                  <a:ext uri="{FF2B5EF4-FFF2-40B4-BE49-F238E27FC236}">
+                    <a16:creationId xmlns:a16="http://schemas.microsoft.com/office/drawing/2014/main" id="{C6304A20-79B7-2C12-19AC-070605972BB4}"/>
+                  </a:ext>
+                </a:extLst>
+              </p:cNvPr>
+              <p:cNvSpPr txBox="1"/>
+              <p:nvPr/>
+            </p:nvSpPr>
+            <p:spPr>
+              <a:xfrm>
+                <a:off x="0" y="650883"/>
+                <a:ext cx="6236839" cy="369332"/>
+              </a:xfrm>
+              <a:prstGeom prst="rect">
+                <a:avLst/>
+              </a:prstGeom>
+              <a:noFill/>
+            </p:spPr>
+            <p:txBody>
+              <a:bodyPr wrap="square" rtlCol="0">
+                <a:spAutoFit/>
+              </a:bodyPr>
+              <a:lstStyle/>
+              <a:p>
+                <a:pPr algn="just"/>
+                <a:r>
+                  <a:rPr lang="fr-FR" dirty="0">
+                    <a:latin typeface="Times New Roman" panose="02020603050405020304" pitchFamily="18" charset="0"/>
+                    <a:cs typeface="Times New Roman" panose="02020603050405020304" pitchFamily="18" charset="0"/>
+                  </a:rPr>
+                  <a:t>Voici le schéma de discrétisation proposé (5 nœuds i.e., </a:t>
+                </a:r>
+                <a14:m>
+                  <m:oMath xmlns:m="http://schemas.openxmlformats.org/officeDocument/2006/math">
+                    <m:r>
+                      <a:rPr lang="fr-FR" b="0" i="1" smtClean="0">
+                        <a:latin typeface="Cambria Math" panose="02040503050406030204" pitchFamily="18" charset="0"/>
+                        <a:cs typeface="Times New Roman" panose="02020603050405020304" pitchFamily="18" charset="0"/>
+                      </a:rPr>
+                      <m:t>𝑁</m:t>
+                    </m:r>
+                    <m:r>
+                      <a:rPr lang="fr-FR" b="0" i="1" smtClean="0">
+                        <a:latin typeface="Cambria Math" panose="02040503050406030204" pitchFamily="18" charset="0"/>
+                        <a:cs typeface="Times New Roman" panose="02020603050405020304" pitchFamily="18" charset="0"/>
+                      </a:rPr>
+                      <m:t>=5</m:t>
+                    </m:r>
+                  </m:oMath>
+                </a14:m>
+                <a:r>
+                  <a:rPr lang="fr-FR" dirty="0">
+                    <a:latin typeface="Times New Roman" panose="02020603050405020304" pitchFamily="18" charset="0"/>
+                    <a:cs typeface="Times New Roman" panose="02020603050405020304" pitchFamily="18" charset="0"/>
+                  </a:rPr>
+                  <a:t>) : </a:t>
+                </a:r>
+                <a:endParaRPr lang="en-GB" dirty="0">
+                  <a:latin typeface="Times New Roman" panose="02020603050405020304" pitchFamily="18" charset="0"/>
+                  <a:cs typeface="Times New Roman" panose="02020603050405020304" pitchFamily="18" charset="0"/>
+                </a:endParaRPr>
+              </a:p>
+            </p:txBody>
+          </p:sp>
+        </mc:Choice>
+        <mc:Fallback>
+          <p:sp>
+            <p:nvSpPr>
+              <p:cNvPr id="3" name="TextBox 2">
+                <a:extLst>
+                  <a:ext uri="{FF2B5EF4-FFF2-40B4-BE49-F238E27FC236}">
+                    <a16:creationId xmlns:a16="http://schemas.microsoft.com/office/drawing/2014/main" id="{C6304A20-79B7-2C12-19AC-070605972BB4}"/>
+                  </a:ext>
+                </a:extLst>
+              </p:cNvPr>
+              <p:cNvSpPr txBox="1">
+                <a:spLocks noRot="1" noChangeAspect="1" noMove="1" noResize="1" noEditPoints="1" noAdjustHandles="1" noChangeArrowheads="1" noChangeShapeType="1" noTextEdit="1"/>
+              </p:cNvSpPr>
+              <p:nvPr/>
+            </p:nvSpPr>
+            <p:spPr>
+              <a:xfrm>
+                <a:off x="0" y="650883"/>
+                <a:ext cx="6236839" cy="369332"/>
+              </a:xfrm>
+              <a:prstGeom prst="rect">
+                <a:avLst/>
+              </a:prstGeom>
+              <a:blipFill>
+                <a:blip r:embed="rId5"/>
+                <a:stretch>
+                  <a:fillRect l="-782" t="-10000" b="-26667"/>
+                </a:stretch>
+              </a:blipFill>
+            </p:spPr>
+            <p:txBody>
+              <a:bodyPr/>
+              <a:lstStyle/>
+              <a:p>
+                <a:r>
+                  <a:rPr lang="en-GB">
+                    <a:noFill/>
+                  </a:rPr>
+                  <a:t> </a:t>
+                </a:r>
+              </a:p>
+            </p:txBody>
+          </p:sp>
+        </mc:Fallback>
+      </mc:AlternateContent>
+      <p:sp>
+        <p:nvSpPr>
+          <p:cNvPr id="4" name="Oval 3">
+            <a:extLst>
+              <a:ext uri="{FF2B5EF4-FFF2-40B4-BE49-F238E27FC236}">
+                <a16:creationId xmlns:a16="http://schemas.microsoft.com/office/drawing/2014/main" id="{6C8DEBA5-DA61-1066-6DD5-9ED99B65BDE2}"/>
+              </a:ext>
+            </a:extLst>
+          </p:cNvPr>
+          <p:cNvSpPr/>
+          <p:nvPr/>
+        </p:nvSpPr>
+        <p:spPr>
+          <a:xfrm>
+            <a:off x="6766559" y="805945"/>
+            <a:ext cx="162492" cy="162492"/>
+          </a:xfrm>
+          <a:prstGeom prst="ellipse">
+            <a:avLst/>
+          </a:prstGeom>
+        </p:spPr>
+        <p:style>
+          <a:lnRef idx="2">
+            <a:schemeClr val="dk1">
+              <a:shade val="15000"/>
+            </a:schemeClr>
+          </a:lnRef>
+          <a:fillRef idx="1">
+            <a:schemeClr val="dk1"/>
+          </a:fillRef>
+          <a:effectRef idx="0">
+            <a:schemeClr val="dk1"/>
+          </a:effectRef>
+          <a:fontRef idx="minor">
+            <a:schemeClr val="lt1"/>
+          </a:fontRef>
+        </p:style>
+        <p:txBody>
+          <a:bodyPr rtlCol="0" anchor="ctr"/>
+          <a:lstStyle/>
+          <a:p>
+            <a:pPr algn="ctr"/>
+            <a:endParaRPr lang="en-GB"/>
+          </a:p>
+        </p:txBody>
+      </p:sp>
+      <p:sp>
+        <p:nvSpPr>
+          <p:cNvPr id="12" name="Oval 11">
+            <a:extLst>
+              <a:ext uri="{FF2B5EF4-FFF2-40B4-BE49-F238E27FC236}">
+                <a16:creationId xmlns:a16="http://schemas.microsoft.com/office/drawing/2014/main" id="{CD555B3B-1273-B030-5A00-48B9923A6D1D}"/>
+              </a:ext>
+            </a:extLst>
+          </p:cNvPr>
+          <p:cNvSpPr/>
+          <p:nvPr/>
+        </p:nvSpPr>
+        <p:spPr>
+          <a:xfrm>
+            <a:off x="7601606" y="805945"/>
+            <a:ext cx="162492" cy="162492"/>
+          </a:xfrm>
+          <a:prstGeom prst="ellipse">
+            <a:avLst/>
+          </a:prstGeom>
+        </p:spPr>
+        <p:style>
+          <a:lnRef idx="2">
+            <a:schemeClr val="dk1">
+              <a:shade val="15000"/>
+            </a:schemeClr>
+          </a:lnRef>
+          <a:fillRef idx="1">
+            <a:schemeClr val="dk1"/>
+          </a:fillRef>
+          <a:effectRef idx="0">
+            <a:schemeClr val="dk1"/>
+          </a:effectRef>
+          <a:fontRef idx="minor">
+            <a:schemeClr val="lt1"/>
+          </a:fontRef>
+        </p:style>
+        <p:txBody>
+          <a:bodyPr rtlCol="0" anchor="ctr"/>
+          <a:lstStyle/>
+          <a:p>
+            <a:pPr algn="ctr"/>
+            <a:endParaRPr lang="en-GB"/>
+          </a:p>
+        </p:txBody>
+      </p:sp>
+      <p:sp>
+        <p:nvSpPr>
+          <p:cNvPr id="16" name="Oval 15">
+            <a:extLst>
+              <a:ext uri="{FF2B5EF4-FFF2-40B4-BE49-F238E27FC236}">
+                <a16:creationId xmlns:a16="http://schemas.microsoft.com/office/drawing/2014/main" id="{2DC757D9-32CE-64B4-6E3D-3D217D7E5F46}"/>
+              </a:ext>
+            </a:extLst>
+          </p:cNvPr>
+          <p:cNvSpPr/>
+          <p:nvPr/>
+        </p:nvSpPr>
+        <p:spPr>
+          <a:xfrm>
+            <a:off x="8436653" y="805945"/>
+            <a:ext cx="162492" cy="162492"/>
+          </a:xfrm>
+          <a:prstGeom prst="ellipse">
+            <a:avLst/>
+          </a:prstGeom>
+        </p:spPr>
+        <p:style>
+          <a:lnRef idx="2">
+            <a:schemeClr val="dk1">
+              <a:shade val="15000"/>
+            </a:schemeClr>
+          </a:lnRef>
+          <a:fillRef idx="1">
+            <a:schemeClr val="dk1"/>
+          </a:fillRef>
+          <a:effectRef idx="0">
+            <a:schemeClr val="dk1"/>
+          </a:effectRef>
+          <a:fontRef idx="minor">
+            <a:schemeClr val="lt1"/>
+          </a:fontRef>
+        </p:style>
+        <p:txBody>
+          <a:bodyPr rtlCol="0" anchor="ctr"/>
+          <a:lstStyle/>
+          <a:p>
+            <a:pPr algn="ctr"/>
+            <a:endParaRPr lang="en-GB"/>
+          </a:p>
+        </p:txBody>
+      </p:sp>
+      <p:sp>
+        <p:nvSpPr>
+          <p:cNvPr id="21" name="Oval 20">
+            <a:extLst>
+              <a:ext uri="{FF2B5EF4-FFF2-40B4-BE49-F238E27FC236}">
+                <a16:creationId xmlns:a16="http://schemas.microsoft.com/office/drawing/2014/main" id="{3EC77938-36F5-9BEC-0F4B-506822FDA0D7}"/>
+              </a:ext>
+            </a:extLst>
+          </p:cNvPr>
+          <p:cNvSpPr/>
+          <p:nvPr/>
+        </p:nvSpPr>
+        <p:spPr>
+          <a:xfrm>
+            <a:off x="9271700" y="805945"/>
+            <a:ext cx="162492" cy="162492"/>
+          </a:xfrm>
+          <a:prstGeom prst="ellipse">
+            <a:avLst/>
+          </a:prstGeom>
+        </p:spPr>
+        <p:style>
+          <a:lnRef idx="2">
+            <a:schemeClr val="dk1">
+              <a:shade val="15000"/>
+            </a:schemeClr>
+          </a:lnRef>
+          <a:fillRef idx="1">
+            <a:schemeClr val="dk1"/>
+          </a:fillRef>
+          <a:effectRef idx="0">
+            <a:schemeClr val="dk1"/>
+          </a:effectRef>
+          <a:fontRef idx="minor">
+            <a:schemeClr val="lt1"/>
+          </a:fontRef>
+        </p:style>
+        <p:txBody>
+          <a:bodyPr rtlCol="0" anchor="ctr"/>
+          <a:lstStyle/>
+          <a:p>
+            <a:pPr algn="ctr"/>
+            <a:endParaRPr lang="en-GB"/>
+          </a:p>
+        </p:txBody>
+      </p:sp>
+      <p:sp>
+        <p:nvSpPr>
+          <p:cNvPr id="22" name="Oval 21">
+            <a:extLst>
+              <a:ext uri="{FF2B5EF4-FFF2-40B4-BE49-F238E27FC236}">
+                <a16:creationId xmlns:a16="http://schemas.microsoft.com/office/drawing/2014/main" id="{076029C1-43EB-D64D-D844-7C346AFBB080}"/>
+              </a:ext>
+            </a:extLst>
+          </p:cNvPr>
+          <p:cNvSpPr/>
+          <p:nvPr/>
+        </p:nvSpPr>
+        <p:spPr>
+          <a:xfrm>
+            <a:off x="10106746" y="805945"/>
+            <a:ext cx="162492" cy="162492"/>
+          </a:xfrm>
+          <a:prstGeom prst="ellipse">
+            <a:avLst/>
+          </a:prstGeom>
+        </p:spPr>
+        <p:style>
+          <a:lnRef idx="2">
+            <a:schemeClr val="dk1">
+              <a:shade val="15000"/>
+            </a:schemeClr>
+          </a:lnRef>
+          <a:fillRef idx="1">
+            <a:schemeClr val="dk1"/>
+          </a:fillRef>
+          <a:effectRef idx="0">
+            <a:schemeClr val="dk1"/>
+          </a:effectRef>
+          <a:fontRef idx="minor">
+            <a:schemeClr val="lt1"/>
+          </a:fontRef>
+        </p:style>
+        <p:txBody>
+          <a:bodyPr rtlCol="0" anchor="ctr"/>
+          <a:lstStyle/>
+          <a:p>
+            <a:pPr algn="ctr"/>
+            <a:endParaRPr lang="en-GB"/>
+          </a:p>
+        </p:txBody>
+      </p:sp>
+      <p:cxnSp>
+        <p:nvCxnSpPr>
+          <p:cNvPr id="24" name="Straight Connector 23">
+            <a:extLst>
+              <a:ext uri="{FF2B5EF4-FFF2-40B4-BE49-F238E27FC236}">
+                <a16:creationId xmlns:a16="http://schemas.microsoft.com/office/drawing/2014/main" id="{6F658F9A-65C2-7BA4-F770-1845190CFD82}"/>
+              </a:ext>
+            </a:extLst>
+          </p:cNvPr>
+          <p:cNvCxnSpPr>
+            <a:cxnSpLocks/>
+            <a:stCxn id="4" idx="6"/>
+            <a:endCxn id="22" idx="2"/>
+          </p:cNvCxnSpPr>
+          <p:nvPr/>
+        </p:nvCxnSpPr>
+        <p:spPr>
+          <a:xfrm>
+            <a:off x="6929051" y="887191"/>
+            <a:ext cx="3177695" cy="0"/>
+          </a:xfrm>
+          <a:prstGeom prst="line">
+            <a:avLst/>
+          </a:prstGeom>
+          <a:ln w="38100">
+            <a:solidFill>
+              <a:schemeClr val="bg2">
+                <a:lumMod val="10000"/>
+              </a:schemeClr>
+            </a:solidFill>
+          </a:ln>
+        </p:spPr>
+        <p:style>
+          <a:lnRef idx="2">
+            <a:schemeClr val="accent1"/>
+          </a:lnRef>
+          <a:fillRef idx="0">
+            <a:schemeClr val="accent1"/>
+          </a:fillRef>
+          <a:effectRef idx="1">
+            <a:schemeClr val="accent1"/>
+          </a:effectRef>
+          <a:fontRef idx="minor">
+            <a:schemeClr val="tx1"/>
+          </a:fontRef>
+        </p:style>
+      </p:cxnSp>
+      <p:cxnSp>
+        <p:nvCxnSpPr>
+          <p:cNvPr id="26" name="Straight Arrow Connector 25">
+            <a:extLst>
+              <a:ext uri="{FF2B5EF4-FFF2-40B4-BE49-F238E27FC236}">
+                <a16:creationId xmlns:a16="http://schemas.microsoft.com/office/drawing/2014/main" id="{8913117D-71DC-16F9-2BD3-DA9D3BA1721B}"/>
+              </a:ext>
+            </a:extLst>
+          </p:cNvPr>
+          <p:cNvCxnSpPr/>
+          <p:nvPr/>
+        </p:nvCxnSpPr>
+        <p:spPr>
+          <a:xfrm>
+            <a:off x="6583680" y="1297520"/>
+            <a:ext cx="4086422" cy="0"/>
+          </a:xfrm>
+          <a:prstGeom prst="straightConnector1">
+            <a:avLst/>
+          </a:prstGeom>
+          <a:ln>
+            <a:solidFill>
+              <a:schemeClr val="bg2">
+                <a:lumMod val="10000"/>
+              </a:schemeClr>
+            </a:solidFill>
+            <a:tailEnd type="triangle"/>
+          </a:ln>
+        </p:spPr>
+        <p:style>
+          <a:lnRef idx="2">
+            <a:schemeClr val="accent1"/>
+          </a:lnRef>
+          <a:fillRef idx="0">
+            <a:schemeClr val="accent1"/>
+          </a:fillRef>
+          <a:effectRef idx="1">
+            <a:schemeClr val="accent1"/>
+          </a:effectRef>
+          <a:fontRef idx="minor">
+            <a:schemeClr val="tx1"/>
+          </a:fontRef>
+        </p:style>
+      </p:cxnSp>
+      <mc:AlternateContent xmlns:mc="http://schemas.openxmlformats.org/markup-compatibility/2006">
+        <mc:Choice xmlns:a14="http://schemas.microsoft.com/office/drawing/2010/main" Requires="a14">
+          <p:sp>
+            <p:nvSpPr>
+              <p:cNvPr id="27" name="TextBox 26">
+                <a:extLst>
+                  <a:ext uri="{FF2B5EF4-FFF2-40B4-BE49-F238E27FC236}">
+                    <a16:creationId xmlns:a16="http://schemas.microsoft.com/office/drawing/2014/main" id="{07EBCD55-934E-A1D6-843D-1695B2FD8ECB}"/>
+                  </a:ext>
+                </a:extLst>
+              </p:cNvPr>
+              <p:cNvSpPr txBox="1"/>
+              <p:nvPr/>
+            </p:nvSpPr>
+            <p:spPr>
+              <a:xfrm>
+                <a:off x="10738389" y="1142180"/>
+                <a:ext cx="160557" cy="276999"/>
+              </a:xfrm>
+              <a:prstGeom prst="rect">
+                <a:avLst/>
+              </a:prstGeom>
+              <a:noFill/>
+            </p:spPr>
+            <p:txBody>
+              <a:bodyPr wrap="none" lIns="0" tIns="0" rIns="0" bIns="0" rtlCol="0">
+                <a:spAutoFit/>
+              </a:bodyPr>
+              <a:lstStyle/>
+              <a:p>
+                <a:pPr/>
+                <a14:m>
+                  <m:oMathPara xmlns:m="http://schemas.openxmlformats.org/officeDocument/2006/math">
+                    <m:oMathParaPr>
+                      <m:jc m:val="centerGroup"/>
+                    </m:oMathParaPr>
+                    <m:oMath xmlns:m="http://schemas.openxmlformats.org/officeDocument/2006/math">
+                      <m:r>
+                        <a:rPr lang="fr-FR" b="0" i="1" smtClean="0">
+                          <a:latin typeface="Cambria Math" panose="02040503050406030204" pitchFamily="18" charset="0"/>
+                        </a:rPr>
+                        <m:t>𝑟</m:t>
+                      </m:r>
+                    </m:oMath>
+                  </m:oMathPara>
+                </a14:m>
+                <a:endParaRPr lang="en-GB" dirty="0"/>
+              </a:p>
+            </p:txBody>
+          </p:sp>
+        </mc:Choice>
+        <mc:Fallback>
+          <p:sp>
+            <p:nvSpPr>
+              <p:cNvPr id="27" name="TextBox 26">
+                <a:extLst>
+                  <a:ext uri="{FF2B5EF4-FFF2-40B4-BE49-F238E27FC236}">
+                    <a16:creationId xmlns:a16="http://schemas.microsoft.com/office/drawing/2014/main" id="{07EBCD55-934E-A1D6-843D-1695B2FD8ECB}"/>
+                  </a:ext>
+                </a:extLst>
+              </p:cNvPr>
+              <p:cNvSpPr txBox="1">
+                <a:spLocks noRot="1" noChangeAspect="1" noMove="1" noResize="1" noEditPoints="1" noAdjustHandles="1" noChangeArrowheads="1" noChangeShapeType="1" noTextEdit="1"/>
+              </p:cNvSpPr>
+              <p:nvPr/>
+            </p:nvSpPr>
+            <p:spPr>
+              <a:xfrm>
+                <a:off x="10738389" y="1142180"/>
+                <a:ext cx="160557" cy="276999"/>
+              </a:xfrm>
+              <a:prstGeom prst="rect">
+                <a:avLst/>
+              </a:prstGeom>
+              <a:blipFill>
+                <a:blip r:embed="rId6"/>
+                <a:stretch>
+                  <a:fillRect l="-23077" r="-23077"/>
+                </a:stretch>
+              </a:blipFill>
+            </p:spPr>
+            <p:txBody>
+              <a:bodyPr/>
+              <a:lstStyle/>
+              <a:p>
+                <a:r>
+                  <a:rPr lang="en-GB">
+                    <a:noFill/>
+                  </a:rPr>
+                  <a:t> </a:t>
+                </a:r>
+              </a:p>
+            </p:txBody>
+          </p:sp>
+        </mc:Fallback>
+      </mc:AlternateContent>
+      <mc:AlternateContent xmlns:mc="http://schemas.openxmlformats.org/markup-compatibility/2006">
+        <mc:Choice xmlns:a14="http://schemas.microsoft.com/office/drawing/2010/main" Requires="a14">
+          <p:sp>
+            <p:nvSpPr>
+              <p:cNvPr id="28" name="TextBox 27">
+                <a:extLst>
+                  <a:ext uri="{FF2B5EF4-FFF2-40B4-BE49-F238E27FC236}">
+                    <a16:creationId xmlns:a16="http://schemas.microsoft.com/office/drawing/2014/main" id="{80F08257-A450-5C04-241D-1002B4DA1E8B}"/>
+                  </a:ext>
+                </a:extLst>
+              </p:cNvPr>
+              <p:cNvSpPr txBox="1"/>
+              <p:nvPr/>
+            </p:nvSpPr>
+            <p:spPr>
+              <a:xfrm>
+                <a:off x="6552724" y="939287"/>
+                <a:ext cx="590162" cy="276999"/>
+              </a:xfrm>
+              <a:prstGeom prst="rect">
+                <a:avLst/>
+              </a:prstGeom>
+              <a:noFill/>
+            </p:spPr>
+            <p:txBody>
+              <a:bodyPr wrap="none" lIns="0" tIns="0" rIns="0" bIns="0" rtlCol="0">
+                <a:spAutoFit/>
+              </a:bodyPr>
+              <a:lstStyle/>
+              <a:p>
+                <a:pPr/>
+                <a14:m>
+                  <m:oMathPara xmlns:m="http://schemas.openxmlformats.org/officeDocument/2006/math">
+                    <m:oMathParaPr>
+                      <m:jc m:val="centerGroup"/>
+                    </m:oMathParaPr>
+                    <m:oMath xmlns:m="http://schemas.openxmlformats.org/officeDocument/2006/math">
+                      <m:r>
+                        <a:rPr lang="fr-FR" b="0" i="1" smtClean="0">
+                          <a:latin typeface="Cambria Math" panose="02040503050406030204" pitchFamily="18" charset="0"/>
+                        </a:rPr>
+                        <m:t>𝑟</m:t>
+                      </m:r>
+                      <m:r>
+                        <a:rPr lang="fr-FR" b="0" i="1" smtClean="0">
+                          <a:latin typeface="Cambria Math" panose="02040503050406030204" pitchFamily="18" charset="0"/>
+                        </a:rPr>
+                        <m:t>=0</m:t>
+                      </m:r>
+                    </m:oMath>
+                  </m:oMathPara>
+                </a14:m>
+                <a:endParaRPr lang="en-GB" dirty="0"/>
+              </a:p>
+            </p:txBody>
+          </p:sp>
+        </mc:Choice>
+        <mc:Fallback>
+          <p:sp>
+            <p:nvSpPr>
+              <p:cNvPr id="28" name="TextBox 27">
+                <a:extLst>
+                  <a:ext uri="{FF2B5EF4-FFF2-40B4-BE49-F238E27FC236}">
+                    <a16:creationId xmlns:a16="http://schemas.microsoft.com/office/drawing/2014/main" id="{80F08257-A450-5C04-241D-1002B4DA1E8B}"/>
+                  </a:ext>
+                </a:extLst>
+              </p:cNvPr>
+              <p:cNvSpPr txBox="1">
+                <a:spLocks noRot="1" noChangeAspect="1" noMove="1" noResize="1" noEditPoints="1" noAdjustHandles="1" noChangeArrowheads="1" noChangeShapeType="1" noTextEdit="1"/>
+              </p:cNvSpPr>
+              <p:nvPr/>
+            </p:nvSpPr>
+            <p:spPr>
+              <a:xfrm>
+                <a:off x="6552724" y="939287"/>
+                <a:ext cx="590162" cy="276999"/>
+              </a:xfrm>
+              <a:prstGeom prst="rect">
+                <a:avLst/>
+              </a:prstGeom>
+              <a:blipFill>
+                <a:blip r:embed="rId7"/>
+                <a:stretch>
+                  <a:fillRect l="-6186" r="-9278" b="-6522"/>
+                </a:stretch>
+              </a:blipFill>
+            </p:spPr>
+            <p:txBody>
+              <a:bodyPr/>
+              <a:lstStyle/>
+              <a:p>
+                <a:r>
+                  <a:rPr lang="en-GB">
+                    <a:noFill/>
+                  </a:rPr>
+                  <a:t> </a:t>
+                </a:r>
+              </a:p>
+            </p:txBody>
+          </p:sp>
+        </mc:Fallback>
+      </mc:AlternateContent>
+      <mc:AlternateContent xmlns:mc="http://schemas.openxmlformats.org/markup-compatibility/2006">
+        <mc:Choice xmlns:a14="http://schemas.microsoft.com/office/drawing/2010/main" Requires="a14">
+          <p:sp>
+            <p:nvSpPr>
+              <p:cNvPr id="29" name="TextBox 28">
+                <a:extLst>
+                  <a:ext uri="{FF2B5EF4-FFF2-40B4-BE49-F238E27FC236}">
+                    <a16:creationId xmlns:a16="http://schemas.microsoft.com/office/drawing/2014/main" id="{CF2D0C7F-4528-1D12-5632-7B96F6D67486}"/>
+                  </a:ext>
+                </a:extLst>
+              </p:cNvPr>
+              <p:cNvSpPr txBox="1"/>
+              <p:nvPr/>
+            </p:nvSpPr>
+            <p:spPr>
+              <a:xfrm>
+                <a:off x="9889730" y="966417"/>
+                <a:ext cx="616131" cy="276999"/>
+              </a:xfrm>
+              <a:prstGeom prst="rect">
+                <a:avLst/>
+              </a:prstGeom>
+              <a:noFill/>
+            </p:spPr>
+            <p:txBody>
+              <a:bodyPr wrap="none" lIns="0" tIns="0" rIns="0" bIns="0" rtlCol="0">
+                <a:spAutoFit/>
+              </a:bodyPr>
+              <a:lstStyle/>
+              <a:p>
+                <a:pPr/>
+                <a14:m>
+                  <m:oMathPara xmlns:m="http://schemas.openxmlformats.org/officeDocument/2006/math">
+                    <m:oMathParaPr>
+                      <m:jc m:val="centerGroup"/>
+                    </m:oMathParaPr>
+                    <m:oMath xmlns:m="http://schemas.openxmlformats.org/officeDocument/2006/math">
+                      <m:r>
+                        <a:rPr lang="fr-FR" b="0" i="1" smtClean="0">
+                          <a:latin typeface="Cambria Math" panose="02040503050406030204" pitchFamily="18" charset="0"/>
+                        </a:rPr>
+                        <m:t>𝑟</m:t>
+                      </m:r>
+                      <m:r>
+                        <a:rPr lang="fr-FR" b="0" i="1" smtClean="0">
+                          <a:latin typeface="Cambria Math" panose="02040503050406030204" pitchFamily="18" charset="0"/>
+                        </a:rPr>
+                        <m:t>=</m:t>
+                      </m:r>
+                      <m:r>
+                        <a:rPr lang="fr-FR" b="0" i="1" smtClean="0">
+                          <a:latin typeface="Cambria Math" panose="02040503050406030204" pitchFamily="18" charset="0"/>
+                        </a:rPr>
+                        <m:t>𝑅</m:t>
+                      </m:r>
+                    </m:oMath>
+                  </m:oMathPara>
+                </a14:m>
+                <a:endParaRPr lang="en-GB" dirty="0"/>
+              </a:p>
+            </p:txBody>
+          </p:sp>
+        </mc:Choice>
+        <mc:Fallback>
+          <p:sp>
+            <p:nvSpPr>
+              <p:cNvPr id="29" name="TextBox 28">
+                <a:extLst>
+                  <a:ext uri="{FF2B5EF4-FFF2-40B4-BE49-F238E27FC236}">
+                    <a16:creationId xmlns:a16="http://schemas.microsoft.com/office/drawing/2014/main" id="{CF2D0C7F-4528-1D12-5632-7B96F6D67486}"/>
+                  </a:ext>
+                </a:extLst>
+              </p:cNvPr>
+              <p:cNvSpPr txBox="1">
+                <a:spLocks noRot="1" noChangeAspect="1" noMove="1" noResize="1" noEditPoints="1" noAdjustHandles="1" noChangeArrowheads="1" noChangeShapeType="1" noTextEdit="1"/>
+              </p:cNvSpPr>
+              <p:nvPr/>
+            </p:nvSpPr>
+            <p:spPr>
+              <a:xfrm>
+                <a:off x="9889730" y="966417"/>
+                <a:ext cx="616131" cy="276999"/>
+              </a:xfrm>
+              <a:prstGeom prst="rect">
+                <a:avLst/>
+              </a:prstGeom>
+              <a:blipFill>
+                <a:blip r:embed="rId8"/>
+                <a:stretch>
+                  <a:fillRect l="-5941" r="-8911" b="-6667"/>
+                </a:stretch>
+              </a:blipFill>
+            </p:spPr>
+            <p:txBody>
+              <a:bodyPr/>
+              <a:lstStyle/>
+              <a:p>
+                <a:r>
+                  <a:rPr lang="en-GB">
+                    <a:noFill/>
+                  </a:rPr>
+                  <a:t> </a:t>
+                </a:r>
+              </a:p>
+            </p:txBody>
+          </p:sp>
+        </mc:Fallback>
+      </mc:AlternateContent>
+      <mc:AlternateContent xmlns:mc="http://schemas.openxmlformats.org/markup-compatibility/2006">
+        <mc:Choice xmlns:a14="http://schemas.microsoft.com/office/drawing/2010/main" Requires="a14">
+          <p:sp>
+            <p:nvSpPr>
+              <p:cNvPr id="30" name="TextBox 29">
+                <a:extLst>
+                  <a:ext uri="{FF2B5EF4-FFF2-40B4-BE49-F238E27FC236}">
+                    <a16:creationId xmlns:a16="http://schemas.microsoft.com/office/drawing/2014/main" id="{B95AA804-9E2B-DDFF-2C53-F06543210144}"/>
+                  </a:ext>
+                </a:extLst>
+              </p:cNvPr>
+              <p:cNvSpPr txBox="1"/>
+              <p:nvPr/>
+            </p:nvSpPr>
+            <p:spPr>
+              <a:xfrm>
+                <a:off x="6552724" y="537939"/>
+                <a:ext cx="557140" cy="276999"/>
+              </a:xfrm>
+              <a:prstGeom prst="rect">
+                <a:avLst/>
+              </a:prstGeom>
+              <a:noFill/>
+            </p:spPr>
+            <p:txBody>
+              <a:bodyPr wrap="none" lIns="0" tIns="0" rIns="0" bIns="0" rtlCol="0">
+                <a:spAutoFit/>
+              </a:bodyPr>
+              <a:lstStyle/>
+              <a:p>
+                <a:pPr/>
+                <a14:m>
+                  <m:oMathPara xmlns:m="http://schemas.openxmlformats.org/officeDocument/2006/math">
+                    <m:oMathParaPr>
+                      <m:jc m:val="centerGroup"/>
+                    </m:oMathParaPr>
+                    <m:oMath xmlns:m="http://schemas.openxmlformats.org/officeDocument/2006/math">
+                      <m:r>
+                        <a:rPr lang="fr-FR" b="0" i="1" smtClean="0">
+                          <a:latin typeface="Cambria Math" panose="02040503050406030204" pitchFamily="18" charset="0"/>
+                        </a:rPr>
+                        <m:t>𝑖</m:t>
+                      </m:r>
+                      <m:r>
+                        <a:rPr lang="fr-FR" b="0" i="1" smtClean="0">
+                          <a:latin typeface="Cambria Math" panose="02040503050406030204" pitchFamily="18" charset="0"/>
+                        </a:rPr>
+                        <m:t>=1</m:t>
+                      </m:r>
+                    </m:oMath>
+                  </m:oMathPara>
+                </a14:m>
+                <a:endParaRPr lang="en-GB" dirty="0"/>
+              </a:p>
+            </p:txBody>
+          </p:sp>
+        </mc:Choice>
+        <mc:Fallback>
+          <p:sp>
+            <p:nvSpPr>
+              <p:cNvPr id="30" name="TextBox 29">
+                <a:extLst>
+                  <a:ext uri="{FF2B5EF4-FFF2-40B4-BE49-F238E27FC236}">
+                    <a16:creationId xmlns:a16="http://schemas.microsoft.com/office/drawing/2014/main" id="{B95AA804-9E2B-DDFF-2C53-F06543210144}"/>
+                  </a:ext>
+                </a:extLst>
+              </p:cNvPr>
+              <p:cNvSpPr txBox="1">
+                <a:spLocks noRot="1" noChangeAspect="1" noMove="1" noResize="1" noEditPoints="1" noAdjustHandles="1" noChangeArrowheads="1" noChangeShapeType="1" noTextEdit="1"/>
+              </p:cNvSpPr>
+              <p:nvPr/>
+            </p:nvSpPr>
+            <p:spPr>
+              <a:xfrm>
+                <a:off x="6552724" y="537939"/>
+                <a:ext cx="557140" cy="276999"/>
+              </a:xfrm>
+              <a:prstGeom prst="rect">
+                <a:avLst/>
+              </a:prstGeom>
+              <a:blipFill>
+                <a:blip r:embed="rId9"/>
+                <a:stretch>
+                  <a:fillRect l="-10989" r="-9890" b="-6522"/>
+                </a:stretch>
+              </a:blipFill>
+            </p:spPr>
+            <p:txBody>
+              <a:bodyPr/>
+              <a:lstStyle/>
+              <a:p>
+                <a:r>
+                  <a:rPr lang="en-GB">
+                    <a:noFill/>
+                  </a:rPr>
+                  <a:t> </a:t>
+                </a:r>
+              </a:p>
+            </p:txBody>
+          </p:sp>
+        </mc:Fallback>
+      </mc:AlternateContent>
+      <mc:AlternateContent xmlns:mc="http://schemas.openxmlformats.org/markup-compatibility/2006">
+        <mc:Choice xmlns:a14="http://schemas.microsoft.com/office/drawing/2010/main" Requires="a14">
+          <p:sp>
+            <p:nvSpPr>
+              <p:cNvPr id="31" name="TextBox 30">
+                <a:extLst>
+                  <a:ext uri="{FF2B5EF4-FFF2-40B4-BE49-F238E27FC236}">
+                    <a16:creationId xmlns:a16="http://schemas.microsoft.com/office/drawing/2014/main" id="{B702B995-55B0-6F3A-DB50-C2AAA6DF1383}"/>
+                  </a:ext>
+                </a:extLst>
+              </p:cNvPr>
+              <p:cNvSpPr txBox="1"/>
+              <p:nvPr/>
+            </p:nvSpPr>
+            <p:spPr>
+              <a:xfrm>
+                <a:off x="9900296" y="533345"/>
+                <a:ext cx="557140" cy="276999"/>
+              </a:xfrm>
+              <a:prstGeom prst="rect">
+                <a:avLst/>
+              </a:prstGeom>
+              <a:noFill/>
+            </p:spPr>
+            <p:txBody>
+              <a:bodyPr wrap="none" lIns="0" tIns="0" rIns="0" bIns="0" rtlCol="0">
+                <a:spAutoFit/>
+              </a:bodyPr>
+              <a:lstStyle/>
+              <a:p>
+                <a:pPr/>
+                <a14:m>
+                  <m:oMathPara xmlns:m="http://schemas.openxmlformats.org/officeDocument/2006/math">
+                    <m:oMathParaPr>
+                      <m:jc m:val="centerGroup"/>
+                    </m:oMathParaPr>
+                    <m:oMath xmlns:m="http://schemas.openxmlformats.org/officeDocument/2006/math">
+                      <m:r>
+                        <a:rPr lang="fr-FR" b="0" i="1" smtClean="0">
+                          <a:latin typeface="Cambria Math" panose="02040503050406030204" pitchFamily="18" charset="0"/>
+                        </a:rPr>
+                        <m:t>𝑖</m:t>
+                      </m:r>
+                      <m:r>
+                        <a:rPr lang="fr-FR" b="0" i="1" smtClean="0">
+                          <a:latin typeface="Cambria Math" panose="02040503050406030204" pitchFamily="18" charset="0"/>
+                        </a:rPr>
+                        <m:t>=</m:t>
+                      </m:r>
+                      <m:r>
+                        <a:rPr lang="fr-FR" b="0" i="0" smtClean="0">
+                          <a:latin typeface="Cambria Math" panose="02040503050406030204" pitchFamily="18" charset="0"/>
+                        </a:rPr>
+                        <m:t>5</m:t>
+                      </m:r>
+                    </m:oMath>
+                  </m:oMathPara>
+                </a14:m>
+                <a:endParaRPr lang="en-GB" dirty="0"/>
+              </a:p>
+            </p:txBody>
+          </p:sp>
+        </mc:Choice>
+        <mc:Fallback>
+          <p:sp>
+            <p:nvSpPr>
+              <p:cNvPr id="31" name="TextBox 30">
+                <a:extLst>
+                  <a:ext uri="{FF2B5EF4-FFF2-40B4-BE49-F238E27FC236}">
+                    <a16:creationId xmlns:a16="http://schemas.microsoft.com/office/drawing/2014/main" id="{B702B995-55B0-6F3A-DB50-C2AAA6DF1383}"/>
+                  </a:ext>
+                </a:extLst>
+              </p:cNvPr>
+              <p:cNvSpPr txBox="1">
+                <a:spLocks noRot="1" noChangeAspect="1" noMove="1" noResize="1" noEditPoints="1" noAdjustHandles="1" noChangeArrowheads="1" noChangeShapeType="1" noTextEdit="1"/>
+              </p:cNvSpPr>
+              <p:nvPr/>
+            </p:nvSpPr>
+            <p:spPr>
+              <a:xfrm>
+                <a:off x="9900296" y="533345"/>
+                <a:ext cx="557140" cy="276999"/>
+              </a:xfrm>
+              <a:prstGeom prst="rect">
+                <a:avLst/>
+              </a:prstGeom>
+              <a:blipFill>
+                <a:blip r:embed="rId10"/>
+                <a:stretch>
+                  <a:fillRect l="-10989" r="-10989" b="-6522"/>
+                </a:stretch>
+              </a:blipFill>
+            </p:spPr>
+            <p:txBody>
+              <a:bodyPr/>
+              <a:lstStyle/>
+              <a:p>
+                <a:r>
+                  <a:rPr lang="en-GB">
+                    <a:noFill/>
+                  </a:rPr>
+                  <a:t> </a:t>
+                </a:r>
+              </a:p>
+            </p:txBody>
+          </p:sp>
+        </mc:Fallback>
+      </mc:AlternateContent>
+      <p:cxnSp>
+        <p:nvCxnSpPr>
+          <p:cNvPr id="32" name="Straight Arrow Connector 31">
+            <a:extLst>
+              <a:ext uri="{FF2B5EF4-FFF2-40B4-BE49-F238E27FC236}">
+                <a16:creationId xmlns:a16="http://schemas.microsoft.com/office/drawing/2014/main" id="{E7582D37-C97C-B041-C9D4-64A63AD497FB}"/>
+              </a:ext>
+            </a:extLst>
+          </p:cNvPr>
+          <p:cNvCxnSpPr>
+            <a:cxnSpLocks/>
+          </p:cNvCxnSpPr>
+          <p:nvPr/>
+        </p:nvCxnSpPr>
+        <p:spPr>
+          <a:xfrm>
+            <a:off x="7793883" y="1618169"/>
+            <a:ext cx="642770" cy="0"/>
+          </a:xfrm>
+          <a:prstGeom prst="straightConnector1">
+            <a:avLst/>
+          </a:prstGeom>
+          <a:ln>
+            <a:solidFill>
+              <a:schemeClr val="bg2">
+                <a:lumMod val="10000"/>
+              </a:schemeClr>
+            </a:solidFill>
+            <a:headEnd type="triangle"/>
+            <a:tailEnd type="triangle"/>
+          </a:ln>
+        </p:spPr>
+        <p:style>
+          <a:lnRef idx="2">
+            <a:schemeClr val="accent1"/>
+          </a:lnRef>
+          <a:fillRef idx="0">
+            <a:schemeClr val="accent1"/>
+          </a:fillRef>
+          <a:effectRef idx="1">
+            <a:schemeClr val="accent1"/>
+          </a:effectRef>
+          <a:fontRef idx="minor">
+            <a:schemeClr val="tx1"/>
+          </a:fontRef>
+        </p:style>
+      </p:cxnSp>
+      <mc:AlternateContent xmlns:mc="http://schemas.openxmlformats.org/markup-compatibility/2006">
+        <mc:Choice xmlns:a14="http://schemas.microsoft.com/office/drawing/2010/main" Requires="a14">
+          <p:sp>
+            <p:nvSpPr>
+              <p:cNvPr id="34" name="TextBox 33">
+                <a:extLst>
+                  <a:ext uri="{FF2B5EF4-FFF2-40B4-BE49-F238E27FC236}">
+                    <a16:creationId xmlns:a16="http://schemas.microsoft.com/office/drawing/2014/main" id="{FFB0AD25-EAC1-F45C-A5E3-3E651AE94BA5}"/>
+                  </a:ext>
+                </a:extLst>
+              </p:cNvPr>
+              <p:cNvSpPr txBox="1"/>
+              <p:nvPr/>
+            </p:nvSpPr>
+            <p:spPr>
+              <a:xfrm>
+                <a:off x="8599145" y="1348474"/>
+                <a:ext cx="1633268" cy="516745"/>
+              </a:xfrm>
+              <a:prstGeom prst="rect">
+                <a:avLst/>
+              </a:prstGeom>
+              <a:noFill/>
+            </p:spPr>
+            <p:txBody>
+              <a:bodyPr wrap="none" lIns="0" tIns="0" rIns="0" bIns="0" rtlCol="0">
+                <a:spAutoFit/>
+              </a:bodyPr>
+              <a:lstStyle/>
+              <a:p>
+                <a:pPr/>
+                <a14:m>
+                  <m:oMathPara xmlns:m="http://schemas.openxmlformats.org/officeDocument/2006/math">
+                    <m:oMathParaPr>
+                      <m:jc m:val="centerGroup"/>
+                    </m:oMathParaPr>
+                    <m:oMath xmlns:m="http://schemas.openxmlformats.org/officeDocument/2006/math">
+                      <m:r>
+                        <a:rPr lang="fr-FR" b="0" i="1" smtClean="0">
+                          <a:latin typeface="Cambria Math" panose="02040503050406030204" pitchFamily="18" charset="0"/>
+                          <a:ea typeface="Cambria Math" panose="02040503050406030204" pitchFamily="18" charset="0"/>
+                        </a:rPr>
+                        <m:t>∆</m:t>
+                      </m:r>
+                      <m:r>
+                        <a:rPr lang="fr-FR" b="0" i="1" smtClean="0">
+                          <a:latin typeface="Cambria Math" panose="02040503050406030204" pitchFamily="18" charset="0"/>
+                        </a:rPr>
+                        <m:t>𝑟</m:t>
+                      </m:r>
+                      <m:r>
+                        <a:rPr lang="fr-FR" b="0" i="1" smtClean="0">
+                          <a:latin typeface="Cambria Math" panose="02040503050406030204" pitchFamily="18" charset="0"/>
+                        </a:rPr>
+                        <m:t>=</m:t>
+                      </m:r>
+                      <m:f>
+                        <m:fPr>
+                          <m:ctrlPr>
+                            <a:rPr lang="fr-FR" b="0" i="1" smtClean="0">
+                              <a:latin typeface="Cambria Math" panose="02040503050406030204" pitchFamily="18" charset="0"/>
+                            </a:rPr>
+                          </m:ctrlPr>
+                        </m:fPr>
+                        <m:num>
+                          <m:r>
+                            <a:rPr lang="fr-FR" b="0" i="1" smtClean="0">
+                              <a:latin typeface="Cambria Math" panose="02040503050406030204" pitchFamily="18" charset="0"/>
+                            </a:rPr>
+                            <m:t>𝑅</m:t>
+                          </m:r>
+                        </m:num>
+                        <m:den>
+                          <m:r>
+                            <a:rPr lang="fr-FR" b="0" i="1" smtClean="0">
+                              <a:latin typeface="Cambria Math" panose="02040503050406030204" pitchFamily="18" charset="0"/>
+                            </a:rPr>
+                            <m:t>𝑁</m:t>
+                          </m:r>
+                          <m:r>
+                            <a:rPr lang="fr-FR" b="0" i="1" smtClean="0">
+                              <a:latin typeface="Cambria Math" panose="02040503050406030204" pitchFamily="18" charset="0"/>
+                            </a:rPr>
+                            <m:t>−1</m:t>
+                          </m:r>
+                        </m:den>
+                      </m:f>
+                      <m:r>
+                        <a:rPr lang="fr-FR" b="0" i="1" smtClean="0">
+                          <a:latin typeface="Cambria Math" panose="02040503050406030204" pitchFamily="18" charset="0"/>
+                        </a:rPr>
+                        <m:t>=</m:t>
+                      </m:r>
+                      <m:f>
+                        <m:fPr>
+                          <m:ctrlPr>
+                            <a:rPr lang="fr-FR" b="0" i="1" smtClean="0">
+                              <a:latin typeface="Cambria Math" panose="02040503050406030204" pitchFamily="18" charset="0"/>
+                            </a:rPr>
+                          </m:ctrlPr>
+                        </m:fPr>
+                        <m:num>
+                          <m:r>
+                            <a:rPr lang="fr-FR" b="0" i="1" smtClean="0">
+                              <a:latin typeface="Cambria Math" panose="02040503050406030204" pitchFamily="18" charset="0"/>
+                            </a:rPr>
+                            <m:t>𝑅</m:t>
+                          </m:r>
+                        </m:num>
+                        <m:den>
+                          <m:r>
+                            <a:rPr lang="fr-FR" b="0" i="1" smtClean="0">
+                              <a:latin typeface="Cambria Math" panose="02040503050406030204" pitchFamily="18" charset="0"/>
+                            </a:rPr>
+                            <m:t>4</m:t>
+                          </m:r>
+                        </m:den>
+                      </m:f>
+                    </m:oMath>
+                  </m:oMathPara>
+                </a14:m>
+                <a:endParaRPr lang="en-GB" dirty="0"/>
+              </a:p>
+            </p:txBody>
+          </p:sp>
+        </mc:Choice>
+        <mc:Fallback>
+          <p:sp>
+            <p:nvSpPr>
+              <p:cNvPr id="34" name="TextBox 33">
+                <a:extLst>
+                  <a:ext uri="{FF2B5EF4-FFF2-40B4-BE49-F238E27FC236}">
+                    <a16:creationId xmlns:a16="http://schemas.microsoft.com/office/drawing/2014/main" id="{FFB0AD25-EAC1-F45C-A5E3-3E651AE94BA5}"/>
+                  </a:ext>
+                </a:extLst>
+              </p:cNvPr>
+              <p:cNvSpPr txBox="1">
+                <a:spLocks noRot="1" noChangeAspect="1" noMove="1" noResize="1" noEditPoints="1" noAdjustHandles="1" noChangeArrowheads="1" noChangeShapeType="1" noTextEdit="1"/>
+              </p:cNvSpPr>
+              <p:nvPr/>
+            </p:nvSpPr>
+            <p:spPr>
+              <a:xfrm>
+                <a:off x="8599145" y="1348474"/>
+                <a:ext cx="1633268" cy="516745"/>
+              </a:xfrm>
+              <a:prstGeom prst="rect">
+                <a:avLst/>
+              </a:prstGeom>
+              <a:blipFill>
+                <a:blip r:embed="rId11"/>
+                <a:stretch>
+                  <a:fillRect/>
+                </a:stretch>
+              </a:blipFill>
+            </p:spPr>
+            <p:txBody>
+              <a:bodyPr/>
+              <a:lstStyle/>
+              <a:p>
+                <a:r>
+                  <a:rPr lang="en-GB">
+                    <a:noFill/>
+                  </a:rPr>
+                  <a:t> </a:t>
+                </a:r>
+              </a:p>
+            </p:txBody>
+          </p:sp>
+        </mc:Fallback>
+      </mc:AlternateContent>
+      <p:sp>
+        <p:nvSpPr>
+          <p:cNvPr id="5" name="TextBox 4">
+            <a:extLst>
+              <a:ext uri="{FF2B5EF4-FFF2-40B4-BE49-F238E27FC236}">
+                <a16:creationId xmlns:a16="http://schemas.microsoft.com/office/drawing/2014/main" id="{23191802-DDDD-42A4-5146-C9137EA1E7FC}"/>
+              </a:ext>
+            </a:extLst>
+          </p:cNvPr>
+          <p:cNvSpPr txBox="1"/>
+          <p:nvPr/>
+        </p:nvSpPr>
+        <p:spPr>
+          <a:xfrm>
+            <a:off x="11091333" y="6550222"/>
+            <a:ext cx="1100667" cy="307777"/>
+          </a:xfrm>
+          <a:prstGeom prst="rect">
+            <a:avLst/>
+          </a:prstGeom>
+          <a:noFill/>
+        </p:spPr>
+        <p:txBody>
+          <a:bodyPr wrap="square" rtlCol="0">
+            <a:spAutoFit/>
+          </a:bodyPr>
+          <a:lstStyle/>
+          <a:p>
+            <a:pPr algn="r"/>
+            <a:r>
+              <a:rPr lang="fr-FR" sz="1400" dirty="0">
+                <a:latin typeface="Times New Roman" panose="02020603050405020304" pitchFamily="18" charset="0"/>
+                <a:cs typeface="Times New Roman" panose="02020603050405020304" pitchFamily="18" charset="0"/>
+              </a:rPr>
+              <a:t>3/10</a:t>
+            </a:r>
+            <a:endParaRPr lang="en-GB" sz="1400" dirty="0">
+              <a:latin typeface="Times New Roman" panose="02020603050405020304" pitchFamily="18" charset="0"/>
+              <a:cs typeface="Times New Roman" panose="02020603050405020304" pitchFamily="18" charset="0"/>
+            </a:endParaRPr>
           </a:p>
         </p:txBody>
       </p:sp>
@@ -12695,6 +14489,49 @@
           </a:p>
         </p:txBody>
       </p:sp>
+      <p:sp>
+        <p:nvSpPr>
+          <p:cNvPr id="2" name="TextBox 1">
+            <a:extLst>
+              <a:ext uri="{FF2B5EF4-FFF2-40B4-BE49-F238E27FC236}">
+                <a16:creationId xmlns:a16="http://schemas.microsoft.com/office/drawing/2014/main" id="{15E3945D-6F25-3B0C-40EA-4E0819F2C4F2}"/>
+              </a:ext>
+            </a:extLst>
+          </p:cNvPr>
+          <p:cNvSpPr txBox="1"/>
+          <p:nvPr/>
+        </p:nvSpPr>
+        <p:spPr>
+          <a:xfrm>
+            <a:off x="11091333" y="6550222"/>
+            <a:ext cx="1100667" cy="307777"/>
+          </a:xfrm>
+          <a:prstGeom prst="rect">
+            <a:avLst/>
+          </a:prstGeom>
+          <a:noFill/>
+        </p:spPr>
+        <p:txBody>
+          <a:bodyPr wrap="square" rtlCol="0">
+            <a:spAutoFit/>
+          </a:bodyPr>
+          <a:lstStyle/>
+          <a:p>
+            <a:pPr algn="r"/>
+            <a:r>
+              <a:rPr lang="fr-FR" sz="1400" dirty="0">
+                <a:latin typeface="Times New Roman" panose="02020603050405020304" pitchFamily="18" charset="0"/>
+                <a:cs typeface="Times New Roman" panose="02020603050405020304" pitchFamily="18" charset="0"/>
+              </a:rPr>
+              <a:t>4/10</a:t>
+            </a:r>
+            <a:endParaRPr lang="en-GB" sz="1400" dirty="0">
+              <a:latin typeface="Times New Roman" panose="02020603050405020304" pitchFamily="18" charset="0"/>
+              <a:cs typeface="Times New Roman" panose="02020603050405020304" pitchFamily="18" charset="0"/>
+            </a:endParaRPr>
+          </a:p>
+        </p:txBody>
+      </p:sp>
     </p:spTree>
     <p:extLst>
       <p:ext uri="{BB962C8B-B14F-4D97-AF65-F5344CB8AC3E}">
@@ -16475,8 +18312,8 @@
           </p:sp>
         </mc:Fallback>
       </mc:AlternateContent>
-      <mc:AlternateContent xmlns:mc="http://schemas.openxmlformats.org/markup-compatibility/2006" xmlns:a14="http://schemas.microsoft.com/office/drawing/2010/main">
-        <mc:Choice Requires="a14">
+      <mc:AlternateContent xmlns:mc="http://schemas.openxmlformats.org/markup-compatibility/2006">
+        <mc:Choice xmlns:a14="http://schemas.microsoft.com/office/drawing/2010/main" Requires="a14">
           <p:sp>
             <p:nvSpPr>
               <p:cNvPr id="15" name="TextBox 14">
@@ -17336,137 +19173,20 @@
                                 </m:r>
                               </m:e>
                               <m:e>
-                                <m:f>
-                                  <m:fPr>
-                                    <m:ctrlPr>
-                                      <a:rPr lang="fr-FR" sz="1100" i="1" dirty="0">
-                                        <a:latin typeface="Cambria Math" panose="02040503050406030204" pitchFamily="18" charset="0"/>
-                                      </a:rPr>
-                                    </m:ctrlPr>
-                                  </m:fPr>
-                                  <m:num>
-                                    <m:r>
-                                      <a:rPr lang="fr-FR" sz="1100" i="1" dirty="0">
-                                        <a:latin typeface="Cambria Math" panose="02040503050406030204" pitchFamily="18" charset="0"/>
-                                      </a:rPr>
-                                      <m:t>1</m:t>
-                                    </m:r>
-                                  </m:num>
-                                  <m:den>
-                                    <m:r>
-                                      <a:rPr lang="fr-FR" sz="1100" i="1">
-                                        <a:latin typeface="Cambria Math" panose="02040503050406030204" pitchFamily="18" charset="0"/>
-                                        <a:ea typeface="Cambria Math" panose="02040503050406030204" pitchFamily="18" charset="0"/>
-                                      </a:rPr>
-                                      <m:t>∆</m:t>
-                                    </m:r>
-                                    <m:r>
-                                      <a:rPr lang="fr-FR" sz="1100" i="1">
-                                        <a:latin typeface="Cambria Math" panose="02040503050406030204" pitchFamily="18" charset="0"/>
-                                        <a:ea typeface="Cambria Math" panose="02040503050406030204" pitchFamily="18" charset="0"/>
-                                      </a:rPr>
-                                      <m:t>𝑟</m:t>
-                                    </m:r>
-                                    <m:r>
-                                      <a:rPr lang="fr-FR" sz="1100" i="1">
-                                        <a:latin typeface="Cambria Math" panose="02040503050406030204" pitchFamily="18" charset="0"/>
-                                        <a:ea typeface="Cambria Math" panose="02040503050406030204" pitchFamily="18" charset="0"/>
-                                      </a:rPr>
-                                      <m:t>²</m:t>
-                                    </m:r>
-                                  </m:den>
-                                </m:f>
+                                <m:r>
+                                  <a:rPr lang="fr-FR" sz="1100" b="0" i="1" dirty="0" smtClean="0">
+                                    <a:latin typeface="Cambria Math" panose="02040503050406030204" pitchFamily="18" charset="0"/>
+                                  </a:rPr>
+                                  <m:t>0</m:t>
+                                </m:r>
                               </m:e>
                               <m:e>
-                                <m:f>
-                                  <m:fPr>
-                                    <m:ctrlPr>
-                                      <a:rPr lang="fr-FR" sz="1100" i="1" dirty="0">
-                                        <a:latin typeface="Cambria Math" panose="02040503050406030204" pitchFamily="18" charset="0"/>
-                                      </a:rPr>
-                                    </m:ctrlPr>
-                                  </m:fPr>
-                                  <m:num>
-                                    <m:r>
-                                      <a:rPr lang="fr-FR" sz="1100" i="1" dirty="0">
-                                        <a:latin typeface="Cambria Math" panose="02040503050406030204" pitchFamily="18" charset="0"/>
-                                      </a:rPr>
-                                      <m:t>−2</m:t>
-                                    </m:r>
-                                  </m:num>
-                                  <m:den>
-                                    <m:r>
-                                      <a:rPr lang="fr-FR" sz="1100" i="1">
-                                        <a:latin typeface="Cambria Math" panose="02040503050406030204" pitchFamily="18" charset="0"/>
-                                        <a:ea typeface="Cambria Math" panose="02040503050406030204" pitchFamily="18" charset="0"/>
-                                      </a:rPr>
-                                      <m:t>∆</m:t>
-                                    </m:r>
-                                    <m:r>
-                                      <a:rPr lang="fr-FR" sz="1100" i="1">
-                                        <a:latin typeface="Cambria Math" panose="02040503050406030204" pitchFamily="18" charset="0"/>
-                                        <a:ea typeface="Cambria Math" panose="02040503050406030204" pitchFamily="18" charset="0"/>
-                                      </a:rPr>
-                                      <m:t>𝑟</m:t>
-                                    </m:r>
-                                    <m:r>
-                                      <a:rPr lang="fr-FR" sz="1100" i="1">
-                                        <a:latin typeface="Cambria Math" panose="02040503050406030204" pitchFamily="18" charset="0"/>
-                                        <a:ea typeface="Cambria Math" panose="02040503050406030204" pitchFamily="18" charset="0"/>
-                                      </a:rPr>
-                                      <m:t>²</m:t>
-                                    </m:r>
-                                  </m:den>
-                                </m:f>
                                 <m:r>
-                                  <a:rPr lang="fr-FR" sz="1100" i="1">
+                                  <a:rPr lang="fr-FR" sz="1100" b="0" i="1" dirty="0" smtClean="0">
                                     <a:latin typeface="Cambria Math" panose="02040503050406030204" pitchFamily="18" charset="0"/>
-                                    <a:ea typeface="Cambria Math" panose="02040503050406030204" pitchFamily="18" charset="0"/>
                                   </a:rPr>
-                                  <m:t>+</m:t>
+                                  <m:t>1</m:t>
                                 </m:r>
-                                <m:f>
-                                  <m:fPr>
-                                    <m:ctrlPr>
-                                      <a:rPr lang="fr-FR" sz="1100" i="1">
-                                        <a:latin typeface="Cambria Math" panose="02040503050406030204" pitchFamily="18" charset="0"/>
-                                        <a:ea typeface="Cambria Math" panose="02040503050406030204" pitchFamily="18" charset="0"/>
-                                      </a:rPr>
-                                    </m:ctrlPr>
-                                  </m:fPr>
-                                  <m:num>
-                                    <m:r>
-                                      <a:rPr lang="fr-FR" sz="1100" i="1">
-                                        <a:latin typeface="Cambria Math" panose="02040503050406030204" pitchFamily="18" charset="0"/>
-                                        <a:ea typeface="Cambria Math" panose="02040503050406030204" pitchFamily="18" charset="0"/>
-                                      </a:rPr>
-                                      <m:t>−1</m:t>
-                                    </m:r>
-                                  </m:num>
-                                  <m:den>
-                                    <m:r>
-                                      <a:rPr lang="fr-FR" sz="1100" i="1">
-                                        <a:latin typeface="Cambria Math" panose="02040503050406030204" pitchFamily="18" charset="0"/>
-                                        <a:ea typeface="Cambria Math" panose="02040503050406030204" pitchFamily="18" charset="0"/>
-                                      </a:rPr>
-                                      <m:t>𝑟</m:t>
-                                    </m:r>
-                                    <m:r>
-                                      <a:rPr lang="fr-FR" sz="1100" i="1">
-                                        <a:latin typeface="Cambria Math" panose="02040503050406030204" pitchFamily="18" charset="0"/>
-                                        <a:ea typeface="Cambria Math" panose="02040503050406030204" pitchFamily="18" charset="0"/>
-                                      </a:rPr>
-                                      <m:t>∆</m:t>
-                                    </m:r>
-                                    <m:r>
-                                      <a:rPr lang="fr-FR" sz="1100" i="1">
-                                        <a:latin typeface="Cambria Math" panose="02040503050406030204" pitchFamily="18" charset="0"/>
-                                        <a:ea typeface="Cambria Math" panose="02040503050406030204" pitchFamily="18" charset="0"/>
-                                      </a:rPr>
-                                      <m:t>𝑟</m:t>
-                                    </m:r>
-                                  </m:den>
-                                </m:f>
                               </m:e>
                             </m:mr>
                           </m:m>
@@ -17887,7 +19607,7 @@
             </p:txBody>
           </p:sp>
         </mc:Choice>
-        <mc:Fallback xmlns="">
+        <mc:Fallback>
           <p:sp>
             <p:nvSpPr>
               <p:cNvPr id="15" name="TextBox 14">
@@ -18036,6 +19756,49 @@
           <a:p>
             <a:pPr algn="ctr"/>
             <a:endParaRPr lang="en-GB"/>
+          </a:p>
+        </p:txBody>
+      </p:sp>
+      <p:sp>
+        <p:nvSpPr>
+          <p:cNvPr id="16" name="TextBox 15">
+            <a:extLst>
+              <a:ext uri="{FF2B5EF4-FFF2-40B4-BE49-F238E27FC236}">
+                <a16:creationId xmlns:a16="http://schemas.microsoft.com/office/drawing/2014/main" id="{4F81872E-E651-294D-B348-E611465E53BB}"/>
+              </a:ext>
+            </a:extLst>
+          </p:cNvPr>
+          <p:cNvSpPr txBox="1"/>
+          <p:nvPr/>
+        </p:nvSpPr>
+        <p:spPr>
+          <a:xfrm>
+            <a:off x="11091333" y="6550222"/>
+            <a:ext cx="1100667" cy="307777"/>
+          </a:xfrm>
+          <a:prstGeom prst="rect">
+            <a:avLst/>
+          </a:prstGeom>
+          <a:noFill/>
+        </p:spPr>
+        <p:txBody>
+          <a:bodyPr wrap="square" rtlCol="0">
+            <a:spAutoFit/>
+          </a:bodyPr>
+          <a:lstStyle/>
+          <a:p>
+            <a:pPr algn="r"/>
+            <a:r>
+              <a:rPr lang="fr-FR" sz="1400" dirty="0">
+                <a:latin typeface="Times New Roman" panose="02020603050405020304" pitchFamily="18" charset="0"/>
+                <a:cs typeface="Times New Roman" panose="02020603050405020304" pitchFamily="18" charset="0"/>
+              </a:rPr>
+              <a:t>5/10</a:t>
+            </a:r>
+            <a:endParaRPr lang="en-GB" sz="1400" dirty="0">
+              <a:latin typeface="Times New Roman" panose="02020603050405020304" pitchFamily="18" charset="0"/>
+              <a:cs typeface="Times New Roman" panose="02020603050405020304" pitchFamily="18" charset="0"/>
+            </a:endParaRPr>
           </a:p>
         </p:txBody>
       </p:sp>
@@ -18694,6 +20457,49 @@
           </p:sp>
         </mc:Fallback>
       </mc:AlternateContent>
+      <p:sp>
+        <p:nvSpPr>
+          <p:cNvPr id="6" name="TextBox 5">
+            <a:extLst>
+              <a:ext uri="{FF2B5EF4-FFF2-40B4-BE49-F238E27FC236}">
+                <a16:creationId xmlns:a16="http://schemas.microsoft.com/office/drawing/2014/main" id="{EFF7D163-40AD-E242-C15E-A6E9259FCFCF}"/>
+              </a:ext>
+            </a:extLst>
+          </p:cNvPr>
+          <p:cNvSpPr txBox="1"/>
+          <p:nvPr/>
+        </p:nvSpPr>
+        <p:spPr>
+          <a:xfrm>
+            <a:off x="11091333" y="6550222"/>
+            <a:ext cx="1100667" cy="307777"/>
+          </a:xfrm>
+          <a:prstGeom prst="rect">
+            <a:avLst/>
+          </a:prstGeom>
+          <a:noFill/>
+        </p:spPr>
+        <p:txBody>
+          <a:bodyPr wrap="square" rtlCol="0">
+            <a:spAutoFit/>
+          </a:bodyPr>
+          <a:lstStyle/>
+          <a:p>
+            <a:pPr algn="r"/>
+            <a:r>
+              <a:rPr lang="fr-FR" sz="1400" dirty="0">
+                <a:latin typeface="Times New Roman" panose="02020603050405020304" pitchFamily="18" charset="0"/>
+                <a:cs typeface="Times New Roman" panose="02020603050405020304" pitchFamily="18" charset="0"/>
+              </a:rPr>
+              <a:t>6/10</a:t>
+            </a:r>
+            <a:endParaRPr lang="en-GB" sz="1400" dirty="0">
+              <a:latin typeface="Times New Roman" panose="02020603050405020304" pitchFamily="18" charset="0"/>
+              <a:cs typeface="Times New Roman" panose="02020603050405020304" pitchFamily="18" charset="0"/>
+            </a:endParaRPr>
+          </a:p>
+        </p:txBody>
+      </p:sp>
     </p:spTree>
     <p:extLst>
       <p:ext uri="{BB962C8B-B14F-4D97-AF65-F5344CB8AC3E}">
@@ -19501,6 +21307,49 @@
           </p:sp>
         </mc:Fallback>
       </mc:AlternateContent>
+      <p:sp>
+        <p:nvSpPr>
+          <p:cNvPr id="5" name="TextBox 4">
+            <a:extLst>
+              <a:ext uri="{FF2B5EF4-FFF2-40B4-BE49-F238E27FC236}">
+                <a16:creationId xmlns:a16="http://schemas.microsoft.com/office/drawing/2014/main" id="{5E5B943B-90A9-465F-97D4-8F6E6FF06177}"/>
+              </a:ext>
+            </a:extLst>
+          </p:cNvPr>
+          <p:cNvSpPr txBox="1"/>
+          <p:nvPr/>
+        </p:nvSpPr>
+        <p:spPr>
+          <a:xfrm>
+            <a:off x="11091333" y="6550222"/>
+            <a:ext cx="1100667" cy="307777"/>
+          </a:xfrm>
+          <a:prstGeom prst="rect">
+            <a:avLst/>
+          </a:prstGeom>
+          <a:noFill/>
+        </p:spPr>
+        <p:txBody>
+          <a:bodyPr wrap="square" rtlCol="0">
+            <a:spAutoFit/>
+          </a:bodyPr>
+          <a:lstStyle/>
+          <a:p>
+            <a:pPr algn="r"/>
+            <a:r>
+              <a:rPr lang="fr-FR" sz="1400" dirty="0">
+                <a:latin typeface="Times New Roman" panose="02020603050405020304" pitchFamily="18" charset="0"/>
+                <a:cs typeface="Times New Roman" panose="02020603050405020304" pitchFamily="18" charset="0"/>
+              </a:rPr>
+              <a:t>7/10</a:t>
+            </a:r>
+            <a:endParaRPr lang="en-GB" sz="1400" dirty="0">
+              <a:latin typeface="Times New Roman" panose="02020603050405020304" pitchFamily="18" charset="0"/>
+              <a:cs typeface="Times New Roman" panose="02020603050405020304" pitchFamily="18" charset="0"/>
+            </a:endParaRPr>
+          </a:p>
+        </p:txBody>
+      </p:sp>
     </p:spTree>
     <p:extLst>
       <p:ext uri="{BB962C8B-B14F-4D97-AF65-F5344CB8AC3E}">
@@ -21191,6 +23040,49 @@
           </a:p>
         </p:txBody>
       </p:sp>
+      <p:sp>
+        <p:nvSpPr>
+          <p:cNvPr id="13" name="TextBox 12">
+            <a:extLst>
+              <a:ext uri="{FF2B5EF4-FFF2-40B4-BE49-F238E27FC236}">
+                <a16:creationId xmlns:a16="http://schemas.microsoft.com/office/drawing/2014/main" id="{B7F086DE-1FC4-C625-C46F-7162AFC5DB60}"/>
+              </a:ext>
+            </a:extLst>
+          </p:cNvPr>
+          <p:cNvSpPr txBox="1"/>
+          <p:nvPr/>
+        </p:nvSpPr>
+        <p:spPr>
+          <a:xfrm>
+            <a:off x="11091333" y="6550222"/>
+            <a:ext cx="1100667" cy="307777"/>
+          </a:xfrm>
+          <a:prstGeom prst="rect">
+            <a:avLst/>
+          </a:prstGeom>
+          <a:noFill/>
+        </p:spPr>
+        <p:txBody>
+          <a:bodyPr wrap="square" rtlCol="0">
+            <a:spAutoFit/>
+          </a:bodyPr>
+          <a:lstStyle/>
+          <a:p>
+            <a:pPr algn="r"/>
+            <a:r>
+              <a:rPr lang="fr-FR" sz="1400" dirty="0">
+                <a:latin typeface="Times New Roman" panose="02020603050405020304" pitchFamily="18" charset="0"/>
+                <a:cs typeface="Times New Roman" panose="02020603050405020304" pitchFamily="18" charset="0"/>
+              </a:rPr>
+              <a:t>8/10</a:t>
+            </a:r>
+            <a:endParaRPr lang="en-GB" sz="1400" dirty="0">
+              <a:latin typeface="Times New Roman" panose="02020603050405020304" pitchFamily="18" charset="0"/>
+              <a:cs typeface="Times New Roman" panose="02020603050405020304" pitchFamily="18" charset="0"/>
+            </a:endParaRPr>
+          </a:p>
+        </p:txBody>
+      </p:sp>
     </p:spTree>
     <p:extLst>
       <p:ext uri="{BB962C8B-B14F-4D97-AF65-F5344CB8AC3E}">
@@ -21227,6 +23119,49 @@
           <a:chExt cx="0" cy="0"/>
         </a:xfrm>
       </p:grpSpPr>
+      <p:sp>
+        <p:nvSpPr>
+          <p:cNvPr id="2" name="TextBox 1">
+            <a:extLst>
+              <a:ext uri="{FF2B5EF4-FFF2-40B4-BE49-F238E27FC236}">
+                <a16:creationId xmlns:a16="http://schemas.microsoft.com/office/drawing/2014/main" id="{925022B4-230C-8FA2-0518-C2E8AFFB6489}"/>
+              </a:ext>
+            </a:extLst>
+          </p:cNvPr>
+          <p:cNvSpPr txBox="1"/>
+          <p:nvPr/>
+        </p:nvSpPr>
+        <p:spPr>
+          <a:xfrm>
+            <a:off x="11091333" y="6550222"/>
+            <a:ext cx="1100667" cy="307777"/>
+          </a:xfrm>
+          <a:prstGeom prst="rect">
+            <a:avLst/>
+          </a:prstGeom>
+          <a:noFill/>
+        </p:spPr>
+        <p:txBody>
+          <a:bodyPr wrap="square" rtlCol="0">
+            <a:spAutoFit/>
+          </a:bodyPr>
+          <a:lstStyle/>
+          <a:p>
+            <a:pPr algn="r"/>
+            <a:r>
+              <a:rPr lang="fr-FR" sz="1400" dirty="0">
+                <a:latin typeface="Times New Roman" panose="02020603050405020304" pitchFamily="18" charset="0"/>
+                <a:cs typeface="Times New Roman" panose="02020603050405020304" pitchFamily="18" charset="0"/>
+              </a:rPr>
+              <a:t>9/10</a:t>
+            </a:r>
+            <a:endParaRPr lang="en-GB" sz="1400" dirty="0">
+              <a:latin typeface="Times New Roman" panose="02020603050405020304" pitchFamily="18" charset="0"/>
+              <a:cs typeface="Times New Roman" panose="02020603050405020304" pitchFamily="18" charset="0"/>
+            </a:endParaRPr>
+          </a:p>
+        </p:txBody>
+      </p:sp>
     </p:spTree>
     <p:extLst>
       <p:ext uri="{BB962C8B-B14F-4D97-AF65-F5344CB8AC3E}">

--- a/doc/Rapport_Devoir1.pptx
+++ b/doc/Rapport_Devoir1.pptx
@@ -119,6 +119,12 @@
     </p:ext>
   </p:extLst>
 </p:presentation>
+</file>
+
+<file path=ppt/authors.xml><?xml version="1.0" encoding="utf-8"?>
+<p188:authorLst xmlns:a="http://schemas.openxmlformats.org/drawingml/2006/main" xmlns:r="http://schemas.openxmlformats.org/officeDocument/2006/relationships" xmlns:p188="http://schemas.microsoft.com/office/powerpoint/2018/8/main">
+  <p188:author id="{45634776-3F5D-66A1-B941-80BAC13BF817}" name="Gauthier BRUNEL" initials="GB" userId="4b289aabded0a19c" providerId="Windows Live"/>
+</p188:authorLst>
 </file>
 
 <file path=ppt/revisionInfo.xml><?xml version="1.0" encoding="utf-8"?>
@@ -1631,6 +1637,35 @@
     </pc:docChg>
   </pc:docChgLst>
 </pc:chgInfo>
+</file>
+
+<file path=ppt/ink/ink1.xml><?xml version="1.0" encoding="utf-8"?>
+<inkml:ink xmlns:inkml="http://www.w3.org/2003/InkML">
+  <inkml:definitions>
+    <inkml:context xml:id="ctx0">
+      <inkml:inkSource xml:id="inkSrc0">
+        <inkml:traceFormat>
+          <inkml:channel name="X" type="integer" min="-2.14748E9" max="2.14748E9" units="cm"/>
+          <inkml:channel name="Y" type="integer" min="-2.14748E9" max="2.14748E9" units="cm"/>
+        </inkml:traceFormat>
+        <inkml:channelProperties>
+          <inkml:channelProperty channel="X" name="resolution" value="1000" units="1/cm"/>
+          <inkml:channelProperty channel="Y" name="resolution" value="1000" units="1/cm"/>
+        </inkml:channelProperties>
+      </inkml:inkSource>
+      <inkml:timestamp xml:id="ts0" timeString="2025-02-07T01:29:35.352"/>
+    </inkml:context>
+    <inkml:brush xml:id="br0">
+      <inkml:brushProperty name="width" value="0.3" units="cm"/>
+      <inkml:brushProperty name="height" value="0.6" units="cm"/>
+      <inkml:brushProperty name="color" value="#FFFC00"/>
+      <inkml:brushProperty name="tip" value="rectangle"/>
+      <inkml:brushProperty name="rasterOp" value="maskPen"/>
+      <inkml:brushProperty name="ignorePressure" value="1"/>
+    </inkml:brush>
+  </inkml:definitions>
+  <inkml:trace contextRef="#ctx0" brushRef="#br0">6 196,'-4'0,"2"0,16-5,24-1,48-9,55-7,50-4,58 2,56 6,37-4,6 2,-32 4,-52 5,-57 4,-63 4</inkml:trace>
+</inkml:ink>
 </file>
 
 <file path=ppt/slideLayouts/slideLayout1.xml><?xml version="1.0" encoding="utf-8"?>
@@ -5338,8 +5373,8 @@
           </a:p>
         </p:txBody>
       </p:sp>
-      <mc:AlternateContent xmlns:mc="http://schemas.openxmlformats.org/markup-compatibility/2006">
-        <mc:Choice xmlns:a14="http://schemas.microsoft.com/office/drawing/2010/main" Requires="a14">
+      <mc:AlternateContent xmlns:mc="http://schemas.openxmlformats.org/markup-compatibility/2006" xmlns:a14="http://schemas.microsoft.com/office/drawing/2010/main">
+        <mc:Choice Requires="a14">
           <p:sp>
             <p:nvSpPr>
               <p:cNvPr id="2" name="TextBox 1">
@@ -5503,7 +5538,7 @@
             </p:txBody>
           </p:sp>
         </mc:Choice>
-        <mc:Fallback>
+        <mc:Fallback xmlns="">
           <p:sp>
             <p:nvSpPr>
               <p:cNvPr id="2" name="TextBox 1">
@@ -5548,8 +5583,8 @@
           </p:sp>
         </mc:Fallback>
       </mc:AlternateContent>
-      <mc:AlternateContent xmlns:mc="http://schemas.openxmlformats.org/markup-compatibility/2006">
-        <mc:Choice xmlns:a14="http://schemas.microsoft.com/office/drawing/2010/main" Requires="a14">
+      <mc:AlternateContent xmlns:mc="http://schemas.openxmlformats.org/markup-compatibility/2006" xmlns:a14="http://schemas.microsoft.com/office/drawing/2010/main">
+        <mc:Choice Requires="a14">
           <p:sp>
             <p:nvSpPr>
               <p:cNvPr id="3" name="TextBox 2">
@@ -5782,7 +5817,7 @@
             </p:txBody>
           </p:sp>
         </mc:Choice>
-        <mc:Fallback>
+        <mc:Fallback xmlns="">
           <p:sp>
             <p:nvSpPr>
               <p:cNvPr id="3" name="TextBox 2">
@@ -5870,8 +5905,8 @@
           </a:p>
         </p:txBody>
       </p:sp>
-      <mc:AlternateContent xmlns:mc="http://schemas.openxmlformats.org/markup-compatibility/2006">
-        <mc:Choice xmlns:a14="http://schemas.microsoft.com/office/drawing/2010/main" Requires="a14">
+      <mc:AlternateContent xmlns:mc="http://schemas.openxmlformats.org/markup-compatibility/2006" xmlns:a14="http://schemas.microsoft.com/office/drawing/2010/main">
+        <mc:Choice Requires="a14">
           <p:sp>
             <p:nvSpPr>
               <p:cNvPr id="5" name="TextBox 4">
@@ -5970,7 +6005,7 @@
             </p:txBody>
           </p:sp>
         </mc:Choice>
-        <mc:Fallback>
+        <mc:Fallback xmlns="">
           <p:sp>
             <p:nvSpPr>
               <p:cNvPr id="5" name="TextBox 4">
@@ -6015,8 +6050,8 @@
           </p:sp>
         </mc:Fallback>
       </mc:AlternateContent>
-      <mc:AlternateContent xmlns:mc="http://schemas.openxmlformats.org/markup-compatibility/2006">
-        <mc:Choice xmlns:a14="http://schemas.microsoft.com/office/drawing/2010/main" Requires="a14">
+      <mc:AlternateContent xmlns:mc="http://schemas.openxmlformats.org/markup-compatibility/2006" xmlns:a14="http://schemas.microsoft.com/office/drawing/2010/main">
+        <mc:Choice Requires="a14">
           <p:sp>
             <p:nvSpPr>
               <p:cNvPr id="6" name="TextBox 5">
@@ -6395,7 +6430,7 @@
             </p:txBody>
           </p:sp>
         </mc:Choice>
-        <mc:Fallback>
+        <mc:Fallback xmlns="">
           <p:sp>
             <p:nvSpPr>
               <p:cNvPr id="6" name="TextBox 5">
@@ -6490,8 +6525,8 @@
           </a:p>
         </p:txBody>
       </p:sp>
-      <mc:AlternateContent xmlns:mc="http://schemas.openxmlformats.org/markup-compatibility/2006">
-        <mc:Choice xmlns:a14="http://schemas.microsoft.com/office/drawing/2010/main" Requires="a14">
+      <mc:AlternateContent xmlns:mc="http://schemas.openxmlformats.org/markup-compatibility/2006" xmlns:a14="http://schemas.microsoft.com/office/drawing/2010/main">
+        <mc:Choice Requires="a14">
           <p:sp>
             <p:nvSpPr>
               <p:cNvPr id="8" name="TextBox 7">
@@ -6597,7 +6632,7 @@
             </p:txBody>
           </p:sp>
         </mc:Choice>
-        <mc:Fallback>
+        <mc:Fallback xmlns="">
           <p:sp>
             <p:nvSpPr>
               <p:cNvPr id="8" name="TextBox 7">
@@ -6642,8 +6677,8 @@
           </p:sp>
         </mc:Fallback>
       </mc:AlternateContent>
-      <mc:AlternateContent xmlns:mc="http://schemas.openxmlformats.org/markup-compatibility/2006">
-        <mc:Choice xmlns:a14="http://schemas.microsoft.com/office/drawing/2010/main" Requires="a14">
+      <mc:AlternateContent xmlns:mc="http://schemas.openxmlformats.org/markup-compatibility/2006" xmlns:a14="http://schemas.microsoft.com/office/drawing/2010/main">
+        <mc:Choice Requires="a14">
           <p:sp>
             <p:nvSpPr>
               <p:cNvPr id="13" name="TextBox 12">
@@ -6789,7 +6824,7 @@
             </p:txBody>
           </p:sp>
         </mc:Choice>
-        <mc:Fallback>
+        <mc:Fallback xmlns="">
           <p:sp>
             <p:nvSpPr>
               <p:cNvPr id="13" name="TextBox 12">
@@ -6834,8 +6869,8 @@
           </p:sp>
         </mc:Fallback>
       </mc:AlternateContent>
-      <mc:AlternateContent xmlns:mc="http://schemas.openxmlformats.org/markup-compatibility/2006">
-        <mc:Choice xmlns:a14="http://schemas.microsoft.com/office/drawing/2010/main" Requires="a14">
+      <mc:AlternateContent xmlns:mc="http://schemas.openxmlformats.org/markup-compatibility/2006" xmlns:a14="http://schemas.microsoft.com/office/drawing/2010/main">
+        <mc:Choice Requires="a14">
           <p:sp>
             <p:nvSpPr>
               <p:cNvPr id="14" name="TextBox 13">
@@ -6954,7 +6989,7 @@
             </p:txBody>
           </p:sp>
         </mc:Choice>
-        <mc:Fallback>
+        <mc:Fallback xmlns="">
           <p:sp>
             <p:nvSpPr>
               <p:cNvPr id="14" name="TextBox 13">
@@ -7046,8 +7081,8 @@
           </a:p>
         </p:txBody>
       </p:sp>
-      <mc:AlternateContent xmlns:mc="http://schemas.openxmlformats.org/markup-compatibility/2006">
-        <mc:Choice xmlns:a14="http://schemas.microsoft.com/office/drawing/2010/main" Requires="a14">
+      <mc:AlternateContent xmlns:mc="http://schemas.openxmlformats.org/markup-compatibility/2006" xmlns:a14="http://schemas.microsoft.com/office/drawing/2010/main">
+        <mc:Choice Requires="a14">
           <p:sp>
             <p:nvSpPr>
               <p:cNvPr id="17" name="TextBox 16">
@@ -7257,7 +7292,7 @@
             </p:txBody>
           </p:sp>
         </mc:Choice>
-        <mc:Fallback>
+        <mc:Fallback xmlns="">
           <p:sp>
             <p:nvSpPr>
               <p:cNvPr id="17" name="TextBox 16">
@@ -7302,8 +7337,8 @@
           </p:sp>
         </mc:Fallback>
       </mc:AlternateContent>
-      <mc:AlternateContent xmlns:mc="http://schemas.openxmlformats.org/markup-compatibility/2006">
-        <mc:Choice xmlns:a14="http://schemas.microsoft.com/office/drawing/2010/main" Requires="a14">
+      <mc:AlternateContent xmlns:mc="http://schemas.openxmlformats.org/markup-compatibility/2006" xmlns:a14="http://schemas.microsoft.com/office/drawing/2010/main">
+        <mc:Choice Requires="a14">
           <p:sp>
             <p:nvSpPr>
               <p:cNvPr id="18" name="TextBox 17">
@@ -7698,7 +7733,7 @@
             </p:txBody>
           </p:sp>
         </mc:Choice>
-        <mc:Fallback>
+        <mc:Fallback xmlns="">
           <p:sp>
             <p:nvSpPr>
               <p:cNvPr id="18" name="TextBox 17">
@@ -8034,8 +8069,8 @@
           </a:p>
         </p:txBody>
       </p:sp>
-      <mc:AlternateContent xmlns:mc="http://schemas.openxmlformats.org/markup-compatibility/2006">
-        <mc:Choice xmlns:a14="http://schemas.microsoft.com/office/drawing/2010/main" Requires="a14">
+      <mc:AlternateContent xmlns:mc="http://schemas.openxmlformats.org/markup-compatibility/2006" xmlns:a14="http://schemas.microsoft.com/office/drawing/2010/main">
+        <mc:Choice Requires="a14">
           <p:sp>
             <p:nvSpPr>
               <p:cNvPr id="25" name="TextBox 24">
@@ -8144,7 +8179,7 @@
             </p:txBody>
           </p:sp>
         </mc:Choice>
-        <mc:Fallback>
+        <mc:Fallback xmlns="">
           <p:sp>
             <p:nvSpPr>
               <p:cNvPr id="25" name="TextBox 24">
@@ -8529,8 +8564,8 @@
           </a:p>
         </p:txBody>
       </p:sp>
-      <mc:AlternateContent xmlns:mc="http://schemas.openxmlformats.org/markup-compatibility/2006">
-        <mc:Choice xmlns:a14="http://schemas.microsoft.com/office/drawing/2010/main" Requires="a14">
+      <mc:AlternateContent xmlns:mc="http://schemas.openxmlformats.org/markup-compatibility/2006" xmlns:a14="http://schemas.microsoft.com/office/drawing/2010/main">
+        <mc:Choice Requires="a14">
           <p:sp>
             <p:nvSpPr>
               <p:cNvPr id="45" name="TextBox 44">
@@ -8559,6 +8594,7 @@
               </a:bodyPr>
               <a:lstStyle/>
               <a:p>
+                <a:pPr/>
                 <a14:m>
                   <m:oMathPara xmlns:m="http://schemas.openxmlformats.org/officeDocument/2006/math">
                     <m:oMathParaPr>
@@ -8819,7 +8855,7 @@
             </p:txBody>
           </p:sp>
         </mc:Choice>
-        <mc:Fallback>
+        <mc:Fallback xmlns="">
           <p:sp>
             <p:nvSpPr>
               <p:cNvPr id="45" name="TextBox 44">
@@ -9105,41 +9141,8 @@
                     <a:latin typeface="Times New Roman" panose="02020603050405020304" pitchFamily="18" charset="0"/>
                     <a:cs typeface="Times New Roman" panose="02020603050405020304" pitchFamily="18" charset="0"/>
                   </a:rPr>
-                  <a:t> : En raison de la symétrie au centre du pilier, on a le flux de </a:t>
+                  <a:t> : En raison de l’axisymétrie du problème, le flux au centre du pilier est nul.</a:t>
                 </a:r>
-                <a14:m>
-                  <m:oMath xmlns:m="http://schemas.openxmlformats.org/officeDocument/2006/math">
-                    <m:r>
-                      <a:rPr lang="fr-FR" b="0" i="1" noProof="0" smtClean="0">
-                        <a:latin typeface="Cambria Math" panose="02040503050406030204" pitchFamily="18" charset="0"/>
-                        <a:cs typeface="Times New Roman" panose="02020603050405020304" pitchFamily="18" charset="0"/>
-                      </a:rPr>
-                      <m:t>𝐶</m:t>
-                    </m:r>
-                  </m:oMath>
-                </a14:m>
-                <a:r>
-                  <a:rPr lang="fr-FR" noProof="0" dirty="0">
-                    <a:latin typeface="Times New Roman" panose="02020603050405020304" pitchFamily="18" charset="0"/>
-                    <a:cs typeface="Times New Roman" panose="02020603050405020304" pitchFamily="18" charset="0"/>
-                  </a:rPr>
-                  <a:t> qui doit être égale à </a:t>
-                </a:r>
-                <a14:m>
-                  <m:oMath xmlns:m="http://schemas.openxmlformats.org/officeDocument/2006/math">
-                    <m:r>
-                      <a:rPr lang="fr-FR" b="0" i="1" noProof="0" smtClean="0">
-                        <a:latin typeface="Cambria Math" panose="02040503050406030204" pitchFamily="18" charset="0"/>
-                        <a:cs typeface="Times New Roman" panose="02020603050405020304" pitchFamily="18" charset="0"/>
-                      </a:rPr>
-                      <m:t>0</m:t>
-                    </m:r>
-                  </m:oMath>
-                </a14:m>
-                <a:endParaRPr lang="fr-FR" noProof="0" dirty="0">
-                  <a:latin typeface="Times New Roman" panose="02020603050405020304" pitchFamily="18" charset="0"/>
-                  <a:cs typeface="Times New Roman" panose="02020603050405020304" pitchFamily="18" charset="0"/>
-                </a:endParaRPr>
               </a:p>
             </p:txBody>
           </p:sp>
@@ -9179,7 +9182,7 @@
               <a:lstStyle/>
               <a:p>
                 <a:r>
-                  <a:rPr lang="en-GB">
+                  <a:rPr lang="fr-FR">
                     <a:noFill/>
                   </a:rPr>
                   <a:t> </a:t>
@@ -9236,8 +9239,8 @@
           </a:p>
         </p:txBody>
       </p:sp>
-      <mc:AlternateContent xmlns:mc="http://schemas.openxmlformats.org/markup-compatibility/2006">
-        <mc:Choice xmlns:a14="http://schemas.microsoft.com/office/drawing/2010/main" Requires="a14">
+      <mc:AlternateContent xmlns:mc="http://schemas.openxmlformats.org/markup-compatibility/2006" xmlns:a14="http://schemas.microsoft.com/office/drawing/2010/main">
+        <mc:Choice Requires="a14">
           <p:sp>
             <p:nvSpPr>
               <p:cNvPr id="7" name="TextBox 6">
@@ -9347,7 +9350,7 @@
             </p:txBody>
           </p:sp>
         </mc:Choice>
-        <mc:Fallback>
+        <mc:Fallback xmlns="">
           <p:sp>
             <p:nvSpPr>
               <p:cNvPr id="7" name="TextBox 6">
@@ -9392,8 +9395,8 @@
           </p:sp>
         </mc:Fallback>
       </mc:AlternateContent>
-      <mc:AlternateContent xmlns:mc="http://schemas.openxmlformats.org/markup-compatibility/2006">
-        <mc:Choice xmlns:a14="http://schemas.microsoft.com/office/drawing/2010/main" Requires="a14">
+      <mc:AlternateContent xmlns:mc="http://schemas.openxmlformats.org/markup-compatibility/2006" xmlns:a14="http://schemas.microsoft.com/office/drawing/2010/main">
+        <mc:Choice Requires="a14">
           <p:sp>
             <p:nvSpPr>
               <p:cNvPr id="8" name="TextBox 7">
@@ -9518,7 +9521,7 @@
             </p:txBody>
           </p:sp>
         </mc:Choice>
-        <mc:Fallback>
+        <mc:Fallback xmlns="">
           <p:sp>
             <p:nvSpPr>
               <p:cNvPr id="8" name="TextBox 7">
@@ -9716,8 +9719,8 @@
           </a:p>
         </p:txBody>
       </p:sp>
-      <mc:AlternateContent xmlns:mc="http://schemas.openxmlformats.org/markup-compatibility/2006">
-        <mc:Choice xmlns:a14="http://schemas.microsoft.com/office/drawing/2010/main" Requires="a14">
+      <mc:AlternateContent xmlns:mc="http://schemas.openxmlformats.org/markup-compatibility/2006" xmlns:a14="http://schemas.microsoft.com/office/drawing/2010/main">
+        <mc:Choice Requires="a14">
           <p:sp>
             <p:nvSpPr>
               <p:cNvPr id="3" name="TextBox 2">
@@ -9787,7 +9790,7 @@
             </p:txBody>
           </p:sp>
         </mc:Choice>
-        <mc:Fallback>
+        <mc:Fallback xmlns="">
           <p:sp>
             <p:nvSpPr>
               <p:cNvPr id="3" name="TextBox 2">
@@ -10153,8 +10156,8 @@
           </a:fontRef>
         </p:style>
       </p:cxnSp>
-      <mc:AlternateContent xmlns:mc="http://schemas.openxmlformats.org/markup-compatibility/2006">
-        <mc:Choice xmlns:a14="http://schemas.microsoft.com/office/drawing/2010/main" Requires="a14">
+      <mc:AlternateContent xmlns:mc="http://schemas.openxmlformats.org/markup-compatibility/2006" xmlns:a14="http://schemas.microsoft.com/office/drawing/2010/main">
+        <mc:Choice Requires="a14">
           <p:sp>
             <p:nvSpPr>
               <p:cNvPr id="27" name="TextBox 26">
@@ -10204,7 +10207,7 @@
             </p:txBody>
           </p:sp>
         </mc:Choice>
-        <mc:Fallback>
+        <mc:Fallback xmlns="">
           <p:sp>
             <p:nvSpPr>
               <p:cNvPr id="27" name="TextBox 26">
@@ -10249,8 +10252,8 @@
           </p:sp>
         </mc:Fallback>
       </mc:AlternateContent>
-      <mc:AlternateContent xmlns:mc="http://schemas.openxmlformats.org/markup-compatibility/2006">
-        <mc:Choice xmlns:a14="http://schemas.microsoft.com/office/drawing/2010/main" Requires="a14">
+      <mc:AlternateContent xmlns:mc="http://schemas.openxmlformats.org/markup-compatibility/2006" xmlns:a14="http://schemas.microsoft.com/office/drawing/2010/main">
+        <mc:Choice Requires="a14">
           <p:sp>
             <p:nvSpPr>
               <p:cNvPr id="28" name="TextBox 27">
@@ -10306,7 +10309,7 @@
             </p:txBody>
           </p:sp>
         </mc:Choice>
-        <mc:Fallback>
+        <mc:Fallback xmlns="">
           <p:sp>
             <p:nvSpPr>
               <p:cNvPr id="28" name="TextBox 27">
@@ -10351,8 +10354,8 @@
           </p:sp>
         </mc:Fallback>
       </mc:AlternateContent>
-      <mc:AlternateContent xmlns:mc="http://schemas.openxmlformats.org/markup-compatibility/2006">
-        <mc:Choice xmlns:a14="http://schemas.microsoft.com/office/drawing/2010/main" Requires="a14">
+      <mc:AlternateContent xmlns:mc="http://schemas.openxmlformats.org/markup-compatibility/2006" xmlns:a14="http://schemas.microsoft.com/office/drawing/2010/main">
+        <mc:Choice Requires="a14">
           <p:sp>
             <p:nvSpPr>
               <p:cNvPr id="29" name="TextBox 28">
@@ -10414,7 +10417,7 @@
             </p:txBody>
           </p:sp>
         </mc:Choice>
-        <mc:Fallback>
+        <mc:Fallback xmlns="">
           <p:sp>
             <p:nvSpPr>
               <p:cNvPr id="29" name="TextBox 28">
@@ -10459,8 +10462,8 @@
           </p:sp>
         </mc:Fallback>
       </mc:AlternateContent>
-      <mc:AlternateContent xmlns:mc="http://schemas.openxmlformats.org/markup-compatibility/2006">
-        <mc:Choice xmlns:a14="http://schemas.microsoft.com/office/drawing/2010/main" Requires="a14">
+      <mc:AlternateContent xmlns:mc="http://schemas.openxmlformats.org/markup-compatibility/2006" xmlns:a14="http://schemas.microsoft.com/office/drawing/2010/main">
+        <mc:Choice Requires="a14">
           <p:sp>
             <p:nvSpPr>
               <p:cNvPr id="30" name="TextBox 29">
@@ -10516,7 +10519,7 @@
             </p:txBody>
           </p:sp>
         </mc:Choice>
-        <mc:Fallback>
+        <mc:Fallback xmlns="">
           <p:sp>
             <p:nvSpPr>
               <p:cNvPr id="30" name="TextBox 29">
@@ -10561,8 +10564,8 @@
           </p:sp>
         </mc:Fallback>
       </mc:AlternateContent>
-      <mc:AlternateContent xmlns:mc="http://schemas.openxmlformats.org/markup-compatibility/2006">
-        <mc:Choice xmlns:a14="http://schemas.microsoft.com/office/drawing/2010/main" Requires="a14">
+      <mc:AlternateContent xmlns:mc="http://schemas.openxmlformats.org/markup-compatibility/2006" xmlns:a14="http://schemas.microsoft.com/office/drawing/2010/main">
+        <mc:Choice Requires="a14">
           <p:sp>
             <p:nvSpPr>
               <p:cNvPr id="31" name="TextBox 30">
@@ -10624,7 +10627,7 @@
             </p:txBody>
           </p:sp>
         </mc:Choice>
-        <mc:Fallback>
+        <mc:Fallback xmlns="">
           <p:sp>
             <p:nvSpPr>
               <p:cNvPr id="31" name="TextBox 30">
@@ -10716,8 +10719,8 @@
           </a:fontRef>
         </p:style>
       </p:cxnSp>
-      <mc:AlternateContent xmlns:mc="http://schemas.openxmlformats.org/markup-compatibility/2006">
-        <mc:Choice xmlns:a14="http://schemas.microsoft.com/office/drawing/2010/main" Requires="a14">
+      <mc:AlternateContent xmlns:mc="http://schemas.openxmlformats.org/markup-compatibility/2006" xmlns:a14="http://schemas.microsoft.com/office/drawing/2010/main">
+        <mc:Choice Requires="a14">
           <p:sp>
             <p:nvSpPr>
               <p:cNvPr id="34" name="TextBox 33">
@@ -10842,7 +10845,7 @@
             </p:txBody>
           </p:sp>
         </mc:Choice>
-        <mc:Fallback>
+        <mc:Fallback xmlns="">
           <p:sp>
             <p:nvSpPr>
               <p:cNvPr id="34" name="TextBox 33">
@@ -13450,8 +13453,8 @@
           </p:sp>
         </mc:Fallback>
       </mc:AlternateContent>
-      <mc:AlternateContent xmlns:mc="http://schemas.openxmlformats.org/markup-compatibility/2006" xmlns:a14="http://schemas.microsoft.com/office/drawing/2010/main">
-        <mc:Choice Requires="a14">
+      <mc:AlternateContent xmlns:mc="http://schemas.openxmlformats.org/markup-compatibility/2006">
+        <mc:Choice xmlns:a14="http://schemas.microsoft.com/office/drawing/2010/main" Requires="a14">
           <p:sp>
             <p:nvSpPr>
               <p:cNvPr id="19" name="TextBox 18">
@@ -13595,7 +13598,7 @@
                     <a:latin typeface="Times New Roman" panose="02020603050405020304" pitchFamily="18" charset="0"/>
                     <a:cs typeface="Times New Roman" panose="02020603050405020304" pitchFamily="18" charset="0"/>
                   </a:rPr>
-                  <a:t>définis</a:t>
+                  <a:t>défini</a:t>
                 </a:r>
                 <a:r>
                   <a:rPr lang="en-GB" dirty="0">
@@ -13622,7 +13625,7 @@
             </p:txBody>
           </p:sp>
         </mc:Choice>
-        <mc:Fallback xmlns="">
+        <mc:Fallback>
           <p:sp>
             <p:nvSpPr>
               <p:cNvPr id="19" name="TextBox 18">
@@ -13657,7 +13660,7 @@
               <a:lstStyle/>
               <a:p>
                 <a:r>
-                  <a:rPr lang="en-GB">
+                  <a:rPr lang="fr-FR">
                     <a:noFill/>
                   </a:rPr>
                   <a:t> </a:t>
@@ -18051,8 +18054,8 @@
           </p:sp>
         </mc:Fallback>
       </mc:AlternateContent>
-      <mc:AlternateContent xmlns:mc="http://schemas.openxmlformats.org/markup-compatibility/2006" xmlns:a14="http://schemas.microsoft.com/office/drawing/2010/main">
-        <mc:Choice Requires="a14">
+      <mc:AlternateContent xmlns:mc="http://schemas.openxmlformats.org/markup-compatibility/2006">
+        <mc:Choice xmlns:a14="http://schemas.microsoft.com/office/drawing/2010/main" Requires="a14">
           <p:sp>
             <p:nvSpPr>
               <p:cNvPr id="13" name="TextBox 12">
@@ -18068,7 +18071,7 @@
             <p:spPr>
               <a:xfrm>
                 <a:off x="-1048" y="6045866"/>
-                <a:ext cx="12021199" cy="739433"/>
+                <a:ext cx="12021199" cy="806503"/>
               </a:xfrm>
               <a:prstGeom prst="rect">
                 <a:avLst/>
@@ -18187,14 +18190,14 @@
                     <a:latin typeface="Times New Roman" panose="02020603050405020304" pitchFamily="18" charset="0"/>
                     <a:cs typeface="Times New Roman" panose="02020603050405020304" pitchFamily="18" charset="0"/>
                   </a:rPr>
-                  <a:t> et le principe est d’ensuite inverser la matrice </a:t>
+                  <a:t>. Par inversion de la matrice </a:t>
                 </a:r>
                 <a14:m>
                   <m:oMath xmlns:m="http://schemas.openxmlformats.org/officeDocument/2006/math">
                     <m:bar>
                       <m:barPr>
                         <m:ctrlPr>
-                          <a:rPr lang="fr-FR" i="1" noProof="0">
+                          <a:rPr lang="fr-FR" i="1">
                             <a:latin typeface="Cambria Math" panose="02040503050406030204" pitchFamily="18" charset="0"/>
                             <a:cs typeface="Times New Roman" panose="02020603050405020304" pitchFamily="18" charset="0"/>
                           </a:rPr>
@@ -18204,7 +18207,7 @@
                         <m:bar>
                           <m:barPr>
                             <m:ctrlPr>
-                              <a:rPr lang="fr-FR" i="1" noProof="0">
+                              <a:rPr lang="fr-FR" i="1">
                                 <a:latin typeface="Cambria Math" panose="02040503050406030204" pitchFamily="18" charset="0"/>
                                 <a:cs typeface="Times New Roman" panose="02020603050405020304" pitchFamily="18" charset="0"/>
                               </a:rPr>
@@ -18212,7 +18215,7 @@
                           </m:barPr>
                           <m:e>
                             <m:r>
-                              <a:rPr lang="fr-FR" i="1" noProof="0">
+                              <a:rPr lang="fr-FR" i="1">
                                 <a:latin typeface="Cambria Math" panose="02040503050406030204" pitchFamily="18" charset="0"/>
                                 <a:cs typeface="Times New Roman" panose="02020603050405020304" pitchFamily="18" charset="0"/>
                               </a:rPr>
@@ -18229,14 +18232,14 @@
                     <a:latin typeface="Times New Roman" panose="02020603050405020304" pitchFamily="18" charset="0"/>
                     <a:cs typeface="Times New Roman" panose="02020603050405020304" pitchFamily="18" charset="0"/>
                   </a:rPr>
-                  <a:t> afin de pouvoir exprimer le vecteur </a:t>
+                  <a:t>, on obtient la solution comme suit : </a:t>
                 </a:r>
                 <a14:m>
                   <m:oMath xmlns:m="http://schemas.openxmlformats.org/officeDocument/2006/math">
                     <m:bar>
                       <m:barPr>
                         <m:ctrlPr>
-                          <a:rPr lang="fr-FR" i="1" noProof="0">
+                          <a:rPr lang="fr-FR" i="1" smtClean="0">
                             <a:latin typeface="Cambria Math" panose="02040503050406030204" pitchFamily="18" charset="0"/>
                             <a:ea typeface="Cambria Math" panose="02040503050406030204" pitchFamily="18" charset="0"/>
                             <a:cs typeface="Times New Roman" panose="02020603050405020304" pitchFamily="18" charset="0"/>
@@ -18245,12 +18248,100 @@
                       </m:barPr>
                       <m:e>
                         <m:r>
-                          <a:rPr lang="fr-FR" i="1" noProof="0">
+                          <a:rPr lang="fr-FR" i="1">
                             <a:latin typeface="Cambria Math" panose="02040503050406030204" pitchFamily="18" charset="0"/>
                             <a:ea typeface="Cambria Math" panose="02040503050406030204" pitchFamily="18" charset="0"/>
                             <a:cs typeface="Times New Roman" panose="02020603050405020304" pitchFamily="18" charset="0"/>
                           </a:rPr>
                           <m:t>𝐶</m:t>
+                        </m:r>
+                      </m:e>
+                    </m:bar>
+                    <m:r>
+                      <a:rPr lang="fr-FR" i="1">
+                        <a:latin typeface="Cambria Math" panose="02040503050406030204" pitchFamily="18" charset="0"/>
+                        <a:ea typeface="Cambria Math" panose="02040503050406030204" pitchFamily="18" charset="0"/>
+                        <a:cs typeface="Times New Roman" panose="02020603050405020304" pitchFamily="18" charset="0"/>
+                      </a:rPr>
+                      <m:t>=</m:t>
+                    </m:r>
+                    <m:sSup>
+                      <m:sSupPr>
+                        <m:ctrlPr>
+                          <a:rPr lang="fr-FR" b="0" i="1" smtClean="0">
+                            <a:latin typeface="Cambria Math" panose="02040503050406030204" pitchFamily="18" charset="0"/>
+                            <a:cs typeface="Times New Roman" panose="02020603050405020304" pitchFamily="18" charset="0"/>
+                          </a:rPr>
+                        </m:ctrlPr>
+                      </m:sSupPr>
+                      <m:e>
+                        <m:bar>
+                          <m:barPr>
+                            <m:ctrlPr>
+                              <a:rPr lang="fr-FR" i="1">
+                                <a:latin typeface="Cambria Math" panose="02040503050406030204" pitchFamily="18" charset="0"/>
+                                <a:cs typeface="Times New Roman" panose="02020603050405020304" pitchFamily="18" charset="0"/>
+                              </a:rPr>
+                            </m:ctrlPr>
+                          </m:barPr>
+                          <m:e>
+                            <m:bar>
+                              <m:barPr>
+                                <m:ctrlPr>
+                                  <a:rPr lang="fr-FR" i="1">
+                                    <a:latin typeface="Cambria Math" panose="02040503050406030204" pitchFamily="18" charset="0"/>
+                                    <a:cs typeface="Times New Roman" panose="02020603050405020304" pitchFamily="18" charset="0"/>
+                                  </a:rPr>
+                                </m:ctrlPr>
+                              </m:barPr>
+                              <m:e>
+                                <m:r>
+                                  <a:rPr lang="fr-FR" i="1">
+                                    <a:latin typeface="Cambria Math" panose="02040503050406030204" pitchFamily="18" charset="0"/>
+                                    <a:cs typeface="Times New Roman" panose="02020603050405020304" pitchFamily="18" charset="0"/>
+                                  </a:rPr>
+                                  <m:t>𝐴</m:t>
+                                </m:r>
+                              </m:e>
+                            </m:bar>
+                          </m:e>
+                        </m:bar>
+                      </m:e>
+                      <m:sup>
+                        <m:r>
+                          <a:rPr lang="fr-FR" b="0" i="1" smtClean="0">
+                            <a:latin typeface="Cambria Math" panose="02040503050406030204" pitchFamily="18" charset="0"/>
+                            <a:cs typeface="Times New Roman" panose="02020603050405020304" pitchFamily="18" charset="0"/>
+                          </a:rPr>
+                          <m:t>−1</m:t>
+                        </m:r>
+                      </m:sup>
+                    </m:sSup>
+                    <m:r>
+                      <a:rPr lang="fr-FR" b="0" i="1" smtClean="0">
+                        <a:latin typeface="Cambria Math" panose="02040503050406030204" pitchFamily="18" charset="0"/>
+                        <a:cs typeface="Times New Roman" panose="02020603050405020304" pitchFamily="18" charset="0"/>
+                      </a:rPr>
+                      <m:t>. </m:t>
+                    </m:r>
+                    <m:bar>
+                      <m:barPr>
+                        <m:ctrlPr>
+                          <a:rPr lang="fr-FR" i="1">
+                            <a:latin typeface="Cambria Math" panose="02040503050406030204" pitchFamily="18" charset="0"/>
+                            <a:ea typeface="Cambria Math" panose="02040503050406030204" pitchFamily="18" charset="0"/>
+                            <a:cs typeface="Times New Roman" panose="02020603050405020304" pitchFamily="18" charset="0"/>
+                          </a:rPr>
+                        </m:ctrlPr>
+                      </m:barPr>
+                      <m:e>
+                        <m:r>
+                          <a:rPr lang="fr-FR" i="1">
+                            <a:latin typeface="Cambria Math" panose="02040503050406030204" pitchFamily="18" charset="0"/>
+                            <a:ea typeface="Cambria Math" panose="02040503050406030204" pitchFamily="18" charset="0"/>
+                            <a:cs typeface="Times New Roman" panose="02020603050405020304" pitchFamily="18" charset="0"/>
+                          </a:rPr>
+                          <m:t>𝑏</m:t>
                         </m:r>
                       </m:e>
                     </m:bar>
@@ -18261,13 +18352,13 @@
                     <a:latin typeface="Times New Roman" panose="02020603050405020304" pitchFamily="18" charset="0"/>
                     <a:cs typeface="Times New Roman" panose="02020603050405020304" pitchFamily="18" charset="0"/>
                   </a:rPr>
-                  <a:t>. </a:t>
+                  <a:t> </a:t>
                 </a:r>
               </a:p>
             </p:txBody>
           </p:sp>
         </mc:Choice>
-        <mc:Fallback xmlns="">
+        <mc:Fallback>
           <p:sp>
             <p:nvSpPr>
               <p:cNvPr id="13" name="TextBox 12">
@@ -18285,7 +18376,7 @@
             <p:spPr>
               <a:xfrm>
                 <a:off x="-1048" y="6045866"/>
-                <a:ext cx="12021199" cy="739433"/>
+                <a:ext cx="12021199" cy="806503"/>
               </a:xfrm>
               <a:prstGeom prst="rect">
                 <a:avLst/>
@@ -18293,7 +18384,7 @@
               <a:blipFill>
                 <a:blip r:embed="rId7"/>
                 <a:stretch>
-                  <a:fillRect l="-456" t="-4959" r="-406" b="-10744"/>
+                  <a:fillRect l="-456" t="-4545" r="-406" b="-1515"/>
                 </a:stretch>
               </a:blipFill>
             </p:spPr>
@@ -18302,7 +18393,7 @@
               <a:lstStyle/>
               <a:p>
                 <a:r>
-                  <a:rPr lang="en-GB">
+                  <a:rPr lang="fr-FR">
                     <a:noFill/>
                   </a:rPr>
                   <a:t> </a:t>
@@ -18312,8 +18403,8 @@
           </p:sp>
         </mc:Fallback>
       </mc:AlternateContent>
-      <mc:AlternateContent xmlns:mc="http://schemas.openxmlformats.org/markup-compatibility/2006">
-        <mc:Choice xmlns:a14="http://schemas.microsoft.com/office/drawing/2010/main" Requires="a14">
+      <mc:AlternateContent xmlns:mc="http://schemas.openxmlformats.org/markup-compatibility/2006" xmlns:a14="http://schemas.microsoft.com/office/drawing/2010/main">
+        <mc:Choice Requires="a14">
           <p:sp>
             <p:nvSpPr>
               <p:cNvPr id="15" name="TextBox 14">
@@ -19607,7 +19698,7 @@
             </p:txBody>
           </p:sp>
         </mc:Choice>
-        <mc:Fallback>
+        <mc:Fallback xmlns="">
           <p:sp>
             <p:nvSpPr>
               <p:cNvPr id="15" name="TextBox 14">
@@ -21350,6 +21441,57 @@
           </a:p>
         </p:txBody>
       </p:sp>
+      <mc:AlternateContent xmlns:mc="http://schemas.openxmlformats.org/markup-compatibility/2006">
+        <mc:Choice xmlns:p14="http://schemas.microsoft.com/office/powerpoint/2010/main" Requires="p14">
+          <p:contentPart p14:bwMode="auto" r:id="rId7">
+            <p14:nvContentPartPr>
+              <p14:cNvPr id="7" name="Ink 6">
+                <a:extLst>
+                  <a:ext uri="{FF2B5EF4-FFF2-40B4-BE49-F238E27FC236}">
+                    <a16:creationId xmlns:a16="http://schemas.microsoft.com/office/drawing/2014/main" id="{0C259D1A-B18E-0EA7-F1F1-119CD3860AA7}"/>
+                  </a:ext>
+                </a:extLst>
+              </p14:cNvPr>
+              <p14:cNvContentPartPr/>
+              <p14:nvPr/>
+            </p14:nvContentPartPr>
+            <p14:xfrm>
+              <a:off x="6329830" y="2712108"/>
+              <a:ext cx="952560" cy="70560"/>
+            </p14:xfrm>
+          </p:contentPart>
+        </mc:Choice>
+        <mc:Fallback>
+          <p:pic>
+            <p:nvPicPr>
+              <p:cNvPr id="7" name="Ink 6">
+                <a:extLst>
+                  <a:ext uri="{FF2B5EF4-FFF2-40B4-BE49-F238E27FC236}">
+                    <a16:creationId xmlns:a16="http://schemas.microsoft.com/office/drawing/2014/main" id="{0C259D1A-B18E-0EA7-F1F1-119CD3860AA7}"/>
+                  </a:ext>
+                </a:extLst>
+              </p:cNvPr>
+              <p:cNvPicPr/>
+              <p:nvPr/>
+            </p:nvPicPr>
+            <p:blipFill>
+              <a:blip r:embed="rId8"/>
+              <a:stretch>
+                <a:fillRect/>
+              </a:stretch>
+            </p:blipFill>
+            <p:spPr>
+              <a:xfrm>
+                <a:off x="6275830" y="2604468"/>
+                <a:ext cx="1060200" cy="286200"/>
+              </a:xfrm>
+              <a:prstGeom prst="rect">
+                <a:avLst/>
+              </a:prstGeom>
+            </p:spPr>
+          </p:pic>
+        </mc:Fallback>
+      </mc:AlternateContent>
     </p:spTree>
     <p:extLst>
       <p:ext uri="{BB962C8B-B14F-4D97-AF65-F5344CB8AC3E}">
@@ -22293,8 +22435,8 @@
           </a:p>
         </p:txBody>
       </p:sp>
-      <mc:AlternateContent xmlns:mc="http://schemas.openxmlformats.org/markup-compatibility/2006" xmlns:a14="http://schemas.microsoft.com/office/drawing/2010/main">
-        <mc:Choice Requires="a14">
+      <mc:AlternateContent xmlns:mc="http://schemas.openxmlformats.org/markup-compatibility/2006">
+        <mc:Choice xmlns:a14="http://schemas.microsoft.com/office/drawing/2010/main" Requires="a14">
           <p:sp>
             <p:nvSpPr>
               <p:cNvPr id="11" name="TextBox 10">
@@ -22623,6 +22765,13 @@
                             </m:num>
                             <m:den>
                               <m:r>
+                                <a:rPr lang="fr-FR" b="0" i="1" smtClean="0">
+                                  <a:latin typeface="Cambria Math" panose="02040503050406030204" pitchFamily="18" charset="0"/>
+                                  <a:ea typeface="Cambria Math" panose="02040503050406030204" pitchFamily="18" charset="0"/>
+                                </a:rPr>
+                                <m:t>2</m:t>
+                              </m:r>
+                              <m:r>
                                 <a:rPr lang="fr-FR" i="1">
                                   <a:latin typeface="Cambria Math" panose="02040503050406030204" pitchFamily="18" charset="0"/>
                                   <a:ea typeface="Cambria Math" panose="02040503050406030204" pitchFamily="18" charset="0"/>
@@ -22865,6 +23014,13 @@
                             </m:num>
                             <m:den>
                               <m:r>
+                                <a:rPr lang="fr-FR" b="0" i="1" smtClean="0">
+                                  <a:latin typeface="Cambria Math" panose="02040503050406030204" pitchFamily="18" charset="0"/>
+                                  <a:ea typeface="Cambria Math" panose="02040503050406030204" pitchFamily="18" charset="0"/>
+                                </a:rPr>
+                                <m:t>2</m:t>
+                              </m:r>
+                              <m:r>
                                 <a:rPr lang="fr-FR" i="1">
                                   <a:latin typeface="Cambria Math" panose="02040503050406030204" pitchFamily="18" charset="0"/>
                                   <a:ea typeface="Cambria Math" panose="02040503050406030204" pitchFamily="18" charset="0"/>
@@ -22952,7 +23108,7 @@
             </p:txBody>
           </p:sp>
         </mc:Choice>
-        <mc:Fallback xmlns="">
+        <mc:Fallback>
           <p:sp>
             <p:nvSpPr>
               <p:cNvPr id="11" name="TextBox 10">
@@ -22987,7 +23143,7 @@
               <a:lstStyle/>
               <a:p>
                 <a:r>
-                  <a:rPr lang="en-GB">
+                  <a:rPr lang="fr-FR">
                     <a:noFill/>
                   </a:rPr>
                   <a:t> </a:t>

--- a/doc/Rapport_Devoir1.pptx
+++ b/doc/Rapport_Devoir1.pptx
@@ -4,6 +4,9 @@
   <p:sldMasterIdLst>
     <p:sldMasterId id="2147483648" r:id="rId1"/>
   </p:sldMasterIdLst>
+  <p:notesMasterIdLst>
+    <p:notesMasterId r:id="rId12"/>
+  </p:notesMasterIdLst>
   <p:sldIdLst>
     <p:sldId id="256" r:id="rId2"/>
     <p:sldId id="265" r:id="rId3"/>
@@ -130,7 +133,7 @@
 <file path=ppt/revisionInfo.xml><?xml version="1.0" encoding="utf-8"?>
 <p1510:revInfo xmlns:a="http://schemas.openxmlformats.org/drawingml/2006/main" xmlns:r="http://schemas.openxmlformats.org/officeDocument/2006/relationships" xmlns:p1510="http://schemas.microsoft.com/office/powerpoint/2015/10/main">
   <p1510:revLst>
-    <p1510:client id="{8625411A-B743-4065-8137-36E899DC5753}" v="1782" dt="2025-02-06T23:30:59.181"/>
+    <p1510:client id="{8625411A-B743-4065-8137-36E899DC5753}" v="2225" dt="2025-02-08T18:12:28.520"/>
   </p1510:revLst>
 </p1510:revInfo>
 </file>
@@ -140,12 +143,12 @@
   <pc:docChgLst>
     <pc:chgData name="François GLEYZON" userId="a2d04f23f7faf3ef" providerId="LiveId" clId="{8625411A-B743-4065-8137-36E899DC5753}"/>
     <pc:docChg chg="undo custSel addSld delSld modSld">
-      <pc:chgData name="François GLEYZON" userId="a2d04f23f7faf3ef" providerId="LiveId" clId="{8625411A-B743-4065-8137-36E899DC5753}" dt="2025-02-06T23:31:37.261" v="5385" actId="20577"/>
+      <pc:chgData name="François GLEYZON" userId="a2d04f23f7faf3ef" providerId="LiveId" clId="{8625411A-B743-4065-8137-36E899DC5753}" dt="2025-02-08T18:12:31.623" v="7250" actId="20577"/>
       <pc:docMkLst>
         <pc:docMk/>
       </pc:docMkLst>
       <pc:sldChg chg="addSp delSp modSp mod">
-        <pc:chgData name="François GLEYZON" userId="a2d04f23f7faf3ef" providerId="LiveId" clId="{8625411A-B743-4065-8137-36E899DC5753}" dt="2025-02-06T23:30:43.077" v="5361" actId="1076"/>
+        <pc:chgData name="François GLEYZON" userId="a2d04f23f7faf3ef" providerId="LiveId" clId="{8625411A-B743-4065-8137-36E899DC5753}" dt="2025-02-08T18:12:13.973" v="7239" actId="20577"/>
         <pc:sldMkLst>
           <pc:docMk/>
           <pc:sldMk cId="2801290844" sldId="256"/>
@@ -166,12 +169,28 @@
             <ac:spMk id="3" creationId="{568554F7-B174-79F4-DC46-68D2FF64134D}"/>
           </ac:spMkLst>
         </pc:spChg>
-        <pc:spChg chg="add del mod">
-          <ac:chgData name="François GLEYZON" userId="a2d04f23f7faf3ef" providerId="LiveId" clId="{8625411A-B743-4065-8137-36E899DC5753}" dt="2025-02-06T23:29:40.404" v="5340" actId="478"/>
+        <pc:spChg chg="add mod">
+          <ac:chgData name="François GLEYZON" userId="a2d04f23f7faf3ef" providerId="LiveId" clId="{8625411A-B743-4065-8137-36E899DC5753}" dt="2025-02-08T18:11:04.167" v="7150" actId="1076"/>
           <ac:spMkLst>
             <pc:docMk/>
             <pc:sldMk cId="2801290844" sldId="256"/>
-            <ac:spMk id="6" creationId="{6D0C4FA4-B8F1-EBCC-45CF-D8349D47EA6C}"/>
+            <ac:spMk id="4" creationId="{95E7F9AA-F423-8939-0562-C60D980C1651}"/>
+          </ac:spMkLst>
+        </pc:spChg>
+        <pc:spChg chg="add mod">
+          <ac:chgData name="François GLEYZON" userId="a2d04f23f7faf3ef" providerId="LiveId" clId="{8625411A-B743-4065-8137-36E899DC5753}" dt="2025-02-08T18:11:11.896" v="7161" actId="1076"/>
+          <ac:spMkLst>
+            <pc:docMk/>
+            <pc:sldMk cId="2801290844" sldId="256"/>
+            <ac:spMk id="5" creationId="{CCB64622-7D99-EF9C-E64A-6B7A68B130E7}"/>
+          </ac:spMkLst>
+        </pc:spChg>
+        <pc:spChg chg="add mod">
+          <ac:chgData name="François GLEYZON" userId="a2d04f23f7faf3ef" providerId="LiveId" clId="{8625411A-B743-4065-8137-36E899DC5753}" dt="2025-02-08T18:11:19.550" v="7165" actId="1076"/>
+          <ac:spMkLst>
+            <pc:docMk/>
+            <pc:sldMk cId="2801290844" sldId="256"/>
+            <ac:spMk id="6" creationId="{57048EEB-143A-0EB0-AB6E-49FD65A632CE}"/>
           </ac:spMkLst>
         </pc:spChg>
         <pc:spChg chg="add mod">
@@ -206,17 +225,17 @@
             <ac:spMk id="10" creationId="{8C55F6B5-A972-7032-5631-C5F15CB2F398}"/>
           </ac:spMkLst>
         </pc:spChg>
-        <pc:picChg chg="add del">
-          <ac:chgData name="François GLEYZON" userId="a2d04f23f7faf3ef" providerId="LiveId" clId="{8625411A-B743-4065-8137-36E899DC5753}" dt="2025-02-06T23:30:08.330" v="5351" actId="478"/>
-          <ac:picMkLst>
+        <pc:spChg chg="add mod">
+          <ac:chgData name="François GLEYZON" userId="a2d04f23f7faf3ef" providerId="LiveId" clId="{8625411A-B743-4065-8137-36E899DC5753}" dt="2025-02-08T18:12:13.973" v="7239" actId="20577"/>
+          <ac:spMkLst>
             <pc:docMk/>
             <pc:sldMk cId="2801290844" sldId="256"/>
-            <ac:picMk id="5" creationId="{CAF04EF2-3D75-84C5-C797-366BE43ABC59}"/>
-          </ac:picMkLst>
-        </pc:picChg>
+            <ac:spMk id="11" creationId="{ADA3B4ED-F9F9-8357-018A-C931A9829ED9}"/>
+          </ac:spMkLst>
+        </pc:spChg>
       </pc:sldChg>
       <pc:sldChg chg="addSp delSp modSp mod">
-        <pc:chgData name="François GLEYZON" userId="a2d04f23f7faf3ef" providerId="LiveId" clId="{8625411A-B743-4065-8137-36E899DC5753}" dt="2025-02-06T23:31:11.565" v="5377" actId="20577"/>
+        <pc:chgData name="François GLEYZON" userId="a2d04f23f7faf3ef" providerId="LiveId" clId="{8625411A-B743-4065-8137-36E899DC5753}" dt="2025-02-08T18:11:32.948" v="7166"/>
         <pc:sldMkLst>
           <pc:docMk/>
           <pc:sldMk cId="2487955664" sldId="257"/>
@@ -307,6 +326,14 @@
             <pc:docMk/>
             <pc:sldMk cId="2487955664" sldId="257"/>
             <ac:spMk id="12" creationId="{CD555B3B-1273-B030-5A00-48B9923A6D1D}"/>
+          </ac:spMkLst>
+        </pc:spChg>
+        <pc:spChg chg="add mod">
+          <ac:chgData name="François GLEYZON" userId="a2d04f23f7faf3ef" providerId="LiveId" clId="{8625411A-B743-4065-8137-36E899DC5753}" dt="2025-02-08T18:11:32.948" v="7166"/>
+          <ac:spMkLst>
+            <pc:docMk/>
+            <pc:sldMk cId="2487955664" sldId="257"/>
+            <ac:spMk id="13" creationId="{B232EE1E-9716-3342-26CC-9F049AE18F58}"/>
           </ac:spMkLst>
         </pc:spChg>
         <pc:spChg chg="add mod">
@@ -692,14 +719,6 @@
           </ac:spMkLst>
         </pc:spChg>
         <pc:spChg chg="add mod">
-          <ac:chgData name="François GLEYZON" userId="a2d04f23f7faf3ef" providerId="LiveId" clId="{8625411A-B743-4065-8137-36E899DC5753}" dt="2025-02-05T20:24:34.464" v="2995"/>
-          <ac:spMkLst>
-            <pc:docMk/>
-            <pc:sldMk cId="415248" sldId="259"/>
-            <ac:spMk id="20" creationId="{89808494-F4E2-8D53-B25F-2375493F479A}"/>
-          </ac:spMkLst>
-        </pc:spChg>
-        <pc:spChg chg="add mod">
           <ac:chgData name="François GLEYZON" userId="a2d04f23f7faf3ef" providerId="LiveId" clId="{8625411A-B743-4065-8137-36E899DC5753}" dt="2025-02-05T20:24:42.838" v="2998" actId="14100"/>
           <ac:spMkLst>
             <pc:docMk/>
@@ -725,7 +744,7 @@
         </pc:picChg>
       </pc:sldChg>
       <pc:sldChg chg="addSp delSp modSp mod">
-        <pc:chgData name="François GLEYZON" userId="a2d04f23f7faf3ef" providerId="LiveId" clId="{8625411A-B743-4065-8137-36E899DC5753}" dt="2025-02-06T23:31:26.543" v="5382" actId="20577"/>
+        <pc:chgData name="François GLEYZON" userId="a2d04f23f7faf3ef" providerId="LiveId" clId="{8625411A-B743-4065-8137-36E899DC5753}" dt="2025-02-08T18:01:04.860" v="6525"/>
         <pc:sldMkLst>
           <pc:docMk/>
           <pc:sldMk cId="1063259523" sldId="260"/>
@@ -762,16 +781,8 @@
             <ac:spMk id="5" creationId="{5E5B943B-90A9-465F-97D4-8F6E6FF06177}"/>
           </ac:spMkLst>
         </pc:spChg>
-        <pc:spChg chg="add del mod">
-          <ac:chgData name="François GLEYZON" userId="a2d04f23f7faf3ef" providerId="LiveId" clId="{8625411A-B743-4065-8137-36E899DC5753}" dt="2025-02-05T20:53:04.795" v="3646" actId="478"/>
-          <ac:spMkLst>
-            <pc:docMk/>
-            <pc:sldMk cId="1063259523" sldId="260"/>
-            <ac:spMk id="5" creationId="{D692518E-3D66-621A-ABA1-AEC654A6A15D}"/>
-          </ac:spMkLst>
-        </pc:spChg>
         <pc:spChg chg="add mod">
-          <ac:chgData name="François GLEYZON" userId="a2d04f23f7faf3ef" providerId="LiveId" clId="{8625411A-B743-4065-8137-36E899DC5753}" dt="2025-02-05T20:53:36.692" v="3771" actId="313"/>
+          <ac:chgData name="François GLEYZON" userId="a2d04f23f7faf3ef" providerId="LiveId" clId="{8625411A-B743-4065-8137-36E899DC5753}" dt="2025-02-08T17:55:44.907" v="6147" actId="20577"/>
           <ac:spMkLst>
             <pc:docMk/>
             <pc:sldMk cId="1063259523" sldId="260"/>
@@ -779,7 +790,31 @@
           </ac:spMkLst>
         </pc:spChg>
         <pc:spChg chg="add mod">
-          <ac:chgData name="François GLEYZON" userId="a2d04f23f7faf3ef" providerId="LiveId" clId="{8625411A-B743-4065-8137-36E899DC5753}" dt="2025-02-05T21:02:08.713" v="4144" actId="20577"/>
+          <ac:chgData name="François GLEYZON" userId="a2d04f23f7faf3ef" providerId="LiveId" clId="{8625411A-B743-4065-8137-36E899DC5753}" dt="2025-02-08T18:00:32.630" v="6518" actId="20577"/>
+          <ac:spMkLst>
+            <pc:docMk/>
+            <pc:sldMk cId="1063259523" sldId="260"/>
+            <ac:spMk id="10" creationId="{26AB2202-18AC-F301-719D-754BE34A0087}"/>
+          </ac:spMkLst>
+        </pc:spChg>
+        <pc:spChg chg="add mod">
+          <ac:chgData name="François GLEYZON" userId="a2d04f23f7faf3ef" providerId="LiveId" clId="{8625411A-B743-4065-8137-36E899DC5753}" dt="2025-02-08T18:01:00.633" v="6524" actId="20577"/>
+          <ac:spMkLst>
+            <pc:docMk/>
+            <pc:sldMk cId="1063259523" sldId="260"/>
+            <ac:spMk id="11" creationId="{FD71607F-6BF1-5FDA-D422-68E62421CCE4}"/>
+          </ac:spMkLst>
+        </pc:spChg>
+        <pc:spChg chg="add mod">
+          <ac:chgData name="François GLEYZON" userId="a2d04f23f7faf3ef" providerId="LiveId" clId="{8625411A-B743-4065-8137-36E899DC5753}" dt="2025-02-08T18:01:04.860" v="6525"/>
+          <ac:spMkLst>
+            <pc:docMk/>
+            <pc:sldMk cId="1063259523" sldId="260"/>
+            <ac:spMk id="12" creationId="{73418CF3-9DE2-B2FD-E08F-1CB82508ACE1}"/>
+          </ac:spMkLst>
+        </pc:spChg>
+        <pc:spChg chg="add mod">
+          <ac:chgData name="François GLEYZON" userId="a2d04f23f7faf3ef" providerId="LiveId" clId="{8625411A-B743-4065-8137-36E899DC5753}" dt="2025-02-08T17:50:17.939" v="5412" actId="20577"/>
           <ac:spMkLst>
             <pc:docMk/>
             <pc:sldMk cId="1063259523" sldId="260"/>
@@ -787,7 +822,7 @@
           </ac:spMkLst>
         </pc:spChg>
         <pc:spChg chg="add mod">
-          <ac:chgData name="François GLEYZON" userId="a2d04f23f7faf3ef" providerId="LiveId" clId="{8625411A-B743-4065-8137-36E899DC5753}" dt="2025-02-05T21:02:01.867" v="4137" actId="20577"/>
+          <ac:chgData name="François GLEYZON" userId="a2d04f23f7faf3ef" providerId="LiveId" clId="{8625411A-B743-4065-8137-36E899DC5753}" dt="2025-02-08T17:50:37.363" v="5422" actId="20577"/>
           <ac:spMkLst>
             <pc:docMk/>
             <pc:sldMk cId="1063259523" sldId="260"/>
@@ -795,7 +830,7 @@
           </ac:spMkLst>
         </pc:spChg>
         <pc:spChg chg="add mod">
-          <ac:chgData name="François GLEYZON" userId="a2d04f23f7faf3ef" providerId="LiveId" clId="{8625411A-B743-4065-8137-36E899DC5753}" dt="2025-02-05T21:01:56.759" v="4132" actId="20577"/>
+          <ac:chgData name="François GLEYZON" userId="a2d04f23f7faf3ef" providerId="LiveId" clId="{8625411A-B743-4065-8137-36E899DC5753}" dt="2025-02-08T17:50:42.454" v="5429" actId="20577"/>
           <ac:spMkLst>
             <pc:docMk/>
             <pc:sldMk cId="1063259523" sldId="260"/>
@@ -803,48 +838,48 @@
           </ac:spMkLst>
         </pc:spChg>
         <pc:spChg chg="add mod">
-          <ac:chgData name="François GLEYZON" userId="a2d04f23f7faf3ef" providerId="LiveId" clId="{8625411A-B743-4065-8137-36E899DC5753}" dt="2025-02-05T21:02:16.012" v="4146" actId="1076"/>
+          <ac:chgData name="François GLEYZON" userId="a2d04f23f7faf3ef" providerId="LiveId" clId="{8625411A-B743-4065-8137-36E899DC5753}" dt="2025-02-08T17:52:28.547" v="5610" actId="20577"/>
           <ac:spMkLst>
             <pc:docMk/>
             <pc:sldMk cId="1063259523" sldId="260"/>
             <ac:spMk id="16" creationId="{DA5226F6-F4A9-B138-C97F-881284C5A869}"/>
           </ac:spMkLst>
         </pc:spChg>
-        <pc:picChg chg="add del mod">
-          <ac:chgData name="François GLEYZON" userId="a2d04f23f7faf3ef" providerId="LiveId" clId="{8625411A-B743-4065-8137-36E899DC5753}" dt="2025-02-05T21:00:51.413" v="4102" actId="478"/>
+        <pc:spChg chg="add mod">
+          <ac:chgData name="François GLEYZON" userId="a2d04f23f7faf3ef" providerId="LiveId" clId="{8625411A-B743-4065-8137-36E899DC5753}" dt="2025-02-08T18:00:43.152" v="6520" actId="1076"/>
+          <ac:spMkLst>
+            <pc:docMk/>
+            <pc:sldMk cId="1063259523" sldId="260"/>
+            <ac:spMk id="17" creationId="{418967CF-1F4B-E249-C88C-988ADBD4981B}"/>
+          </ac:spMkLst>
+        </pc:spChg>
+        <pc:picChg chg="add mod">
+          <ac:chgData name="François GLEYZON" userId="a2d04f23f7faf3ef" providerId="LiveId" clId="{8625411A-B743-4065-8137-36E899DC5753}" dt="2025-02-08T17:50:00.095" v="5402" actId="14100"/>
           <ac:picMkLst>
             <pc:docMk/>
             <pc:sldMk cId="1063259523" sldId="260"/>
-            <ac:picMk id="8" creationId="{4702950F-3836-E6A0-6BFA-76CDDFAB4CC0}"/>
+            <ac:picMk id="9" creationId="{637A6A04-BF56-1147-EEED-6205E7F093FF}"/>
           </ac:picMkLst>
         </pc:picChg>
-        <pc:picChg chg="add del mod">
-          <ac:chgData name="François GLEYZON" userId="a2d04f23f7faf3ef" providerId="LiveId" clId="{8625411A-B743-4065-8137-36E899DC5753}" dt="2025-02-05T21:00:51.077" v="4101" actId="478"/>
-          <ac:picMkLst>
-            <pc:docMk/>
-            <pc:sldMk cId="1063259523" sldId="260"/>
-            <ac:picMk id="10" creationId="{08237BA2-A9FC-935E-562D-FF42A0296247}"/>
-          </ac:picMkLst>
-        </pc:picChg>
-        <pc:picChg chg="add del mod">
-          <ac:chgData name="François GLEYZON" userId="a2d04f23f7faf3ef" providerId="LiveId" clId="{8625411A-B743-4065-8137-36E899DC5753}" dt="2025-02-05T21:00:50.703" v="4100" actId="478"/>
-          <ac:picMkLst>
-            <pc:docMk/>
-            <pc:sldMk cId="1063259523" sldId="260"/>
-            <ac:picMk id="12" creationId="{088E01A0-7014-7D88-CAC4-2E367E096521}"/>
-          </ac:picMkLst>
-        </pc:picChg>
-        <pc:picChg chg="add mod ord">
-          <ac:chgData name="François GLEYZON" userId="a2d04f23f7faf3ef" providerId="LiveId" clId="{8625411A-B743-4065-8137-36E899DC5753}" dt="2025-02-05T21:01:03.483" v="4107" actId="167"/>
+        <pc:picChg chg="add del mod ord">
+          <ac:chgData name="François GLEYZON" userId="a2d04f23f7faf3ef" providerId="LiveId" clId="{8625411A-B743-4065-8137-36E899DC5753}" dt="2025-02-08T17:50:02.483" v="5403" actId="478"/>
           <ac:picMkLst>
             <pc:docMk/>
             <pc:sldMk cId="1063259523" sldId="260"/>
             <ac:picMk id="18" creationId="{2DE8511B-FDF9-5418-5DA7-53BA9804A37C}"/>
           </ac:picMkLst>
         </pc:picChg>
+        <pc:inkChg chg="del mod">
+          <ac:chgData name="François GLEYZON" userId="a2d04f23f7faf3ef" providerId="LiveId" clId="{8625411A-B743-4065-8137-36E899DC5753}" dt="2025-02-08T17:50:04.944" v="5404" actId="478"/>
+          <ac:inkMkLst>
+            <pc:docMk/>
+            <pc:sldMk cId="1063259523" sldId="260"/>
+            <ac:inkMk id="7" creationId="{0C259D1A-B18E-0EA7-F1F1-119CD3860AA7}"/>
+          </ac:inkMkLst>
+        </pc:inkChg>
       </pc:sldChg>
       <pc:sldChg chg="addSp delSp modSp mod">
-        <pc:chgData name="François GLEYZON" userId="a2d04f23f7faf3ef" providerId="LiveId" clId="{8625411A-B743-4065-8137-36E899DC5753}" dt="2025-02-06T23:31:30.378" v="5383" actId="20577"/>
+        <pc:chgData name="François GLEYZON" userId="a2d04f23f7faf3ef" providerId="LiveId" clId="{8625411A-B743-4065-8137-36E899DC5753}" dt="2025-02-08T18:08:40.263" v="6887" actId="1076"/>
         <pc:sldMkLst>
           <pc:docMk/>
           <pc:sldMk cId="1452944335" sldId="261"/>
@@ -945,22 +980,86 @@
             <ac:spMk id="13" creationId="{B7F086DE-1FC4-C625-C46F-7162AFC5DB60}"/>
           </ac:spMkLst>
         </pc:spChg>
-        <pc:spChg chg="add del mod">
-          <ac:chgData name="François GLEYZON" userId="a2d04f23f7faf3ef" providerId="LiveId" clId="{8625411A-B743-4065-8137-36E899DC5753}" dt="2025-02-06T18:54:02.693" v="4467" actId="478"/>
+        <pc:spChg chg="add mod">
+          <ac:chgData name="François GLEYZON" userId="a2d04f23f7faf3ef" providerId="LiveId" clId="{8625411A-B743-4065-8137-36E899DC5753}" dt="2025-02-08T18:08:24.511" v="6884" actId="20577"/>
           <ac:spMkLst>
             <pc:docMk/>
             <pc:sldMk cId="1452944335" sldId="261"/>
-            <ac:spMk id="13" creationId="{C5B0B460-539A-B138-8DED-7EBE78A05B9F}"/>
+            <ac:spMk id="17" creationId="{3CF42690-7162-FF5D-0928-122CB4424C2F}"/>
           </ac:spMkLst>
         </pc:spChg>
-        <pc:spChg chg="add del mod">
-          <ac:chgData name="François GLEYZON" userId="a2d04f23f7faf3ef" providerId="LiveId" clId="{8625411A-B743-4065-8137-36E899DC5753}" dt="2025-02-06T18:54:01.947" v="4466" actId="478"/>
+        <pc:spChg chg="add mod">
+          <ac:chgData name="François GLEYZON" userId="a2d04f23f7faf3ef" providerId="LiveId" clId="{8625411A-B743-4065-8137-36E899DC5753}" dt="2025-02-08T18:05:26.449" v="6705"/>
           <ac:spMkLst>
             <pc:docMk/>
             <pc:sldMk cId="1452944335" sldId="261"/>
-            <ac:spMk id="14" creationId="{2D00753C-DF92-A883-5D99-CD649DDFF88A}"/>
+            <ac:spMk id="19" creationId="{464B3D4D-12EB-D238-43B4-6F57113E9E0A}"/>
           </ac:spMkLst>
         </pc:spChg>
+        <pc:spChg chg="add mod">
+          <ac:chgData name="François GLEYZON" userId="a2d04f23f7faf3ef" providerId="LiveId" clId="{8625411A-B743-4065-8137-36E899DC5753}" dt="2025-02-08T18:07:09.460" v="6734" actId="1076"/>
+          <ac:spMkLst>
+            <pc:docMk/>
+            <pc:sldMk cId="1452944335" sldId="261"/>
+            <ac:spMk id="20" creationId="{F7B2648C-C01D-2FC8-0F3F-A810BEC0B6B3}"/>
+          </ac:spMkLst>
+        </pc:spChg>
+        <pc:spChg chg="add mod">
+          <ac:chgData name="François GLEYZON" userId="a2d04f23f7faf3ef" providerId="LiveId" clId="{8625411A-B743-4065-8137-36E899DC5753}" dt="2025-02-08T18:07:14.840" v="6736" actId="1076"/>
+          <ac:spMkLst>
+            <pc:docMk/>
+            <pc:sldMk cId="1452944335" sldId="261"/>
+            <ac:spMk id="21" creationId="{83D574B7-1395-2485-4E73-08C18756132D}"/>
+          </ac:spMkLst>
+        </pc:spChg>
+        <pc:spChg chg="add mod">
+          <ac:chgData name="François GLEYZON" userId="a2d04f23f7faf3ef" providerId="LiveId" clId="{8625411A-B743-4065-8137-36E899DC5753}" dt="2025-02-08T18:07:20.688" v="6749" actId="1036"/>
+          <ac:spMkLst>
+            <pc:docMk/>
+            <pc:sldMk cId="1452944335" sldId="261"/>
+            <ac:spMk id="22" creationId="{7C293DC5-C800-0980-6F2B-BE6AD964B1B5}"/>
+          </ac:spMkLst>
+        </pc:spChg>
+        <pc:spChg chg="add mod">
+          <ac:chgData name="François GLEYZON" userId="a2d04f23f7faf3ef" providerId="LiveId" clId="{8625411A-B743-4065-8137-36E899DC5753}" dt="2025-02-08T18:07:28.905" v="6751" actId="1076"/>
+          <ac:spMkLst>
+            <pc:docMk/>
+            <pc:sldMk cId="1452944335" sldId="261"/>
+            <ac:spMk id="23" creationId="{3BF53B97-0F67-E339-0733-64B4CBED7BE3}"/>
+          </ac:spMkLst>
+        </pc:spChg>
+        <pc:spChg chg="add mod">
+          <ac:chgData name="François GLEYZON" userId="a2d04f23f7faf3ef" providerId="LiveId" clId="{8625411A-B743-4065-8137-36E899DC5753}" dt="2025-02-08T18:08:40.263" v="6887" actId="1076"/>
+          <ac:spMkLst>
+            <pc:docMk/>
+            <pc:sldMk cId="1452944335" sldId="261"/>
+            <ac:spMk id="24" creationId="{5348E2F8-935A-84B2-C999-9952A11CE7E6}"/>
+          </ac:spMkLst>
+        </pc:spChg>
+        <pc:picChg chg="add mod">
+          <ac:chgData name="François GLEYZON" userId="a2d04f23f7faf3ef" providerId="LiveId" clId="{8625411A-B743-4065-8137-36E899DC5753}" dt="2025-02-08T17:53:22.056" v="5652" actId="14100"/>
+          <ac:picMkLst>
+            <pc:docMk/>
+            <pc:sldMk cId="1452944335" sldId="261"/>
+            <ac:picMk id="15" creationId="{C28758A4-18A7-290C-9878-36C0FE46E78F}"/>
+          </ac:picMkLst>
+        </pc:picChg>
+        <pc:picChg chg="add del mod">
+          <ac:chgData name="François GLEYZON" userId="a2d04f23f7faf3ef" providerId="LiveId" clId="{8625411A-B743-4065-8137-36E899DC5753}" dt="2025-02-08T17:53:12.093" v="5650" actId="478"/>
+          <ac:picMkLst>
+            <pc:docMk/>
+            <pc:sldMk cId="1452944335" sldId="261"/>
+            <ac:picMk id="16" creationId="{9E3622FB-F13D-E4ED-D320-E8914660DAFE}"/>
+          </ac:picMkLst>
+        </pc:picChg>
+        <pc:picChg chg="add del mod modCrop">
+          <ac:chgData name="François GLEYZON" userId="a2d04f23f7faf3ef" providerId="LiveId" clId="{8625411A-B743-4065-8137-36E899DC5753}" dt="2025-02-08T18:07:30.180" v="6752" actId="478"/>
+          <ac:picMkLst>
+            <pc:docMk/>
+            <pc:sldMk cId="1452944335" sldId="261"/>
+            <ac:picMk id="18" creationId="{9FA30BF9-438D-ED0D-D480-AA8AC5FB1810}"/>
+          </ac:picMkLst>
+        </pc:picChg>
       </pc:sldChg>
       <pc:sldChg chg="del">
         <pc:chgData name="François GLEYZON" userId="a2d04f23f7faf3ef" providerId="LiveId" clId="{8625411A-B743-4065-8137-36E899DC5753}" dt="2025-02-05T20:27:22.032" v="3304" actId="2696"/>
@@ -969,8 +1068,8 @@
           <pc:sldMk cId="3272513737" sldId="262"/>
         </pc:sldMkLst>
       </pc:sldChg>
-      <pc:sldChg chg="addSp modSp mod">
-        <pc:chgData name="François GLEYZON" userId="a2d04f23f7faf3ef" providerId="LiveId" clId="{8625411A-B743-4065-8137-36E899DC5753}" dt="2025-02-06T23:31:33.930" v="5384" actId="20577"/>
+      <pc:sldChg chg="addSp delSp modSp mod">
+        <pc:chgData name="François GLEYZON" userId="a2d04f23f7faf3ef" providerId="LiveId" clId="{8625411A-B743-4065-8137-36E899DC5753}" dt="2025-02-08T18:09:57.288" v="7112" actId="20577"/>
         <pc:sldMkLst>
           <pc:docMk/>
           <pc:sldMk cId="2174773392" sldId="263"/>
@@ -983,9 +1082,137 @@
             <ac:spMk id="2" creationId="{925022B4-230C-8FA2-0518-C2E8AFFB6489}"/>
           </ac:spMkLst>
         </pc:spChg>
+        <pc:spChg chg="add mod">
+          <ac:chgData name="François GLEYZON" userId="a2d04f23f7faf3ef" providerId="LiveId" clId="{8625411A-B743-4065-8137-36E899DC5753}" dt="2025-02-08T17:55:53.903" v="6148"/>
+          <ac:spMkLst>
+            <pc:docMk/>
+            <pc:sldMk cId="2174773392" sldId="263"/>
+            <ac:spMk id="3" creationId="{D915C169-08CC-8E5B-81AB-578EC8D11F35}"/>
+          </ac:spMkLst>
+        </pc:spChg>
+        <pc:spChg chg="add mod">
+          <ac:chgData name="François GLEYZON" userId="a2d04f23f7faf3ef" providerId="LiveId" clId="{8625411A-B743-4065-8137-36E899DC5753}" dt="2025-02-08T17:55:55.872" v="6150" actId="20577"/>
+          <ac:spMkLst>
+            <pc:docMk/>
+            <pc:sldMk cId="2174773392" sldId="263"/>
+            <ac:spMk id="4" creationId="{8FE9FC21-9C8A-1D90-E870-039EFD96A39D}"/>
+          </ac:spMkLst>
+        </pc:spChg>
+        <pc:spChg chg="add mod">
+          <ac:chgData name="François GLEYZON" userId="a2d04f23f7faf3ef" providerId="LiveId" clId="{8625411A-B743-4065-8137-36E899DC5753}" dt="2025-02-08T17:55:53.903" v="6148"/>
+          <ac:spMkLst>
+            <pc:docMk/>
+            <pc:sldMk cId="2174773392" sldId="263"/>
+            <ac:spMk id="5" creationId="{A1169C53-176F-E0EA-C65C-D36F96EBBFEE}"/>
+          </ac:spMkLst>
+        </pc:spChg>
+        <pc:spChg chg="add mod">
+          <ac:chgData name="François GLEYZON" userId="a2d04f23f7faf3ef" providerId="LiveId" clId="{8625411A-B743-4065-8137-36E899DC5753}" dt="2025-02-08T17:55:53.903" v="6148"/>
+          <ac:spMkLst>
+            <pc:docMk/>
+            <pc:sldMk cId="2174773392" sldId="263"/>
+            <ac:spMk id="6" creationId="{51B5442A-C3C4-1A8F-D37A-D5F1A379EC7E}"/>
+          </ac:spMkLst>
+        </pc:spChg>
+        <pc:spChg chg="add mod">
+          <ac:chgData name="François GLEYZON" userId="a2d04f23f7faf3ef" providerId="LiveId" clId="{8625411A-B743-4065-8137-36E899DC5753}" dt="2025-02-08T17:56:32.753" v="6169" actId="20577"/>
+          <ac:spMkLst>
+            <pc:docMk/>
+            <pc:sldMk cId="2174773392" sldId="263"/>
+            <ac:spMk id="7" creationId="{B4A4AEAA-67D2-4085-2A3F-E1A998B2D302}"/>
+          </ac:spMkLst>
+        </pc:spChg>
+        <pc:spChg chg="add mod">
+          <ac:chgData name="François GLEYZON" userId="a2d04f23f7faf3ef" providerId="LiveId" clId="{8625411A-B743-4065-8137-36E899DC5753}" dt="2025-02-08T17:56:41.934" v="6178" actId="20577"/>
+          <ac:spMkLst>
+            <pc:docMk/>
+            <pc:sldMk cId="2174773392" sldId="263"/>
+            <ac:spMk id="8" creationId="{54FE27B9-FBF6-20B1-0B4D-41BE7711BFE0}"/>
+          </ac:spMkLst>
+        </pc:spChg>
+        <pc:spChg chg="add mod">
+          <ac:chgData name="François GLEYZON" userId="a2d04f23f7faf3ef" providerId="LiveId" clId="{8625411A-B743-4065-8137-36E899DC5753}" dt="2025-02-08T17:56:47.990" v="6185" actId="20577"/>
+          <ac:spMkLst>
+            <pc:docMk/>
+            <pc:sldMk cId="2174773392" sldId="263"/>
+            <ac:spMk id="9" creationId="{3CC477B4-9D08-9683-DC4C-A1D5D9BBA01C}"/>
+          </ac:spMkLst>
+        </pc:spChg>
+        <pc:spChg chg="add mod">
+          <ac:chgData name="François GLEYZON" userId="a2d04f23f7faf3ef" providerId="LiveId" clId="{8625411A-B743-4065-8137-36E899DC5753}" dt="2025-02-08T18:01:30.658" v="6530"/>
+          <ac:spMkLst>
+            <pc:docMk/>
+            <pc:sldMk cId="2174773392" sldId="263"/>
+            <ac:spMk id="10" creationId="{13A11EAD-00C7-DE8C-6393-ABE7B1826CB4}"/>
+          </ac:spMkLst>
+        </pc:spChg>
+        <pc:spChg chg="add mod">
+          <ac:chgData name="François GLEYZON" userId="a2d04f23f7faf3ef" providerId="LiveId" clId="{8625411A-B743-4065-8137-36E899DC5753}" dt="2025-02-08T17:55:53.903" v="6148"/>
+          <ac:spMkLst>
+            <pc:docMk/>
+            <pc:sldMk cId="2174773392" sldId="263"/>
+            <ac:spMk id="11" creationId="{35DD8227-809D-06CE-9270-2CC91121E055}"/>
+          </ac:spMkLst>
+        </pc:spChg>
+        <pc:spChg chg="add del mod">
+          <ac:chgData name="François GLEYZON" userId="a2d04f23f7faf3ef" providerId="LiveId" clId="{8625411A-B743-4065-8137-36E899DC5753}" dt="2025-02-08T18:01:31.398" v="6532"/>
+          <ac:spMkLst>
+            <pc:docMk/>
+            <pc:sldMk cId="2174773392" sldId="263"/>
+            <ac:spMk id="15" creationId="{FC131F65-FCE3-AABD-4FAA-40F564CADCEA}"/>
+          </ac:spMkLst>
+        </pc:spChg>
+        <pc:spChg chg="add mod">
+          <ac:chgData name="François GLEYZON" userId="a2d04f23f7faf3ef" providerId="LiveId" clId="{8625411A-B743-4065-8137-36E899DC5753}" dt="2025-02-08T18:01:46.177" v="6534"/>
+          <ac:spMkLst>
+            <pc:docMk/>
+            <pc:sldMk cId="2174773392" sldId="263"/>
+            <ac:spMk id="16" creationId="{7A6E1C14-3522-2401-987B-6C8323168AC0}"/>
+          </ac:spMkLst>
+        </pc:spChg>
+        <pc:spChg chg="add mod">
+          <ac:chgData name="François GLEYZON" userId="a2d04f23f7faf3ef" providerId="LiveId" clId="{8625411A-B743-4065-8137-36E899DC5753}" dt="2025-02-08T18:02:00.509" v="6537" actId="6549"/>
+          <ac:spMkLst>
+            <pc:docMk/>
+            <pc:sldMk cId="2174773392" sldId="263"/>
+            <ac:spMk id="17" creationId="{14E8F240-3DC6-CA73-F443-546CABD8453C}"/>
+          </ac:spMkLst>
+        </pc:spChg>
+        <pc:spChg chg="add mod">
+          <ac:chgData name="François GLEYZON" userId="a2d04f23f7faf3ef" providerId="LiveId" clId="{8625411A-B743-4065-8137-36E899DC5753}" dt="2025-02-08T18:02:07.797" v="6538"/>
+          <ac:spMkLst>
+            <pc:docMk/>
+            <pc:sldMk cId="2174773392" sldId="263"/>
+            <ac:spMk id="18" creationId="{D3FB6750-FBE0-E1A8-1C71-2998EAAF3657}"/>
+          </ac:spMkLst>
+        </pc:spChg>
+        <pc:spChg chg="add mod">
+          <ac:chgData name="François GLEYZON" userId="a2d04f23f7faf3ef" providerId="LiveId" clId="{8625411A-B743-4065-8137-36E899DC5753}" dt="2025-02-08T18:09:57.288" v="7112" actId="20577"/>
+          <ac:spMkLst>
+            <pc:docMk/>
+            <pc:sldMk cId="2174773392" sldId="263"/>
+            <ac:spMk id="19" creationId="{A4779A6A-8265-FCC3-87DB-F422B4FA7572}"/>
+          </ac:spMkLst>
+        </pc:spChg>
+        <pc:picChg chg="add del mod">
+          <ac:chgData name="François GLEYZON" userId="a2d04f23f7faf3ef" providerId="LiveId" clId="{8625411A-B743-4065-8137-36E899DC5753}" dt="2025-02-08T17:56:23.809" v="6157" actId="478"/>
+          <ac:picMkLst>
+            <pc:docMk/>
+            <pc:sldMk cId="2174773392" sldId="263"/>
+            <ac:picMk id="12" creationId="{879D2F27-83A9-D3C7-56EC-E71DC3FBBB15}"/>
+          </ac:picMkLst>
+        </pc:picChg>
+        <pc:picChg chg="add mod ord">
+          <ac:chgData name="François GLEYZON" userId="a2d04f23f7faf3ef" providerId="LiveId" clId="{8625411A-B743-4065-8137-36E899DC5753}" dt="2025-02-08T17:56:21.019" v="6156" actId="171"/>
+          <ac:picMkLst>
+            <pc:docMk/>
+            <pc:sldMk cId="2174773392" sldId="263"/>
+            <ac:picMk id="14" creationId="{53428223-B8B8-9853-173C-F8A2C540FD70}"/>
+          </ac:picMkLst>
+        </pc:picChg>
       </pc:sldChg>
       <pc:sldChg chg="addSp modSp mod">
-        <pc:chgData name="François GLEYZON" userId="a2d04f23f7faf3ef" providerId="LiveId" clId="{8625411A-B743-4065-8137-36E899DC5753}" dt="2025-02-06T23:31:37.261" v="5385" actId="20577"/>
+        <pc:chgData name="François GLEYZON" userId="a2d04f23f7faf3ef" providerId="LiveId" clId="{8625411A-B743-4065-8137-36E899DC5753}" dt="2025-02-08T18:12:31.623" v="7250" actId="20577"/>
         <pc:sldMkLst>
           <pc:docMk/>
           <pc:sldMk cId="508563345" sldId="264"/>
@@ -996,6 +1223,30 @@
             <pc:docMk/>
             <pc:sldMk cId="508563345" sldId="264"/>
             <ac:spMk id="2" creationId="{B899300B-16B9-2AA1-42EF-D7A03458C2E6}"/>
+          </ac:spMkLst>
+        </pc:spChg>
+        <pc:spChg chg="add mod">
+          <ac:chgData name="François GLEYZON" userId="a2d04f23f7faf3ef" providerId="LiveId" clId="{8625411A-B743-4065-8137-36E899DC5753}" dt="2025-02-08T18:12:28.520" v="7240"/>
+          <ac:spMkLst>
+            <pc:docMk/>
+            <pc:sldMk cId="508563345" sldId="264"/>
+            <ac:spMk id="3" creationId="{EAF0A628-343C-FBA6-4F88-4768C17AB397}"/>
+          </ac:spMkLst>
+        </pc:spChg>
+        <pc:spChg chg="add mod">
+          <ac:chgData name="François GLEYZON" userId="a2d04f23f7faf3ef" providerId="LiveId" clId="{8625411A-B743-4065-8137-36E899DC5753}" dt="2025-02-08T18:12:31.623" v="7250" actId="20577"/>
+          <ac:spMkLst>
+            <pc:docMk/>
+            <pc:sldMk cId="508563345" sldId="264"/>
+            <ac:spMk id="4" creationId="{F6CA68CB-DA07-9D19-19A7-568713D60BFC}"/>
+          </ac:spMkLst>
+        </pc:spChg>
+        <pc:spChg chg="add mod">
+          <ac:chgData name="François GLEYZON" userId="a2d04f23f7faf3ef" providerId="LiveId" clId="{8625411A-B743-4065-8137-36E899DC5753}" dt="2025-02-08T18:12:28.520" v="7240"/>
+          <ac:spMkLst>
+            <pc:docMk/>
+            <pc:sldMk cId="508563345" sldId="264"/>
+            <ac:spMk id="5" creationId="{D2E50873-3ABD-E877-EB14-EB6279F4EA4F}"/>
           </ac:spMkLst>
         </pc:spChg>
       </pc:sldChg>
@@ -1069,30 +1320,6 @@
             <ac:spMk id="9" creationId="{6E9846D3-47A3-2AE6-6383-AB77CC5B517E}"/>
           </ac:spMkLst>
         </pc:spChg>
-        <pc:spChg chg="add del mod">
-          <ac:chgData name="François GLEYZON" userId="a2d04f23f7faf3ef" providerId="LiveId" clId="{8625411A-B743-4065-8137-36E899DC5753}" dt="2025-02-06T23:23:21.923" v="4834" actId="21"/>
-          <ac:spMkLst>
-            <pc:docMk/>
-            <pc:sldMk cId="1966793551" sldId="265"/>
-            <ac:spMk id="10" creationId="{C6304A20-79B7-2C12-19AC-070605972BB4}"/>
-          </ac:spMkLst>
-        </pc:spChg>
-        <pc:spChg chg="add del mod">
-          <ac:chgData name="François GLEYZON" userId="a2d04f23f7faf3ef" providerId="LiveId" clId="{8625411A-B743-4065-8137-36E899DC5753}" dt="2025-02-06T23:23:21.923" v="4834" actId="21"/>
-          <ac:spMkLst>
-            <pc:docMk/>
-            <pc:sldMk cId="1966793551" sldId="265"/>
-            <ac:spMk id="11" creationId="{6C8DEBA5-DA61-1066-6DD5-9ED99B65BDE2}"/>
-          </ac:spMkLst>
-        </pc:spChg>
-        <pc:spChg chg="add del mod">
-          <ac:chgData name="François GLEYZON" userId="a2d04f23f7faf3ef" providerId="LiveId" clId="{8625411A-B743-4065-8137-36E899DC5753}" dt="2025-02-06T23:23:21.923" v="4834" actId="21"/>
-          <ac:spMkLst>
-            <pc:docMk/>
-            <pc:sldMk cId="1966793551" sldId="265"/>
-            <ac:spMk id="12" creationId="{CD555B3B-1273-B030-5A00-48B9923A6D1D}"/>
-          </ac:spMkLst>
-        </pc:spChg>
         <pc:spChg chg="mod">
           <ac:chgData name="François GLEYZON" userId="a2d04f23f7faf3ef" providerId="LiveId" clId="{8625411A-B743-4065-8137-36E899DC5753}" dt="2025-02-06T23:27:21.170" v="5233" actId="1035"/>
           <ac:spMkLst>
@@ -1115,14 +1342,6 @@
             <pc:docMk/>
             <pc:sldMk cId="1966793551" sldId="265"/>
             <ac:spMk id="15" creationId="{7A3EA391-AC61-60F2-E3E1-534BD1D887A1}"/>
-          </ac:spMkLst>
-        </pc:spChg>
-        <pc:spChg chg="add del mod">
-          <ac:chgData name="François GLEYZON" userId="a2d04f23f7faf3ef" providerId="LiveId" clId="{8625411A-B743-4065-8137-36E899DC5753}" dt="2025-02-06T23:23:21.923" v="4834" actId="21"/>
-          <ac:spMkLst>
-            <pc:docMk/>
-            <pc:sldMk cId="1966793551" sldId="265"/>
-            <ac:spMk id="16" creationId="{2DC757D9-32CE-64B4-6E3D-3D217D7E5F46}"/>
           </ac:spMkLst>
         </pc:spChg>
         <pc:spChg chg="mod">
@@ -1157,22 +1376,6 @@
             <ac:spMk id="20" creationId="{0A9073FB-1A65-43D2-A613-9EB3B1169DC4}"/>
           </ac:spMkLst>
         </pc:spChg>
-        <pc:spChg chg="add del mod">
-          <ac:chgData name="François GLEYZON" userId="a2d04f23f7faf3ef" providerId="LiveId" clId="{8625411A-B743-4065-8137-36E899DC5753}" dt="2025-02-06T23:23:21.923" v="4834" actId="21"/>
-          <ac:spMkLst>
-            <pc:docMk/>
-            <pc:sldMk cId="1966793551" sldId="265"/>
-            <ac:spMk id="21" creationId="{3EC77938-36F5-9BEC-0F4B-506822FDA0D7}"/>
-          </ac:spMkLst>
-        </pc:spChg>
-        <pc:spChg chg="add del mod">
-          <ac:chgData name="François GLEYZON" userId="a2d04f23f7faf3ef" providerId="LiveId" clId="{8625411A-B743-4065-8137-36E899DC5753}" dt="2025-02-06T23:23:21.923" v="4834" actId="21"/>
-          <ac:spMkLst>
-            <pc:docMk/>
-            <pc:sldMk cId="1966793551" sldId="265"/>
-            <ac:spMk id="22" creationId="{076029C1-43EB-D64D-D844-7C346AFBB080}"/>
-          </ac:spMkLst>
-        </pc:spChg>
         <pc:spChg chg="add mod">
           <ac:chgData name="François GLEYZON" userId="a2d04f23f7faf3ef" providerId="LiveId" clId="{8625411A-B743-4065-8137-36E899DC5753}" dt="2025-02-06T23:23:51.567" v="5001"/>
           <ac:spMkLst>
@@ -1187,38 +1390,6 @@
             <pc:docMk/>
             <pc:sldMk cId="1966793551" sldId="265"/>
             <ac:spMk id="25" creationId="{B0251520-F500-2B22-A0CF-416CA59E6ED4}"/>
-          </ac:spMkLst>
-        </pc:spChg>
-        <pc:spChg chg="add del mod">
-          <ac:chgData name="François GLEYZON" userId="a2d04f23f7faf3ef" providerId="LiveId" clId="{8625411A-B743-4065-8137-36E899DC5753}" dt="2025-02-06T23:23:21.923" v="4834" actId="21"/>
-          <ac:spMkLst>
-            <pc:docMk/>
-            <pc:sldMk cId="1966793551" sldId="265"/>
-            <ac:spMk id="27" creationId="{07EBCD55-934E-A1D6-843D-1695B2FD8ECB}"/>
-          </ac:spMkLst>
-        </pc:spChg>
-        <pc:spChg chg="add del mod">
-          <ac:chgData name="François GLEYZON" userId="a2d04f23f7faf3ef" providerId="LiveId" clId="{8625411A-B743-4065-8137-36E899DC5753}" dt="2025-02-06T23:23:21.923" v="4834" actId="21"/>
-          <ac:spMkLst>
-            <pc:docMk/>
-            <pc:sldMk cId="1966793551" sldId="265"/>
-            <ac:spMk id="28" creationId="{80F08257-A450-5C04-241D-1002B4DA1E8B}"/>
-          </ac:spMkLst>
-        </pc:spChg>
-        <pc:spChg chg="add del mod">
-          <ac:chgData name="François GLEYZON" userId="a2d04f23f7faf3ef" providerId="LiveId" clId="{8625411A-B743-4065-8137-36E899DC5753}" dt="2025-02-06T23:23:21.923" v="4834" actId="21"/>
-          <ac:spMkLst>
-            <pc:docMk/>
-            <pc:sldMk cId="1966793551" sldId="265"/>
-            <ac:spMk id="30" creationId="{B95AA804-9E2B-DDFF-2C53-F06543210144}"/>
-          </ac:spMkLst>
-        </pc:spChg>
-        <pc:spChg chg="add del mod">
-          <ac:chgData name="François GLEYZON" userId="a2d04f23f7faf3ef" providerId="LiveId" clId="{8625411A-B743-4065-8137-36E899DC5753}" dt="2025-02-06T23:23:21.923" v="4834" actId="21"/>
-          <ac:spMkLst>
-            <pc:docMk/>
-            <pc:sldMk cId="1966793551" sldId="265"/>
-            <ac:spMk id="34" creationId="{FFB0AD25-EAC1-F45C-A5E3-3E651AE94BA5}"/>
           </ac:spMkLst>
         </pc:spChg>
         <pc:spChg chg="add mod">
@@ -1293,14 +1464,6 @@
             <ac:spMk id="45" creationId="{2CEBE47E-F412-B061-1A8F-3A6762027ED1}"/>
           </ac:spMkLst>
         </pc:spChg>
-        <pc:spChg chg="add del mod">
-          <ac:chgData name="François GLEYZON" userId="a2d04f23f7faf3ef" providerId="LiveId" clId="{8625411A-B743-4065-8137-36E899DC5753}" dt="2025-02-06T23:27:08.412" v="5216" actId="478"/>
-          <ac:spMkLst>
-            <pc:docMk/>
-            <pc:sldMk cId="1966793551" sldId="265"/>
-            <ac:spMk id="46" creationId="{82D281DD-11BB-B04D-74F6-81645A554808}"/>
-          </ac:spMkLst>
-        </pc:spChg>
         <pc:spChg chg="add mod">
           <ac:chgData name="François GLEYZON" userId="a2d04f23f7faf3ef" providerId="LiveId" clId="{8625411A-B743-4065-8137-36E899DC5753}" dt="2025-02-06T23:31:07.800" v="5376" actId="20577"/>
           <ac:spMkLst>
@@ -1317,14 +1480,6 @@
             <ac:grpSpMk id="33" creationId="{B0B3F136-5CA0-E7B9-BDC9-436116304C59}"/>
           </ac:grpSpMkLst>
         </pc:grpChg>
-        <pc:picChg chg="add del mod">
-          <ac:chgData name="François GLEYZON" userId="a2d04f23f7faf3ef" providerId="LiveId" clId="{8625411A-B743-4065-8137-36E899DC5753}" dt="2025-02-06T23:27:14.636" v="5227" actId="478"/>
-          <ac:picMkLst>
-            <pc:docMk/>
-            <pc:sldMk cId="1966793551" sldId="265"/>
-            <ac:picMk id="1026" creationId="{BF7984B5-348D-A73D-5C62-785F75285AAE}"/>
-          </ac:picMkLst>
-        </pc:picChg>
         <pc:cxnChg chg="mod">
           <ac:chgData name="François GLEYZON" userId="a2d04f23f7faf3ef" providerId="LiveId" clId="{8625411A-B743-4065-8137-36E899DC5753}" dt="2025-02-06T23:23:54.380" v="5002"/>
           <ac:cxnSpMkLst>
@@ -1357,7 +1512,7 @@
         </pc:sldMkLst>
       </pc:sldChg>
       <pc:sldChg chg="addSp delSp modSp add mod">
-        <pc:chgData name="François GLEYZON" userId="a2d04f23f7faf3ef" providerId="LiveId" clId="{8625411A-B743-4065-8137-36E899DC5753}" dt="2025-02-06T23:31:20.890" v="5380" actId="20577"/>
+        <pc:chgData name="François GLEYZON" userId="a2d04f23f7faf3ef" providerId="LiveId" clId="{8625411A-B743-4065-8137-36E899DC5753}" dt="2025-02-08T17:46:25.224" v="5394" actId="478"/>
         <pc:sldMkLst>
           <pc:docMk/>
           <pc:sldMk cId="3013734229" sldId="266"/>
@@ -1378,14 +1533,6 @@
             <ac:spMk id="5" creationId="{12FC6A74-40DA-DC90-686B-24F2DCFDC298}"/>
           </ac:spMkLst>
         </pc:spChg>
-        <pc:spChg chg="del">
-          <ac:chgData name="François GLEYZON" userId="a2d04f23f7faf3ef" providerId="LiveId" clId="{8625411A-B743-4065-8137-36E899DC5753}" dt="2025-02-05T20:26:42.162" v="3219" actId="478"/>
-          <ac:spMkLst>
-            <pc:docMk/>
-            <pc:sldMk cId="3013734229" sldId="266"/>
-            <ac:spMk id="6" creationId="{72704823-DAA1-96DA-16B2-3345DC0524EB}"/>
-          </ac:spMkLst>
-        </pc:spChg>
         <pc:spChg chg="add mod">
           <ac:chgData name="François GLEYZON" userId="a2d04f23f7faf3ef" providerId="LiveId" clId="{8625411A-B743-4065-8137-36E899DC5753}" dt="2025-02-06T23:31:20.890" v="5380" actId="20577"/>
           <ac:spMkLst>
@@ -1394,92 +1541,12 @@
             <ac:spMk id="6" creationId="{EFF7D163-40AD-E242-C15E-A6E9259FCFCF}"/>
           </ac:spMkLst>
         </pc:spChg>
-        <pc:spChg chg="del">
-          <ac:chgData name="François GLEYZON" userId="a2d04f23f7faf3ef" providerId="LiveId" clId="{8625411A-B743-4065-8137-36E899DC5753}" dt="2025-02-05T20:26:41.427" v="3218" actId="478"/>
-          <ac:spMkLst>
-            <pc:docMk/>
-            <pc:sldMk cId="3013734229" sldId="266"/>
-            <ac:spMk id="7" creationId="{D150CAEF-3C6E-E5FF-5EBD-1EE542B898A0}"/>
-          </ac:spMkLst>
-        </pc:spChg>
-        <pc:spChg chg="del">
-          <ac:chgData name="François GLEYZON" userId="a2d04f23f7faf3ef" providerId="LiveId" clId="{8625411A-B743-4065-8137-36E899DC5753}" dt="2025-02-05T20:26:42.945" v="3220" actId="478"/>
-          <ac:spMkLst>
-            <pc:docMk/>
-            <pc:sldMk cId="3013734229" sldId="266"/>
-            <ac:spMk id="8" creationId="{A445BD4E-5B47-3965-462C-914183428C18}"/>
-          </ac:spMkLst>
-        </pc:spChg>
-        <pc:spChg chg="del">
-          <ac:chgData name="François GLEYZON" userId="a2d04f23f7faf3ef" providerId="LiveId" clId="{8625411A-B743-4065-8137-36E899DC5753}" dt="2025-02-05T20:26:43.550" v="3221" actId="478"/>
-          <ac:spMkLst>
-            <pc:docMk/>
-            <pc:sldMk cId="3013734229" sldId="266"/>
-            <ac:spMk id="9" creationId="{D6683E08-EB92-E268-459D-B23E19229F2A}"/>
-          </ac:spMkLst>
-        </pc:spChg>
-        <pc:spChg chg="del">
-          <ac:chgData name="François GLEYZON" userId="a2d04f23f7faf3ef" providerId="LiveId" clId="{8625411A-B743-4065-8137-36E899DC5753}" dt="2025-02-05T20:26:39.337" v="3216" actId="478"/>
-          <ac:spMkLst>
-            <pc:docMk/>
-            <pc:sldMk cId="3013734229" sldId="266"/>
-            <ac:spMk id="10" creationId="{F36EFEFE-7299-D54F-2543-2B2E5D38E3B6}"/>
-          </ac:spMkLst>
-        </pc:spChg>
-        <pc:spChg chg="del">
-          <ac:chgData name="François GLEYZON" userId="a2d04f23f7faf3ef" providerId="LiveId" clId="{8625411A-B743-4065-8137-36E899DC5753}" dt="2025-02-05T20:26:39.337" v="3216" actId="478"/>
-          <ac:spMkLst>
-            <pc:docMk/>
-            <pc:sldMk cId="3013734229" sldId="266"/>
-            <ac:spMk id="11" creationId="{30D84749-B974-FFB5-855C-130C63444398}"/>
-          </ac:spMkLst>
-        </pc:spChg>
-        <pc:spChg chg="del">
-          <ac:chgData name="François GLEYZON" userId="a2d04f23f7faf3ef" providerId="LiveId" clId="{8625411A-B743-4065-8137-36E899DC5753}" dt="2025-02-05T20:26:39.337" v="3216" actId="478"/>
-          <ac:spMkLst>
-            <pc:docMk/>
-            <pc:sldMk cId="3013734229" sldId="266"/>
-            <ac:spMk id="12" creationId="{72FF2C8E-FBC7-7AF2-9121-8A576330C735}"/>
-          </ac:spMkLst>
-        </pc:spChg>
-        <pc:spChg chg="del">
-          <ac:chgData name="François GLEYZON" userId="a2d04f23f7faf3ef" providerId="LiveId" clId="{8625411A-B743-4065-8137-36E899DC5753}" dt="2025-02-05T20:26:40.563" v="3217" actId="478"/>
-          <ac:spMkLst>
-            <pc:docMk/>
-            <pc:sldMk cId="3013734229" sldId="266"/>
-            <ac:spMk id="13" creationId="{FCC89D96-88C5-E4EA-8BD0-6F88A0BDC02D}"/>
-          </ac:spMkLst>
-        </pc:spChg>
-        <pc:spChg chg="del">
-          <ac:chgData name="François GLEYZON" userId="a2d04f23f7faf3ef" providerId="LiveId" clId="{8625411A-B743-4065-8137-36E899DC5753}" dt="2025-02-05T20:26:39.337" v="3216" actId="478"/>
-          <ac:spMkLst>
-            <pc:docMk/>
-            <pc:sldMk cId="3013734229" sldId="266"/>
-            <ac:spMk id="14" creationId="{DA937CCF-7212-3A21-B2BE-777891DE75E5}"/>
-          </ac:spMkLst>
-        </pc:spChg>
-        <pc:spChg chg="del">
-          <ac:chgData name="François GLEYZON" userId="a2d04f23f7faf3ef" providerId="LiveId" clId="{8625411A-B743-4065-8137-36E899DC5753}" dt="2025-02-05T20:26:39.337" v="3216" actId="478"/>
-          <ac:spMkLst>
-            <pc:docMk/>
-            <pc:sldMk cId="3013734229" sldId="266"/>
-            <ac:spMk id="15" creationId="{5220B5B4-979B-914E-D3C3-0BB0C24DC058}"/>
-          </ac:spMkLst>
-        </pc:spChg>
         <pc:spChg chg="add mod">
           <ac:chgData name="François GLEYZON" userId="a2d04f23f7faf3ef" providerId="LiveId" clId="{8625411A-B743-4065-8137-36E899DC5753}" dt="2025-02-05T20:31:58.439" v="3366" actId="20577"/>
           <ac:spMkLst>
             <pc:docMk/>
             <pc:sldMk cId="3013734229" sldId="266"/>
             <ac:spMk id="16" creationId="{B39967A9-E27A-C14E-CB1A-C73498778C17}"/>
-          </ac:spMkLst>
-        </pc:spChg>
-        <pc:spChg chg="del">
-          <ac:chgData name="François GLEYZON" userId="a2d04f23f7faf3ef" providerId="LiveId" clId="{8625411A-B743-4065-8137-36E899DC5753}" dt="2025-02-05T20:26:39.337" v="3216" actId="478"/>
-          <ac:spMkLst>
-            <pc:docMk/>
-            <pc:sldMk cId="3013734229" sldId="266"/>
-            <ac:spMk id="21" creationId="{82FD970A-53F0-01FB-0613-5BA7B6A48773}"/>
           </ac:spMkLst>
         </pc:spChg>
         <pc:spChg chg="add mod">
@@ -1506,24 +1573,16 @@
             <ac:spMk id="25" creationId="{10BF094A-0B6E-84CD-1409-00B3E540E17B}"/>
           </ac:spMkLst>
         </pc:spChg>
-        <pc:picChg chg="del">
-          <ac:chgData name="François GLEYZON" userId="a2d04f23f7faf3ef" providerId="LiveId" clId="{8625411A-B743-4065-8137-36E899DC5753}" dt="2025-02-05T20:26:39.337" v="3216" actId="478"/>
+        <pc:picChg chg="add mod ord">
+          <ac:chgData name="François GLEYZON" userId="a2d04f23f7faf3ef" providerId="LiveId" clId="{8625411A-B743-4065-8137-36E899DC5753}" dt="2025-02-08T17:46:06.830" v="5393" actId="167"/>
           <ac:picMkLst>
             <pc:docMk/>
             <pc:sldMk cId="3013734229" sldId="266"/>
-            <ac:picMk id="17" creationId="{5F5D2A31-8ED1-5B57-232F-5180D5EC96CE}"/>
+            <ac:picMk id="8" creationId="{F5478F9D-5ACE-798B-6D07-047046B54D1B}"/>
           </ac:picMkLst>
         </pc:picChg>
-        <pc:picChg chg="del">
-          <ac:chgData name="François GLEYZON" userId="a2d04f23f7faf3ef" providerId="LiveId" clId="{8625411A-B743-4065-8137-36E899DC5753}" dt="2025-02-05T20:26:39.337" v="3216" actId="478"/>
-          <ac:picMkLst>
-            <pc:docMk/>
-            <pc:sldMk cId="3013734229" sldId="266"/>
-            <ac:picMk id="19" creationId="{CB2D8999-5D21-2ECC-0566-099933D5369D}"/>
-          </ac:picMkLst>
-        </pc:picChg>
-        <pc:picChg chg="add mod">
-          <ac:chgData name="François GLEYZON" userId="a2d04f23f7faf3ef" providerId="LiveId" clId="{8625411A-B743-4065-8137-36E899DC5753}" dt="2025-02-05T20:32:23.750" v="3371" actId="1076"/>
+        <pc:picChg chg="add del mod">
+          <ac:chgData name="François GLEYZON" userId="a2d04f23f7faf3ef" providerId="LiveId" clId="{8625411A-B743-4065-8137-36E899DC5753}" dt="2025-02-08T17:46:25.224" v="5394" actId="478"/>
           <ac:picMkLst>
             <pc:docMk/>
             <pc:sldMk cId="3013734229" sldId="266"/>
@@ -1537,135 +1596,444 @@
           <pc:docMk/>
           <pc:sldMk cId="2780066755" sldId="267"/>
         </pc:sldMkLst>
-        <pc:spChg chg="add mod">
-          <ac:chgData name="François GLEYZON" userId="a2d04f23f7faf3ef" providerId="LiveId" clId="{8625411A-B743-4065-8137-36E899DC5753}" dt="2025-02-06T23:18:44.534" v="4535"/>
-          <ac:spMkLst>
-            <pc:docMk/>
-            <pc:sldMk cId="2780066755" sldId="267"/>
-            <ac:spMk id="2" creationId="{C6BE0BBC-2C86-178C-D37E-C337DF99C1F5}"/>
-          </ac:spMkLst>
-        </pc:spChg>
-        <pc:spChg chg="add mod">
-          <ac:chgData name="François GLEYZON" userId="a2d04f23f7faf3ef" providerId="LiveId" clId="{8625411A-B743-4065-8137-36E899DC5753}" dt="2025-02-06T23:18:44.534" v="4535"/>
-          <ac:spMkLst>
-            <pc:docMk/>
-            <pc:sldMk cId="2780066755" sldId="267"/>
-            <ac:spMk id="3" creationId="{1B025077-87EC-2E35-8B3D-10F7525473F9}"/>
-          </ac:spMkLst>
-        </pc:spChg>
-        <pc:spChg chg="add mod">
-          <ac:chgData name="François GLEYZON" userId="a2d04f23f7faf3ef" providerId="LiveId" clId="{8625411A-B743-4065-8137-36E899DC5753}" dt="2025-02-06T23:18:44.534" v="4535"/>
-          <ac:spMkLst>
-            <pc:docMk/>
-            <pc:sldMk cId="2780066755" sldId="267"/>
-            <ac:spMk id="4" creationId="{42D160ED-2167-E84D-41BA-AD3A5DF294AD}"/>
-          </ac:spMkLst>
-        </pc:spChg>
-        <pc:spChg chg="add mod">
-          <ac:chgData name="François GLEYZON" userId="a2d04f23f7faf3ef" providerId="LiveId" clId="{8625411A-B743-4065-8137-36E899DC5753}" dt="2025-02-06T23:22:45.665" v="4794" actId="14100"/>
-          <ac:spMkLst>
-            <pc:docMk/>
-            <pc:sldMk cId="2780066755" sldId="267"/>
-            <ac:spMk id="5" creationId="{94CFFBCC-DCA2-EA58-5BAC-1951737F06D2}"/>
-          </ac:spMkLst>
-        </pc:spChg>
-        <pc:spChg chg="add mod">
-          <ac:chgData name="François GLEYZON" userId="a2d04f23f7faf3ef" providerId="LiveId" clId="{8625411A-B743-4065-8137-36E899DC5753}" dt="2025-02-06T23:22:54.705" v="4798" actId="164"/>
-          <ac:spMkLst>
-            <pc:docMk/>
-            <pc:sldMk cId="2780066755" sldId="267"/>
-            <ac:spMk id="6" creationId="{17FC6D49-A6A4-8CB8-A463-30C7B133A9CA}"/>
-          </ac:spMkLst>
-        </pc:spChg>
-        <pc:spChg chg="add mod">
-          <ac:chgData name="François GLEYZON" userId="a2d04f23f7faf3ef" providerId="LiveId" clId="{8625411A-B743-4065-8137-36E899DC5753}" dt="2025-02-06T23:22:54.705" v="4798" actId="164"/>
-          <ac:spMkLst>
-            <pc:docMk/>
-            <pc:sldMk cId="2780066755" sldId="267"/>
-            <ac:spMk id="7" creationId="{48D743A2-44D3-CB63-5C6E-F989FEAF4F89}"/>
-          </ac:spMkLst>
-        </pc:spChg>
-        <pc:spChg chg="add mod">
-          <ac:chgData name="François GLEYZON" userId="a2d04f23f7faf3ef" providerId="LiveId" clId="{8625411A-B743-4065-8137-36E899DC5753}" dt="2025-02-06T23:22:54.705" v="4798" actId="164"/>
-          <ac:spMkLst>
-            <pc:docMk/>
-            <pc:sldMk cId="2780066755" sldId="267"/>
-            <ac:spMk id="8" creationId="{D505ACD3-3F93-8CFF-C0A3-49526BB48C46}"/>
-          </ac:spMkLst>
-        </pc:spChg>
-        <pc:spChg chg="add mod">
-          <ac:chgData name="François GLEYZON" userId="a2d04f23f7faf3ef" providerId="LiveId" clId="{8625411A-B743-4065-8137-36E899DC5753}" dt="2025-02-06T23:22:54.705" v="4798" actId="164"/>
-          <ac:spMkLst>
-            <pc:docMk/>
-            <pc:sldMk cId="2780066755" sldId="267"/>
-            <ac:spMk id="9" creationId="{B213C6D9-7040-BC24-2F64-DCD4CABA86DB}"/>
-          </ac:spMkLst>
-        </pc:spChg>
-        <pc:spChg chg="add mod">
-          <ac:chgData name="François GLEYZON" userId="a2d04f23f7faf3ef" providerId="LiveId" clId="{8625411A-B743-4065-8137-36E899DC5753}" dt="2025-02-06T23:22:43.848" v="4793" actId="14100"/>
-          <ac:spMkLst>
-            <pc:docMk/>
-            <pc:sldMk cId="2780066755" sldId="267"/>
-            <ac:spMk id="15" creationId="{3E97702F-A618-83AC-F602-9AE0E184FFDD}"/>
-          </ac:spMkLst>
-        </pc:spChg>
-        <pc:grpChg chg="add mod">
-          <ac:chgData name="François GLEYZON" userId="a2d04f23f7faf3ef" providerId="LiveId" clId="{8625411A-B743-4065-8137-36E899DC5753}" dt="2025-02-06T23:22:54.705" v="4798" actId="164"/>
-          <ac:grpSpMkLst>
-            <pc:docMk/>
-            <pc:sldMk cId="2780066755" sldId="267"/>
-            <ac:grpSpMk id="16" creationId="{A41FB1BE-2848-7E35-63FC-EFE9F3E8759A}"/>
-          </ac:grpSpMkLst>
-        </pc:grpChg>
-        <pc:cxnChg chg="add mod">
-          <ac:chgData name="François GLEYZON" userId="a2d04f23f7faf3ef" providerId="LiveId" clId="{8625411A-B743-4065-8137-36E899DC5753}" dt="2025-02-06T23:22:54.705" v="4798" actId="164"/>
-          <ac:cxnSpMkLst>
-            <pc:docMk/>
-            <pc:sldMk cId="2780066755" sldId="267"/>
-            <ac:cxnSpMk id="11" creationId="{6C7E8442-8AF1-F91B-B84F-1A11711D45F0}"/>
-          </ac:cxnSpMkLst>
-        </pc:cxnChg>
-        <pc:cxnChg chg="add mod">
-          <ac:chgData name="François GLEYZON" userId="a2d04f23f7faf3ef" providerId="LiveId" clId="{8625411A-B743-4065-8137-36E899DC5753}" dt="2025-02-06T23:22:54.705" v="4798" actId="164"/>
-          <ac:cxnSpMkLst>
-            <pc:docMk/>
-            <pc:sldMk cId="2780066755" sldId="267"/>
-            <ac:cxnSpMk id="12" creationId="{5FDE3879-FF0D-AA51-8D50-FC344C71D5CB}"/>
-          </ac:cxnSpMkLst>
-        </pc:cxnChg>
       </pc:sldChg>
     </pc:docChg>
   </pc:docChgLst>
 </pc:chgInfo>
 </file>
 
-<file path=ppt/ink/ink1.xml><?xml version="1.0" encoding="utf-8"?>
-<inkml:ink xmlns:inkml="http://www.w3.org/2003/InkML">
-  <inkml:definitions>
-    <inkml:context xml:id="ctx0">
-      <inkml:inkSource xml:id="inkSrc0">
-        <inkml:traceFormat>
-          <inkml:channel name="X" type="integer" min="-2.14748E9" max="2.14748E9" units="cm"/>
-          <inkml:channel name="Y" type="integer" min="-2.14748E9" max="2.14748E9" units="cm"/>
-        </inkml:traceFormat>
-        <inkml:channelProperties>
-          <inkml:channelProperty channel="X" name="resolution" value="1000" units="1/cm"/>
-          <inkml:channelProperty channel="Y" name="resolution" value="1000" units="1/cm"/>
-        </inkml:channelProperties>
-      </inkml:inkSource>
-      <inkml:timestamp xml:id="ts0" timeString="2025-02-07T01:29:35.352"/>
-    </inkml:context>
-    <inkml:brush xml:id="br0">
-      <inkml:brushProperty name="width" value="0.3" units="cm"/>
-      <inkml:brushProperty name="height" value="0.6" units="cm"/>
-      <inkml:brushProperty name="color" value="#FFFC00"/>
-      <inkml:brushProperty name="tip" value="rectangle"/>
-      <inkml:brushProperty name="rasterOp" value="maskPen"/>
-      <inkml:brushProperty name="ignorePressure" value="1"/>
-    </inkml:brush>
-  </inkml:definitions>
-  <inkml:trace contextRef="#ctx0" brushRef="#br0">6 196,'-4'0,"2"0,16-5,24-1,48-9,55-7,50-4,58 2,56 6,37-4,6 2,-32 4,-52 5,-57 4,-63 4</inkml:trace>
-</inkml:ink>
+<file path=ppt/notesMasters/notesMaster1.xml><?xml version="1.0" encoding="utf-8"?>
+<p:notesMaster xmlns:a="http://schemas.openxmlformats.org/drawingml/2006/main" xmlns:r="http://schemas.openxmlformats.org/officeDocument/2006/relationships" xmlns:p="http://schemas.openxmlformats.org/presentationml/2006/main">
+  <p:cSld>
+    <p:bg>
+      <p:bgRef idx="1001">
+        <a:schemeClr val="bg1"/>
+      </p:bgRef>
+    </p:bg>
+    <p:spTree>
+      <p:nvGrpSpPr>
+        <p:cNvPr id="1" name=""/>
+        <p:cNvGrpSpPr/>
+        <p:nvPr/>
+      </p:nvGrpSpPr>
+      <p:grpSpPr>
+        <a:xfrm>
+          <a:off x="0" y="0"/>
+          <a:ext cx="0" cy="0"/>
+          <a:chOff x="0" y="0"/>
+          <a:chExt cx="0" cy="0"/>
+        </a:xfrm>
+      </p:grpSpPr>
+      <p:sp>
+        <p:nvSpPr>
+          <p:cNvPr id="2" name="Header Placeholder 1"/>
+          <p:cNvSpPr>
+            <a:spLocks noGrp="1"/>
+          </p:cNvSpPr>
+          <p:nvPr>
+            <p:ph type="hdr" sz="quarter"/>
+          </p:nvPr>
+        </p:nvSpPr>
+        <p:spPr>
+          <a:xfrm>
+            <a:off x="0" y="0"/>
+            <a:ext cx="2971800" cy="458788"/>
+          </a:xfrm>
+          <a:prstGeom prst="rect">
+            <a:avLst/>
+          </a:prstGeom>
+        </p:spPr>
+        <p:txBody>
+          <a:bodyPr vert="horz" lIns="91440" tIns="45720" rIns="91440" bIns="45720" rtlCol="0"/>
+          <a:lstStyle>
+            <a:lvl1pPr algn="l">
+              <a:defRPr sz="1200"/>
+            </a:lvl1pPr>
+          </a:lstStyle>
+          <a:p>
+            <a:endParaRPr lang="en-GB"/>
+          </a:p>
+        </p:txBody>
+      </p:sp>
+      <p:sp>
+        <p:nvSpPr>
+          <p:cNvPr id="3" name="Date Placeholder 2"/>
+          <p:cNvSpPr>
+            <a:spLocks noGrp="1"/>
+          </p:cNvSpPr>
+          <p:nvPr>
+            <p:ph type="dt" idx="1"/>
+          </p:nvPr>
+        </p:nvSpPr>
+        <p:spPr>
+          <a:xfrm>
+            <a:off x="3884613" y="0"/>
+            <a:ext cx="2971800" cy="458788"/>
+          </a:xfrm>
+          <a:prstGeom prst="rect">
+            <a:avLst/>
+          </a:prstGeom>
+        </p:spPr>
+        <p:txBody>
+          <a:bodyPr vert="horz" lIns="91440" tIns="45720" rIns="91440" bIns="45720" rtlCol="0"/>
+          <a:lstStyle>
+            <a:lvl1pPr algn="r">
+              <a:defRPr sz="1200"/>
+            </a:lvl1pPr>
+          </a:lstStyle>
+          <a:p>
+            <a:fld id="{536D1BE0-9163-4941-8556-7FE0B29195A4}" type="datetimeFigureOut">
+              <a:rPr lang="en-GB" smtClean="0"/>
+              <a:t>08/02/2025</a:t>
+            </a:fld>
+            <a:endParaRPr lang="en-GB"/>
+          </a:p>
+        </p:txBody>
+      </p:sp>
+      <p:sp>
+        <p:nvSpPr>
+          <p:cNvPr id="4" name="Slide Image Placeholder 3"/>
+          <p:cNvSpPr>
+            <a:spLocks noGrp="1" noRot="1" noChangeAspect="1"/>
+          </p:cNvSpPr>
+          <p:nvPr>
+            <p:ph type="sldImg" idx="2"/>
+          </p:nvPr>
+        </p:nvSpPr>
+        <p:spPr>
+          <a:xfrm>
+            <a:off x="685800" y="1143000"/>
+            <a:ext cx="5486400" cy="3086100"/>
+          </a:xfrm>
+          <a:prstGeom prst="rect">
+            <a:avLst/>
+          </a:prstGeom>
+          <a:noFill/>
+          <a:ln w="12700">
+            <a:solidFill>
+              <a:prstClr val="black"/>
+            </a:solidFill>
+          </a:ln>
+        </p:spPr>
+        <p:txBody>
+          <a:bodyPr vert="horz" lIns="91440" tIns="45720" rIns="91440" bIns="45720" rtlCol="0" anchor="ctr"/>
+          <a:lstStyle/>
+          <a:p>
+            <a:endParaRPr lang="en-GB"/>
+          </a:p>
+        </p:txBody>
+      </p:sp>
+      <p:sp>
+        <p:nvSpPr>
+          <p:cNvPr id="5" name="Notes Placeholder 4"/>
+          <p:cNvSpPr>
+            <a:spLocks noGrp="1"/>
+          </p:cNvSpPr>
+          <p:nvPr>
+            <p:ph type="body" sz="quarter" idx="3"/>
+          </p:nvPr>
+        </p:nvSpPr>
+        <p:spPr>
+          <a:xfrm>
+            <a:off x="685800" y="4400550"/>
+            <a:ext cx="5486400" cy="3600450"/>
+          </a:xfrm>
+          <a:prstGeom prst="rect">
+            <a:avLst/>
+          </a:prstGeom>
+        </p:spPr>
+        <p:txBody>
+          <a:bodyPr vert="horz" lIns="91440" tIns="45720" rIns="91440" bIns="45720" rtlCol="0"/>
+          <a:lstStyle/>
+          <a:p>
+            <a:pPr lvl="0"/>
+            <a:r>
+              <a:rPr lang="en-US"/>
+              <a:t>Click to edit Master text styles</a:t>
+            </a:r>
+          </a:p>
+          <a:p>
+            <a:pPr lvl="1"/>
+            <a:r>
+              <a:rPr lang="en-US"/>
+              <a:t>Second level</a:t>
+            </a:r>
+          </a:p>
+          <a:p>
+            <a:pPr lvl="2"/>
+            <a:r>
+              <a:rPr lang="en-US"/>
+              <a:t>Third level</a:t>
+            </a:r>
+          </a:p>
+          <a:p>
+            <a:pPr lvl="3"/>
+            <a:r>
+              <a:rPr lang="en-US"/>
+              <a:t>Fourth level</a:t>
+            </a:r>
+          </a:p>
+          <a:p>
+            <a:pPr lvl="4"/>
+            <a:r>
+              <a:rPr lang="en-US"/>
+              <a:t>Fifth level</a:t>
+            </a:r>
+            <a:endParaRPr lang="en-GB"/>
+          </a:p>
+        </p:txBody>
+      </p:sp>
+      <p:sp>
+        <p:nvSpPr>
+          <p:cNvPr id="6" name="Footer Placeholder 5"/>
+          <p:cNvSpPr>
+            <a:spLocks noGrp="1"/>
+          </p:cNvSpPr>
+          <p:nvPr>
+            <p:ph type="ftr" sz="quarter" idx="4"/>
+          </p:nvPr>
+        </p:nvSpPr>
+        <p:spPr>
+          <a:xfrm>
+            <a:off x="0" y="8685213"/>
+            <a:ext cx="2971800" cy="458787"/>
+          </a:xfrm>
+          <a:prstGeom prst="rect">
+            <a:avLst/>
+          </a:prstGeom>
+        </p:spPr>
+        <p:txBody>
+          <a:bodyPr vert="horz" lIns="91440" tIns="45720" rIns="91440" bIns="45720" rtlCol="0" anchor="b"/>
+          <a:lstStyle>
+            <a:lvl1pPr algn="l">
+              <a:defRPr sz="1200"/>
+            </a:lvl1pPr>
+          </a:lstStyle>
+          <a:p>
+            <a:endParaRPr lang="en-GB"/>
+          </a:p>
+        </p:txBody>
+      </p:sp>
+      <p:sp>
+        <p:nvSpPr>
+          <p:cNvPr id="7" name="Slide Number Placeholder 6"/>
+          <p:cNvSpPr>
+            <a:spLocks noGrp="1"/>
+          </p:cNvSpPr>
+          <p:nvPr>
+            <p:ph type="sldNum" sz="quarter" idx="5"/>
+          </p:nvPr>
+        </p:nvSpPr>
+        <p:spPr>
+          <a:xfrm>
+            <a:off x="3884613" y="8685213"/>
+            <a:ext cx="2971800" cy="458787"/>
+          </a:xfrm>
+          <a:prstGeom prst="rect">
+            <a:avLst/>
+          </a:prstGeom>
+        </p:spPr>
+        <p:txBody>
+          <a:bodyPr vert="horz" lIns="91440" tIns="45720" rIns="91440" bIns="45720" rtlCol="0" anchor="b"/>
+          <a:lstStyle>
+            <a:lvl1pPr algn="r">
+              <a:defRPr sz="1200"/>
+            </a:lvl1pPr>
+          </a:lstStyle>
+          <a:p>
+            <a:fld id="{6CA8F5A3-1210-481E-B98C-38D1ADA5BAE1}" type="slidenum">
+              <a:rPr lang="en-GB" smtClean="0"/>
+              <a:t>‹#›</a:t>
+            </a:fld>
+            <a:endParaRPr lang="en-GB"/>
+          </a:p>
+        </p:txBody>
+      </p:sp>
+    </p:spTree>
+    <p:extLst>
+      <p:ext uri="{BB962C8B-B14F-4D97-AF65-F5344CB8AC3E}">
+        <p14:creationId xmlns:p14="http://schemas.microsoft.com/office/powerpoint/2010/main" val="3743971630"/>
+      </p:ext>
+    </p:extLst>
+  </p:cSld>
+  <p:clrMap bg1="lt1" tx1="dk1" bg2="lt2" tx2="dk2" accent1="accent1" accent2="accent2" accent3="accent3" accent4="accent4" accent5="accent5" accent6="accent6" hlink="hlink" folHlink="folHlink"/>
+  <p:notesStyle>
+    <a:lvl1pPr marL="0" algn="l" defTabSz="914400" rtl="0" eaLnBrk="1" latinLnBrk="0" hangingPunct="1">
+      <a:defRPr sz="1200" kern="1200">
+        <a:solidFill>
+          <a:schemeClr val="tx1"/>
+        </a:solidFill>
+        <a:latin typeface="+mn-lt"/>
+        <a:ea typeface="+mn-ea"/>
+        <a:cs typeface="+mn-cs"/>
+      </a:defRPr>
+    </a:lvl1pPr>
+    <a:lvl2pPr marL="457200" algn="l" defTabSz="914400" rtl="0" eaLnBrk="1" latinLnBrk="0" hangingPunct="1">
+      <a:defRPr sz="1200" kern="1200">
+        <a:solidFill>
+          <a:schemeClr val="tx1"/>
+        </a:solidFill>
+        <a:latin typeface="+mn-lt"/>
+        <a:ea typeface="+mn-ea"/>
+        <a:cs typeface="+mn-cs"/>
+      </a:defRPr>
+    </a:lvl2pPr>
+    <a:lvl3pPr marL="914400" algn="l" defTabSz="914400" rtl="0" eaLnBrk="1" latinLnBrk="0" hangingPunct="1">
+      <a:defRPr sz="1200" kern="1200">
+        <a:solidFill>
+          <a:schemeClr val="tx1"/>
+        </a:solidFill>
+        <a:latin typeface="+mn-lt"/>
+        <a:ea typeface="+mn-ea"/>
+        <a:cs typeface="+mn-cs"/>
+      </a:defRPr>
+    </a:lvl3pPr>
+    <a:lvl4pPr marL="1371600" algn="l" defTabSz="914400" rtl="0" eaLnBrk="1" latinLnBrk="0" hangingPunct="1">
+      <a:defRPr sz="1200" kern="1200">
+        <a:solidFill>
+          <a:schemeClr val="tx1"/>
+        </a:solidFill>
+        <a:latin typeface="+mn-lt"/>
+        <a:ea typeface="+mn-ea"/>
+        <a:cs typeface="+mn-cs"/>
+      </a:defRPr>
+    </a:lvl4pPr>
+    <a:lvl5pPr marL="1828800" algn="l" defTabSz="914400" rtl="0" eaLnBrk="1" latinLnBrk="0" hangingPunct="1">
+      <a:defRPr sz="1200" kern="1200">
+        <a:solidFill>
+          <a:schemeClr val="tx1"/>
+        </a:solidFill>
+        <a:latin typeface="+mn-lt"/>
+        <a:ea typeface="+mn-ea"/>
+        <a:cs typeface="+mn-cs"/>
+      </a:defRPr>
+    </a:lvl5pPr>
+    <a:lvl6pPr marL="2286000" algn="l" defTabSz="914400" rtl="0" eaLnBrk="1" latinLnBrk="0" hangingPunct="1">
+      <a:defRPr sz="1200" kern="1200">
+        <a:solidFill>
+          <a:schemeClr val="tx1"/>
+        </a:solidFill>
+        <a:latin typeface="+mn-lt"/>
+        <a:ea typeface="+mn-ea"/>
+        <a:cs typeface="+mn-cs"/>
+      </a:defRPr>
+    </a:lvl6pPr>
+    <a:lvl7pPr marL="2743200" algn="l" defTabSz="914400" rtl="0" eaLnBrk="1" latinLnBrk="0" hangingPunct="1">
+      <a:defRPr sz="1200" kern="1200">
+        <a:solidFill>
+          <a:schemeClr val="tx1"/>
+        </a:solidFill>
+        <a:latin typeface="+mn-lt"/>
+        <a:ea typeface="+mn-ea"/>
+        <a:cs typeface="+mn-cs"/>
+      </a:defRPr>
+    </a:lvl7pPr>
+    <a:lvl8pPr marL="3200400" algn="l" defTabSz="914400" rtl="0" eaLnBrk="1" latinLnBrk="0" hangingPunct="1">
+      <a:defRPr sz="1200" kern="1200">
+        <a:solidFill>
+          <a:schemeClr val="tx1"/>
+        </a:solidFill>
+        <a:latin typeface="+mn-lt"/>
+        <a:ea typeface="+mn-ea"/>
+        <a:cs typeface="+mn-cs"/>
+      </a:defRPr>
+    </a:lvl8pPr>
+    <a:lvl9pPr marL="3657600" algn="l" defTabSz="914400" rtl="0" eaLnBrk="1" latinLnBrk="0" hangingPunct="1">
+      <a:defRPr sz="1200" kern="1200">
+        <a:solidFill>
+          <a:schemeClr val="tx1"/>
+        </a:solidFill>
+        <a:latin typeface="+mn-lt"/>
+        <a:ea typeface="+mn-ea"/>
+        <a:cs typeface="+mn-cs"/>
+      </a:defRPr>
+    </a:lvl9pPr>
+  </p:notesStyle>
+</p:notesMaster>
+</file>
+
+<file path=ppt/notesSlides/notesSlide1.xml><?xml version="1.0" encoding="utf-8"?>
+<p:notes xmlns:a="http://schemas.openxmlformats.org/drawingml/2006/main" xmlns:r="http://schemas.openxmlformats.org/officeDocument/2006/relationships" xmlns:p="http://schemas.openxmlformats.org/presentationml/2006/main">
+  <p:cSld>
+    <p:spTree>
+      <p:nvGrpSpPr>
+        <p:cNvPr id="1" name=""/>
+        <p:cNvGrpSpPr/>
+        <p:nvPr/>
+      </p:nvGrpSpPr>
+      <p:grpSpPr>
+        <a:xfrm>
+          <a:off x="0" y="0"/>
+          <a:ext cx="0" cy="0"/>
+          <a:chOff x="0" y="0"/>
+          <a:chExt cx="0" cy="0"/>
+        </a:xfrm>
+      </p:grpSpPr>
+      <p:sp>
+        <p:nvSpPr>
+          <p:cNvPr id="2" name="Slide Image Placeholder 1"/>
+          <p:cNvSpPr>
+            <a:spLocks noGrp="1" noRot="1" noChangeAspect="1"/>
+          </p:cNvSpPr>
+          <p:nvPr>
+            <p:ph type="sldImg"/>
+          </p:nvPr>
+        </p:nvSpPr>
+        <p:spPr/>
+      </p:sp>
+      <p:sp>
+        <p:nvSpPr>
+          <p:cNvPr id="3" name="Notes Placeholder 2"/>
+          <p:cNvSpPr>
+            <a:spLocks noGrp="1"/>
+          </p:cNvSpPr>
+          <p:nvPr>
+            <p:ph type="body" idx="1"/>
+          </p:nvPr>
+        </p:nvSpPr>
+        <p:spPr/>
+        <p:txBody>
+          <a:bodyPr/>
+          <a:lstStyle/>
+          <a:p>
+            <a:endParaRPr lang="en-GB" dirty="0"/>
+          </a:p>
+        </p:txBody>
+      </p:sp>
+      <p:sp>
+        <p:nvSpPr>
+          <p:cNvPr id="4" name="Slide Number Placeholder 3"/>
+          <p:cNvSpPr>
+            <a:spLocks noGrp="1"/>
+          </p:cNvSpPr>
+          <p:nvPr>
+            <p:ph type="sldNum" sz="quarter" idx="5"/>
+          </p:nvPr>
+        </p:nvSpPr>
+        <p:spPr/>
+        <p:txBody>
+          <a:bodyPr/>
+          <a:lstStyle/>
+          <a:p>
+            <a:fld id="{6CA8F5A3-1210-481E-B98C-38D1ADA5BAE1}" type="slidenum">
+              <a:rPr lang="en-GB" smtClean="0"/>
+              <a:t>9</a:t>
+            </a:fld>
+            <a:endParaRPr lang="en-GB"/>
+          </a:p>
+        </p:txBody>
+      </p:sp>
+    </p:spTree>
+    <p:extLst>
+      <p:ext uri="{BB962C8B-B14F-4D97-AF65-F5344CB8AC3E}">
+        <p14:creationId xmlns:p14="http://schemas.microsoft.com/office/powerpoint/2010/main" val="1502807452"/>
+      </p:ext>
+    </p:extLst>
+  </p:cSld>
+  <p:clrMapOvr>
+    <a:masterClrMapping/>
+  </p:clrMapOvr>
+</p:notes>
 </file>
 
 <file path=ppt/slideLayouts/slideLayout1.xml><?xml version="1.0" encoding="utf-8"?>
@@ -1817,7 +2185,7 @@
           <a:p>
             <a:fld id="{CEFDEF93-0E3A-4A89-BC16-F38BAE82060D}" type="datetimeFigureOut">
               <a:rPr lang="en-GB" smtClean="0"/>
-              <a:t>06/02/2025</a:t>
+              <a:t>08/02/2025</a:t>
             </a:fld>
             <a:endParaRPr lang="en-GB"/>
           </a:p>
@@ -2017,7 +2385,7 @@
           <a:p>
             <a:fld id="{CEFDEF93-0E3A-4A89-BC16-F38BAE82060D}" type="datetimeFigureOut">
               <a:rPr lang="en-GB" smtClean="0"/>
-              <a:t>06/02/2025</a:t>
+              <a:t>08/02/2025</a:t>
             </a:fld>
             <a:endParaRPr lang="en-GB"/>
           </a:p>
@@ -2227,7 +2595,7 @@
           <a:p>
             <a:fld id="{CEFDEF93-0E3A-4A89-BC16-F38BAE82060D}" type="datetimeFigureOut">
               <a:rPr lang="en-GB" smtClean="0"/>
-              <a:t>06/02/2025</a:t>
+              <a:t>08/02/2025</a:t>
             </a:fld>
             <a:endParaRPr lang="en-GB"/>
           </a:p>
@@ -2427,7 +2795,7 @@
           <a:p>
             <a:fld id="{CEFDEF93-0E3A-4A89-BC16-F38BAE82060D}" type="datetimeFigureOut">
               <a:rPr lang="en-GB" smtClean="0"/>
-              <a:t>06/02/2025</a:t>
+              <a:t>08/02/2025</a:t>
             </a:fld>
             <a:endParaRPr lang="en-GB"/>
           </a:p>
@@ -2703,7 +3071,7 @@
           <a:p>
             <a:fld id="{CEFDEF93-0E3A-4A89-BC16-F38BAE82060D}" type="datetimeFigureOut">
               <a:rPr lang="en-GB" smtClean="0"/>
-              <a:t>06/02/2025</a:t>
+              <a:t>08/02/2025</a:t>
             </a:fld>
             <a:endParaRPr lang="en-GB"/>
           </a:p>
@@ -2971,7 +3339,7 @@
           <a:p>
             <a:fld id="{CEFDEF93-0E3A-4A89-BC16-F38BAE82060D}" type="datetimeFigureOut">
               <a:rPr lang="en-GB" smtClean="0"/>
-              <a:t>06/02/2025</a:t>
+              <a:t>08/02/2025</a:t>
             </a:fld>
             <a:endParaRPr lang="en-GB"/>
           </a:p>
@@ -3386,7 +3754,7 @@
           <a:p>
             <a:fld id="{CEFDEF93-0E3A-4A89-BC16-F38BAE82060D}" type="datetimeFigureOut">
               <a:rPr lang="en-GB" smtClean="0"/>
-              <a:t>06/02/2025</a:t>
+              <a:t>08/02/2025</a:t>
             </a:fld>
             <a:endParaRPr lang="en-GB"/>
           </a:p>
@@ -3528,7 +3896,7 @@
           <a:p>
             <a:fld id="{CEFDEF93-0E3A-4A89-BC16-F38BAE82060D}" type="datetimeFigureOut">
               <a:rPr lang="en-GB" smtClean="0"/>
-              <a:t>06/02/2025</a:t>
+              <a:t>08/02/2025</a:t>
             </a:fld>
             <a:endParaRPr lang="en-GB"/>
           </a:p>
@@ -3641,7 +4009,7 @@
           <a:p>
             <a:fld id="{CEFDEF93-0E3A-4A89-BC16-F38BAE82060D}" type="datetimeFigureOut">
               <a:rPr lang="en-GB" smtClean="0"/>
-              <a:t>06/02/2025</a:t>
+              <a:t>08/02/2025</a:t>
             </a:fld>
             <a:endParaRPr lang="en-GB"/>
           </a:p>
@@ -3954,7 +4322,7 @@
           <a:p>
             <a:fld id="{CEFDEF93-0E3A-4A89-BC16-F38BAE82060D}" type="datetimeFigureOut">
               <a:rPr lang="en-GB" smtClean="0"/>
-              <a:t>06/02/2025</a:t>
+              <a:t>08/02/2025</a:t>
             </a:fld>
             <a:endParaRPr lang="en-GB"/>
           </a:p>
@@ -4243,7 +4611,7 @@
           <a:p>
             <a:fld id="{CEFDEF93-0E3A-4A89-BC16-F38BAE82060D}" type="datetimeFigureOut">
               <a:rPr lang="en-GB" smtClean="0"/>
-              <a:t>06/02/2025</a:t>
+              <a:t>08/02/2025</a:t>
             </a:fld>
             <a:endParaRPr lang="en-GB"/>
           </a:p>
@@ -4486,7 +4854,7 @@
           <a:p>
             <a:fld id="{CEFDEF93-0E3A-4A89-BC16-F38BAE82060D}" type="datetimeFigureOut">
               <a:rPr lang="en-GB" smtClean="0"/>
-              <a:t>06/02/2025</a:t>
+              <a:t>08/02/2025</a:t>
             </a:fld>
             <a:endParaRPr lang="en-GB"/>
           </a:p>
@@ -5206,6 +5574,265 @@
           </a:p>
         </p:txBody>
       </p:sp>
+      <p:sp>
+        <p:nvSpPr>
+          <p:cNvPr id="4" name="TextBox 3">
+            <a:extLst>
+              <a:ext uri="{FF2B5EF4-FFF2-40B4-BE49-F238E27FC236}">
+                <a16:creationId xmlns:a16="http://schemas.microsoft.com/office/drawing/2014/main" id="{95E7F9AA-F423-8939-0562-C60D980C1651}"/>
+              </a:ext>
+            </a:extLst>
+          </p:cNvPr>
+          <p:cNvSpPr txBox="1"/>
+          <p:nvPr/>
+        </p:nvSpPr>
+        <p:spPr>
+          <a:xfrm>
+            <a:off x="1231701" y="2016002"/>
+            <a:ext cx="9728598" cy="584775"/>
+          </a:xfrm>
+          <a:prstGeom prst="rect">
+            <a:avLst/>
+          </a:prstGeom>
+          <a:noFill/>
+        </p:spPr>
+        <p:txBody>
+          <a:bodyPr wrap="square" rtlCol="0">
+            <a:spAutoFit/>
+          </a:bodyPr>
+          <a:lstStyle/>
+          <a:p>
+            <a:pPr algn="ctr"/>
+            <a:r>
+              <a:rPr lang="fr-FR" sz="3200" b="1" dirty="0">
+                <a:latin typeface="Times New Roman" panose="02020603050405020304" pitchFamily="18" charset="0"/>
+                <a:cs typeface="Times New Roman" panose="02020603050405020304" pitchFamily="18" charset="0"/>
+              </a:rPr>
+              <a:t>MEC8211 - Vérif. et </a:t>
+            </a:r>
+            <a:r>
+              <a:rPr lang="fr-FR" sz="3200" b="1" dirty="0" err="1">
+                <a:latin typeface="Times New Roman" panose="02020603050405020304" pitchFamily="18" charset="0"/>
+                <a:cs typeface="Times New Roman" panose="02020603050405020304" pitchFamily="18" charset="0"/>
+              </a:rPr>
+              <a:t>valid</a:t>
+            </a:r>
+            <a:r>
+              <a:rPr lang="fr-FR" sz="3200" b="1" dirty="0">
+                <a:latin typeface="Times New Roman" panose="02020603050405020304" pitchFamily="18" charset="0"/>
+                <a:cs typeface="Times New Roman" panose="02020603050405020304" pitchFamily="18" charset="0"/>
+              </a:rPr>
+              <a:t>. en modélisation numérique</a:t>
+            </a:r>
+            <a:endParaRPr lang="en-GB" sz="3200" b="1" dirty="0">
+              <a:latin typeface="Times New Roman" panose="02020603050405020304" pitchFamily="18" charset="0"/>
+              <a:cs typeface="Times New Roman" panose="02020603050405020304" pitchFamily="18" charset="0"/>
+            </a:endParaRPr>
+          </a:p>
+        </p:txBody>
+      </p:sp>
+      <p:sp>
+        <p:nvSpPr>
+          <p:cNvPr id="5" name="TextBox 4">
+            <a:extLst>
+              <a:ext uri="{FF2B5EF4-FFF2-40B4-BE49-F238E27FC236}">
+                <a16:creationId xmlns:a16="http://schemas.microsoft.com/office/drawing/2014/main" id="{CCB64622-7D99-EF9C-E64A-6B7A68B130E7}"/>
+              </a:ext>
+            </a:extLst>
+          </p:cNvPr>
+          <p:cNvSpPr txBox="1"/>
+          <p:nvPr/>
+        </p:nvSpPr>
+        <p:spPr>
+          <a:xfrm>
+            <a:off x="1231701" y="2939854"/>
+            <a:ext cx="9728598" cy="584775"/>
+          </a:xfrm>
+          <a:prstGeom prst="rect">
+            <a:avLst/>
+          </a:prstGeom>
+          <a:noFill/>
+        </p:spPr>
+        <p:txBody>
+          <a:bodyPr wrap="square" rtlCol="0">
+            <a:spAutoFit/>
+          </a:bodyPr>
+          <a:lstStyle/>
+          <a:p>
+            <a:pPr algn="ctr"/>
+            <a:r>
+              <a:rPr lang="fr-FR" sz="3200" b="1" dirty="0">
+                <a:latin typeface="Times New Roman" panose="02020603050405020304" pitchFamily="18" charset="0"/>
+                <a:cs typeface="Times New Roman" panose="02020603050405020304" pitchFamily="18" charset="0"/>
+              </a:rPr>
+              <a:t>Devoir 1</a:t>
+            </a:r>
+            <a:endParaRPr lang="en-GB" sz="3200" b="1" dirty="0">
+              <a:latin typeface="Times New Roman" panose="02020603050405020304" pitchFamily="18" charset="0"/>
+              <a:cs typeface="Times New Roman" panose="02020603050405020304" pitchFamily="18" charset="0"/>
+            </a:endParaRPr>
+          </a:p>
+        </p:txBody>
+      </p:sp>
+      <p:sp>
+        <p:nvSpPr>
+          <p:cNvPr id="6" name="Rectangle 5">
+            <a:extLst>
+              <a:ext uri="{FF2B5EF4-FFF2-40B4-BE49-F238E27FC236}">
+                <a16:creationId xmlns:a16="http://schemas.microsoft.com/office/drawing/2014/main" id="{57048EEB-143A-0EB0-AB6E-49FD65A632CE}"/>
+              </a:ext>
+            </a:extLst>
+          </p:cNvPr>
+          <p:cNvSpPr/>
+          <p:nvPr/>
+        </p:nvSpPr>
+        <p:spPr>
+          <a:xfrm flipV="1">
+            <a:off x="2849033" y="2643859"/>
+            <a:ext cx="6493934" cy="71813"/>
+          </a:xfrm>
+          <a:prstGeom prst="rect">
+            <a:avLst/>
+          </a:prstGeom>
+          <a:solidFill>
+            <a:srgbClr val="980000"/>
+          </a:solidFill>
+          <a:ln>
+            <a:noFill/>
+          </a:ln>
+        </p:spPr>
+        <p:style>
+          <a:lnRef idx="2">
+            <a:schemeClr val="accent1">
+              <a:shade val="15000"/>
+            </a:schemeClr>
+          </a:lnRef>
+          <a:fillRef idx="1">
+            <a:schemeClr val="accent1"/>
+          </a:fillRef>
+          <a:effectRef idx="0">
+            <a:schemeClr val="accent1"/>
+          </a:effectRef>
+          <a:fontRef idx="minor">
+            <a:schemeClr val="lt1"/>
+          </a:fontRef>
+        </p:style>
+        <p:txBody>
+          <a:bodyPr rtlCol="0" anchor="ctr"/>
+          <a:lstStyle/>
+          <a:p>
+            <a:pPr algn="ctr"/>
+            <a:endParaRPr lang="en-GB"/>
+          </a:p>
+        </p:txBody>
+      </p:sp>
+      <p:sp>
+        <p:nvSpPr>
+          <p:cNvPr id="11" name="TextBox 10">
+            <a:extLst>
+              <a:ext uri="{FF2B5EF4-FFF2-40B4-BE49-F238E27FC236}">
+                <a16:creationId xmlns:a16="http://schemas.microsoft.com/office/drawing/2014/main" id="{ADA3B4ED-F9F9-8357-018A-C931A9829ED9}"/>
+              </a:ext>
+            </a:extLst>
+          </p:cNvPr>
+          <p:cNvSpPr txBox="1"/>
+          <p:nvPr/>
+        </p:nvSpPr>
+        <p:spPr>
+          <a:xfrm>
+            <a:off x="1231701" y="3863706"/>
+            <a:ext cx="6096000" cy="1477328"/>
+          </a:xfrm>
+          <a:prstGeom prst="rect">
+            <a:avLst/>
+          </a:prstGeom>
+          <a:noFill/>
+        </p:spPr>
+        <p:txBody>
+          <a:bodyPr wrap="square" rtlCol="0">
+            <a:spAutoFit/>
+          </a:bodyPr>
+          <a:lstStyle/>
+          <a:p>
+            <a:pPr algn="just"/>
+            <a:r>
+              <a:rPr lang="fr-FR" b="1" dirty="0">
+                <a:latin typeface="Times New Roman" panose="02020603050405020304" pitchFamily="18" charset="0"/>
+                <a:cs typeface="Times New Roman" panose="02020603050405020304" pitchFamily="18" charset="0"/>
+              </a:rPr>
+              <a:t>Etudiants</a:t>
+            </a:r>
+            <a:r>
+              <a:rPr lang="fr-FR" dirty="0">
+                <a:latin typeface="Times New Roman" panose="02020603050405020304" pitchFamily="18" charset="0"/>
+                <a:cs typeface="Times New Roman" panose="02020603050405020304" pitchFamily="18" charset="0"/>
+              </a:rPr>
+              <a:t> : </a:t>
+            </a:r>
+          </a:p>
+          <a:p>
+            <a:pPr algn="just"/>
+            <a:endParaRPr lang="fr-FR" dirty="0">
+              <a:latin typeface="Times New Roman" panose="02020603050405020304" pitchFamily="18" charset="0"/>
+              <a:cs typeface="Times New Roman" panose="02020603050405020304" pitchFamily="18" charset="0"/>
+            </a:endParaRPr>
+          </a:p>
+          <a:p>
+            <a:pPr marL="285750" indent="-285750" algn="just">
+              <a:buFont typeface="Wingdings" panose="05000000000000000000" pitchFamily="2" charset="2"/>
+              <a:buChar char="§"/>
+            </a:pPr>
+            <a:r>
+              <a:rPr lang="fr-FR" dirty="0">
+                <a:latin typeface="Times New Roman" panose="02020603050405020304" pitchFamily="18" charset="0"/>
+                <a:cs typeface="Times New Roman" panose="02020603050405020304" pitchFamily="18" charset="0"/>
+              </a:rPr>
+              <a:t>Cédric </a:t>
+            </a:r>
+            <a:r>
+              <a:rPr lang="fr-FR" dirty="0" err="1">
+                <a:latin typeface="Times New Roman" panose="02020603050405020304" pitchFamily="18" charset="0"/>
+                <a:cs typeface="Times New Roman" panose="02020603050405020304" pitchFamily="18" charset="0"/>
+              </a:rPr>
+              <a:t>Florello</a:t>
+            </a:r>
+            <a:endParaRPr lang="fr-FR" dirty="0">
+              <a:latin typeface="Times New Roman" panose="02020603050405020304" pitchFamily="18" charset="0"/>
+              <a:cs typeface="Times New Roman" panose="02020603050405020304" pitchFamily="18" charset="0"/>
+            </a:endParaRPr>
+          </a:p>
+          <a:p>
+            <a:pPr marL="285750" indent="-285750" algn="just">
+              <a:buFont typeface="Wingdings" panose="05000000000000000000" pitchFamily="2" charset="2"/>
+              <a:buChar char="§"/>
+            </a:pPr>
+            <a:r>
+              <a:rPr lang="fr-FR" dirty="0">
+                <a:latin typeface="Times New Roman" panose="02020603050405020304" pitchFamily="18" charset="0"/>
+                <a:cs typeface="Times New Roman" panose="02020603050405020304" pitchFamily="18" charset="0"/>
+              </a:rPr>
+              <a:t>Gauthier Brunel </a:t>
+            </a:r>
+          </a:p>
+          <a:p>
+            <a:pPr marL="285750" indent="-285750" algn="just">
+              <a:buFont typeface="Wingdings" panose="05000000000000000000" pitchFamily="2" charset="2"/>
+              <a:buChar char="§"/>
+            </a:pPr>
+            <a:r>
+              <a:rPr lang="fr-FR" dirty="0">
+                <a:latin typeface="Times New Roman" panose="02020603050405020304" pitchFamily="18" charset="0"/>
+                <a:cs typeface="Times New Roman" panose="02020603050405020304" pitchFamily="18" charset="0"/>
+              </a:rPr>
+              <a:t>François Gleyzon</a:t>
+            </a:r>
+            <a:endParaRPr lang="en-GB" dirty="0">
+              <a:latin typeface="Times New Roman" panose="02020603050405020304" pitchFamily="18" charset="0"/>
+              <a:cs typeface="Times New Roman" panose="02020603050405020304" pitchFamily="18" charset="0"/>
+            </a:endParaRPr>
+          </a:p>
+        </p:txBody>
+      </p:sp>
     </p:spTree>
     <p:extLst>
       <p:ext uri="{BB962C8B-B14F-4D97-AF65-F5344CB8AC3E}">
@@ -5282,6 +5909,159 @@
               <a:latin typeface="Times New Roman" panose="02020603050405020304" pitchFamily="18" charset="0"/>
               <a:cs typeface="Times New Roman" panose="02020603050405020304" pitchFamily="18" charset="0"/>
             </a:endParaRPr>
+          </a:p>
+        </p:txBody>
+      </p:sp>
+      <p:sp>
+        <p:nvSpPr>
+          <p:cNvPr id="3" name="Rectangle 2">
+            <a:extLst>
+              <a:ext uri="{FF2B5EF4-FFF2-40B4-BE49-F238E27FC236}">
+                <a16:creationId xmlns:a16="http://schemas.microsoft.com/office/drawing/2014/main" id="{EAF0A628-343C-FBA6-4F88-4768C17AB397}"/>
+              </a:ext>
+            </a:extLst>
+          </p:cNvPr>
+          <p:cNvSpPr/>
+          <p:nvPr/>
+        </p:nvSpPr>
+        <p:spPr>
+          <a:xfrm>
+            <a:off x="1" y="-990"/>
+            <a:ext cx="6096000" cy="501017"/>
+          </a:xfrm>
+          <a:prstGeom prst="rect">
+            <a:avLst/>
+          </a:prstGeom>
+          <a:solidFill>
+            <a:srgbClr val="980000"/>
+          </a:solidFill>
+          <a:ln>
+            <a:noFill/>
+          </a:ln>
+        </p:spPr>
+        <p:style>
+          <a:lnRef idx="2">
+            <a:schemeClr val="accent1">
+              <a:shade val="15000"/>
+            </a:schemeClr>
+          </a:lnRef>
+          <a:fillRef idx="1">
+            <a:schemeClr val="accent1"/>
+          </a:fillRef>
+          <a:effectRef idx="0">
+            <a:schemeClr val="accent1"/>
+          </a:effectRef>
+          <a:fontRef idx="minor">
+            <a:schemeClr val="lt1"/>
+          </a:fontRef>
+        </p:style>
+        <p:txBody>
+          <a:bodyPr rtlCol="0" anchor="ctr"/>
+          <a:lstStyle/>
+          <a:p>
+            <a:pPr algn="ctr"/>
+            <a:endParaRPr lang="en-GB"/>
+          </a:p>
+        </p:txBody>
+      </p:sp>
+      <p:sp>
+        <p:nvSpPr>
+          <p:cNvPr id="4" name="TextBox 3">
+            <a:extLst>
+              <a:ext uri="{FF2B5EF4-FFF2-40B4-BE49-F238E27FC236}">
+                <a16:creationId xmlns:a16="http://schemas.microsoft.com/office/drawing/2014/main" id="{F6CA68CB-DA07-9D19-19A7-568713D60BFC}"/>
+              </a:ext>
+            </a:extLst>
+          </p:cNvPr>
+          <p:cNvSpPr txBox="1"/>
+          <p:nvPr/>
+        </p:nvSpPr>
+        <p:spPr>
+          <a:xfrm>
+            <a:off x="0" y="-990"/>
+            <a:ext cx="4105341" cy="461665"/>
+          </a:xfrm>
+          <a:prstGeom prst="rect">
+            <a:avLst/>
+          </a:prstGeom>
+          <a:noFill/>
+        </p:spPr>
+        <p:txBody>
+          <a:bodyPr wrap="square" rtlCol="0">
+            <a:spAutoFit/>
+          </a:bodyPr>
+          <a:lstStyle/>
+          <a:p>
+            <a:pPr algn="just"/>
+            <a:r>
+              <a:rPr lang="fr-FR" sz="2400" b="1" dirty="0">
+                <a:solidFill>
+                  <a:schemeClr val="bg1"/>
+                </a:solidFill>
+                <a:latin typeface="Times New Roman" panose="02020603050405020304" pitchFamily="18" charset="0"/>
+                <a:cs typeface="Times New Roman" panose="02020603050405020304" pitchFamily="18" charset="0"/>
+              </a:rPr>
+              <a:t>Conclusion</a:t>
+            </a:r>
+            <a:endParaRPr lang="en-GB" sz="2400" b="1" dirty="0">
+              <a:solidFill>
+                <a:schemeClr val="bg1"/>
+              </a:solidFill>
+              <a:latin typeface="Times New Roman" panose="02020603050405020304" pitchFamily="18" charset="0"/>
+              <a:cs typeface="Times New Roman" panose="02020603050405020304" pitchFamily="18" charset="0"/>
+            </a:endParaRPr>
+          </a:p>
+        </p:txBody>
+      </p:sp>
+      <p:sp>
+        <p:nvSpPr>
+          <p:cNvPr id="5" name="Rectangle 4">
+            <a:extLst>
+              <a:ext uri="{FF2B5EF4-FFF2-40B4-BE49-F238E27FC236}">
+                <a16:creationId xmlns:a16="http://schemas.microsoft.com/office/drawing/2014/main" id="{D2E50873-3ABD-E877-EB14-EB6279F4EA4F}"/>
+              </a:ext>
+            </a:extLst>
+          </p:cNvPr>
+          <p:cNvSpPr/>
+          <p:nvPr/>
+        </p:nvSpPr>
+        <p:spPr>
+          <a:xfrm>
+            <a:off x="6096000" y="0"/>
+            <a:ext cx="6096000" cy="501017"/>
+          </a:xfrm>
+          <a:prstGeom prst="rect">
+            <a:avLst/>
+          </a:prstGeom>
+          <a:solidFill>
+            <a:srgbClr val="D9D9D9"/>
+          </a:solidFill>
+          <a:ln>
+            <a:noFill/>
+          </a:ln>
+        </p:spPr>
+        <p:style>
+          <a:lnRef idx="2">
+            <a:schemeClr val="accent1">
+              <a:shade val="15000"/>
+            </a:schemeClr>
+          </a:lnRef>
+          <a:fillRef idx="1">
+            <a:schemeClr val="accent1"/>
+          </a:fillRef>
+          <a:effectRef idx="0">
+            <a:schemeClr val="accent1"/>
+          </a:effectRef>
+          <a:fontRef idx="minor">
+            <a:schemeClr val="lt1"/>
+          </a:fontRef>
+        </p:style>
+        <p:txBody>
+          <a:bodyPr rtlCol="0" anchor="ctr"/>
+          <a:lstStyle/>
+          <a:p>
+            <a:pPr algn="ctr"/>
+            <a:endParaRPr lang="en-GB"/>
           </a:p>
         </p:txBody>
       </p:sp>
@@ -8979,8 +9759,8 @@
           <a:chExt cx="0" cy="0"/>
         </a:xfrm>
       </p:grpSpPr>
-      <mc:AlternateContent xmlns:mc="http://schemas.openxmlformats.org/markup-compatibility/2006">
-        <mc:Choice xmlns:a14="http://schemas.microsoft.com/office/drawing/2010/main" Requires="a14">
+      <mc:AlternateContent xmlns:mc="http://schemas.openxmlformats.org/markup-compatibility/2006" xmlns:a14="http://schemas.microsoft.com/office/drawing/2010/main">
+        <mc:Choice Requires="a14">
           <p:sp>
             <p:nvSpPr>
               <p:cNvPr id="2" name="TextBox 1">
@@ -9147,7 +9927,7 @@
             </p:txBody>
           </p:sp>
         </mc:Choice>
-        <mc:Fallback>
+        <mc:Fallback xmlns="">
           <p:sp>
             <p:nvSpPr>
               <p:cNvPr id="2" name="TextBox 1">
@@ -13453,8 +14233,8 @@
           </p:sp>
         </mc:Fallback>
       </mc:AlternateContent>
-      <mc:AlternateContent xmlns:mc="http://schemas.openxmlformats.org/markup-compatibility/2006">
-        <mc:Choice xmlns:a14="http://schemas.microsoft.com/office/drawing/2010/main" Requires="a14">
+      <mc:AlternateContent xmlns:mc="http://schemas.openxmlformats.org/markup-compatibility/2006" xmlns:a14="http://schemas.microsoft.com/office/drawing/2010/main">
+        <mc:Choice Requires="a14">
           <p:sp>
             <p:nvSpPr>
               <p:cNvPr id="19" name="TextBox 18">
@@ -13625,7 +14405,7 @@
             </p:txBody>
           </p:sp>
         </mc:Choice>
-        <mc:Fallback>
+        <mc:Fallback xmlns="">
           <p:sp>
             <p:nvSpPr>
               <p:cNvPr id="19" name="TextBox 18">
@@ -18054,8 +18834,8 @@
           </p:sp>
         </mc:Fallback>
       </mc:AlternateContent>
-      <mc:AlternateContent xmlns:mc="http://schemas.openxmlformats.org/markup-compatibility/2006">
-        <mc:Choice xmlns:a14="http://schemas.microsoft.com/office/drawing/2010/main" Requires="a14">
+      <mc:AlternateContent xmlns:mc="http://schemas.openxmlformats.org/markup-compatibility/2006" xmlns:a14="http://schemas.microsoft.com/office/drawing/2010/main">
+        <mc:Choice Requires="a14">
           <p:sp>
             <p:nvSpPr>
               <p:cNvPr id="13" name="TextBox 12">
@@ -18358,7 +19138,7 @@
             </p:txBody>
           </p:sp>
         </mc:Choice>
-        <mc:Fallback>
+        <mc:Fallback xmlns="">
           <p:sp>
             <p:nvSpPr>
               <p:cNvPr id="13" name="TextBox 12">
@@ -19929,6 +20709,42 @@
           <a:chExt cx="0" cy="0"/>
         </a:xfrm>
       </p:grpSpPr>
+      <p:pic>
+        <p:nvPicPr>
+          <p:cNvPr id="8" name="Picture 7" descr="A graph with a red line&#10;&#10;AI-generated content may be incorrect.">
+            <a:extLst>
+              <a:ext uri="{FF2B5EF4-FFF2-40B4-BE49-F238E27FC236}">
+                <a16:creationId xmlns:a16="http://schemas.microsoft.com/office/drawing/2014/main" id="{F5478F9D-5ACE-798B-6D07-047046B54D1B}"/>
+              </a:ext>
+            </a:extLst>
+          </p:cNvPr>
+          <p:cNvPicPr>
+            <a:picLocks noChangeAspect="1"/>
+          </p:cNvPicPr>
+          <p:nvPr/>
+        </p:nvPicPr>
+        <p:blipFill>
+          <a:blip r:embed="rId2">
+            <a:extLst>
+              <a:ext uri="{28A0092B-C50C-407E-A947-70E740481C1C}">
+                <a14:useLocalDpi xmlns:a14="http://schemas.microsoft.com/office/drawing/2010/main" val="0"/>
+              </a:ext>
+            </a:extLst>
+          </a:blip>
+          <a:stretch>
+            <a:fillRect/>
+          </a:stretch>
+        </p:blipFill>
+        <p:spPr>
+          <a:xfrm>
+            <a:off x="-4" y="1642397"/>
+            <a:ext cx="5362229" cy="4021672"/>
+          </a:xfrm>
+          <a:prstGeom prst="rect">
+            <a:avLst/>
+          </a:prstGeom>
+        </p:spPr>
+      </p:pic>
       <p:sp>
         <p:nvSpPr>
           <p:cNvPr id="2" name="Rectangle 1">
@@ -20182,42 +20998,6 @@
           </a:p>
         </p:txBody>
       </p:sp>
-      <p:pic>
-        <p:nvPicPr>
-          <p:cNvPr id="20" name="Picture 19" descr="A graph with blue and orange lines&#10;&#10;AI-generated content may be incorrect.">
-            <a:extLst>
-              <a:ext uri="{FF2B5EF4-FFF2-40B4-BE49-F238E27FC236}">
-                <a16:creationId xmlns:a16="http://schemas.microsoft.com/office/drawing/2014/main" id="{3AA74466-528C-8DC9-1492-EADB8A7E433C}"/>
-              </a:ext>
-            </a:extLst>
-          </p:cNvPr>
-          <p:cNvPicPr>
-            <a:picLocks noChangeAspect="1"/>
-          </p:cNvPicPr>
-          <p:nvPr/>
-        </p:nvPicPr>
-        <p:blipFill>
-          <a:blip r:embed="rId2">
-            <a:extLst>
-              <a:ext uri="{28A0092B-C50C-407E-A947-70E740481C1C}">
-                <a14:useLocalDpi xmlns:a14="http://schemas.microsoft.com/office/drawing/2010/main" val="0"/>
-              </a:ext>
-            </a:extLst>
-          </a:blip>
-          <a:stretch>
-            <a:fillRect/>
-          </a:stretch>
-        </p:blipFill>
-        <p:spPr>
-          <a:xfrm>
-            <a:off x="-2" y="1643131"/>
-            <a:ext cx="5362230" cy="4021672"/>
-          </a:xfrm>
-          <a:prstGeom prst="rect">
-            <a:avLst/>
-          </a:prstGeom>
-        </p:spPr>
-      </p:pic>
       <p:sp>
         <p:nvSpPr>
           <p:cNvPr id="22" name="TextBox 21">
@@ -20627,36 +21407,6 @@
           <a:chExt cx="0" cy="0"/>
         </a:xfrm>
       </p:grpSpPr>
-      <p:pic>
-        <p:nvPicPr>
-          <p:cNvPr id="18" name="Picture 17">
-            <a:extLst>
-              <a:ext uri="{FF2B5EF4-FFF2-40B4-BE49-F238E27FC236}">
-                <a16:creationId xmlns:a16="http://schemas.microsoft.com/office/drawing/2014/main" id="{2DE8511B-FDF9-5418-5DA7-53BA9804A37C}"/>
-              </a:ext>
-            </a:extLst>
-          </p:cNvPr>
-          <p:cNvPicPr>
-            <a:picLocks noChangeAspect="1"/>
-          </p:cNvPicPr>
-          <p:nvPr/>
-        </p:nvPicPr>
-        <p:blipFill>
-          <a:blip r:embed="rId2"/>
-          <a:stretch>
-            <a:fillRect/>
-          </a:stretch>
-        </p:blipFill>
-        <p:spPr>
-          <a:xfrm>
-            <a:off x="0" y="996800"/>
-            <a:ext cx="5435600" cy="4719232"/>
-          </a:xfrm>
-          <a:prstGeom prst="rect">
-            <a:avLst/>
-          </a:prstGeom>
-        </p:spPr>
-      </p:pic>
       <p:sp>
         <p:nvSpPr>
           <p:cNvPr id="2" name="Rectangle 1">
@@ -20844,7 +21594,7 @@
                 <a:latin typeface="Times New Roman" panose="02020603050405020304" pitchFamily="18" charset="0"/>
                 <a:cs typeface="Times New Roman" panose="02020603050405020304" pitchFamily="18" charset="0"/>
               </a:rPr>
-              <a:t>On obtient les courbes suivantes (seuls les points en bleu sont utilisés pour déterminer la convergence asymptotique) : </a:t>
+              <a:t>On obtient les courbes suivantes (seuls les points liés sont utilisés pour déterminer la convergence asymptotique) : </a:t>
             </a:r>
             <a:endParaRPr lang="en-GB" dirty="0">
               <a:latin typeface="Times New Roman" panose="02020603050405020304" pitchFamily="18" charset="0"/>
@@ -20853,8 +21603,8 @@
           </a:p>
         </p:txBody>
       </p:sp>
-      <mc:AlternateContent xmlns:mc="http://schemas.openxmlformats.org/markup-compatibility/2006" xmlns:a14="http://schemas.microsoft.com/office/drawing/2010/main">
-        <mc:Choice Requires="a14">
+      <mc:AlternateContent xmlns:mc="http://schemas.openxmlformats.org/markup-compatibility/2006">
+        <mc:Choice xmlns:a14="http://schemas.microsoft.com/office/drawing/2010/main" Requires="a14">
           <p:sp>
             <p:nvSpPr>
               <p:cNvPr id="13" name="TextBox 12">
@@ -20929,7 +21679,14 @@
                         <a:latin typeface="Cambria Math" panose="02040503050406030204" pitchFamily="18" charset="0"/>
                         <a:cs typeface="Times New Roman" panose="02020603050405020304" pitchFamily="18" charset="0"/>
                       </a:rPr>
-                      <m:t>=1.0246</m:t>
+                      <m:t>=1.0</m:t>
+                    </m:r>
+                    <m:r>
+                      <a:rPr lang="fr-FR" b="0" i="0" smtClean="0">
+                        <a:latin typeface="Cambria Math" panose="02040503050406030204" pitchFamily="18" charset="0"/>
+                        <a:cs typeface="Times New Roman" panose="02020603050405020304" pitchFamily="18" charset="0"/>
+                      </a:rPr>
+                      <m:t>145</m:t>
                     </m:r>
                   </m:oMath>
                 </a14:m>
@@ -20941,7 +21698,7 @@
             </p:txBody>
           </p:sp>
         </mc:Choice>
-        <mc:Fallback xmlns="">
+        <mc:Fallback>
           <p:sp>
             <p:nvSpPr>
               <p:cNvPr id="13" name="TextBox 12">
@@ -20965,7 +21722,7 @@
                 <a:avLst/>
               </a:prstGeom>
               <a:blipFill>
-                <a:blip r:embed="rId3"/>
+                <a:blip r:embed="rId2"/>
                 <a:stretch>
                   <a:fillRect l="-1478" t="-10000" b="-26667"/>
                 </a:stretch>
@@ -20986,8 +21743,8 @@
           </p:sp>
         </mc:Fallback>
       </mc:AlternateContent>
-      <mc:AlternateContent xmlns:mc="http://schemas.openxmlformats.org/markup-compatibility/2006" xmlns:a14="http://schemas.microsoft.com/office/drawing/2010/main">
-        <mc:Choice Requires="a14">
+      <mc:AlternateContent xmlns:mc="http://schemas.openxmlformats.org/markup-compatibility/2006">
+        <mc:Choice xmlns:a14="http://schemas.microsoft.com/office/drawing/2010/main" Requires="a14">
           <p:sp>
             <p:nvSpPr>
               <p:cNvPr id="14" name="TextBox 13">
@@ -21062,7 +21819,14 @@
                         <a:latin typeface="Cambria Math" panose="02040503050406030204" pitchFamily="18" charset="0"/>
                         <a:cs typeface="Times New Roman" panose="02020603050405020304" pitchFamily="18" charset="0"/>
                       </a:rPr>
-                      <m:t>=1.0216</m:t>
+                      <m:t>=1.0</m:t>
+                    </m:r>
+                    <m:r>
+                      <a:rPr lang="fr-FR" b="0" i="1" smtClean="0">
+                        <a:latin typeface="Cambria Math" panose="02040503050406030204" pitchFamily="18" charset="0"/>
+                        <a:cs typeface="Times New Roman" panose="02020603050405020304" pitchFamily="18" charset="0"/>
+                      </a:rPr>
+                      <m:t>107</m:t>
                     </m:r>
                   </m:oMath>
                 </a14:m>
@@ -21074,7 +21838,7 @@
             </p:txBody>
           </p:sp>
         </mc:Choice>
-        <mc:Fallback xmlns="">
+        <mc:Fallback>
           <p:sp>
             <p:nvSpPr>
               <p:cNvPr id="14" name="TextBox 13">
@@ -21098,7 +21862,7 @@
                 <a:avLst/>
               </a:prstGeom>
               <a:blipFill>
-                <a:blip r:embed="rId4"/>
+                <a:blip r:embed="rId3"/>
                 <a:stretch>
                   <a:fillRect l="-1478" t="-10000" b="-26667"/>
                 </a:stretch>
@@ -21119,8 +21883,8 @@
           </p:sp>
         </mc:Fallback>
       </mc:AlternateContent>
-      <mc:AlternateContent xmlns:mc="http://schemas.openxmlformats.org/markup-compatibility/2006" xmlns:a14="http://schemas.microsoft.com/office/drawing/2010/main">
-        <mc:Choice Requires="a14">
+      <mc:AlternateContent xmlns:mc="http://schemas.openxmlformats.org/markup-compatibility/2006">
+        <mc:Choice xmlns:a14="http://schemas.microsoft.com/office/drawing/2010/main" Requires="a14">
           <p:sp>
             <p:nvSpPr>
               <p:cNvPr id="15" name="TextBox 14">
@@ -21209,7 +21973,14 @@
                         <a:latin typeface="Cambria Math" panose="02040503050406030204" pitchFamily="18" charset="0"/>
                         <a:cs typeface="Times New Roman" panose="02020603050405020304" pitchFamily="18" charset="0"/>
                       </a:rPr>
-                      <m:t>=1.0123</m:t>
+                      <m:t>=1.</m:t>
+                    </m:r>
+                    <m:r>
+                      <a:rPr lang="fr-FR" b="0" i="1" smtClean="0">
+                        <a:latin typeface="Cambria Math" panose="02040503050406030204" pitchFamily="18" charset="0"/>
+                        <a:cs typeface="Times New Roman" panose="02020603050405020304" pitchFamily="18" charset="0"/>
+                      </a:rPr>
+                      <m:t>000</m:t>
                     </m:r>
                   </m:oMath>
                 </a14:m>
@@ -21221,7 +21992,7 @@
             </p:txBody>
           </p:sp>
         </mc:Choice>
-        <mc:Fallback xmlns="">
+        <mc:Fallback>
           <p:sp>
             <p:nvSpPr>
               <p:cNvPr id="15" name="TextBox 14">
@@ -21245,7 +22016,7 @@
                 <a:avLst/>
               </a:prstGeom>
               <a:blipFill>
-                <a:blip r:embed="rId5"/>
+                <a:blip r:embed="rId4"/>
                 <a:stretch>
                   <a:fillRect l="-1478" t="-10000" b="-26667"/>
                 </a:stretch>
@@ -21266,8 +22037,8 @@
           </p:sp>
         </mc:Fallback>
       </mc:AlternateContent>
-      <mc:AlternateContent xmlns:mc="http://schemas.openxmlformats.org/markup-compatibility/2006" xmlns:a14="http://schemas.microsoft.com/office/drawing/2010/main">
-        <mc:Choice Requires="a14">
+      <mc:AlternateContent xmlns:mc="http://schemas.openxmlformats.org/markup-compatibility/2006">
+        <mc:Choice xmlns:a14="http://schemas.microsoft.com/office/drawing/2010/main" Requires="a14">
           <p:sp>
             <p:nvSpPr>
               <p:cNvPr id="16" name="TextBox 15">
@@ -21283,7 +22054,7 @@
             <p:spPr>
               <a:xfrm>
                 <a:off x="5435599" y="2336801"/>
-                <a:ext cx="6620934" cy="923330"/>
+                <a:ext cx="6620934" cy="2031325"/>
               </a:xfrm>
               <a:prstGeom prst="rect">
                 <a:avLst/>
@@ -21302,7 +22073,7 @@
                     <a:latin typeface="Times New Roman" panose="02020603050405020304" pitchFamily="18" charset="0"/>
                     <a:cs typeface="Times New Roman" panose="02020603050405020304" pitchFamily="18" charset="0"/>
                   </a:rPr>
-                  <a:t>Dans les trois cas, on retrouve bien un ordre de convergence très proche (</a:t>
+                  <a:t>Dans les trois cas, on retrouve bien un ordre de convergence très proche (intervalle de confiance</a:t>
                 </a:r>
                 <a14:m>
                   <m:oMath xmlns:m="http://schemas.openxmlformats.org/officeDocument/2006/math">
@@ -21345,15 +22116,94 @@
                   </a:rPr>
                   <a:t>.  </a:t>
                 </a:r>
-                <a:endParaRPr lang="en-GB" dirty="0">
+              </a:p>
+              <a:p>
+                <a:pPr algn="just"/>
+                <a:endParaRPr lang="fr-FR" dirty="0">
                   <a:latin typeface="Times New Roman" panose="02020603050405020304" pitchFamily="18" charset="0"/>
                   <a:cs typeface="Times New Roman" panose="02020603050405020304" pitchFamily="18" charset="0"/>
                 </a:endParaRPr>
               </a:p>
+              <a:p>
+                <a:pPr algn="just"/>
+                <a:r>
+                  <a:rPr lang="fr-FR" b="1" dirty="0">
+                    <a:latin typeface="Times New Roman" panose="02020603050405020304" pitchFamily="18" charset="0"/>
+                    <a:cs typeface="Times New Roman" panose="02020603050405020304" pitchFamily="18" charset="0"/>
+                  </a:rPr>
+                  <a:t>Remarque</a:t>
+                </a:r>
+                <a:r>
+                  <a:rPr lang="fr-FR" dirty="0">
+                    <a:latin typeface="Times New Roman" panose="02020603050405020304" pitchFamily="18" charset="0"/>
+                    <a:cs typeface="Times New Roman" panose="02020603050405020304" pitchFamily="18" charset="0"/>
+                  </a:rPr>
+                  <a:t> : Même pour un grand nombre de chiffre significatif, il semble que l’ordre de convergence </a:t>
+                </a:r>
+                <a14:m>
+                  <m:oMath xmlns:m="http://schemas.openxmlformats.org/officeDocument/2006/math">
+                    <m:sSub>
+                      <m:sSubPr>
+                        <m:ctrlPr>
+                          <a:rPr lang="fr-FR" b="0" i="1" smtClean="0">
+                            <a:latin typeface="Cambria Math" panose="02040503050406030204" pitchFamily="18" charset="0"/>
+                            <a:ea typeface="Cambria Math" panose="02040503050406030204" pitchFamily="18" charset="0"/>
+                            <a:cs typeface="Times New Roman" panose="02020603050405020304" pitchFamily="18" charset="0"/>
+                          </a:rPr>
+                        </m:ctrlPr>
+                      </m:sSubPr>
+                      <m:e>
+                        <m:r>
+                          <m:rPr>
+                            <m:sty m:val="p"/>
+                          </m:rPr>
+                          <a:rPr lang="fr-FR" b="0" i="0" smtClean="0">
+                            <a:latin typeface="Cambria Math" panose="02040503050406030204" pitchFamily="18" charset="0"/>
+                            <a:ea typeface="Cambria Math" panose="02040503050406030204" pitchFamily="18" charset="0"/>
+                            <a:cs typeface="Times New Roman" panose="02020603050405020304" pitchFamily="18" charset="0"/>
+                          </a:rPr>
+                          <m:t>L</m:t>
+                        </m:r>
+                      </m:e>
+                      <m:sub>
+                        <m:r>
+                          <a:rPr lang="fr-FR" i="1">
+                            <a:latin typeface="Cambria Math" panose="02040503050406030204" pitchFamily="18" charset="0"/>
+                            <a:ea typeface="Cambria Math" panose="02040503050406030204" pitchFamily="18" charset="0"/>
+                            <a:cs typeface="Times New Roman" panose="02020603050405020304" pitchFamily="18" charset="0"/>
+                          </a:rPr>
+                          <m:t>∞</m:t>
+                        </m:r>
+                      </m:sub>
+                    </m:sSub>
+                  </m:oMath>
+                </a14:m>
+                <a:r>
+                  <a:rPr lang="en-GB" dirty="0">
+                    <a:latin typeface="Times New Roman" panose="02020603050405020304" pitchFamily="18" charset="0"/>
+                    <a:cs typeface="Times New Roman" panose="02020603050405020304" pitchFamily="18" charset="0"/>
+                  </a:rPr>
+                  <a:t> </a:t>
+                </a:r>
+                <a:r>
+                  <a:rPr lang="en-GB" dirty="0" err="1">
+                    <a:latin typeface="Times New Roman" panose="02020603050405020304" pitchFamily="18" charset="0"/>
+                    <a:cs typeface="Times New Roman" panose="02020603050405020304" pitchFamily="18" charset="0"/>
+                  </a:rPr>
+                  <a:t>soit</a:t>
+                </a:r>
+                <a:r>
+                  <a:rPr lang="en-GB" dirty="0">
+                    <a:latin typeface="Times New Roman" panose="02020603050405020304" pitchFamily="18" charset="0"/>
+                    <a:cs typeface="Times New Roman" panose="02020603050405020304" pitchFamily="18" charset="0"/>
+                  </a:rPr>
+                  <a:t> excellent. </a:t>
+                </a:r>
+              </a:p>
             </p:txBody>
           </p:sp>
         </mc:Choice>
-        <mc:Fallback xmlns="">
+        <mc:Fallback>
           <p:sp>
             <p:nvSpPr>
               <p:cNvPr id="16" name="TextBox 15">
@@ -21371,15 +22221,15 @@
             <p:spPr>
               <a:xfrm>
                 <a:off x="5435599" y="2336801"/>
-                <a:ext cx="6620934" cy="923330"/>
+                <a:ext cx="6620934" cy="2031325"/>
               </a:xfrm>
               <a:prstGeom prst="rect">
                 <a:avLst/>
               </a:prstGeom>
               <a:blipFill>
-                <a:blip r:embed="rId6"/>
+                <a:blip r:embed="rId5"/>
                 <a:stretch>
-                  <a:fillRect l="-829" t="-3289" r="-737" b="-9211"/>
+                  <a:fillRect l="-829" t="-1497" r="-737" b="-3593"/>
                 </a:stretch>
               </a:blipFill>
             </p:spPr>
@@ -21441,55 +22291,524 @@
           </a:p>
         </p:txBody>
       </p:sp>
+      <p:pic>
+        <p:nvPicPr>
+          <p:cNvPr id="9" name="Picture 8" descr="A graph with different colored lines&#10;&#10;AI-generated content may be incorrect.">
+            <a:extLst>
+              <a:ext uri="{FF2B5EF4-FFF2-40B4-BE49-F238E27FC236}">
+                <a16:creationId xmlns:a16="http://schemas.microsoft.com/office/drawing/2014/main" id="{637A6A04-BF56-1147-EEED-6205E7F093FF}"/>
+              </a:ext>
+            </a:extLst>
+          </p:cNvPr>
+          <p:cNvPicPr>
+            <a:picLocks noChangeAspect="1"/>
+          </p:cNvPicPr>
+          <p:nvPr/>
+        </p:nvPicPr>
+        <p:blipFill>
+          <a:blip r:embed="rId6">
+            <a:extLst>
+              <a:ext uri="{28A0092B-C50C-407E-A947-70E740481C1C}">
+                <a14:useLocalDpi xmlns:a14="http://schemas.microsoft.com/office/drawing/2010/main" val="0"/>
+              </a:ext>
+            </a:extLst>
+          </a:blip>
+          <a:stretch>
+            <a:fillRect/>
+          </a:stretch>
+        </p:blipFill>
+        <p:spPr>
+          <a:xfrm>
+            <a:off x="0" y="996800"/>
+            <a:ext cx="5435599" cy="4076699"/>
+          </a:xfrm>
+          <a:prstGeom prst="rect">
+            <a:avLst/>
+          </a:prstGeom>
+        </p:spPr>
+      </p:pic>
+      <p:sp>
+        <p:nvSpPr>
+          <p:cNvPr id="10" name="TextBox 9">
+            <a:extLst>
+              <a:ext uri="{FF2B5EF4-FFF2-40B4-BE49-F238E27FC236}">
+                <a16:creationId xmlns:a16="http://schemas.microsoft.com/office/drawing/2014/main" id="{26AB2202-18AC-F301-719D-754BE34A0087}"/>
+              </a:ext>
+            </a:extLst>
+          </p:cNvPr>
+          <p:cNvSpPr txBox="1"/>
+          <p:nvPr/>
+        </p:nvSpPr>
+        <p:spPr>
+          <a:xfrm>
+            <a:off x="0" y="5107962"/>
+            <a:ext cx="11723239" cy="369332"/>
+          </a:xfrm>
+          <a:prstGeom prst="rect">
+            <a:avLst/>
+          </a:prstGeom>
+          <a:noFill/>
+        </p:spPr>
+        <p:txBody>
+          <a:bodyPr wrap="square" rtlCol="0">
+            <a:spAutoFit/>
+          </a:bodyPr>
+          <a:lstStyle/>
+          <a:p>
+            <a:pPr algn="just"/>
+            <a:r>
+              <a:rPr lang="fr-FR" dirty="0">
+                <a:latin typeface="Times New Roman" panose="02020603050405020304" pitchFamily="18" charset="0"/>
+                <a:cs typeface="Times New Roman" panose="02020603050405020304" pitchFamily="18" charset="0"/>
+              </a:rPr>
+              <a:t>Si l’on prend que les deux derniers points (i.e., ceux avec les maillages les plus fins), nous obtenons les résultats suivants : </a:t>
+            </a:r>
+            <a:endParaRPr lang="en-GB" dirty="0">
+              <a:latin typeface="Times New Roman" panose="02020603050405020304" pitchFamily="18" charset="0"/>
+              <a:cs typeface="Times New Roman" panose="02020603050405020304" pitchFamily="18" charset="0"/>
+            </a:endParaRPr>
+          </a:p>
+        </p:txBody>
+      </p:sp>
       <mc:AlternateContent xmlns:mc="http://schemas.openxmlformats.org/markup-compatibility/2006">
-        <mc:Choice xmlns:p14="http://schemas.microsoft.com/office/powerpoint/2010/main" Requires="p14">
-          <p:contentPart p14:bwMode="auto" r:id="rId7">
-            <p14:nvContentPartPr>
-              <p14:cNvPr id="7" name="Ink 6">
+        <mc:Choice xmlns:a14="http://schemas.microsoft.com/office/drawing/2010/main" Requires="a14">
+          <p:sp>
+            <p:nvSpPr>
+              <p:cNvPr id="11" name="TextBox 10">
                 <a:extLst>
                   <a:ext uri="{FF2B5EF4-FFF2-40B4-BE49-F238E27FC236}">
-                    <a16:creationId xmlns:a16="http://schemas.microsoft.com/office/drawing/2014/main" id="{0C259D1A-B18E-0EA7-F1F1-119CD3860AA7}"/>
-                  </a:ext>
-                </a:extLst>
-              </p14:cNvPr>
-              <p14:cNvContentPartPr/>
-              <p14:nvPr/>
-            </p14:nvContentPartPr>
-            <p14:xfrm>
-              <a:off x="6329830" y="2712108"/>
-              <a:ext cx="952560" cy="70560"/>
-            </p14:xfrm>
-          </p:contentPart>
-        </mc:Choice>
-        <mc:Fallback>
-          <p:pic>
-            <p:nvPicPr>
-              <p:cNvPr id="7" name="Ink 6">
-                <a:extLst>
-                  <a:ext uri="{FF2B5EF4-FFF2-40B4-BE49-F238E27FC236}">
-                    <a16:creationId xmlns:a16="http://schemas.microsoft.com/office/drawing/2014/main" id="{0C259D1A-B18E-0EA7-F1F1-119CD3860AA7}"/>
+                    <a16:creationId xmlns:a16="http://schemas.microsoft.com/office/drawing/2014/main" id="{FD71607F-6BF1-5FDA-D422-68E62421CCE4}"/>
                   </a:ext>
                 </a:extLst>
               </p:cNvPr>
-              <p:cNvPicPr/>
+              <p:cNvSpPr txBox="1"/>
               <p:nvPr/>
-            </p:nvPicPr>
-            <p:blipFill>
-              <a:blip r:embed="rId8"/>
-              <a:stretch>
-                <a:fillRect/>
-              </a:stretch>
-            </p:blipFill>
+            </p:nvSpPr>
             <p:spPr>
               <a:xfrm>
-                <a:off x="6275830" y="2604468"/>
-                <a:ext cx="1060200" cy="286200"/>
+                <a:off x="0" y="5477294"/>
+                <a:ext cx="3716867" cy="369332"/>
               </a:xfrm>
               <a:prstGeom prst="rect">
                 <a:avLst/>
               </a:prstGeom>
+              <a:noFill/>
             </p:spPr>
-          </p:pic>
+            <p:txBody>
+              <a:bodyPr wrap="square" rtlCol="0">
+                <a:spAutoFit/>
+              </a:bodyPr>
+              <a:lstStyle/>
+              <a:p>
+                <a:pPr algn="just"/>
+                <a:r>
+                  <a:rPr lang="fr-FR" dirty="0">
+                    <a:latin typeface="Times New Roman" panose="02020603050405020304" pitchFamily="18" charset="0"/>
+                    <a:cs typeface="Times New Roman" panose="02020603050405020304" pitchFamily="18" charset="0"/>
+                  </a:rPr>
+                  <a:t>Ordre de convergence </a:t>
+                </a:r>
+                <a14:m>
+                  <m:oMath xmlns:m="http://schemas.openxmlformats.org/officeDocument/2006/math">
+                    <m:sSub>
+                      <m:sSubPr>
+                        <m:ctrlPr>
+                          <a:rPr lang="fr-FR" b="0" i="1" smtClean="0">
+                            <a:latin typeface="Cambria Math" panose="02040503050406030204" pitchFamily="18" charset="0"/>
+                            <a:cs typeface="Times New Roman" panose="02020603050405020304" pitchFamily="18" charset="0"/>
+                          </a:rPr>
+                        </m:ctrlPr>
+                      </m:sSubPr>
+                      <m:e>
+                        <m:r>
+                          <m:rPr>
+                            <m:sty m:val="p"/>
+                          </m:rPr>
+                          <a:rPr lang="fr-FR" b="0" i="0" smtClean="0">
+                            <a:latin typeface="Cambria Math" panose="02040503050406030204" pitchFamily="18" charset="0"/>
+                            <a:cs typeface="Times New Roman" panose="02020603050405020304" pitchFamily="18" charset="0"/>
+                          </a:rPr>
+                          <m:t>L</m:t>
+                        </m:r>
+                      </m:e>
+                      <m:sub>
+                        <m:r>
+                          <a:rPr lang="fr-FR" b="0" i="0" smtClean="0">
+                            <a:latin typeface="Cambria Math" panose="02040503050406030204" pitchFamily="18" charset="0"/>
+                            <a:cs typeface="Times New Roman" panose="02020603050405020304" pitchFamily="18" charset="0"/>
+                          </a:rPr>
+                          <m:t>1</m:t>
+                        </m:r>
+                      </m:sub>
+                    </m:sSub>
+                    <m:r>
+                      <a:rPr lang="fr-FR" b="0" i="1" smtClean="0">
+                        <a:latin typeface="Cambria Math" panose="02040503050406030204" pitchFamily="18" charset="0"/>
+                        <a:cs typeface="Times New Roman" panose="02020603050405020304" pitchFamily="18" charset="0"/>
+                      </a:rPr>
+                      <m:t>=</m:t>
+                    </m:r>
+                    <m:r>
+                      <a:rPr lang="fr-FR" i="1">
+                        <a:latin typeface="Cambria Math" panose="02040503050406030204" pitchFamily="18" charset="0"/>
+                        <a:cs typeface="Times New Roman" panose="02020603050405020304" pitchFamily="18" charset="0"/>
+                      </a:rPr>
+                      <m:t>1.0026</m:t>
+                    </m:r>
+                    <m:r>
+                      <a:rPr lang="fr-FR" b="0" i="0" smtClean="0">
+                        <a:latin typeface="Cambria Math" panose="02040503050406030204" pitchFamily="18" charset="0"/>
+                        <a:cs typeface="Times New Roman" panose="02020603050405020304" pitchFamily="18" charset="0"/>
+                      </a:rPr>
+                      <m:t>1</m:t>
+                    </m:r>
+                  </m:oMath>
+                </a14:m>
+                <a:endParaRPr lang="en-GB" dirty="0">
+                  <a:latin typeface="Times New Roman" panose="02020603050405020304" pitchFamily="18" charset="0"/>
+                  <a:cs typeface="Times New Roman" panose="02020603050405020304" pitchFamily="18" charset="0"/>
+                </a:endParaRPr>
+              </a:p>
+            </p:txBody>
+          </p:sp>
+        </mc:Choice>
+        <mc:Fallback>
+          <p:sp>
+            <p:nvSpPr>
+              <p:cNvPr id="11" name="TextBox 10">
+                <a:extLst>
+                  <a:ext uri="{FF2B5EF4-FFF2-40B4-BE49-F238E27FC236}">
+                    <a16:creationId xmlns:a16="http://schemas.microsoft.com/office/drawing/2014/main" id="{FD71607F-6BF1-5FDA-D422-68E62421CCE4}"/>
+                  </a:ext>
+                </a:extLst>
+              </p:cNvPr>
+              <p:cNvSpPr txBox="1">
+                <a:spLocks noRot="1" noChangeAspect="1" noMove="1" noResize="1" noEditPoints="1" noAdjustHandles="1" noChangeArrowheads="1" noChangeShapeType="1" noTextEdit="1"/>
+              </p:cNvSpPr>
+              <p:nvPr/>
+            </p:nvSpPr>
+            <p:spPr>
+              <a:xfrm>
+                <a:off x="0" y="5477294"/>
+                <a:ext cx="3716867" cy="369332"/>
+              </a:xfrm>
+              <a:prstGeom prst="rect">
+                <a:avLst/>
+              </a:prstGeom>
+              <a:blipFill>
+                <a:blip r:embed="rId7"/>
+                <a:stretch>
+                  <a:fillRect l="-1311" t="-10000" b="-26667"/>
+                </a:stretch>
+              </a:blipFill>
+            </p:spPr>
+            <p:txBody>
+              <a:bodyPr/>
+              <a:lstStyle/>
+              <a:p>
+                <a:r>
+                  <a:rPr lang="en-GB">
+                    <a:noFill/>
+                  </a:rPr>
+                  <a:t> </a:t>
+                </a:r>
+              </a:p>
+            </p:txBody>
+          </p:sp>
+        </mc:Fallback>
+      </mc:AlternateContent>
+      <mc:AlternateContent xmlns:mc="http://schemas.openxmlformats.org/markup-compatibility/2006">
+        <mc:Choice xmlns:a14="http://schemas.microsoft.com/office/drawing/2010/main" Requires="a14">
+          <p:sp>
+            <p:nvSpPr>
+              <p:cNvPr id="12" name="TextBox 11">
+                <a:extLst>
+                  <a:ext uri="{FF2B5EF4-FFF2-40B4-BE49-F238E27FC236}">
+                    <a16:creationId xmlns:a16="http://schemas.microsoft.com/office/drawing/2014/main" id="{73418CF3-9DE2-B2FD-E08F-1CB82508ACE1}"/>
+                  </a:ext>
+                </a:extLst>
+              </p:cNvPr>
+              <p:cNvSpPr txBox="1"/>
+              <p:nvPr/>
+            </p:nvSpPr>
+            <p:spPr>
+              <a:xfrm>
+                <a:off x="0" y="5800460"/>
+                <a:ext cx="3716867" cy="369332"/>
+              </a:xfrm>
+              <a:prstGeom prst="rect">
+                <a:avLst/>
+              </a:prstGeom>
+              <a:noFill/>
+            </p:spPr>
+            <p:txBody>
+              <a:bodyPr wrap="square" rtlCol="0">
+                <a:spAutoFit/>
+              </a:bodyPr>
+              <a:lstStyle/>
+              <a:p>
+                <a:pPr algn="just"/>
+                <a:r>
+                  <a:rPr lang="fr-FR" dirty="0">
+                    <a:latin typeface="Times New Roman" panose="02020603050405020304" pitchFamily="18" charset="0"/>
+                    <a:cs typeface="Times New Roman" panose="02020603050405020304" pitchFamily="18" charset="0"/>
+                  </a:rPr>
+                  <a:t>Ordre de convergence </a:t>
+                </a:r>
+                <a14:m>
+                  <m:oMath xmlns:m="http://schemas.openxmlformats.org/officeDocument/2006/math">
+                    <m:sSub>
+                      <m:sSubPr>
+                        <m:ctrlPr>
+                          <a:rPr lang="fr-FR" b="0" i="1" smtClean="0">
+                            <a:latin typeface="Cambria Math" panose="02040503050406030204" pitchFamily="18" charset="0"/>
+                            <a:cs typeface="Times New Roman" panose="02020603050405020304" pitchFamily="18" charset="0"/>
+                          </a:rPr>
+                        </m:ctrlPr>
+                      </m:sSubPr>
+                      <m:e>
+                        <m:r>
+                          <m:rPr>
+                            <m:sty m:val="p"/>
+                          </m:rPr>
+                          <a:rPr lang="fr-FR" b="0" i="0" smtClean="0">
+                            <a:latin typeface="Cambria Math" panose="02040503050406030204" pitchFamily="18" charset="0"/>
+                            <a:cs typeface="Times New Roman" panose="02020603050405020304" pitchFamily="18" charset="0"/>
+                          </a:rPr>
+                          <m:t>L</m:t>
+                        </m:r>
+                      </m:e>
+                      <m:sub>
+                        <m:r>
+                          <a:rPr lang="fr-FR" b="0" i="0" smtClean="0">
+                            <a:latin typeface="Cambria Math" panose="02040503050406030204" pitchFamily="18" charset="0"/>
+                            <a:cs typeface="Times New Roman" panose="02020603050405020304" pitchFamily="18" charset="0"/>
+                          </a:rPr>
+                          <m:t>2</m:t>
+                        </m:r>
+                      </m:sub>
+                    </m:sSub>
+                    <m:r>
+                      <a:rPr lang="fr-FR" b="0" i="1" smtClean="0">
+                        <a:latin typeface="Cambria Math" panose="02040503050406030204" pitchFamily="18" charset="0"/>
+                        <a:cs typeface="Times New Roman" panose="02020603050405020304" pitchFamily="18" charset="0"/>
+                      </a:rPr>
+                      <m:t>=</m:t>
+                    </m:r>
+                    <m:r>
+                      <a:rPr lang="fr-FR" i="1">
+                        <a:latin typeface="Cambria Math" panose="02040503050406030204" pitchFamily="18" charset="0"/>
+                        <a:cs typeface="Times New Roman" panose="02020603050405020304" pitchFamily="18" charset="0"/>
+                      </a:rPr>
+                      <m:t>1.00195</m:t>
+                    </m:r>
+                  </m:oMath>
+                </a14:m>
+                <a:endParaRPr lang="en-GB" dirty="0">
+                  <a:latin typeface="Times New Roman" panose="02020603050405020304" pitchFamily="18" charset="0"/>
+                  <a:cs typeface="Times New Roman" panose="02020603050405020304" pitchFamily="18" charset="0"/>
+                </a:endParaRPr>
+              </a:p>
+            </p:txBody>
+          </p:sp>
+        </mc:Choice>
+        <mc:Fallback>
+          <p:sp>
+            <p:nvSpPr>
+              <p:cNvPr id="12" name="TextBox 11">
+                <a:extLst>
+                  <a:ext uri="{FF2B5EF4-FFF2-40B4-BE49-F238E27FC236}">
+                    <a16:creationId xmlns:a16="http://schemas.microsoft.com/office/drawing/2014/main" id="{73418CF3-9DE2-B2FD-E08F-1CB82508ACE1}"/>
+                  </a:ext>
+                </a:extLst>
+              </p:cNvPr>
+              <p:cNvSpPr txBox="1">
+                <a:spLocks noRot="1" noChangeAspect="1" noMove="1" noResize="1" noEditPoints="1" noAdjustHandles="1" noChangeArrowheads="1" noChangeShapeType="1" noTextEdit="1"/>
+              </p:cNvSpPr>
+              <p:nvPr/>
+            </p:nvSpPr>
+            <p:spPr>
+              <a:xfrm>
+                <a:off x="0" y="5800460"/>
+                <a:ext cx="3716867" cy="369332"/>
+              </a:xfrm>
+              <a:prstGeom prst="rect">
+                <a:avLst/>
+              </a:prstGeom>
+              <a:blipFill>
+                <a:blip r:embed="rId8"/>
+                <a:stretch>
+                  <a:fillRect l="-1311" t="-10000" b="-26667"/>
+                </a:stretch>
+              </a:blipFill>
+            </p:spPr>
+            <p:txBody>
+              <a:bodyPr/>
+              <a:lstStyle/>
+              <a:p>
+                <a:r>
+                  <a:rPr lang="en-GB">
+                    <a:noFill/>
+                  </a:rPr>
+                  <a:t> </a:t>
+                </a:r>
+              </a:p>
+            </p:txBody>
+          </p:sp>
+        </mc:Fallback>
+      </mc:AlternateContent>
+      <mc:AlternateContent xmlns:mc="http://schemas.openxmlformats.org/markup-compatibility/2006">
+        <mc:Choice xmlns:a14="http://schemas.microsoft.com/office/drawing/2010/main" Requires="a14">
+          <p:sp>
+            <p:nvSpPr>
+              <p:cNvPr id="17" name="TextBox 16">
+                <a:extLst>
+                  <a:ext uri="{FF2B5EF4-FFF2-40B4-BE49-F238E27FC236}">
+                    <a16:creationId xmlns:a16="http://schemas.microsoft.com/office/drawing/2014/main" id="{418967CF-1F4B-E249-C88C-988ADBD4981B}"/>
+                  </a:ext>
+                </a:extLst>
+              </p:cNvPr>
+              <p:cNvSpPr txBox="1"/>
+              <p:nvPr/>
+            </p:nvSpPr>
+            <p:spPr>
+              <a:xfrm>
+                <a:off x="0" y="6123625"/>
+                <a:ext cx="3716867" cy="369332"/>
+              </a:xfrm>
+              <a:prstGeom prst="rect">
+                <a:avLst/>
+              </a:prstGeom>
+              <a:noFill/>
+            </p:spPr>
+            <p:txBody>
+              <a:bodyPr wrap="square" rtlCol="0">
+                <a:spAutoFit/>
+              </a:bodyPr>
+              <a:lstStyle/>
+              <a:p>
+                <a:pPr algn="just"/>
+                <a:r>
+                  <a:rPr lang="fr-FR" dirty="0">
+                    <a:latin typeface="Times New Roman" panose="02020603050405020304" pitchFamily="18" charset="0"/>
+                    <a:cs typeface="Times New Roman" panose="02020603050405020304" pitchFamily="18" charset="0"/>
+                  </a:rPr>
+                  <a:t>Ordre de convergence </a:t>
+                </a:r>
+                <a14:m>
+                  <m:oMath xmlns:m="http://schemas.openxmlformats.org/officeDocument/2006/math">
+                    <m:sSub>
+                      <m:sSubPr>
+                        <m:ctrlPr>
+                          <a:rPr lang="fr-FR" b="0" i="1" smtClean="0">
+                            <a:latin typeface="Cambria Math" panose="02040503050406030204" pitchFamily="18" charset="0"/>
+                            <a:ea typeface="Cambria Math" panose="02040503050406030204" pitchFamily="18" charset="0"/>
+                            <a:cs typeface="Times New Roman" panose="02020603050405020304" pitchFamily="18" charset="0"/>
+                          </a:rPr>
+                        </m:ctrlPr>
+                      </m:sSubPr>
+                      <m:e>
+                        <m:r>
+                          <m:rPr>
+                            <m:sty m:val="p"/>
+                          </m:rPr>
+                          <a:rPr lang="fr-FR" b="0" i="0" smtClean="0">
+                            <a:latin typeface="Cambria Math" panose="02040503050406030204" pitchFamily="18" charset="0"/>
+                            <a:ea typeface="Cambria Math" panose="02040503050406030204" pitchFamily="18" charset="0"/>
+                            <a:cs typeface="Times New Roman" panose="02020603050405020304" pitchFamily="18" charset="0"/>
+                          </a:rPr>
+                          <m:t>L</m:t>
+                        </m:r>
+                      </m:e>
+                      <m:sub>
+                        <m:r>
+                          <a:rPr lang="fr-FR" i="1">
+                            <a:latin typeface="Cambria Math" panose="02040503050406030204" pitchFamily="18" charset="0"/>
+                            <a:ea typeface="Cambria Math" panose="02040503050406030204" pitchFamily="18" charset="0"/>
+                            <a:cs typeface="Times New Roman" panose="02020603050405020304" pitchFamily="18" charset="0"/>
+                          </a:rPr>
+                          <m:t>∞</m:t>
+                        </m:r>
+                      </m:sub>
+                    </m:sSub>
+                  </m:oMath>
+                </a14:m>
+                <a:r>
+                  <a:rPr lang="fr-FR" dirty="0">
+                    <a:latin typeface="Times New Roman" panose="02020603050405020304" pitchFamily="18" charset="0"/>
+                    <a:cs typeface="Times New Roman" panose="02020603050405020304" pitchFamily="18" charset="0"/>
+                  </a:rPr>
+                  <a:t> </a:t>
+                </a:r>
+                <a14:m>
+                  <m:oMath xmlns:m="http://schemas.openxmlformats.org/officeDocument/2006/math">
+                    <m:r>
+                      <a:rPr lang="fr-FR" b="0" i="1" smtClean="0">
+                        <a:latin typeface="Cambria Math" panose="02040503050406030204" pitchFamily="18" charset="0"/>
+                        <a:cs typeface="Times New Roman" panose="02020603050405020304" pitchFamily="18" charset="0"/>
+                      </a:rPr>
+                      <m:t>=1.</m:t>
+                    </m:r>
+                    <m:r>
+                      <a:rPr lang="fr-FR" b="0" i="1" smtClean="0">
+                        <a:latin typeface="Cambria Math" panose="02040503050406030204" pitchFamily="18" charset="0"/>
+                        <a:cs typeface="Times New Roman" panose="02020603050405020304" pitchFamily="18" charset="0"/>
+                      </a:rPr>
+                      <m:t>000</m:t>
+                    </m:r>
+                  </m:oMath>
+                </a14:m>
+                <a:endParaRPr lang="en-GB" dirty="0">
+                  <a:latin typeface="Times New Roman" panose="02020603050405020304" pitchFamily="18" charset="0"/>
+                  <a:cs typeface="Times New Roman" panose="02020603050405020304" pitchFamily="18" charset="0"/>
+                </a:endParaRPr>
+              </a:p>
+            </p:txBody>
+          </p:sp>
+        </mc:Choice>
+        <mc:Fallback>
+          <p:sp>
+            <p:nvSpPr>
+              <p:cNvPr id="17" name="TextBox 16">
+                <a:extLst>
+                  <a:ext uri="{FF2B5EF4-FFF2-40B4-BE49-F238E27FC236}">
+                    <a16:creationId xmlns:a16="http://schemas.microsoft.com/office/drawing/2014/main" id="{418967CF-1F4B-E249-C88C-988ADBD4981B}"/>
+                  </a:ext>
+                </a:extLst>
+              </p:cNvPr>
+              <p:cNvSpPr txBox="1">
+                <a:spLocks noRot="1" noChangeAspect="1" noMove="1" noResize="1" noEditPoints="1" noAdjustHandles="1" noChangeArrowheads="1" noChangeShapeType="1" noTextEdit="1"/>
+              </p:cNvSpPr>
+              <p:nvPr/>
+            </p:nvSpPr>
+            <p:spPr>
+              <a:xfrm>
+                <a:off x="0" y="6123625"/>
+                <a:ext cx="3716867" cy="369332"/>
+              </a:xfrm>
+              <a:prstGeom prst="rect">
+                <a:avLst/>
+              </a:prstGeom>
+              <a:blipFill>
+                <a:blip r:embed="rId9"/>
+                <a:stretch>
+                  <a:fillRect l="-1311" t="-10000" b="-26667"/>
+                </a:stretch>
+              </a:blipFill>
+            </p:spPr>
+            <p:txBody>
+              <a:bodyPr/>
+              <a:lstStyle/>
+              <a:p>
+                <a:r>
+                  <a:rPr lang="en-GB">
+                    <a:noFill/>
+                  </a:rPr>
+                  <a:t> </a:t>
+                </a:r>
+              </a:p>
+            </p:txBody>
+          </p:sp>
         </mc:Fallback>
       </mc:AlternateContent>
     </p:spTree>
@@ -22435,8 +23754,8 @@
           </a:p>
         </p:txBody>
       </p:sp>
-      <mc:AlternateContent xmlns:mc="http://schemas.openxmlformats.org/markup-compatibility/2006">
-        <mc:Choice xmlns:a14="http://schemas.microsoft.com/office/drawing/2010/main" Requires="a14">
+      <mc:AlternateContent xmlns:mc="http://schemas.openxmlformats.org/markup-compatibility/2006" xmlns:a14="http://schemas.microsoft.com/office/drawing/2010/main">
+        <mc:Choice Requires="a14">
           <p:sp>
             <p:nvSpPr>
               <p:cNvPr id="11" name="TextBox 10">
@@ -23108,7 +24427,7 @@
             </p:txBody>
           </p:sp>
         </mc:Choice>
-        <mc:Fallback>
+        <mc:Fallback xmlns="">
           <p:sp>
             <p:nvSpPr>
               <p:cNvPr id="11" name="TextBox 10">
@@ -23239,6 +24558,416 @@
           </a:p>
         </p:txBody>
       </p:sp>
+      <p:pic>
+        <p:nvPicPr>
+          <p:cNvPr id="15" name="Picture 14" descr="A graph with a line&#10;&#10;AI-generated content may be incorrect.">
+            <a:extLst>
+              <a:ext uri="{FF2B5EF4-FFF2-40B4-BE49-F238E27FC236}">
+                <a16:creationId xmlns:a16="http://schemas.microsoft.com/office/drawing/2014/main" id="{C28758A4-18A7-290C-9878-36C0FE46E78F}"/>
+              </a:ext>
+            </a:extLst>
+          </p:cNvPr>
+          <p:cNvPicPr>
+            <a:picLocks noChangeAspect="1"/>
+          </p:cNvPicPr>
+          <p:nvPr/>
+        </p:nvPicPr>
+        <p:blipFill>
+          <a:blip r:embed="rId5">
+            <a:extLst>
+              <a:ext uri="{28A0092B-C50C-407E-A947-70E740481C1C}">
+                <a14:useLocalDpi xmlns:a14="http://schemas.microsoft.com/office/drawing/2010/main" val="0"/>
+              </a:ext>
+            </a:extLst>
+          </a:blip>
+          <a:stretch>
+            <a:fillRect/>
+          </a:stretch>
+        </p:blipFill>
+        <p:spPr>
+          <a:xfrm>
+            <a:off x="0" y="3106705"/>
+            <a:ext cx="4969291" cy="3726968"/>
+          </a:xfrm>
+          <a:prstGeom prst="rect">
+            <a:avLst/>
+          </a:prstGeom>
+        </p:spPr>
+      </p:pic>
+      <p:sp>
+        <p:nvSpPr>
+          <p:cNvPr id="17" name="TextBox 16">
+            <a:extLst>
+              <a:ext uri="{FF2B5EF4-FFF2-40B4-BE49-F238E27FC236}">
+                <a16:creationId xmlns:a16="http://schemas.microsoft.com/office/drawing/2014/main" id="{3CF42690-7162-FF5D-0928-122CB4424C2F}"/>
+              </a:ext>
+            </a:extLst>
+          </p:cNvPr>
+          <p:cNvSpPr txBox="1"/>
+          <p:nvPr/>
+        </p:nvSpPr>
+        <p:spPr>
+          <a:xfrm>
+            <a:off x="4969291" y="3232410"/>
+            <a:ext cx="7222709" cy="2585323"/>
+          </a:xfrm>
+          <a:prstGeom prst="rect">
+            <a:avLst/>
+          </a:prstGeom>
+          <a:noFill/>
+        </p:spPr>
+        <p:txBody>
+          <a:bodyPr wrap="square" rtlCol="0">
+            <a:spAutoFit/>
+          </a:bodyPr>
+          <a:lstStyle/>
+          <a:p>
+            <a:pPr algn="just"/>
+            <a:r>
+              <a:rPr lang="fr-FR" dirty="0">
+                <a:latin typeface="Times New Roman" panose="02020603050405020304" pitchFamily="18" charset="0"/>
+                <a:cs typeface="Times New Roman" panose="02020603050405020304" pitchFamily="18" charset="0"/>
+              </a:rPr>
+              <a:t>En comparaison aux résultats obtenues précédemment, simplement basé sur une comparaison visuelle, nous pouvons dire que ces derniers semblent converger plus rapidement vers la solution analytique. En effet, la solution de la question C/D, représenté par    , est bien plus éloigné de la solution analytique.</a:t>
+            </a:r>
+          </a:p>
+          <a:p>
+            <a:pPr algn="just"/>
+            <a:endParaRPr lang="fr-FR" dirty="0">
+              <a:latin typeface="Times New Roman" panose="02020603050405020304" pitchFamily="18" charset="0"/>
+              <a:cs typeface="Times New Roman" panose="02020603050405020304" pitchFamily="18" charset="0"/>
+            </a:endParaRPr>
+          </a:p>
+          <a:p>
+            <a:pPr algn="just"/>
+            <a:r>
+              <a:rPr lang="fr-FR" b="1" dirty="0">
+                <a:latin typeface="Times New Roman" panose="02020603050405020304" pitchFamily="18" charset="0"/>
+                <a:cs typeface="Times New Roman" panose="02020603050405020304" pitchFamily="18" charset="0"/>
+              </a:rPr>
+              <a:t>Remarque</a:t>
+            </a:r>
+            <a:r>
+              <a:rPr lang="fr-FR" dirty="0">
+                <a:latin typeface="Times New Roman" panose="02020603050405020304" pitchFamily="18" charset="0"/>
+                <a:cs typeface="Times New Roman" panose="02020603050405020304" pitchFamily="18" charset="0"/>
+              </a:rPr>
+              <a:t> : La condition de Dirichlet sur la droite force une cohérence des deux solutions, mais comme perceptible avec le précédent résultat, la convergence met plus de temps vers la condition de Neumann. </a:t>
+            </a:r>
+            <a:endParaRPr lang="en-GB" dirty="0">
+              <a:latin typeface="Times New Roman" panose="02020603050405020304" pitchFamily="18" charset="0"/>
+              <a:cs typeface="Times New Roman" panose="02020603050405020304" pitchFamily="18" charset="0"/>
+            </a:endParaRPr>
+          </a:p>
+        </p:txBody>
+      </p:sp>
+      <p:sp>
+        <p:nvSpPr>
+          <p:cNvPr id="19" name="TextBox 18">
+            <a:extLst>
+              <a:ext uri="{FF2B5EF4-FFF2-40B4-BE49-F238E27FC236}">
+                <a16:creationId xmlns:a16="http://schemas.microsoft.com/office/drawing/2014/main" id="{464B3D4D-12EB-D238-43B4-6F57113E9E0A}"/>
+              </a:ext>
+            </a:extLst>
+          </p:cNvPr>
+          <p:cNvSpPr txBox="1"/>
+          <p:nvPr/>
+        </p:nvSpPr>
+        <p:spPr>
+          <a:xfrm>
+            <a:off x="5615677" y="2976529"/>
+            <a:ext cx="65" cy="276999"/>
+          </a:xfrm>
+          <a:prstGeom prst="rect">
+            <a:avLst/>
+          </a:prstGeom>
+          <a:noFill/>
+        </p:spPr>
+        <p:txBody>
+          <a:bodyPr wrap="none" lIns="0" tIns="0" rIns="0" bIns="0" rtlCol="0">
+            <a:spAutoFit/>
+          </a:bodyPr>
+          <a:lstStyle/>
+          <a:p>
+            <a:endParaRPr lang="en-GB" dirty="0"/>
+          </a:p>
+        </p:txBody>
+      </p:sp>
+      <p:sp>
+        <p:nvSpPr>
+          <p:cNvPr id="20" name="Isosceles Triangle 19">
+            <a:extLst>
+              <a:ext uri="{FF2B5EF4-FFF2-40B4-BE49-F238E27FC236}">
+                <a16:creationId xmlns:a16="http://schemas.microsoft.com/office/drawing/2014/main" id="{F7B2648C-C01D-2FC8-0F3F-A810BEC0B6B3}"/>
+              </a:ext>
+            </a:extLst>
+          </p:cNvPr>
+          <p:cNvSpPr/>
+          <p:nvPr/>
+        </p:nvSpPr>
+        <p:spPr>
+          <a:xfrm>
+            <a:off x="1635125" y="5603875"/>
+            <a:ext cx="69977" cy="60325"/>
+          </a:xfrm>
+          <a:prstGeom prst="triangle">
+            <a:avLst/>
+          </a:prstGeom>
+          <a:solidFill>
+            <a:schemeClr val="accent6">
+              <a:lumMod val="60000"/>
+              <a:lumOff val="40000"/>
+            </a:schemeClr>
+          </a:solidFill>
+          <a:ln>
+            <a:noFill/>
+          </a:ln>
+        </p:spPr>
+        <p:style>
+          <a:lnRef idx="2">
+            <a:schemeClr val="accent1">
+              <a:shade val="15000"/>
+            </a:schemeClr>
+          </a:lnRef>
+          <a:fillRef idx="1">
+            <a:schemeClr val="accent1"/>
+          </a:fillRef>
+          <a:effectRef idx="0">
+            <a:schemeClr val="accent1"/>
+          </a:effectRef>
+          <a:fontRef idx="minor">
+            <a:schemeClr val="lt1"/>
+          </a:fontRef>
+        </p:style>
+        <p:txBody>
+          <a:bodyPr rtlCol="0" anchor="ctr"/>
+          <a:lstStyle/>
+          <a:p>
+            <a:pPr algn="ctr"/>
+            <a:endParaRPr lang="en-GB"/>
+          </a:p>
+        </p:txBody>
+      </p:sp>
+      <p:sp>
+        <p:nvSpPr>
+          <p:cNvPr id="21" name="Isosceles Triangle 20">
+            <a:extLst>
+              <a:ext uri="{FF2B5EF4-FFF2-40B4-BE49-F238E27FC236}">
+                <a16:creationId xmlns:a16="http://schemas.microsoft.com/office/drawing/2014/main" id="{83D574B7-1395-2485-4E73-08C18756132D}"/>
+              </a:ext>
+            </a:extLst>
+          </p:cNvPr>
+          <p:cNvSpPr/>
+          <p:nvPr/>
+        </p:nvSpPr>
+        <p:spPr>
+          <a:xfrm>
+            <a:off x="765175" y="5603874"/>
+            <a:ext cx="69977" cy="60325"/>
+          </a:xfrm>
+          <a:prstGeom prst="triangle">
+            <a:avLst/>
+          </a:prstGeom>
+          <a:solidFill>
+            <a:schemeClr val="accent6">
+              <a:lumMod val="60000"/>
+              <a:lumOff val="40000"/>
+            </a:schemeClr>
+          </a:solidFill>
+          <a:ln>
+            <a:noFill/>
+          </a:ln>
+        </p:spPr>
+        <p:style>
+          <a:lnRef idx="2">
+            <a:schemeClr val="accent1">
+              <a:shade val="15000"/>
+            </a:schemeClr>
+          </a:lnRef>
+          <a:fillRef idx="1">
+            <a:schemeClr val="accent1"/>
+          </a:fillRef>
+          <a:effectRef idx="0">
+            <a:schemeClr val="accent1"/>
+          </a:effectRef>
+          <a:fontRef idx="minor">
+            <a:schemeClr val="lt1"/>
+          </a:fontRef>
+        </p:style>
+        <p:txBody>
+          <a:bodyPr rtlCol="0" anchor="ctr"/>
+          <a:lstStyle/>
+          <a:p>
+            <a:pPr algn="ctr"/>
+            <a:endParaRPr lang="en-GB"/>
+          </a:p>
+        </p:txBody>
+      </p:sp>
+      <p:sp>
+        <p:nvSpPr>
+          <p:cNvPr id="22" name="Isosceles Triangle 21">
+            <a:extLst>
+              <a:ext uri="{FF2B5EF4-FFF2-40B4-BE49-F238E27FC236}">
+                <a16:creationId xmlns:a16="http://schemas.microsoft.com/office/drawing/2014/main" id="{7C293DC5-C800-0980-6F2B-BE6AD964B1B5}"/>
+              </a:ext>
+            </a:extLst>
+          </p:cNvPr>
+          <p:cNvSpPr/>
+          <p:nvPr/>
+        </p:nvSpPr>
+        <p:spPr>
+          <a:xfrm>
+            <a:off x="2515916" y="5273260"/>
+            <a:ext cx="69977" cy="60325"/>
+          </a:xfrm>
+          <a:prstGeom prst="triangle">
+            <a:avLst/>
+          </a:prstGeom>
+          <a:solidFill>
+            <a:schemeClr val="accent6">
+              <a:lumMod val="60000"/>
+              <a:lumOff val="40000"/>
+            </a:schemeClr>
+          </a:solidFill>
+          <a:ln>
+            <a:noFill/>
+          </a:ln>
+        </p:spPr>
+        <p:style>
+          <a:lnRef idx="2">
+            <a:schemeClr val="accent1">
+              <a:shade val="15000"/>
+            </a:schemeClr>
+          </a:lnRef>
+          <a:fillRef idx="1">
+            <a:schemeClr val="accent1"/>
+          </a:fillRef>
+          <a:effectRef idx="0">
+            <a:schemeClr val="accent1"/>
+          </a:effectRef>
+          <a:fontRef idx="minor">
+            <a:schemeClr val="lt1"/>
+          </a:fontRef>
+        </p:style>
+        <p:txBody>
+          <a:bodyPr rtlCol="0" anchor="ctr"/>
+          <a:lstStyle/>
+          <a:p>
+            <a:pPr algn="ctr"/>
+            <a:endParaRPr lang="en-GB"/>
+          </a:p>
+        </p:txBody>
+      </p:sp>
+      <p:sp>
+        <p:nvSpPr>
+          <p:cNvPr id="23" name="Isosceles Triangle 22">
+            <a:extLst>
+              <a:ext uri="{FF2B5EF4-FFF2-40B4-BE49-F238E27FC236}">
+                <a16:creationId xmlns:a16="http://schemas.microsoft.com/office/drawing/2014/main" id="{3BF53B97-0F67-E339-0733-64B4CBED7BE3}"/>
+              </a:ext>
+            </a:extLst>
+          </p:cNvPr>
+          <p:cNvSpPr/>
+          <p:nvPr/>
+        </p:nvSpPr>
+        <p:spPr>
+          <a:xfrm>
+            <a:off x="3387725" y="4625974"/>
+            <a:ext cx="69977" cy="60325"/>
+          </a:xfrm>
+          <a:prstGeom prst="triangle">
+            <a:avLst/>
+          </a:prstGeom>
+          <a:solidFill>
+            <a:schemeClr val="accent6">
+              <a:lumMod val="60000"/>
+              <a:lumOff val="40000"/>
+            </a:schemeClr>
+          </a:solidFill>
+          <a:ln>
+            <a:noFill/>
+          </a:ln>
+        </p:spPr>
+        <p:style>
+          <a:lnRef idx="2">
+            <a:schemeClr val="accent1">
+              <a:shade val="15000"/>
+            </a:schemeClr>
+          </a:lnRef>
+          <a:fillRef idx="1">
+            <a:schemeClr val="accent1"/>
+          </a:fillRef>
+          <a:effectRef idx="0">
+            <a:schemeClr val="accent1"/>
+          </a:effectRef>
+          <a:fontRef idx="minor">
+            <a:schemeClr val="lt1"/>
+          </a:fontRef>
+        </p:style>
+        <p:txBody>
+          <a:bodyPr rtlCol="0" anchor="ctr"/>
+          <a:lstStyle/>
+          <a:p>
+            <a:pPr algn="ctr"/>
+            <a:endParaRPr lang="en-GB"/>
+          </a:p>
+        </p:txBody>
+      </p:sp>
+      <p:sp>
+        <p:nvSpPr>
+          <p:cNvPr id="24" name="Isosceles Triangle 23">
+            <a:extLst>
+              <a:ext uri="{FF2B5EF4-FFF2-40B4-BE49-F238E27FC236}">
+                <a16:creationId xmlns:a16="http://schemas.microsoft.com/office/drawing/2014/main" id="{5348E2F8-935A-84B2-C999-9952A11CE7E6}"/>
+              </a:ext>
+            </a:extLst>
+          </p:cNvPr>
+          <p:cNvSpPr/>
+          <p:nvPr/>
+        </p:nvSpPr>
+        <p:spPr>
+          <a:xfrm>
+            <a:off x="8423641" y="4191731"/>
+            <a:ext cx="127693" cy="110080"/>
+          </a:xfrm>
+          <a:prstGeom prst="triangle">
+            <a:avLst/>
+          </a:prstGeom>
+          <a:solidFill>
+            <a:schemeClr val="accent6">
+              <a:lumMod val="60000"/>
+              <a:lumOff val="40000"/>
+            </a:schemeClr>
+          </a:solidFill>
+          <a:ln>
+            <a:noFill/>
+          </a:ln>
+        </p:spPr>
+        <p:style>
+          <a:lnRef idx="2">
+            <a:schemeClr val="accent1">
+              <a:shade val="15000"/>
+            </a:schemeClr>
+          </a:lnRef>
+          <a:fillRef idx="1">
+            <a:schemeClr val="accent1"/>
+          </a:fillRef>
+          <a:effectRef idx="0">
+            <a:schemeClr val="accent1"/>
+          </a:effectRef>
+          <a:fontRef idx="minor">
+            <a:schemeClr val="lt1"/>
+          </a:fontRef>
+        </p:style>
+        <p:txBody>
+          <a:bodyPr rtlCol="0" anchor="ctr"/>
+          <a:lstStyle/>
+          <a:p>
+            <a:pPr algn="ctr"/>
+            <a:endParaRPr lang="en-GB"/>
+          </a:p>
+        </p:txBody>
+      </p:sp>
     </p:spTree>
     <p:extLst>
       <p:ext uri="{BB962C8B-B14F-4D97-AF65-F5344CB8AC3E}">
@@ -23318,6 +25047,1587 @@
           </a:p>
         </p:txBody>
       </p:sp>
+      <p:sp>
+        <p:nvSpPr>
+          <p:cNvPr id="3" name="Rectangle 2">
+            <a:extLst>
+              <a:ext uri="{FF2B5EF4-FFF2-40B4-BE49-F238E27FC236}">
+                <a16:creationId xmlns:a16="http://schemas.microsoft.com/office/drawing/2014/main" id="{D915C169-08CC-8E5B-81AB-578EC8D11F35}"/>
+              </a:ext>
+            </a:extLst>
+          </p:cNvPr>
+          <p:cNvSpPr/>
+          <p:nvPr/>
+        </p:nvSpPr>
+        <p:spPr>
+          <a:xfrm>
+            <a:off x="1" y="-990"/>
+            <a:ext cx="6096000" cy="501017"/>
+          </a:xfrm>
+          <a:prstGeom prst="rect">
+            <a:avLst/>
+          </a:prstGeom>
+          <a:solidFill>
+            <a:srgbClr val="980000"/>
+          </a:solidFill>
+          <a:ln>
+            <a:noFill/>
+          </a:ln>
+        </p:spPr>
+        <p:style>
+          <a:lnRef idx="2">
+            <a:schemeClr val="accent1">
+              <a:shade val="15000"/>
+            </a:schemeClr>
+          </a:lnRef>
+          <a:fillRef idx="1">
+            <a:schemeClr val="accent1"/>
+          </a:fillRef>
+          <a:effectRef idx="0">
+            <a:schemeClr val="accent1"/>
+          </a:effectRef>
+          <a:fontRef idx="minor">
+            <a:schemeClr val="lt1"/>
+          </a:fontRef>
+        </p:style>
+        <p:txBody>
+          <a:bodyPr rtlCol="0" anchor="ctr"/>
+          <a:lstStyle/>
+          <a:p>
+            <a:pPr algn="ctr"/>
+            <a:endParaRPr lang="en-GB"/>
+          </a:p>
+        </p:txBody>
+      </p:sp>
+      <p:sp>
+        <p:nvSpPr>
+          <p:cNvPr id="4" name="TextBox 3">
+            <a:extLst>
+              <a:ext uri="{FF2B5EF4-FFF2-40B4-BE49-F238E27FC236}">
+                <a16:creationId xmlns:a16="http://schemas.microsoft.com/office/drawing/2014/main" id="{8FE9FC21-9C8A-1D90-E870-039EFD96A39D}"/>
+              </a:ext>
+            </a:extLst>
+          </p:cNvPr>
+          <p:cNvSpPr txBox="1"/>
+          <p:nvPr/>
+        </p:nvSpPr>
+        <p:spPr>
+          <a:xfrm>
+            <a:off x="0" y="-990"/>
+            <a:ext cx="4105341" cy="461665"/>
+          </a:xfrm>
+          <a:prstGeom prst="rect">
+            <a:avLst/>
+          </a:prstGeom>
+          <a:noFill/>
+        </p:spPr>
+        <p:txBody>
+          <a:bodyPr wrap="square" rtlCol="0">
+            <a:spAutoFit/>
+          </a:bodyPr>
+          <a:lstStyle/>
+          <a:p>
+            <a:pPr algn="just"/>
+            <a:r>
+              <a:rPr lang="fr-FR" sz="2400" b="1" dirty="0">
+                <a:solidFill>
+                  <a:schemeClr val="bg1"/>
+                </a:solidFill>
+                <a:latin typeface="Times New Roman" panose="02020603050405020304" pitchFamily="18" charset="0"/>
+                <a:cs typeface="Times New Roman" panose="02020603050405020304" pitchFamily="18" charset="0"/>
+              </a:rPr>
+              <a:t>QUESTION E</a:t>
+            </a:r>
+            <a:endParaRPr lang="en-GB" sz="2400" b="1" dirty="0">
+              <a:solidFill>
+                <a:schemeClr val="bg1"/>
+              </a:solidFill>
+              <a:latin typeface="Times New Roman" panose="02020603050405020304" pitchFamily="18" charset="0"/>
+              <a:cs typeface="Times New Roman" panose="02020603050405020304" pitchFamily="18" charset="0"/>
+            </a:endParaRPr>
+          </a:p>
+        </p:txBody>
+      </p:sp>
+      <p:sp>
+        <p:nvSpPr>
+          <p:cNvPr id="5" name="Rectangle 4">
+            <a:extLst>
+              <a:ext uri="{FF2B5EF4-FFF2-40B4-BE49-F238E27FC236}">
+                <a16:creationId xmlns:a16="http://schemas.microsoft.com/office/drawing/2014/main" id="{A1169C53-176F-E0EA-C65C-D36F96EBBFEE}"/>
+              </a:ext>
+            </a:extLst>
+          </p:cNvPr>
+          <p:cNvSpPr/>
+          <p:nvPr/>
+        </p:nvSpPr>
+        <p:spPr>
+          <a:xfrm>
+            <a:off x="6096000" y="0"/>
+            <a:ext cx="6096000" cy="501017"/>
+          </a:xfrm>
+          <a:prstGeom prst="rect">
+            <a:avLst/>
+          </a:prstGeom>
+          <a:solidFill>
+            <a:srgbClr val="D9D9D9"/>
+          </a:solidFill>
+          <a:ln>
+            <a:noFill/>
+          </a:ln>
+        </p:spPr>
+        <p:style>
+          <a:lnRef idx="2">
+            <a:schemeClr val="accent1">
+              <a:shade val="15000"/>
+            </a:schemeClr>
+          </a:lnRef>
+          <a:fillRef idx="1">
+            <a:schemeClr val="accent1"/>
+          </a:fillRef>
+          <a:effectRef idx="0">
+            <a:schemeClr val="accent1"/>
+          </a:effectRef>
+          <a:fontRef idx="minor">
+            <a:schemeClr val="lt1"/>
+          </a:fontRef>
+        </p:style>
+        <p:txBody>
+          <a:bodyPr rtlCol="0" anchor="ctr"/>
+          <a:lstStyle/>
+          <a:p>
+            <a:pPr algn="ctr"/>
+            <a:endParaRPr lang="en-GB"/>
+          </a:p>
+        </p:txBody>
+      </p:sp>
+      <p:sp>
+        <p:nvSpPr>
+          <p:cNvPr id="6" name="TextBox 5">
+            <a:extLst>
+              <a:ext uri="{FF2B5EF4-FFF2-40B4-BE49-F238E27FC236}">
+                <a16:creationId xmlns:a16="http://schemas.microsoft.com/office/drawing/2014/main" id="{51B5442A-C3C4-1A8F-D37A-D5F1A379EC7E}"/>
+              </a:ext>
+            </a:extLst>
+          </p:cNvPr>
+          <p:cNvSpPr txBox="1"/>
+          <p:nvPr/>
+        </p:nvSpPr>
+        <p:spPr>
+          <a:xfrm>
+            <a:off x="-2" y="627468"/>
+            <a:ext cx="12192001" cy="369332"/>
+          </a:xfrm>
+          <a:prstGeom prst="rect">
+            <a:avLst/>
+          </a:prstGeom>
+          <a:noFill/>
+        </p:spPr>
+        <p:txBody>
+          <a:bodyPr wrap="square" rtlCol="0">
+            <a:spAutoFit/>
+          </a:bodyPr>
+          <a:lstStyle/>
+          <a:p>
+            <a:pPr algn="just"/>
+            <a:r>
+              <a:rPr lang="fr-FR" dirty="0">
+                <a:latin typeface="Times New Roman" panose="02020603050405020304" pitchFamily="18" charset="0"/>
+                <a:cs typeface="Times New Roman" panose="02020603050405020304" pitchFamily="18" charset="0"/>
+              </a:rPr>
+              <a:t>On obtient les courbes suivantes (seuls les points liés sont utilisés pour déterminer la convergence asymptotique) : </a:t>
+            </a:r>
+            <a:endParaRPr lang="en-GB" dirty="0">
+              <a:latin typeface="Times New Roman" panose="02020603050405020304" pitchFamily="18" charset="0"/>
+              <a:cs typeface="Times New Roman" panose="02020603050405020304" pitchFamily="18" charset="0"/>
+            </a:endParaRPr>
+          </a:p>
+        </p:txBody>
+      </p:sp>
+      <mc:AlternateContent xmlns:mc="http://schemas.openxmlformats.org/markup-compatibility/2006">
+        <mc:Choice xmlns:a14="http://schemas.microsoft.com/office/drawing/2010/main" Requires="a14">
+          <p:sp>
+            <p:nvSpPr>
+              <p:cNvPr id="7" name="TextBox 6">
+                <a:extLst>
+                  <a:ext uri="{FF2B5EF4-FFF2-40B4-BE49-F238E27FC236}">
+                    <a16:creationId xmlns:a16="http://schemas.microsoft.com/office/drawing/2014/main" id="{B4A4AEAA-67D2-4085-2A3F-E1A998B2D302}"/>
+                  </a:ext>
+                </a:extLst>
+              </p:cNvPr>
+              <p:cNvSpPr txBox="1"/>
+              <p:nvPr/>
+            </p:nvSpPr>
+            <p:spPr>
+              <a:xfrm>
+                <a:off x="5435599" y="1320202"/>
+                <a:ext cx="3716867" cy="369332"/>
+              </a:xfrm>
+              <a:prstGeom prst="rect">
+                <a:avLst/>
+              </a:prstGeom>
+              <a:noFill/>
+            </p:spPr>
+            <p:txBody>
+              <a:bodyPr wrap="square" rtlCol="0">
+                <a:spAutoFit/>
+              </a:bodyPr>
+              <a:lstStyle/>
+              <a:p>
+                <a:pPr algn="just"/>
+                <a:r>
+                  <a:rPr lang="fr-FR" dirty="0">
+                    <a:latin typeface="Times New Roman" panose="02020603050405020304" pitchFamily="18" charset="0"/>
+                    <a:cs typeface="Times New Roman" panose="02020603050405020304" pitchFamily="18" charset="0"/>
+                  </a:rPr>
+                  <a:t>Ordre de convergence </a:t>
+                </a:r>
+                <a14:m>
+                  <m:oMath xmlns:m="http://schemas.openxmlformats.org/officeDocument/2006/math">
+                    <m:sSub>
+                      <m:sSubPr>
+                        <m:ctrlPr>
+                          <a:rPr lang="fr-FR" b="0" i="1" smtClean="0">
+                            <a:latin typeface="Cambria Math" panose="02040503050406030204" pitchFamily="18" charset="0"/>
+                            <a:cs typeface="Times New Roman" panose="02020603050405020304" pitchFamily="18" charset="0"/>
+                          </a:rPr>
+                        </m:ctrlPr>
+                      </m:sSubPr>
+                      <m:e>
+                        <m:r>
+                          <m:rPr>
+                            <m:sty m:val="p"/>
+                          </m:rPr>
+                          <a:rPr lang="fr-FR" b="0" i="0" smtClean="0">
+                            <a:latin typeface="Cambria Math" panose="02040503050406030204" pitchFamily="18" charset="0"/>
+                            <a:cs typeface="Times New Roman" panose="02020603050405020304" pitchFamily="18" charset="0"/>
+                          </a:rPr>
+                          <m:t>L</m:t>
+                        </m:r>
+                      </m:e>
+                      <m:sub>
+                        <m:r>
+                          <a:rPr lang="fr-FR" b="0" i="0" smtClean="0">
+                            <a:latin typeface="Cambria Math" panose="02040503050406030204" pitchFamily="18" charset="0"/>
+                            <a:cs typeface="Times New Roman" panose="02020603050405020304" pitchFamily="18" charset="0"/>
+                          </a:rPr>
+                          <m:t>1</m:t>
+                        </m:r>
+                      </m:sub>
+                    </m:sSub>
+                    <m:r>
+                      <a:rPr lang="fr-FR" b="0" i="1" smtClean="0">
+                        <a:latin typeface="Cambria Math" panose="02040503050406030204" pitchFamily="18" charset="0"/>
+                        <a:cs typeface="Times New Roman" panose="02020603050405020304" pitchFamily="18" charset="0"/>
+                      </a:rPr>
+                      <m:t>=</m:t>
+                    </m:r>
+                    <m:r>
+                      <a:rPr lang="fr-FR" b="0" i="1" smtClean="0">
+                        <a:latin typeface="Cambria Math" panose="02040503050406030204" pitchFamily="18" charset="0"/>
+                        <a:cs typeface="Times New Roman" panose="02020603050405020304" pitchFamily="18" charset="0"/>
+                      </a:rPr>
+                      <m:t>2.0335</m:t>
+                    </m:r>
+                  </m:oMath>
+                </a14:m>
+                <a:endParaRPr lang="en-GB" dirty="0">
+                  <a:latin typeface="Times New Roman" panose="02020603050405020304" pitchFamily="18" charset="0"/>
+                  <a:cs typeface="Times New Roman" panose="02020603050405020304" pitchFamily="18" charset="0"/>
+                </a:endParaRPr>
+              </a:p>
+            </p:txBody>
+          </p:sp>
+        </mc:Choice>
+        <mc:Fallback>
+          <p:sp>
+            <p:nvSpPr>
+              <p:cNvPr id="7" name="TextBox 6">
+                <a:extLst>
+                  <a:ext uri="{FF2B5EF4-FFF2-40B4-BE49-F238E27FC236}">
+                    <a16:creationId xmlns:a16="http://schemas.microsoft.com/office/drawing/2014/main" id="{B4A4AEAA-67D2-4085-2A3F-E1A998B2D302}"/>
+                  </a:ext>
+                </a:extLst>
+              </p:cNvPr>
+              <p:cNvSpPr txBox="1">
+                <a:spLocks noRot="1" noChangeAspect="1" noMove="1" noResize="1" noEditPoints="1" noAdjustHandles="1" noChangeArrowheads="1" noChangeShapeType="1" noTextEdit="1"/>
+              </p:cNvSpPr>
+              <p:nvPr/>
+            </p:nvSpPr>
+            <p:spPr>
+              <a:xfrm>
+                <a:off x="5435599" y="1320202"/>
+                <a:ext cx="3716867" cy="369332"/>
+              </a:xfrm>
+              <a:prstGeom prst="rect">
+                <a:avLst/>
+              </a:prstGeom>
+              <a:blipFill>
+                <a:blip r:embed="rId3"/>
+                <a:stretch>
+                  <a:fillRect l="-1478" t="-10000" b="-26667"/>
+                </a:stretch>
+              </a:blipFill>
+            </p:spPr>
+            <p:txBody>
+              <a:bodyPr/>
+              <a:lstStyle/>
+              <a:p>
+                <a:r>
+                  <a:rPr lang="en-GB">
+                    <a:noFill/>
+                  </a:rPr>
+                  <a:t> </a:t>
+                </a:r>
+              </a:p>
+            </p:txBody>
+          </p:sp>
+        </mc:Fallback>
+      </mc:AlternateContent>
+      <mc:AlternateContent xmlns:mc="http://schemas.openxmlformats.org/markup-compatibility/2006">
+        <mc:Choice xmlns:a14="http://schemas.microsoft.com/office/drawing/2010/main" Requires="a14">
+          <p:sp>
+            <p:nvSpPr>
+              <p:cNvPr id="8" name="TextBox 7">
+                <a:extLst>
+                  <a:ext uri="{FF2B5EF4-FFF2-40B4-BE49-F238E27FC236}">
+                    <a16:creationId xmlns:a16="http://schemas.microsoft.com/office/drawing/2014/main" id="{54FE27B9-FBF6-20B1-0B4D-41BE7711BFE0}"/>
+                  </a:ext>
+                </a:extLst>
+              </p:cNvPr>
+              <p:cNvSpPr txBox="1"/>
+              <p:nvPr/>
+            </p:nvSpPr>
+            <p:spPr>
+              <a:xfrm>
+                <a:off x="5435599" y="1643368"/>
+                <a:ext cx="3716867" cy="369332"/>
+              </a:xfrm>
+              <a:prstGeom prst="rect">
+                <a:avLst/>
+              </a:prstGeom>
+              <a:noFill/>
+            </p:spPr>
+            <p:txBody>
+              <a:bodyPr wrap="square" rtlCol="0">
+                <a:spAutoFit/>
+              </a:bodyPr>
+              <a:lstStyle/>
+              <a:p>
+                <a:pPr algn="just"/>
+                <a:r>
+                  <a:rPr lang="fr-FR" dirty="0">
+                    <a:latin typeface="Times New Roman" panose="02020603050405020304" pitchFamily="18" charset="0"/>
+                    <a:cs typeface="Times New Roman" panose="02020603050405020304" pitchFamily="18" charset="0"/>
+                  </a:rPr>
+                  <a:t>Ordre de convergence </a:t>
+                </a:r>
+                <a14:m>
+                  <m:oMath xmlns:m="http://schemas.openxmlformats.org/officeDocument/2006/math">
+                    <m:sSub>
+                      <m:sSubPr>
+                        <m:ctrlPr>
+                          <a:rPr lang="fr-FR" b="0" i="1" smtClean="0">
+                            <a:latin typeface="Cambria Math" panose="02040503050406030204" pitchFamily="18" charset="0"/>
+                            <a:cs typeface="Times New Roman" panose="02020603050405020304" pitchFamily="18" charset="0"/>
+                          </a:rPr>
+                        </m:ctrlPr>
+                      </m:sSubPr>
+                      <m:e>
+                        <m:r>
+                          <m:rPr>
+                            <m:sty m:val="p"/>
+                          </m:rPr>
+                          <a:rPr lang="fr-FR" b="0" i="0" smtClean="0">
+                            <a:latin typeface="Cambria Math" panose="02040503050406030204" pitchFamily="18" charset="0"/>
+                            <a:cs typeface="Times New Roman" panose="02020603050405020304" pitchFamily="18" charset="0"/>
+                          </a:rPr>
+                          <m:t>L</m:t>
+                        </m:r>
+                      </m:e>
+                      <m:sub>
+                        <m:r>
+                          <a:rPr lang="fr-FR" b="0" i="0" smtClean="0">
+                            <a:latin typeface="Cambria Math" panose="02040503050406030204" pitchFamily="18" charset="0"/>
+                            <a:cs typeface="Times New Roman" panose="02020603050405020304" pitchFamily="18" charset="0"/>
+                          </a:rPr>
+                          <m:t>2</m:t>
+                        </m:r>
+                      </m:sub>
+                    </m:sSub>
+                    <m:r>
+                      <a:rPr lang="fr-FR" b="0" i="1" smtClean="0">
+                        <a:latin typeface="Cambria Math" panose="02040503050406030204" pitchFamily="18" charset="0"/>
+                        <a:cs typeface="Times New Roman" panose="02020603050405020304" pitchFamily="18" charset="0"/>
+                      </a:rPr>
+                      <m:t>=</m:t>
+                    </m:r>
+                    <m:r>
+                      <a:rPr lang="fr-FR" b="0" i="1" smtClean="0">
+                        <a:latin typeface="Cambria Math" panose="02040503050406030204" pitchFamily="18" charset="0"/>
+                        <a:cs typeface="Times New Roman" panose="02020603050405020304" pitchFamily="18" charset="0"/>
+                      </a:rPr>
+                      <m:t>2</m:t>
+                    </m:r>
+                    <m:r>
+                      <a:rPr lang="fr-FR" b="0" i="1" smtClean="0">
+                        <a:latin typeface="Cambria Math" panose="02040503050406030204" pitchFamily="18" charset="0"/>
+                        <a:cs typeface="Times New Roman" panose="02020603050405020304" pitchFamily="18" charset="0"/>
+                      </a:rPr>
+                      <m:t>.</m:t>
+                    </m:r>
+                    <m:r>
+                      <a:rPr lang="fr-FR" b="0" i="1" smtClean="0">
+                        <a:latin typeface="Cambria Math" panose="02040503050406030204" pitchFamily="18" charset="0"/>
+                        <a:cs typeface="Times New Roman" panose="02020603050405020304" pitchFamily="18" charset="0"/>
+                      </a:rPr>
+                      <m:t>0366</m:t>
+                    </m:r>
+                  </m:oMath>
+                </a14:m>
+                <a:endParaRPr lang="en-GB" dirty="0">
+                  <a:latin typeface="Times New Roman" panose="02020603050405020304" pitchFamily="18" charset="0"/>
+                  <a:cs typeface="Times New Roman" panose="02020603050405020304" pitchFamily="18" charset="0"/>
+                </a:endParaRPr>
+              </a:p>
+            </p:txBody>
+          </p:sp>
+        </mc:Choice>
+        <mc:Fallback>
+          <p:sp>
+            <p:nvSpPr>
+              <p:cNvPr id="8" name="TextBox 7">
+                <a:extLst>
+                  <a:ext uri="{FF2B5EF4-FFF2-40B4-BE49-F238E27FC236}">
+                    <a16:creationId xmlns:a16="http://schemas.microsoft.com/office/drawing/2014/main" id="{54FE27B9-FBF6-20B1-0B4D-41BE7711BFE0}"/>
+                  </a:ext>
+                </a:extLst>
+              </p:cNvPr>
+              <p:cNvSpPr txBox="1">
+                <a:spLocks noRot="1" noChangeAspect="1" noMove="1" noResize="1" noEditPoints="1" noAdjustHandles="1" noChangeArrowheads="1" noChangeShapeType="1" noTextEdit="1"/>
+              </p:cNvSpPr>
+              <p:nvPr/>
+            </p:nvSpPr>
+            <p:spPr>
+              <a:xfrm>
+                <a:off x="5435599" y="1643368"/>
+                <a:ext cx="3716867" cy="369332"/>
+              </a:xfrm>
+              <a:prstGeom prst="rect">
+                <a:avLst/>
+              </a:prstGeom>
+              <a:blipFill>
+                <a:blip r:embed="rId4"/>
+                <a:stretch>
+                  <a:fillRect l="-1478" t="-10000" b="-26667"/>
+                </a:stretch>
+              </a:blipFill>
+            </p:spPr>
+            <p:txBody>
+              <a:bodyPr/>
+              <a:lstStyle/>
+              <a:p>
+                <a:r>
+                  <a:rPr lang="en-GB">
+                    <a:noFill/>
+                  </a:rPr>
+                  <a:t> </a:t>
+                </a:r>
+              </a:p>
+            </p:txBody>
+          </p:sp>
+        </mc:Fallback>
+      </mc:AlternateContent>
+      <mc:AlternateContent xmlns:mc="http://schemas.openxmlformats.org/markup-compatibility/2006">
+        <mc:Choice xmlns:a14="http://schemas.microsoft.com/office/drawing/2010/main" Requires="a14">
+          <p:sp>
+            <p:nvSpPr>
+              <p:cNvPr id="9" name="TextBox 8">
+                <a:extLst>
+                  <a:ext uri="{FF2B5EF4-FFF2-40B4-BE49-F238E27FC236}">
+                    <a16:creationId xmlns:a16="http://schemas.microsoft.com/office/drawing/2014/main" id="{3CC477B4-9D08-9683-DC4C-A1D5D9BBA01C}"/>
+                  </a:ext>
+                </a:extLst>
+              </p:cNvPr>
+              <p:cNvSpPr txBox="1"/>
+              <p:nvPr/>
+            </p:nvSpPr>
+            <p:spPr>
+              <a:xfrm>
+                <a:off x="5435599" y="1966533"/>
+                <a:ext cx="3716867" cy="369332"/>
+              </a:xfrm>
+              <a:prstGeom prst="rect">
+                <a:avLst/>
+              </a:prstGeom>
+              <a:noFill/>
+            </p:spPr>
+            <p:txBody>
+              <a:bodyPr wrap="square" rtlCol="0">
+                <a:spAutoFit/>
+              </a:bodyPr>
+              <a:lstStyle/>
+              <a:p>
+                <a:pPr algn="just"/>
+                <a:r>
+                  <a:rPr lang="fr-FR" dirty="0">
+                    <a:latin typeface="Times New Roman" panose="02020603050405020304" pitchFamily="18" charset="0"/>
+                    <a:cs typeface="Times New Roman" panose="02020603050405020304" pitchFamily="18" charset="0"/>
+                  </a:rPr>
+                  <a:t>Ordre de convergence </a:t>
+                </a:r>
+                <a14:m>
+                  <m:oMath xmlns:m="http://schemas.openxmlformats.org/officeDocument/2006/math">
+                    <m:sSub>
+                      <m:sSubPr>
+                        <m:ctrlPr>
+                          <a:rPr lang="fr-FR" b="0" i="1" smtClean="0">
+                            <a:latin typeface="Cambria Math" panose="02040503050406030204" pitchFamily="18" charset="0"/>
+                            <a:ea typeface="Cambria Math" panose="02040503050406030204" pitchFamily="18" charset="0"/>
+                            <a:cs typeface="Times New Roman" panose="02020603050405020304" pitchFamily="18" charset="0"/>
+                          </a:rPr>
+                        </m:ctrlPr>
+                      </m:sSubPr>
+                      <m:e>
+                        <m:r>
+                          <m:rPr>
+                            <m:sty m:val="p"/>
+                          </m:rPr>
+                          <a:rPr lang="fr-FR" b="0" i="0" smtClean="0">
+                            <a:latin typeface="Cambria Math" panose="02040503050406030204" pitchFamily="18" charset="0"/>
+                            <a:ea typeface="Cambria Math" panose="02040503050406030204" pitchFamily="18" charset="0"/>
+                            <a:cs typeface="Times New Roman" panose="02020603050405020304" pitchFamily="18" charset="0"/>
+                          </a:rPr>
+                          <m:t>L</m:t>
+                        </m:r>
+                      </m:e>
+                      <m:sub>
+                        <m:r>
+                          <a:rPr lang="fr-FR" i="1">
+                            <a:latin typeface="Cambria Math" panose="02040503050406030204" pitchFamily="18" charset="0"/>
+                            <a:ea typeface="Cambria Math" panose="02040503050406030204" pitchFamily="18" charset="0"/>
+                            <a:cs typeface="Times New Roman" panose="02020603050405020304" pitchFamily="18" charset="0"/>
+                          </a:rPr>
+                          <m:t>∞</m:t>
+                        </m:r>
+                      </m:sub>
+                    </m:sSub>
+                  </m:oMath>
+                </a14:m>
+                <a:r>
+                  <a:rPr lang="fr-FR" dirty="0">
+                    <a:latin typeface="Times New Roman" panose="02020603050405020304" pitchFamily="18" charset="0"/>
+                    <a:cs typeface="Times New Roman" panose="02020603050405020304" pitchFamily="18" charset="0"/>
+                  </a:rPr>
+                  <a:t> </a:t>
+                </a:r>
+                <a14:m>
+                  <m:oMath xmlns:m="http://schemas.openxmlformats.org/officeDocument/2006/math">
+                    <m:r>
+                      <a:rPr lang="fr-FR" b="0" i="1" smtClean="0">
+                        <a:latin typeface="Cambria Math" panose="02040503050406030204" pitchFamily="18" charset="0"/>
+                        <a:cs typeface="Times New Roman" panose="02020603050405020304" pitchFamily="18" charset="0"/>
+                      </a:rPr>
+                      <m:t>=1.</m:t>
+                    </m:r>
+                    <m:r>
+                      <a:rPr lang="fr-FR" b="0" i="1" smtClean="0">
+                        <a:latin typeface="Cambria Math" panose="02040503050406030204" pitchFamily="18" charset="0"/>
+                        <a:cs typeface="Times New Roman" panose="02020603050405020304" pitchFamily="18" charset="0"/>
+                      </a:rPr>
+                      <m:t>8444</m:t>
+                    </m:r>
+                  </m:oMath>
+                </a14:m>
+                <a:endParaRPr lang="en-GB" dirty="0">
+                  <a:latin typeface="Times New Roman" panose="02020603050405020304" pitchFamily="18" charset="0"/>
+                  <a:cs typeface="Times New Roman" panose="02020603050405020304" pitchFamily="18" charset="0"/>
+                </a:endParaRPr>
+              </a:p>
+            </p:txBody>
+          </p:sp>
+        </mc:Choice>
+        <mc:Fallback>
+          <p:sp>
+            <p:nvSpPr>
+              <p:cNvPr id="9" name="TextBox 8">
+                <a:extLst>
+                  <a:ext uri="{FF2B5EF4-FFF2-40B4-BE49-F238E27FC236}">
+                    <a16:creationId xmlns:a16="http://schemas.microsoft.com/office/drawing/2014/main" id="{3CC477B4-9D08-9683-DC4C-A1D5D9BBA01C}"/>
+                  </a:ext>
+                </a:extLst>
+              </p:cNvPr>
+              <p:cNvSpPr txBox="1">
+                <a:spLocks noRot="1" noChangeAspect="1" noMove="1" noResize="1" noEditPoints="1" noAdjustHandles="1" noChangeArrowheads="1" noChangeShapeType="1" noTextEdit="1"/>
+              </p:cNvSpPr>
+              <p:nvPr/>
+            </p:nvSpPr>
+            <p:spPr>
+              <a:xfrm>
+                <a:off x="5435599" y="1966533"/>
+                <a:ext cx="3716867" cy="369332"/>
+              </a:xfrm>
+              <a:prstGeom prst="rect">
+                <a:avLst/>
+              </a:prstGeom>
+              <a:blipFill>
+                <a:blip r:embed="rId5"/>
+                <a:stretch>
+                  <a:fillRect l="-1478" t="-10000" b="-26667"/>
+                </a:stretch>
+              </a:blipFill>
+            </p:spPr>
+            <p:txBody>
+              <a:bodyPr/>
+              <a:lstStyle/>
+              <a:p>
+                <a:r>
+                  <a:rPr lang="en-GB">
+                    <a:noFill/>
+                  </a:rPr>
+                  <a:t> </a:t>
+                </a:r>
+              </a:p>
+            </p:txBody>
+          </p:sp>
+        </mc:Fallback>
+      </mc:AlternateContent>
+      <mc:AlternateContent xmlns:mc="http://schemas.openxmlformats.org/markup-compatibility/2006">
+        <mc:Choice xmlns:a14="http://schemas.microsoft.com/office/drawing/2010/main" Requires="a14">
+          <p:sp>
+            <p:nvSpPr>
+              <p:cNvPr id="10" name="TextBox 9">
+                <a:extLst>
+                  <a:ext uri="{FF2B5EF4-FFF2-40B4-BE49-F238E27FC236}">
+                    <a16:creationId xmlns:a16="http://schemas.microsoft.com/office/drawing/2014/main" id="{13A11EAD-00C7-DE8C-6393-ABE7B1826CB4}"/>
+                  </a:ext>
+                </a:extLst>
+              </p:cNvPr>
+              <p:cNvSpPr txBox="1"/>
+              <p:nvPr/>
+            </p:nvSpPr>
+            <p:spPr>
+              <a:xfrm>
+                <a:off x="5435599" y="2336801"/>
+                <a:ext cx="6620934" cy="3139321"/>
+              </a:xfrm>
+              <a:prstGeom prst="rect">
+                <a:avLst/>
+              </a:prstGeom>
+              <a:noFill/>
+            </p:spPr>
+            <p:txBody>
+              <a:bodyPr wrap="square" rtlCol="0">
+                <a:spAutoFit/>
+              </a:bodyPr>
+              <a:lstStyle/>
+              <a:p>
+                <a:pPr algn="just"/>
+                <a:r>
+                  <a:rPr lang="fr-FR" dirty="0">
+                    <a:latin typeface="Times New Roman" panose="02020603050405020304" pitchFamily="18" charset="0"/>
+                    <a:cs typeface="Times New Roman" panose="02020603050405020304" pitchFamily="18" charset="0"/>
+                  </a:rPr>
+                  <a:t>Dans les cas </a:t>
+                </a:r>
+                <a14:m>
+                  <m:oMath xmlns:m="http://schemas.openxmlformats.org/officeDocument/2006/math">
+                    <m:sSub>
+                      <m:sSubPr>
+                        <m:ctrlPr>
+                          <a:rPr lang="fr-FR" i="1">
+                            <a:latin typeface="Cambria Math" panose="02040503050406030204" pitchFamily="18" charset="0"/>
+                            <a:cs typeface="Times New Roman" panose="02020603050405020304" pitchFamily="18" charset="0"/>
+                          </a:rPr>
+                        </m:ctrlPr>
+                      </m:sSubPr>
+                      <m:e>
+                        <m:r>
+                          <m:rPr>
+                            <m:sty m:val="p"/>
+                          </m:rPr>
+                          <a:rPr lang="fr-FR">
+                            <a:latin typeface="Cambria Math" panose="02040503050406030204" pitchFamily="18" charset="0"/>
+                            <a:cs typeface="Times New Roman" panose="02020603050405020304" pitchFamily="18" charset="0"/>
+                          </a:rPr>
+                          <m:t>L</m:t>
+                        </m:r>
+                      </m:e>
+                      <m:sub>
+                        <m:r>
+                          <a:rPr lang="fr-FR">
+                            <a:latin typeface="Cambria Math" panose="02040503050406030204" pitchFamily="18" charset="0"/>
+                            <a:cs typeface="Times New Roman" panose="02020603050405020304" pitchFamily="18" charset="0"/>
+                          </a:rPr>
+                          <m:t>1</m:t>
+                        </m:r>
+                      </m:sub>
+                    </m:sSub>
+                  </m:oMath>
+                </a14:m>
+                <a:r>
+                  <a:rPr lang="fr-FR" dirty="0">
+                    <a:latin typeface="Times New Roman" panose="02020603050405020304" pitchFamily="18" charset="0"/>
+                    <a:cs typeface="Times New Roman" panose="02020603050405020304" pitchFamily="18" charset="0"/>
+                  </a:rPr>
+                  <a:t> et </a:t>
+                </a:r>
+                <a14:m>
+                  <m:oMath xmlns:m="http://schemas.openxmlformats.org/officeDocument/2006/math">
+                    <m:sSub>
+                      <m:sSubPr>
+                        <m:ctrlPr>
+                          <a:rPr lang="fr-FR" i="1">
+                            <a:latin typeface="Cambria Math" panose="02040503050406030204" pitchFamily="18" charset="0"/>
+                            <a:cs typeface="Times New Roman" panose="02020603050405020304" pitchFamily="18" charset="0"/>
+                          </a:rPr>
+                        </m:ctrlPr>
+                      </m:sSubPr>
+                      <m:e>
+                        <m:r>
+                          <m:rPr>
+                            <m:sty m:val="p"/>
+                          </m:rPr>
+                          <a:rPr lang="fr-FR">
+                            <a:latin typeface="Cambria Math" panose="02040503050406030204" pitchFamily="18" charset="0"/>
+                            <a:cs typeface="Times New Roman" panose="02020603050405020304" pitchFamily="18" charset="0"/>
+                          </a:rPr>
+                          <m:t>L</m:t>
+                        </m:r>
+                      </m:e>
+                      <m:sub>
+                        <m:r>
+                          <a:rPr lang="fr-FR" b="0" i="0" smtClean="0">
+                            <a:latin typeface="Cambria Math" panose="02040503050406030204" pitchFamily="18" charset="0"/>
+                            <a:cs typeface="Times New Roman" panose="02020603050405020304" pitchFamily="18" charset="0"/>
+                          </a:rPr>
+                          <m:t>2</m:t>
+                        </m:r>
+                      </m:sub>
+                    </m:sSub>
+                  </m:oMath>
+                </a14:m>
+                <a:r>
+                  <a:rPr lang="fr-FR" dirty="0">
+                    <a:latin typeface="Times New Roman" panose="02020603050405020304" pitchFamily="18" charset="0"/>
+                    <a:cs typeface="Times New Roman" panose="02020603050405020304" pitchFamily="18" charset="0"/>
+                  </a:rPr>
+                  <a:t>, on retrouve bien un ordre de convergence très proche (intervalle de confiance</a:t>
+                </a:r>
+                <a14:m>
+                  <m:oMath xmlns:m="http://schemas.openxmlformats.org/officeDocument/2006/math">
+                    <m:r>
+                      <a:rPr lang="fr-FR" i="1" smtClean="0">
+                        <a:latin typeface="Cambria Math" panose="02040503050406030204" pitchFamily="18" charset="0"/>
+                        <a:ea typeface="Cambria Math" panose="02040503050406030204" pitchFamily="18" charset="0"/>
+                        <a:cs typeface="Times New Roman" panose="02020603050405020304" pitchFamily="18" charset="0"/>
+                      </a:rPr>
+                      <m:t>&lt;</m:t>
+                    </m:r>
+                    <m:r>
+                      <a:rPr lang="fr-FR" b="0" i="1" smtClean="0">
+                        <a:latin typeface="Cambria Math" panose="02040503050406030204" pitchFamily="18" charset="0"/>
+                        <a:ea typeface="Cambria Math" panose="02040503050406030204" pitchFamily="18" charset="0"/>
+                        <a:cs typeface="Times New Roman" panose="02020603050405020304" pitchFamily="18" charset="0"/>
+                      </a:rPr>
+                      <m:t>1%</m:t>
+                    </m:r>
+                  </m:oMath>
+                </a14:m>
+                <a:r>
+                  <a:rPr lang="fr-FR" dirty="0">
+                    <a:latin typeface="Times New Roman" panose="02020603050405020304" pitchFamily="18" charset="0"/>
+                    <a:cs typeface="Times New Roman" panose="02020603050405020304" pitchFamily="18" charset="0"/>
+                  </a:rPr>
+                  <a:t>) de l’ordre formel attendu théoriquement. Néanmoins, cela n’est pas le cas pour l’ordre de convergence </a:t>
+                </a:r>
+                <a14:m>
+                  <m:oMath xmlns:m="http://schemas.openxmlformats.org/officeDocument/2006/math">
+                    <m:sSub>
+                      <m:sSubPr>
+                        <m:ctrlPr>
+                          <a:rPr lang="fr-FR" i="1">
+                            <a:latin typeface="Cambria Math" panose="02040503050406030204" pitchFamily="18" charset="0"/>
+                            <a:ea typeface="Cambria Math" panose="02040503050406030204" pitchFamily="18" charset="0"/>
+                            <a:cs typeface="Times New Roman" panose="02020603050405020304" pitchFamily="18" charset="0"/>
+                          </a:rPr>
+                        </m:ctrlPr>
+                      </m:sSubPr>
+                      <m:e>
+                        <m:r>
+                          <m:rPr>
+                            <m:sty m:val="p"/>
+                          </m:rPr>
+                          <a:rPr lang="fr-FR">
+                            <a:latin typeface="Cambria Math" panose="02040503050406030204" pitchFamily="18" charset="0"/>
+                            <a:ea typeface="Cambria Math" panose="02040503050406030204" pitchFamily="18" charset="0"/>
+                            <a:cs typeface="Times New Roman" panose="02020603050405020304" pitchFamily="18" charset="0"/>
+                          </a:rPr>
+                          <m:t>L</m:t>
+                        </m:r>
+                      </m:e>
+                      <m:sub>
+                        <m:r>
+                          <a:rPr lang="fr-FR" i="1">
+                            <a:latin typeface="Cambria Math" panose="02040503050406030204" pitchFamily="18" charset="0"/>
+                            <a:ea typeface="Cambria Math" panose="02040503050406030204" pitchFamily="18" charset="0"/>
+                            <a:cs typeface="Times New Roman" panose="02020603050405020304" pitchFamily="18" charset="0"/>
+                          </a:rPr>
+                          <m:t>∞</m:t>
+                        </m:r>
+                      </m:sub>
+                    </m:sSub>
+                  </m:oMath>
+                </a14:m>
+                <a:r>
+                  <a:rPr lang="fr-FR" dirty="0">
+                    <a:latin typeface="Times New Roman" panose="02020603050405020304" pitchFamily="18" charset="0"/>
+                    <a:cs typeface="Times New Roman" panose="02020603050405020304" pitchFamily="18" charset="0"/>
+                  </a:rPr>
+                  <a:t> qui est « mauvais » (ce qui contraste avec le résultat de cette norme obtenue précédemment).</a:t>
+                </a:r>
+              </a:p>
+              <a:p>
+                <a:pPr algn="just"/>
+                <a:endParaRPr lang="fr-FR" dirty="0">
+                  <a:latin typeface="Times New Roman" panose="02020603050405020304" pitchFamily="18" charset="0"/>
+                  <a:cs typeface="Times New Roman" panose="02020603050405020304" pitchFamily="18" charset="0"/>
+                </a:endParaRPr>
+              </a:p>
+              <a:p>
+                <a:pPr algn="just"/>
+                <a:r>
+                  <a:rPr lang="fr-FR" dirty="0">
+                    <a:latin typeface="Times New Roman" panose="02020603050405020304" pitchFamily="18" charset="0"/>
+                    <a:cs typeface="Times New Roman" panose="02020603050405020304" pitchFamily="18" charset="0"/>
+                  </a:rPr>
+                  <a:t>Si l’on prend que les deux derniers points (i.e., ceux avec les maillages les plus fins), nous obtenons les résultats suivants : </a:t>
+                </a:r>
+                <a:endParaRPr lang="en-GB" dirty="0">
+                  <a:latin typeface="Times New Roman" panose="02020603050405020304" pitchFamily="18" charset="0"/>
+                  <a:cs typeface="Times New Roman" panose="02020603050405020304" pitchFamily="18" charset="0"/>
+                </a:endParaRPr>
+              </a:p>
+              <a:p>
+                <a:pPr algn="just"/>
+                <a:endParaRPr lang="fr-FR" dirty="0">
+                  <a:latin typeface="Times New Roman" panose="02020603050405020304" pitchFamily="18" charset="0"/>
+                  <a:cs typeface="Times New Roman" panose="02020603050405020304" pitchFamily="18" charset="0"/>
+                </a:endParaRPr>
+              </a:p>
+              <a:p>
+                <a:pPr algn="just"/>
+                <a:endParaRPr lang="fr-FR" dirty="0">
+                  <a:latin typeface="Times New Roman" panose="02020603050405020304" pitchFamily="18" charset="0"/>
+                  <a:cs typeface="Times New Roman" panose="02020603050405020304" pitchFamily="18" charset="0"/>
+                </a:endParaRPr>
+              </a:p>
+              <a:p>
+                <a:pPr algn="just"/>
+                <a:r>
+                  <a:rPr lang="fr-FR" dirty="0">
+                    <a:latin typeface="Times New Roman" panose="02020603050405020304" pitchFamily="18" charset="0"/>
+                    <a:cs typeface="Times New Roman" panose="02020603050405020304" pitchFamily="18" charset="0"/>
+                  </a:rPr>
+                  <a:t> </a:t>
+                </a:r>
+              </a:p>
+            </p:txBody>
+          </p:sp>
+        </mc:Choice>
+        <mc:Fallback>
+          <p:sp>
+            <p:nvSpPr>
+              <p:cNvPr id="10" name="TextBox 9">
+                <a:extLst>
+                  <a:ext uri="{FF2B5EF4-FFF2-40B4-BE49-F238E27FC236}">
+                    <a16:creationId xmlns:a16="http://schemas.microsoft.com/office/drawing/2014/main" id="{13A11EAD-00C7-DE8C-6393-ABE7B1826CB4}"/>
+                  </a:ext>
+                </a:extLst>
+              </p:cNvPr>
+              <p:cNvSpPr txBox="1">
+                <a:spLocks noRot="1" noChangeAspect="1" noMove="1" noResize="1" noEditPoints="1" noAdjustHandles="1" noChangeArrowheads="1" noChangeShapeType="1" noTextEdit="1"/>
+              </p:cNvSpPr>
+              <p:nvPr/>
+            </p:nvSpPr>
+            <p:spPr>
+              <a:xfrm>
+                <a:off x="5435599" y="2336801"/>
+                <a:ext cx="6620934" cy="3139321"/>
+              </a:xfrm>
+              <a:prstGeom prst="rect">
+                <a:avLst/>
+              </a:prstGeom>
+              <a:blipFill>
+                <a:blip r:embed="rId6"/>
+                <a:stretch>
+                  <a:fillRect l="-829" t="-971" r="-737"/>
+                </a:stretch>
+              </a:blipFill>
+            </p:spPr>
+            <p:txBody>
+              <a:bodyPr/>
+              <a:lstStyle/>
+              <a:p>
+                <a:r>
+                  <a:rPr lang="en-GB">
+                    <a:noFill/>
+                  </a:rPr>
+                  <a:t> </a:t>
+                </a:r>
+              </a:p>
+            </p:txBody>
+          </p:sp>
+        </mc:Fallback>
+      </mc:AlternateContent>
+      <p:sp>
+        <p:nvSpPr>
+          <p:cNvPr id="11" name="TextBox 10">
+            <a:extLst>
+              <a:ext uri="{FF2B5EF4-FFF2-40B4-BE49-F238E27FC236}">
+                <a16:creationId xmlns:a16="http://schemas.microsoft.com/office/drawing/2014/main" id="{35DD8227-809D-06CE-9270-2CC91121E055}"/>
+              </a:ext>
+            </a:extLst>
+          </p:cNvPr>
+          <p:cNvSpPr txBox="1"/>
+          <p:nvPr/>
+        </p:nvSpPr>
+        <p:spPr>
+          <a:xfrm>
+            <a:off x="11091333" y="6550222"/>
+            <a:ext cx="1100667" cy="307777"/>
+          </a:xfrm>
+          <a:prstGeom prst="rect">
+            <a:avLst/>
+          </a:prstGeom>
+          <a:noFill/>
+        </p:spPr>
+        <p:txBody>
+          <a:bodyPr wrap="square" rtlCol="0">
+            <a:spAutoFit/>
+          </a:bodyPr>
+          <a:lstStyle/>
+          <a:p>
+            <a:pPr algn="r"/>
+            <a:r>
+              <a:rPr lang="fr-FR" sz="1400" dirty="0">
+                <a:latin typeface="Times New Roman" panose="02020603050405020304" pitchFamily="18" charset="0"/>
+                <a:cs typeface="Times New Roman" panose="02020603050405020304" pitchFamily="18" charset="0"/>
+              </a:rPr>
+              <a:t>7/10</a:t>
+            </a:r>
+            <a:endParaRPr lang="en-GB" sz="1400" dirty="0">
+              <a:latin typeface="Times New Roman" panose="02020603050405020304" pitchFamily="18" charset="0"/>
+              <a:cs typeface="Times New Roman" panose="02020603050405020304" pitchFamily="18" charset="0"/>
+            </a:endParaRPr>
+          </a:p>
+        </p:txBody>
+      </p:sp>
+      <p:pic>
+        <p:nvPicPr>
+          <p:cNvPr id="14" name="Picture 13" descr="A graph with different colored lines&#10;&#10;AI-generated content may be incorrect.">
+            <a:extLst>
+              <a:ext uri="{FF2B5EF4-FFF2-40B4-BE49-F238E27FC236}">
+                <a16:creationId xmlns:a16="http://schemas.microsoft.com/office/drawing/2014/main" id="{53428223-B8B8-9853-173C-F8A2C540FD70}"/>
+              </a:ext>
+            </a:extLst>
+          </p:cNvPr>
+          <p:cNvPicPr>
+            <a:picLocks noChangeAspect="1"/>
+          </p:cNvPicPr>
+          <p:nvPr/>
+        </p:nvPicPr>
+        <p:blipFill>
+          <a:blip r:embed="rId7">
+            <a:extLst>
+              <a:ext uri="{28A0092B-C50C-407E-A947-70E740481C1C}">
+                <a14:useLocalDpi xmlns:a14="http://schemas.microsoft.com/office/drawing/2010/main" val="0"/>
+              </a:ext>
+            </a:extLst>
+          </a:blip>
+          <a:stretch>
+            <a:fillRect/>
+          </a:stretch>
+        </p:blipFill>
+        <p:spPr>
+          <a:xfrm>
+            <a:off x="-2" y="996800"/>
+            <a:ext cx="5435599" cy="4076699"/>
+          </a:xfrm>
+          <a:prstGeom prst="rect">
+            <a:avLst/>
+          </a:prstGeom>
+        </p:spPr>
+      </p:pic>
+      <mc:AlternateContent xmlns:mc="http://schemas.openxmlformats.org/markup-compatibility/2006">
+        <mc:Choice xmlns:a14="http://schemas.microsoft.com/office/drawing/2010/main" Requires="a14">
+          <p:sp>
+            <p:nvSpPr>
+              <p:cNvPr id="16" name="TextBox 15">
+                <a:extLst>
+                  <a:ext uri="{FF2B5EF4-FFF2-40B4-BE49-F238E27FC236}">
+                    <a16:creationId xmlns:a16="http://schemas.microsoft.com/office/drawing/2014/main" id="{7A6E1C14-3522-2401-987B-6C8323168AC0}"/>
+                  </a:ext>
+                </a:extLst>
+              </p:cNvPr>
+              <p:cNvSpPr txBox="1"/>
+              <p:nvPr/>
+            </p:nvSpPr>
+            <p:spPr>
+              <a:xfrm>
+                <a:off x="5435599" y="4704167"/>
+                <a:ext cx="3716867" cy="369332"/>
+              </a:xfrm>
+              <a:prstGeom prst="rect">
+                <a:avLst/>
+              </a:prstGeom>
+              <a:noFill/>
+            </p:spPr>
+            <p:txBody>
+              <a:bodyPr wrap="square" rtlCol="0">
+                <a:spAutoFit/>
+              </a:bodyPr>
+              <a:lstStyle/>
+              <a:p>
+                <a:pPr algn="just"/>
+                <a:r>
+                  <a:rPr lang="fr-FR" dirty="0">
+                    <a:latin typeface="Times New Roman" panose="02020603050405020304" pitchFamily="18" charset="0"/>
+                    <a:cs typeface="Times New Roman" panose="02020603050405020304" pitchFamily="18" charset="0"/>
+                  </a:rPr>
+                  <a:t>Ordre de convergence </a:t>
+                </a:r>
+                <a14:m>
+                  <m:oMath xmlns:m="http://schemas.openxmlformats.org/officeDocument/2006/math">
+                    <m:sSub>
+                      <m:sSubPr>
+                        <m:ctrlPr>
+                          <a:rPr lang="fr-FR" b="0" i="1" smtClean="0">
+                            <a:latin typeface="Cambria Math" panose="02040503050406030204" pitchFamily="18" charset="0"/>
+                            <a:cs typeface="Times New Roman" panose="02020603050405020304" pitchFamily="18" charset="0"/>
+                          </a:rPr>
+                        </m:ctrlPr>
+                      </m:sSubPr>
+                      <m:e>
+                        <m:r>
+                          <m:rPr>
+                            <m:sty m:val="p"/>
+                          </m:rPr>
+                          <a:rPr lang="fr-FR" b="0" i="0" smtClean="0">
+                            <a:latin typeface="Cambria Math" panose="02040503050406030204" pitchFamily="18" charset="0"/>
+                            <a:cs typeface="Times New Roman" panose="02020603050405020304" pitchFamily="18" charset="0"/>
+                          </a:rPr>
+                          <m:t>L</m:t>
+                        </m:r>
+                      </m:e>
+                      <m:sub>
+                        <m:r>
+                          <a:rPr lang="fr-FR" b="0" i="0" smtClean="0">
+                            <a:latin typeface="Cambria Math" panose="02040503050406030204" pitchFamily="18" charset="0"/>
+                            <a:cs typeface="Times New Roman" panose="02020603050405020304" pitchFamily="18" charset="0"/>
+                          </a:rPr>
+                          <m:t>1</m:t>
+                        </m:r>
+                      </m:sub>
+                    </m:sSub>
+                    <m:r>
+                      <a:rPr lang="fr-FR" b="0" i="1" smtClean="0">
+                        <a:latin typeface="Cambria Math" panose="02040503050406030204" pitchFamily="18" charset="0"/>
+                        <a:cs typeface="Times New Roman" panose="02020603050405020304" pitchFamily="18" charset="0"/>
+                      </a:rPr>
+                      <m:t>=</m:t>
+                    </m:r>
+                    <m:r>
+                      <a:rPr lang="fr-FR" i="1">
+                        <a:latin typeface="Cambria Math" panose="02040503050406030204" pitchFamily="18" charset="0"/>
+                        <a:cs typeface="Times New Roman" panose="02020603050405020304" pitchFamily="18" charset="0"/>
+                      </a:rPr>
+                      <m:t>2.00893</m:t>
+                    </m:r>
+                  </m:oMath>
+                </a14:m>
+                <a:endParaRPr lang="en-GB" dirty="0">
+                  <a:latin typeface="Times New Roman" panose="02020603050405020304" pitchFamily="18" charset="0"/>
+                  <a:cs typeface="Times New Roman" panose="02020603050405020304" pitchFamily="18" charset="0"/>
+                </a:endParaRPr>
+              </a:p>
+            </p:txBody>
+          </p:sp>
+        </mc:Choice>
+        <mc:Fallback>
+          <p:sp>
+            <p:nvSpPr>
+              <p:cNvPr id="16" name="TextBox 15">
+                <a:extLst>
+                  <a:ext uri="{FF2B5EF4-FFF2-40B4-BE49-F238E27FC236}">
+                    <a16:creationId xmlns:a16="http://schemas.microsoft.com/office/drawing/2014/main" id="{7A6E1C14-3522-2401-987B-6C8323168AC0}"/>
+                  </a:ext>
+                </a:extLst>
+              </p:cNvPr>
+              <p:cNvSpPr txBox="1">
+                <a:spLocks noRot="1" noChangeAspect="1" noMove="1" noResize="1" noEditPoints="1" noAdjustHandles="1" noChangeArrowheads="1" noChangeShapeType="1" noTextEdit="1"/>
+              </p:cNvSpPr>
+              <p:nvPr/>
+            </p:nvSpPr>
+            <p:spPr>
+              <a:xfrm>
+                <a:off x="5435599" y="4704167"/>
+                <a:ext cx="3716867" cy="369332"/>
+              </a:xfrm>
+              <a:prstGeom prst="rect">
+                <a:avLst/>
+              </a:prstGeom>
+              <a:blipFill>
+                <a:blip r:embed="rId8"/>
+                <a:stretch>
+                  <a:fillRect l="-1478" t="-10000" b="-26667"/>
+                </a:stretch>
+              </a:blipFill>
+            </p:spPr>
+            <p:txBody>
+              <a:bodyPr/>
+              <a:lstStyle/>
+              <a:p>
+                <a:r>
+                  <a:rPr lang="en-GB">
+                    <a:noFill/>
+                  </a:rPr>
+                  <a:t> </a:t>
+                </a:r>
+              </a:p>
+            </p:txBody>
+          </p:sp>
+        </mc:Fallback>
+      </mc:AlternateContent>
+      <mc:AlternateContent xmlns:mc="http://schemas.openxmlformats.org/markup-compatibility/2006">
+        <mc:Choice xmlns:a14="http://schemas.microsoft.com/office/drawing/2010/main" Requires="a14">
+          <p:sp>
+            <p:nvSpPr>
+              <p:cNvPr id="17" name="TextBox 16">
+                <a:extLst>
+                  <a:ext uri="{FF2B5EF4-FFF2-40B4-BE49-F238E27FC236}">
+                    <a16:creationId xmlns:a16="http://schemas.microsoft.com/office/drawing/2014/main" id="{14E8F240-3DC6-CA73-F443-546CABD8453C}"/>
+                  </a:ext>
+                </a:extLst>
+              </p:cNvPr>
+              <p:cNvSpPr txBox="1"/>
+              <p:nvPr/>
+            </p:nvSpPr>
+            <p:spPr>
+              <a:xfrm>
+                <a:off x="5435599" y="5027333"/>
+                <a:ext cx="4200285" cy="369332"/>
+              </a:xfrm>
+              <a:prstGeom prst="rect">
+                <a:avLst/>
+              </a:prstGeom>
+              <a:noFill/>
+            </p:spPr>
+            <p:txBody>
+              <a:bodyPr wrap="square" rtlCol="0">
+                <a:spAutoFit/>
+              </a:bodyPr>
+              <a:lstStyle/>
+              <a:p>
+                <a:pPr algn="just"/>
+                <a:r>
+                  <a:rPr lang="fr-FR" dirty="0">
+                    <a:latin typeface="Times New Roman" panose="02020603050405020304" pitchFamily="18" charset="0"/>
+                    <a:cs typeface="Times New Roman" panose="02020603050405020304" pitchFamily="18" charset="0"/>
+                  </a:rPr>
+                  <a:t>Ordre de convergence </a:t>
+                </a:r>
+                <a14:m>
+                  <m:oMath xmlns:m="http://schemas.openxmlformats.org/officeDocument/2006/math">
+                    <m:sSub>
+                      <m:sSubPr>
+                        <m:ctrlPr>
+                          <a:rPr lang="fr-FR" b="0" i="1" smtClean="0">
+                            <a:latin typeface="Cambria Math" panose="02040503050406030204" pitchFamily="18" charset="0"/>
+                            <a:cs typeface="Times New Roman" panose="02020603050405020304" pitchFamily="18" charset="0"/>
+                          </a:rPr>
+                        </m:ctrlPr>
+                      </m:sSubPr>
+                      <m:e>
+                        <m:r>
+                          <m:rPr>
+                            <m:sty m:val="p"/>
+                          </m:rPr>
+                          <a:rPr lang="fr-FR" b="0" i="0" smtClean="0">
+                            <a:latin typeface="Cambria Math" panose="02040503050406030204" pitchFamily="18" charset="0"/>
+                            <a:cs typeface="Times New Roman" panose="02020603050405020304" pitchFamily="18" charset="0"/>
+                          </a:rPr>
+                          <m:t>L</m:t>
+                        </m:r>
+                      </m:e>
+                      <m:sub>
+                        <m:r>
+                          <a:rPr lang="fr-FR" b="0" i="0" smtClean="0">
+                            <a:latin typeface="Cambria Math" panose="02040503050406030204" pitchFamily="18" charset="0"/>
+                            <a:cs typeface="Times New Roman" panose="02020603050405020304" pitchFamily="18" charset="0"/>
+                          </a:rPr>
+                          <m:t>2</m:t>
+                        </m:r>
+                      </m:sub>
+                    </m:sSub>
+                    <m:r>
+                      <a:rPr lang="fr-FR" b="0" i="1" smtClean="0">
+                        <a:latin typeface="Cambria Math" panose="02040503050406030204" pitchFamily="18" charset="0"/>
+                        <a:cs typeface="Times New Roman" panose="02020603050405020304" pitchFamily="18" charset="0"/>
+                      </a:rPr>
+                      <m:t>=</m:t>
+                    </m:r>
+                    <m:r>
+                      <a:rPr lang="fr-FR" i="1">
+                        <a:latin typeface="Cambria Math" panose="02040503050406030204" pitchFamily="18" charset="0"/>
+                        <a:cs typeface="Times New Roman" panose="02020603050405020304" pitchFamily="18" charset="0"/>
+                      </a:rPr>
+                      <m:t>2.01464</m:t>
+                    </m:r>
+                  </m:oMath>
+                </a14:m>
+                <a:endParaRPr lang="en-GB" dirty="0">
+                  <a:latin typeface="Times New Roman" panose="02020603050405020304" pitchFamily="18" charset="0"/>
+                  <a:cs typeface="Times New Roman" panose="02020603050405020304" pitchFamily="18" charset="0"/>
+                </a:endParaRPr>
+              </a:p>
+            </p:txBody>
+          </p:sp>
+        </mc:Choice>
+        <mc:Fallback>
+          <p:sp>
+            <p:nvSpPr>
+              <p:cNvPr id="17" name="TextBox 16">
+                <a:extLst>
+                  <a:ext uri="{FF2B5EF4-FFF2-40B4-BE49-F238E27FC236}">
+                    <a16:creationId xmlns:a16="http://schemas.microsoft.com/office/drawing/2014/main" id="{14E8F240-3DC6-CA73-F443-546CABD8453C}"/>
+                  </a:ext>
+                </a:extLst>
+              </p:cNvPr>
+              <p:cNvSpPr txBox="1">
+                <a:spLocks noRot="1" noChangeAspect="1" noMove="1" noResize="1" noEditPoints="1" noAdjustHandles="1" noChangeArrowheads="1" noChangeShapeType="1" noTextEdit="1"/>
+              </p:cNvSpPr>
+              <p:nvPr/>
+            </p:nvSpPr>
+            <p:spPr>
+              <a:xfrm>
+                <a:off x="5435599" y="5027333"/>
+                <a:ext cx="4200285" cy="369332"/>
+              </a:xfrm>
+              <a:prstGeom prst="rect">
+                <a:avLst/>
+              </a:prstGeom>
+              <a:blipFill>
+                <a:blip r:embed="rId9"/>
+                <a:stretch>
+                  <a:fillRect l="-1306" t="-10000" b="-26667"/>
+                </a:stretch>
+              </a:blipFill>
+            </p:spPr>
+            <p:txBody>
+              <a:bodyPr/>
+              <a:lstStyle/>
+              <a:p>
+                <a:r>
+                  <a:rPr lang="en-GB">
+                    <a:noFill/>
+                  </a:rPr>
+                  <a:t> </a:t>
+                </a:r>
+              </a:p>
+            </p:txBody>
+          </p:sp>
+        </mc:Fallback>
+      </mc:AlternateContent>
+      <mc:AlternateContent xmlns:mc="http://schemas.openxmlformats.org/markup-compatibility/2006">
+        <mc:Choice xmlns:a14="http://schemas.microsoft.com/office/drawing/2010/main" Requires="a14">
+          <p:sp>
+            <p:nvSpPr>
+              <p:cNvPr id="18" name="TextBox 17">
+                <a:extLst>
+                  <a:ext uri="{FF2B5EF4-FFF2-40B4-BE49-F238E27FC236}">
+                    <a16:creationId xmlns:a16="http://schemas.microsoft.com/office/drawing/2014/main" id="{D3FB6750-FBE0-E1A8-1C71-2998EAAF3657}"/>
+                  </a:ext>
+                </a:extLst>
+              </p:cNvPr>
+              <p:cNvSpPr txBox="1"/>
+              <p:nvPr/>
+            </p:nvSpPr>
+            <p:spPr>
+              <a:xfrm>
+                <a:off x="5435599" y="5350498"/>
+                <a:ext cx="3716867" cy="369332"/>
+              </a:xfrm>
+              <a:prstGeom prst="rect">
+                <a:avLst/>
+              </a:prstGeom>
+              <a:noFill/>
+            </p:spPr>
+            <p:txBody>
+              <a:bodyPr wrap="square" rtlCol="0">
+                <a:spAutoFit/>
+              </a:bodyPr>
+              <a:lstStyle/>
+              <a:p>
+                <a:pPr algn="just"/>
+                <a:r>
+                  <a:rPr lang="fr-FR" dirty="0">
+                    <a:latin typeface="Times New Roman" panose="02020603050405020304" pitchFamily="18" charset="0"/>
+                    <a:cs typeface="Times New Roman" panose="02020603050405020304" pitchFamily="18" charset="0"/>
+                  </a:rPr>
+                  <a:t>Ordre de convergence </a:t>
+                </a:r>
+                <a14:m>
+                  <m:oMath xmlns:m="http://schemas.openxmlformats.org/officeDocument/2006/math">
+                    <m:sSub>
+                      <m:sSubPr>
+                        <m:ctrlPr>
+                          <a:rPr lang="fr-FR" b="0" i="1" smtClean="0">
+                            <a:latin typeface="Cambria Math" panose="02040503050406030204" pitchFamily="18" charset="0"/>
+                            <a:ea typeface="Cambria Math" panose="02040503050406030204" pitchFamily="18" charset="0"/>
+                            <a:cs typeface="Times New Roman" panose="02020603050405020304" pitchFamily="18" charset="0"/>
+                          </a:rPr>
+                        </m:ctrlPr>
+                      </m:sSubPr>
+                      <m:e>
+                        <m:r>
+                          <m:rPr>
+                            <m:sty m:val="p"/>
+                          </m:rPr>
+                          <a:rPr lang="fr-FR" b="0" i="0" smtClean="0">
+                            <a:latin typeface="Cambria Math" panose="02040503050406030204" pitchFamily="18" charset="0"/>
+                            <a:ea typeface="Cambria Math" panose="02040503050406030204" pitchFamily="18" charset="0"/>
+                            <a:cs typeface="Times New Roman" panose="02020603050405020304" pitchFamily="18" charset="0"/>
+                          </a:rPr>
+                          <m:t>L</m:t>
+                        </m:r>
+                      </m:e>
+                      <m:sub>
+                        <m:r>
+                          <a:rPr lang="fr-FR" i="1">
+                            <a:latin typeface="Cambria Math" panose="02040503050406030204" pitchFamily="18" charset="0"/>
+                            <a:ea typeface="Cambria Math" panose="02040503050406030204" pitchFamily="18" charset="0"/>
+                            <a:cs typeface="Times New Roman" panose="02020603050405020304" pitchFamily="18" charset="0"/>
+                          </a:rPr>
+                          <m:t>∞</m:t>
+                        </m:r>
+                      </m:sub>
+                    </m:sSub>
+                  </m:oMath>
+                </a14:m>
+                <a:r>
+                  <a:rPr lang="fr-FR" dirty="0">
+                    <a:latin typeface="Times New Roman" panose="02020603050405020304" pitchFamily="18" charset="0"/>
+                    <a:cs typeface="Times New Roman" panose="02020603050405020304" pitchFamily="18" charset="0"/>
+                  </a:rPr>
+                  <a:t> </a:t>
+                </a:r>
+                <a14:m>
+                  <m:oMath xmlns:m="http://schemas.openxmlformats.org/officeDocument/2006/math">
+                    <m:r>
+                      <a:rPr lang="fr-FR" b="0" i="1" smtClean="0">
+                        <a:latin typeface="Cambria Math" panose="02040503050406030204" pitchFamily="18" charset="0"/>
+                        <a:cs typeface="Times New Roman" panose="02020603050405020304" pitchFamily="18" charset="0"/>
+                      </a:rPr>
+                      <m:t>=</m:t>
+                    </m:r>
+                    <m:r>
+                      <a:rPr lang="fr-FR" i="1">
+                        <a:latin typeface="Cambria Math" panose="02040503050406030204" pitchFamily="18" charset="0"/>
+                        <a:cs typeface="Times New Roman" panose="02020603050405020304" pitchFamily="18" charset="0"/>
+                      </a:rPr>
+                      <m:t>1.87369</m:t>
+                    </m:r>
+                  </m:oMath>
+                </a14:m>
+                <a:endParaRPr lang="en-GB" dirty="0">
+                  <a:latin typeface="Times New Roman" panose="02020603050405020304" pitchFamily="18" charset="0"/>
+                  <a:cs typeface="Times New Roman" panose="02020603050405020304" pitchFamily="18" charset="0"/>
+                </a:endParaRPr>
+              </a:p>
+            </p:txBody>
+          </p:sp>
+        </mc:Choice>
+        <mc:Fallback>
+          <p:sp>
+            <p:nvSpPr>
+              <p:cNvPr id="18" name="TextBox 17">
+                <a:extLst>
+                  <a:ext uri="{FF2B5EF4-FFF2-40B4-BE49-F238E27FC236}">
+                    <a16:creationId xmlns:a16="http://schemas.microsoft.com/office/drawing/2014/main" id="{D3FB6750-FBE0-E1A8-1C71-2998EAAF3657}"/>
+                  </a:ext>
+                </a:extLst>
+              </p:cNvPr>
+              <p:cNvSpPr txBox="1">
+                <a:spLocks noRot="1" noChangeAspect="1" noMove="1" noResize="1" noEditPoints="1" noAdjustHandles="1" noChangeArrowheads="1" noChangeShapeType="1" noTextEdit="1"/>
+              </p:cNvSpPr>
+              <p:nvPr/>
+            </p:nvSpPr>
+            <p:spPr>
+              <a:xfrm>
+                <a:off x="5435599" y="5350498"/>
+                <a:ext cx="3716867" cy="369332"/>
+              </a:xfrm>
+              <a:prstGeom prst="rect">
+                <a:avLst/>
+              </a:prstGeom>
+              <a:blipFill>
+                <a:blip r:embed="rId10"/>
+                <a:stretch>
+                  <a:fillRect l="-1478" t="-10000" b="-26667"/>
+                </a:stretch>
+              </a:blipFill>
+            </p:spPr>
+            <p:txBody>
+              <a:bodyPr/>
+              <a:lstStyle/>
+              <a:p>
+                <a:r>
+                  <a:rPr lang="en-GB">
+                    <a:noFill/>
+                  </a:rPr>
+                  <a:t> </a:t>
+                </a:r>
+              </a:p>
+            </p:txBody>
+          </p:sp>
+        </mc:Fallback>
+      </mc:AlternateContent>
+      <mc:AlternateContent xmlns:mc="http://schemas.openxmlformats.org/markup-compatibility/2006">
+        <mc:Choice xmlns:a14="http://schemas.microsoft.com/office/drawing/2010/main" Requires="a14">
+          <p:sp>
+            <p:nvSpPr>
+              <p:cNvPr id="19" name="TextBox 18">
+                <a:extLst>
+                  <a:ext uri="{FF2B5EF4-FFF2-40B4-BE49-F238E27FC236}">
+                    <a16:creationId xmlns:a16="http://schemas.microsoft.com/office/drawing/2014/main" id="{A4779A6A-8265-FCC3-87DB-F422B4FA7572}"/>
+                  </a:ext>
+                </a:extLst>
+              </p:cNvPr>
+              <p:cNvSpPr txBox="1"/>
+              <p:nvPr/>
+            </p:nvSpPr>
+            <p:spPr>
+              <a:xfrm>
+                <a:off x="0" y="5750085"/>
+                <a:ext cx="11723239" cy="923330"/>
+              </a:xfrm>
+              <a:prstGeom prst="rect">
+                <a:avLst/>
+              </a:prstGeom>
+              <a:noFill/>
+            </p:spPr>
+            <p:txBody>
+              <a:bodyPr wrap="square" rtlCol="0">
+                <a:spAutoFit/>
+              </a:bodyPr>
+              <a:lstStyle/>
+              <a:p>
+                <a:pPr algn="just"/>
+                <a:r>
+                  <a:rPr lang="fr-FR" dirty="0">
+                    <a:latin typeface="Times New Roman" panose="02020603050405020304" pitchFamily="18" charset="0"/>
+                    <a:cs typeface="Times New Roman" panose="02020603050405020304" pitchFamily="18" charset="0"/>
+                  </a:rPr>
+                  <a:t>De telles résultats identiques que cette différence n’est pas causée par des points qui ne seraient pas sur la droite de convergence asymptotique. Ce qui pourrait expliquer cette « erreur » est la sensibilité locale étant donné que </a:t>
+                </a:r>
+                <a14:m>
+                  <m:oMath xmlns:m="http://schemas.openxmlformats.org/officeDocument/2006/math">
+                    <m:sSub>
+                      <m:sSubPr>
+                        <m:ctrlPr>
+                          <a:rPr lang="fr-FR" b="0" i="1" smtClean="0">
+                            <a:latin typeface="Cambria Math" panose="02040503050406030204" pitchFamily="18" charset="0"/>
+                            <a:ea typeface="Cambria Math" panose="02040503050406030204" pitchFamily="18" charset="0"/>
+                            <a:cs typeface="Times New Roman" panose="02020603050405020304" pitchFamily="18" charset="0"/>
+                          </a:rPr>
+                        </m:ctrlPr>
+                      </m:sSubPr>
+                      <m:e>
+                        <m:r>
+                          <m:rPr>
+                            <m:sty m:val="p"/>
+                          </m:rPr>
+                          <a:rPr lang="fr-FR" b="0" i="0" smtClean="0">
+                            <a:latin typeface="Cambria Math" panose="02040503050406030204" pitchFamily="18" charset="0"/>
+                            <a:ea typeface="Cambria Math" panose="02040503050406030204" pitchFamily="18" charset="0"/>
+                            <a:cs typeface="Times New Roman" panose="02020603050405020304" pitchFamily="18" charset="0"/>
+                          </a:rPr>
+                          <m:t>L</m:t>
+                        </m:r>
+                      </m:e>
+                      <m:sub>
+                        <m:r>
+                          <a:rPr lang="fr-FR" i="1">
+                            <a:latin typeface="Cambria Math" panose="02040503050406030204" pitchFamily="18" charset="0"/>
+                            <a:ea typeface="Cambria Math" panose="02040503050406030204" pitchFamily="18" charset="0"/>
+                            <a:cs typeface="Times New Roman" panose="02020603050405020304" pitchFamily="18" charset="0"/>
+                          </a:rPr>
+                          <m:t>∞</m:t>
+                        </m:r>
+                      </m:sub>
+                    </m:sSub>
+                  </m:oMath>
+                </a14:m>
+                <a:r>
+                  <a:rPr lang="fr-FR" dirty="0">
+                    <a:latin typeface="Times New Roman" panose="02020603050405020304" pitchFamily="18" charset="0"/>
+                    <a:cs typeface="Times New Roman" panose="02020603050405020304" pitchFamily="18" charset="0"/>
+                  </a:rPr>
+                  <a:t> est la seule à donner une réponse locale (les deux autres pratiquant un moyennage sur le domaine entier). </a:t>
+                </a:r>
+                <a:endParaRPr lang="en-GB" dirty="0">
+                  <a:latin typeface="Times New Roman" panose="02020603050405020304" pitchFamily="18" charset="0"/>
+                  <a:cs typeface="Times New Roman" panose="02020603050405020304" pitchFamily="18" charset="0"/>
+                </a:endParaRPr>
+              </a:p>
+            </p:txBody>
+          </p:sp>
+        </mc:Choice>
+        <mc:Fallback>
+          <p:sp>
+            <p:nvSpPr>
+              <p:cNvPr id="19" name="TextBox 18">
+                <a:extLst>
+                  <a:ext uri="{FF2B5EF4-FFF2-40B4-BE49-F238E27FC236}">
+                    <a16:creationId xmlns:a16="http://schemas.microsoft.com/office/drawing/2014/main" id="{A4779A6A-8265-FCC3-87DB-F422B4FA7572}"/>
+                  </a:ext>
+                </a:extLst>
+              </p:cNvPr>
+              <p:cNvSpPr txBox="1">
+                <a:spLocks noRot="1" noChangeAspect="1" noMove="1" noResize="1" noEditPoints="1" noAdjustHandles="1" noChangeArrowheads="1" noChangeShapeType="1" noTextEdit="1"/>
+              </p:cNvSpPr>
+              <p:nvPr/>
+            </p:nvSpPr>
+            <p:spPr>
+              <a:xfrm>
+                <a:off x="0" y="5750085"/>
+                <a:ext cx="11723239" cy="923330"/>
+              </a:xfrm>
+              <a:prstGeom prst="rect">
+                <a:avLst/>
+              </a:prstGeom>
+              <a:blipFill>
+                <a:blip r:embed="rId11"/>
+                <a:stretch>
+                  <a:fillRect l="-416" t="-3289" r="-416" b="-9211"/>
+                </a:stretch>
+              </a:blipFill>
+            </p:spPr>
+            <p:txBody>
+              <a:bodyPr/>
+              <a:lstStyle/>
+              <a:p>
+                <a:r>
+                  <a:rPr lang="en-GB">
+                    <a:noFill/>
+                  </a:rPr>
+                  <a:t> </a:t>
+                </a:r>
+              </a:p>
+            </p:txBody>
+          </p:sp>
+        </mc:Fallback>
+      </mc:AlternateContent>
     </p:spTree>
     <p:extLst>
       <p:ext uri="{BB962C8B-B14F-4D97-AF65-F5344CB8AC3E}">
@@ -23644,4 +26954,319 @@
     </a:ext>
   </a:extLst>
 </a:theme>
+</file>
+
+<file path=ppt/theme/theme2.xml><?xml version="1.0" encoding="utf-8"?>
+<a:theme xmlns:a="http://schemas.openxmlformats.org/drawingml/2006/main" name="Office Theme">
+  <a:themeElements>
+    <a:clrScheme name="Office">
+      <a:dk1>
+        <a:sysClr val="windowText" lastClr="000000"/>
+      </a:dk1>
+      <a:lt1>
+        <a:sysClr val="window" lastClr="FFFFFF"/>
+      </a:lt1>
+      <a:dk2>
+        <a:srgbClr val="0E2841"/>
+      </a:dk2>
+      <a:lt2>
+        <a:srgbClr val="E8E8E8"/>
+      </a:lt2>
+      <a:accent1>
+        <a:srgbClr val="156082"/>
+      </a:accent1>
+      <a:accent2>
+        <a:srgbClr val="E97132"/>
+      </a:accent2>
+      <a:accent3>
+        <a:srgbClr val="196B24"/>
+      </a:accent3>
+      <a:accent4>
+        <a:srgbClr val="0F9ED5"/>
+      </a:accent4>
+      <a:accent5>
+        <a:srgbClr val="A02B93"/>
+      </a:accent5>
+      <a:accent6>
+        <a:srgbClr val="4EA72E"/>
+      </a:accent6>
+      <a:hlink>
+        <a:srgbClr val="467886"/>
+      </a:hlink>
+      <a:folHlink>
+        <a:srgbClr val="96607D"/>
+      </a:folHlink>
+    </a:clrScheme>
+    <a:fontScheme name="Office">
+      <a:majorFont>
+        <a:latin typeface="Aptos Display" panose="02110004020202020204"/>
+        <a:ea typeface=""/>
+        <a:cs typeface=""/>
+        <a:font script="Jpan" typeface="游ゴシック Light"/>
+        <a:font script="Hang" typeface="맑은 고딕"/>
+        <a:font script="Hans" typeface="等线 Light"/>
+        <a:font script="Hant" typeface="新細明體"/>
+        <a:font script="Arab" typeface="Times New Roman"/>
+        <a:font script="Hebr" typeface="Times New Roman"/>
+        <a:font script="Thai" typeface="Angsana New"/>
+        <a:font script="Ethi" typeface="Nyala"/>
+        <a:font script="Beng" typeface="Vrinda"/>
+        <a:font script="Gujr" typeface="Shruti"/>
+        <a:font script="Khmr" typeface="MoolBoran"/>
+        <a:font script="Knda" typeface="Tunga"/>
+        <a:font script="Guru" typeface="Raavi"/>
+        <a:font script="Cans" typeface="Euphemia"/>
+        <a:font script="Cher" typeface="Plantagenet Cherokee"/>
+        <a:font script="Yiii" typeface="Microsoft Yi Baiti"/>
+        <a:font script="Tibt" typeface="Microsoft Himalaya"/>
+        <a:font script="Thaa" typeface="MV Boli"/>
+        <a:font script="Deva" typeface="Mangal"/>
+        <a:font script="Telu" typeface="Gautami"/>
+        <a:font script="Taml" typeface="Latha"/>
+        <a:font script="Syrc" typeface="Estrangelo Edessa"/>
+        <a:font script="Orya" typeface="Kalinga"/>
+        <a:font script="Mlym" typeface="Kartika"/>
+        <a:font script="Laoo" typeface="DokChampa"/>
+        <a:font script="Sinh" typeface="Iskoola Pota"/>
+        <a:font script="Mong" typeface="Mongolian Baiti"/>
+        <a:font script="Viet" typeface="Times New Roman"/>
+        <a:font script="Uigh" typeface="Microsoft Uighur"/>
+        <a:font script="Geor" typeface="Sylfaen"/>
+        <a:font script="Armn" typeface="Arial"/>
+        <a:font script="Bugi" typeface="Leelawadee UI"/>
+        <a:font script="Bopo" typeface="Microsoft JhengHei"/>
+        <a:font script="Java" typeface="Javanese Text"/>
+        <a:font script="Lisu" typeface="Segoe UI"/>
+        <a:font script="Mymr" typeface="Myanmar Text"/>
+        <a:font script="Nkoo" typeface="Ebrima"/>
+        <a:font script="Olck" typeface="Nirmala UI"/>
+        <a:font script="Osma" typeface="Ebrima"/>
+        <a:font script="Phag" typeface="Phagspa"/>
+        <a:font script="Syrn" typeface="Estrangelo Edessa"/>
+        <a:font script="Syrj" typeface="Estrangelo Edessa"/>
+        <a:font script="Syre" typeface="Estrangelo Edessa"/>
+        <a:font script="Sora" typeface="Nirmala UI"/>
+        <a:font script="Tale" typeface="Microsoft Tai Le"/>
+        <a:font script="Talu" typeface="Microsoft New Tai Lue"/>
+        <a:font script="Tfng" typeface="Ebrima"/>
+      </a:majorFont>
+      <a:minorFont>
+        <a:latin typeface="Aptos" panose="02110004020202020204"/>
+        <a:ea typeface=""/>
+        <a:cs typeface=""/>
+        <a:font script="Jpan" typeface="游ゴシック"/>
+        <a:font script="Hang" typeface="맑은 고딕"/>
+        <a:font script="Hans" typeface="等线"/>
+        <a:font script="Hant" typeface="新細明體"/>
+        <a:font script="Arab" typeface="Arial"/>
+        <a:font script="Hebr" typeface="Arial"/>
+        <a:font script="Thai" typeface="Cordia New"/>
+        <a:font script="Ethi" typeface="Nyala"/>
+        <a:font script="Beng" typeface="Vrinda"/>
+        <a:font script="Gujr" typeface="Shruti"/>
+        <a:font script="Khmr" typeface="DaunPenh"/>
+        <a:font script="Knda" typeface="Tunga"/>
+        <a:font script="Guru" typeface="Raavi"/>
+        <a:font script="Cans" typeface="Euphemia"/>
+        <a:font script="Cher" typeface="Plantagenet Cherokee"/>
+        <a:font script="Yiii" typeface="Microsoft Yi Baiti"/>
+        <a:font script="Tibt" typeface="Microsoft Himalaya"/>
+        <a:font script="Thaa" typeface="MV Boli"/>
+        <a:font script="Deva" typeface="Mangal"/>
+        <a:font script="Telu" typeface="Gautami"/>
+        <a:font script="Taml" typeface="Latha"/>
+        <a:font script="Syrc" typeface="Estrangelo Edessa"/>
+        <a:font script="Orya" typeface="Kalinga"/>
+        <a:font script="Mlym" typeface="Kartika"/>
+        <a:font script="Laoo" typeface="DokChampa"/>
+        <a:font script="Sinh" typeface="Iskoola Pota"/>
+        <a:font script="Mong" typeface="Mongolian Baiti"/>
+        <a:font script="Viet" typeface="Arial"/>
+        <a:font script="Uigh" typeface="Microsoft Uighur"/>
+        <a:font script="Geor" typeface="Sylfaen"/>
+        <a:font script="Armn" typeface="Arial"/>
+        <a:font script="Bugi" typeface="Leelawadee UI"/>
+        <a:font script="Bopo" typeface="Microsoft JhengHei"/>
+        <a:font script="Java" typeface="Javanese Text"/>
+        <a:font script="Lisu" typeface="Segoe UI"/>
+        <a:font script="Mymr" typeface="Myanmar Text"/>
+        <a:font script="Nkoo" typeface="Ebrima"/>
+        <a:font script="Olck" typeface="Nirmala UI"/>
+        <a:font script="Osma" typeface="Ebrima"/>
+        <a:font script="Phag" typeface="Phagspa"/>
+        <a:font script="Syrn" typeface="Estrangelo Edessa"/>
+        <a:font script="Syrj" typeface="Estrangelo Edessa"/>
+        <a:font script="Syre" typeface="Estrangelo Edessa"/>
+        <a:font script="Sora" typeface="Nirmala UI"/>
+        <a:font script="Tale" typeface="Microsoft Tai Le"/>
+        <a:font script="Talu" typeface="Microsoft New Tai Lue"/>
+        <a:font script="Tfng" typeface="Ebrima"/>
+      </a:minorFont>
+    </a:fontScheme>
+    <a:fmtScheme name="Office">
+      <a:fillStyleLst>
+        <a:solidFill>
+          <a:schemeClr val="phClr"/>
+        </a:solidFill>
+        <a:gradFill rotWithShape="1">
+          <a:gsLst>
+            <a:gs pos="0">
+              <a:schemeClr val="phClr">
+                <a:lumMod val="110000"/>
+                <a:satMod val="105000"/>
+                <a:tint val="67000"/>
+              </a:schemeClr>
+            </a:gs>
+            <a:gs pos="50000">
+              <a:schemeClr val="phClr">
+                <a:lumMod val="105000"/>
+                <a:satMod val="103000"/>
+                <a:tint val="73000"/>
+              </a:schemeClr>
+            </a:gs>
+            <a:gs pos="100000">
+              <a:schemeClr val="phClr">
+                <a:lumMod val="105000"/>
+                <a:satMod val="109000"/>
+                <a:tint val="81000"/>
+              </a:schemeClr>
+            </a:gs>
+          </a:gsLst>
+          <a:lin ang="5400000" scaled="0"/>
+        </a:gradFill>
+        <a:gradFill rotWithShape="1">
+          <a:gsLst>
+            <a:gs pos="0">
+              <a:schemeClr val="phClr">
+                <a:satMod val="103000"/>
+                <a:lumMod val="102000"/>
+                <a:tint val="94000"/>
+              </a:schemeClr>
+            </a:gs>
+            <a:gs pos="50000">
+              <a:schemeClr val="phClr">
+                <a:satMod val="110000"/>
+                <a:lumMod val="100000"/>
+                <a:shade val="100000"/>
+              </a:schemeClr>
+            </a:gs>
+            <a:gs pos="100000">
+              <a:schemeClr val="phClr">
+                <a:lumMod val="99000"/>
+                <a:satMod val="120000"/>
+                <a:shade val="78000"/>
+              </a:schemeClr>
+            </a:gs>
+          </a:gsLst>
+          <a:lin ang="5400000" scaled="0"/>
+        </a:gradFill>
+      </a:fillStyleLst>
+      <a:lnStyleLst>
+        <a:ln w="12700" cap="flat" cmpd="sng" algn="ctr">
+          <a:solidFill>
+            <a:schemeClr val="phClr"/>
+          </a:solidFill>
+          <a:prstDash val="solid"/>
+          <a:miter lim="800000"/>
+        </a:ln>
+        <a:ln w="19050" cap="flat" cmpd="sng" algn="ctr">
+          <a:solidFill>
+            <a:schemeClr val="phClr"/>
+          </a:solidFill>
+          <a:prstDash val="solid"/>
+          <a:miter lim="800000"/>
+        </a:ln>
+        <a:ln w="25400" cap="flat" cmpd="sng" algn="ctr">
+          <a:solidFill>
+            <a:schemeClr val="phClr"/>
+          </a:solidFill>
+          <a:prstDash val="solid"/>
+          <a:miter lim="800000"/>
+        </a:ln>
+      </a:lnStyleLst>
+      <a:effectStyleLst>
+        <a:effectStyle>
+          <a:effectLst/>
+        </a:effectStyle>
+        <a:effectStyle>
+          <a:effectLst/>
+        </a:effectStyle>
+        <a:effectStyle>
+          <a:effectLst>
+            <a:outerShdw blurRad="57150" dist="19050" dir="5400000" algn="ctr" rotWithShape="0">
+              <a:srgbClr val="000000">
+                <a:alpha val="63000"/>
+              </a:srgbClr>
+            </a:outerShdw>
+          </a:effectLst>
+        </a:effectStyle>
+      </a:effectStyleLst>
+      <a:bgFillStyleLst>
+        <a:solidFill>
+          <a:schemeClr val="phClr"/>
+        </a:solidFill>
+        <a:solidFill>
+          <a:schemeClr val="phClr">
+            <a:tint val="95000"/>
+            <a:satMod val="170000"/>
+          </a:schemeClr>
+        </a:solidFill>
+        <a:gradFill rotWithShape="1">
+          <a:gsLst>
+            <a:gs pos="0">
+              <a:schemeClr val="phClr">
+                <a:tint val="93000"/>
+                <a:satMod val="150000"/>
+                <a:shade val="98000"/>
+                <a:lumMod val="102000"/>
+              </a:schemeClr>
+            </a:gs>
+            <a:gs pos="50000">
+              <a:schemeClr val="phClr">
+                <a:tint val="98000"/>
+                <a:satMod val="130000"/>
+                <a:shade val="90000"/>
+                <a:lumMod val="103000"/>
+              </a:schemeClr>
+            </a:gs>
+            <a:gs pos="100000">
+              <a:schemeClr val="phClr">
+                <a:shade val="63000"/>
+                <a:satMod val="120000"/>
+              </a:schemeClr>
+            </a:gs>
+          </a:gsLst>
+          <a:lin ang="5400000" scaled="0"/>
+        </a:gradFill>
+      </a:bgFillStyleLst>
+    </a:fmtScheme>
+  </a:themeElements>
+  <a:objectDefaults>
+    <a:lnDef>
+      <a:spPr/>
+      <a:bodyPr/>
+      <a:lstStyle/>
+      <a:style>
+        <a:lnRef idx="2">
+          <a:schemeClr val="accent1"/>
+        </a:lnRef>
+        <a:fillRef idx="0">
+          <a:schemeClr val="accent1"/>
+        </a:fillRef>
+        <a:effectRef idx="1">
+          <a:schemeClr val="accent1"/>
+        </a:effectRef>
+        <a:fontRef idx="minor">
+          <a:schemeClr val="tx1"/>
+        </a:fontRef>
+      </a:style>
+    </a:lnDef>
+  </a:objectDefaults>
+  <a:extraClrSchemeLst/>
+  <a:extLst>
+    <a:ext uri="{05A4C25C-085E-4340-85A3-A5531E510DB2}">
+      <thm15:themeFamily xmlns:thm15="http://schemas.microsoft.com/office/thememl/2012/main" name="Office Theme" id="{2E142A2C-CD16-42D6-873A-C26D2A0506FA}" vid="{1BDDFF52-6CD6-40A5-AB3C-68EB2F1E4D0A}"/>
+    </a:ext>
+  </a:extLst>
+</a:theme>
 </file>
--- a/doc/Rapport_Devoir1.pptx
+++ b/doc/Rapport_Devoir1.pptx
@@ -133,7 +133,7 @@
 <file path=ppt/revisionInfo.xml><?xml version="1.0" encoding="utf-8"?>
 <p1510:revInfo xmlns:a="http://schemas.openxmlformats.org/drawingml/2006/main" xmlns:r="http://schemas.openxmlformats.org/officeDocument/2006/relationships" xmlns:p1510="http://schemas.microsoft.com/office/powerpoint/2015/10/main">
   <p1510:revLst>
-    <p1510:client id="{8625411A-B743-4065-8137-36E899DC5753}" v="2225" dt="2025-02-08T18:12:28.520"/>
+    <p1510:client id="{8625411A-B743-4065-8137-36E899DC5753}" v="3271" dt="2025-02-11T00:41:24.991"/>
   </p1510:revLst>
 </p1510:revInfo>
 </file>
@@ -143,7 +143,7 @@
   <pc:docChgLst>
     <pc:chgData name="François GLEYZON" userId="a2d04f23f7faf3ef" providerId="LiveId" clId="{8625411A-B743-4065-8137-36E899DC5753}"/>
     <pc:docChg chg="undo custSel addSld delSld modSld">
-      <pc:chgData name="François GLEYZON" userId="a2d04f23f7faf3ef" providerId="LiveId" clId="{8625411A-B743-4065-8137-36E899DC5753}" dt="2025-02-08T18:12:31.623" v="7250" actId="20577"/>
+      <pc:chgData name="François GLEYZON" userId="a2d04f23f7faf3ef" providerId="LiveId" clId="{8625411A-B743-4065-8137-36E899DC5753}" dt="2025-02-11T00:41:24.991" v="9398" actId="313"/>
       <pc:docMkLst>
         <pc:docMk/>
       </pc:docMkLst>
@@ -326,14 +326,6 @@
             <pc:docMk/>
             <pc:sldMk cId="2487955664" sldId="257"/>
             <ac:spMk id="12" creationId="{CD555B3B-1273-B030-5A00-48B9923A6D1D}"/>
-          </ac:spMkLst>
-        </pc:spChg>
-        <pc:spChg chg="add mod">
-          <ac:chgData name="François GLEYZON" userId="a2d04f23f7faf3ef" providerId="LiveId" clId="{8625411A-B743-4065-8137-36E899DC5753}" dt="2025-02-08T18:11:32.948" v="7166"/>
-          <ac:spMkLst>
-            <pc:docMk/>
-            <pc:sldMk cId="2487955664" sldId="257"/>
-            <ac:spMk id="13" creationId="{B232EE1E-9716-3342-26CC-9F049AE18F58}"/>
           </ac:spMkLst>
         </pc:spChg>
         <pc:spChg chg="add mod">
@@ -861,25 +853,9 @@
             <ac:picMk id="9" creationId="{637A6A04-BF56-1147-EEED-6205E7F093FF}"/>
           </ac:picMkLst>
         </pc:picChg>
-        <pc:picChg chg="add del mod ord">
-          <ac:chgData name="François GLEYZON" userId="a2d04f23f7faf3ef" providerId="LiveId" clId="{8625411A-B743-4065-8137-36E899DC5753}" dt="2025-02-08T17:50:02.483" v="5403" actId="478"/>
-          <ac:picMkLst>
-            <pc:docMk/>
-            <pc:sldMk cId="1063259523" sldId="260"/>
-            <ac:picMk id="18" creationId="{2DE8511B-FDF9-5418-5DA7-53BA9804A37C}"/>
-          </ac:picMkLst>
-        </pc:picChg>
-        <pc:inkChg chg="del mod">
-          <ac:chgData name="François GLEYZON" userId="a2d04f23f7faf3ef" providerId="LiveId" clId="{8625411A-B743-4065-8137-36E899DC5753}" dt="2025-02-08T17:50:04.944" v="5404" actId="478"/>
-          <ac:inkMkLst>
-            <pc:docMk/>
-            <pc:sldMk cId="1063259523" sldId="260"/>
-            <ac:inkMk id="7" creationId="{0C259D1A-B18E-0EA7-F1F1-119CD3860AA7}"/>
-          </ac:inkMkLst>
-        </pc:inkChg>
       </pc:sldChg>
       <pc:sldChg chg="addSp delSp modSp mod">
-        <pc:chgData name="François GLEYZON" userId="a2d04f23f7faf3ef" providerId="LiveId" clId="{8625411A-B743-4065-8137-36E899DC5753}" dt="2025-02-08T18:08:40.263" v="6887" actId="1076"/>
+        <pc:chgData name="François GLEYZON" userId="a2d04f23f7faf3ef" providerId="LiveId" clId="{8625411A-B743-4065-8137-36E899DC5753}" dt="2025-02-11T00:27:59.007" v="7619" actId="20577"/>
         <pc:sldMkLst>
           <pc:docMk/>
           <pc:sldMk cId="1452944335" sldId="261"/>
@@ -981,11 +957,19 @@
           </ac:spMkLst>
         </pc:spChg>
         <pc:spChg chg="add mod">
-          <ac:chgData name="François GLEYZON" userId="a2d04f23f7faf3ef" providerId="LiveId" clId="{8625411A-B743-4065-8137-36E899DC5753}" dt="2025-02-08T18:08:24.511" v="6884" actId="20577"/>
+          <ac:chgData name="François GLEYZON" userId="a2d04f23f7faf3ef" providerId="LiveId" clId="{8625411A-B743-4065-8137-36E899DC5753}" dt="2025-02-11T00:26:52.927" v="7559" actId="20577"/>
           <ac:spMkLst>
             <pc:docMk/>
             <pc:sldMk cId="1452944335" sldId="261"/>
             <ac:spMk id="17" creationId="{3CF42690-7162-FF5D-0928-122CB4424C2F}"/>
+          </ac:spMkLst>
+        </pc:spChg>
+        <pc:spChg chg="add mod">
+          <ac:chgData name="François GLEYZON" userId="a2d04f23f7faf3ef" providerId="LiveId" clId="{8625411A-B743-4065-8137-36E899DC5753}" dt="2025-02-11T00:27:59.007" v="7619" actId="20577"/>
+          <ac:spMkLst>
+            <pc:docMk/>
+            <pc:sldMk cId="1452944335" sldId="261"/>
+            <ac:spMk id="18" creationId="{F4DF8ABF-BD8B-C0FA-91D0-EDC9227E9B17}"/>
           </ac:spMkLst>
         </pc:spChg>
         <pc:spChg chg="add mod">
@@ -1036,28 +1020,20 @@
             <ac:spMk id="24" creationId="{5348E2F8-935A-84B2-C999-9952A11CE7E6}"/>
           </ac:spMkLst>
         </pc:spChg>
-        <pc:picChg chg="add mod">
-          <ac:chgData name="François GLEYZON" userId="a2d04f23f7faf3ef" providerId="LiveId" clId="{8625411A-B743-4065-8137-36E899DC5753}" dt="2025-02-08T17:53:22.056" v="5652" actId="14100"/>
+        <pc:picChg chg="add del mod">
+          <ac:chgData name="François GLEYZON" userId="a2d04f23f7faf3ef" providerId="LiveId" clId="{8625411A-B743-4065-8137-36E899DC5753}" dt="2025-02-11T00:23:57.698" v="7258" actId="478"/>
           <ac:picMkLst>
             <pc:docMk/>
             <pc:sldMk cId="1452944335" sldId="261"/>
             <ac:picMk id="15" creationId="{C28758A4-18A7-290C-9878-36C0FE46E78F}"/>
           </ac:picMkLst>
         </pc:picChg>
-        <pc:picChg chg="add del mod">
-          <ac:chgData name="François GLEYZON" userId="a2d04f23f7faf3ef" providerId="LiveId" clId="{8625411A-B743-4065-8137-36E899DC5753}" dt="2025-02-08T17:53:12.093" v="5650" actId="478"/>
+        <pc:picChg chg="add mod ord">
+          <ac:chgData name="François GLEYZON" userId="a2d04f23f7faf3ef" providerId="LiveId" clId="{8625411A-B743-4065-8137-36E899DC5753}" dt="2025-02-11T00:23:56.069" v="7257" actId="167"/>
           <ac:picMkLst>
             <pc:docMk/>
             <pc:sldMk cId="1452944335" sldId="261"/>
-            <ac:picMk id="16" creationId="{9E3622FB-F13D-E4ED-D320-E8914660DAFE}"/>
-          </ac:picMkLst>
-        </pc:picChg>
-        <pc:picChg chg="add del mod modCrop">
-          <ac:chgData name="François GLEYZON" userId="a2d04f23f7faf3ef" providerId="LiveId" clId="{8625411A-B743-4065-8137-36E899DC5753}" dt="2025-02-08T18:07:30.180" v="6752" actId="478"/>
-          <ac:picMkLst>
-            <pc:docMk/>
-            <pc:sldMk cId="1452944335" sldId="261"/>
-            <ac:picMk id="18" creationId="{9FA30BF9-438D-ED0D-D480-AA8AC5FB1810}"/>
+            <ac:picMk id="16" creationId="{C17D4E60-FB62-8A17-CC77-4C431C144C76}"/>
           </ac:picMkLst>
         </pc:picChg>
       </pc:sldChg>
@@ -1069,7 +1045,7 @@
         </pc:sldMkLst>
       </pc:sldChg>
       <pc:sldChg chg="addSp delSp modSp mod">
-        <pc:chgData name="François GLEYZON" userId="a2d04f23f7faf3ef" providerId="LiveId" clId="{8625411A-B743-4065-8137-36E899DC5753}" dt="2025-02-08T18:09:57.288" v="7112" actId="20577"/>
+        <pc:chgData name="François GLEYZON" userId="a2d04f23f7faf3ef" providerId="LiveId" clId="{8625411A-B743-4065-8137-36E899DC5753}" dt="2025-02-11T00:41:24.991" v="9398" actId="313"/>
         <pc:sldMkLst>
           <pc:docMk/>
           <pc:sldMk cId="2174773392" sldId="263"/>
@@ -1107,31 +1083,31 @@
           </ac:spMkLst>
         </pc:spChg>
         <pc:spChg chg="add mod">
-          <ac:chgData name="François GLEYZON" userId="a2d04f23f7faf3ef" providerId="LiveId" clId="{8625411A-B743-4065-8137-36E899DC5753}" dt="2025-02-08T17:55:53.903" v="6148"/>
+          <ac:chgData name="François GLEYZON" userId="a2d04f23f7faf3ef" providerId="LiveId" clId="{8625411A-B743-4065-8137-36E899DC5753}" dt="2025-02-11T00:32:17.313" v="7645" actId="20577"/>
           <ac:spMkLst>
             <pc:docMk/>
             <pc:sldMk cId="2174773392" sldId="263"/>
             <ac:spMk id="6" creationId="{51B5442A-C3C4-1A8F-D37A-D5F1A379EC7E}"/>
           </ac:spMkLst>
         </pc:spChg>
-        <pc:spChg chg="add mod">
-          <ac:chgData name="François GLEYZON" userId="a2d04f23f7faf3ef" providerId="LiveId" clId="{8625411A-B743-4065-8137-36E899DC5753}" dt="2025-02-08T17:56:32.753" v="6169" actId="20577"/>
+        <pc:spChg chg="add del mod">
+          <ac:chgData name="François GLEYZON" userId="a2d04f23f7faf3ef" providerId="LiveId" clId="{8625411A-B743-4065-8137-36E899DC5753}" dt="2025-02-11T00:31:54.461" v="7629" actId="478"/>
           <ac:spMkLst>
             <pc:docMk/>
             <pc:sldMk cId="2174773392" sldId="263"/>
             <ac:spMk id="7" creationId="{B4A4AEAA-67D2-4085-2A3F-E1A998B2D302}"/>
           </ac:spMkLst>
         </pc:spChg>
-        <pc:spChg chg="add mod">
-          <ac:chgData name="François GLEYZON" userId="a2d04f23f7faf3ef" providerId="LiveId" clId="{8625411A-B743-4065-8137-36E899DC5753}" dt="2025-02-08T17:56:41.934" v="6178" actId="20577"/>
+        <pc:spChg chg="add del mod">
+          <ac:chgData name="François GLEYZON" userId="a2d04f23f7faf3ef" providerId="LiveId" clId="{8625411A-B743-4065-8137-36E899DC5753}" dt="2025-02-11T00:31:54.461" v="7629" actId="478"/>
           <ac:spMkLst>
             <pc:docMk/>
             <pc:sldMk cId="2174773392" sldId="263"/>
             <ac:spMk id="8" creationId="{54FE27B9-FBF6-20B1-0B4D-41BE7711BFE0}"/>
           </ac:spMkLst>
         </pc:spChg>
-        <pc:spChg chg="add mod">
-          <ac:chgData name="François GLEYZON" userId="a2d04f23f7faf3ef" providerId="LiveId" clId="{8625411A-B743-4065-8137-36E899DC5753}" dt="2025-02-08T17:56:47.990" v="6185" actId="20577"/>
+        <pc:spChg chg="add del mod">
+          <ac:chgData name="François GLEYZON" userId="a2d04f23f7faf3ef" providerId="LiveId" clId="{8625411A-B743-4065-8137-36E899DC5753}" dt="2025-02-11T00:31:54.461" v="7629" actId="478"/>
           <ac:spMkLst>
             <pc:docMk/>
             <pc:sldMk cId="2174773392" sldId="263"/>
@@ -1139,7 +1115,7 @@
           </ac:spMkLst>
         </pc:spChg>
         <pc:spChg chg="add mod">
-          <ac:chgData name="François GLEYZON" userId="a2d04f23f7faf3ef" providerId="LiveId" clId="{8625411A-B743-4065-8137-36E899DC5753}" dt="2025-02-08T18:01:30.658" v="6530"/>
+          <ac:chgData name="François GLEYZON" userId="a2d04f23f7faf3ef" providerId="LiveId" clId="{8625411A-B743-4065-8137-36E899DC5753}" dt="2025-02-11T00:37:23.322" v="8688" actId="20577"/>
           <ac:spMkLst>
             <pc:docMk/>
             <pc:sldMk cId="2174773392" sldId="263"/>
@@ -1154,56 +1130,56 @@
             <ac:spMk id="11" creationId="{35DD8227-809D-06CE-9270-2CC91121E055}"/>
           </ac:spMkLst>
         </pc:spChg>
-        <pc:spChg chg="add del mod">
-          <ac:chgData name="François GLEYZON" userId="a2d04f23f7faf3ef" providerId="LiveId" clId="{8625411A-B743-4065-8137-36E899DC5753}" dt="2025-02-08T18:01:31.398" v="6532"/>
+        <pc:spChg chg="add mod">
+          <ac:chgData name="François GLEYZON" userId="a2d04f23f7faf3ef" providerId="LiveId" clId="{8625411A-B743-4065-8137-36E899DC5753}" dt="2025-02-11T00:41:24.991" v="9398" actId="313"/>
           <ac:spMkLst>
             <pc:docMk/>
             <pc:sldMk cId="2174773392" sldId="263"/>
-            <ac:spMk id="15" creationId="{FC131F65-FCE3-AABD-4FAA-40F564CADCEA}"/>
+            <ac:spMk id="15" creationId="{7BDA4E76-F589-4B48-9CFA-A285AB337AE0}"/>
           </ac:spMkLst>
         </pc:spChg>
-        <pc:spChg chg="add mod">
-          <ac:chgData name="François GLEYZON" userId="a2d04f23f7faf3ef" providerId="LiveId" clId="{8625411A-B743-4065-8137-36E899DC5753}" dt="2025-02-08T18:01:46.177" v="6534"/>
+        <pc:spChg chg="add del mod">
+          <ac:chgData name="François GLEYZON" userId="a2d04f23f7faf3ef" providerId="LiveId" clId="{8625411A-B743-4065-8137-36E899DC5753}" dt="2025-02-11T00:31:54.461" v="7629" actId="478"/>
           <ac:spMkLst>
             <pc:docMk/>
             <pc:sldMk cId="2174773392" sldId="263"/>
             <ac:spMk id="16" creationId="{7A6E1C14-3522-2401-987B-6C8323168AC0}"/>
           </ac:spMkLst>
         </pc:spChg>
-        <pc:spChg chg="add mod">
-          <ac:chgData name="François GLEYZON" userId="a2d04f23f7faf3ef" providerId="LiveId" clId="{8625411A-B743-4065-8137-36E899DC5753}" dt="2025-02-08T18:02:00.509" v="6537" actId="6549"/>
+        <pc:spChg chg="add del mod">
+          <ac:chgData name="François GLEYZON" userId="a2d04f23f7faf3ef" providerId="LiveId" clId="{8625411A-B743-4065-8137-36E899DC5753}" dt="2025-02-11T00:31:56.959" v="7630" actId="478"/>
           <ac:spMkLst>
             <pc:docMk/>
             <pc:sldMk cId="2174773392" sldId="263"/>
             <ac:spMk id="17" creationId="{14E8F240-3DC6-CA73-F443-546CABD8453C}"/>
           </ac:spMkLst>
         </pc:spChg>
-        <pc:spChg chg="add mod">
-          <ac:chgData name="François GLEYZON" userId="a2d04f23f7faf3ef" providerId="LiveId" clId="{8625411A-B743-4065-8137-36E899DC5753}" dt="2025-02-08T18:02:07.797" v="6538"/>
+        <pc:spChg chg="add del mod">
+          <ac:chgData name="François GLEYZON" userId="a2d04f23f7faf3ef" providerId="LiveId" clId="{8625411A-B743-4065-8137-36E899DC5753}" dt="2025-02-11T00:31:54.461" v="7629" actId="478"/>
           <ac:spMkLst>
             <pc:docMk/>
             <pc:sldMk cId="2174773392" sldId="263"/>
             <ac:spMk id="18" creationId="{D3FB6750-FBE0-E1A8-1C71-2998EAAF3657}"/>
           </ac:spMkLst>
         </pc:spChg>
-        <pc:spChg chg="add mod">
-          <ac:chgData name="François GLEYZON" userId="a2d04f23f7faf3ef" providerId="LiveId" clId="{8625411A-B743-4065-8137-36E899DC5753}" dt="2025-02-08T18:09:57.288" v="7112" actId="20577"/>
+        <pc:spChg chg="add del mod">
+          <ac:chgData name="François GLEYZON" userId="a2d04f23f7faf3ef" providerId="LiveId" clId="{8625411A-B743-4065-8137-36E899DC5753}" dt="2025-02-11T00:31:46.531" v="7628" actId="478"/>
           <ac:spMkLst>
             <pc:docMk/>
             <pc:sldMk cId="2174773392" sldId="263"/>
             <ac:spMk id="19" creationId="{A4779A6A-8265-FCC3-87DB-F422B4FA7572}"/>
           </ac:spMkLst>
         </pc:spChg>
-        <pc:picChg chg="add del mod">
-          <ac:chgData name="François GLEYZON" userId="a2d04f23f7faf3ef" providerId="LiveId" clId="{8625411A-B743-4065-8137-36E899DC5753}" dt="2025-02-08T17:56:23.809" v="6157" actId="478"/>
+        <pc:picChg chg="add mod ord">
+          <ac:chgData name="François GLEYZON" userId="a2d04f23f7faf3ef" providerId="LiveId" clId="{8625411A-B743-4065-8137-36E899DC5753}" dt="2025-02-11T00:31:41.028" v="7626" actId="167"/>
           <ac:picMkLst>
             <pc:docMk/>
             <pc:sldMk cId="2174773392" sldId="263"/>
-            <ac:picMk id="12" creationId="{879D2F27-83A9-D3C7-56EC-E71DC3FBBB15}"/>
+            <ac:picMk id="13" creationId="{EF2EFB49-ED70-4B27-2033-047136B683A5}"/>
           </ac:picMkLst>
         </pc:picChg>
-        <pc:picChg chg="add mod ord">
-          <ac:chgData name="François GLEYZON" userId="a2d04f23f7faf3ef" providerId="LiveId" clId="{8625411A-B743-4065-8137-36E899DC5753}" dt="2025-02-08T17:56:21.019" v="6156" actId="171"/>
+        <pc:picChg chg="add del mod ord">
+          <ac:chgData name="François GLEYZON" userId="a2d04f23f7faf3ef" providerId="LiveId" clId="{8625411A-B743-4065-8137-36E899DC5753}" dt="2025-02-11T00:31:41.835" v="7627" actId="478"/>
           <ac:picMkLst>
             <pc:docMk/>
             <pc:sldMk cId="2174773392" sldId="263"/>
@@ -1581,14 +1557,6 @@
             <ac:picMk id="8" creationId="{F5478F9D-5ACE-798B-6D07-047046B54D1B}"/>
           </ac:picMkLst>
         </pc:picChg>
-        <pc:picChg chg="add del mod">
-          <ac:chgData name="François GLEYZON" userId="a2d04f23f7faf3ef" providerId="LiveId" clId="{8625411A-B743-4065-8137-36E899DC5753}" dt="2025-02-08T17:46:25.224" v="5394" actId="478"/>
-          <ac:picMkLst>
-            <pc:docMk/>
-            <pc:sldMk cId="3013734229" sldId="266"/>
-            <ac:picMk id="20" creationId="{3AA74466-528C-8DC9-1492-EADB8A7E433C}"/>
-          </ac:picMkLst>
-        </pc:picChg>
       </pc:sldChg>
       <pc:sldChg chg="addSp modSp add del mod">
         <pc:chgData name="François GLEYZON" userId="a2d04f23f7faf3ef" providerId="LiveId" clId="{8625411A-B743-4065-8137-36E899DC5753}" dt="2025-02-06T23:27:25.798" v="5234" actId="2696"/>
@@ -1684,7 +1652,7 @@
           <a:p>
             <a:fld id="{536D1BE0-9163-4941-8556-7FE0B29195A4}" type="datetimeFigureOut">
               <a:rPr lang="en-GB" smtClean="0"/>
-              <a:t>08/02/2025</a:t>
+              <a:t>10/02/2025</a:t>
             </a:fld>
             <a:endParaRPr lang="en-GB"/>
           </a:p>
@@ -2185,7 +2153,7 @@
           <a:p>
             <a:fld id="{CEFDEF93-0E3A-4A89-BC16-F38BAE82060D}" type="datetimeFigureOut">
               <a:rPr lang="en-GB" smtClean="0"/>
-              <a:t>08/02/2025</a:t>
+              <a:t>10/02/2025</a:t>
             </a:fld>
             <a:endParaRPr lang="en-GB"/>
           </a:p>
@@ -2385,7 +2353,7 @@
           <a:p>
             <a:fld id="{CEFDEF93-0E3A-4A89-BC16-F38BAE82060D}" type="datetimeFigureOut">
               <a:rPr lang="en-GB" smtClean="0"/>
-              <a:t>08/02/2025</a:t>
+              <a:t>10/02/2025</a:t>
             </a:fld>
             <a:endParaRPr lang="en-GB"/>
           </a:p>
@@ -2595,7 +2563,7 @@
           <a:p>
             <a:fld id="{CEFDEF93-0E3A-4A89-BC16-F38BAE82060D}" type="datetimeFigureOut">
               <a:rPr lang="en-GB" smtClean="0"/>
-              <a:t>08/02/2025</a:t>
+              <a:t>10/02/2025</a:t>
             </a:fld>
             <a:endParaRPr lang="en-GB"/>
           </a:p>
@@ -2795,7 +2763,7 @@
           <a:p>
             <a:fld id="{CEFDEF93-0E3A-4A89-BC16-F38BAE82060D}" type="datetimeFigureOut">
               <a:rPr lang="en-GB" smtClean="0"/>
-              <a:t>08/02/2025</a:t>
+              <a:t>10/02/2025</a:t>
             </a:fld>
             <a:endParaRPr lang="en-GB"/>
           </a:p>
@@ -3071,7 +3039,7 @@
           <a:p>
             <a:fld id="{CEFDEF93-0E3A-4A89-BC16-F38BAE82060D}" type="datetimeFigureOut">
               <a:rPr lang="en-GB" smtClean="0"/>
-              <a:t>08/02/2025</a:t>
+              <a:t>10/02/2025</a:t>
             </a:fld>
             <a:endParaRPr lang="en-GB"/>
           </a:p>
@@ -3339,7 +3307,7 @@
           <a:p>
             <a:fld id="{CEFDEF93-0E3A-4A89-BC16-F38BAE82060D}" type="datetimeFigureOut">
               <a:rPr lang="en-GB" smtClean="0"/>
-              <a:t>08/02/2025</a:t>
+              <a:t>10/02/2025</a:t>
             </a:fld>
             <a:endParaRPr lang="en-GB"/>
           </a:p>
@@ -3754,7 +3722,7 @@
           <a:p>
             <a:fld id="{CEFDEF93-0E3A-4A89-BC16-F38BAE82060D}" type="datetimeFigureOut">
               <a:rPr lang="en-GB" smtClean="0"/>
-              <a:t>08/02/2025</a:t>
+              <a:t>10/02/2025</a:t>
             </a:fld>
             <a:endParaRPr lang="en-GB"/>
           </a:p>
@@ -3896,7 +3864,7 @@
           <a:p>
             <a:fld id="{CEFDEF93-0E3A-4A89-BC16-F38BAE82060D}" type="datetimeFigureOut">
               <a:rPr lang="en-GB" smtClean="0"/>
-              <a:t>08/02/2025</a:t>
+              <a:t>10/02/2025</a:t>
             </a:fld>
             <a:endParaRPr lang="en-GB"/>
           </a:p>
@@ -4009,7 +3977,7 @@
           <a:p>
             <a:fld id="{CEFDEF93-0E3A-4A89-BC16-F38BAE82060D}" type="datetimeFigureOut">
               <a:rPr lang="en-GB" smtClean="0"/>
-              <a:t>08/02/2025</a:t>
+              <a:t>10/02/2025</a:t>
             </a:fld>
             <a:endParaRPr lang="en-GB"/>
           </a:p>
@@ -4322,7 +4290,7 @@
           <a:p>
             <a:fld id="{CEFDEF93-0E3A-4A89-BC16-F38BAE82060D}" type="datetimeFigureOut">
               <a:rPr lang="en-GB" smtClean="0"/>
-              <a:t>08/02/2025</a:t>
+              <a:t>10/02/2025</a:t>
             </a:fld>
             <a:endParaRPr lang="en-GB"/>
           </a:p>
@@ -4611,7 +4579,7 @@
           <a:p>
             <a:fld id="{CEFDEF93-0E3A-4A89-BC16-F38BAE82060D}" type="datetimeFigureOut">
               <a:rPr lang="en-GB" smtClean="0"/>
-              <a:t>08/02/2025</a:t>
+              <a:t>10/02/2025</a:t>
             </a:fld>
             <a:endParaRPr lang="en-GB"/>
           </a:p>
@@ -4854,7 +4822,7 @@
           <a:p>
             <a:fld id="{CEFDEF93-0E3A-4A89-BC16-F38BAE82060D}" type="datetimeFigureOut">
               <a:rPr lang="en-GB" smtClean="0"/>
-              <a:t>08/02/2025</a:t>
+              <a:t>10/02/2025</a:t>
             </a:fld>
             <a:endParaRPr lang="en-GB"/>
           </a:p>
@@ -21603,8 +21571,8 @@
           </a:p>
         </p:txBody>
       </p:sp>
-      <mc:AlternateContent xmlns:mc="http://schemas.openxmlformats.org/markup-compatibility/2006">
-        <mc:Choice xmlns:a14="http://schemas.microsoft.com/office/drawing/2010/main" Requires="a14">
+      <mc:AlternateContent xmlns:mc="http://schemas.openxmlformats.org/markup-compatibility/2006" xmlns:a14="http://schemas.microsoft.com/office/drawing/2010/main">
+        <mc:Choice Requires="a14">
           <p:sp>
             <p:nvSpPr>
               <p:cNvPr id="13" name="TextBox 12">
@@ -21698,7 +21666,7 @@
             </p:txBody>
           </p:sp>
         </mc:Choice>
-        <mc:Fallback>
+        <mc:Fallback xmlns="">
           <p:sp>
             <p:nvSpPr>
               <p:cNvPr id="13" name="TextBox 12">
@@ -21743,8 +21711,8 @@
           </p:sp>
         </mc:Fallback>
       </mc:AlternateContent>
-      <mc:AlternateContent xmlns:mc="http://schemas.openxmlformats.org/markup-compatibility/2006">
-        <mc:Choice xmlns:a14="http://schemas.microsoft.com/office/drawing/2010/main" Requires="a14">
+      <mc:AlternateContent xmlns:mc="http://schemas.openxmlformats.org/markup-compatibility/2006" xmlns:a14="http://schemas.microsoft.com/office/drawing/2010/main">
+        <mc:Choice Requires="a14">
           <p:sp>
             <p:nvSpPr>
               <p:cNvPr id="14" name="TextBox 13">
@@ -21819,14 +21787,7 @@
                         <a:latin typeface="Cambria Math" panose="02040503050406030204" pitchFamily="18" charset="0"/>
                         <a:cs typeface="Times New Roman" panose="02020603050405020304" pitchFamily="18" charset="0"/>
                       </a:rPr>
-                      <m:t>=1.0</m:t>
-                    </m:r>
-                    <m:r>
-                      <a:rPr lang="fr-FR" b="0" i="1" smtClean="0">
-                        <a:latin typeface="Cambria Math" panose="02040503050406030204" pitchFamily="18" charset="0"/>
-                        <a:cs typeface="Times New Roman" panose="02020603050405020304" pitchFamily="18" charset="0"/>
-                      </a:rPr>
-                      <m:t>107</m:t>
+                      <m:t>=1.0107</m:t>
                     </m:r>
                   </m:oMath>
                 </a14:m>
@@ -21838,7 +21799,7 @@
             </p:txBody>
           </p:sp>
         </mc:Choice>
-        <mc:Fallback>
+        <mc:Fallback xmlns="">
           <p:sp>
             <p:nvSpPr>
               <p:cNvPr id="14" name="TextBox 13">
@@ -21883,8 +21844,8 @@
           </p:sp>
         </mc:Fallback>
       </mc:AlternateContent>
-      <mc:AlternateContent xmlns:mc="http://schemas.openxmlformats.org/markup-compatibility/2006">
-        <mc:Choice xmlns:a14="http://schemas.microsoft.com/office/drawing/2010/main" Requires="a14">
+      <mc:AlternateContent xmlns:mc="http://schemas.openxmlformats.org/markup-compatibility/2006" xmlns:a14="http://schemas.microsoft.com/office/drawing/2010/main">
+        <mc:Choice Requires="a14">
           <p:sp>
             <p:nvSpPr>
               <p:cNvPr id="15" name="TextBox 14">
@@ -21973,14 +21934,7 @@
                         <a:latin typeface="Cambria Math" panose="02040503050406030204" pitchFamily="18" charset="0"/>
                         <a:cs typeface="Times New Roman" panose="02020603050405020304" pitchFamily="18" charset="0"/>
                       </a:rPr>
-                      <m:t>=1.</m:t>
-                    </m:r>
-                    <m:r>
-                      <a:rPr lang="fr-FR" b="0" i="1" smtClean="0">
-                        <a:latin typeface="Cambria Math" panose="02040503050406030204" pitchFamily="18" charset="0"/>
-                        <a:cs typeface="Times New Roman" panose="02020603050405020304" pitchFamily="18" charset="0"/>
-                      </a:rPr>
-                      <m:t>000</m:t>
+                      <m:t>=1.000</m:t>
                     </m:r>
                   </m:oMath>
                 </a14:m>
@@ -21992,7 +21946,7 @@
             </p:txBody>
           </p:sp>
         </mc:Choice>
-        <mc:Fallback>
+        <mc:Fallback xmlns="">
           <p:sp>
             <p:nvSpPr>
               <p:cNvPr id="15" name="TextBox 14">
@@ -22037,8 +21991,8 @@
           </p:sp>
         </mc:Fallback>
       </mc:AlternateContent>
-      <mc:AlternateContent xmlns:mc="http://schemas.openxmlformats.org/markup-compatibility/2006">
-        <mc:Choice xmlns:a14="http://schemas.microsoft.com/office/drawing/2010/main" Requires="a14">
+      <mc:AlternateContent xmlns:mc="http://schemas.openxmlformats.org/markup-compatibility/2006" xmlns:a14="http://schemas.microsoft.com/office/drawing/2010/main">
+        <mc:Choice Requires="a14">
           <p:sp>
             <p:nvSpPr>
               <p:cNvPr id="16" name="TextBox 15">
@@ -22203,7 +22157,7 @@
             </p:txBody>
           </p:sp>
         </mc:Choice>
-        <mc:Fallback>
+        <mc:Fallback xmlns="">
           <p:sp>
             <p:nvSpPr>
               <p:cNvPr id="16" name="TextBox 15">
@@ -22370,8 +22324,8 @@
           </a:p>
         </p:txBody>
       </p:sp>
-      <mc:AlternateContent xmlns:mc="http://schemas.openxmlformats.org/markup-compatibility/2006">
-        <mc:Choice xmlns:a14="http://schemas.microsoft.com/office/drawing/2010/main" Requires="a14">
+      <mc:AlternateContent xmlns:mc="http://schemas.openxmlformats.org/markup-compatibility/2006" xmlns:a14="http://schemas.microsoft.com/office/drawing/2010/main">
+        <mc:Choice Requires="a14">
           <p:sp>
             <p:nvSpPr>
               <p:cNvPr id="11" name="TextBox 10">
@@ -22472,7 +22426,7 @@
             </p:txBody>
           </p:sp>
         </mc:Choice>
-        <mc:Fallback>
+        <mc:Fallback xmlns="">
           <p:sp>
             <p:nvSpPr>
               <p:cNvPr id="11" name="TextBox 10">
@@ -22517,8 +22471,8 @@
           </p:sp>
         </mc:Fallback>
       </mc:AlternateContent>
-      <mc:AlternateContent xmlns:mc="http://schemas.openxmlformats.org/markup-compatibility/2006">
-        <mc:Choice xmlns:a14="http://schemas.microsoft.com/office/drawing/2010/main" Requires="a14">
+      <mc:AlternateContent xmlns:mc="http://schemas.openxmlformats.org/markup-compatibility/2006" xmlns:a14="http://schemas.microsoft.com/office/drawing/2010/main">
+        <mc:Choice Requires="a14">
           <p:sp>
             <p:nvSpPr>
               <p:cNvPr id="12" name="TextBox 11">
@@ -22612,7 +22566,7 @@
             </p:txBody>
           </p:sp>
         </mc:Choice>
-        <mc:Fallback>
+        <mc:Fallback xmlns="">
           <p:sp>
             <p:nvSpPr>
               <p:cNvPr id="12" name="TextBox 11">
@@ -22657,8 +22611,8 @@
           </p:sp>
         </mc:Fallback>
       </mc:AlternateContent>
-      <mc:AlternateContent xmlns:mc="http://schemas.openxmlformats.org/markup-compatibility/2006">
-        <mc:Choice xmlns:a14="http://schemas.microsoft.com/office/drawing/2010/main" Requires="a14">
+      <mc:AlternateContent xmlns:mc="http://schemas.openxmlformats.org/markup-compatibility/2006" xmlns:a14="http://schemas.microsoft.com/office/drawing/2010/main">
+        <mc:Choice Requires="a14">
           <p:sp>
             <p:nvSpPr>
               <p:cNvPr id="17" name="TextBox 16">
@@ -22747,14 +22701,7 @@
                         <a:latin typeface="Cambria Math" panose="02040503050406030204" pitchFamily="18" charset="0"/>
                         <a:cs typeface="Times New Roman" panose="02020603050405020304" pitchFamily="18" charset="0"/>
                       </a:rPr>
-                      <m:t>=1.</m:t>
-                    </m:r>
-                    <m:r>
-                      <a:rPr lang="fr-FR" b="0" i="1" smtClean="0">
-                        <a:latin typeface="Cambria Math" panose="02040503050406030204" pitchFamily="18" charset="0"/>
-                        <a:cs typeface="Times New Roman" panose="02020603050405020304" pitchFamily="18" charset="0"/>
-                      </a:rPr>
-                      <m:t>000</m:t>
+                      <m:t>=1.000</m:t>
                     </m:r>
                   </m:oMath>
                 </a14:m>
@@ -22766,7 +22713,7 @@
             </p:txBody>
           </p:sp>
         </mc:Choice>
-        <mc:Fallback>
+        <mc:Fallback xmlns="">
           <p:sp>
             <p:nvSpPr>
               <p:cNvPr id="17" name="TextBox 16">
@@ -22847,6 +22794,42 @@
           <a:chExt cx="0" cy="0"/>
         </a:xfrm>
       </p:grpSpPr>
+      <p:pic>
+        <p:nvPicPr>
+          <p:cNvPr id="16" name="Picture 15" descr="A graph with a line&#10;&#10;AI-generated content may be incorrect.">
+            <a:extLst>
+              <a:ext uri="{FF2B5EF4-FFF2-40B4-BE49-F238E27FC236}">
+                <a16:creationId xmlns:a16="http://schemas.microsoft.com/office/drawing/2014/main" id="{C17D4E60-FB62-8A17-CC77-4C431C144C76}"/>
+              </a:ext>
+            </a:extLst>
+          </p:cNvPr>
+          <p:cNvPicPr>
+            <a:picLocks noChangeAspect="1"/>
+          </p:cNvPicPr>
+          <p:nvPr/>
+        </p:nvPicPr>
+        <p:blipFill>
+          <a:blip r:embed="rId2">
+            <a:extLst>
+              <a:ext uri="{28A0092B-C50C-407E-A947-70E740481C1C}">
+                <a14:useLocalDpi xmlns:a14="http://schemas.microsoft.com/office/drawing/2010/main" val="0"/>
+              </a:ext>
+            </a:extLst>
+          </a:blip>
+          <a:stretch>
+            <a:fillRect/>
+          </a:stretch>
+        </p:blipFill>
+        <p:spPr>
+          <a:xfrm>
+            <a:off x="-1047" y="3106705"/>
+            <a:ext cx="4969226" cy="3726919"/>
+          </a:xfrm>
+          <a:prstGeom prst="rect">
+            <a:avLst/>
+          </a:prstGeom>
+        </p:spPr>
+      </p:pic>
       <p:sp>
         <p:nvSpPr>
           <p:cNvPr id="2" name="Rectangle 1">
@@ -23288,7 +23271,7 @@
                 <a:avLst/>
               </a:prstGeom>
               <a:blipFill>
-                <a:blip r:embed="rId2"/>
+                <a:blip r:embed="rId3"/>
                 <a:stretch>
                   <a:fillRect/>
                 </a:stretch>
@@ -23604,7 +23587,7 @@
                 <a:avLst/>
               </a:prstGeom>
               <a:blipFill>
-                <a:blip r:embed="rId3"/>
+                <a:blip r:embed="rId4"/>
                 <a:stretch>
                   <a:fillRect/>
                 </a:stretch>
@@ -24451,7 +24434,7 @@
                 <a:avLst/>
               </a:prstGeom>
               <a:blipFill>
-                <a:blip r:embed="rId4"/>
+                <a:blip r:embed="rId5"/>
                 <a:stretch>
                   <a:fillRect/>
                 </a:stretch>
@@ -24558,109 +24541,142 @@
           </a:p>
         </p:txBody>
       </p:sp>
-      <p:pic>
-        <p:nvPicPr>
-          <p:cNvPr id="15" name="Picture 14" descr="A graph with a line&#10;&#10;AI-generated content may be incorrect.">
-            <a:extLst>
-              <a:ext uri="{FF2B5EF4-FFF2-40B4-BE49-F238E27FC236}">
-                <a16:creationId xmlns:a16="http://schemas.microsoft.com/office/drawing/2014/main" id="{C28758A4-18A7-290C-9878-36C0FE46E78F}"/>
-              </a:ext>
-            </a:extLst>
-          </p:cNvPr>
-          <p:cNvPicPr>
-            <a:picLocks noChangeAspect="1"/>
-          </p:cNvPicPr>
-          <p:nvPr/>
-        </p:nvPicPr>
-        <p:blipFill>
-          <a:blip r:embed="rId5">
-            <a:extLst>
-              <a:ext uri="{28A0092B-C50C-407E-A947-70E740481C1C}">
-                <a14:useLocalDpi xmlns:a14="http://schemas.microsoft.com/office/drawing/2010/main" val="0"/>
-              </a:ext>
-            </a:extLst>
-          </a:blip>
-          <a:stretch>
-            <a:fillRect/>
-          </a:stretch>
-        </p:blipFill>
-        <p:spPr>
-          <a:xfrm>
-            <a:off x="0" y="3106705"/>
-            <a:ext cx="4969291" cy="3726968"/>
-          </a:xfrm>
-          <a:prstGeom prst="rect">
-            <a:avLst/>
-          </a:prstGeom>
-        </p:spPr>
-      </p:pic>
-      <p:sp>
-        <p:nvSpPr>
-          <p:cNvPr id="17" name="TextBox 16">
-            <a:extLst>
-              <a:ext uri="{FF2B5EF4-FFF2-40B4-BE49-F238E27FC236}">
-                <a16:creationId xmlns:a16="http://schemas.microsoft.com/office/drawing/2014/main" id="{3CF42690-7162-FF5D-0928-122CB4424C2F}"/>
-              </a:ext>
-            </a:extLst>
-          </p:cNvPr>
-          <p:cNvSpPr txBox="1"/>
-          <p:nvPr/>
-        </p:nvSpPr>
-        <p:spPr>
-          <a:xfrm>
-            <a:off x="4969291" y="3232410"/>
-            <a:ext cx="7222709" cy="2585323"/>
-          </a:xfrm>
-          <a:prstGeom prst="rect">
-            <a:avLst/>
-          </a:prstGeom>
-          <a:noFill/>
-        </p:spPr>
-        <p:txBody>
-          <a:bodyPr wrap="square" rtlCol="0">
-            <a:spAutoFit/>
-          </a:bodyPr>
-          <a:lstStyle/>
-          <a:p>
-            <a:pPr algn="just"/>
-            <a:r>
-              <a:rPr lang="fr-FR" dirty="0">
-                <a:latin typeface="Times New Roman" panose="02020603050405020304" pitchFamily="18" charset="0"/>
-                <a:cs typeface="Times New Roman" panose="02020603050405020304" pitchFamily="18" charset="0"/>
-              </a:rPr>
-              <a:t>En comparaison aux résultats obtenues précédemment, simplement basé sur une comparaison visuelle, nous pouvons dire que ces derniers semblent converger plus rapidement vers la solution analytique. En effet, la solution de la question C/D, représenté par    , est bien plus éloigné de la solution analytique.</a:t>
-            </a:r>
-          </a:p>
-          <a:p>
-            <a:pPr algn="just"/>
-            <a:endParaRPr lang="fr-FR" dirty="0">
-              <a:latin typeface="Times New Roman" panose="02020603050405020304" pitchFamily="18" charset="0"/>
-              <a:cs typeface="Times New Roman" panose="02020603050405020304" pitchFamily="18" charset="0"/>
-            </a:endParaRPr>
-          </a:p>
-          <a:p>
-            <a:pPr algn="just"/>
-            <a:r>
-              <a:rPr lang="fr-FR" b="1" dirty="0">
-                <a:latin typeface="Times New Roman" panose="02020603050405020304" pitchFamily="18" charset="0"/>
-                <a:cs typeface="Times New Roman" panose="02020603050405020304" pitchFamily="18" charset="0"/>
-              </a:rPr>
-              <a:t>Remarque</a:t>
-            </a:r>
-            <a:r>
-              <a:rPr lang="fr-FR" dirty="0">
-                <a:latin typeface="Times New Roman" panose="02020603050405020304" pitchFamily="18" charset="0"/>
-                <a:cs typeface="Times New Roman" panose="02020603050405020304" pitchFamily="18" charset="0"/>
-              </a:rPr>
-              <a:t> : La condition de Dirichlet sur la droite force une cohérence des deux solutions, mais comme perceptible avec le précédent résultat, la convergence met plus de temps vers la condition de Neumann. </a:t>
-            </a:r>
-            <a:endParaRPr lang="en-GB" dirty="0">
-              <a:latin typeface="Times New Roman" panose="02020603050405020304" pitchFamily="18" charset="0"/>
-              <a:cs typeface="Times New Roman" panose="02020603050405020304" pitchFamily="18" charset="0"/>
-            </a:endParaRPr>
-          </a:p>
-        </p:txBody>
-      </p:sp>
+      <mc:AlternateContent xmlns:mc="http://schemas.openxmlformats.org/markup-compatibility/2006">
+        <mc:Choice xmlns:a14="http://schemas.microsoft.com/office/drawing/2010/main" Requires="a14">
+          <p:sp>
+            <p:nvSpPr>
+              <p:cNvPr id="17" name="TextBox 16">
+                <a:extLst>
+                  <a:ext uri="{FF2B5EF4-FFF2-40B4-BE49-F238E27FC236}">
+                    <a16:creationId xmlns:a16="http://schemas.microsoft.com/office/drawing/2014/main" id="{3CF42690-7162-FF5D-0928-122CB4424C2F}"/>
+                  </a:ext>
+                </a:extLst>
+              </p:cNvPr>
+              <p:cNvSpPr txBox="1"/>
+              <p:nvPr/>
+            </p:nvSpPr>
+            <p:spPr>
+              <a:xfrm>
+                <a:off x="4969291" y="3232410"/>
+                <a:ext cx="7222709" cy="2585323"/>
+              </a:xfrm>
+              <a:prstGeom prst="rect">
+                <a:avLst/>
+              </a:prstGeom>
+              <a:noFill/>
+            </p:spPr>
+            <p:txBody>
+              <a:bodyPr wrap="square" rtlCol="0">
+                <a:spAutoFit/>
+              </a:bodyPr>
+              <a:lstStyle/>
+              <a:p>
+                <a:pPr algn="just"/>
+                <a:r>
+                  <a:rPr lang="fr-FR" dirty="0">
+                    <a:latin typeface="Times New Roman" panose="02020603050405020304" pitchFamily="18" charset="0"/>
+                    <a:cs typeface="Times New Roman" panose="02020603050405020304" pitchFamily="18" charset="0"/>
+                  </a:rPr>
+                  <a:t>En comparaison aux résultats obtenues précédemment, simplement basé sur une comparaison visuelle, nous pouvons dire que ces derniers semblent converger plus rapidement vers la solution analytique. En effet, la solution de la question C/D, représenté par    , est bien plus éloigné de la solution analytique. Visuellement, nous pouvons même dire qu’il semblerait que cette nouvelle solution soit très bonne ! </a:t>
+                </a:r>
+              </a:p>
+              <a:p>
+                <a:pPr algn="just"/>
+                <a:endParaRPr lang="fr-FR" dirty="0">
+                  <a:latin typeface="Times New Roman" panose="02020603050405020304" pitchFamily="18" charset="0"/>
+                  <a:cs typeface="Times New Roman" panose="02020603050405020304" pitchFamily="18" charset="0"/>
+                </a:endParaRPr>
+              </a:p>
+              <a:p>
+                <a:pPr algn="just"/>
+                <a:r>
+                  <a:rPr lang="fr-FR" b="1" dirty="0">
+                    <a:latin typeface="Times New Roman" panose="02020603050405020304" pitchFamily="18" charset="0"/>
+                    <a:cs typeface="Times New Roman" panose="02020603050405020304" pitchFamily="18" charset="0"/>
+                  </a:rPr>
+                  <a:t>Remarque</a:t>
+                </a:r>
+                <a:r>
+                  <a:rPr lang="fr-FR" dirty="0">
+                    <a:latin typeface="Times New Roman" panose="02020603050405020304" pitchFamily="18" charset="0"/>
+                    <a:cs typeface="Times New Roman" panose="02020603050405020304" pitchFamily="18" charset="0"/>
+                  </a:rPr>
+                  <a:t> : Afin de pouvoir appliquer la condition de Neumann en </a:t>
+                </a:r>
+                <a14:m>
+                  <m:oMath xmlns:m="http://schemas.openxmlformats.org/officeDocument/2006/math">
+                    <m:r>
+                      <a:rPr lang="fr-FR" b="0" i="1" smtClean="0">
+                        <a:latin typeface="Cambria Math" panose="02040503050406030204" pitchFamily="18" charset="0"/>
+                        <a:cs typeface="Times New Roman" panose="02020603050405020304" pitchFamily="18" charset="0"/>
+                      </a:rPr>
+                      <m:t>𝑟</m:t>
+                    </m:r>
+                    <m:r>
+                      <a:rPr lang="fr-FR" b="0" i="1" smtClean="0">
+                        <a:latin typeface="Cambria Math" panose="02040503050406030204" pitchFamily="18" charset="0"/>
+                        <a:cs typeface="Times New Roman" panose="02020603050405020304" pitchFamily="18" charset="0"/>
+                      </a:rPr>
+                      <m:t>=0</m:t>
+                    </m:r>
+                  </m:oMath>
+                </a14:m>
+                <a:r>
+                  <a:rPr lang="fr-FR" dirty="0">
+                    <a:latin typeface="Times New Roman" panose="02020603050405020304" pitchFamily="18" charset="0"/>
+                    <a:cs typeface="Times New Roman" panose="02020603050405020304" pitchFamily="18" charset="0"/>
+                  </a:rPr>
+                  <a:t>  toujours d’ordre 2, nous avons optés pour un schéma décentrée droite  :</a:t>
+                </a:r>
+              </a:p>
+            </p:txBody>
+          </p:sp>
+        </mc:Choice>
+        <mc:Fallback>
+          <p:sp>
+            <p:nvSpPr>
+              <p:cNvPr id="17" name="TextBox 16">
+                <a:extLst>
+                  <a:ext uri="{FF2B5EF4-FFF2-40B4-BE49-F238E27FC236}">
+                    <a16:creationId xmlns:a16="http://schemas.microsoft.com/office/drawing/2014/main" id="{3CF42690-7162-FF5D-0928-122CB4424C2F}"/>
+                  </a:ext>
+                </a:extLst>
+              </p:cNvPr>
+              <p:cNvSpPr txBox="1">
+                <a:spLocks noRot="1" noChangeAspect="1" noMove="1" noResize="1" noEditPoints="1" noAdjustHandles="1" noChangeArrowheads="1" noChangeShapeType="1" noTextEdit="1"/>
+              </p:cNvSpPr>
+              <p:nvPr/>
+            </p:nvSpPr>
+            <p:spPr>
+              <a:xfrm>
+                <a:off x="4969291" y="3232410"/>
+                <a:ext cx="7222709" cy="2585323"/>
+              </a:xfrm>
+              <a:prstGeom prst="rect">
+                <a:avLst/>
+              </a:prstGeom>
+              <a:blipFill>
+                <a:blip r:embed="rId6"/>
+                <a:stretch>
+                  <a:fillRect l="-675" t="-1179" r="-759" b="-2830"/>
+                </a:stretch>
+              </a:blipFill>
+            </p:spPr>
+            <p:txBody>
+              <a:bodyPr/>
+              <a:lstStyle/>
+              <a:p>
+                <a:r>
+                  <a:rPr lang="en-GB">
+                    <a:noFill/>
+                  </a:rPr>
+                  <a:t> </a:t>
+                </a:r>
+              </a:p>
+            </p:txBody>
+          </p:sp>
+        </mc:Fallback>
+      </mc:AlternateContent>
       <p:sp>
         <p:nvSpPr>
           <p:cNvPr id="19" name="TextBox 18">
@@ -24968,6 +24984,431 @@
           </a:p>
         </p:txBody>
       </p:sp>
+      <mc:AlternateContent xmlns:mc="http://schemas.openxmlformats.org/markup-compatibility/2006">
+        <mc:Choice xmlns:a14="http://schemas.microsoft.com/office/drawing/2010/main" Requires="a14">
+          <p:sp>
+            <p:nvSpPr>
+              <p:cNvPr id="18" name="TextBox 17">
+                <a:extLst>
+                  <a:ext uri="{FF2B5EF4-FFF2-40B4-BE49-F238E27FC236}">
+                    <a16:creationId xmlns:a16="http://schemas.microsoft.com/office/drawing/2014/main" id="{F4DF8ABF-BD8B-C0FA-91D0-EDC9227E9B17}"/>
+                  </a:ext>
+                </a:extLst>
+              </p:cNvPr>
+              <p:cNvSpPr txBox="1"/>
+              <p:nvPr/>
+            </p:nvSpPr>
+            <p:spPr>
+              <a:xfrm>
+                <a:off x="5048278" y="5896325"/>
+                <a:ext cx="5929828" cy="653897"/>
+              </a:xfrm>
+              <a:prstGeom prst="rect">
+                <a:avLst/>
+              </a:prstGeom>
+              <a:noFill/>
+            </p:spPr>
+            <p:txBody>
+              <a:bodyPr wrap="none" lIns="0" tIns="0" rIns="0" bIns="0" rtlCol="0">
+                <a:spAutoFit/>
+              </a:bodyPr>
+              <a:lstStyle/>
+              <a:p>
+                <a14:m>
+                  <m:oMathPara xmlns:m="http://schemas.openxmlformats.org/officeDocument/2006/math">
+                    <m:oMathParaPr>
+                      <m:jc m:val="centerGroup"/>
+                    </m:oMathParaPr>
+                    <m:oMath xmlns:m="http://schemas.openxmlformats.org/officeDocument/2006/math">
+                      <m:sSub>
+                        <m:sSubPr>
+                          <m:ctrlPr>
+                            <a:rPr lang="fr-FR" i="1" smtClean="0">
+                              <a:latin typeface="Cambria Math" panose="02040503050406030204" pitchFamily="18" charset="0"/>
+                            </a:rPr>
+                          </m:ctrlPr>
+                        </m:sSubPr>
+                        <m:e>
+                          <m:d>
+                            <m:dPr>
+                              <m:begChr m:val=""/>
+                              <m:endChr m:val="|"/>
+                              <m:ctrlPr>
+                                <a:rPr lang="en-GB" i="1">
+                                  <a:latin typeface="Cambria Math" panose="02040503050406030204" pitchFamily="18" charset="0"/>
+                                </a:rPr>
+                              </m:ctrlPr>
+                            </m:dPr>
+                            <m:e>
+                              <m:f>
+                                <m:fPr>
+                                  <m:ctrlPr>
+                                    <a:rPr lang="en-GB" i="1">
+                                      <a:latin typeface="Cambria Math" panose="02040503050406030204" pitchFamily="18" charset="0"/>
+                                    </a:rPr>
+                                  </m:ctrlPr>
+                                </m:fPr>
+                                <m:num>
+                                  <m:r>
+                                    <a:rPr lang="en-GB" i="1">
+                                      <a:latin typeface="Cambria Math" panose="02040503050406030204" pitchFamily="18" charset="0"/>
+                                    </a:rPr>
+                                    <m:t>𝜕</m:t>
+                                  </m:r>
+                                  <m:r>
+                                    <a:rPr lang="fr-FR" i="1">
+                                      <a:latin typeface="Cambria Math" panose="02040503050406030204" pitchFamily="18" charset="0"/>
+                                    </a:rPr>
+                                    <m:t>𝐶</m:t>
+                                  </m:r>
+                                </m:num>
+                                <m:den>
+                                  <m:r>
+                                    <a:rPr lang="en-GB" i="1">
+                                      <a:latin typeface="Cambria Math" panose="02040503050406030204" pitchFamily="18" charset="0"/>
+                                    </a:rPr>
+                                    <m:t>𝜕</m:t>
+                                  </m:r>
+                                  <m:r>
+                                    <a:rPr lang="fr-FR" i="1">
+                                      <a:latin typeface="Cambria Math" panose="02040503050406030204" pitchFamily="18" charset="0"/>
+                                    </a:rPr>
+                                    <m:t>𝑟</m:t>
+                                  </m:r>
+                                </m:den>
+                              </m:f>
+                            </m:e>
+                          </m:d>
+                        </m:e>
+                        <m:sub>
+                          <m:r>
+                            <a:rPr lang="fr-FR" i="1">
+                              <a:latin typeface="Cambria Math" panose="02040503050406030204" pitchFamily="18" charset="0"/>
+                            </a:rPr>
+                            <m:t>𝑖</m:t>
+                          </m:r>
+                        </m:sub>
+                      </m:sSub>
+                      <m:r>
+                        <a:rPr lang="fr-FR" i="1">
+                          <a:latin typeface="Cambria Math" panose="02040503050406030204" pitchFamily="18" charset="0"/>
+                        </a:rPr>
+                        <m:t>=</m:t>
+                      </m:r>
+                      <m:f>
+                        <m:fPr>
+                          <m:ctrlPr>
+                            <a:rPr lang="fr-FR" i="1" smtClean="0">
+                              <a:latin typeface="Cambria Math" panose="02040503050406030204" pitchFamily="18" charset="0"/>
+                            </a:rPr>
+                          </m:ctrlPr>
+                        </m:fPr>
+                        <m:num>
+                          <m:r>
+                            <a:rPr lang="fr-FR" b="0" i="1" smtClean="0">
+                              <a:latin typeface="Cambria Math" panose="02040503050406030204" pitchFamily="18" charset="0"/>
+                            </a:rPr>
+                            <m:t>−3</m:t>
+                          </m:r>
+                          <m:sSub>
+                            <m:sSubPr>
+                              <m:ctrlPr>
+                                <a:rPr lang="fr-FR" b="0" i="1" smtClean="0">
+                                  <a:latin typeface="Cambria Math" panose="02040503050406030204" pitchFamily="18" charset="0"/>
+                                </a:rPr>
+                              </m:ctrlPr>
+                            </m:sSubPr>
+                            <m:e>
+                              <m:r>
+                                <a:rPr lang="fr-FR" b="0" i="1" smtClean="0">
+                                  <a:latin typeface="Cambria Math" panose="02040503050406030204" pitchFamily="18" charset="0"/>
+                                </a:rPr>
+                                <m:t>𝐶</m:t>
+                              </m:r>
+                            </m:e>
+                            <m:sub>
+                              <m:r>
+                                <a:rPr lang="fr-FR" b="0" i="1" smtClean="0">
+                                  <a:latin typeface="Cambria Math" panose="02040503050406030204" pitchFamily="18" charset="0"/>
+                                </a:rPr>
+                                <m:t>𝑖</m:t>
+                              </m:r>
+                            </m:sub>
+                          </m:sSub>
+                          <m:r>
+                            <a:rPr lang="fr-FR" b="0" i="1" smtClean="0">
+                              <a:latin typeface="Cambria Math" panose="02040503050406030204" pitchFamily="18" charset="0"/>
+                            </a:rPr>
+                            <m:t>+4</m:t>
+                          </m:r>
+                          <m:sSub>
+                            <m:sSubPr>
+                              <m:ctrlPr>
+                                <a:rPr lang="fr-FR" b="0" i="1" smtClean="0">
+                                  <a:latin typeface="Cambria Math" panose="02040503050406030204" pitchFamily="18" charset="0"/>
+                                </a:rPr>
+                              </m:ctrlPr>
+                            </m:sSubPr>
+                            <m:e>
+                              <m:r>
+                                <a:rPr lang="fr-FR" b="0" i="1" smtClean="0">
+                                  <a:latin typeface="Cambria Math" panose="02040503050406030204" pitchFamily="18" charset="0"/>
+                                </a:rPr>
+                                <m:t>𝐶</m:t>
+                              </m:r>
+                            </m:e>
+                            <m:sub>
+                              <m:r>
+                                <a:rPr lang="fr-FR" b="0" i="1" smtClean="0">
+                                  <a:latin typeface="Cambria Math" panose="02040503050406030204" pitchFamily="18" charset="0"/>
+                                </a:rPr>
+                                <m:t>𝑖</m:t>
+                              </m:r>
+                              <m:r>
+                                <a:rPr lang="fr-FR" b="0" i="1" smtClean="0">
+                                  <a:latin typeface="Cambria Math" panose="02040503050406030204" pitchFamily="18" charset="0"/>
+                                </a:rPr>
+                                <m:t>+1</m:t>
+                              </m:r>
+                            </m:sub>
+                          </m:sSub>
+                          <m:r>
+                            <a:rPr lang="fr-FR" b="0" i="1" smtClean="0">
+                              <a:latin typeface="Cambria Math" panose="02040503050406030204" pitchFamily="18" charset="0"/>
+                            </a:rPr>
+                            <m:t>−</m:t>
+                          </m:r>
+                          <m:sSub>
+                            <m:sSubPr>
+                              <m:ctrlPr>
+                                <a:rPr lang="fr-FR" b="0" i="1" smtClean="0">
+                                  <a:latin typeface="Cambria Math" panose="02040503050406030204" pitchFamily="18" charset="0"/>
+                                </a:rPr>
+                              </m:ctrlPr>
+                            </m:sSubPr>
+                            <m:e>
+                              <m:r>
+                                <a:rPr lang="fr-FR" b="0" i="1" smtClean="0">
+                                  <a:latin typeface="Cambria Math" panose="02040503050406030204" pitchFamily="18" charset="0"/>
+                                </a:rPr>
+                                <m:t>𝐶</m:t>
+                              </m:r>
+                            </m:e>
+                            <m:sub>
+                              <m:r>
+                                <a:rPr lang="fr-FR" b="0" i="1" smtClean="0">
+                                  <a:latin typeface="Cambria Math" panose="02040503050406030204" pitchFamily="18" charset="0"/>
+                                </a:rPr>
+                                <m:t>𝑖</m:t>
+                              </m:r>
+                              <m:r>
+                                <a:rPr lang="fr-FR" b="0" i="1" smtClean="0">
+                                  <a:latin typeface="Cambria Math" panose="02040503050406030204" pitchFamily="18" charset="0"/>
+                                </a:rPr>
+                                <m:t>+2</m:t>
+                              </m:r>
+                            </m:sub>
+                          </m:sSub>
+                        </m:num>
+                        <m:den>
+                          <m:r>
+                            <a:rPr lang="fr-FR" b="0" i="1" smtClean="0">
+                              <a:latin typeface="Cambria Math" panose="02040503050406030204" pitchFamily="18" charset="0"/>
+                            </a:rPr>
+                            <m:t>2</m:t>
+                          </m:r>
+                          <m:r>
+                            <a:rPr lang="fr-FR" b="0" i="1" smtClean="0">
+                              <a:latin typeface="Cambria Math" panose="02040503050406030204" pitchFamily="18" charset="0"/>
+                              <a:ea typeface="Cambria Math" panose="02040503050406030204" pitchFamily="18" charset="0"/>
+                            </a:rPr>
+                            <m:t>∆</m:t>
+                          </m:r>
+                          <m:r>
+                            <a:rPr lang="fr-FR" b="0" i="1" smtClean="0">
+                              <a:latin typeface="Cambria Math" panose="02040503050406030204" pitchFamily="18" charset="0"/>
+                              <a:ea typeface="Cambria Math" panose="02040503050406030204" pitchFamily="18" charset="0"/>
+                            </a:rPr>
+                            <m:t>𝑟</m:t>
+                          </m:r>
+                        </m:den>
+                      </m:f>
+                      <m:r>
+                        <a:rPr lang="en-GB" dirty="0" smtClean="0">
+                          <a:latin typeface="Cambria Math" panose="02040503050406030204" pitchFamily="18" charset="0"/>
+                        </a:rPr>
+                        <m:t>⇒</m:t>
+                      </m:r>
+                      <m:r>
+                        <m:rPr>
+                          <m:sty m:val="p"/>
+                        </m:rPr>
+                        <a:rPr lang="fr-FR" b="0" i="0" dirty="0" smtClean="0">
+                          <a:latin typeface="Cambria Math" panose="02040503050406030204" pitchFamily="18" charset="0"/>
+                        </a:rPr>
+                        <m:t>i</m:t>
+                      </m:r>
+                      <m:r>
+                        <a:rPr lang="fr-FR" b="0" i="0" dirty="0" smtClean="0">
+                          <a:latin typeface="Cambria Math" panose="02040503050406030204" pitchFamily="18" charset="0"/>
+                        </a:rPr>
+                        <m:t>=0 :−3</m:t>
+                      </m:r>
+                      <m:sSub>
+                        <m:sSubPr>
+                          <m:ctrlPr>
+                            <a:rPr lang="fr-FR" b="0" i="0" dirty="0" smtClean="0">
+                              <a:latin typeface="Cambria Math" panose="02040503050406030204" pitchFamily="18" charset="0"/>
+                            </a:rPr>
+                          </m:ctrlPr>
+                        </m:sSubPr>
+                        <m:e>
+                          <m:r>
+                            <m:rPr>
+                              <m:sty m:val="p"/>
+                            </m:rPr>
+                            <a:rPr lang="fr-FR" b="0" i="0" dirty="0" smtClean="0">
+                              <a:latin typeface="Cambria Math" panose="02040503050406030204" pitchFamily="18" charset="0"/>
+                            </a:rPr>
+                            <m:t>C</m:t>
+                          </m:r>
+                        </m:e>
+                        <m:sub>
+                          <m:r>
+                            <a:rPr lang="fr-FR" b="0" i="0" dirty="0" smtClean="0">
+                              <a:latin typeface="Cambria Math" panose="02040503050406030204" pitchFamily="18" charset="0"/>
+                            </a:rPr>
+                            <m:t>0</m:t>
+                          </m:r>
+                        </m:sub>
+                      </m:sSub>
+                      <m:r>
+                        <a:rPr lang="fr-FR" b="0" i="0" dirty="0" smtClean="0">
+                          <a:latin typeface="Cambria Math" panose="02040503050406030204" pitchFamily="18" charset="0"/>
+                        </a:rPr>
+                        <m:t>+4</m:t>
+                      </m:r>
+                      <m:sSub>
+                        <m:sSubPr>
+                          <m:ctrlPr>
+                            <a:rPr lang="fr-FR" b="0" i="0" dirty="0" smtClean="0">
+                              <a:latin typeface="Cambria Math" panose="02040503050406030204" pitchFamily="18" charset="0"/>
+                            </a:rPr>
+                          </m:ctrlPr>
+                        </m:sSubPr>
+                        <m:e>
+                          <m:r>
+                            <m:rPr>
+                              <m:sty m:val="p"/>
+                            </m:rPr>
+                            <a:rPr lang="fr-FR" b="0" i="0" dirty="0" smtClean="0">
+                              <a:latin typeface="Cambria Math" panose="02040503050406030204" pitchFamily="18" charset="0"/>
+                            </a:rPr>
+                            <m:t>C</m:t>
+                          </m:r>
+                        </m:e>
+                        <m:sub>
+                          <m:r>
+                            <a:rPr lang="fr-FR" b="0" i="0" dirty="0" smtClean="0">
+                              <a:latin typeface="Cambria Math" panose="02040503050406030204" pitchFamily="18" charset="0"/>
+                            </a:rPr>
+                            <m:t>1</m:t>
+                          </m:r>
+                        </m:sub>
+                      </m:sSub>
+                      <m:r>
+                        <a:rPr lang="fr-FR" b="0" i="0" dirty="0" smtClean="0">
+                          <a:latin typeface="Cambria Math" panose="02040503050406030204" pitchFamily="18" charset="0"/>
+                        </a:rPr>
+                        <m:t>−</m:t>
+                      </m:r>
+                      <m:sSub>
+                        <m:sSubPr>
+                          <m:ctrlPr>
+                            <a:rPr lang="fr-FR" b="0" i="0" dirty="0" smtClean="0">
+                              <a:latin typeface="Cambria Math" panose="02040503050406030204" pitchFamily="18" charset="0"/>
+                            </a:rPr>
+                          </m:ctrlPr>
+                        </m:sSubPr>
+                        <m:e>
+                          <m:r>
+                            <m:rPr>
+                              <m:sty m:val="p"/>
+                            </m:rPr>
+                            <a:rPr lang="fr-FR" b="0" i="0" dirty="0" smtClean="0">
+                              <a:latin typeface="Cambria Math" panose="02040503050406030204" pitchFamily="18" charset="0"/>
+                            </a:rPr>
+                            <m:t>C</m:t>
+                          </m:r>
+                        </m:e>
+                        <m:sub>
+                          <m:r>
+                            <a:rPr lang="fr-FR" b="0" i="0" dirty="0" smtClean="0">
+                              <a:latin typeface="Cambria Math" panose="02040503050406030204" pitchFamily="18" charset="0"/>
+                            </a:rPr>
+                            <m:t>2</m:t>
+                          </m:r>
+                        </m:sub>
+                      </m:sSub>
+                      <m:r>
+                        <a:rPr lang="fr-FR" b="0" i="0" dirty="0" smtClean="0">
+                          <a:latin typeface="Cambria Math" panose="02040503050406030204" pitchFamily="18" charset="0"/>
+                        </a:rPr>
+                        <m:t>=0</m:t>
+                      </m:r>
+                    </m:oMath>
+                  </m:oMathPara>
+                </a14:m>
+                <a:endParaRPr lang="en-GB" dirty="0"/>
+              </a:p>
+            </p:txBody>
+          </p:sp>
+        </mc:Choice>
+        <mc:Fallback>
+          <p:sp>
+            <p:nvSpPr>
+              <p:cNvPr id="18" name="TextBox 17">
+                <a:extLst>
+                  <a:ext uri="{FF2B5EF4-FFF2-40B4-BE49-F238E27FC236}">
+                    <a16:creationId xmlns:a16="http://schemas.microsoft.com/office/drawing/2014/main" id="{F4DF8ABF-BD8B-C0FA-91D0-EDC9227E9B17}"/>
+                  </a:ext>
+                </a:extLst>
+              </p:cNvPr>
+              <p:cNvSpPr txBox="1">
+                <a:spLocks noRot="1" noChangeAspect="1" noMove="1" noResize="1" noEditPoints="1" noAdjustHandles="1" noChangeArrowheads="1" noChangeShapeType="1" noTextEdit="1"/>
+              </p:cNvSpPr>
+              <p:nvPr/>
+            </p:nvSpPr>
+            <p:spPr>
+              <a:xfrm>
+                <a:off x="5048278" y="5896325"/>
+                <a:ext cx="5929828" cy="653897"/>
+              </a:xfrm>
+              <a:prstGeom prst="rect">
+                <a:avLst/>
+              </a:prstGeom>
+              <a:blipFill>
+                <a:blip r:embed="rId7"/>
+                <a:stretch>
+                  <a:fillRect/>
+                </a:stretch>
+              </a:blipFill>
+            </p:spPr>
+            <p:txBody>
+              <a:bodyPr/>
+              <a:lstStyle/>
+              <a:p>
+                <a:r>
+                  <a:rPr lang="en-GB">
+                    <a:noFill/>
+                  </a:rPr>
+                  <a:t> </a:t>
+                </a:r>
+              </a:p>
+            </p:txBody>
+          </p:sp>
+        </mc:Fallback>
+      </mc:AlternateContent>
     </p:spTree>
     <p:extLst>
       <p:ext uri="{BB962C8B-B14F-4D97-AF65-F5344CB8AC3E}">
@@ -25004,6 +25445,42 @@
           <a:chExt cx="0" cy="0"/>
         </a:xfrm>
       </p:grpSpPr>
+      <p:pic>
+        <p:nvPicPr>
+          <p:cNvPr id="13" name="Picture 12" descr="A graph with different colored dots and numbers&#10;&#10;AI-generated content may be incorrect.">
+            <a:extLst>
+              <a:ext uri="{FF2B5EF4-FFF2-40B4-BE49-F238E27FC236}">
+                <a16:creationId xmlns:a16="http://schemas.microsoft.com/office/drawing/2014/main" id="{EF2EFB49-ED70-4B27-2033-047136B683A5}"/>
+              </a:ext>
+            </a:extLst>
+          </p:cNvPr>
+          <p:cNvPicPr>
+            <a:picLocks noChangeAspect="1"/>
+          </p:cNvPicPr>
+          <p:nvPr/>
+        </p:nvPicPr>
+        <p:blipFill>
+          <a:blip r:embed="rId3">
+            <a:extLst>
+              <a:ext uri="{28A0092B-C50C-407E-A947-70E740481C1C}">
+                <a14:useLocalDpi xmlns:a14="http://schemas.microsoft.com/office/drawing/2010/main" val="0"/>
+              </a:ext>
+            </a:extLst>
+          </a:blip>
+          <a:stretch>
+            <a:fillRect/>
+          </a:stretch>
+        </p:blipFill>
+        <p:spPr>
+          <a:xfrm>
+            <a:off x="0" y="996476"/>
+            <a:ext cx="5435599" cy="4076699"/>
+          </a:xfrm>
+          <a:prstGeom prst="rect">
+            <a:avLst/>
+          </a:prstGeom>
+        </p:spPr>
+      </p:pic>
       <p:sp>
         <p:nvSpPr>
           <p:cNvPr id="2" name="TextBox 1">
@@ -25234,7 +25711,7 @@
                 <a:latin typeface="Times New Roman" panose="02020603050405020304" pitchFamily="18" charset="0"/>
                 <a:cs typeface="Times New Roman" panose="02020603050405020304" pitchFamily="18" charset="0"/>
               </a:rPr>
-              <a:t>On obtient les courbes suivantes (seuls les points liés sont utilisés pour déterminer la convergence asymptotique) : </a:t>
+              <a:t>On obtient les points suivants :</a:t>
             </a:r>
             <a:endParaRPr lang="en-GB" dirty="0">
               <a:latin typeface="Times New Roman" panose="02020603050405020304" pitchFamily="18" charset="0"/>
@@ -25243,454 +25720,6 @@
           </a:p>
         </p:txBody>
       </p:sp>
-      <mc:AlternateContent xmlns:mc="http://schemas.openxmlformats.org/markup-compatibility/2006">
-        <mc:Choice xmlns:a14="http://schemas.microsoft.com/office/drawing/2010/main" Requires="a14">
-          <p:sp>
-            <p:nvSpPr>
-              <p:cNvPr id="7" name="TextBox 6">
-                <a:extLst>
-                  <a:ext uri="{FF2B5EF4-FFF2-40B4-BE49-F238E27FC236}">
-                    <a16:creationId xmlns:a16="http://schemas.microsoft.com/office/drawing/2014/main" id="{B4A4AEAA-67D2-4085-2A3F-E1A998B2D302}"/>
-                  </a:ext>
-                </a:extLst>
-              </p:cNvPr>
-              <p:cNvSpPr txBox="1"/>
-              <p:nvPr/>
-            </p:nvSpPr>
-            <p:spPr>
-              <a:xfrm>
-                <a:off x="5435599" y="1320202"/>
-                <a:ext cx="3716867" cy="369332"/>
-              </a:xfrm>
-              <a:prstGeom prst="rect">
-                <a:avLst/>
-              </a:prstGeom>
-              <a:noFill/>
-            </p:spPr>
-            <p:txBody>
-              <a:bodyPr wrap="square" rtlCol="0">
-                <a:spAutoFit/>
-              </a:bodyPr>
-              <a:lstStyle/>
-              <a:p>
-                <a:pPr algn="just"/>
-                <a:r>
-                  <a:rPr lang="fr-FR" dirty="0">
-                    <a:latin typeface="Times New Roman" panose="02020603050405020304" pitchFamily="18" charset="0"/>
-                    <a:cs typeface="Times New Roman" panose="02020603050405020304" pitchFamily="18" charset="0"/>
-                  </a:rPr>
-                  <a:t>Ordre de convergence </a:t>
-                </a:r>
-                <a14:m>
-                  <m:oMath xmlns:m="http://schemas.openxmlformats.org/officeDocument/2006/math">
-                    <m:sSub>
-                      <m:sSubPr>
-                        <m:ctrlPr>
-                          <a:rPr lang="fr-FR" b="0" i="1" smtClean="0">
-                            <a:latin typeface="Cambria Math" panose="02040503050406030204" pitchFamily="18" charset="0"/>
-                            <a:cs typeface="Times New Roman" panose="02020603050405020304" pitchFamily="18" charset="0"/>
-                          </a:rPr>
-                        </m:ctrlPr>
-                      </m:sSubPr>
-                      <m:e>
-                        <m:r>
-                          <m:rPr>
-                            <m:sty m:val="p"/>
-                          </m:rPr>
-                          <a:rPr lang="fr-FR" b="0" i="0" smtClean="0">
-                            <a:latin typeface="Cambria Math" panose="02040503050406030204" pitchFamily="18" charset="0"/>
-                            <a:cs typeface="Times New Roman" panose="02020603050405020304" pitchFamily="18" charset="0"/>
-                          </a:rPr>
-                          <m:t>L</m:t>
-                        </m:r>
-                      </m:e>
-                      <m:sub>
-                        <m:r>
-                          <a:rPr lang="fr-FR" b="0" i="0" smtClean="0">
-                            <a:latin typeface="Cambria Math" panose="02040503050406030204" pitchFamily="18" charset="0"/>
-                            <a:cs typeface="Times New Roman" panose="02020603050405020304" pitchFamily="18" charset="0"/>
-                          </a:rPr>
-                          <m:t>1</m:t>
-                        </m:r>
-                      </m:sub>
-                    </m:sSub>
-                    <m:r>
-                      <a:rPr lang="fr-FR" b="0" i="1" smtClean="0">
-                        <a:latin typeface="Cambria Math" panose="02040503050406030204" pitchFamily="18" charset="0"/>
-                        <a:cs typeface="Times New Roman" panose="02020603050405020304" pitchFamily="18" charset="0"/>
-                      </a:rPr>
-                      <m:t>=</m:t>
-                    </m:r>
-                    <m:r>
-                      <a:rPr lang="fr-FR" b="0" i="1" smtClean="0">
-                        <a:latin typeface="Cambria Math" panose="02040503050406030204" pitchFamily="18" charset="0"/>
-                        <a:cs typeface="Times New Roman" panose="02020603050405020304" pitchFamily="18" charset="0"/>
-                      </a:rPr>
-                      <m:t>2.0335</m:t>
-                    </m:r>
-                  </m:oMath>
-                </a14:m>
-                <a:endParaRPr lang="en-GB" dirty="0">
-                  <a:latin typeface="Times New Roman" panose="02020603050405020304" pitchFamily="18" charset="0"/>
-                  <a:cs typeface="Times New Roman" panose="02020603050405020304" pitchFamily="18" charset="0"/>
-                </a:endParaRPr>
-              </a:p>
-            </p:txBody>
-          </p:sp>
-        </mc:Choice>
-        <mc:Fallback>
-          <p:sp>
-            <p:nvSpPr>
-              <p:cNvPr id="7" name="TextBox 6">
-                <a:extLst>
-                  <a:ext uri="{FF2B5EF4-FFF2-40B4-BE49-F238E27FC236}">
-                    <a16:creationId xmlns:a16="http://schemas.microsoft.com/office/drawing/2014/main" id="{B4A4AEAA-67D2-4085-2A3F-E1A998B2D302}"/>
-                  </a:ext>
-                </a:extLst>
-              </p:cNvPr>
-              <p:cNvSpPr txBox="1">
-                <a:spLocks noRot="1" noChangeAspect="1" noMove="1" noResize="1" noEditPoints="1" noAdjustHandles="1" noChangeArrowheads="1" noChangeShapeType="1" noTextEdit="1"/>
-              </p:cNvSpPr>
-              <p:nvPr/>
-            </p:nvSpPr>
-            <p:spPr>
-              <a:xfrm>
-                <a:off x="5435599" y="1320202"/>
-                <a:ext cx="3716867" cy="369332"/>
-              </a:xfrm>
-              <a:prstGeom prst="rect">
-                <a:avLst/>
-              </a:prstGeom>
-              <a:blipFill>
-                <a:blip r:embed="rId3"/>
-                <a:stretch>
-                  <a:fillRect l="-1478" t="-10000" b="-26667"/>
-                </a:stretch>
-              </a:blipFill>
-            </p:spPr>
-            <p:txBody>
-              <a:bodyPr/>
-              <a:lstStyle/>
-              <a:p>
-                <a:r>
-                  <a:rPr lang="en-GB">
-                    <a:noFill/>
-                  </a:rPr>
-                  <a:t> </a:t>
-                </a:r>
-              </a:p>
-            </p:txBody>
-          </p:sp>
-        </mc:Fallback>
-      </mc:AlternateContent>
-      <mc:AlternateContent xmlns:mc="http://schemas.openxmlformats.org/markup-compatibility/2006">
-        <mc:Choice xmlns:a14="http://schemas.microsoft.com/office/drawing/2010/main" Requires="a14">
-          <p:sp>
-            <p:nvSpPr>
-              <p:cNvPr id="8" name="TextBox 7">
-                <a:extLst>
-                  <a:ext uri="{FF2B5EF4-FFF2-40B4-BE49-F238E27FC236}">
-                    <a16:creationId xmlns:a16="http://schemas.microsoft.com/office/drawing/2014/main" id="{54FE27B9-FBF6-20B1-0B4D-41BE7711BFE0}"/>
-                  </a:ext>
-                </a:extLst>
-              </p:cNvPr>
-              <p:cNvSpPr txBox="1"/>
-              <p:nvPr/>
-            </p:nvSpPr>
-            <p:spPr>
-              <a:xfrm>
-                <a:off x="5435599" y="1643368"/>
-                <a:ext cx="3716867" cy="369332"/>
-              </a:xfrm>
-              <a:prstGeom prst="rect">
-                <a:avLst/>
-              </a:prstGeom>
-              <a:noFill/>
-            </p:spPr>
-            <p:txBody>
-              <a:bodyPr wrap="square" rtlCol="0">
-                <a:spAutoFit/>
-              </a:bodyPr>
-              <a:lstStyle/>
-              <a:p>
-                <a:pPr algn="just"/>
-                <a:r>
-                  <a:rPr lang="fr-FR" dirty="0">
-                    <a:latin typeface="Times New Roman" panose="02020603050405020304" pitchFamily="18" charset="0"/>
-                    <a:cs typeface="Times New Roman" panose="02020603050405020304" pitchFamily="18" charset="0"/>
-                  </a:rPr>
-                  <a:t>Ordre de convergence </a:t>
-                </a:r>
-                <a14:m>
-                  <m:oMath xmlns:m="http://schemas.openxmlformats.org/officeDocument/2006/math">
-                    <m:sSub>
-                      <m:sSubPr>
-                        <m:ctrlPr>
-                          <a:rPr lang="fr-FR" b="0" i="1" smtClean="0">
-                            <a:latin typeface="Cambria Math" panose="02040503050406030204" pitchFamily="18" charset="0"/>
-                            <a:cs typeface="Times New Roman" panose="02020603050405020304" pitchFamily="18" charset="0"/>
-                          </a:rPr>
-                        </m:ctrlPr>
-                      </m:sSubPr>
-                      <m:e>
-                        <m:r>
-                          <m:rPr>
-                            <m:sty m:val="p"/>
-                          </m:rPr>
-                          <a:rPr lang="fr-FR" b="0" i="0" smtClean="0">
-                            <a:latin typeface="Cambria Math" panose="02040503050406030204" pitchFamily="18" charset="0"/>
-                            <a:cs typeface="Times New Roman" panose="02020603050405020304" pitchFamily="18" charset="0"/>
-                          </a:rPr>
-                          <m:t>L</m:t>
-                        </m:r>
-                      </m:e>
-                      <m:sub>
-                        <m:r>
-                          <a:rPr lang="fr-FR" b="0" i="0" smtClean="0">
-                            <a:latin typeface="Cambria Math" panose="02040503050406030204" pitchFamily="18" charset="0"/>
-                            <a:cs typeface="Times New Roman" panose="02020603050405020304" pitchFamily="18" charset="0"/>
-                          </a:rPr>
-                          <m:t>2</m:t>
-                        </m:r>
-                      </m:sub>
-                    </m:sSub>
-                    <m:r>
-                      <a:rPr lang="fr-FR" b="0" i="1" smtClean="0">
-                        <a:latin typeface="Cambria Math" panose="02040503050406030204" pitchFamily="18" charset="0"/>
-                        <a:cs typeface="Times New Roman" panose="02020603050405020304" pitchFamily="18" charset="0"/>
-                      </a:rPr>
-                      <m:t>=</m:t>
-                    </m:r>
-                    <m:r>
-                      <a:rPr lang="fr-FR" b="0" i="1" smtClean="0">
-                        <a:latin typeface="Cambria Math" panose="02040503050406030204" pitchFamily="18" charset="0"/>
-                        <a:cs typeface="Times New Roman" panose="02020603050405020304" pitchFamily="18" charset="0"/>
-                      </a:rPr>
-                      <m:t>2</m:t>
-                    </m:r>
-                    <m:r>
-                      <a:rPr lang="fr-FR" b="0" i="1" smtClean="0">
-                        <a:latin typeface="Cambria Math" panose="02040503050406030204" pitchFamily="18" charset="0"/>
-                        <a:cs typeface="Times New Roman" panose="02020603050405020304" pitchFamily="18" charset="0"/>
-                      </a:rPr>
-                      <m:t>.</m:t>
-                    </m:r>
-                    <m:r>
-                      <a:rPr lang="fr-FR" b="0" i="1" smtClean="0">
-                        <a:latin typeface="Cambria Math" panose="02040503050406030204" pitchFamily="18" charset="0"/>
-                        <a:cs typeface="Times New Roman" panose="02020603050405020304" pitchFamily="18" charset="0"/>
-                      </a:rPr>
-                      <m:t>0366</m:t>
-                    </m:r>
-                  </m:oMath>
-                </a14:m>
-                <a:endParaRPr lang="en-GB" dirty="0">
-                  <a:latin typeface="Times New Roman" panose="02020603050405020304" pitchFamily="18" charset="0"/>
-                  <a:cs typeface="Times New Roman" panose="02020603050405020304" pitchFamily="18" charset="0"/>
-                </a:endParaRPr>
-              </a:p>
-            </p:txBody>
-          </p:sp>
-        </mc:Choice>
-        <mc:Fallback>
-          <p:sp>
-            <p:nvSpPr>
-              <p:cNvPr id="8" name="TextBox 7">
-                <a:extLst>
-                  <a:ext uri="{FF2B5EF4-FFF2-40B4-BE49-F238E27FC236}">
-                    <a16:creationId xmlns:a16="http://schemas.microsoft.com/office/drawing/2014/main" id="{54FE27B9-FBF6-20B1-0B4D-41BE7711BFE0}"/>
-                  </a:ext>
-                </a:extLst>
-              </p:cNvPr>
-              <p:cNvSpPr txBox="1">
-                <a:spLocks noRot="1" noChangeAspect="1" noMove="1" noResize="1" noEditPoints="1" noAdjustHandles="1" noChangeArrowheads="1" noChangeShapeType="1" noTextEdit="1"/>
-              </p:cNvSpPr>
-              <p:nvPr/>
-            </p:nvSpPr>
-            <p:spPr>
-              <a:xfrm>
-                <a:off x="5435599" y="1643368"/>
-                <a:ext cx="3716867" cy="369332"/>
-              </a:xfrm>
-              <a:prstGeom prst="rect">
-                <a:avLst/>
-              </a:prstGeom>
-              <a:blipFill>
-                <a:blip r:embed="rId4"/>
-                <a:stretch>
-                  <a:fillRect l="-1478" t="-10000" b="-26667"/>
-                </a:stretch>
-              </a:blipFill>
-            </p:spPr>
-            <p:txBody>
-              <a:bodyPr/>
-              <a:lstStyle/>
-              <a:p>
-                <a:r>
-                  <a:rPr lang="en-GB">
-                    <a:noFill/>
-                  </a:rPr>
-                  <a:t> </a:t>
-                </a:r>
-              </a:p>
-            </p:txBody>
-          </p:sp>
-        </mc:Fallback>
-      </mc:AlternateContent>
-      <mc:AlternateContent xmlns:mc="http://schemas.openxmlformats.org/markup-compatibility/2006">
-        <mc:Choice xmlns:a14="http://schemas.microsoft.com/office/drawing/2010/main" Requires="a14">
-          <p:sp>
-            <p:nvSpPr>
-              <p:cNvPr id="9" name="TextBox 8">
-                <a:extLst>
-                  <a:ext uri="{FF2B5EF4-FFF2-40B4-BE49-F238E27FC236}">
-                    <a16:creationId xmlns:a16="http://schemas.microsoft.com/office/drawing/2014/main" id="{3CC477B4-9D08-9683-DC4C-A1D5D9BBA01C}"/>
-                  </a:ext>
-                </a:extLst>
-              </p:cNvPr>
-              <p:cNvSpPr txBox="1"/>
-              <p:nvPr/>
-            </p:nvSpPr>
-            <p:spPr>
-              <a:xfrm>
-                <a:off x="5435599" y="1966533"/>
-                <a:ext cx="3716867" cy="369332"/>
-              </a:xfrm>
-              <a:prstGeom prst="rect">
-                <a:avLst/>
-              </a:prstGeom>
-              <a:noFill/>
-            </p:spPr>
-            <p:txBody>
-              <a:bodyPr wrap="square" rtlCol="0">
-                <a:spAutoFit/>
-              </a:bodyPr>
-              <a:lstStyle/>
-              <a:p>
-                <a:pPr algn="just"/>
-                <a:r>
-                  <a:rPr lang="fr-FR" dirty="0">
-                    <a:latin typeface="Times New Roman" panose="02020603050405020304" pitchFamily="18" charset="0"/>
-                    <a:cs typeface="Times New Roman" panose="02020603050405020304" pitchFamily="18" charset="0"/>
-                  </a:rPr>
-                  <a:t>Ordre de convergence </a:t>
-                </a:r>
-                <a14:m>
-                  <m:oMath xmlns:m="http://schemas.openxmlformats.org/officeDocument/2006/math">
-                    <m:sSub>
-                      <m:sSubPr>
-                        <m:ctrlPr>
-                          <a:rPr lang="fr-FR" b="0" i="1" smtClean="0">
-                            <a:latin typeface="Cambria Math" panose="02040503050406030204" pitchFamily="18" charset="0"/>
-                            <a:ea typeface="Cambria Math" panose="02040503050406030204" pitchFamily="18" charset="0"/>
-                            <a:cs typeface="Times New Roman" panose="02020603050405020304" pitchFamily="18" charset="0"/>
-                          </a:rPr>
-                        </m:ctrlPr>
-                      </m:sSubPr>
-                      <m:e>
-                        <m:r>
-                          <m:rPr>
-                            <m:sty m:val="p"/>
-                          </m:rPr>
-                          <a:rPr lang="fr-FR" b="0" i="0" smtClean="0">
-                            <a:latin typeface="Cambria Math" panose="02040503050406030204" pitchFamily="18" charset="0"/>
-                            <a:ea typeface="Cambria Math" panose="02040503050406030204" pitchFamily="18" charset="0"/>
-                            <a:cs typeface="Times New Roman" panose="02020603050405020304" pitchFamily="18" charset="0"/>
-                          </a:rPr>
-                          <m:t>L</m:t>
-                        </m:r>
-                      </m:e>
-                      <m:sub>
-                        <m:r>
-                          <a:rPr lang="fr-FR" i="1">
-                            <a:latin typeface="Cambria Math" panose="02040503050406030204" pitchFamily="18" charset="0"/>
-                            <a:ea typeface="Cambria Math" panose="02040503050406030204" pitchFamily="18" charset="0"/>
-                            <a:cs typeface="Times New Roman" panose="02020603050405020304" pitchFamily="18" charset="0"/>
-                          </a:rPr>
-                          <m:t>∞</m:t>
-                        </m:r>
-                      </m:sub>
-                    </m:sSub>
-                  </m:oMath>
-                </a14:m>
-                <a:r>
-                  <a:rPr lang="fr-FR" dirty="0">
-                    <a:latin typeface="Times New Roman" panose="02020603050405020304" pitchFamily="18" charset="0"/>
-                    <a:cs typeface="Times New Roman" panose="02020603050405020304" pitchFamily="18" charset="0"/>
-                  </a:rPr>
-                  <a:t> </a:t>
-                </a:r>
-                <a14:m>
-                  <m:oMath xmlns:m="http://schemas.openxmlformats.org/officeDocument/2006/math">
-                    <m:r>
-                      <a:rPr lang="fr-FR" b="0" i="1" smtClean="0">
-                        <a:latin typeface="Cambria Math" panose="02040503050406030204" pitchFamily="18" charset="0"/>
-                        <a:cs typeface="Times New Roman" panose="02020603050405020304" pitchFamily="18" charset="0"/>
-                      </a:rPr>
-                      <m:t>=1.</m:t>
-                    </m:r>
-                    <m:r>
-                      <a:rPr lang="fr-FR" b="0" i="1" smtClean="0">
-                        <a:latin typeface="Cambria Math" panose="02040503050406030204" pitchFamily="18" charset="0"/>
-                        <a:cs typeface="Times New Roman" panose="02020603050405020304" pitchFamily="18" charset="0"/>
-                      </a:rPr>
-                      <m:t>8444</m:t>
-                    </m:r>
-                  </m:oMath>
-                </a14:m>
-                <a:endParaRPr lang="en-GB" dirty="0">
-                  <a:latin typeface="Times New Roman" panose="02020603050405020304" pitchFamily="18" charset="0"/>
-                  <a:cs typeface="Times New Roman" panose="02020603050405020304" pitchFamily="18" charset="0"/>
-                </a:endParaRPr>
-              </a:p>
-            </p:txBody>
-          </p:sp>
-        </mc:Choice>
-        <mc:Fallback>
-          <p:sp>
-            <p:nvSpPr>
-              <p:cNvPr id="9" name="TextBox 8">
-                <a:extLst>
-                  <a:ext uri="{FF2B5EF4-FFF2-40B4-BE49-F238E27FC236}">
-                    <a16:creationId xmlns:a16="http://schemas.microsoft.com/office/drawing/2014/main" id="{3CC477B4-9D08-9683-DC4C-A1D5D9BBA01C}"/>
-                  </a:ext>
-                </a:extLst>
-              </p:cNvPr>
-              <p:cNvSpPr txBox="1">
-                <a:spLocks noRot="1" noChangeAspect="1" noMove="1" noResize="1" noEditPoints="1" noAdjustHandles="1" noChangeArrowheads="1" noChangeShapeType="1" noTextEdit="1"/>
-              </p:cNvSpPr>
-              <p:nvPr/>
-            </p:nvSpPr>
-            <p:spPr>
-              <a:xfrm>
-                <a:off x="5435599" y="1966533"/>
-                <a:ext cx="3716867" cy="369332"/>
-              </a:xfrm>
-              <a:prstGeom prst="rect">
-                <a:avLst/>
-              </a:prstGeom>
-              <a:blipFill>
-                <a:blip r:embed="rId5"/>
-                <a:stretch>
-                  <a:fillRect l="-1478" t="-10000" b="-26667"/>
-                </a:stretch>
-              </a:blipFill>
-            </p:spPr>
-            <p:txBody>
-              <a:bodyPr/>
-              <a:lstStyle/>
-              <a:p>
-                <a:r>
-                  <a:rPr lang="en-GB">
-                    <a:noFill/>
-                  </a:rPr>
-                  <a:t> </a:t>
-                </a:r>
-              </a:p>
-            </p:txBody>
-          </p:sp>
-        </mc:Fallback>
-      </mc:AlternateContent>
       <mc:AlternateContent xmlns:mc="http://schemas.openxmlformats.org/markup-compatibility/2006">
         <mc:Choice xmlns:a14="http://schemas.microsoft.com/office/drawing/2010/main" Requires="a14">
           <p:sp>
@@ -25707,8 +25736,8 @@
             </p:nvSpPr>
             <p:spPr>
               <a:xfrm>
-                <a:off x="5435599" y="2336801"/>
-                <a:ext cx="6620934" cy="3139321"/>
+                <a:off x="5435599" y="1018963"/>
+                <a:ext cx="6620934" cy="3696397"/>
               </a:xfrm>
               <a:prstGeom prst="rect">
                 <a:avLst/>
@@ -25723,172 +25752,16 @@
               <a:p>
                 <a:pPr algn="just"/>
                 <a:r>
-                  <a:rPr lang="fr-FR" dirty="0">
+                  <a:rPr lang="fr-FR" noProof="0" dirty="0">
                     <a:latin typeface="Times New Roman" panose="02020603050405020304" pitchFamily="18" charset="0"/>
                     <a:cs typeface="Times New Roman" panose="02020603050405020304" pitchFamily="18" charset="0"/>
                   </a:rPr>
-                  <a:t>Dans les cas </a:t>
-                </a:r>
-                <a14:m>
-                  <m:oMath xmlns:m="http://schemas.openxmlformats.org/officeDocument/2006/math">
-                    <m:sSub>
-                      <m:sSubPr>
-                        <m:ctrlPr>
-                          <a:rPr lang="fr-FR" i="1">
-                            <a:latin typeface="Cambria Math" panose="02040503050406030204" pitchFamily="18" charset="0"/>
-                            <a:cs typeface="Times New Roman" panose="02020603050405020304" pitchFamily="18" charset="0"/>
-                          </a:rPr>
-                        </m:ctrlPr>
-                      </m:sSubPr>
-                      <m:e>
-                        <m:r>
-                          <m:rPr>
-                            <m:sty m:val="p"/>
-                          </m:rPr>
-                          <a:rPr lang="fr-FR">
-                            <a:latin typeface="Cambria Math" panose="02040503050406030204" pitchFamily="18" charset="0"/>
-                            <a:cs typeface="Times New Roman" panose="02020603050405020304" pitchFamily="18" charset="0"/>
-                          </a:rPr>
-                          <m:t>L</m:t>
-                        </m:r>
-                      </m:e>
-                      <m:sub>
-                        <m:r>
-                          <a:rPr lang="fr-FR">
-                            <a:latin typeface="Cambria Math" panose="02040503050406030204" pitchFamily="18" charset="0"/>
-                            <a:cs typeface="Times New Roman" panose="02020603050405020304" pitchFamily="18" charset="0"/>
-                          </a:rPr>
-                          <m:t>1</m:t>
-                        </m:r>
-                      </m:sub>
-                    </m:sSub>
-                  </m:oMath>
-                </a14:m>
-                <a:r>
-                  <a:rPr lang="fr-FR" dirty="0">
-                    <a:latin typeface="Times New Roman" panose="02020603050405020304" pitchFamily="18" charset="0"/>
-                    <a:cs typeface="Times New Roman" panose="02020603050405020304" pitchFamily="18" charset="0"/>
-                  </a:rPr>
-                  <a:t> et </a:t>
-                </a:r>
-                <a14:m>
-                  <m:oMath xmlns:m="http://schemas.openxmlformats.org/officeDocument/2006/math">
-                    <m:sSub>
-                      <m:sSubPr>
-                        <m:ctrlPr>
-                          <a:rPr lang="fr-FR" i="1">
-                            <a:latin typeface="Cambria Math" panose="02040503050406030204" pitchFamily="18" charset="0"/>
-                            <a:cs typeface="Times New Roman" panose="02020603050405020304" pitchFamily="18" charset="0"/>
-                          </a:rPr>
-                        </m:ctrlPr>
-                      </m:sSubPr>
-                      <m:e>
-                        <m:r>
-                          <m:rPr>
-                            <m:sty m:val="p"/>
-                          </m:rPr>
-                          <a:rPr lang="fr-FR">
-                            <a:latin typeface="Cambria Math" panose="02040503050406030204" pitchFamily="18" charset="0"/>
-                            <a:cs typeface="Times New Roman" panose="02020603050405020304" pitchFamily="18" charset="0"/>
-                          </a:rPr>
-                          <m:t>L</m:t>
-                        </m:r>
-                      </m:e>
-                      <m:sub>
-                        <m:r>
-                          <a:rPr lang="fr-FR" b="0" i="0" smtClean="0">
-                            <a:latin typeface="Cambria Math" panose="02040503050406030204" pitchFamily="18" charset="0"/>
-                            <a:cs typeface="Times New Roman" panose="02020603050405020304" pitchFamily="18" charset="0"/>
-                          </a:rPr>
-                          <m:t>2</m:t>
-                        </m:r>
-                      </m:sub>
-                    </m:sSub>
-                  </m:oMath>
-                </a14:m>
-                <a:r>
-                  <a:rPr lang="fr-FR" dirty="0">
-                    <a:latin typeface="Times New Roman" panose="02020603050405020304" pitchFamily="18" charset="0"/>
-                    <a:cs typeface="Times New Roman" panose="02020603050405020304" pitchFamily="18" charset="0"/>
-                  </a:rPr>
-                  <a:t>, on retrouve bien un ordre de convergence très proche (intervalle de confiance</a:t>
-                </a:r>
-                <a14:m>
-                  <m:oMath xmlns:m="http://schemas.openxmlformats.org/officeDocument/2006/math">
-                    <m:r>
-                      <a:rPr lang="fr-FR" i="1" smtClean="0">
-                        <a:latin typeface="Cambria Math" panose="02040503050406030204" pitchFamily="18" charset="0"/>
-                        <a:ea typeface="Cambria Math" panose="02040503050406030204" pitchFamily="18" charset="0"/>
-                        <a:cs typeface="Times New Roman" panose="02020603050405020304" pitchFamily="18" charset="0"/>
-                      </a:rPr>
-                      <m:t>&lt;</m:t>
-                    </m:r>
-                    <m:r>
-                      <a:rPr lang="fr-FR" b="0" i="1" smtClean="0">
-                        <a:latin typeface="Cambria Math" panose="02040503050406030204" pitchFamily="18" charset="0"/>
-                        <a:ea typeface="Cambria Math" panose="02040503050406030204" pitchFamily="18" charset="0"/>
-                        <a:cs typeface="Times New Roman" panose="02020603050405020304" pitchFamily="18" charset="0"/>
-                      </a:rPr>
-                      <m:t>1%</m:t>
-                    </m:r>
-                  </m:oMath>
-                </a14:m>
-                <a:r>
-                  <a:rPr lang="fr-FR" dirty="0">
-                    <a:latin typeface="Times New Roman" panose="02020603050405020304" pitchFamily="18" charset="0"/>
-                    <a:cs typeface="Times New Roman" panose="02020603050405020304" pitchFamily="18" charset="0"/>
-                  </a:rPr>
-                  <a:t>) de l’ordre formel attendu théoriquement. Néanmoins, cela n’est pas le cas pour l’ordre de convergence </a:t>
-                </a:r>
-                <a14:m>
-                  <m:oMath xmlns:m="http://schemas.openxmlformats.org/officeDocument/2006/math">
-                    <m:sSub>
-                      <m:sSubPr>
-                        <m:ctrlPr>
-                          <a:rPr lang="fr-FR" i="1">
-                            <a:latin typeface="Cambria Math" panose="02040503050406030204" pitchFamily="18" charset="0"/>
-                            <a:ea typeface="Cambria Math" panose="02040503050406030204" pitchFamily="18" charset="0"/>
-                            <a:cs typeface="Times New Roman" panose="02020603050405020304" pitchFamily="18" charset="0"/>
-                          </a:rPr>
-                        </m:ctrlPr>
-                      </m:sSubPr>
-                      <m:e>
-                        <m:r>
-                          <m:rPr>
-                            <m:sty m:val="p"/>
-                          </m:rPr>
-                          <a:rPr lang="fr-FR">
-                            <a:latin typeface="Cambria Math" panose="02040503050406030204" pitchFamily="18" charset="0"/>
-                            <a:ea typeface="Cambria Math" panose="02040503050406030204" pitchFamily="18" charset="0"/>
-                            <a:cs typeface="Times New Roman" panose="02020603050405020304" pitchFamily="18" charset="0"/>
-                          </a:rPr>
-                          <m:t>L</m:t>
-                        </m:r>
-                      </m:e>
-                      <m:sub>
-                        <m:r>
-                          <a:rPr lang="fr-FR" i="1">
-                            <a:latin typeface="Cambria Math" panose="02040503050406030204" pitchFamily="18" charset="0"/>
-                            <a:ea typeface="Cambria Math" panose="02040503050406030204" pitchFamily="18" charset="0"/>
-                            <a:cs typeface="Times New Roman" panose="02020603050405020304" pitchFamily="18" charset="0"/>
-                          </a:rPr>
-                          <m:t>∞</m:t>
-                        </m:r>
-                      </m:sub>
-                    </m:sSub>
-                  </m:oMath>
-                </a14:m>
-                <a:r>
-                  <a:rPr lang="fr-FR" dirty="0">
-                    <a:latin typeface="Times New Roman" panose="02020603050405020304" pitchFamily="18" charset="0"/>
-                    <a:cs typeface="Times New Roman" panose="02020603050405020304" pitchFamily="18" charset="0"/>
-                  </a:rPr>
-                  <a:t> qui est « mauvais » (ce qui contraste avec le résultat de cette norme obtenue précédemment).</a:t>
+                  <a:t>Très clairement et à la vue de ces résultats, on ne peut parler de convergence asymptotique. Aussi surprenant cela peut il paraitre, ces résultats ne semblent pas provenir d’un bug dans le code Python. En effet, il semble seulement que les résultats soient « trop » bon – ce que nous avions pu souligner déjà avec le résultat pour 5 nœuds. </a:t>
                 </a:r>
               </a:p>
               <a:p>
                 <a:pPr algn="just"/>
-                <a:endParaRPr lang="fr-FR" dirty="0">
+                <a:endParaRPr lang="fr-FR" noProof="0" dirty="0">
                   <a:latin typeface="Times New Roman" panose="02020603050405020304" pitchFamily="18" charset="0"/>
                   <a:cs typeface="Times New Roman" panose="02020603050405020304" pitchFamily="18" charset="0"/>
                 </a:endParaRPr>
@@ -25896,39 +25769,111 @@
               <a:p>
                 <a:pPr algn="just"/>
                 <a:r>
-                  <a:rPr lang="fr-FR" dirty="0">
+                  <a:rPr lang="fr-FR" noProof="0" dirty="0">
                     <a:latin typeface="Times New Roman" panose="02020603050405020304" pitchFamily="18" charset="0"/>
                     <a:cs typeface="Times New Roman" panose="02020603050405020304" pitchFamily="18" charset="0"/>
                   </a:rPr>
-                  <a:t>Si l’on prend que les deux derniers points (i.e., ceux avec les maillages les plus fins), nous obtenons les résultats suivants : </a:t>
+                  <a:t>Comme on peut le voir, l’erreur pour un faible nombre de nœuds est très faible (</a:t>
                 </a:r>
-                <a:endParaRPr lang="en-GB" dirty="0">
-                  <a:latin typeface="Times New Roman" panose="02020603050405020304" pitchFamily="18" charset="0"/>
-                  <a:cs typeface="Times New Roman" panose="02020603050405020304" pitchFamily="18" charset="0"/>
-                </a:endParaRPr>
-              </a:p>
-              <a:p>
-                <a:pPr algn="just"/>
-                <a:endParaRPr lang="fr-FR" dirty="0">
-                  <a:latin typeface="Times New Roman" panose="02020603050405020304" pitchFamily="18" charset="0"/>
-                  <a:cs typeface="Times New Roman" panose="02020603050405020304" pitchFamily="18" charset="0"/>
-                </a:endParaRPr>
-              </a:p>
-              <a:p>
-                <a:pPr algn="just"/>
-                <a:endParaRPr lang="fr-FR" dirty="0">
-                  <a:latin typeface="Times New Roman" panose="02020603050405020304" pitchFamily="18" charset="0"/>
-                  <a:cs typeface="Times New Roman" panose="02020603050405020304" pitchFamily="18" charset="0"/>
-                </a:endParaRPr>
-              </a:p>
-              <a:p>
-                <a:pPr algn="just"/>
+                <a14:m>
+                  <m:oMath xmlns:m="http://schemas.openxmlformats.org/officeDocument/2006/math">
+                    <m:r>
+                      <a:rPr lang="fr-FR" i="1" noProof="0" smtClean="0">
+                        <a:latin typeface="Cambria Math" panose="02040503050406030204" pitchFamily="18" charset="0"/>
+                        <a:ea typeface="Cambria Math" panose="02040503050406030204" pitchFamily="18" charset="0"/>
+                        <a:cs typeface="Times New Roman" panose="02020603050405020304" pitchFamily="18" charset="0"/>
+                      </a:rPr>
+                      <m:t>~</m:t>
+                    </m:r>
+                    <m:sSup>
+                      <m:sSupPr>
+                        <m:ctrlPr>
+                          <a:rPr lang="fr-FR" b="0" i="1" noProof="0" smtClean="0">
+                            <a:latin typeface="Cambria Math" panose="02040503050406030204" pitchFamily="18" charset="0"/>
+                            <a:ea typeface="Cambria Math" panose="02040503050406030204" pitchFamily="18" charset="0"/>
+                            <a:cs typeface="Times New Roman" panose="02020603050405020304" pitchFamily="18" charset="0"/>
+                          </a:rPr>
+                        </m:ctrlPr>
+                      </m:sSupPr>
+                      <m:e>
+                        <m:r>
+                          <a:rPr lang="fr-FR" b="0" i="1" noProof="0" smtClean="0">
+                            <a:latin typeface="Cambria Math" panose="02040503050406030204" pitchFamily="18" charset="0"/>
+                            <a:ea typeface="Cambria Math" panose="02040503050406030204" pitchFamily="18" charset="0"/>
+                            <a:cs typeface="Times New Roman" panose="02020603050405020304" pitchFamily="18" charset="0"/>
+                          </a:rPr>
+                          <m:t>10</m:t>
+                        </m:r>
+                      </m:e>
+                      <m:sup>
+                        <m:r>
+                          <a:rPr lang="fr-FR" b="0" i="1" noProof="0" smtClean="0">
+                            <a:latin typeface="Cambria Math" panose="02040503050406030204" pitchFamily="18" charset="0"/>
+                            <a:ea typeface="Cambria Math" panose="02040503050406030204" pitchFamily="18" charset="0"/>
+                            <a:cs typeface="Times New Roman" panose="02020603050405020304" pitchFamily="18" charset="0"/>
+                          </a:rPr>
+                          <m:t>−15</m:t>
+                        </m:r>
+                      </m:sup>
+                    </m:sSup>
+                  </m:oMath>
+                </a14:m>
                 <a:r>
-                  <a:rPr lang="fr-FR" dirty="0">
+                  <a:rPr lang="fr-FR" noProof="0" dirty="0">
                     <a:latin typeface="Times New Roman" panose="02020603050405020304" pitchFamily="18" charset="0"/>
                     <a:cs typeface="Times New Roman" panose="02020603050405020304" pitchFamily="18" charset="0"/>
                   </a:rPr>
-                  <a:t> </a:t>
+                  <a:t>). Selon les sources internent, la précision machine de Python semble être proche de </a:t>
+                </a:r>
+                <a14:m>
+                  <m:oMath xmlns:m="http://schemas.openxmlformats.org/officeDocument/2006/math">
+                    <m:sSup>
+                      <m:sSupPr>
+                        <m:ctrlPr>
+                          <a:rPr lang="fr-FR" i="1" noProof="0">
+                            <a:latin typeface="Cambria Math" panose="02040503050406030204" pitchFamily="18" charset="0"/>
+                            <a:ea typeface="Cambria Math" panose="02040503050406030204" pitchFamily="18" charset="0"/>
+                            <a:cs typeface="Times New Roman" panose="02020603050405020304" pitchFamily="18" charset="0"/>
+                          </a:rPr>
+                        </m:ctrlPr>
+                      </m:sSupPr>
+                      <m:e>
+                        <m:r>
+                          <a:rPr lang="fr-FR" i="1" noProof="0">
+                            <a:latin typeface="Cambria Math" panose="02040503050406030204" pitchFamily="18" charset="0"/>
+                            <a:ea typeface="Cambria Math" panose="02040503050406030204" pitchFamily="18" charset="0"/>
+                            <a:cs typeface="Times New Roman" panose="02020603050405020304" pitchFamily="18" charset="0"/>
+                          </a:rPr>
+                          <m:t>10</m:t>
+                        </m:r>
+                      </m:e>
+                      <m:sup>
+                        <m:r>
+                          <a:rPr lang="fr-FR" i="1" noProof="0">
+                            <a:latin typeface="Cambria Math" panose="02040503050406030204" pitchFamily="18" charset="0"/>
+                            <a:ea typeface="Cambria Math" panose="02040503050406030204" pitchFamily="18" charset="0"/>
+                            <a:cs typeface="Times New Roman" panose="02020603050405020304" pitchFamily="18" charset="0"/>
+                          </a:rPr>
+                          <m:t>−1</m:t>
+                        </m:r>
+                        <m:r>
+                          <a:rPr lang="fr-FR" b="0" i="1" noProof="0" smtClean="0">
+                            <a:latin typeface="Cambria Math" panose="02040503050406030204" pitchFamily="18" charset="0"/>
+                            <a:ea typeface="Cambria Math" panose="02040503050406030204" pitchFamily="18" charset="0"/>
+                            <a:cs typeface="Times New Roman" panose="02020603050405020304" pitchFamily="18" charset="0"/>
+                          </a:rPr>
+                          <m:t>6</m:t>
+                        </m:r>
+                      </m:sup>
+                    </m:sSup>
+                  </m:oMath>
+                </a14:m>
+                <a:r>
+                  <a:rPr lang="fr-FR" noProof="0" dirty="0">
+                    <a:latin typeface="Times New Roman" panose="02020603050405020304" pitchFamily="18" charset="0"/>
+                    <a:cs typeface="Times New Roman" panose="02020603050405020304" pitchFamily="18" charset="0"/>
+                  </a:rPr>
+                  <a:t>, signifiant que la réponse numérique est très bonne. En raison de telle résultat, il nous semble alors incohérent de réaliser une étude de convergence asymptotique – sans souligner qu’il manquerait cruellement de points comme en témoigne l’image.  </a:t>
                 </a:r>
               </a:p>
             </p:txBody>
@@ -25951,16 +25896,16 @@
             </p:nvSpPr>
             <p:spPr>
               <a:xfrm>
-                <a:off x="5435599" y="2336801"/>
-                <a:ext cx="6620934" cy="3139321"/>
+                <a:off x="5435599" y="1018963"/>
+                <a:ext cx="6620934" cy="3696397"/>
               </a:xfrm>
               <a:prstGeom prst="rect">
                 <a:avLst/>
               </a:prstGeom>
               <a:blipFill>
-                <a:blip r:embed="rId6"/>
+                <a:blip r:embed="rId4"/>
                 <a:stretch>
-                  <a:fillRect l="-829" t="-971" r="-737"/>
+                  <a:fillRect l="-829" t="-824" r="-737" b="-1647"/>
                 </a:stretch>
               </a:blipFill>
             </p:spPr>
@@ -26022,50 +25967,14 @@
           </a:p>
         </p:txBody>
       </p:sp>
-      <p:pic>
-        <p:nvPicPr>
-          <p:cNvPr id="14" name="Picture 13" descr="A graph with different colored lines&#10;&#10;AI-generated content may be incorrect.">
-            <a:extLst>
-              <a:ext uri="{FF2B5EF4-FFF2-40B4-BE49-F238E27FC236}">
-                <a16:creationId xmlns:a16="http://schemas.microsoft.com/office/drawing/2014/main" id="{53428223-B8B8-9853-173C-F8A2C540FD70}"/>
-              </a:ext>
-            </a:extLst>
-          </p:cNvPr>
-          <p:cNvPicPr>
-            <a:picLocks noChangeAspect="1"/>
-          </p:cNvPicPr>
-          <p:nvPr/>
-        </p:nvPicPr>
-        <p:blipFill>
-          <a:blip r:embed="rId7">
-            <a:extLst>
-              <a:ext uri="{28A0092B-C50C-407E-A947-70E740481C1C}">
-                <a14:useLocalDpi xmlns:a14="http://schemas.microsoft.com/office/drawing/2010/main" val="0"/>
-              </a:ext>
-            </a:extLst>
-          </a:blip>
-          <a:stretch>
-            <a:fillRect/>
-          </a:stretch>
-        </p:blipFill>
-        <p:spPr>
-          <a:xfrm>
-            <a:off x="-2" y="996800"/>
-            <a:ext cx="5435599" cy="4076699"/>
-          </a:xfrm>
-          <a:prstGeom prst="rect">
-            <a:avLst/>
-          </a:prstGeom>
-        </p:spPr>
-      </p:pic>
       <mc:AlternateContent xmlns:mc="http://schemas.openxmlformats.org/markup-compatibility/2006">
         <mc:Choice xmlns:a14="http://schemas.microsoft.com/office/drawing/2010/main" Requires="a14">
           <p:sp>
             <p:nvSpPr>
-              <p:cNvPr id="16" name="TextBox 15">
+              <p:cNvPr id="15" name="TextBox 14">
                 <a:extLst>
                   <a:ext uri="{FF2B5EF4-FFF2-40B4-BE49-F238E27FC236}">
-                    <a16:creationId xmlns:a16="http://schemas.microsoft.com/office/drawing/2014/main" id="{7A6E1C14-3522-2401-987B-6C8323168AC0}"/>
+                    <a16:creationId xmlns:a16="http://schemas.microsoft.com/office/drawing/2014/main" id="{7BDA4E76-F589-4B48-9CFA-A285AB337AE0}"/>
                   </a:ext>
                 </a:extLst>
               </p:cNvPr>
@@ -26074,8 +25983,8 @@
             </p:nvSpPr>
             <p:spPr>
               <a:xfrm>
-                <a:off x="5435599" y="4704167"/>
-                <a:ext cx="3716867" cy="369332"/>
+                <a:off x="-1" y="5067417"/>
+                <a:ext cx="12191999" cy="1477328"/>
               </a:xfrm>
               <a:prstGeom prst="rect">
                 <a:avLst/>
@@ -26090,62 +25999,73 @@
               <a:p>
                 <a:pPr algn="just"/>
                 <a:r>
+                  <a:rPr lang="fr-FR" noProof="0" dirty="0">
+                    <a:latin typeface="Times New Roman" panose="02020603050405020304" pitchFamily="18" charset="0"/>
+                    <a:cs typeface="Times New Roman" panose="02020603050405020304" pitchFamily="18" charset="0"/>
+                  </a:rPr>
+                  <a:t>Comme mentionné</a:t>
+                </a:r>
+                <a:r>
                   <a:rPr lang="fr-FR" dirty="0">
                     <a:latin typeface="Times New Roman" panose="02020603050405020304" pitchFamily="18" charset="0"/>
                     <a:cs typeface="Times New Roman" panose="02020603050405020304" pitchFamily="18" charset="0"/>
                   </a:rPr>
-                  <a:t>Ordre de convergence </a:t>
+                  <a:t> en cours, on peut remarquer qu’à mesure que le nombre de points augmentent, l’erreur se met à re-augmenter. Cela signifie que l’erreur de discrétisation jusqu’à présent (pour </a:t>
                 </a:r>
                 <a14:m>
                   <m:oMath xmlns:m="http://schemas.openxmlformats.org/officeDocument/2006/math">
-                    <m:sSub>
-                      <m:sSubPr>
-                        <m:ctrlPr>
-                          <a:rPr lang="fr-FR" b="0" i="1" smtClean="0">
-                            <a:latin typeface="Cambria Math" panose="02040503050406030204" pitchFamily="18" charset="0"/>
-                            <a:cs typeface="Times New Roman" panose="02020603050405020304" pitchFamily="18" charset="0"/>
-                          </a:rPr>
-                        </m:ctrlPr>
-                      </m:sSubPr>
-                      <m:e>
-                        <m:r>
-                          <m:rPr>
-                            <m:sty m:val="p"/>
-                          </m:rPr>
-                          <a:rPr lang="fr-FR" b="0" i="0" smtClean="0">
-                            <a:latin typeface="Cambria Math" panose="02040503050406030204" pitchFamily="18" charset="0"/>
-                            <a:cs typeface="Times New Roman" panose="02020603050405020304" pitchFamily="18" charset="0"/>
-                          </a:rPr>
-                          <m:t>L</m:t>
-                        </m:r>
-                      </m:e>
-                      <m:sub>
-                        <m:r>
-                          <a:rPr lang="fr-FR" b="0" i="0" smtClean="0">
-                            <a:latin typeface="Cambria Math" panose="02040503050406030204" pitchFamily="18" charset="0"/>
-                            <a:cs typeface="Times New Roman" panose="02020603050405020304" pitchFamily="18" charset="0"/>
-                          </a:rPr>
-                          <m:t>1</m:t>
-                        </m:r>
-                      </m:sub>
-                    </m:sSub>
                     <m:r>
                       <a:rPr lang="fr-FR" b="0" i="1" smtClean="0">
                         <a:latin typeface="Cambria Math" panose="02040503050406030204" pitchFamily="18" charset="0"/>
                         <a:cs typeface="Times New Roman" panose="02020603050405020304" pitchFamily="18" charset="0"/>
                       </a:rPr>
-                      <m:t>=</m:t>
+                      <m:t>𝑁</m:t>
                     </m:r>
                     <m:r>
-                      <a:rPr lang="fr-FR" i="1">
+                      <a:rPr lang="fr-FR" b="0" i="1" smtClean="0">
                         <a:latin typeface="Cambria Math" panose="02040503050406030204" pitchFamily="18" charset="0"/>
                         <a:cs typeface="Times New Roman" panose="02020603050405020304" pitchFamily="18" charset="0"/>
                       </a:rPr>
-                      <m:t>2.00893</m:t>
+                      <m:t>&lt;100</m:t>
                     </m:r>
                   </m:oMath>
                 </a14:m>
-                <a:endParaRPr lang="en-GB" dirty="0">
+                <a:r>
+                  <a:rPr lang="fr-FR" noProof="0" dirty="0">
+                    <a:latin typeface="Times New Roman" panose="02020603050405020304" pitchFamily="18" charset="0"/>
+                    <a:cs typeface="Times New Roman" panose="02020603050405020304" pitchFamily="18" charset="0"/>
+                  </a:rPr>
+                  <a:t>) dominé les autres, choses qui n’est plus le cas après. </a:t>
+                </a:r>
+                <a:r>
+                  <a:rPr lang="fr-FR" dirty="0">
+                    <a:latin typeface="Times New Roman" panose="02020603050405020304" pitchFamily="18" charset="0"/>
+                    <a:cs typeface="Times New Roman" panose="02020603050405020304" pitchFamily="18" charset="0"/>
+                  </a:rPr>
+                  <a:t>Il semble donc que les autres erreurs deviennent non négligeables. On suppose qu’il s’agit plus précisément de </a:t>
+                </a:r>
+                <a:r>
+                  <a:rPr lang="fr-FR" b="1" dirty="0">
+                    <a:latin typeface="Times New Roman" panose="02020603050405020304" pitchFamily="18" charset="0"/>
+                    <a:cs typeface="Times New Roman" panose="02020603050405020304" pitchFamily="18" charset="0"/>
+                  </a:rPr>
+                  <a:t>l’erreur de précision machine</a:t>
+                </a:r>
+                <a:r>
+                  <a:rPr lang="fr-FR" dirty="0">
+                    <a:latin typeface="Times New Roman" panose="02020603050405020304" pitchFamily="18" charset="0"/>
+                    <a:cs typeface="Times New Roman" panose="02020603050405020304" pitchFamily="18" charset="0"/>
+                  </a:rPr>
+                  <a:t>. En effet, plus il y a de points et plus il y a de transmission d’erreurs lors des calculs, impliquant donc une croissance de ces derniers à mesure que le maillage </a:t>
+                </a:r>
+                <a:r>
+                  <a:rPr lang="fr-FR">
+                    <a:latin typeface="Times New Roman" panose="02020603050405020304" pitchFamily="18" charset="0"/>
+                    <a:cs typeface="Times New Roman" panose="02020603050405020304" pitchFamily="18" charset="0"/>
+                  </a:rPr>
+                  <a:t>se raffine. </a:t>
+                </a:r>
+                <a:endParaRPr lang="fr-FR" noProof="0" dirty="0">
                   <a:latin typeface="Times New Roman" panose="02020603050405020304" pitchFamily="18" charset="0"/>
                   <a:cs typeface="Times New Roman" panose="02020603050405020304" pitchFamily="18" charset="0"/>
                 </a:endParaRPr>
@@ -26156,10 +26076,10 @@
         <mc:Fallback>
           <p:sp>
             <p:nvSpPr>
-              <p:cNvPr id="16" name="TextBox 15">
+              <p:cNvPr id="15" name="TextBox 14">
                 <a:extLst>
                   <a:ext uri="{FF2B5EF4-FFF2-40B4-BE49-F238E27FC236}">
-                    <a16:creationId xmlns:a16="http://schemas.microsoft.com/office/drawing/2014/main" id="{7A6E1C14-3522-2401-987B-6C8323168AC0}"/>
+                    <a16:creationId xmlns:a16="http://schemas.microsoft.com/office/drawing/2014/main" id="{7BDA4E76-F589-4B48-9CFA-A285AB337AE0}"/>
                   </a:ext>
                 </a:extLst>
               </p:cNvPr>
@@ -26170,446 +26090,16 @@
             </p:nvSpPr>
             <p:spPr>
               <a:xfrm>
-                <a:off x="5435599" y="4704167"/>
-                <a:ext cx="3716867" cy="369332"/>
+                <a:off x="-1" y="5067417"/>
+                <a:ext cx="12191999" cy="1477328"/>
               </a:xfrm>
               <a:prstGeom prst="rect">
                 <a:avLst/>
               </a:prstGeom>
               <a:blipFill>
-                <a:blip r:embed="rId8"/>
+                <a:blip r:embed="rId5"/>
                 <a:stretch>
-                  <a:fillRect l="-1478" t="-10000" b="-26667"/>
-                </a:stretch>
-              </a:blipFill>
-            </p:spPr>
-            <p:txBody>
-              <a:bodyPr/>
-              <a:lstStyle/>
-              <a:p>
-                <a:r>
-                  <a:rPr lang="en-GB">
-                    <a:noFill/>
-                  </a:rPr>
-                  <a:t> </a:t>
-                </a:r>
-              </a:p>
-            </p:txBody>
-          </p:sp>
-        </mc:Fallback>
-      </mc:AlternateContent>
-      <mc:AlternateContent xmlns:mc="http://schemas.openxmlformats.org/markup-compatibility/2006">
-        <mc:Choice xmlns:a14="http://schemas.microsoft.com/office/drawing/2010/main" Requires="a14">
-          <p:sp>
-            <p:nvSpPr>
-              <p:cNvPr id="17" name="TextBox 16">
-                <a:extLst>
-                  <a:ext uri="{FF2B5EF4-FFF2-40B4-BE49-F238E27FC236}">
-                    <a16:creationId xmlns:a16="http://schemas.microsoft.com/office/drawing/2014/main" id="{14E8F240-3DC6-CA73-F443-546CABD8453C}"/>
-                  </a:ext>
-                </a:extLst>
-              </p:cNvPr>
-              <p:cNvSpPr txBox="1"/>
-              <p:nvPr/>
-            </p:nvSpPr>
-            <p:spPr>
-              <a:xfrm>
-                <a:off x="5435599" y="5027333"/>
-                <a:ext cx="4200285" cy="369332"/>
-              </a:xfrm>
-              <a:prstGeom prst="rect">
-                <a:avLst/>
-              </a:prstGeom>
-              <a:noFill/>
-            </p:spPr>
-            <p:txBody>
-              <a:bodyPr wrap="square" rtlCol="0">
-                <a:spAutoFit/>
-              </a:bodyPr>
-              <a:lstStyle/>
-              <a:p>
-                <a:pPr algn="just"/>
-                <a:r>
-                  <a:rPr lang="fr-FR" dirty="0">
-                    <a:latin typeface="Times New Roman" panose="02020603050405020304" pitchFamily="18" charset="0"/>
-                    <a:cs typeface="Times New Roman" panose="02020603050405020304" pitchFamily="18" charset="0"/>
-                  </a:rPr>
-                  <a:t>Ordre de convergence </a:t>
-                </a:r>
-                <a14:m>
-                  <m:oMath xmlns:m="http://schemas.openxmlformats.org/officeDocument/2006/math">
-                    <m:sSub>
-                      <m:sSubPr>
-                        <m:ctrlPr>
-                          <a:rPr lang="fr-FR" b="0" i="1" smtClean="0">
-                            <a:latin typeface="Cambria Math" panose="02040503050406030204" pitchFamily="18" charset="0"/>
-                            <a:cs typeface="Times New Roman" panose="02020603050405020304" pitchFamily="18" charset="0"/>
-                          </a:rPr>
-                        </m:ctrlPr>
-                      </m:sSubPr>
-                      <m:e>
-                        <m:r>
-                          <m:rPr>
-                            <m:sty m:val="p"/>
-                          </m:rPr>
-                          <a:rPr lang="fr-FR" b="0" i="0" smtClean="0">
-                            <a:latin typeface="Cambria Math" panose="02040503050406030204" pitchFamily="18" charset="0"/>
-                            <a:cs typeface="Times New Roman" panose="02020603050405020304" pitchFamily="18" charset="0"/>
-                          </a:rPr>
-                          <m:t>L</m:t>
-                        </m:r>
-                      </m:e>
-                      <m:sub>
-                        <m:r>
-                          <a:rPr lang="fr-FR" b="0" i="0" smtClean="0">
-                            <a:latin typeface="Cambria Math" panose="02040503050406030204" pitchFamily="18" charset="0"/>
-                            <a:cs typeface="Times New Roman" panose="02020603050405020304" pitchFamily="18" charset="0"/>
-                          </a:rPr>
-                          <m:t>2</m:t>
-                        </m:r>
-                      </m:sub>
-                    </m:sSub>
-                    <m:r>
-                      <a:rPr lang="fr-FR" b="0" i="1" smtClean="0">
-                        <a:latin typeface="Cambria Math" panose="02040503050406030204" pitchFamily="18" charset="0"/>
-                        <a:cs typeface="Times New Roman" panose="02020603050405020304" pitchFamily="18" charset="0"/>
-                      </a:rPr>
-                      <m:t>=</m:t>
-                    </m:r>
-                    <m:r>
-                      <a:rPr lang="fr-FR" i="1">
-                        <a:latin typeface="Cambria Math" panose="02040503050406030204" pitchFamily="18" charset="0"/>
-                        <a:cs typeface="Times New Roman" panose="02020603050405020304" pitchFamily="18" charset="0"/>
-                      </a:rPr>
-                      <m:t>2.01464</m:t>
-                    </m:r>
-                  </m:oMath>
-                </a14:m>
-                <a:endParaRPr lang="en-GB" dirty="0">
-                  <a:latin typeface="Times New Roman" panose="02020603050405020304" pitchFamily="18" charset="0"/>
-                  <a:cs typeface="Times New Roman" panose="02020603050405020304" pitchFamily="18" charset="0"/>
-                </a:endParaRPr>
-              </a:p>
-            </p:txBody>
-          </p:sp>
-        </mc:Choice>
-        <mc:Fallback>
-          <p:sp>
-            <p:nvSpPr>
-              <p:cNvPr id="17" name="TextBox 16">
-                <a:extLst>
-                  <a:ext uri="{FF2B5EF4-FFF2-40B4-BE49-F238E27FC236}">
-                    <a16:creationId xmlns:a16="http://schemas.microsoft.com/office/drawing/2014/main" id="{14E8F240-3DC6-CA73-F443-546CABD8453C}"/>
-                  </a:ext>
-                </a:extLst>
-              </p:cNvPr>
-              <p:cNvSpPr txBox="1">
-                <a:spLocks noRot="1" noChangeAspect="1" noMove="1" noResize="1" noEditPoints="1" noAdjustHandles="1" noChangeArrowheads="1" noChangeShapeType="1" noTextEdit="1"/>
-              </p:cNvSpPr>
-              <p:nvPr/>
-            </p:nvSpPr>
-            <p:spPr>
-              <a:xfrm>
-                <a:off x="5435599" y="5027333"/>
-                <a:ext cx="4200285" cy="369332"/>
-              </a:xfrm>
-              <a:prstGeom prst="rect">
-                <a:avLst/>
-              </a:prstGeom>
-              <a:blipFill>
-                <a:blip r:embed="rId9"/>
-                <a:stretch>
-                  <a:fillRect l="-1306" t="-10000" b="-26667"/>
-                </a:stretch>
-              </a:blipFill>
-            </p:spPr>
-            <p:txBody>
-              <a:bodyPr/>
-              <a:lstStyle/>
-              <a:p>
-                <a:r>
-                  <a:rPr lang="en-GB">
-                    <a:noFill/>
-                  </a:rPr>
-                  <a:t> </a:t>
-                </a:r>
-              </a:p>
-            </p:txBody>
-          </p:sp>
-        </mc:Fallback>
-      </mc:AlternateContent>
-      <mc:AlternateContent xmlns:mc="http://schemas.openxmlformats.org/markup-compatibility/2006">
-        <mc:Choice xmlns:a14="http://schemas.microsoft.com/office/drawing/2010/main" Requires="a14">
-          <p:sp>
-            <p:nvSpPr>
-              <p:cNvPr id="18" name="TextBox 17">
-                <a:extLst>
-                  <a:ext uri="{FF2B5EF4-FFF2-40B4-BE49-F238E27FC236}">
-                    <a16:creationId xmlns:a16="http://schemas.microsoft.com/office/drawing/2014/main" id="{D3FB6750-FBE0-E1A8-1C71-2998EAAF3657}"/>
-                  </a:ext>
-                </a:extLst>
-              </p:cNvPr>
-              <p:cNvSpPr txBox="1"/>
-              <p:nvPr/>
-            </p:nvSpPr>
-            <p:spPr>
-              <a:xfrm>
-                <a:off x="5435599" y="5350498"/>
-                <a:ext cx="3716867" cy="369332"/>
-              </a:xfrm>
-              <a:prstGeom prst="rect">
-                <a:avLst/>
-              </a:prstGeom>
-              <a:noFill/>
-            </p:spPr>
-            <p:txBody>
-              <a:bodyPr wrap="square" rtlCol="0">
-                <a:spAutoFit/>
-              </a:bodyPr>
-              <a:lstStyle/>
-              <a:p>
-                <a:pPr algn="just"/>
-                <a:r>
-                  <a:rPr lang="fr-FR" dirty="0">
-                    <a:latin typeface="Times New Roman" panose="02020603050405020304" pitchFamily="18" charset="0"/>
-                    <a:cs typeface="Times New Roman" panose="02020603050405020304" pitchFamily="18" charset="0"/>
-                  </a:rPr>
-                  <a:t>Ordre de convergence </a:t>
-                </a:r>
-                <a14:m>
-                  <m:oMath xmlns:m="http://schemas.openxmlformats.org/officeDocument/2006/math">
-                    <m:sSub>
-                      <m:sSubPr>
-                        <m:ctrlPr>
-                          <a:rPr lang="fr-FR" b="0" i="1" smtClean="0">
-                            <a:latin typeface="Cambria Math" panose="02040503050406030204" pitchFamily="18" charset="0"/>
-                            <a:ea typeface="Cambria Math" panose="02040503050406030204" pitchFamily="18" charset="0"/>
-                            <a:cs typeface="Times New Roman" panose="02020603050405020304" pitchFamily="18" charset="0"/>
-                          </a:rPr>
-                        </m:ctrlPr>
-                      </m:sSubPr>
-                      <m:e>
-                        <m:r>
-                          <m:rPr>
-                            <m:sty m:val="p"/>
-                          </m:rPr>
-                          <a:rPr lang="fr-FR" b="0" i="0" smtClean="0">
-                            <a:latin typeface="Cambria Math" panose="02040503050406030204" pitchFamily="18" charset="0"/>
-                            <a:ea typeface="Cambria Math" panose="02040503050406030204" pitchFamily="18" charset="0"/>
-                            <a:cs typeface="Times New Roman" panose="02020603050405020304" pitchFamily="18" charset="0"/>
-                          </a:rPr>
-                          <m:t>L</m:t>
-                        </m:r>
-                      </m:e>
-                      <m:sub>
-                        <m:r>
-                          <a:rPr lang="fr-FR" i="1">
-                            <a:latin typeface="Cambria Math" panose="02040503050406030204" pitchFamily="18" charset="0"/>
-                            <a:ea typeface="Cambria Math" panose="02040503050406030204" pitchFamily="18" charset="0"/>
-                            <a:cs typeface="Times New Roman" panose="02020603050405020304" pitchFamily="18" charset="0"/>
-                          </a:rPr>
-                          <m:t>∞</m:t>
-                        </m:r>
-                      </m:sub>
-                    </m:sSub>
-                  </m:oMath>
-                </a14:m>
-                <a:r>
-                  <a:rPr lang="fr-FR" dirty="0">
-                    <a:latin typeface="Times New Roman" panose="02020603050405020304" pitchFamily="18" charset="0"/>
-                    <a:cs typeface="Times New Roman" panose="02020603050405020304" pitchFamily="18" charset="0"/>
-                  </a:rPr>
-                  <a:t> </a:t>
-                </a:r>
-                <a14:m>
-                  <m:oMath xmlns:m="http://schemas.openxmlformats.org/officeDocument/2006/math">
-                    <m:r>
-                      <a:rPr lang="fr-FR" b="0" i="1" smtClean="0">
-                        <a:latin typeface="Cambria Math" panose="02040503050406030204" pitchFamily="18" charset="0"/>
-                        <a:cs typeface="Times New Roman" panose="02020603050405020304" pitchFamily="18" charset="0"/>
-                      </a:rPr>
-                      <m:t>=</m:t>
-                    </m:r>
-                    <m:r>
-                      <a:rPr lang="fr-FR" i="1">
-                        <a:latin typeface="Cambria Math" panose="02040503050406030204" pitchFamily="18" charset="0"/>
-                        <a:cs typeface="Times New Roman" panose="02020603050405020304" pitchFamily="18" charset="0"/>
-                      </a:rPr>
-                      <m:t>1.87369</m:t>
-                    </m:r>
-                  </m:oMath>
-                </a14:m>
-                <a:endParaRPr lang="en-GB" dirty="0">
-                  <a:latin typeface="Times New Roman" panose="02020603050405020304" pitchFamily="18" charset="0"/>
-                  <a:cs typeface="Times New Roman" panose="02020603050405020304" pitchFamily="18" charset="0"/>
-                </a:endParaRPr>
-              </a:p>
-            </p:txBody>
-          </p:sp>
-        </mc:Choice>
-        <mc:Fallback>
-          <p:sp>
-            <p:nvSpPr>
-              <p:cNvPr id="18" name="TextBox 17">
-                <a:extLst>
-                  <a:ext uri="{FF2B5EF4-FFF2-40B4-BE49-F238E27FC236}">
-                    <a16:creationId xmlns:a16="http://schemas.microsoft.com/office/drawing/2014/main" id="{D3FB6750-FBE0-E1A8-1C71-2998EAAF3657}"/>
-                  </a:ext>
-                </a:extLst>
-              </p:cNvPr>
-              <p:cNvSpPr txBox="1">
-                <a:spLocks noRot="1" noChangeAspect="1" noMove="1" noResize="1" noEditPoints="1" noAdjustHandles="1" noChangeArrowheads="1" noChangeShapeType="1" noTextEdit="1"/>
-              </p:cNvSpPr>
-              <p:nvPr/>
-            </p:nvSpPr>
-            <p:spPr>
-              <a:xfrm>
-                <a:off x="5435599" y="5350498"/>
-                <a:ext cx="3716867" cy="369332"/>
-              </a:xfrm>
-              <a:prstGeom prst="rect">
-                <a:avLst/>
-              </a:prstGeom>
-              <a:blipFill>
-                <a:blip r:embed="rId10"/>
-                <a:stretch>
-                  <a:fillRect l="-1478" t="-10000" b="-26667"/>
-                </a:stretch>
-              </a:blipFill>
-            </p:spPr>
-            <p:txBody>
-              <a:bodyPr/>
-              <a:lstStyle/>
-              <a:p>
-                <a:r>
-                  <a:rPr lang="en-GB">
-                    <a:noFill/>
-                  </a:rPr>
-                  <a:t> </a:t>
-                </a:r>
-              </a:p>
-            </p:txBody>
-          </p:sp>
-        </mc:Fallback>
-      </mc:AlternateContent>
-      <mc:AlternateContent xmlns:mc="http://schemas.openxmlformats.org/markup-compatibility/2006">
-        <mc:Choice xmlns:a14="http://schemas.microsoft.com/office/drawing/2010/main" Requires="a14">
-          <p:sp>
-            <p:nvSpPr>
-              <p:cNvPr id="19" name="TextBox 18">
-                <a:extLst>
-                  <a:ext uri="{FF2B5EF4-FFF2-40B4-BE49-F238E27FC236}">
-                    <a16:creationId xmlns:a16="http://schemas.microsoft.com/office/drawing/2014/main" id="{A4779A6A-8265-FCC3-87DB-F422B4FA7572}"/>
-                  </a:ext>
-                </a:extLst>
-              </p:cNvPr>
-              <p:cNvSpPr txBox="1"/>
-              <p:nvPr/>
-            </p:nvSpPr>
-            <p:spPr>
-              <a:xfrm>
-                <a:off x="0" y="5750085"/>
-                <a:ext cx="11723239" cy="923330"/>
-              </a:xfrm>
-              <a:prstGeom prst="rect">
-                <a:avLst/>
-              </a:prstGeom>
-              <a:noFill/>
-            </p:spPr>
-            <p:txBody>
-              <a:bodyPr wrap="square" rtlCol="0">
-                <a:spAutoFit/>
-              </a:bodyPr>
-              <a:lstStyle/>
-              <a:p>
-                <a:pPr algn="just"/>
-                <a:r>
-                  <a:rPr lang="fr-FR" dirty="0">
-                    <a:latin typeface="Times New Roman" panose="02020603050405020304" pitchFamily="18" charset="0"/>
-                    <a:cs typeface="Times New Roman" panose="02020603050405020304" pitchFamily="18" charset="0"/>
-                  </a:rPr>
-                  <a:t>De telles résultats identiques que cette différence n’est pas causée par des points qui ne seraient pas sur la droite de convergence asymptotique. Ce qui pourrait expliquer cette « erreur » est la sensibilité locale étant donné que </a:t>
-                </a:r>
-                <a14:m>
-                  <m:oMath xmlns:m="http://schemas.openxmlformats.org/officeDocument/2006/math">
-                    <m:sSub>
-                      <m:sSubPr>
-                        <m:ctrlPr>
-                          <a:rPr lang="fr-FR" b="0" i="1" smtClean="0">
-                            <a:latin typeface="Cambria Math" panose="02040503050406030204" pitchFamily="18" charset="0"/>
-                            <a:ea typeface="Cambria Math" panose="02040503050406030204" pitchFamily="18" charset="0"/>
-                            <a:cs typeface="Times New Roman" panose="02020603050405020304" pitchFamily="18" charset="0"/>
-                          </a:rPr>
-                        </m:ctrlPr>
-                      </m:sSubPr>
-                      <m:e>
-                        <m:r>
-                          <m:rPr>
-                            <m:sty m:val="p"/>
-                          </m:rPr>
-                          <a:rPr lang="fr-FR" b="0" i="0" smtClean="0">
-                            <a:latin typeface="Cambria Math" panose="02040503050406030204" pitchFamily="18" charset="0"/>
-                            <a:ea typeface="Cambria Math" panose="02040503050406030204" pitchFamily="18" charset="0"/>
-                            <a:cs typeface="Times New Roman" panose="02020603050405020304" pitchFamily="18" charset="0"/>
-                          </a:rPr>
-                          <m:t>L</m:t>
-                        </m:r>
-                      </m:e>
-                      <m:sub>
-                        <m:r>
-                          <a:rPr lang="fr-FR" i="1">
-                            <a:latin typeface="Cambria Math" panose="02040503050406030204" pitchFamily="18" charset="0"/>
-                            <a:ea typeface="Cambria Math" panose="02040503050406030204" pitchFamily="18" charset="0"/>
-                            <a:cs typeface="Times New Roman" panose="02020603050405020304" pitchFamily="18" charset="0"/>
-                          </a:rPr>
-                          <m:t>∞</m:t>
-                        </m:r>
-                      </m:sub>
-                    </m:sSub>
-                  </m:oMath>
-                </a14:m>
-                <a:r>
-                  <a:rPr lang="fr-FR" dirty="0">
-                    <a:latin typeface="Times New Roman" panose="02020603050405020304" pitchFamily="18" charset="0"/>
-                    <a:cs typeface="Times New Roman" panose="02020603050405020304" pitchFamily="18" charset="0"/>
-                  </a:rPr>
-                  <a:t> est la seule à donner une réponse locale (les deux autres pratiquant un moyennage sur le domaine entier). </a:t>
-                </a:r>
-                <a:endParaRPr lang="en-GB" dirty="0">
-                  <a:latin typeface="Times New Roman" panose="02020603050405020304" pitchFamily="18" charset="0"/>
-                  <a:cs typeface="Times New Roman" panose="02020603050405020304" pitchFamily="18" charset="0"/>
-                </a:endParaRPr>
-              </a:p>
-            </p:txBody>
-          </p:sp>
-        </mc:Choice>
-        <mc:Fallback>
-          <p:sp>
-            <p:nvSpPr>
-              <p:cNvPr id="19" name="TextBox 18">
-                <a:extLst>
-                  <a:ext uri="{FF2B5EF4-FFF2-40B4-BE49-F238E27FC236}">
-                    <a16:creationId xmlns:a16="http://schemas.microsoft.com/office/drawing/2014/main" id="{A4779A6A-8265-FCC3-87DB-F422B4FA7572}"/>
-                  </a:ext>
-                </a:extLst>
-              </p:cNvPr>
-              <p:cNvSpPr txBox="1">
-                <a:spLocks noRot="1" noChangeAspect="1" noMove="1" noResize="1" noEditPoints="1" noAdjustHandles="1" noChangeArrowheads="1" noChangeShapeType="1" noTextEdit="1"/>
-              </p:cNvSpPr>
-              <p:nvPr/>
-            </p:nvSpPr>
-            <p:spPr>
-              <a:xfrm>
-                <a:off x="0" y="5750085"/>
-                <a:ext cx="11723239" cy="923330"/>
-              </a:xfrm>
-              <a:prstGeom prst="rect">
-                <a:avLst/>
-              </a:prstGeom>
-              <a:blipFill>
-                <a:blip r:embed="rId11"/>
-                <a:stretch>
-                  <a:fillRect l="-416" t="-3289" r="-416" b="-9211"/>
+                  <a:fillRect l="-400" t="-2058" r="-400" b="-5350"/>
                 </a:stretch>
               </a:blipFill>
             </p:spPr>

--- a/doc/Rapport_Devoir1.pptx
+++ b/doc/Rapport_Devoir1.pptx
@@ -133,7 +133,7 @@
 <file path=ppt/revisionInfo.xml><?xml version="1.0" encoding="utf-8"?>
 <p1510:revInfo xmlns:a="http://schemas.openxmlformats.org/drawingml/2006/main" xmlns:r="http://schemas.openxmlformats.org/officeDocument/2006/relationships" xmlns:p1510="http://schemas.microsoft.com/office/powerpoint/2015/10/main">
   <p1510:revLst>
-    <p1510:client id="{8625411A-B743-4065-8137-36E899DC5753}" v="3271" dt="2025-02-11T00:41:24.991"/>
+    <p1510:client id="{8625411A-B743-4065-8137-36E899DC5753}" v="3398" dt="2025-02-12T12:54:39.668"/>
   </p1510:revLst>
 </p1510:revInfo>
 </file>
@@ -143,7 +143,7 @@
   <pc:docChgLst>
     <pc:chgData name="François GLEYZON" userId="a2d04f23f7faf3ef" providerId="LiveId" clId="{8625411A-B743-4065-8137-36E899DC5753}"/>
     <pc:docChg chg="undo custSel addSld delSld modSld">
-      <pc:chgData name="François GLEYZON" userId="a2d04f23f7faf3ef" providerId="LiveId" clId="{8625411A-B743-4065-8137-36E899DC5753}" dt="2025-02-11T00:41:24.991" v="9398" actId="313"/>
+      <pc:chgData name="François GLEYZON" userId="a2d04f23f7faf3ef" providerId="LiveId" clId="{8625411A-B743-4065-8137-36E899DC5753}" dt="2025-02-12T12:55:53.209" v="10498" actId="208"/>
       <pc:docMkLst>
         <pc:docMk/>
       </pc:docMkLst>
@@ -736,7 +736,7 @@
         </pc:picChg>
       </pc:sldChg>
       <pc:sldChg chg="addSp delSp modSp mod">
-        <pc:chgData name="François GLEYZON" userId="a2d04f23f7faf3ef" providerId="LiveId" clId="{8625411A-B743-4065-8137-36E899DC5753}" dt="2025-02-08T18:01:04.860" v="6525"/>
+        <pc:chgData name="François GLEYZON" userId="a2d04f23f7faf3ef" providerId="LiveId" clId="{8625411A-B743-4065-8137-36E899DC5753}" dt="2025-02-12T12:49:57.499" v="9522" actId="313"/>
         <pc:sldMkLst>
           <pc:docMk/>
           <pc:sldMk cId="1063259523" sldId="260"/>
@@ -830,7 +830,7 @@
           </ac:spMkLst>
         </pc:spChg>
         <pc:spChg chg="add mod">
-          <ac:chgData name="François GLEYZON" userId="a2d04f23f7faf3ef" providerId="LiveId" clId="{8625411A-B743-4065-8137-36E899DC5753}" dt="2025-02-08T17:52:28.547" v="5610" actId="20577"/>
+          <ac:chgData name="François GLEYZON" userId="a2d04f23f7faf3ef" providerId="LiveId" clId="{8625411A-B743-4065-8137-36E899DC5753}" dt="2025-02-12T12:49:57.499" v="9522" actId="313"/>
           <ac:spMkLst>
             <pc:docMk/>
             <pc:sldMk cId="1063259523" sldId="260"/>
@@ -1188,7 +1188,7 @@
         </pc:picChg>
       </pc:sldChg>
       <pc:sldChg chg="addSp modSp mod">
-        <pc:chgData name="François GLEYZON" userId="a2d04f23f7faf3ef" providerId="LiveId" clId="{8625411A-B743-4065-8137-36E899DC5753}" dt="2025-02-08T18:12:31.623" v="7250" actId="20577"/>
+        <pc:chgData name="François GLEYZON" userId="a2d04f23f7faf3ef" providerId="LiveId" clId="{8625411A-B743-4065-8137-36E899DC5753}" dt="2025-02-12T12:55:53.209" v="10498" actId="208"/>
         <pc:sldMkLst>
           <pc:docMk/>
           <pc:sldMk cId="508563345" sldId="264"/>
@@ -1223,6 +1223,46 @@
             <pc:docMk/>
             <pc:sldMk cId="508563345" sldId="264"/>
             <ac:spMk id="5" creationId="{D2E50873-3ABD-E877-EB14-EB6279F4EA4F}"/>
+          </ac:spMkLst>
+        </pc:spChg>
+        <pc:spChg chg="add mod">
+          <ac:chgData name="François GLEYZON" userId="a2d04f23f7faf3ef" providerId="LiveId" clId="{8625411A-B743-4065-8137-36E899DC5753}" dt="2025-02-12T12:51:21.077" v="9588" actId="20577"/>
+          <ac:spMkLst>
+            <pc:docMk/>
+            <pc:sldMk cId="508563345" sldId="264"/>
+            <ac:spMk id="6" creationId="{C0FB229F-7FDE-60BB-7C9D-FA8C75D93FFE}"/>
+          </ac:spMkLst>
+        </pc:spChg>
+        <pc:spChg chg="add mod">
+          <ac:chgData name="François GLEYZON" userId="a2d04f23f7faf3ef" providerId="LiveId" clId="{8625411A-B743-4065-8137-36E899DC5753}" dt="2025-02-12T12:53:55.839" v="10131" actId="12"/>
+          <ac:spMkLst>
+            <pc:docMk/>
+            <pc:sldMk cId="508563345" sldId="264"/>
+            <ac:spMk id="7" creationId="{70CF15AE-9D08-54F9-6B23-DBA1C0275690}"/>
+          </ac:spMkLst>
+        </pc:spChg>
+        <pc:spChg chg="add mod">
+          <ac:chgData name="François GLEYZON" userId="a2d04f23f7faf3ef" providerId="LiveId" clId="{8625411A-B743-4065-8137-36E899DC5753}" dt="2025-02-12T12:53:52.933" v="10130" actId="12"/>
+          <ac:spMkLst>
+            <pc:docMk/>
+            <pc:sldMk cId="508563345" sldId="264"/>
+            <ac:spMk id="8" creationId="{3F71D19F-FB6D-FE38-AC51-717B965503B7}"/>
+          </ac:spMkLst>
+        </pc:spChg>
+        <pc:spChg chg="add mod">
+          <ac:chgData name="François GLEYZON" userId="a2d04f23f7faf3ef" providerId="LiveId" clId="{8625411A-B743-4065-8137-36E899DC5753}" dt="2025-02-12T12:55:53.209" v="10498" actId="208"/>
+          <ac:spMkLst>
+            <pc:docMk/>
+            <pc:sldMk cId="508563345" sldId="264"/>
+            <ac:spMk id="9" creationId="{1A3D098E-C0A1-7DE8-1262-2E4E31F8E4CB}"/>
+          </ac:spMkLst>
+        </pc:spChg>
+        <pc:spChg chg="add mod">
+          <ac:chgData name="François GLEYZON" userId="a2d04f23f7faf3ef" providerId="LiveId" clId="{8625411A-B743-4065-8137-36E899DC5753}" dt="2025-02-12T12:55:44.213" v="10495" actId="20577"/>
+          <ac:spMkLst>
+            <pc:docMk/>
+            <pc:sldMk cId="508563345" sldId="264"/>
+            <ac:spMk id="10" creationId="{1827829A-69C1-05E0-82FC-47D7A4E8CFA8}"/>
           </ac:spMkLst>
         </pc:spChg>
       </pc:sldChg>
@@ -1652,7 +1692,7 @@
           <a:p>
             <a:fld id="{536D1BE0-9163-4941-8556-7FE0B29195A4}" type="datetimeFigureOut">
               <a:rPr lang="en-GB" smtClean="0"/>
-              <a:t>10/02/2025</a:t>
+              <a:t>12/02/2025</a:t>
             </a:fld>
             <a:endParaRPr lang="en-GB"/>
           </a:p>
@@ -2153,7 +2193,7 @@
           <a:p>
             <a:fld id="{CEFDEF93-0E3A-4A89-BC16-F38BAE82060D}" type="datetimeFigureOut">
               <a:rPr lang="en-GB" smtClean="0"/>
-              <a:t>10/02/2025</a:t>
+              <a:t>12/02/2025</a:t>
             </a:fld>
             <a:endParaRPr lang="en-GB"/>
           </a:p>
@@ -2353,7 +2393,7 @@
           <a:p>
             <a:fld id="{CEFDEF93-0E3A-4A89-BC16-F38BAE82060D}" type="datetimeFigureOut">
               <a:rPr lang="en-GB" smtClean="0"/>
-              <a:t>10/02/2025</a:t>
+              <a:t>12/02/2025</a:t>
             </a:fld>
             <a:endParaRPr lang="en-GB"/>
           </a:p>
@@ -2563,7 +2603,7 @@
           <a:p>
             <a:fld id="{CEFDEF93-0E3A-4A89-BC16-F38BAE82060D}" type="datetimeFigureOut">
               <a:rPr lang="en-GB" smtClean="0"/>
-              <a:t>10/02/2025</a:t>
+              <a:t>12/02/2025</a:t>
             </a:fld>
             <a:endParaRPr lang="en-GB"/>
           </a:p>
@@ -2763,7 +2803,7 @@
           <a:p>
             <a:fld id="{CEFDEF93-0E3A-4A89-BC16-F38BAE82060D}" type="datetimeFigureOut">
               <a:rPr lang="en-GB" smtClean="0"/>
-              <a:t>10/02/2025</a:t>
+              <a:t>12/02/2025</a:t>
             </a:fld>
             <a:endParaRPr lang="en-GB"/>
           </a:p>
@@ -3039,7 +3079,7 @@
           <a:p>
             <a:fld id="{CEFDEF93-0E3A-4A89-BC16-F38BAE82060D}" type="datetimeFigureOut">
               <a:rPr lang="en-GB" smtClean="0"/>
-              <a:t>10/02/2025</a:t>
+              <a:t>12/02/2025</a:t>
             </a:fld>
             <a:endParaRPr lang="en-GB"/>
           </a:p>
@@ -3307,7 +3347,7 @@
           <a:p>
             <a:fld id="{CEFDEF93-0E3A-4A89-BC16-F38BAE82060D}" type="datetimeFigureOut">
               <a:rPr lang="en-GB" smtClean="0"/>
-              <a:t>10/02/2025</a:t>
+              <a:t>12/02/2025</a:t>
             </a:fld>
             <a:endParaRPr lang="en-GB"/>
           </a:p>
@@ -3722,7 +3762,7 @@
           <a:p>
             <a:fld id="{CEFDEF93-0E3A-4A89-BC16-F38BAE82060D}" type="datetimeFigureOut">
               <a:rPr lang="en-GB" smtClean="0"/>
-              <a:t>10/02/2025</a:t>
+              <a:t>12/02/2025</a:t>
             </a:fld>
             <a:endParaRPr lang="en-GB"/>
           </a:p>
@@ -3864,7 +3904,7 @@
           <a:p>
             <a:fld id="{CEFDEF93-0E3A-4A89-BC16-F38BAE82060D}" type="datetimeFigureOut">
               <a:rPr lang="en-GB" smtClean="0"/>
-              <a:t>10/02/2025</a:t>
+              <a:t>12/02/2025</a:t>
             </a:fld>
             <a:endParaRPr lang="en-GB"/>
           </a:p>
@@ -3977,7 +4017,7 @@
           <a:p>
             <a:fld id="{CEFDEF93-0E3A-4A89-BC16-F38BAE82060D}" type="datetimeFigureOut">
               <a:rPr lang="en-GB" smtClean="0"/>
-              <a:t>10/02/2025</a:t>
+              <a:t>12/02/2025</a:t>
             </a:fld>
             <a:endParaRPr lang="en-GB"/>
           </a:p>
@@ -4290,7 +4330,7 @@
           <a:p>
             <a:fld id="{CEFDEF93-0E3A-4A89-BC16-F38BAE82060D}" type="datetimeFigureOut">
               <a:rPr lang="en-GB" smtClean="0"/>
-              <a:t>10/02/2025</a:t>
+              <a:t>12/02/2025</a:t>
             </a:fld>
             <a:endParaRPr lang="en-GB"/>
           </a:p>
@@ -4579,7 +4619,7 @@
           <a:p>
             <a:fld id="{CEFDEF93-0E3A-4A89-BC16-F38BAE82060D}" type="datetimeFigureOut">
               <a:rPr lang="en-GB" smtClean="0"/>
-              <a:t>10/02/2025</a:t>
+              <a:t>12/02/2025</a:t>
             </a:fld>
             <a:endParaRPr lang="en-GB"/>
           </a:p>
@@ -4822,7 +4862,7 @@
           <a:p>
             <a:fld id="{CEFDEF93-0E3A-4A89-BC16-F38BAE82060D}" type="datetimeFigureOut">
               <a:rPr lang="en-GB" smtClean="0"/>
-              <a:t>10/02/2025</a:t>
+              <a:t>12/02/2025</a:t>
             </a:fld>
             <a:endParaRPr lang="en-GB"/>
           </a:p>
@@ -6030,6 +6070,235 @@
           <a:p>
             <a:pPr algn="ctr"/>
             <a:endParaRPr lang="en-GB"/>
+          </a:p>
+        </p:txBody>
+      </p:sp>
+      <p:sp>
+        <p:nvSpPr>
+          <p:cNvPr id="6" name="TextBox 5">
+            <a:extLst>
+              <a:ext uri="{FF2B5EF4-FFF2-40B4-BE49-F238E27FC236}">
+                <a16:creationId xmlns:a16="http://schemas.microsoft.com/office/drawing/2014/main" id="{C0FB229F-7FDE-60BB-7C9D-FA8C75D93FFE}"/>
+              </a:ext>
+            </a:extLst>
+          </p:cNvPr>
+          <p:cNvSpPr txBox="1"/>
+          <p:nvPr/>
+        </p:nvSpPr>
+        <p:spPr>
+          <a:xfrm>
+            <a:off x="-2" y="627468"/>
+            <a:ext cx="12192001" cy="369332"/>
+          </a:xfrm>
+          <a:prstGeom prst="rect">
+            <a:avLst/>
+          </a:prstGeom>
+          <a:noFill/>
+        </p:spPr>
+        <p:txBody>
+          <a:bodyPr wrap="square" rtlCol="0">
+            <a:spAutoFit/>
+          </a:bodyPr>
+          <a:lstStyle/>
+          <a:p>
+            <a:pPr algn="just"/>
+            <a:r>
+              <a:rPr lang="fr-FR" dirty="0">
+                <a:latin typeface="Times New Roman" panose="02020603050405020304" pitchFamily="18" charset="0"/>
+                <a:cs typeface="Times New Roman" panose="02020603050405020304" pitchFamily="18" charset="0"/>
+              </a:rPr>
+              <a:t>Pour conclure, ce devoir nous a permis de montrer : </a:t>
+            </a:r>
+            <a:endParaRPr lang="en-GB" dirty="0">
+              <a:latin typeface="Times New Roman" panose="02020603050405020304" pitchFamily="18" charset="0"/>
+              <a:cs typeface="Times New Roman" panose="02020603050405020304" pitchFamily="18" charset="0"/>
+            </a:endParaRPr>
+          </a:p>
+        </p:txBody>
+      </p:sp>
+      <p:sp>
+        <p:nvSpPr>
+          <p:cNvPr id="7" name="TextBox 6">
+            <a:extLst>
+              <a:ext uri="{FF2B5EF4-FFF2-40B4-BE49-F238E27FC236}">
+                <a16:creationId xmlns:a16="http://schemas.microsoft.com/office/drawing/2014/main" id="{70CF15AE-9D08-54F9-6B23-DBA1C0275690}"/>
+              </a:ext>
+            </a:extLst>
+          </p:cNvPr>
+          <p:cNvSpPr txBox="1"/>
+          <p:nvPr/>
+        </p:nvSpPr>
+        <p:spPr>
+          <a:xfrm>
+            <a:off x="6394493" y="1018963"/>
+            <a:ext cx="5662039" cy="1477328"/>
+          </a:xfrm>
+          <a:prstGeom prst="rect">
+            <a:avLst/>
+          </a:prstGeom>
+          <a:noFill/>
+        </p:spPr>
+        <p:txBody>
+          <a:bodyPr wrap="square" rtlCol="0">
+            <a:spAutoFit/>
+          </a:bodyPr>
+          <a:lstStyle/>
+          <a:p>
+            <a:pPr marL="285750" indent="-285750" algn="just">
+              <a:buFont typeface="Wingdings" panose="05000000000000000000" pitchFamily="2" charset="2"/>
+              <a:buChar char="§"/>
+            </a:pPr>
+            <a:r>
+              <a:rPr lang="fr-FR" noProof="0" dirty="0">
+                <a:latin typeface="Times New Roman" panose="02020603050405020304" pitchFamily="18" charset="0"/>
+                <a:cs typeface="Times New Roman" panose="02020603050405020304" pitchFamily="18" charset="0"/>
+              </a:rPr>
+              <a:t>Les limites de l’analyse de convergence de l’erreur de discrétisation. En effet, si les schémas de discrétisation sont uniformes et cohérent avec le problème traité, on peut trouver des résultats extrêmement bons (i.e. erreur de discrétisation très faible). </a:t>
+            </a:r>
+          </a:p>
+        </p:txBody>
+      </p:sp>
+      <p:sp>
+        <p:nvSpPr>
+          <p:cNvPr id="8" name="TextBox 7">
+            <a:extLst>
+              <a:ext uri="{FF2B5EF4-FFF2-40B4-BE49-F238E27FC236}">
+                <a16:creationId xmlns:a16="http://schemas.microsoft.com/office/drawing/2014/main" id="{3F71D19F-FB6D-FE38-AC51-717B965503B7}"/>
+              </a:ext>
+            </a:extLst>
+          </p:cNvPr>
+          <p:cNvSpPr txBox="1"/>
+          <p:nvPr/>
+        </p:nvSpPr>
+        <p:spPr>
+          <a:xfrm>
+            <a:off x="135469" y="996800"/>
+            <a:ext cx="5662039" cy="1200329"/>
+          </a:xfrm>
+          <a:prstGeom prst="rect">
+            <a:avLst/>
+          </a:prstGeom>
+          <a:noFill/>
+        </p:spPr>
+        <p:txBody>
+          <a:bodyPr wrap="square" rtlCol="0">
+            <a:spAutoFit/>
+          </a:bodyPr>
+          <a:lstStyle/>
+          <a:p>
+            <a:pPr marL="285750" indent="-285750" algn="just">
+              <a:buFont typeface="Wingdings" panose="05000000000000000000" pitchFamily="2" charset="2"/>
+              <a:buChar char="§"/>
+            </a:pPr>
+            <a:r>
+              <a:rPr lang="fr-FR" noProof="0" dirty="0">
+                <a:latin typeface="Times New Roman" panose="02020603050405020304" pitchFamily="18" charset="0"/>
+                <a:cs typeface="Times New Roman" panose="02020603050405020304" pitchFamily="18" charset="0"/>
+              </a:rPr>
+              <a:t>Comment fonctionne une analyse de convergence</a:t>
+            </a:r>
+            <a:r>
+              <a:rPr lang="fr-FR" dirty="0">
+                <a:latin typeface="Times New Roman" panose="02020603050405020304" pitchFamily="18" charset="0"/>
+                <a:cs typeface="Times New Roman" panose="02020603050405020304" pitchFamily="18" charset="0"/>
+              </a:rPr>
+              <a:t> dans le cas numéro 1. Nous avons pu comparer l’ordre de grandeurs théoriques formelles et l’ordre de convergence numérique afin de valider le code. </a:t>
+            </a:r>
+            <a:endParaRPr lang="fr-FR" noProof="0" dirty="0">
+              <a:latin typeface="Times New Roman" panose="02020603050405020304" pitchFamily="18" charset="0"/>
+              <a:cs typeface="Times New Roman" panose="02020603050405020304" pitchFamily="18" charset="0"/>
+            </a:endParaRPr>
+          </a:p>
+        </p:txBody>
+      </p:sp>
+      <p:sp>
+        <p:nvSpPr>
+          <p:cNvPr id="9" name="Right Brace 8">
+            <a:extLst>
+              <a:ext uri="{FF2B5EF4-FFF2-40B4-BE49-F238E27FC236}">
+                <a16:creationId xmlns:a16="http://schemas.microsoft.com/office/drawing/2014/main" id="{1A3D098E-C0A1-7DE8-1262-2E4E31F8E4CB}"/>
+              </a:ext>
+            </a:extLst>
+          </p:cNvPr>
+          <p:cNvSpPr/>
+          <p:nvPr/>
+        </p:nvSpPr>
+        <p:spPr>
+          <a:xfrm rot="5400000">
+            <a:off x="5941498" y="-3246679"/>
+            <a:ext cx="309004" cy="11921064"/>
+          </a:xfrm>
+          <a:prstGeom prst="rightBrace">
+            <a:avLst>
+              <a:gd name="adj1" fmla="val 90384"/>
+              <a:gd name="adj2" fmla="val 50000"/>
+            </a:avLst>
+          </a:prstGeom>
+          <a:ln w="57150">
+            <a:solidFill>
+              <a:srgbClr val="C00000"/>
+            </a:solidFill>
+          </a:ln>
+        </p:spPr>
+        <p:style>
+          <a:lnRef idx="2">
+            <a:schemeClr val="accent1"/>
+          </a:lnRef>
+          <a:fillRef idx="0">
+            <a:schemeClr val="accent1"/>
+          </a:fillRef>
+          <a:effectRef idx="1">
+            <a:schemeClr val="accent1"/>
+          </a:effectRef>
+          <a:fontRef idx="minor">
+            <a:schemeClr val="tx1"/>
+          </a:fontRef>
+        </p:style>
+        <p:txBody>
+          <a:bodyPr rtlCol="0" anchor="ctr"/>
+          <a:lstStyle/>
+          <a:p>
+            <a:pPr algn="ctr"/>
+            <a:endParaRPr lang="en-GB"/>
+          </a:p>
+        </p:txBody>
+      </p:sp>
+      <p:sp>
+        <p:nvSpPr>
+          <p:cNvPr id="10" name="TextBox 9">
+            <a:extLst>
+              <a:ext uri="{FF2B5EF4-FFF2-40B4-BE49-F238E27FC236}">
+                <a16:creationId xmlns:a16="http://schemas.microsoft.com/office/drawing/2014/main" id="{1827829A-69C1-05E0-82FC-47D7A4E8CFA8}"/>
+              </a:ext>
+            </a:extLst>
+          </p:cNvPr>
+          <p:cNvSpPr txBox="1"/>
+          <p:nvPr/>
+        </p:nvSpPr>
+        <p:spPr>
+          <a:xfrm>
+            <a:off x="2484643" y="3044562"/>
+            <a:ext cx="7222709" cy="1477328"/>
+          </a:xfrm>
+          <a:prstGeom prst="rect">
+            <a:avLst/>
+          </a:prstGeom>
+          <a:noFill/>
+        </p:spPr>
+        <p:txBody>
+          <a:bodyPr wrap="square" rtlCol="0">
+            <a:spAutoFit/>
+          </a:bodyPr>
+          <a:lstStyle/>
+          <a:p>
+            <a:pPr algn="just"/>
+            <a:r>
+              <a:rPr lang="fr-FR" dirty="0">
+                <a:latin typeface="Times New Roman" panose="02020603050405020304" pitchFamily="18" charset="0"/>
+                <a:cs typeface="Times New Roman" panose="02020603050405020304" pitchFamily="18" charset="0"/>
+              </a:rPr>
+              <a:t>L’analyse de convergence de l’erreur de discrétisation par convergence asymptotique est donc une méthode puissante afin de pouvoir valider un code. Néanmoins une bonne compréhension physique et numérique du problème est nécessaire afin de permettre une compréhension juste des résultats. </a:t>
+            </a:r>
           </a:p>
         </p:txBody>
       </p:sp>
@@ -21991,8 +22260,8 @@
           </p:sp>
         </mc:Fallback>
       </mc:AlternateContent>
-      <mc:AlternateContent xmlns:mc="http://schemas.openxmlformats.org/markup-compatibility/2006" xmlns:a14="http://schemas.microsoft.com/office/drawing/2010/main">
-        <mc:Choice Requires="a14">
+      <mc:AlternateContent xmlns:mc="http://schemas.openxmlformats.org/markup-compatibility/2006">
+        <mc:Choice xmlns:a14="http://schemas.microsoft.com/office/drawing/2010/main" Requires="a14">
           <p:sp>
             <p:nvSpPr>
               <p:cNvPr id="16" name="TextBox 15">
@@ -22008,7 +22277,7 @@
             <p:spPr>
               <a:xfrm>
                 <a:off x="5435599" y="2336801"/>
-                <a:ext cx="6620934" cy="2031325"/>
+                <a:ext cx="6620934" cy="2585323"/>
               </a:xfrm>
               <a:prstGeom prst="rect">
                 <a:avLst/>
@@ -22092,14 +22361,21 @@
                     <a:latin typeface="Times New Roman" panose="02020603050405020304" pitchFamily="18" charset="0"/>
                     <a:cs typeface="Times New Roman" panose="02020603050405020304" pitchFamily="18" charset="0"/>
                   </a:rPr>
-                  <a:t> : Même pour un grand nombre de chiffre significatif, il semble que l’ordre de convergence </a:t>
+                  <a:t> : </a:t>
+                </a:r>
+                <a:r>
+                  <a:rPr lang="fr-FR" noProof="0" dirty="0">
+                    <a:latin typeface="Times New Roman" panose="02020603050405020304" pitchFamily="18" charset="0"/>
+                    <a:cs typeface="Times New Roman" panose="02020603050405020304" pitchFamily="18" charset="0"/>
+                  </a:rPr>
+                  <a:t>Même pour un grand nombre de chiffre significatif, il semble que l’ordre de convergence </a:t>
                 </a:r>
                 <a14:m>
                   <m:oMath xmlns:m="http://schemas.openxmlformats.org/officeDocument/2006/math">
                     <m:sSub>
                       <m:sSubPr>
                         <m:ctrlPr>
-                          <a:rPr lang="fr-FR" b="0" i="1" smtClean="0">
+                          <a:rPr lang="fr-FR" b="0" i="1" noProof="0" smtClean="0">
                             <a:latin typeface="Cambria Math" panose="02040503050406030204" pitchFamily="18" charset="0"/>
                             <a:ea typeface="Cambria Math" panose="02040503050406030204" pitchFamily="18" charset="0"/>
                             <a:cs typeface="Times New Roman" panose="02020603050405020304" pitchFamily="18" charset="0"/>
@@ -22111,7 +22387,7 @@
                           <m:rPr>
                             <m:sty m:val="p"/>
                           </m:rPr>
-                          <a:rPr lang="fr-FR" b="0" i="0" smtClean="0">
+                          <a:rPr lang="fr-FR" b="0" i="0" noProof="0" smtClean="0">
                             <a:latin typeface="Cambria Math" panose="02040503050406030204" pitchFamily="18" charset="0"/>
                             <a:ea typeface="Cambria Math" panose="02040503050406030204" pitchFamily="18" charset="0"/>
                             <a:cs typeface="Times New Roman" panose="02020603050405020304" pitchFamily="18" charset="0"/>
@@ -22121,7 +22397,7 @@
                       </m:e>
                       <m:sub>
                         <m:r>
-                          <a:rPr lang="fr-FR" i="1">
+                          <a:rPr lang="fr-FR" i="1" noProof="0">
                             <a:latin typeface="Cambria Math" panose="02040503050406030204" pitchFamily="18" charset="0"/>
                             <a:ea typeface="Cambria Math" panose="02040503050406030204" pitchFamily="18" charset="0"/>
                             <a:cs typeface="Times New Roman" panose="02020603050405020304" pitchFamily="18" charset="0"/>
@@ -22133,31 +22409,66 @@
                   </m:oMath>
                 </a14:m>
                 <a:r>
-                  <a:rPr lang="en-GB" dirty="0">
+                  <a:rPr lang="fr-FR" noProof="0" dirty="0">
                     <a:latin typeface="Times New Roman" panose="02020603050405020304" pitchFamily="18" charset="0"/>
                     <a:cs typeface="Times New Roman" panose="02020603050405020304" pitchFamily="18" charset="0"/>
                   </a:rPr>
-                  <a:t> </a:t>
+                  <a:t> soit excellent. Avec des simulations pour 1000 et plus de nœuds, on arrive à montrer que </a:t>
                 </a:r>
+                <a14:m>
+                  <m:oMath xmlns:m="http://schemas.openxmlformats.org/officeDocument/2006/math">
+                    <m:sSub>
+                      <m:sSubPr>
+                        <m:ctrlPr>
+                          <a:rPr lang="fr-FR" i="1" noProof="0">
+                            <a:latin typeface="Cambria Math" panose="02040503050406030204" pitchFamily="18" charset="0"/>
+                            <a:ea typeface="Cambria Math" panose="02040503050406030204" pitchFamily="18" charset="0"/>
+                            <a:cs typeface="Times New Roman" panose="02020603050405020304" pitchFamily="18" charset="0"/>
+                          </a:rPr>
+                        </m:ctrlPr>
+                      </m:sSubPr>
+                      <m:e>
+                        <m:r>
+                          <m:rPr>
+                            <m:sty m:val="p"/>
+                          </m:rPr>
+                          <a:rPr lang="fr-FR" noProof="0">
+                            <a:latin typeface="Cambria Math" panose="02040503050406030204" pitchFamily="18" charset="0"/>
+                            <a:ea typeface="Cambria Math" panose="02040503050406030204" pitchFamily="18" charset="0"/>
+                            <a:cs typeface="Times New Roman" panose="02020603050405020304" pitchFamily="18" charset="0"/>
+                          </a:rPr>
+                          <m:t>L</m:t>
+                        </m:r>
+                      </m:e>
+                      <m:sub>
+                        <m:r>
+                          <a:rPr lang="fr-FR" i="1" noProof="0">
+                            <a:latin typeface="Cambria Math" panose="02040503050406030204" pitchFamily="18" charset="0"/>
+                            <a:ea typeface="Cambria Math" panose="02040503050406030204" pitchFamily="18" charset="0"/>
+                            <a:cs typeface="Times New Roman" panose="02020603050405020304" pitchFamily="18" charset="0"/>
+                          </a:rPr>
+                          <m:t>∞</m:t>
+                        </m:r>
+                      </m:sub>
+                    </m:sSub>
+                  </m:oMath>
+                </a14:m>
                 <a:r>
-                  <a:rPr lang="en-GB" dirty="0" err="1">
+                  <a:rPr lang="fr-FR" noProof="0" dirty="0">
                     <a:latin typeface="Times New Roman" panose="02020603050405020304" pitchFamily="18" charset="0"/>
                     <a:cs typeface="Times New Roman" panose="02020603050405020304" pitchFamily="18" charset="0"/>
                   </a:rPr>
-                  <a:t>soit</a:t>
+                  <a:t> n’est pas parfaitement égale à 1. </a:t>
                 </a:r>
-                <a:r>
-                  <a:rPr lang="en-GB" dirty="0">
-                    <a:latin typeface="Times New Roman" panose="02020603050405020304" pitchFamily="18" charset="0"/>
-                    <a:cs typeface="Times New Roman" panose="02020603050405020304" pitchFamily="18" charset="0"/>
-                  </a:rPr>
-                  <a:t> excellent. </a:t>
-                </a:r>
+                <a:endParaRPr lang="en-GB" dirty="0">
+                  <a:latin typeface="Times New Roman" panose="02020603050405020304" pitchFamily="18" charset="0"/>
+                  <a:cs typeface="Times New Roman" panose="02020603050405020304" pitchFamily="18" charset="0"/>
+                </a:endParaRPr>
               </a:p>
             </p:txBody>
           </p:sp>
         </mc:Choice>
-        <mc:Fallback xmlns="">
+        <mc:Fallback>
           <p:sp>
             <p:nvSpPr>
               <p:cNvPr id="16" name="TextBox 15">
@@ -22175,7 +22486,7 @@
             <p:spPr>
               <a:xfrm>
                 <a:off x="5435599" y="2336801"/>
-                <a:ext cx="6620934" cy="2031325"/>
+                <a:ext cx="6620934" cy="2585323"/>
               </a:xfrm>
               <a:prstGeom prst="rect">
                 <a:avLst/>
@@ -22183,7 +22494,7 @@
               <a:blipFill>
                 <a:blip r:embed="rId5"/>
                 <a:stretch>
-                  <a:fillRect l="-829" t="-1497" r="-737" b="-3593"/>
+                  <a:fillRect l="-829" t="-1179" r="-737" b="-2830"/>
                 </a:stretch>
               </a:blipFill>
             </p:spPr>
@@ -24541,8 +24852,8 @@
           </a:p>
         </p:txBody>
       </p:sp>
-      <mc:AlternateContent xmlns:mc="http://schemas.openxmlformats.org/markup-compatibility/2006">
-        <mc:Choice xmlns:a14="http://schemas.microsoft.com/office/drawing/2010/main" Requires="a14">
+      <mc:AlternateContent xmlns:mc="http://schemas.openxmlformats.org/markup-compatibility/2006" xmlns:a14="http://schemas.microsoft.com/office/drawing/2010/main">
+        <mc:Choice Requires="a14">
           <p:sp>
             <p:nvSpPr>
               <p:cNvPr id="17" name="TextBox 16">
@@ -24632,7 +24943,7 @@
             </p:txBody>
           </p:sp>
         </mc:Choice>
-        <mc:Fallback>
+        <mc:Fallback xmlns="">
           <p:sp>
             <p:nvSpPr>
               <p:cNvPr id="17" name="TextBox 16">
@@ -24984,8 +25295,8 @@
           </a:p>
         </p:txBody>
       </p:sp>
-      <mc:AlternateContent xmlns:mc="http://schemas.openxmlformats.org/markup-compatibility/2006">
-        <mc:Choice xmlns:a14="http://schemas.microsoft.com/office/drawing/2010/main" Requires="a14">
+      <mc:AlternateContent xmlns:mc="http://schemas.openxmlformats.org/markup-compatibility/2006" xmlns:a14="http://schemas.microsoft.com/office/drawing/2010/main">
+        <mc:Choice Requires="a14">
           <p:sp>
             <p:nvSpPr>
               <p:cNvPr id="18" name="TextBox 17">
@@ -25014,6 +25325,7 @@
               </a:bodyPr>
               <a:lstStyle/>
               <a:p>
+                <a:pPr/>
                 <a14:m>
                   <m:oMathPara xmlns:m="http://schemas.openxmlformats.org/officeDocument/2006/math">
                     <m:oMathParaPr>
@@ -25257,7 +25569,7 @@
                       <m:sSub>
                         <m:sSubPr>
                           <m:ctrlPr>
-                            <a:rPr lang="fr-FR" b="0" i="0" dirty="0" smtClean="0">
+                            <a:rPr lang="fr-FR" b="0" i="1" dirty="0" smtClean="0">
                               <a:latin typeface="Cambria Math" panose="02040503050406030204" pitchFamily="18" charset="0"/>
                             </a:rPr>
                           </m:ctrlPr>
@@ -25291,7 +25603,7 @@
                       <m:sSub>
                         <m:sSubPr>
                           <m:ctrlPr>
-                            <a:rPr lang="fr-FR" b="0" i="0" dirty="0" smtClean="0">
+                            <a:rPr lang="fr-FR" b="0" i="1" dirty="0" smtClean="0">
                               <a:latin typeface="Cambria Math" panose="02040503050406030204" pitchFamily="18" charset="0"/>
                             </a:rPr>
                           </m:ctrlPr>
@@ -25325,7 +25637,7 @@
                       <m:sSub>
                         <m:sSubPr>
                           <m:ctrlPr>
-                            <a:rPr lang="fr-FR" b="0" i="0" dirty="0" smtClean="0">
+                            <a:rPr lang="fr-FR" b="0" i="1" dirty="0" smtClean="0">
                               <a:latin typeface="Cambria Math" panose="02040503050406030204" pitchFamily="18" charset="0"/>
                             </a:rPr>
                           </m:ctrlPr>
@@ -25364,7 +25676,7 @@
             </p:txBody>
           </p:sp>
         </mc:Choice>
-        <mc:Fallback>
+        <mc:Fallback xmlns="">
           <p:sp>
             <p:nvSpPr>
               <p:cNvPr id="18" name="TextBox 17">
@@ -25720,8 +26032,8 @@
           </a:p>
         </p:txBody>
       </p:sp>
-      <mc:AlternateContent xmlns:mc="http://schemas.openxmlformats.org/markup-compatibility/2006">
-        <mc:Choice xmlns:a14="http://schemas.microsoft.com/office/drawing/2010/main" Requires="a14">
+      <mc:AlternateContent xmlns:mc="http://schemas.openxmlformats.org/markup-compatibility/2006" xmlns:a14="http://schemas.microsoft.com/office/drawing/2010/main">
+        <mc:Choice Requires="a14">
           <p:sp>
             <p:nvSpPr>
               <p:cNvPr id="10" name="TextBox 9">
@@ -25879,7 +26191,7 @@
             </p:txBody>
           </p:sp>
         </mc:Choice>
-        <mc:Fallback>
+        <mc:Fallback xmlns="">
           <p:sp>
             <p:nvSpPr>
               <p:cNvPr id="10" name="TextBox 9">
@@ -25967,8 +26279,8 @@
           </a:p>
         </p:txBody>
       </p:sp>
-      <mc:AlternateContent xmlns:mc="http://schemas.openxmlformats.org/markup-compatibility/2006">
-        <mc:Choice xmlns:a14="http://schemas.microsoft.com/office/drawing/2010/main" Requires="a14">
+      <mc:AlternateContent xmlns:mc="http://schemas.openxmlformats.org/markup-compatibility/2006" xmlns:a14="http://schemas.microsoft.com/office/drawing/2010/main">
+        <mc:Choice Requires="a14">
           <p:sp>
             <p:nvSpPr>
               <p:cNvPr id="15" name="TextBox 14">
@@ -26073,7 +26385,7 @@
             </p:txBody>
           </p:sp>
         </mc:Choice>
-        <mc:Fallback>
+        <mc:Fallback xmlns="">
           <p:sp>
             <p:nvSpPr>
               <p:cNvPr id="15" name="TextBox 14">

--- a/doc/Rapport_Devoir1.pptx
+++ b/doc/Rapport_Devoir1.pptx
@@ -133,7 +133,7 @@
 <file path=ppt/revisionInfo.xml><?xml version="1.0" encoding="utf-8"?>
 <p1510:revInfo xmlns:a="http://schemas.openxmlformats.org/drawingml/2006/main" xmlns:r="http://schemas.openxmlformats.org/officeDocument/2006/relationships" xmlns:p1510="http://schemas.microsoft.com/office/powerpoint/2015/10/main">
   <p1510:revLst>
-    <p1510:client id="{8625411A-B743-4065-8137-36E899DC5753}" v="3398" dt="2025-02-12T12:54:39.668"/>
+    <p1510:client id="{8625411A-B743-4065-8137-36E899DC5753}" v="3399" dt="2025-02-12T23:22:41.147"/>
   </p1510:revLst>
 </p1510:revInfo>
 </file>
@@ -143,7 +143,7 @@
   <pc:docChgLst>
     <pc:chgData name="François GLEYZON" userId="a2d04f23f7faf3ef" providerId="LiveId" clId="{8625411A-B743-4065-8137-36E899DC5753}"/>
     <pc:docChg chg="undo custSel addSld delSld modSld">
-      <pc:chgData name="François GLEYZON" userId="a2d04f23f7faf3ef" providerId="LiveId" clId="{8625411A-B743-4065-8137-36E899DC5753}" dt="2025-02-12T12:55:53.209" v="10498" actId="208"/>
+      <pc:chgData name="François GLEYZON" userId="a2d04f23f7faf3ef" providerId="LiveId" clId="{8625411A-B743-4065-8137-36E899DC5753}" dt="2025-02-12T23:24:12.235" v="10799" actId="1076"/>
       <pc:docMkLst>
         <pc:docMk/>
       </pc:docMkLst>
@@ -1188,7 +1188,7 @@
         </pc:picChg>
       </pc:sldChg>
       <pc:sldChg chg="addSp modSp mod">
-        <pc:chgData name="François GLEYZON" userId="a2d04f23f7faf3ef" providerId="LiveId" clId="{8625411A-B743-4065-8137-36E899DC5753}" dt="2025-02-12T12:55:53.209" v="10498" actId="208"/>
+        <pc:chgData name="François GLEYZON" userId="a2d04f23f7faf3ef" providerId="LiveId" clId="{8625411A-B743-4065-8137-36E899DC5753}" dt="2025-02-12T23:24:12.235" v="10799" actId="1076"/>
         <pc:sldMkLst>
           <pc:docMk/>
           <pc:sldMk cId="508563345" sldId="264"/>
@@ -1263,6 +1263,22 @@
             <pc:docMk/>
             <pc:sldMk cId="508563345" sldId="264"/>
             <ac:spMk id="10" creationId="{1827829A-69C1-05E0-82FC-47D7A4E8CFA8}"/>
+          </ac:spMkLst>
+        </pc:spChg>
+        <pc:spChg chg="add mod">
+          <ac:chgData name="François GLEYZON" userId="a2d04f23f7faf3ef" providerId="LiveId" clId="{8625411A-B743-4065-8137-36E899DC5753}" dt="2025-02-12T23:23:47.526" v="10793" actId="20577"/>
+          <ac:spMkLst>
+            <pc:docMk/>
+            <pc:sldMk cId="508563345" sldId="264"/>
+            <ac:spMk id="11" creationId="{F3FF0ABE-9BDA-8589-BCA2-AC743838ACFC}"/>
+          </ac:spMkLst>
+        </pc:spChg>
+        <pc:spChg chg="add mod">
+          <ac:chgData name="François GLEYZON" userId="a2d04f23f7faf3ef" providerId="LiveId" clId="{8625411A-B743-4065-8137-36E899DC5753}" dt="2025-02-12T23:24:12.235" v="10799" actId="1076"/>
+          <ac:spMkLst>
+            <pc:docMk/>
+            <pc:sldMk cId="508563345" sldId="264"/>
+            <ac:spMk id="12" creationId="{280E63AB-7E7C-412D-9775-611C8F43CE44}"/>
           </ac:spMkLst>
         </pc:spChg>
       </pc:sldChg>
@@ -6302,6 +6318,101 @@
           </a:p>
         </p:txBody>
       </p:sp>
+      <p:sp>
+        <p:nvSpPr>
+          <p:cNvPr id="11" name="TextBox 10">
+            <a:extLst>
+              <a:ext uri="{FF2B5EF4-FFF2-40B4-BE49-F238E27FC236}">
+                <a16:creationId xmlns:a16="http://schemas.microsoft.com/office/drawing/2014/main" id="{F3FF0ABE-9BDA-8589-BCA2-AC743838ACFC}"/>
+              </a:ext>
+            </a:extLst>
+          </p:cNvPr>
+          <p:cNvSpPr txBox="1"/>
+          <p:nvPr/>
+        </p:nvSpPr>
+        <p:spPr>
+          <a:xfrm>
+            <a:off x="2484642" y="4880720"/>
+            <a:ext cx="7222709" cy="1200329"/>
+          </a:xfrm>
+          <a:prstGeom prst="rect">
+            <a:avLst/>
+          </a:prstGeom>
+          <a:noFill/>
+        </p:spPr>
+        <p:txBody>
+          <a:bodyPr wrap="square" rtlCol="0">
+            <a:spAutoFit/>
+          </a:bodyPr>
+          <a:lstStyle/>
+          <a:p>
+            <a:pPr algn="just"/>
+            <a:r>
+              <a:rPr lang="fr-FR" dirty="0">
+                <a:latin typeface="Times New Roman" panose="02020603050405020304" pitchFamily="18" charset="0"/>
+                <a:cs typeface="Times New Roman" panose="02020603050405020304" pitchFamily="18" charset="0"/>
+              </a:rPr>
+              <a:t>En plus de permettre une convergence plus rapide, les schémas d’ordres supérieurs permettent une grande précision des phénomènes aux frontières. Tout cela vient cependant à un pris, plus l’ordre étant élevé et plus les calculs étant gourmand. </a:t>
+            </a:r>
+          </a:p>
+        </p:txBody>
+      </p:sp>
+      <p:sp>
+        <p:nvSpPr>
+          <p:cNvPr id="12" name="Plus Sign 11">
+            <a:extLst>
+              <a:ext uri="{FF2B5EF4-FFF2-40B4-BE49-F238E27FC236}">
+                <a16:creationId xmlns:a16="http://schemas.microsoft.com/office/drawing/2014/main" id="{280E63AB-7E7C-412D-9775-611C8F43CE44}"/>
+              </a:ext>
+            </a:extLst>
+          </p:cNvPr>
+          <p:cNvSpPr/>
+          <p:nvPr/>
+        </p:nvSpPr>
+        <p:spPr>
+          <a:xfrm>
+            <a:off x="5875279" y="4430907"/>
+            <a:ext cx="441434" cy="441434"/>
+          </a:xfrm>
+          <a:prstGeom prst="mathPlus">
+            <a:avLst>
+              <a:gd name="adj1" fmla="val 9727"/>
+            </a:avLst>
+          </a:prstGeom>
+          <a:solidFill>
+            <a:srgbClr val="980000"/>
+          </a:solidFill>
+          <a:ln>
+            <a:solidFill>
+              <a:srgbClr val="980000"/>
+            </a:solidFill>
+          </a:ln>
+        </p:spPr>
+        <p:style>
+          <a:lnRef idx="2">
+            <a:schemeClr val="accent1">
+              <a:shade val="15000"/>
+            </a:schemeClr>
+          </a:lnRef>
+          <a:fillRef idx="1">
+            <a:schemeClr val="accent1"/>
+          </a:fillRef>
+          <a:effectRef idx="0">
+            <a:schemeClr val="accent1"/>
+          </a:effectRef>
+          <a:fontRef idx="minor">
+            <a:schemeClr val="lt1"/>
+          </a:fontRef>
+        </p:style>
+        <p:txBody>
+          <a:bodyPr rtlCol="0" anchor="ctr"/>
+          <a:lstStyle/>
+          <a:p>
+            <a:pPr algn="ctr"/>
+            <a:endParaRPr lang="en-GB"/>
+          </a:p>
+        </p:txBody>
+      </p:sp>
     </p:spTree>
     <p:extLst>
       <p:ext uri="{BB962C8B-B14F-4D97-AF65-F5344CB8AC3E}">
@@ -22260,8 +22371,8 @@
           </p:sp>
         </mc:Fallback>
       </mc:AlternateContent>
-      <mc:AlternateContent xmlns:mc="http://schemas.openxmlformats.org/markup-compatibility/2006">
-        <mc:Choice xmlns:a14="http://schemas.microsoft.com/office/drawing/2010/main" Requires="a14">
+      <mc:AlternateContent xmlns:mc="http://schemas.openxmlformats.org/markup-compatibility/2006" xmlns:a14="http://schemas.microsoft.com/office/drawing/2010/main">
+        <mc:Choice Requires="a14">
           <p:sp>
             <p:nvSpPr>
               <p:cNvPr id="16" name="TextBox 15">
@@ -22468,7 +22579,7 @@
             </p:txBody>
           </p:sp>
         </mc:Choice>
-        <mc:Fallback>
+        <mc:Fallback xmlns="">
           <p:sp>
             <p:nvSpPr>
               <p:cNvPr id="16" name="TextBox 15">

--- a/doc/Rapport_Devoir1.pptx
+++ b/doc/Rapport_Devoir1.pptx
@@ -1676,7 +1676,7 @@
           <a:p>
             <a:fld id="{536D1BE0-9163-4941-8556-7FE0B29195A4}" type="datetimeFigureOut">
               <a:rPr lang="en-GB" smtClean="0"/>
-              <a:t>13/02/2025</a:t>
+              <a:t>14/02/2025</a:t>
             </a:fld>
             <a:endParaRPr lang="en-GB"/>
           </a:p>
@@ -2177,7 +2177,7 @@
           <a:p>
             <a:fld id="{CEFDEF93-0E3A-4A89-BC16-F38BAE82060D}" type="datetimeFigureOut">
               <a:rPr lang="en-GB" smtClean="0"/>
-              <a:t>13/02/2025</a:t>
+              <a:t>14/02/2025</a:t>
             </a:fld>
             <a:endParaRPr lang="en-GB"/>
           </a:p>
@@ -2377,7 +2377,7 @@
           <a:p>
             <a:fld id="{CEFDEF93-0E3A-4A89-BC16-F38BAE82060D}" type="datetimeFigureOut">
               <a:rPr lang="en-GB" smtClean="0"/>
-              <a:t>13/02/2025</a:t>
+              <a:t>14/02/2025</a:t>
             </a:fld>
             <a:endParaRPr lang="en-GB"/>
           </a:p>
@@ -2587,7 +2587,7 @@
           <a:p>
             <a:fld id="{CEFDEF93-0E3A-4A89-BC16-F38BAE82060D}" type="datetimeFigureOut">
               <a:rPr lang="en-GB" smtClean="0"/>
-              <a:t>13/02/2025</a:t>
+              <a:t>14/02/2025</a:t>
             </a:fld>
             <a:endParaRPr lang="en-GB"/>
           </a:p>
@@ -2787,7 +2787,7 @@
           <a:p>
             <a:fld id="{CEFDEF93-0E3A-4A89-BC16-F38BAE82060D}" type="datetimeFigureOut">
               <a:rPr lang="en-GB" smtClean="0"/>
-              <a:t>13/02/2025</a:t>
+              <a:t>14/02/2025</a:t>
             </a:fld>
             <a:endParaRPr lang="en-GB"/>
           </a:p>
@@ -3063,7 +3063,7 @@
           <a:p>
             <a:fld id="{CEFDEF93-0E3A-4A89-BC16-F38BAE82060D}" type="datetimeFigureOut">
               <a:rPr lang="en-GB" smtClean="0"/>
-              <a:t>13/02/2025</a:t>
+              <a:t>14/02/2025</a:t>
             </a:fld>
             <a:endParaRPr lang="en-GB"/>
           </a:p>
@@ -3331,7 +3331,7 @@
           <a:p>
             <a:fld id="{CEFDEF93-0E3A-4A89-BC16-F38BAE82060D}" type="datetimeFigureOut">
               <a:rPr lang="en-GB" smtClean="0"/>
-              <a:t>13/02/2025</a:t>
+              <a:t>14/02/2025</a:t>
             </a:fld>
             <a:endParaRPr lang="en-GB"/>
           </a:p>
@@ -3746,7 +3746,7 @@
           <a:p>
             <a:fld id="{CEFDEF93-0E3A-4A89-BC16-F38BAE82060D}" type="datetimeFigureOut">
               <a:rPr lang="en-GB" smtClean="0"/>
-              <a:t>13/02/2025</a:t>
+              <a:t>14/02/2025</a:t>
             </a:fld>
             <a:endParaRPr lang="en-GB"/>
           </a:p>
@@ -3888,7 +3888,7 @@
           <a:p>
             <a:fld id="{CEFDEF93-0E3A-4A89-BC16-F38BAE82060D}" type="datetimeFigureOut">
               <a:rPr lang="en-GB" smtClean="0"/>
-              <a:t>13/02/2025</a:t>
+              <a:t>14/02/2025</a:t>
             </a:fld>
             <a:endParaRPr lang="en-GB"/>
           </a:p>
@@ -4001,7 +4001,7 @@
           <a:p>
             <a:fld id="{CEFDEF93-0E3A-4A89-BC16-F38BAE82060D}" type="datetimeFigureOut">
               <a:rPr lang="en-GB" smtClean="0"/>
-              <a:t>13/02/2025</a:t>
+              <a:t>14/02/2025</a:t>
             </a:fld>
             <a:endParaRPr lang="en-GB"/>
           </a:p>
@@ -4314,7 +4314,7 @@
           <a:p>
             <a:fld id="{CEFDEF93-0E3A-4A89-BC16-F38BAE82060D}" type="datetimeFigureOut">
               <a:rPr lang="en-GB" smtClean="0"/>
-              <a:t>13/02/2025</a:t>
+              <a:t>14/02/2025</a:t>
             </a:fld>
             <a:endParaRPr lang="en-GB"/>
           </a:p>
@@ -4603,7 +4603,7 @@
           <a:p>
             <a:fld id="{CEFDEF93-0E3A-4A89-BC16-F38BAE82060D}" type="datetimeFigureOut">
               <a:rPr lang="en-GB" smtClean="0"/>
-              <a:t>13/02/2025</a:t>
+              <a:t>14/02/2025</a:t>
             </a:fld>
             <a:endParaRPr lang="en-GB"/>
           </a:p>
@@ -4846,7 +4846,7 @@
           <a:p>
             <a:fld id="{CEFDEF93-0E3A-4A89-BC16-F38BAE82060D}" type="datetimeFigureOut">
               <a:rPr lang="en-GB" smtClean="0"/>
-              <a:t>13/02/2025</a:t>
+              <a:t>14/02/2025</a:t>
             </a:fld>
             <a:endParaRPr lang="en-GB"/>
           </a:p>
@@ -6144,7 +6144,7 @@
         <p:spPr>
           <a:xfrm>
             <a:off x="6394493" y="1018963"/>
-            <a:ext cx="5662039" cy="1477328"/>
+            <a:ext cx="5662039" cy="1754326"/>
           </a:xfrm>
           <a:prstGeom prst="rect">
             <a:avLst/>
@@ -6166,7 +6166,7 @@
                 <a:latin typeface="Times New Roman" panose="02020603050405020304" pitchFamily="18" charset="0"/>
                 <a:cs typeface="Times New Roman" panose="02020603050405020304" pitchFamily="18" charset="0"/>
               </a:rPr>
-              <a:t>Les limites de l’analyse de convergence de l’erreur de discrétisation. En effet, si les schémas de discrétisation sont uniformes et cohérent avec le problème traité, on peut trouver des résultats extrêmement bons (i.e. erreur de discrétisation très faible). </a:t>
+              <a:t>Les limites de l’analyse de convergence de l’erreur de discrétisation. En effet, si les schémas de discrétisation sont uniformes et cohérent avec le problème traité, on peut trouver des résultats extrêmement bons (i.e. erreur de discrétisation très faible et donc analyse de convergence non pertinente). </a:t>
             </a:r>
           </a:p>
         </p:txBody>
@@ -6186,7 +6186,7 @@
         <p:spPr>
           <a:xfrm>
             <a:off x="135469" y="996800"/>
-            <a:ext cx="5662039" cy="1200329"/>
+            <a:ext cx="5662039" cy="923330"/>
           </a:xfrm>
           <a:prstGeom prst="rect">
             <a:avLst/>
@@ -6208,7 +6208,7 @@
                 <a:latin typeface="Times New Roman" panose="02020603050405020304" pitchFamily="18" charset="0"/>
                 <a:cs typeface="Times New Roman" panose="02020603050405020304" pitchFamily="18" charset="0"/>
               </a:rPr>
-              <a:t>Comment fonctionne une analyse de convergence dans le cas numéro 1. Nous avons pu comparer l’ordre de grandeurs théoriques formelles et l’ordre de convergence numérique afin de valider le code. </a:t>
+              <a:t>Comment fonctionne une analyse de convergence dans le cas numéro 1. Nous avons pu comparer les ordres de convergence formel et observé afin de vérifier le code. </a:t>
             </a:r>
           </a:p>
         </p:txBody>
@@ -6227,7 +6227,7 @@
         </p:nvSpPr>
         <p:spPr>
           <a:xfrm rot="5400000">
-            <a:off x="5941498" y="-3246679"/>
+            <a:off x="5941498" y="-2992679"/>
             <a:ext cx="309004" cy="11921064"/>
           </a:xfrm>
           <a:prstGeom prst="rightBrace">
@@ -6279,8 +6279,8 @@
         </p:nvSpPr>
         <p:spPr>
           <a:xfrm>
-            <a:off x="2484643" y="3044562"/>
-            <a:ext cx="7222709" cy="1477328"/>
+            <a:off x="434602" y="3251375"/>
+            <a:ext cx="5226797" cy="1754326"/>
           </a:xfrm>
           <a:prstGeom prst="rect">
             <a:avLst/>
@@ -6299,7 +6299,7 @@
                 <a:latin typeface="Times New Roman" panose="02020603050405020304" pitchFamily="18" charset="0"/>
                 <a:cs typeface="Times New Roman" panose="02020603050405020304" pitchFamily="18" charset="0"/>
               </a:rPr>
-              <a:t>L’analyse de convergence de l’erreur de discrétisation par convergence asymptotique est donc une méthode puissante afin de pouvoir valider un code. Néanmoins une bonne compréhension physique et numérique du problème est nécessaire afin de permettre une compréhension juste des résultats. </a:t>
+              <a:t>L’analyse de convergence de l’erreur de discrétisation par convergence asymptotique est donc une méthode puissante afin de pouvoir vérifier un code. Néanmoins une bonne compréhension physique et numérique du problème est nécessaire afin de permettre une compréhension juste des résultats. </a:t>
             </a:r>
           </a:p>
         </p:txBody>
@@ -6318,8 +6318,8 @@
         </p:nvSpPr>
         <p:spPr>
           <a:xfrm>
-            <a:off x="2484642" y="4880720"/>
-            <a:ext cx="7222709" cy="1200329"/>
+            <a:off x="6530593" y="3389874"/>
+            <a:ext cx="5226797" cy="1477328"/>
           </a:xfrm>
           <a:prstGeom prst="rect">
             <a:avLst/>
@@ -6357,7 +6357,7 @@
         </p:nvSpPr>
         <p:spPr>
           <a:xfrm>
-            <a:off x="5875279" y="4430907"/>
+            <a:off x="5875279" y="3794860"/>
             <a:ext cx="441434" cy="441434"/>
           </a:xfrm>
           <a:prstGeom prst="mathPlus">
@@ -6396,6 +6396,85 @@
           <a:p>
             <a:pPr algn="ctr"/>
             <a:endParaRPr lang="fr-FR" noProof="0" dirty="0"/>
+          </a:p>
+        </p:txBody>
+      </p:sp>
+      <p:sp>
+        <p:nvSpPr>
+          <p:cNvPr id="13" name="TextBox 12">
+            <a:extLst>
+              <a:ext uri="{FF2B5EF4-FFF2-40B4-BE49-F238E27FC236}">
+                <a16:creationId xmlns:a16="http://schemas.microsoft.com/office/drawing/2014/main" id="{F2151F1C-7D98-8A07-DABB-9BF880922990}"/>
+              </a:ext>
+            </a:extLst>
+          </p:cNvPr>
+          <p:cNvSpPr txBox="1"/>
+          <p:nvPr/>
+        </p:nvSpPr>
+        <p:spPr>
+          <a:xfrm>
+            <a:off x="1302169" y="5493308"/>
+            <a:ext cx="9587652" cy="1200329"/>
+          </a:xfrm>
+          <a:prstGeom prst="rect">
+            <a:avLst/>
+          </a:prstGeom>
+          <a:noFill/>
+        </p:spPr>
+        <p:txBody>
+          <a:bodyPr wrap="square" rtlCol="0">
+            <a:spAutoFit/>
+          </a:bodyPr>
+          <a:lstStyle/>
+          <a:p>
+            <a:pPr algn="just"/>
+            <a:r>
+              <a:rPr lang="fr-FR" dirty="0"/>
+              <a:t>La vérification du code constitue une première étape essentielle dans le processus global de V&amp;V. Cependant, elle ne garantit pas encore l’exactitude des résultats obtenus. Il est désormais crucial de procéder à l’tape de vérification de la solution. Enfin, l’étape de validation permettra de s’assurer que le modèle représente fidèlement la réalité physique du phénomène étudié.</a:t>
+            </a:r>
+            <a:endParaRPr lang="fr-FR" noProof="0" dirty="0">
+              <a:latin typeface="Times New Roman" panose="02020603050405020304" pitchFamily="18" charset="0"/>
+              <a:cs typeface="Times New Roman" panose="02020603050405020304" pitchFamily="18" charset="0"/>
+            </a:endParaRPr>
+          </a:p>
+        </p:txBody>
+      </p:sp>
+      <p:sp>
+        <p:nvSpPr>
+          <p:cNvPr id="14" name="TextBox 13">
+            <a:extLst>
+              <a:ext uri="{FF2B5EF4-FFF2-40B4-BE49-F238E27FC236}">
+                <a16:creationId xmlns:a16="http://schemas.microsoft.com/office/drawing/2014/main" id="{E677CC0B-52E0-83B5-C15B-7233C6AD2BA3}"/>
+              </a:ext>
+            </a:extLst>
+          </p:cNvPr>
+          <p:cNvSpPr txBox="1"/>
+          <p:nvPr/>
+        </p:nvSpPr>
+        <p:spPr>
+          <a:xfrm>
+            <a:off x="5129522" y="5123976"/>
+            <a:ext cx="1932946" cy="369332"/>
+          </a:xfrm>
+          <a:prstGeom prst="rect">
+            <a:avLst/>
+          </a:prstGeom>
+          <a:noFill/>
+        </p:spPr>
+        <p:txBody>
+          <a:bodyPr wrap="square" rtlCol="0">
+            <a:spAutoFit/>
+          </a:bodyPr>
+          <a:lstStyle/>
+          <a:p>
+            <a:pPr algn="ctr"/>
+            <a:r>
+              <a:rPr lang="fr-FR" b="1" noProof="0" dirty="0">
+                <a:latin typeface="Times New Roman" panose="02020603050405020304" pitchFamily="18" charset="0"/>
+                <a:cs typeface="Times New Roman" panose="02020603050405020304" pitchFamily="18" charset="0"/>
+              </a:rPr>
+              <a:t>Et maintenant ? </a:t>
+            </a:r>
           </a:p>
         </p:txBody>
       </p:sp>
@@ -6487,8 +6566,8 @@
           </a:p>
         </p:txBody>
       </p:sp>
-      <mc:AlternateContent xmlns:mc="http://schemas.openxmlformats.org/markup-compatibility/2006">
-        <mc:Choice xmlns:a14="http://schemas.microsoft.com/office/drawing/2010/main" Requires="a14">
+      <mc:AlternateContent xmlns:mc="http://schemas.openxmlformats.org/markup-compatibility/2006" xmlns:a14="http://schemas.microsoft.com/office/drawing/2010/main">
+        <mc:Choice Requires="a14">
           <p:sp>
             <p:nvSpPr>
               <p:cNvPr id="2" name="TextBox 1">
@@ -6652,7 +6731,7 @@
             </p:txBody>
           </p:sp>
         </mc:Choice>
-        <mc:Fallback>
+        <mc:Fallback xmlns="">
           <p:sp>
             <p:nvSpPr>
               <p:cNvPr id="2" name="TextBox 1">
@@ -6697,8 +6776,8 @@
           </p:sp>
         </mc:Fallback>
       </mc:AlternateContent>
-      <mc:AlternateContent xmlns:mc="http://schemas.openxmlformats.org/markup-compatibility/2006">
-        <mc:Choice xmlns:a14="http://schemas.microsoft.com/office/drawing/2010/main" Requires="a14">
+      <mc:AlternateContent xmlns:mc="http://schemas.openxmlformats.org/markup-compatibility/2006" xmlns:a14="http://schemas.microsoft.com/office/drawing/2010/main">
+        <mc:Choice Requires="a14">
           <p:sp>
             <p:nvSpPr>
               <p:cNvPr id="3" name="TextBox 2">
@@ -6931,7 +7010,7 @@
             </p:txBody>
           </p:sp>
         </mc:Choice>
-        <mc:Fallback>
+        <mc:Fallback xmlns="">
           <p:sp>
             <p:nvSpPr>
               <p:cNvPr id="3" name="TextBox 2">
@@ -7015,8 +7094,8 @@
           </a:p>
         </p:txBody>
       </p:sp>
-      <mc:AlternateContent xmlns:mc="http://schemas.openxmlformats.org/markup-compatibility/2006">
-        <mc:Choice xmlns:a14="http://schemas.microsoft.com/office/drawing/2010/main" Requires="a14">
+      <mc:AlternateContent xmlns:mc="http://schemas.openxmlformats.org/markup-compatibility/2006" xmlns:a14="http://schemas.microsoft.com/office/drawing/2010/main">
+        <mc:Choice Requires="a14">
           <p:sp>
             <p:nvSpPr>
               <p:cNvPr id="5" name="TextBox 4">
@@ -7111,7 +7190,7 @@
             </p:txBody>
           </p:sp>
         </mc:Choice>
-        <mc:Fallback>
+        <mc:Fallback xmlns="">
           <p:sp>
             <p:nvSpPr>
               <p:cNvPr id="5" name="TextBox 4">
@@ -7156,8 +7235,8 @@
           </p:sp>
         </mc:Fallback>
       </mc:AlternateContent>
-      <mc:AlternateContent xmlns:mc="http://schemas.openxmlformats.org/markup-compatibility/2006">
-        <mc:Choice xmlns:a14="http://schemas.microsoft.com/office/drawing/2010/main" Requires="a14">
+      <mc:AlternateContent xmlns:mc="http://schemas.openxmlformats.org/markup-compatibility/2006" xmlns:a14="http://schemas.microsoft.com/office/drawing/2010/main">
+        <mc:Choice Requires="a14">
           <p:sp>
             <p:nvSpPr>
               <p:cNvPr id="6" name="TextBox 5">
@@ -7536,7 +7615,7 @@
             </p:txBody>
           </p:sp>
         </mc:Choice>
-        <mc:Fallback>
+        <mc:Fallback xmlns="">
           <p:sp>
             <p:nvSpPr>
               <p:cNvPr id="6" name="TextBox 5">
@@ -7627,8 +7706,8 @@
           </a:p>
         </p:txBody>
       </p:sp>
-      <mc:AlternateContent xmlns:mc="http://schemas.openxmlformats.org/markup-compatibility/2006">
-        <mc:Choice xmlns:a14="http://schemas.microsoft.com/office/drawing/2010/main" Requires="a14">
+      <mc:AlternateContent xmlns:mc="http://schemas.openxmlformats.org/markup-compatibility/2006" xmlns:a14="http://schemas.microsoft.com/office/drawing/2010/main">
+        <mc:Choice Requires="a14">
           <p:sp>
             <p:nvSpPr>
               <p:cNvPr id="8" name="TextBox 7">
@@ -7730,7 +7809,7 @@
             </p:txBody>
           </p:sp>
         </mc:Choice>
-        <mc:Fallback>
+        <mc:Fallback xmlns="">
           <p:sp>
             <p:nvSpPr>
               <p:cNvPr id="8" name="TextBox 7">
@@ -7775,8 +7854,8 @@
           </p:sp>
         </mc:Fallback>
       </mc:AlternateContent>
-      <mc:AlternateContent xmlns:mc="http://schemas.openxmlformats.org/markup-compatibility/2006">
-        <mc:Choice xmlns:a14="http://schemas.microsoft.com/office/drawing/2010/main" Requires="a14">
+      <mc:AlternateContent xmlns:mc="http://schemas.openxmlformats.org/markup-compatibility/2006" xmlns:a14="http://schemas.microsoft.com/office/drawing/2010/main">
+        <mc:Choice Requires="a14">
           <p:sp>
             <p:nvSpPr>
               <p:cNvPr id="13" name="TextBox 12">
@@ -7922,7 +8001,7 @@
             </p:txBody>
           </p:sp>
         </mc:Choice>
-        <mc:Fallback>
+        <mc:Fallback xmlns="">
           <p:sp>
             <p:nvSpPr>
               <p:cNvPr id="13" name="TextBox 12">
@@ -7967,8 +8046,8 @@
           </p:sp>
         </mc:Fallback>
       </mc:AlternateContent>
-      <mc:AlternateContent xmlns:mc="http://schemas.openxmlformats.org/markup-compatibility/2006">
-        <mc:Choice xmlns:a14="http://schemas.microsoft.com/office/drawing/2010/main" Requires="a14">
+      <mc:AlternateContent xmlns:mc="http://schemas.openxmlformats.org/markup-compatibility/2006" xmlns:a14="http://schemas.microsoft.com/office/drawing/2010/main">
+        <mc:Choice Requires="a14">
           <p:sp>
             <p:nvSpPr>
               <p:cNvPr id="14" name="TextBox 13">
@@ -8087,7 +8166,7 @@
             </p:txBody>
           </p:sp>
         </mc:Choice>
-        <mc:Fallback>
+        <mc:Fallback xmlns="">
           <p:sp>
             <p:nvSpPr>
               <p:cNvPr id="14" name="TextBox 13">
@@ -8179,8 +8258,8 @@
           </a:p>
         </p:txBody>
       </p:sp>
-      <mc:AlternateContent xmlns:mc="http://schemas.openxmlformats.org/markup-compatibility/2006">
-        <mc:Choice xmlns:a14="http://schemas.microsoft.com/office/drawing/2010/main" Requires="a14">
+      <mc:AlternateContent xmlns:mc="http://schemas.openxmlformats.org/markup-compatibility/2006" xmlns:a14="http://schemas.microsoft.com/office/drawing/2010/main">
+        <mc:Choice Requires="a14">
           <p:sp>
             <p:nvSpPr>
               <p:cNvPr id="17" name="TextBox 16">
@@ -8390,7 +8469,7 @@
             </p:txBody>
           </p:sp>
         </mc:Choice>
-        <mc:Fallback>
+        <mc:Fallback xmlns="">
           <p:sp>
             <p:nvSpPr>
               <p:cNvPr id="17" name="TextBox 16">
@@ -8435,8 +8514,8 @@
           </p:sp>
         </mc:Fallback>
       </mc:AlternateContent>
-      <mc:AlternateContent xmlns:mc="http://schemas.openxmlformats.org/markup-compatibility/2006">
-        <mc:Choice xmlns:a14="http://schemas.microsoft.com/office/drawing/2010/main" Requires="a14">
+      <mc:AlternateContent xmlns:mc="http://schemas.openxmlformats.org/markup-compatibility/2006" xmlns:a14="http://schemas.microsoft.com/office/drawing/2010/main">
+        <mc:Choice Requires="a14">
           <p:sp>
             <p:nvSpPr>
               <p:cNvPr id="18" name="TextBox 17">
@@ -8831,7 +8910,7 @@
             </p:txBody>
           </p:sp>
         </mc:Choice>
-        <mc:Fallback>
+        <mc:Fallback xmlns="">
           <p:sp>
             <p:nvSpPr>
               <p:cNvPr id="18" name="TextBox 17">
@@ -9148,8 +9227,8 @@
           </a:p>
         </p:txBody>
       </p:sp>
-      <mc:AlternateContent xmlns:mc="http://schemas.openxmlformats.org/markup-compatibility/2006">
-        <mc:Choice xmlns:a14="http://schemas.microsoft.com/office/drawing/2010/main" Requires="a14">
+      <mc:AlternateContent xmlns:mc="http://schemas.openxmlformats.org/markup-compatibility/2006" xmlns:a14="http://schemas.microsoft.com/office/drawing/2010/main">
+        <mc:Choice Requires="a14">
           <p:sp>
             <p:nvSpPr>
               <p:cNvPr id="25" name="TextBox 24">
@@ -9258,7 +9337,7 @@
             </p:txBody>
           </p:sp>
         </mc:Choice>
-        <mc:Fallback>
+        <mc:Fallback xmlns="">
           <p:sp>
             <p:nvSpPr>
               <p:cNvPr id="25" name="TextBox 24">
@@ -9635,8 +9714,8 @@
           </a:p>
         </p:txBody>
       </p:sp>
-      <mc:AlternateContent xmlns:mc="http://schemas.openxmlformats.org/markup-compatibility/2006">
-        <mc:Choice xmlns:a14="http://schemas.microsoft.com/office/drawing/2010/main" Requires="a14">
+      <mc:AlternateContent xmlns:mc="http://schemas.openxmlformats.org/markup-compatibility/2006" xmlns:a14="http://schemas.microsoft.com/office/drawing/2010/main">
+        <mc:Choice Requires="a14">
           <p:sp>
             <p:nvSpPr>
               <p:cNvPr id="45" name="TextBox 44">
@@ -9780,13 +9859,7 @@
                             <a:rPr lang="fr-FR" i="1" noProof="0" smtClean="0">
                               <a:latin typeface="Cambria Math" panose="02040503050406030204" pitchFamily="18" charset="0"/>
                             </a:rPr>
-                            <m:t>𝜕</m:t>
-                          </m:r>
-                          <m:r>
-                            <a:rPr lang="fr-FR" i="1" noProof="0" smtClean="0">
-                              <a:latin typeface="Cambria Math" panose="02040503050406030204" pitchFamily="18" charset="0"/>
-                            </a:rPr>
-                            <m:t>𝜂</m:t>
+                            <m:t>𝜕𝜂</m:t>
                           </m:r>
                           <m:r>
                             <a:rPr lang="fr-FR" i="1" noProof="0">
@@ -9931,7 +10004,7 @@
             </p:txBody>
           </p:sp>
         </mc:Choice>
-        <mc:Fallback>
+        <mc:Fallback xmlns="">
           <p:sp>
             <p:nvSpPr>
               <p:cNvPr id="45" name="TextBox 44">
@@ -10094,8 +10167,8 @@
           <a:chExt cx="0" cy="0"/>
         </a:xfrm>
       </p:grpSpPr>
-      <mc:AlternateContent xmlns:mc="http://schemas.openxmlformats.org/markup-compatibility/2006">
-        <mc:Choice xmlns:a14="http://schemas.microsoft.com/office/drawing/2010/main" Requires="a14">
+      <mc:AlternateContent xmlns:mc="http://schemas.openxmlformats.org/markup-compatibility/2006" xmlns:a14="http://schemas.microsoft.com/office/drawing/2010/main">
+        <mc:Choice Requires="a14">
           <p:sp>
             <p:nvSpPr>
               <p:cNvPr id="2" name="TextBox 1">
@@ -10262,7 +10335,7 @@
             </p:txBody>
           </p:sp>
         </mc:Choice>
-        <mc:Fallback>
+        <mc:Fallback xmlns="">
           <p:sp>
             <p:nvSpPr>
               <p:cNvPr id="2" name="TextBox 1">
@@ -10354,8 +10427,8 @@
           </a:p>
         </p:txBody>
       </p:sp>
-      <mc:AlternateContent xmlns:mc="http://schemas.openxmlformats.org/markup-compatibility/2006">
-        <mc:Choice xmlns:a14="http://schemas.microsoft.com/office/drawing/2010/main" Requires="a14">
+      <mc:AlternateContent xmlns:mc="http://schemas.openxmlformats.org/markup-compatibility/2006" xmlns:a14="http://schemas.microsoft.com/office/drawing/2010/main">
+        <mc:Choice Requires="a14">
           <p:sp>
             <p:nvSpPr>
               <p:cNvPr id="7" name="TextBox 6">
@@ -10465,7 +10538,7 @@
             </p:txBody>
           </p:sp>
         </mc:Choice>
-        <mc:Fallback>
+        <mc:Fallback xmlns="">
           <p:sp>
             <p:nvSpPr>
               <p:cNvPr id="7" name="TextBox 6">
@@ -10510,8 +10583,8 @@
           </p:sp>
         </mc:Fallback>
       </mc:AlternateContent>
-      <mc:AlternateContent xmlns:mc="http://schemas.openxmlformats.org/markup-compatibility/2006">
-        <mc:Choice xmlns:a14="http://schemas.microsoft.com/office/drawing/2010/main" Requires="a14">
+      <mc:AlternateContent xmlns:mc="http://schemas.openxmlformats.org/markup-compatibility/2006" xmlns:a14="http://schemas.microsoft.com/office/drawing/2010/main">
+        <mc:Choice Requires="a14">
           <p:sp>
             <p:nvSpPr>
               <p:cNvPr id="8" name="TextBox 7">
@@ -10636,7 +10709,7 @@
             </p:txBody>
           </p:sp>
         </mc:Choice>
-        <mc:Fallback>
+        <mc:Fallback xmlns="">
           <p:sp>
             <p:nvSpPr>
               <p:cNvPr id="8" name="TextBox 7">
@@ -10827,8 +10900,8 @@
           </a:p>
         </p:txBody>
       </p:sp>
-      <mc:AlternateContent xmlns:mc="http://schemas.openxmlformats.org/markup-compatibility/2006">
-        <mc:Choice xmlns:a14="http://schemas.microsoft.com/office/drawing/2010/main" Requires="a14">
+      <mc:AlternateContent xmlns:mc="http://schemas.openxmlformats.org/markup-compatibility/2006" xmlns:a14="http://schemas.microsoft.com/office/drawing/2010/main">
+        <mc:Choice Requires="a14">
           <p:sp>
             <p:nvSpPr>
               <p:cNvPr id="3" name="TextBox 2">
@@ -10894,7 +10967,7 @@
             </p:txBody>
           </p:sp>
         </mc:Choice>
-        <mc:Fallback>
+        <mc:Fallback xmlns="">
           <p:sp>
             <p:nvSpPr>
               <p:cNvPr id="3" name="TextBox 2">
@@ -11260,8 +11333,8 @@
           </a:fontRef>
         </p:style>
       </p:cxnSp>
-      <mc:AlternateContent xmlns:mc="http://schemas.openxmlformats.org/markup-compatibility/2006">
-        <mc:Choice xmlns:a14="http://schemas.microsoft.com/office/drawing/2010/main" Requires="a14">
+      <mc:AlternateContent xmlns:mc="http://schemas.openxmlformats.org/markup-compatibility/2006" xmlns:a14="http://schemas.microsoft.com/office/drawing/2010/main">
+        <mc:Choice Requires="a14">
           <p:sp>
             <p:nvSpPr>
               <p:cNvPr id="27" name="TextBox 26">
@@ -11311,7 +11384,7 @@
             </p:txBody>
           </p:sp>
         </mc:Choice>
-        <mc:Fallback>
+        <mc:Fallback xmlns="">
           <p:sp>
             <p:nvSpPr>
               <p:cNvPr id="27" name="TextBox 26">
@@ -11356,8 +11429,8 @@
           </p:sp>
         </mc:Fallback>
       </mc:AlternateContent>
-      <mc:AlternateContent xmlns:mc="http://schemas.openxmlformats.org/markup-compatibility/2006">
-        <mc:Choice xmlns:a14="http://schemas.microsoft.com/office/drawing/2010/main" Requires="a14">
+      <mc:AlternateContent xmlns:mc="http://schemas.openxmlformats.org/markup-compatibility/2006" xmlns:a14="http://schemas.microsoft.com/office/drawing/2010/main">
+        <mc:Choice Requires="a14">
           <p:sp>
             <p:nvSpPr>
               <p:cNvPr id="28" name="TextBox 27">
@@ -11413,7 +11486,7 @@
             </p:txBody>
           </p:sp>
         </mc:Choice>
-        <mc:Fallback>
+        <mc:Fallback xmlns="">
           <p:sp>
             <p:nvSpPr>
               <p:cNvPr id="28" name="TextBox 27">
@@ -11458,8 +11531,8 @@
           </p:sp>
         </mc:Fallback>
       </mc:AlternateContent>
-      <mc:AlternateContent xmlns:mc="http://schemas.openxmlformats.org/markup-compatibility/2006">
-        <mc:Choice xmlns:a14="http://schemas.microsoft.com/office/drawing/2010/main" Requires="a14">
+      <mc:AlternateContent xmlns:mc="http://schemas.openxmlformats.org/markup-compatibility/2006" xmlns:a14="http://schemas.microsoft.com/office/drawing/2010/main">
+        <mc:Choice Requires="a14">
           <p:sp>
             <p:nvSpPr>
               <p:cNvPr id="29" name="TextBox 28">
@@ -11521,7 +11594,7 @@
             </p:txBody>
           </p:sp>
         </mc:Choice>
-        <mc:Fallback>
+        <mc:Fallback xmlns="">
           <p:sp>
             <p:nvSpPr>
               <p:cNvPr id="29" name="TextBox 28">
@@ -11566,8 +11639,8 @@
           </p:sp>
         </mc:Fallback>
       </mc:AlternateContent>
-      <mc:AlternateContent xmlns:mc="http://schemas.openxmlformats.org/markup-compatibility/2006">
-        <mc:Choice xmlns:a14="http://schemas.microsoft.com/office/drawing/2010/main" Requires="a14">
+      <mc:AlternateContent xmlns:mc="http://schemas.openxmlformats.org/markup-compatibility/2006" xmlns:a14="http://schemas.microsoft.com/office/drawing/2010/main">
+        <mc:Choice Requires="a14">
           <p:sp>
             <p:nvSpPr>
               <p:cNvPr id="30" name="TextBox 29">
@@ -11623,7 +11696,7 @@
             </p:txBody>
           </p:sp>
         </mc:Choice>
-        <mc:Fallback>
+        <mc:Fallback xmlns="">
           <p:sp>
             <p:nvSpPr>
               <p:cNvPr id="30" name="TextBox 29">
@@ -11668,8 +11741,8 @@
           </p:sp>
         </mc:Fallback>
       </mc:AlternateContent>
-      <mc:AlternateContent xmlns:mc="http://schemas.openxmlformats.org/markup-compatibility/2006">
-        <mc:Choice xmlns:a14="http://schemas.microsoft.com/office/drawing/2010/main" Requires="a14">
+      <mc:AlternateContent xmlns:mc="http://schemas.openxmlformats.org/markup-compatibility/2006" xmlns:a14="http://schemas.microsoft.com/office/drawing/2010/main">
+        <mc:Choice Requires="a14">
           <p:sp>
             <p:nvSpPr>
               <p:cNvPr id="31" name="TextBox 30">
@@ -11731,7 +11804,7 @@
             </p:txBody>
           </p:sp>
         </mc:Choice>
-        <mc:Fallback>
+        <mc:Fallback xmlns="">
           <p:sp>
             <p:nvSpPr>
               <p:cNvPr id="31" name="TextBox 30">
@@ -11823,8 +11896,8 @@
           </a:fontRef>
         </p:style>
       </p:cxnSp>
-      <mc:AlternateContent xmlns:mc="http://schemas.openxmlformats.org/markup-compatibility/2006">
-        <mc:Choice xmlns:a14="http://schemas.microsoft.com/office/drawing/2010/main" Requires="a14">
+      <mc:AlternateContent xmlns:mc="http://schemas.openxmlformats.org/markup-compatibility/2006" xmlns:a14="http://schemas.microsoft.com/office/drawing/2010/main">
+        <mc:Choice Requires="a14">
           <p:sp>
             <p:nvSpPr>
               <p:cNvPr id="34" name="TextBox 33">
@@ -11949,7 +12022,7 @@
             </p:txBody>
           </p:sp>
         </mc:Choice>
-        <mc:Fallback>
+        <mc:Fallback xmlns="">
           <p:sp>
             <p:nvSpPr>
               <p:cNvPr id="34" name="TextBox 33">
@@ -12108,8 +12181,8 @@
           </a:p>
         </p:txBody>
       </p:sp>
-      <mc:AlternateContent xmlns:mc="http://schemas.openxmlformats.org/markup-compatibility/2006">
-        <mc:Choice xmlns:a14="http://schemas.microsoft.com/office/drawing/2010/main" Requires="a14">
+      <mc:AlternateContent xmlns:mc="http://schemas.openxmlformats.org/markup-compatibility/2006" xmlns:a14="http://schemas.microsoft.com/office/drawing/2010/main">
+        <mc:Choice Requires="a14">
           <p:sp>
             <p:nvSpPr>
               <p:cNvPr id="5" name="TextBox 4">
@@ -12325,7 +12398,7 @@
             </p:txBody>
           </p:sp>
         </mc:Choice>
-        <mc:Fallback>
+        <mc:Fallback xmlns="">
           <p:sp>
             <p:nvSpPr>
               <p:cNvPr id="5" name="TextBox 4">
@@ -12370,8 +12443,8 @@
           </p:sp>
         </mc:Fallback>
       </mc:AlternateContent>
-      <mc:AlternateContent xmlns:mc="http://schemas.openxmlformats.org/markup-compatibility/2006">
-        <mc:Choice xmlns:a14="http://schemas.microsoft.com/office/drawing/2010/main" Requires="a14">
+      <mc:AlternateContent xmlns:mc="http://schemas.openxmlformats.org/markup-compatibility/2006" xmlns:a14="http://schemas.microsoft.com/office/drawing/2010/main">
+        <mc:Choice Requires="a14">
           <p:sp>
             <p:nvSpPr>
               <p:cNvPr id="6" name="TextBox 5">
@@ -12488,7 +12561,7 @@
             </p:txBody>
           </p:sp>
         </mc:Choice>
-        <mc:Fallback>
+        <mc:Fallback xmlns="">
           <p:sp>
             <p:nvSpPr>
               <p:cNvPr id="6" name="TextBox 5">
@@ -12533,8 +12606,8 @@
           </p:sp>
         </mc:Fallback>
       </mc:AlternateContent>
-      <mc:AlternateContent xmlns:mc="http://schemas.openxmlformats.org/markup-compatibility/2006">
-        <mc:Choice xmlns:a14="http://schemas.microsoft.com/office/drawing/2010/main" Requires="a14">
+      <mc:AlternateContent xmlns:mc="http://schemas.openxmlformats.org/markup-compatibility/2006" xmlns:a14="http://schemas.microsoft.com/office/drawing/2010/main">
+        <mc:Choice Requires="a14">
           <p:sp>
             <p:nvSpPr>
               <p:cNvPr id="7" name="TextBox 6">
@@ -12700,7 +12773,7 @@
             </p:txBody>
           </p:sp>
         </mc:Choice>
-        <mc:Fallback>
+        <mc:Fallback xmlns="">
           <p:sp>
             <p:nvSpPr>
               <p:cNvPr id="7" name="TextBox 6">
@@ -12745,8 +12818,8 @@
           </p:sp>
         </mc:Fallback>
       </mc:AlternateContent>
-      <mc:AlternateContent xmlns:mc="http://schemas.openxmlformats.org/markup-compatibility/2006">
-        <mc:Choice xmlns:a14="http://schemas.microsoft.com/office/drawing/2010/main" Requires="a14">
+      <mc:AlternateContent xmlns:mc="http://schemas.openxmlformats.org/markup-compatibility/2006" xmlns:a14="http://schemas.microsoft.com/office/drawing/2010/main">
+        <mc:Choice Requires="a14">
           <p:sp>
             <p:nvSpPr>
               <p:cNvPr id="9" name="TextBox 8">
@@ -12952,7 +13025,7 @@
             </p:txBody>
           </p:sp>
         </mc:Choice>
-        <mc:Fallback>
+        <mc:Fallback xmlns="">
           <p:sp>
             <p:nvSpPr>
               <p:cNvPr id="9" name="TextBox 8">
@@ -12997,8 +13070,8 @@
           </p:sp>
         </mc:Fallback>
       </mc:AlternateContent>
-      <mc:AlternateContent xmlns:mc="http://schemas.openxmlformats.org/markup-compatibility/2006">
-        <mc:Choice xmlns:a14="http://schemas.microsoft.com/office/drawing/2010/main" Requires="a14">
+      <mc:AlternateContent xmlns:mc="http://schemas.openxmlformats.org/markup-compatibility/2006" xmlns:a14="http://schemas.microsoft.com/office/drawing/2010/main">
+        <mc:Choice Requires="a14">
           <p:sp>
             <p:nvSpPr>
               <p:cNvPr id="10" name="TextBox 9">
@@ -13171,7 +13244,7 @@
             </p:txBody>
           </p:sp>
         </mc:Choice>
-        <mc:Fallback>
+        <mc:Fallback xmlns="">
           <p:sp>
             <p:nvSpPr>
               <p:cNvPr id="10" name="TextBox 9">
@@ -13216,8 +13289,8 @@
           </p:sp>
         </mc:Fallback>
       </mc:AlternateContent>
-      <mc:AlternateContent xmlns:mc="http://schemas.openxmlformats.org/markup-compatibility/2006">
-        <mc:Choice xmlns:a14="http://schemas.microsoft.com/office/drawing/2010/main" Requires="a14">
+      <mc:AlternateContent xmlns:mc="http://schemas.openxmlformats.org/markup-compatibility/2006" xmlns:a14="http://schemas.microsoft.com/office/drawing/2010/main">
+        <mc:Choice Requires="a14">
           <p:sp>
             <p:nvSpPr>
               <p:cNvPr id="11" name="TextBox 10">
@@ -13414,7 +13487,7 @@
             </p:txBody>
           </p:sp>
         </mc:Choice>
-        <mc:Fallback>
+        <mc:Fallback xmlns="">
           <p:sp>
             <p:nvSpPr>
               <p:cNvPr id="11" name="TextBox 10">
@@ -13498,8 +13571,8 @@
           </a:p>
         </p:txBody>
       </p:sp>
-      <mc:AlternateContent xmlns:mc="http://schemas.openxmlformats.org/markup-compatibility/2006">
-        <mc:Choice xmlns:a14="http://schemas.microsoft.com/office/drawing/2010/main" Requires="a14">
+      <mc:AlternateContent xmlns:mc="http://schemas.openxmlformats.org/markup-compatibility/2006" xmlns:a14="http://schemas.microsoft.com/office/drawing/2010/main">
+        <mc:Choice Requires="a14">
           <p:sp>
             <p:nvSpPr>
               <p:cNvPr id="13" name="TextBox 12">
@@ -13949,7 +14022,7 @@
             </p:txBody>
           </p:sp>
         </mc:Choice>
-        <mc:Fallback>
+        <mc:Fallback xmlns="">
           <p:sp>
             <p:nvSpPr>
               <p:cNvPr id="13" name="TextBox 12">
@@ -14033,8 +14106,8 @@
           </a:p>
         </p:txBody>
       </p:sp>
-      <mc:AlternateContent xmlns:mc="http://schemas.openxmlformats.org/markup-compatibility/2006">
-        <mc:Choice xmlns:a14="http://schemas.microsoft.com/office/drawing/2010/main" Requires="a14">
+      <mc:AlternateContent xmlns:mc="http://schemas.openxmlformats.org/markup-compatibility/2006" xmlns:a14="http://schemas.microsoft.com/office/drawing/2010/main">
+        <mc:Choice Requires="a14">
           <p:sp>
             <p:nvSpPr>
               <p:cNvPr id="16" name="TextBox 15">
@@ -14310,7 +14383,7 @@
             </p:txBody>
           </p:sp>
         </mc:Choice>
-        <mc:Fallback>
+        <mc:Fallback xmlns="">
           <p:sp>
             <p:nvSpPr>
               <p:cNvPr id="16" name="TextBox 15">
@@ -14394,8 +14467,8 @@
           </a:p>
         </p:txBody>
       </p:sp>
-      <mc:AlternateContent xmlns:mc="http://schemas.openxmlformats.org/markup-compatibility/2006">
-        <mc:Choice xmlns:a14="http://schemas.microsoft.com/office/drawing/2010/main" Requires="a14">
+      <mc:AlternateContent xmlns:mc="http://schemas.openxmlformats.org/markup-compatibility/2006" xmlns:a14="http://schemas.microsoft.com/office/drawing/2010/main">
+        <mc:Choice Requires="a14">
           <p:sp>
             <p:nvSpPr>
               <p:cNvPr id="18" name="TextBox 17">
@@ -14484,7 +14557,7 @@
             </p:txBody>
           </p:sp>
         </mc:Choice>
-        <mc:Fallback>
+        <mc:Fallback xmlns="">
           <p:sp>
             <p:nvSpPr>
               <p:cNvPr id="18" name="TextBox 17">
@@ -14529,8 +14602,8 @@
           </p:sp>
         </mc:Fallback>
       </mc:AlternateContent>
-      <mc:AlternateContent xmlns:mc="http://schemas.openxmlformats.org/markup-compatibility/2006">
-        <mc:Choice xmlns:a14="http://schemas.microsoft.com/office/drawing/2010/main" Requires="a14">
+      <mc:AlternateContent xmlns:mc="http://schemas.openxmlformats.org/markup-compatibility/2006" xmlns:a14="http://schemas.microsoft.com/office/drawing/2010/main">
+        <mc:Choice Requires="a14">
           <p:sp>
             <p:nvSpPr>
               <p:cNvPr id="19" name="TextBox 18">
@@ -14645,7 +14718,7 @@
             </p:txBody>
           </p:sp>
         </mc:Choice>
-        <mc:Fallback>
+        <mc:Fallback xmlns="">
           <p:sp>
             <p:nvSpPr>
               <p:cNvPr id="19" name="TextBox 18">
@@ -14690,8 +14763,8 @@
           </p:sp>
         </mc:Fallback>
       </mc:AlternateContent>
-      <mc:AlternateContent xmlns:mc="http://schemas.openxmlformats.org/markup-compatibility/2006">
-        <mc:Choice xmlns:a14="http://schemas.microsoft.com/office/drawing/2010/main" Requires="a14">
+      <mc:AlternateContent xmlns:mc="http://schemas.openxmlformats.org/markup-compatibility/2006" xmlns:a14="http://schemas.microsoft.com/office/drawing/2010/main">
+        <mc:Choice Requires="a14">
           <p:sp>
             <p:nvSpPr>
               <p:cNvPr id="20" name="TextBox 19">
@@ -14960,7 +15033,7 @@
             </p:txBody>
           </p:sp>
         </mc:Choice>
-        <mc:Fallback>
+        <mc:Fallback xmlns="">
           <p:sp>
             <p:nvSpPr>
               <p:cNvPr id="20" name="TextBox 19">
@@ -15044,8 +15117,8 @@
           </a:p>
         </p:txBody>
       </p:sp>
-      <mc:AlternateContent xmlns:mc="http://schemas.openxmlformats.org/markup-compatibility/2006">
-        <mc:Choice xmlns:a14="http://schemas.microsoft.com/office/drawing/2010/main" Requires="a14">
+      <mc:AlternateContent xmlns:mc="http://schemas.openxmlformats.org/markup-compatibility/2006" xmlns:a14="http://schemas.microsoft.com/office/drawing/2010/main">
+        <mc:Choice Requires="a14">
           <p:sp>
             <p:nvSpPr>
               <p:cNvPr id="22" name="TextBox 21">
@@ -15305,7 +15378,7 @@
             </p:txBody>
           </p:sp>
         </mc:Choice>
-        <mc:Fallback>
+        <mc:Fallback xmlns="">
           <p:sp>
             <p:nvSpPr>
               <p:cNvPr id="22" name="TextBox 21">
@@ -15761,8 +15834,8 @@
           </a:p>
         </p:txBody>
       </p:sp>
-      <mc:AlternateContent xmlns:mc="http://schemas.openxmlformats.org/markup-compatibility/2006">
-        <mc:Choice xmlns:a14="http://schemas.microsoft.com/office/drawing/2010/main" Requires="a14">
+      <mc:AlternateContent xmlns:mc="http://schemas.openxmlformats.org/markup-compatibility/2006" xmlns:a14="http://schemas.microsoft.com/office/drawing/2010/main">
+        <mc:Choice Requires="a14">
           <p:sp>
             <p:nvSpPr>
               <p:cNvPr id="6" name="TextBox 5">
@@ -15970,7 +16043,7 @@
             </p:txBody>
           </p:sp>
         </mc:Choice>
-        <mc:Fallback>
+        <mc:Fallback xmlns="">
           <p:sp>
             <p:nvSpPr>
               <p:cNvPr id="6" name="TextBox 5">
@@ -16015,8 +16088,8 @@
           </p:sp>
         </mc:Fallback>
       </mc:AlternateContent>
-      <mc:AlternateContent xmlns:mc="http://schemas.openxmlformats.org/markup-compatibility/2006">
-        <mc:Choice xmlns:a14="http://schemas.microsoft.com/office/drawing/2010/main" Requires="a14">
+      <mc:AlternateContent xmlns:mc="http://schemas.openxmlformats.org/markup-compatibility/2006" xmlns:a14="http://schemas.microsoft.com/office/drawing/2010/main">
+        <mc:Choice Requires="a14">
           <p:sp>
             <p:nvSpPr>
               <p:cNvPr id="7" name="TextBox 6">
@@ -16286,7 +16359,7 @@
             </p:txBody>
           </p:sp>
         </mc:Choice>
-        <mc:Fallback>
+        <mc:Fallback xmlns="">
           <p:sp>
             <p:nvSpPr>
               <p:cNvPr id="7" name="TextBox 6">
@@ -16448,8 +16521,8 @@
           </a:p>
         </p:txBody>
       </p:sp>
-      <mc:AlternateContent xmlns:mc="http://schemas.openxmlformats.org/markup-compatibility/2006">
-        <mc:Choice xmlns:a14="http://schemas.microsoft.com/office/drawing/2010/main" Requires="a14">
+      <mc:AlternateContent xmlns:mc="http://schemas.openxmlformats.org/markup-compatibility/2006" xmlns:a14="http://schemas.microsoft.com/office/drawing/2010/main">
+        <mc:Choice Requires="a14">
           <p:sp>
             <p:nvSpPr>
               <p:cNvPr id="11" name="TextBox 10">
@@ -17107,7 +17180,7 @@
             </p:txBody>
           </p:sp>
         </mc:Choice>
-        <mc:Fallback>
+        <mc:Fallback xmlns="">
           <p:sp>
             <p:nvSpPr>
               <p:cNvPr id="11" name="TextBox 10">
@@ -17152,8 +17225,8 @@
           </p:sp>
         </mc:Fallback>
       </mc:AlternateContent>
-      <mc:AlternateContent xmlns:mc="http://schemas.openxmlformats.org/markup-compatibility/2006">
-        <mc:Choice xmlns:a14="http://schemas.microsoft.com/office/drawing/2010/main" Requires="a14">
+      <mc:AlternateContent xmlns:mc="http://schemas.openxmlformats.org/markup-compatibility/2006" xmlns:a14="http://schemas.microsoft.com/office/drawing/2010/main">
+        <mc:Choice Requires="a14">
           <p:sp>
             <p:nvSpPr>
               <p:cNvPr id="12" name="TextBox 11">
@@ -17220,7 +17293,7 @@
             </p:txBody>
           </p:sp>
         </mc:Choice>
-        <mc:Fallback>
+        <mc:Fallback xmlns="">
           <p:sp>
             <p:nvSpPr>
               <p:cNvPr id="12" name="TextBox 11">
@@ -17265,8 +17338,8 @@
           </p:sp>
         </mc:Fallback>
       </mc:AlternateContent>
-      <mc:AlternateContent xmlns:mc="http://schemas.openxmlformats.org/markup-compatibility/2006">
-        <mc:Choice xmlns:a14="http://schemas.microsoft.com/office/drawing/2010/main" Requires="a14">
+      <mc:AlternateContent xmlns:mc="http://schemas.openxmlformats.org/markup-compatibility/2006" xmlns:a14="http://schemas.microsoft.com/office/drawing/2010/main">
+        <mc:Choice Requires="a14">
           <p:sp>
             <p:nvSpPr>
               <p:cNvPr id="14" name="TextBox 13">
@@ -18987,7 +19060,7 @@
             </p:txBody>
           </p:sp>
         </mc:Choice>
-        <mc:Fallback>
+        <mc:Fallback xmlns="">
           <p:sp>
             <p:nvSpPr>
               <p:cNvPr id="14" name="TextBox 13">
@@ -19032,8 +19105,8 @@
           </p:sp>
         </mc:Fallback>
       </mc:AlternateContent>
-      <mc:AlternateContent xmlns:mc="http://schemas.openxmlformats.org/markup-compatibility/2006">
-        <mc:Choice xmlns:a14="http://schemas.microsoft.com/office/drawing/2010/main" Requires="a14">
+      <mc:AlternateContent xmlns:mc="http://schemas.openxmlformats.org/markup-compatibility/2006" xmlns:a14="http://schemas.microsoft.com/office/drawing/2010/main">
+        <mc:Choice Requires="a14">
           <p:sp>
             <p:nvSpPr>
               <p:cNvPr id="13" name="TextBox 12">
@@ -19336,7 +19409,7 @@
             </p:txBody>
           </p:sp>
         </mc:Choice>
-        <mc:Fallback>
+        <mc:Fallback xmlns="">
           <p:sp>
             <p:nvSpPr>
               <p:cNvPr id="13" name="TextBox 12">
@@ -19381,8 +19454,8 @@
           </p:sp>
         </mc:Fallback>
       </mc:AlternateContent>
-      <mc:AlternateContent xmlns:mc="http://schemas.openxmlformats.org/markup-compatibility/2006">
-        <mc:Choice xmlns:a14="http://schemas.microsoft.com/office/drawing/2010/main" Requires="a14">
+      <mc:AlternateContent xmlns:mc="http://schemas.openxmlformats.org/markup-compatibility/2006" xmlns:a14="http://schemas.microsoft.com/office/drawing/2010/main">
+        <mc:Choice Requires="a14">
           <p:sp>
             <p:nvSpPr>
               <p:cNvPr id="15" name="TextBox 14">
@@ -20676,7 +20749,7 @@
             </p:txBody>
           </p:sp>
         </mc:Choice>
-        <mc:Fallback>
+        <mc:Fallback xmlns="">
           <p:sp>
             <p:nvSpPr>
               <p:cNvPr id="15" name="TextBox 14">
@@ -21299,8 +21372,8 @@
           </a:p>
         </p:txBody>
       </p:sp>
-      <mc:AlternateContent xmlns:mc="http://schemas.openxmlformats.org/markup-compatibility/2006">
-        <mc:Choice xmlns:a14="http://schemas.microsoft.com/office/drawing/2010/main" Requires="a14">
+      <mc:AlternateContent xmlns:mc="http://schemas.openxmlformats.org/markup-compatibility/2006" xmlns:a14="http://schemas.microsoft.com/office/drawing/2010/main">
+        <mc:Choice Requires="a14">
           <p:sp>
             <p:nvSpPr>
               <p:cNvPr id="25" name="TextBox 24">
@@ -21451,7 +21524,7 @@
             </p:txBody>
           </p:sp>
         </mc:Choice>
-        <mc:Fallback>
+        <mc:Fallback xmlns="">
           <p:sp>
             <p:nvSpPr>
               <p:cNvPr id="25" name="TextBox 24">
@@ -21756,8 +21829,8 @@
           </a:p>
         </p:txBody>
       </p:sp>
-      <mc:AlternateContent xmlns:mc="http://schemas.openxmlformats.org/markup-compatibility/2006">
-        <mc:Choice xmlns:a14="http://schemas.microsoft.com/office/drawing/2010/main" Requires="a14">
+      <mc:AlternateContent xmlns:mc="http://schemas.openxmlformats.org/markup-compatibility/2006" xmlns:a14="http://schemas.microsoft.com/office/drawing/2010/main">
+        <mc:Choice Requires="a14">
           <p:sp>
             <p:nvSpPr>
               <p:cNvPr id="13" name="TextBox 12">
@@ -21851,7 +21924,7 @@
             </p:txBody>
           </p:sp>
         </mc:Choice>
-        <mc:Fallback>
+        <mc:Fallback xmlns="">
           <p:sp>
             <p:nvSpPr>
               <p:cNvPr id="13" name="TextBox 12">
@@ -21896,8 +21969,8 @@
           </p:sp>
         </mc:Fallback>
       </mc:AlternateContent>
-      <mc:AlternateContent xmlns:mc="http://schemas.openxmlformats.org/markup-compatibility/2006">
-        <mc:Choice xmlns:a14="http://schemas.microsoft.com/office/drawing/2010/main" Requires="a14">
+      <mc:AlternateContent xmlns:mc="http://schemas.openxmlformats.org/markup-compatibility/2006" xmlns:a14="http://schemas.microsoft.com/office/drawing/2010/main">
+        <mc:Choice Requires="a14">
           <p:sp>
             <p:nvSpPr>
               <p:cNvPr id="14" name="TextBox 13">
@@ -21984,7 +22057,7 @@
             </p:txBody>
           </p:sp>
         </mc:Choice>
-        <mc:Fallback>
+        <mc:Fallback xmlns="">
           <p:sp>
             <p:nvSpPr>
               <p:cNvPr id="14" name="TextBox 13">
@@ -22029,8 +22102,8 @@
           </p:sp>
         </mc:Fallback>
       </mc:AlternateContent>
-      <mc:AlternateContent xmlns:mc="http://schemas.openxmlformats.org/markup-compatibility/2006">
-        <mc:Choice xmlns:a14="http://schemas.microsoft.com/office/drawing/2010/main" Requires="a14">
+      <mc:AlternateContent xmlns:mc="http://schemas.openxmlformats.org/markup-compatibility/2006" xmlns:a14="http://schemas.microsoft.com/office/drawing/2010/main">
+        <mc:Choice Requires="a14">
           <p:sp>
             <p:nvSpPr>
               <p:cNvPr id="15" name="TextBox 14">
@@ -22131,7 +22204,7 @@
             </p:txBody>
           </p:sp>
         </mc:Choice>
-        <mc:Fallback>
+        <mc:Fallback xmlns="">
           <p:sp>
             <p:nvSpPr>
               <p:cNvPr id="15" name="TextBox 14">
@@ -22176,8 +22249,8 @@
           </p:sp>
         </mc:Fallback>
       </mc:AlternateContent>
-      <mc:AlternateContent xmlns:mc="http://schemas.openxmlformats.org/markup-compatibility/2006">
-        <mc:Choice xmlns:a14="http://schemas.microsoft.com/office/drawing/2010/main" Requires="a14">
+      <mc:AlternateContent xmlns:mc="http://schemas.openxmlformats.org/markup-compatibility/2006" xmlns:a14="http://schemas.microsoft.com/office/drawing/2010/main">
+        <mc:Choice Requires="a14">
           <p:sp>
             <p:nvSpPr>
               <p:cNvPr id="16" name="TextBox 15">
@@ -22373,7 +22446,7 @@
             </p:txBody>
           </p:sp>
         </mc:Choice>
-        <mc:Fallback>
+        <mc:Fallback xmlns="">
           <p:sp>
             <p:nvSpPr>
               <p:cNvPr id="16" name="TextBox 15">
@@ -22532,8 +22605,8 @@
           </a:p>
         </p:txBody>
       </p:sp>
-      <mc:AlternateContent xmlns:mc="http://schemas.openxmlformats.org/markup-compatibility/2006">
-        <mc:Choice xmlns:a14="http://schemas.microsoft.com/office/drawing/2010/main" Requires="a14">
+      <mc:AlternateContent xmlns:mc="http://schemas.openxmlformats.org/markup-compatibility/2006" xmlns:a14="http://schemas.microsoft.com/office/drawing/2010/main">
+        <mc:Choice Requires="a14">
           <p:sp>
             <p:nvSpPr>
               <p:cNvPr id="11" name="TextBox 10">
@@ -22634,7 +22707,7 @@
             </p:txBody>
           </p:sp>
         </mc:Choice>
-        <mc:Fallback>
+        <mc:Fallback xmlns="">
           <p:sp>
             <p:nvSpPr>
               <p:cNvPr id="11" name="TextBox 10">
@@ -22679,8 +22752,8 @@
           </p:sp>
         </mc:Fallback>
       </mc:AlternateContent>
-      <mc:AlternateContent xmlns:mc="http://schemas.openxmlformats.org/markup-compatibility/2006">
-        <mc:Choice xmlns:a14="http://schemas.microsoft.com/office/drawing/2010/main" Requires="a14">
+      <mc:AlternateContent xmlns:mc="http://schemas.openxmlformats.org/markup-compatibility/2006" xmlns:a14="http://schemas.microsoft.com/office/drawing/2010/main">
+        <mc:Choice Requires="a14">
           <p:sp>
             <p:nvSpPr>
               <p:cNvPr id="12" name="TextBox 11">
@@ -22774,7 +22847,7 @@
             </p:txBody>
           </p:sp>
         </mc:Choice>
-        <mc:Fallback>
+        <mc:Fallback xmlns="">
           <p:sp>
             <p:nvSpPr>
               <p:cNvPr id="12" name="TextBox 11">
@@ -22819,8 +22892,8 @@
           </p:sp>
         </mc:Fallback>
       </mc:AlternateContent>
-      <mc:AlternateContent xmlns:mc="http://schemas.openxmlformats.org/markup-compatibility/2006">
-        <mc:Choice xmlns:a14="http://schemas.microsoft.com/office/drawing/2010/main" Requires="a14">
+      <mc:AlternateContent xmlns:mc="http://schemas.openxmlformats.org/markup-compatibility/2006" xmlns:a14="http://schemas.microsoft.com/office/drawing/2010/main">
+        <mc:Choice Requires="a14">
           <p:sp>
             <p:nvSpPr>
               <p:cNvPr id="17" name="TextBox 16">
@@ -22921,7 +22994,7 @@
             </p:txBody>
           </p:sp>
         </mc:Choice>
-        <mc:Fallback>
+        <mc:Fallback xmlns="">
           <p:sp>
             <p:nvSpPr>
               <p:cNvPr id="17" name="TextBox 16">
@@ -23223,8 +23296,8 @@
           </a:p>
         </p:txBody>
       </p:sp>
-      <mc:AlternateContent xmlns:mc="http://schemas.openxmlformats.org/markup-compatibility/2006">
-        <mc:Choice xmlns:a14="http://schemas.microsoft.com/office/drawing/2010/main" Requires="a14">
+      <mc:AlternateContent xmlns:mc="http://schemas.openxmlformats.org/markup-compatibility/2006" xmlns:a14="http://schemas.microsoft.com/office/drawing/2010/main">
+        <mc:Choice Requires="a14">
           <p:sp>
             <p:nvSpPr>
               <p:cNvPr id="6" name="TextBox 5">
@@ -23444,7 +23517,7 @@
             </p:txBody>
           </p:sp>
         </mc:Choice>
-        <mc:Fallback>
+        <mc:Fallback xmlns="">
           <p:sp>
             <p:nvSpPr>
               <p:cNvPr id="6" name="TextBox 5">
@@ -23489,8 +23562,8 @@
           </p:sp>
         </mc:Fallback>
       </mc:AlternateContent>
-      <mc:AlternateContent xmlns:mc="http://schemas.openxmlformats.org/markup-compatibility/2006">
-        <mc:Choice xmlns:a14="http://schemas.microsoft.com/office/drawing/2010/main" Requires="a14">
+      <mc:AlternateContent xmlns:mc="http://schemas.openxmlformats.org/markup-compatibility/2006" xmlns:a14="http://schemas.microsoft.com/office/drawing/2010/main">
+        <mc:Choice Requires="a14">
           <p:sp>
             <p:nvSpPr>
               <p:cNvPr id="7" name="TextBox 6">
@@ -23760,7 +23833,7 @@
             </p:txBody>
           </p:sp>
         </mc:Choice>
-        <mc:Fallback>
+        <mc:Fallback xmlns="">
           <p:sp>
             <p:nvSpPr>
               <p:cNvPr id="7" name="TextBox 6">
@@ -23922,8 +23995,8 @@
           </a:p>
         </p:txBody>
       </p:sp>
-      <mc:AlternateContent xmlns:mc="http://schemas.openxmlformats.org/markup-compatibility/2006">
-        <mc:Choice xmlns:a14="http://schemas.microsoft.com/office/drawing/2010/main" Requires="a14">
+      <mc:AlternateContent xmlns:mc="http://schemas.openxmlformats.org/markup-compatibility/2006" xmlns:a14="http://schemas.microsoft.com/office/drawing/2010/main">
+        <mc:Choice Requires="a14">
           <p:sp>
             <p:nvSpPr>
               <p:cNvPr id="11" name="TextBox 10">
@@ -24595,7 +24668,7 @@
             </p:txBody>
           </p:sp>
         </mc:Choice>
-        <mc:Fallback>
+        <mc:Fallback xmlns="">
           <p:sp>
             <p:nvSpPr>
               <p:cNvPr id="11" name="TextBox 10">
@@ -24718,8 +24791,8 @@
           </a:p>
         </p:txBody>
       </p:sp>
-      <mc:AlternateContent xmlns:mc="http://schemas.openxmlformats.org/markup-compatibility/2006">
-        <mc:Choice xmlns:a14="http://schemas.microsoft.com/office/drawing/2010/main" Requires="a14">
+      <mc:AlternateContent xmlns:mc="http://schemas.openxmlformats.org/markup-compatibility/2006" xmlns:a14="http://schemas.microsoft.com/office/drawing/2010/main">
+        <mc:Choice Requires="a14">
           <p:sp>
             <p:nvSpPr>
               <p:cNvPr id="17" name="TextBox 16">
@@ -24809,7 +24882,7 @@
             </p:txBody>
           </p:sp>
         </mc:Choice>
-        <mc:Fallback>
+        <mc:Fallback xmlns="">
           <p:sp>
             <p:nvSpPr>
               <p:cNvPr id="17" name="TextBox 16">
@@ -25161,8 +25234,8 @@
           </a:p>
         </p:txBody>
       </p:sp>
-      <mc:AlternateContent xmlns:mc="http://schemas.openxmlformats.org/markup-compatibility/2006">
-        <mc:Choice xmlns:a14="http://schemas.microsoft.com/office/drawing/2010/main" Requires="a14">
+      <mc:AlternateContent xmlns:mc="http://schemas.openxmlformats.org/markup-compatibility/2006" xmlns:a14="http://schemas.microsoft.com/office/drawing/2010/main">
+        <mc:Choice Requires="a14">
           <p:sp>
             <p:nvSpPr>
               <p:cNvPr id="18" name="TextBox 17">
@@ -25542,7 +25615,7 @@
             </p:txBody>
           </p:sp>
         </mc:Choice>
-        <mc:Fallback>
+        <mc:Fallback xmlns="">
           <p:sp>
             <p:nvSpPr>
               <p:cNvPr id="18" name="TextBox 17">
@@ -25919,7 +25992,7 @@
                     <a:latin typeface="Times New Roman" panose="02020603050405020304" pitchFamily="18" charset="0"/>
                     <a:cs typeface="Times New Roman" panose="02020603050405020304" pitchFamily="18" charset="0"/>
                   </a:rPr>
-                  <a:t>Très clairement et à la vue de ces résultats, on ne peut parler de convergence asymptotique. Aussi surprenant cela peut il paraitre, ces résultats ne semblent pas provenir d’un bug dans le code Python. En effet, il semble seulement que les résultats soient « trop » bon – ce que nous avions pu souligner déjà avec le résultat pour 5 nœuds. </a:t>
+                  <a:t>Très clairement et à la vue de ces résultats, on ne peut parler de convergence asymptotique. Aussi surprenant cela puisse paraitre, ces résultats ne semblent pas provenir d’un bug dans le code Python. En effet, il semble seulement que les résultats soient « trop » bon – ce que nous avions pu souligner déjà avec le résultat pour 5 nœuds. </a:t>
                 </a:r>
               </a:p>
               <a:p>
@@ -26077,7 +26150,7 @@
               <a:lstStyle/>
               <a:p>
                 <a:r>
-                  <a:rPr lang="en-GB">
+                  <a:rPr lang="fr-FR">
                     <a:noFill/>
                   </a:rPr>
                   <a:t> </a:t>
@@ -26162,7 +26235,7 @@
                     <a:latin typeface="Times New Roman" panose="02020603050405020304" pitchFamily="18" charset="0"/>
                     <a:cs typeface="Times New Roman" panose="02020603050405020304" pitchFamily="18" charset="0"/>
                   </a:rPr>
-                  <a:t>Comme mentionné en cours, on peut remarquer qu’à mesure que le nombre de points augmentent, l’erreur se met à re-augmenter. Cela signifie que l’erreur de discrétisation jusqu’à présent (pour </a:t>
+                  <a:t>Comme mentionné en cours, on peut remarquer qu’à mesure que le nombre de points augmentent, l’erreur se met à re-augmenter (pour </a:t>
                 </a:r>
                 <a14:m>
                   <m:oMath xmlns:m="http://schemas.openxmlformats.org/officeDocument/2006/math">
@@ -26240,7 +26313,7 @@
                     <a:latin typeface="Times New Roman" panose="02020603050405020304" pitchFamily="18" charset="0"/>
                     <a:cs typeface="Times New Roman" panose="02020603050405020304" pitchFamily="18" charset="0"/>
                   </a:rPr>
-                  <a:t>) dominé les autres, choses qui n’est plus le cas après. Il semble donc que les autres erreurs deviennent non négligeables. On suppose qu’il s’agit plus précisément de </a:t>
+                  <a:t>). Il semble donc que les autres erreurs ne sont plus négligeables devant l’erreur de discrétisation, qui était dominante jusqu’à présent. On suppose qu’il s’agit plus précisément de </a:t>
                 </a:r>
                 <a:r>
                   <a:rPr lang="fr-FR" b="1" noProof="0" dirty="0">
@@ -26254,7 +26327,7 @@
                     <a:latin typeface="Times New Roman" panose="02020603050405020304" pitchFamily="18" charset="0"/>
                     <a:cs typeface="Times New Roman" panose="02020603050405020304" pitchFamily="18" charset="0"/>
                   </a:rPr>
-                  <a:t>. En effet, plus il y a de points et plus il y a de transmission d’erreurs lors des calculs, impliquant donc une croissance de ces derniers à mesure que le maillage se raffine. </a:t>
+                  <a:t> qui intervient ici. En effet, plus il y a de points et plus il y a propagation d’erreurs lors des calculs, impliquant donc une croissance de ces dernières à mesure que le maillage se raffine. </a:t>
                 </a:r>
               </a:p>
             </p:txBody>
@@ -26295,7 +26368,7 @@
               <a:lstStyle/>
               <a:p>
                 <a:r>
-                  <a:rPr lang="en-GB">
+                  <a:rPr lang="fr-FR">
                     <a:noFill/>
                   </a:rPr>
                   <a:t> </a:t>

--- a/doc/Rapport_Devoir1.pptx
+++ b/doc/Rapport_Devoir1.pptx
@@ -1835,7 +1835,7 @@
           <a:p>
             <a:fld id="{6CA8F5A3-1210-481E-B98C-38D1ADA5BAE1}" type="slidenum">
               <a:rPr lang="en-GB" smtClean="0"/>
-              <a:t>‹#›</a:t>
+              <a:t>‹N°›</a:t>
             </a:fld>
             <a:endParaRPr lang="en-GB"/>
           </a:p>
@@ -2231,7 +2231,7 @@
           <a:p>
             <a:fld id="{74DDA11D-2719-4AB3-AAA7-DB2910A56E08}" type="slidenum">
               <a:rPr lang="en-GB" smtClean="0"/>
-              <a:t>‹#›</a:t>
+              <a:t>‹N°›</a:t>
             </a:fld>
             <a:endParaRPr lang="en-GB"/>
           </a:p>
@@ -2431,7 +2431,7 @@
           <a:p>
             <a:fld id="{74DDA11D-2719-4AB3-AAA7-DB2910A56E08}" type="slidenum">
               <a:rPr lang="en-GB" smtClean="0"/>
-              <a:t>‹#›</a:t>
+              <a:t>‹N°›</a:t>
             </a:fld>
             <a:endParaRPr lang="en-GB"/>
           </a:p>
@@ -2641,7 +2641,7 @@
           <a:p>
             <a:fld id="{74DDA11D-2719-4AB3-AAA7-DB2910A56E08}" type="slidenum">
               <a:rPr lang="en-GB" smtClean="0"/>
-              <a:t>‹#›</a:t>
+              <a:t>‹N°›</a:t>
             </a:fld>
             <a:endParaRPr lang="en-GB"/>
           </a:p>
@@ -2841,7 +2841,7 @@
           <a:p>
             <a:fld id="{74DDA11D-2719-4AB3-AAA7-DB2910A56E08}" type="slidenum">
               <a:rPr lang="en-GB" smtClean="0"/>
-              <a:t>‹#›</a:t>
+              <a:t>‹N°›</a:t>
             </a:fld>
             <a:endParaRPr lang="en-GB"/>
           </a:p>
@@ -3117,7 +3117,7 @@
           <a:p>
             <a:fld id="{74DDA11D-2719-4AB3-AAA7-DB2910A56E08}" type="slidenum">
               <a:rPr lang="en-GB" smtClean="0"/>
-              <a:t>‹#›</a:t>
+              <a:t>‹N°›</a:t>
             </a:fld>
             <a:endParaRPr lang="en-GB"/>
           </a:p>
@@ -3385,7 +3385,7 @@
           <a:p>
             <a:fld id="{74DDA11D-2719-4AB3-AAA7-DB2910A56E08}" type="slidenum">
               <a:rPr lang="en-GB" smtClean="0"/>
-              <a:t>‹#›</a:t>
+              <a:t>‹N°›</a:t>
             </a:fld>
             <a:endParaRPr lang="en-GB"/>
           </a:p>
@@ -3800,7 +3800,7 @@
           <a:p>
             <a:fld id="{74DDA11D-2719-4AB3-AAA7-DB2910A56E08}" type="slidenum">
               <a:rPr lang="en-GB" smtClean="0"/>
-              <a:t>‹#›</a:t>
+              <a:t>‹N°›</a:t>
             </a:fld>
             <a:endParaRPr lang="en-GB"/>
           </a:p>
@@ -3942,7 +3942,7 @@
           <a:p>
             <a:fld id="{74DDA11D-2719-4AB3-AAA7-DB2910A56E08}" type="slidenum">
               <a:rPr lang="en-GB" smtClean="0"/>
-              <a:t>‹#›</a:t>
+              <a:t>‹N°›</a:t>
             </a:fld>
             <a:endParaRPr lang="en-GB"/>
           </a:p>
@@ -4055,7 +4055,7 @@
           <a:p>
             <a:fld id="{74DDA11D-2719-4AB3-AAA7-DB2910A56E08}" type="slidenum">
               <a:rPr lang="en-GB" smtClean="0"/>
-              <a:t>‹#›</a:t>
+              <a:t>‹N°›</a:t>
             </a:fld>
             <a:endParaRPr lang="en-GB"/>
           </a:p>
@@ -4368,7 +4368,7 @@
           <a:p>
             <a:fld id="{74DDA11D-2719-4AB3-AAA7-DB2910A56E08}" type="slidenum">
               <a:rPr lang="en-GB" smtClean="0"/>
-              <a:t>‹#›</a:t>
+              <a:t>‹N°›</a:t>
             </a:fld>
             <a:endParaRPr lang="en-GB"/>
           </a:p>
@@ -4657,7 +4657,7 @@
           <a:p>
             <a:fld id="{74DDA11D-2719-4AB3-AAA7-DB2910A56E08}" type="slidenum">
               <a:rPr lang="en-GB" smtClean="0"/>
-              <a:t>‹#›</a:t>
+              <a:t>‹N°›</a:t>
             </a:fld>
             <a:endParaRPr lang="en-GB"/>
           </a:p>
@@ -4936,7 +4936,7 @@
           <a:p>
             <a:fld id="{74DDA11D-2719-4AB3-AAA7-DB2910A56E08}" type="slidenum">
               <a:rPr lang="en-GB" smtClean="0"/>
-              <a:t>‹#›</a:t>
+              <a:t>‹N°›</a:t>
             </a:fld>
             <a:endParaRPr lang="en-GB"/>
           </a:p>
@@ -5767,19 +5767,8 @@
                 <a:latin typeface="Times New Roman" panose="02020603050405020304" pitchFamily="18" charset="0"/>
                 <a:cs typeface="Times New Roman" panose="02020603050405020304" pitchFamily="18" charset="0"/>
               </a:rPr>
-              <a:t>Cédric </a:t>
+              <a:t>Cédric Fiorello</a:t>
             </a:r>
-            <a:r>
-              <a:rPr lang="fr-FR" noProof="0" dirty="0" err="1">
-                <a:latin typeface="Times New Roman" panose="02020603050405020304" pitchFamily="18" charset="0"/>
-                <a:cs typeface="Times New Roman" panose="02020603050405020304" pitchFamily="18" charset="0"/>
-              </a:rPr>
-              <a:t>Florello</a:t>
-            </a:r>
-            <a:endParaRPr lang="fr-FR" noProof="0" dirty="0">
-              <a:latin typeface="Times New Roman" panose="02020603050405020304" pitchFamily="18" charset="0"/>
-              <a:cs typeface="Times New Roman" panose="02020603050405020304" pitchFamily="18" charset="0"/>
-            </a:endParaRPr>
           </a:p>
           <a:p>
             <a:pPr marL="285750" indent="-285750" algn="just">
@@ -6166,7 +6155,7 @@
                 <a:latin typeface="Times New Roman" panose="02020603050405020304" pitchFamily="18" charset="0"/>
                 <a:cs typeface="Times New Roman" panose="02020603050405020304" pitchFamily="18" charset="0"/>
               </a:rPr>
-              <a:t>Les limites de l’analyse de convergence de l’erreur de discrétisation. En effet, si les schémas de discrétisation sont uniformes et cohérent avec le problème traité, on peut trouver des résultats extrêmement bons (i.e. erreur de discrétisation très faible et donc analyse de convergence non pertinente). </a:t>
+              <a:t>Les limites de l’analyse de convergence de l’erreur de discrétisation. En effet, si les schémas de discrétisation sont uniformes et cohérents avec le problème traité, on peut obtenir des résultats extrêmement bons (i.e. erreur de discrétisation très faible et donc analyse de convergence non pertinente). </a:t>
             </a:r>
           </a:p>
         </p:txBody>
@@ -6430,7 +6419,15 @@
             <a:pPr algn="just"/>
             <a:r>
               <a:rPr lang="fr-FR" dirty="0"/>
-              <a:t>La vérification du code constitue une première étape essentielle dans le processus global de V&amp;V. Cependant, elle ne garantit pas encore l’exactitude des résultats obtenus. Il est désormais crucial de procéder à l’tape de vérification de la solution. Enfin, l’étape de validation permettra de s’assurer que le modèle représente fidèlement la réalité physique du phénomène étudié.</a:t>
+              <a:t>La vérification du code constitue une première étape essentielle dans le processus global de V&amp;V. Cependant, elle ne garantit pas encore l’exactitude des résultats obtenus. Il est désormais crucial de procéder </a:t>
+            </a:r>
+            <a:r>
+              <a:rPr lang="fr-FR"/>
+              <a:t>à l’étape </a:t>
+            </a:r>
+            <a:r>
+              <a:rPr lang="fr-FR" dirty="0"/>
+              <a:t>de vérification de la solution. Enfin, l’étape de validation permettra de s’assurer que le modèle représente fidèlement la réalité physique du phénomène étudié.</a:t>
             </a:r>
             <a:endParaRPr lang="fr-FR" noProof="0" dirty="0">
               <a:latin typeface="Times New Roman" panose="02020603050405020304" pitchFamily="18" charset="0"/>
@@ -9227,8 +9224,8 @@
           </a:p>
         </p:txBody>
       </p:sp>
-      <mc:AlternateContent xmlns:mc="http://schemas.openxmlformats.org/markup-compatibility/2006" xmlns:a14="http://schemas.microsoft.com/office/drawing/2010/main">
-        <mc:Choice Requires="a14">
+      <mc:AlternateContent xmlns:mc="http://schemas.openxmlformats.org/markup-compatibility/2006">
+        <mc:Choice xmlns:a14="http://schemas.microsoft.com/office/drawing/2010/main" Requires="a14">
           <p:sp>
             <p:nvSpPr>
               <p:cNvPr id="25" name="TextBox 24">
@@ -9331,13 +9328,13 @@
                     <a:latin typeface="Times New Roman" panose="02020603050405020304" pitchFamily="18" charset="0"/>
                     <a:cs typeface="Times New Roman" panose="02020603050405020304" pitchFamily="18" charset="0"/>
                   </a:rPr>
-                  <a:t> et dont la hauteur / profondeur est supposé infini.  </a:t>
+                  <a:t> et la hauteur / profondeur est supposée infinie.  </a:t>
                 </a:r>
               </a:p>
             </p:txBody>
           </p:sp>
         </mc:Choice>
-        <mc:Fallback xmlns="">
+        <mc:Fallback>
           <p:sp>
             <p:nvSpPr>
               <p:cNvPr id="25" name="TextBox 24">
@@ -9372,7 +9369,7 @@
               <a:lstStyle/>
               <a:p>
                 <a:r>
-                  <a:rPr lang="en-GB">
+                  <a:rPr lang="en-CA">
                     <a:noFill/>
                   </a:rPr>
                   <a:t> </a:t>
@@ -21298,7 +21295,7 @@
                 <a:latin typeface="Times New Roman" panose="02020603050405020304" pitchFamily="18" charset="0"/>
                 <a:cs typeface="Times New Roman" panose="02020603050405020304" pitchFamily="18" charset="0"/>
               </a:rPr>
-              <a:t>Les paramètres de simulations sont : </a:t>
+              <a:t>Les paramètres de simulation sont : </a:t>
             </a:r>
           </a:p>
         </p:txBody>
@@ -22249,8 +22246,8 @@
           </p:sp>
         </mc:Fallback>
       </mc:AlternateContent>
-      <mc:AlternateContent xmlns:mc="http://schemas.openxmlformats.org/markup-compatibility/2006" xmlns:a14="http://schemas.microsoft.com/office/drawing/2010/main">
-        <mc:Choice Requires="a14">
+      <mc:AlternateContent xmlns:mc="http://schemas.openxmlformats.org/markup-compatibility/2006">
+        <mc:Choice xmlns:a14="http://schemas.microsoft.com/office/drawing/2010/main" Requires="a14">
           <p:sp>
             <p:nvSpPr>
               <p:cNvPr id="16" name="TextBox 15">
@@ -22312,7 +22309,7 @@
                     <a:latin typeface="Times New Roman" panose="02020603050405020304" pitchFamily="18" charset="0"/>
                     <a:cs typeface="Times New Roman" panose="02020603050405020304" pitchFamily="18" charset="0"/>
                   </a:rPr>
-                  <a:t>) de l’ordre formel attendu théoriquement. De part ce résultat, nous pouvons donc dire que le </a:t>
+                  <a:t>) de l’ordre formel attendu théoriquement. À partir de ce résultat, nous pouvons donc dire que le </a:t>
                 </a:r>
                 <a:r>
                   <a:rPr lang="fr-FR" b="1" noProof="0" dirty="0">
@@ -22446,7 +22443,7 @@
             </p:txBody>
           </p:sp>
         </mc:Choice>
-        <mc:Fallback xmlns="">
+        <mc:Fallback>
           <p:sp>
             <p:nvSpPr>
               <p:cNvPr id="16" name="TextBox 15">
@@ -22481,7 +22478,7 @@
               <a:lstStyle/>
               <a:p>
                 <a:r>
-                  <a:rPr lang="en-GB">
+                  <a:rPr lang="en-CA">
                     <a:noFill/>
                   </a:rPr>
                   <a:t> </a:t>
@@ -24791,8 +24788,8 @@
           </a:p>
         </p:txBody>
       </p:sp>
-      <mc:AlternateContent xmlns:mc="http://schemas.openxmlformats.org/markup-compatibility/2006" xmlns:a14="http://schemas.microsoft.com/office/drawing/2010/main">
-        <mc:Choice Requires="a14">
+      <mc:AlternateContent xmlns:mc="http://schemas.openxmlformats.org/markup-compatibility/2006">
+        <mc:Choice xmlns:a14="http://schemas.microsoft.com/office/drawing/2010/main" Requires="a14">
           <p:sp>
             <p:nvSpPr>
               <p:cNvPr id="17" name="TextBox 16">
@@ -24827,7 +24824,7 @@
                     <a:latin typeface="Times New Roman" panose="02020603050405020304" pitchFamily="18" charset="0"/>
                     <a:cs typeface="Times New Roman" panose="02020603050405020304" pitchFamily="18" charset="0"/>
                   </a:rPr>
-                  <a:t>En comparaison aux résultats obtenues précédemment, simplement basé sur une comparaison visuelle, nous pouvons dire que ces derniers semblent converger plus rapidement vers la solution analytique. En effet, la solution de la question C/D, représenté par    , est bien plus éloigné de la solution analytique. Visuellement, nous pouvons même dire qu’il semblerait que cette nouvelle solution soit très bonne ! </a:t>
+                  <a:t>En comparaison aux résultats obtenues précédemment, simplement basé sur une comparaison visuelle, nous pouvons dire que ces derniers semblent converger plus rapidement vers la solution analytique. En effet, la solution de la question C/D, représentée par    , est bien plus éloignée de la solution analytique. Visuellement, nous pouvons même dire qu’il semblerait que cette nouvelle solution soit très bonne ! </a:t>
                 </a:r>
               </a:p>
               <a:p>
@@ -24876,13 +24873,13 @@
                     <a:latin typeface="Times New Roman" panose="02020603050405020304" pitchFamily="18" charset="0"/>
                     <a:cs typeface="Times New Roman" panose="02020603050405020304" pitchFamily="18" charset="0"/>
                   </a:rPr>
-                  <a:t>  toujours d’ordre 2, nous avons optés pour un schéma décentrée droite  :</a:t>
+                  <a:t>,  toujours d’ordre 2, nous avons opté pour un schéma décentré à droite  :</a:t>
                 </a:r>
               </a:p>
             </p:txBody>
           </p:sp>
         </mc:Choice>
-        <mc:Fallback xmlns="">
+        <mc:Fallback>
           <p:sp>
             <p:nvSpPr>
               <p:cNvPr id="17" name="TextBox 16">
@@ -24917,7 +24914,7 @@
               <a:lstStyle/>
               <a:p>
                 <a:r>
-                  <a:rPr lang="en-GB">
+                  <a:rPr lang="en-CA">
                     <a:noFill/>
                   </a:rPr>
                   <a:t> </a:t>
@@ -25992,7 +25989,7 @@
                     <a:latin typeface="Times New Roman" panose="02020603050405020304" pitchFamily="18" charset="0"/>
                     <a:cs typeface="Times New Roman" panose="02020603050405020304" pitchFamily="18" charset="0"/>
                   </a:rPr>
-                  <a:t>Très clairement et à la vue de ces résultats, on ne peut parler de convergence asymptotique. Aussi surprenant cela puisse paraitre, ces résultats ne semblent pas provenir d’un bug dans le code Python. En effet, il semble seulement que les résultats soient « trop » bon – ce que nous avions pu souligner déjà avec le résultat pour 5 nœuds. </a:t>
+                  <a:t>Très clairement, et à la vue de ces résultats, on ne peut parler de convergence asymptotique. Aussi surprenant que cela puisse paraitre, ces résultats ne semblent pas provenir d’un bug dans le code Python. En effet, il semble seulement que les résultats soient « trop » bon – ce que nous avions pu souligner déjà avec le résultat pour 5 nœuds. </a:t>
                 </a:r>
               </a:p>
               <a:p>
@@ -26109,7 +26106,7 @@
                     <a:latin typeface="Times New Roman" panose="02020603050405020304" pitchFamily="18" charset="0"/>
                     <a:cs typeface="Times New Roman" panose="02020603050405020304" pitchFamily="18" charset="0"/>
                   </a:rPr>
-                  <a:t>, signifiant que la réponse numérique est très bonne. En raison de telle résultat, il nous semble alors incohérent de réaliser une étude de convergence asymptotique – sans souligner qu’il manquerait cruellement de points comme en témoigne l’image.  </a:t>
+                  <a:t>, signifiant que la réponse numérique est très bonne. En raison de tel résultat, il nous semble alors incohérent de réaliser une étude de convergence asymptotique – sans souligner qu’il manquerait cruellement de points comme en témoigne l’image.  </a:t>
                 </a:r>
               </a:p>
             </p:txBody>
@@ -26150,7 +26147,7 @@
               <a:lstStyle/>
               <a:p>
                 <a:r>
-                  <a:rPr lang="fr-FR">
+                  <a:rPr lang="en-CA">
                     <a:noFill/>
                   </a:rPr>
                   <a:t> </a:t>
@@ -26235,7 +26232,7 @@
                     <a:latin typeface="Times New Roman" panose="02020603050405020304" pitchFamily="18" charset="0"/>
                     <a:cs typeface="Times New Roman" panose="02020603050405020304" pitchFamily="18" charset="0"/>
                   </a:rPr>
-                  <a:t>Comme mentionné en cours, on peut remarquer qu’à mesure que le nombre de points augmentent, l’erreur se met à re-augmenter (pour </a:t>
+                  <a:t>Comme mentionné en cours, on peut remarquer qu’à mesure que le nombre de points augmente, l’erreur se met à réaugmenter (pour </a:t>
                 </a:r>
                 <a14:m>
                   <m:oMath xmlns:m="http://schemas.openxmlformats.org/officeDocument/2006/math">
@@ -26313,7 +26310,7 @@
                     <a:latin typeface="Times New Roman" panose="02020603050405020304" pitchFamily="18" charset="0"/>
                     <a:cs typeface="Times New Roman" panose="02020603050405020304" pitchFamily="18" charset="0"/>
                   </a:rPr>
-                  <a:t>). Il semble donc que les autres erreurs ne sont plus négligeables devant l’erreur de discrétisation, qui était dominante jusqu’à présent. On suppose qu’il s’agit plus précisément de </a:t>
+                  <a:t>). Il semble donc que les autres erreurs ne soient plus négligeables devant l’erreur de discrétisation, qui était dominante jusqu’à présent. On suppose qu’il s’agit plus précisément de </a:t>
                 </a:r>
                 <a:r>
                   <a:rPr lang="fr-FR" b="1" noProof="0" dirty="0">
@@ -26368,7 +26365,7 @@
               <a:lstStyle/>
               <a:p>
                 <a:r>
-                  <a:rPr lang="fr-FR">
+                  <a:rPr lang="en-CA">
                     <a:noFill/>
                   </a:rPr>
                   <a:t> </a:t>

--- a/doc/Rapport_Devoir1.pptx
+++ b/doc/Rapport_Devoir1.pptx
@@ -143,7 +143,7 @@
   <pc:docChgLst>
     <pc:chgData name="François GLEYZON" userId="a2d04f23f7faf3ef" providerId="LiveId" clId="{8625411A-B743-4065-8137-36E899DC5753}"/>
     <pc:docChg chg="undo custSel addSld delSld modSld">
-      <pc:chgData name="François GLEYZON" userId="a2d04f23f7faf3ef" providerId="LiveId" clId="{8625411A-B743-4065-8137-36E899DC5753}" dt="2025-02-14T00:36:09.326" v="10909" actId="20577"/>
+      <pc:chgData name="François GLEYZON" userId="a2d04f23f7faf3ef" providerId="LiveId" clId="{8625411A-B743-4065-8137-36E899DC5753}" dt="2025-02-15T18:58:39.562" v="10910" actId="108"/>
       <pc:docMkLst>
         <pc:docMk/>
       </pc:docMkLst>
@@ -1132,7 +1132,7 @@
         </pc:picChg>
       </pc:sldChg>
       <pc:sldChg chg="addSp modSp mod">
-        <pc:chgData name="François GLEYZON" userId="a2d04f23f7faf3ef" providerId="LiveId" clId="{8625411A-B743-4065-8137-36E899DC5753}" dt="2025-02-14T00:29:59.019" v="10862" actId="790"/>
+        <pc:chgData name="François GLEYZON" userId="a2d04f23f7faf3ef" providerId="LiveId" clId="{8625411A-B743-4065-8137-36E899DC5753}" dt="2025-02-15T18:58:39.562" v="10910" actId="108"/>
         <pc:sldMkLst>
           <pc:docMk/>
           <pc:sldMk cId="508563345" sldId="264"/>
@@ -1223,6 +1223,14 @@
             <pc:docMk/>
             <pc:sldMk cId="508563345" sldId="264"/>
             <ac:spMk id="12" creationId="{280E63AB-7E7C-412D-9775-611C8F43CE44}"/>
+          </ac:spMkLst>
+        </pc:spChg>
+        <pc:spChg chg="mod">
+          <ac:chgData name="François GLEYZON" userId="a2d04f23f7faf3ef" providerId="LiveId" clId="{8625411A-B743-4065-8137-36E899DC5753}" dt="2025-02-15T18:58:39.562" v="10910" actId="108"/>
+          <ac:spMkLst>
+            <pc:docMk/>
+            <pc:sldMk cId="508563345" sldId="264"/>
+            <ac:spMk id="13" creationId="{F2151F1C-7D98-8A07-DABB-9BF880922990}"/>
           </ac:spMkLst>
         </pc:spChg>
       </pc:sldChg>
@@ -1676,7 +1684,7 @@
           <a:p>
             <a:fld id="{536D1BE0-9163-4941-8556-7FE0B29195A4}" type="datetimeFigureOut">
               <a:rPr lang="en-GB" smtClean="0"/>
-              <a:t>14/02/2025</a:t>
+              <a:t>15/02/2025</a:t>
             </a:fld>
             <a:endParaRPr lang="en-GB"/>
           </a:p>
@@ -1835,7 +1843,7 @@
           <a:p>
             <a:fld id="{6CA8F5A3-1210-481E-B98C-38D1ADA5BAE1}" type="slidenum">
               <a:rPr lang="en-GB" smtClean="0"/>
-              <a:t>‹N°›</a:t>
+              <a:t>‹#›</a:t>
             </a:fld>
             <a:endParaRPr lang="en-GB"/>
           </a:p>
@@ -2177,7 +2185,7 @@
           <a:p>
             <a:fld id="{CEFDEF93-0E3A-4A89-BC16-F38BAE82060D}" type="datetimeFigureOut">
               <a:rPr lang="en-GB" smtClean="0"/>
-              <a:t>14/02/2025</a:t>
+              <a:t>15/02/2025</a:t>
             </a:fld>
             <a:endParaRPr lang="en-GB"/>
           </a:p>
@@ -2231,7 +2239,7 @@
           <a:p>
             <a:fld id="{74DDA11D-2719-4AB3-AAA7-DB2910A56E08}" type="slidenum">
               <a:rPr lang="en-GB" smtClean="0"/>
-              <a:t>‹N°›</a:t>
+              <a:t>‹#›</a:t>
             </a:fld>
             <a:endParaRPr lang="en-GB"/>
           </a:p>
@@ -2377,7 +2385,7 @@
           <a:p>
             <a:fld id="{CEFDEF93-0E3A-4A89-BC16-F38BAE82060D}" type="datetimeFigureOut">
               <a:rPr lang="en-GB" smtClean="0"/>
-              <a:t>14/02/2025</a:t>
+              <a:t>15/02/2025</a:t>
             </a:fld>
             <a:endParaRPr lang="en-GB"/>
           </a:p>
@@ -2431,7 +2439,7 @@
           <a:p>
             <a:fld id="{74DDA11D-2719-4AB3-AAA7-DB2910A56E08}" type="slidenum">
               <a:rPr lang="en-GB" smtClean="0"/>
-              <a:t>‹N°›</a:t>
+              <a:t>‹#›</a:t>
             </a:fld>
             <a:endParaRPr lang="en-GB"/>
           </a:p>
@@ -2587,7 +2595,7 @@
           <a:p>
             <a:fld id="{CEFDEF93-0E3A-4A89-BC16-F38BAE82060D}" type="datetimeFigureOut">
               <a:rPr lang="en-GB" smtClean="0"/>
-              <a:t>14/02/2025</a:t>
+              <a:t>15/02/2025</a:t>
             </a:fld>
             <a:endParaRPr lang="en-GB"/>
           </a:p>
@@ -2641,7 +2649,7 @@
           <a:p>
             <a:fld id="{74DDA11D-2719-4AB3-AAA7-DB2910A56E08}" type="slidenum">
               <a:rPr lang="en-GB" smtClean="0"/>
-              <a:t>‹N°›</a:t>
+              <a:t>‹#›</a:t>
             </a:fld>
             <a:endParaRPr lang="en-GB"/>
           </a:p>
@@ -2787,7 +2795,7 @@
           <a:p>
             <a:fld id="{CEFDEF93-0E3A-4A89-BC16-F38BAE82060D}" type="datetimeFigureOut">
               <a:rPr lang="en-GB" smtClean="0"/>
-              <a:t>14/02/2025</a:t>
+              <a:t>15/02/2025</a:t>
             </a:fld>
             <a:endParaRPr lang="en-GB"/>
           </a:p>
@@ -2841,7 +2849,7 @@
           <a:p>
             <a:fld id="{74DDA11D-2719-4AB3-AAA7-DB2910A56E08}" type="slidenum">
               <a:rPr lang="en-GB" smtClean="0"/>
-              <a:t>‹N°›</a:t>
+              <a:t>‹#›</a:t>
             </a:fld>
             <a:endParaRPr lang="en-GB"/>
           </a:p>
@@ -3063,7 +3071,7 @@
           <a:p>
             <a:fld id="{CEFDEF93-0E3A-4A89-BC16-F38BAE82060D}" type="datetimeFigureOut">
               <a:rPr lang="en-GB" smtClean="0"/>
-              <a:t>14/02/2025</a:t>
+              <a:t>15/02/2025</a:t>
             </a:fld>
             <a:endParaRPr lang="en-GB"/>
           </a:p>
@@ -3117,7 +3125,7 @@
           <a:p>
             <a:fld id="{74DDA11D-2719-4AB3-AAA7-DB2910A56E08}" type="slidenum">
               <a:rPr lang="en-GB" smtClean="0"/>
-              <a:t>‹N°›</a:t>
+              <a:t>‹#›</a:t>
             </a:fld>
             <a:endParaRPr lang="en-GB"/>
           </a:p>
@@ -3331,7 +3339,7 @@
           <a:p>
             <a:fld id="{CEFDEF93-0E3A-4A89-BC16-F38BAE82060D}" type="datetimeFigureOut">
               <a:rPr lang="en-GB" smtClean="0"/>
-              <a:t>14/02/2025</a:t>
+              <a:t>15/02/2025</a:t>
             </a:fld>
             <a:endParaRPr lang="en-GB"/>
           </a:p>
@@ -3385,7 +3393,7 @@
           <a:p>
             <a:fld id="{74DDA11D-2719-4AB3-AAA7-DB2910A56E08}" type="slidenum">
               <a:rPr lang="en-GB" smtClean="0"/>
-              <a:t>‹N°›</a:t>
+              <a:t>‹#›</a:t>
             </a:fld>
             <a:endParaRPr lang="en-GB"/>
           </a:p>
@@ -3746,7 +3754,7 @@
           <a:p>
             <a:fld id="{CEFDEF93-0E3A-4A89-BC16-F38BAE82060D}" type="datetimeFigureOut">
               <a:rPr lang="en-GB" smtClean="0"/>
-              <a:t>14/02/2025</a:t>
+              <a:t>15/02/2025</a:t>
             </a:fld>
             <a:endParaRPr lang="en-GB"/>
           </a:p>
@@ -3800,7 +3808,7 @@
           <a:p>
             <a:fld id="{74DDA11D-2719-4AB3-AAA7-DB2910A56E08}" type="slidenum">
               <a:rPr lang="en-GB" smtClean="0"/>
-              <a:t>‹N°›</a:t>
+              <a:t>‹#›</a:t>
             </a:fld>
             <a:endParaRPr lang="en-GB"/>
           </a:p>
@@ -3888,7 +3896,7 @@
           <a:p>
             <a:fld id="{CEFDEF93-0E3A-4A89-BC16-F38BAE82060D}" type="datetimeFigureOut">
               <a:rPr lang="en-GB" smtClean="0"/>
-              <a:t>14/02/2025</a:t>
+              <a:t>15/02/2025</a:t>
             </a:fld>
             <a:endParaRPr lang="en-GB"/>
           </a:p>
@@ -3942,7 +3950,7 @@
           <a:p>
             <a:fld id="{74DDA11D-2719-4AB3-AAA7-DB2910A56E08}" type="slidenum">
               <a:rPr lang="en-GB" smtClean="0"/>
-              <a:t>‹N°›</a:t>
+              <a:t>‹#›</a:t>
             </a:fld>
             <a:endParaRPr lang="en-GB"/>
           </a:p>
@@ -4001,7 +4009,7 @@
           <a:p>
             <a:fld id="{CEFDEF93-0E3A-4A89-BC16-F38BAE82060D}" type="datetimeFigureOut">
               <a:rPr lang="en-GB" smtClean="0"/>
-              <a:t>14/02/2025</a:t>
+              <a:t>15/02/2025</a:t>
             </a:fld>
             <a:endParaRPr lang="en-GB"/>
           </a:p>
@@ -4055,7 +4063,7 @@
           <a:p>
             <a:fld id="{74DDA11D-2719-4AB3-AAA7-DB2910A56E08}" type="slidenum">
               <a:rPr lang="en-GB" smtClean="0"/>
-              <a:t>‹N°›</a:t>
+              <a:t>‹#›</a:t>
             </a:fld>
             <a:endParaRPr lang="en-GB"/>
           </a:p>
@@ -4314,7 +4322,7 @@
           <a:p>
             <a:fld id="{CEFDEF93-0E3A-4A89-BC16-F38BAE82060D}" type="datetimeFigureOut">
               <a:rPr lang="en-GB" smtClean="0"/>
-              <a:t>14/02/2025</a:t>
+              <a:t>15/02/2025</a:t>
             </a:fld>
             <a:endParaRPr lang="en-GB"/>
           </a:p>
@@ -4368,7 +4376,7 @@
           <a:p>
             <a:fld id="{74DDA11D-2719-4AB3-AAA7-DB2910A56E08}" type="slidenum">
               <a:rPr lang="en-GB" smtClean="0"/>
-              <a:t>‹N°›</a:t>
+              <a:t>‹#›</a:t>
             </a:fld>
             <a:endParaRPr lang="en-GB"/>
           </a:p>
@@ -4603,7 +4611,7 @@
           <a:p>
             <a:fld id="{CEFDEF93-0E3A-4A89-BC16-F38BAE82060D}" type="datetimeFigureOut">
               <a:rPr lang="en-GB" smtClean="0"/>
-              <a:t>14/02/2025</a:t>
+              <a:t>15/02/2025</a:t>
             </a:fld>
             <a:endParaRPr lang="en-GB"/>
           </a:p>
@@ -4657,7 +4665,7 @@
           <a:p>
             <a:fld id="{74DDA11D-2719-4AB3-AAA7-DB2910A56E08}" type="slidenum">
               <a:rPr lang="en-GB" smtClean="0"/>
-              <a:t>‹N°›</a:t>
+              <a:t>‹#›</a:t>
             </a:fld>
             <a:endParaRPr lang="en-GB"/>
           </a:p>
@@ -4846,7 +4854,7 @@
           <a:p>
             <a:fld id="{CEFDEF93-0E3A-4A89-BC16-F38BAE82060D}" type="datetimeFigureOut">
               <a:rPr lang="en-GB" smtClean="0"/>
-              <a:t>14/02/2025</a:t>
+              <a:t>15/02/2025</a:t>
             </a:fld>
             <a:endParaRPr lang="en-GB"/>
           </a:p>
@@ -4936,7 +4944,7 @@
           <a:p>
             <a:fld id="{74DDA11D-2719-4AB3-AAA7-DB2910A56E08}" type="slidenum">
               <a:rPr lang="en-GB" smtClean="0"/>
-              <a:t>‹N°›</a:t>
+              <a:t>‹#›</a:t>
             </a:fld>
             <a:endParaRPr lang="en-GB"/>
           </a:p>
@@ -6418,21 +6426,12 @@
           <a:p>
             <a:pPr algn="just"/>
             <a:r>
-              <a:rPr lang="fr-FR" dirty="0"/>
-              <a:t>La vérification du code constitue une première étape essentielle dans le processus global de V&amp;V. Cependant, elle ne garantit pas encore l’exactitude des résultats obtenus. Il est désormais crucial de procéder </a:t>
+              <a:rPr lang="fr-FR" dirty="0">
+                <a:latin typeface="Times New Roman" panose="02020603050405020304" pitchFamily="18" charset="0"/>
+                <a:cs typeface="Times New Roman" panose="02020603050405020304" pitchFamily="18" charset="0"/>
+              </a:rPr>
+              <a:t>La vérification du code constitue une première étape essentielle dans le processus global de V&amp;V. Cependant, elle ne garantit pas encore l’exactitude des résultats obtenus. Il est désormais crucial de procéder à l’étape de vérification de la solution. Enfin, l’étape de validation permettra de s’assurer que le modèle représente fidèlement la réalité physique du phénomène étudié.</a:t>
             </a:r>
-            <a:r>
-              <a:rPr lang="fr-FR"/>
-              <a:t>à l’étape </a:t>
-            </a:r>
-            <a:r>
-              <a:rPr lang="fr-FR" dirty="0"/>
-              <a:t>de vérification de la solution. Enfin, l’étape de validation permettra de s’assurer que le modèle représente fidèlement la réalité physique du phénomène étudié.</a:t>
-            </a:r>
-            <a:endParaRPr lang="fr-FR" noProof="0" dirty="0">
-              <a:latin typeface="Times New Roman" panose="02020603050405020304" pitchFamily="18" charset="0"/>
-              <a:cs typeface="Times New Roman" panose="02020603050405020304" pitchFamily="18" charset="0"/>
-            </a:endParaRPr>
           </a:p>
         </p:txBody>
       </p:sp>
@@ -9224,8 +9223,8 @@
           </a:p>
         </p:txBody>
       </p:sp>
-      <mc:AlternateContent xmlns:mc="http://schemas.openxmlformats.org/markup-compatibility/2006">
-        <mc:Choice xmlns:a14="http://schemas.microsoft.com/office/drawing/2010/main" Requires="a14">
+      <mc:AlternateContent xmlns:mc="http://schemas.openxmlformats.org/markup-compatibility/2006" xmlns:a14="http://schemas.microsoft.com/office/drawing/2010/main">
+        <mc:Choice Requires="a14">
           <p:sp>
             <p:nvSpPr>
               <p:cNvPr id="25" name="TextBox 24">
@@ -9334,7 +9333,7 @@
             </p:txBody>
           </p:sp>
         </mc:Choice>
-        <mc:Fallback>
+        <mc:Fallback xmlns="">
           <p:sp>
             <p:nvSpPr>
               <p:cNvPr id="25" name="TextBox 24">
@@ -22246,8 +22245,8 @@
           </p:sp>
         </mc:Fallback>
       </mc:AlternateContent>
-      <mc:AlternateContent xmlns:mc="http://schemas.openxmlformats.org/markup-compatibility/2006">
-        <mc:Choice xmlns:a14="http://schemas.microsoft.com/office/drawing/2010/main" Requires="a14">
+      <mc:AlternateContent xmlns:mc="http://schemas.openxmlformats.org/markup-compatibility/2006" xmlns:a14="http://schemas.microsoft.com/office/drawing/2010/main">
+        <mc:Choice Requires="a14">
           <p:sp>
             <p:nvSpPr>
               <p:cNvPr id="16" name="TextBox 15">
@@ -22443,7 +22442,7 @@
             </p:txBody>
           </p:sp>
         </mc:Choice>
-        <mc:Fallback>
+        <mc:Fallback xmlns="">
           <p:sp>
             <p:nvSpPr>
               <p:cNvPr id="16" name="TextBox 15">
@@ -24788,8 +24787,8 @@
           </a:p>
         </p:txBody>
       </p:sp>
-      <mc:AlternateContent xmlns:mc="http://schemas.openxmlformats.org/markup-compatibility/2006">
-        <mc:Choice xmlns:a14="http://schemas.microsoft.com/office/drawing/2010/main" Requires="a14">
+      <mc:AlternateContent xmlns:mc="http://schemas.openxmlformats.org/markup-compatibility/2006" xmlns:a14="http://schemas.microsoft.com/office/drawing/2010/main">
+        <mc:Choice Requires="a14">
           <p:sp>
             <p:nvSpPr>
               <p:cNvPr id="17" name="TextBox 16">
@@ -24879,7 +24878,7 @@
             </p:txBody>
           </p:sp>
         </mc:Choice>
-        <mc:Fallback>
+        <mc:Fallback xmlns="">
           <p:sp>
             <p:nvSpPr>
               <p:cNvPr id="17" name="TextBox 16">
@@ -25953,8 +25952,8 @@
           </a:p>
         </p:txBody>
       </p:sp>
-      <mc:AlternateContent xmlns:mc="http://schemas.openxmlformats.org/markup-compatibility/2006">
-        <mc:Choice xmlns:a14="http://schemas.microsoft.com/office/drawing/2010/main" Requires="a14">
+      <mc:AlternateContent xmlns:mc="http://schemas.openxmlformats.org/markup-compatibility/2006" xmlns:a14="http://schemas.microsoft.com/office/drawing/2010/main">
+        <mc:Choice Requires="a14">
           <p:sp>
             <p:nvSpPr>
               <p:cNvPr id="10" name="TextBox 9">
@@ -26112,7 +26111,7 @@
             </p:txBody>
           </p:sp>
         </mc:Choice>
-        <mc:Fallback>
+        <mc:Fallback xmlns="">
           <p:sp>
             <p:nvSpPr>
               <p:cNvPr id="10" name="TextBox 9">
@@ -26196,8 +26195,8 @@
           </a:p>
         </p:txBody>
       </p:sp>
-      <mc:AlternateContent xmlns:mc="http://schemas.openxmlformats.org/markup-compatibility/2006">
-        <mc:Choice xmlns:a14="http://schemas.microsoft.com/office/drawing/2010/main" Requires="a14">
+      <mc:AlternateContent xmlns:mc="http://schemas.openxmlformats.org/markup-compatibility/2006" xmlns:a14="http://schemas.microsoft.com/office/drawing/2010/main">
+        <mc:Choice Requires="a14">
           <p:sp>
             <p:nvSpPr>
               <p:cNvPr id="15" name="TextBox 14">
@@ -26330,7 +26329,7 @@
             </p:txBody>
           </p:sp>
         </mc:Choice>
-        <mc:Fallback>
+        <mc:Fallback xmlns="">
           <p:sp>
             <p:nvSpPr>
               <p:cNvPr id="15" name="TextBox 14">
